--- a/presentation.pptx
+++ b/presentation.pptx
@@ -5,7 +5,7 @@
     <p:sldMasterId id="2147483648" r:id="rId1"/>
   </p:sldMasterIdLst>
   <p:notesMasterIdLst>
-    <p:notesMasterId r:id="rId39"/>
+    <p:notesMasterId r:id="rId42"/>
   </p:notesMasterIdLst>
   <p:sldIdLst>
     <p:sldId id="256" r:id="rId2"/>
@@ -22,29 +22,32 @@
     <p:sldId id="298" r:id="rId13"/>
     <p:sldId id="303" r:id="rId14"/>
     <p:sldId id="304" r:id="rId15"/>
-    <p:sldId id="305" r:id="rId16"/>
-    <p:sldId id="306" r:id="rId17"/>
-    <p:sldId id="307" r:id="rId18"/>
-    <p:sldId id="300" r:id="rId19"/>
-    <p:sldId id="302" r:id="rId20"/>
-    <p:sldId id="263" r:id="rId21"/>
-    <p:sldId id="308" r:id="rId22"/>
-    <p:sldId id="265" r:id="rId23"/>
-    <p:sldId id="309" r:id="rId24"/>
-    <p:sldId id="310" r:id="rId25"/>
-    <p:sldId id="311" r:id="rId26"/>
-    <p:sldId id="312" r:id="rId27"/>
-    <p:sldId id="313" r:id="rId28"/>
-    <p:sldId id="314" r:id="rId29"/>
-    <p:sldId id="277" r:id="rId30"/>
-    <p:sldId id="278" r:id="rId31"/>
-    <p:sldId id="279" r:id="rId32"/>
-    <p:sldId id="280" r:id="rId33"/>
-    <p:sldId id="281" r:id="rId34"/>
-    <p:sldId id="282" r:id="rId35"/>
-    <p:sldId id="283" r:id="rId36"/>
-    <p:sldId id="284" r:id="rId37"/>
-    <p:sldId id="285" r:id="rId38"/>
+    <p:sldId id="315" r:id="rId16"/>
+    <p:sldId id="305" r:id="rId17"/>
+    <p:sldId id="306" r:id="rId18"/>
+    <p:sldId id="307" r:id="rId19"/>
+    <p:sldId id="300" r:id="rId20"/>
+    <p:sldId id="302" r:id="rId21"/>
+    <p:sldId id="316" r:id="rId22"/>
+    <p:sldId id="263" r:id="rId23"/>
+    <p:sldId id="308" r:id="rId24"/>
+    <p:sldId id="317" r:id="rId25"/>
+    <p:sldId id="265" r:id="rId26"/>
+    <p:sldId id="309" r:id="rId27"/>
+    <p:sldId id="310" r:id="rId28"/>
+    <p:sldId id="311" r:id="rId29"/>
+    <p:sldId id="312" r:id="rId30"/>
+    <p:sldId id="313" r:id="rId31"/>
+    <p:sldId id="314" r:id="rId32"/>
+    <p:sldId id="277" r:id="rId33"/>
+    <p:sldId id="278" r:id="rId34"/>
+    <p:sldId id="279" r:id="rId35"/>
+    <p:sldId id="280" r:id="rId36"/>
+    <p:sldId id="281" r:id="rId37"/>
+    <p:sldId id="282" r:id="rId38"/>
+    <p:sldId id="283" r:id="rId39"/>
+    <p:sldId id="284" r:id="rId40"/>
+    <p:sldId id="285" r:id="rId41"/>
   </p:sldIdLst>
   <p:sldSz cx="9144000" cy="6858000" type="screen4x3"/>
   <p:notesSz cx="6858000" cy="9144000"/>
@@ -143,6 +146,11 @@
       </a:defRPr>
     </a:lvl9pPr>
   </p:defaultTextStyle>
+  <p:extLst>
+    <p:ext uri="{EFAFB233-063F-42B5-8137-9DF3F51BA10A}">
+      <p15:sldGuideLst xmlns:p15="http://schemas.microsoft.com/office/powerpoint/2012/main"/>
+    </p:ext>
+  </p:extLst>
 </p:presentation>
 </file>
 
@@ -901,7 +909,7 @@
       </p:grpSpPr>
       <p:sp>
         <p:nvSpPr>
-          <p:cNvPr id="171" name="PlaceHolder 1"/>
+          <p:cNvPr id="173" name="PlaceHolder 1"/>
           <p:cNvSpPr>
             <a:spLocks noGrp="1"/>
           </p:cNvSpPr>
@@ -938,7 +946,7 @@
       </p:sp>
       <p:sp>
         <p:nvSpPr>
-          <p:cNvPr id="172" name="CustomShape 2"/>
+          <p:cNvPr id="174" name="CustomShape 2"/>
           <p:cNvSpPr/>
           <p:nvPr/>
         </p:nvSpPr>
@@ -976,7 +984,7 @@
                 <a:spcPct val="100000"/>
               </a:lnSpc>
             </a:pPr>
-            <a:fld id="{72A02D17-7A55-4A68-AF5D-B49B5E2BC3A7}" type="slidenum">
+            <a:fld id="{36847CA7-B104-418F-AF9F-9BDEA17E32B4}" type="slidenum">
               <a:rPr lang="en-US" sz="1200" b="0" strike="noStrike" spc="-1">
                 <a:solidFill>
                   <a:srgbClr val="000000"/>
@@ -1008,7 +1016,7 @@
     </p:spTree>
     <p:extLst>
       <p:ext uri="{BB962C8B-B14F-4D97-AF65-F5344CB8AC3E}">
-        <p14:creationId xmlns:p14="http://schemas.microsoft.com/office/powerpoint/2010/main" val="3892428049"/>
+        <p14:creationId xmlns:p14="http://schemas.microsoft.com/office/powerpoint/2010/main" val="2377757082"/>
       </p:ext>
     </p:extLst>
   </p:cSld>
@@ -1144,7 +1152,7 @@
     </p:spTree>
     <p:extLst>
       <p:ext uri="{BB962C8B-B14F-4D97-AF65-F5344CB8AC3E}">
-        <p14:creationId xmlns:p14="http://schemas.microsoft.com/office/powerpoint/2010/main" val="4074314479"/>
+        <p14:creationId xmlns:p14="http://schemas.microsoft.com/office/powerpoint/2010/main" val="3892428049"/>
       </p:ext>
     </p:extLst>
   </p:cSld>
@@ -1280,7 +1288,7 @@
     </p:spTree>
     <p:extLst>
       <p:ext uri="{BB962C8B-B14F-4D97-AF65-F5344CB8AC3E}">
-        <p14:creationId xmlns:p14="http://schemas.microsoft.com/office/powerpoint/2010/main" val="2485261816"/>
+        <p14:creationId xmlns:p14="http://schemas.microsoft.com/office/powerpoint/2010/main" val="4074314479"/>
       </p:ext>
     </p:extLst>
   </p:cSld>
@@ -1309,7 +1317,7 @@
       </p:grpSpPr>
       <p:sp>
         <p:nvSpPr>
-          <p:cNvPr id="179" name="PlaceHolder 1"/>
+          <p:cNvPr id="171" name="PlaceHolder 1"/>
           <p:cNvSpPr>
             <a:spLocks noGrp="1"/>
           </p:cNvSpPr>
@@ -1346,7 +1354,7 @@
       </p:sp>
       <p:sp>
         <p:nvSpPr>
-          <p:cNvPr id="180" name="CustomShape 2"/>
+          <p:cNvPr id="172" name="CustomShape 2"/>
           <p:cNvSpPr/>
           <p:nvPr/>
         </p:nvSpPr>
@@ -1384,7 +1392,7 @@
                 <a:spcPct val="100000"/>
               </a:lnSpc>
             </a:pPr>
-            <a:fld id="{483FE29F-5B9F-4FD9-B178-D5B8ECC78C80}" type="slidenum">
+            <a:fld id="{72A02D17-7A55-4A68-AF5D-B49B5E2BC3A7}" type="slidenum">
               <a:rPr lang="en-US" sz="1200" b="0" strike="noStrike" spc="-1">
                 <a:solidFill>
                   <a:srgbClr val="000000"/>
@@ -1416,7 +1424,7 @@
     </p:spTree>
     <p:extLst>
       <p:ext uri="{BB962C8B-B14F-4D97-AF65-F5344CB8AC3E}">
-        <p14:creationId xmlns:p14="http://schemas.microsoft.com/office/powerpoint/2010/main" val="1588178951"/>
+        <p14:creationId xmlns:p14="http://schemas.microsoft.com/office/powerpoint/2010/main" val="2485261816"/>
       </p:ext>
     </p:extLst>
   </p:cSld>
@@ -1552,7 +1560,7 @@
     </p:spTree>
     <p:extLst>
       <p:ext uri="{BB962C8B-B14F-4D97-AF65-F5344CB8AC3E}">
-        <p14:creationId xmlns:p14="http://schemas.microsoft.com/office/powerpoint/2010/main" val="183033969"/>
+        <p14:creationId xmlns:p14="http://schemas.microsoft.com/office/powerpoint/2010/main" val="1588178951"/>
       </p:ext>
     </p:extLst>
   </p:cSld>
@@ -1581,7 +1589,7 @@
       </p:grpSpPr>
       <p:sp>
         <p:nvSpPr>
-          <p:cNvPr id="177" name="PlaceHolder 1"/>
+          <p:cNvPr id="179" name="PlaceHolder 1"/>
           <p:cNvSpPr>
             <a:spLocks noGrp="1"/>
           </p:cNvSpPr>
@@ -1618,7 +1626,7 @@
       </p:sp>
       <p:sp>
         <p:nvSpPr>
-          <p:cNvPr id="178" name="CustomShape 2"/>
+          <p:cNvPr id="180" name="CustomShape 2"/>
           <p:cNvSpPr/>
           <p:nvPr/>
         </p:nvSpPr>
@@ -1656,7 +1664,7 @@
                 <a:spcPct val="100000"/>
               </a:lnSpc>
             </a:pPr>
-            <a:fld id="{47A73A73-4F97-475F-9AF2-12580A8302EB}" type="slidenum">
+            <a:fld id="{483FE29F-5B9F-4FD9-B178-D5B8ECC78C80}" type="slidenum">
               <a:rPr lang="en-US" sz="1200" b="0" strike="noStrike" spc="-1">
                 <a:solidFill>
                   <a:srgbClr val="000000"/>
@@ -1686,6 +1694,11 @@
         </p:txBody>
       </p:sp>
     </p:spTree>
+    <p:extLst>
+      <p:ext uri="{BB962C8B-B14F-4D97-AF65-F5344CB8AC3E}">
+        <p14:creationId xmlns:p14="http://schemas.microsoft.com/office/powerpoint/2010/main" val="183033969"/>
+      </p:ext>
+    </p:extLst>
   </p:cSld>
   <p:clrMapOvr>
     <a:masterClrMapping/>
@@ -1712,7 +1725,7 @@
       </p:grpSpPr>
       <p:sp>
         <p:nvSpPr>
-          <p:cNvPr id="177" name="PlaceHolder 1"/>
+          <p:cNvPr id="173" name="PlaceHolder 1"/>
           <p:cNvSpPr>
             <a:spLocks noGrp="1"/>
           </p:cNvSpPr>
@@ -1749,7 +1762,7 @@
       </p:sp>
       <p:sp>
         <p:nvSpPr>
-          <p:cNvPr id="178" name="CustomShape 2"/>
+          <p:cNvPr id="174" name="CustomShape 2"/>
           <p:cNvSpPr/>
           <p:nvPr/>
         </p:nvSpPr>
@@ -1787,7 +1800,7 @@
                 <a:spcPct val="100000"/>
               </a:lnSpc>
             </a:pPr>
-            <a:fld id="{47A73A73-4F97-475F-9AF2-12580A8302EB}" type="slidenum">
+            <a:fld id="{36847CA7-B104-418F-AF9F-9BDEA17E32B4}" type="slidenum">
               <a:rPr lang="en-US" sz="1200" b="0" strike="noStrike" spc="-1">
                 <a:solidFill>
                   <a:srgbClr val="000000"/>
@@ -1819,7 +1832,7 @@
     </p:spTree>
     <p:extLst>
       <p:ext uri="{BB962C8B-B14F-4D97-AF65-F5344CB8AC3E}">
-        <p14:creationId xmlns:p14="http://schemas.microsoft.com/office/powerpoint/2010/main" val="2678646191"/>
+        <p14:creationId xmlns:p14="http://schemas.microsoft.com/office/powerpoint/2010/main" val="506727324"/>
       </p:ext>
     </p:extLst>
   </p:cSld>
@@ -1848,7 +1861,7 @@
       </p:grpSpPr>
       <p:sp>
         <p:nvSpPr>
-          <p:cNvPr id="181" name="PlaceHolder 1"/>
+          <p:cNvPr id="177" name="PlaceHolder 1"/>
           <p:cNvSpPr>
             <a:spLocks noGrp="1"/>
           </p:cNvSpPr>
@@ -1885,7 +1898,7 @@
       </p:sp>
       <p:sp>
         <p:nvSpPr>
-          <p:cNvPr id="182" name="CustomShape 2"/>
+          <p:cNvPr id="178" name="CustomShape 2"/>
           <p:cNvSpPr/>
           <p:nvPr/>
         </p:nvSpPr>
@@ -1923,7 +1936,7 @@
                 <a:spcPct val="100000"/>
               </a:lnSpc>
             </a:pPr>
-            <a:fld id="{C1EAD73F-BDD2-463E-A830-392AF2915E29}" type="slidenum">
+            <a:fld id="{47A73A73-4F97-475F-9AF2-12580A8302EB}" type="slidenum">
               <a:rPr lang="en-US" sz="1200" b="0" strike="noStrike" spc="-1">
                 <a:solidFill>
                   <a:srgbClr val="000000"/>
@@ -2110,7 +2123,7 @@
       </p:grpSpPr>
       <p:sp>
         <p:nvSpPr>
-          <p:cNvPr id="205" name="PlaceHolder 1"/>
+          <p:cNvPr id="177" name="PlaceHolder 1"/>
           <p:cNvSpPr>
             <a:spLocks noGrp="1"/>
           </p:cNvSpPr>
@@ -2147,7 +2160,7 @@
       </p:sp>
       <p:sp>
         <p:nvSpPr>
-          <p:cNvPr id="206" name="CustomShape 2"/>
+          <p:cNvPr id="178" name="CustomShape 2"/>
           <p:cNvSpPr/>
           <p:nvPr/>
         </p:nvSpPr>
@@ -2185,7 +2198,7 @@
                 <a:spcPct val="100000"/>
               </a:lnSpc>
             </a:pPr>
-            <a:fld id="{50E2D55D-4FBC-404F-9CF3-F26BD4413E2B}" type="slidenum">
+            <a:fld id="{47A73A73-4F97-475F-9AF2-12580A8302EB}" type="slidenum">
               <a:rPr lang="en-US" sz="1200" b="0" strike="noStrike" spc="-1">
                 <a:solidFill>
                   <a:srgbClr val="000000"/>
@@ -2198,7 +2211,7 @@
                 <a:latin typeface="+mn-lt"/>
                 <a:ea typeface="+mn-ea"/>
               </a:rPr>
-              <a:t>29</a:t>
+              <a:t>23</a:t>
             </a:fld>
             <a:endParaRPr lang="en-US" sz="1800" b="0" strike="noStrike" spc="-1">
               <a:solidFill>
@@ -2215,6 +2228,11 @@
         </p:txBody>
       </p:sp>
     </p:spTree>
+    <p:extLst>
+      <p:ext uri="{BB962C8B-B14F-4D97-AF65-F5344CB8AC3E}">
+        <p14:creationId xmlns:p14="http://schemas.microsoft.com/office/powerpoint/2010/main" val="2678646191"/>
+      </p:ext>
+    </p:extLst>
   </p:cSld>
   <p:clrMapOvr>
     <a:masterClrMapping/>
@@ -2241,7 +2259,7 @@
       </p:grpSpPr>
       <p:sp>
         <p:nvSpPr>
-          <p:cNvPr id="207" name="PlaceHolder 1"/>
+          <p:cNvPr id="173" name="PlaceHolder 1"/>
           <p:cNvSpPr>
             <a:spLocks noGrp="1"/>
           </p:cNvSpPr>
@@ -2278,7 +2296,7 @@
       </p:sp>
       <p:sp>
         <p:nvSpPr>
-          <p:cNvPr id="208" name="CustomShape 2"/>
+          <p:cNvPr id="174" name="CustomShape 2"/>
           <p:cNvSpPr/>
           <p:nvPr/>
         </p:nvSpPr>
@@ -2316,7 +2334,7 @@
                 <a:spcPct val="100000"/>
               </a:lnSpc>
             </a:pPr>
-            <a:fld id="{2DD485AE-68B2-4B9D-BD7C-9589E5AA0796}" type="slidenum">
+            <a:fld id="{36847CA7-B104-418F-AF9F-9BDEA17E32B4}" type="slidenum">
               <a:rPr lang="en-US" sz="1200" b="0" strike="noStrike" spc="-1">
                 <a:solidFill>
                   <a:srgbClr val="000000"/>
@@ -2326,10 +2344,10 @@
                     <a:srgbClr val="FFFFFF"/>
                   </a:solidFill>
                 </a:uFill>
-                <a:latin typeface="Arial"/>
+                <a:latin typeface="+mn-lt"/>
                 <a:ea typeface="+mn-ea"/>
               </a:rPr>
-              <a:t>30</a:t>
+              <a:t>24</a:t>
             </a:fld>
             <a:endParaRPr lang="en-US" sz="1800" b="0" strike="noStrike" spc="-1">
               <a:solidFill>
@@ -2346,6 +2364,11 @@
         </p:txBody>
       </p:sp>
     </p:spTree>
+    <p:extLst>
+      <p:ext uri="{BB962C8B-B14F-4D97-AF65-F5344CB8AC3E}">
+        <p14:creationId xmlns:p14="http://schemas.microsoft.com/office/powerpoint/2010/main" val="364763090"/>
+      </p:ext>
+    </p:extLst>
   </p:cSld>
   <p:clrMapOvr>
     <a:masterClrMapping/>
@@ -2372,7 +2395,7 @@
       </p:grpSpPr>
       <p:sp>
         <p:nvSpPr>
-          <p:cNvPr id="209" name="PlaceHolder 1"/>
+          <p:cNvPr id="181" name="PlaceHolder 1"/>
           <p:cNvSpPr>
             <a:spLocks noGrp="1"/>
           </p:cNvSpPr>
@@ -2409,7 +2432,7 @@
       </p:sp>
       <p:sp>
         <p:nvSpPr>
-          <p:cNvPr id="210" name="CustomShape 2"/>
+          <p:cNvPr id="182" name="CustomShape 2"/>
           <p:cNvSpPr/>
           <p:nvPr/>
         </p:nvSpPr>
@@ -2447,7 +2470,7 @@
                 <a:spcPct val="100000"/>
               </a:lnSpc>
             </a:pPr>
-            <a:fld id="{16D3F57F-A8F1-4BC3-B2F7-FEE028F6A5F7}" type="slidenum">
+            <a:fld id="{C1EAD73F-BDD2-463E-A830-392AF2915E29}" type="slidenum">
               <a:rPr lang="en-US" sz="1200" b="0" strike="noStrike" spc="-1">
                 <a:solidFill>
                   <a:srgbClr val="000000"/>
@@ -2457,10 +2480,10 @@
                     <a:srgbClr val="FFFFFF"/>
                   </a:solidFill>
                 </a:uFill>
-                <a:latin typeface="Arial"/>
+                <a:latin typeface="+mn-lt"/>
                 <a:ea typeface="+mn-ea"/>
               </a:rPr>
-              <a:t>31</a:t>
+              <a:t>25</a:t>
             </a:fld>
             <a:endParaRPr lang="en-US" sz="1800" b="0" strike="noStrike" spc="-1">
               <a:solidFill>
@@ -2503,7 +2526,7 @@
       </p:grpSpPr>
       <p:sp>
         <p:nvSpPr>
-          <p:cNvPr id="211" name="PlaceHolder 1"/>
+          <p:cNvPr id="205" name="PlaceHolder 1"/>
           <p:cNvSpPr>
             <a:spLocks noGrp="1"/>
           </p:cNvSpPr>
@@ -2540,7 +2563,7 @@
       </p:sp>
       <p:sp>
         <p:nvSpPr>
-          <p:cNvPr id="212" name="CustomShape 2"/>
+          <p:cNvPr id="206" name="CustomShape 2"/>
           <p:cNvSpPr/>
           <p:nvPr/>
         </p:nvSpPr>
@@ -2578,7 +2601,7 @@
                 <a:spcPct val="100000"/>
               </a:lnSpc>
             </a:pPr>
-            <a:fld id="{1A22E031-8D10-4104-B506-1E221361FAA7}" type="slidenum">
+            <a:fld id="{50E2D55D-4FBC-404F-9CF3-F26BD4413E2B}" type="slidenum">
               <a:rPr lang="en-US" sz="1200" b="0" strike="noStrike" spc="-1">
                 <a:solidFill>
                   <a:srgbClr val="000000"/>
@@ -2588,7 +2611,7 @@
                     <a:srgbClr val="FFFFFF"/>
                   </a:solidFill>
                 </a:uFill>
-                <a:latin typeface="Arial"/>
+                <a:latin typeface="+mn-lt"/>
                 <a:ea typeface="+mn-ea"/>
               </a:rPr>
               <a:t>32</a:t>
@@ -2634,7 +2657,7 @@
       </p:grpSpPr>
       <p:sp>
         <p:nvSpPr>
-          <p:cNvPr id="213" name="PlaceHolder 1"/>
+          <p:cNvPr id="207" name="PlaceHolder 1"/>
           <p:cNvSpPr>
             <a:spLocks noGrp="1"/>
           </p:cNvSpPr>
@@ -2671,7 +2694,7 @@
       </p:sp>
       <p:sp>
         <p:nvSpPr>
-          <p:cNvPr id="214" name="CustomShape 2"/>
+          <p:cNvPr id="208" name="CustomShape 2"/>
           <p:cNvSpPr/>
           <p:nvPr/>
         </p:nvSpPr>
@@ -2709,7 +2732,7 @@
                 <a:spcPct val="100000"/>
               </a:lnSpc>
             </a:pPr>
-            <a:fld id="{72176D27-40DC-4A57-A457-6216163DEFAD}" type="slidenum">
+            <a:fld id="{2DD485AE-68B2-4B9D-BD7C-9589E5AA0796}" type="slidenum">
               <a:rPr lang="en-US" sz="1200" b="0" strike="noStrike" spc="-1">
                 <a:solidFill>
                   <a:srgbClr val="000000"/>
@@ -2765,7 +2788,7 @@
       </p:grpSpPr>
       <p:sp>
         <p:nvSpPr>
-          <p:cNvPr id="215" name="PlaceHolder 1"/>
+          <p:cNvPr id="209" name="PlaceHolder 1"/>
           <p:cNvSpPr>
             <a:spLocks noGrp="1"/>
           </p:cNvSpPr>
@@ -2802,7 +2825,7 @@
       </p:sp>
       <p:sp>
         <p:nvSpPr>
-          <p:cNvPr id="216" name="CustomShape 2"/>
+          <p:cNvPr id="210" name="CustomShape 2"/>
           <p:cNvSpPr/>
           <p:nvPr/>
         </p:nvSpPr>
@@ -2840,7 +2863,7 @@
                 <a:spcPct val="100000"/>
               </a:lnSpc>
             </a:pPr>
-            <a:fld id="{3546136D-80AB-4C8E-8AF6-4F32D444689D}" type="slidenum">
+            <a:fld id="{16D3F57F-A8F1-4BC3-B2F7-FEE028F6A5F7}" type="slidenum">
               <a:rPr lang="en-US" sz="1200" b="0" strike="noStrike" spc="-1">
                 <a:solidFill>
                   <a:srgbClr val="000000"/>
@@ -2896,7 +2919,7 @@
       </p:grpSpPr>
       <p:sp>
         <p:nvSpPr>
-          <p:cNvPr id="217" name="PlaceHolder 1"/>
+          <p:cNvPr id="211" name="PlaceHolder 1"/>
           <p:cNvSpPr>
             <a:spLocks noGrp="1"/>
           </p:cNvSpPr>
@@ -2933,7 +2956,7 @@
       </p:sp>
       <p:sp>
         <p:nvSpPr>
-          <p:cNvPr id="218" name="CustomShape 2"/>
+          <p:cNvPr id="212" name="CustomShape 2"/>
           <p:cNvSpPr/>
           <p:nvPr/>
         </p:nvSpPr>
@@ -2971,7 +2994,7 @@
                 <a:spcPct val="100000"/>
               </a:lnSpc>
             </a:pPr>
-            <a:fld id="{A121BB29-B301-49BA-BD1B-E875954B6960}" type="slidenum">
+            <a:fld id="{1A22E031-8D10-4104-B506-1E221361FAA7}" type="slidenum">
               <a:rPr lang="en-US" sz="1200" b="0" strike="noStrike" spc="-1">
                 <a:solidFill>
                   <a:srgbClr val="000000"/>
@@ -3027,7 +3050,7 @@
       </p:grpSpPr>
       <p:sp>
         <p:nvSpPr>
-          <p:cNvPr id="219" name="PlaceHolder 1"/>
+          <p:cNvPr id="213" name="PlaceHolder 1"/>
           <p:cNvSpPr>
             <a:spLocks noGrp="1"/>
           </p:cNvSpPr>
@@ -3064,7 +3087,7 @@
       </p:sp>
       <p:sp>
         <p:nvSpPr>
-          <p:cNvPr id="220" name="CustomShape 2"/>
+          <p:cNvPr id="214" name="CustomShape 2"/>
           <p:cNvSpPr/>
           <p:nvPr/>
         </p:nvSpPr>
@@ -3102,7 +3125,7 @@
                 <a:spcPct val="100000"/>
               </a:lnSpc>
             </a:pPr>
-            <a:fld id="{B222195E-E77F-43A4-9B66-DAF0F2B8CC3C}" type="slidenum">
+            <a:fld id="{72176D27-40DC-4A57-A457-6216163DEFAD}" type="slidenum">
               <a:rPr lang="en-US" sz="1200" b="0" strike="noStrike" spc="-1">
                 <a:solidFill>
                   <a:srgbClr val="000000"/>
@@ -3158,7 +3181,7 @@
       </p:grpSpPr>
       <p:sp>
         <p:nvSpPr>
-          <p:cNvPr id="221" name="PlaceHolder 1"/>
+          <p:cNvPr id="215" name="PlaceHolder 1"/>
           <p:cNvSpPr>
             <a:spLocks noGrp="1"/>
           </p:cNvSpPr>
@@ -3195,7 +3218,7 @@
       </p:sp>
       <p:sp>
         <p:nvSpPr>
-          <p:cNvPr id="222" name="CustomShape 2"/>
+          <p:cNvPr id="216" name="CustomShape 2"/>
           <p:cNvSpPr/>
           <p:nvPr/>
         </p:nvSpPr>
@@ -3233,7 +3256,7 @@
                 <a:spcPct val="100000"/>
               </a:lnSpc>
             </a:pPr>
-            <a:fld id="{A077A7F9-C442-4389-A808-42104482EDAC}" type="slidenum">
+            <a:fld id="{3546136D-80AB-4C8E-8AF6-4F32D444689D}" type="slidenum">
               <a:rPr lang="en-US" sz="1200" b="0" strike="noStrike" spc="-1">
                 <a:solidFill>
                   <a:srgbClr val="000000"/>
@@ -3243,10 +3266,141 @@
                     <a:srgbClr val="FFFFFF"/>
                   </a:solidFill>
                 </a:uFill>
-                <a:latin typeface="+mn-lt"/>
+                <a:latin typeface="Arial"/>
                 <a:ea typeface="+mn-ea"/>
               </a:rPr>
               <a:t>37</a:t>
+            </a:fld>
+            <a:endParaRPr lang="en-US" sz="1800" b="0" strike="noStrike" spc="-1">
+              <a:solidFill>
+                <a:srgbClr val="000000"/>
+              </a:solidFill>
+              <a:uFill>
+                <a:solidFill>
+                  <a:srgbClr val="FFFFFF"/>
+                </a:solidFill>
+              </a:uFill>
+              <a:latin typeface="Arial"/>
+            </a:endParaRPr>
+          </a:p>
+        </p:txBody>
+      </p:sp>
+    </p:spTree>
+  </p:cSld>
+  <p:clrMapOvr>
+    <a:masterClrMapping/>
+  </p:clrMapOvr>
+</p:notes>
+</file>
+
+<file path=ppt/notesSlides/notesSlide29.xml><?xml version="1.0" encoding="utf-8"?>
+<p:notes xmlns:a="http://schemas.openxmlformats.org/drawingml/2006/main" xmlns:r="http://schemas.openxmlformats.org/officeDocument/2006/relationships" xmlns:p="http://schemas.openxmlformats.org/presentationml/2006/main">
+  <p:cSld>
+    <p:spTree>
+      <p:nvGrpSpPr>
+        <p:cNvPr id="1" name=""/>
+        <p:cNvGrpSpPr/>
+        <p:nvPr/>
+      </p:nvGrpSpPr>
+      <p:grpSpPr>
+        <a:xfrm>
+          <a:off x="0" y="0"/>
+          <a:ext cx="0" cy="0"/>
+          <a:chOff x="0" y="0"/>
+          <a:chExt cx="0" cy="0"/>
+        </a:xfrm>
+      </p:grpSpPr>
+      <p:sp>
+        <p:nvSpPr>
+          <p:cNvPr id="217" name="PlaceHolder 1"/>
+          <p:cNvSpPr>
+            <a:spLocks noGrp="1"/>
+          </p:cNvSpPr>
+          <p:nvPr>
+            <p:ph type="body"/>
+          </p:nvPr>
+        </p:nvSpPr>
+        <p:spPr>
+          <a:xfrm>
+            <a:off x="685800" y="4400640"/>
+            <a:ext cx="5485680" cy="3599640"/>
+          </a:xfrm>
+          <a:prstGeom prst="rect">
+            <a:avLst/>
+          </a:prstGeom>
+        </p:spPr>
+        <p:txBody>
+          <a:bodyPr lIns="0" tIns="0" rIns="0" bIns="0"/>
+          <a:lstStyle/>
+          <a:p>
+            <a:endParaRPr lang="en-US" sz="2000" b="0" strike="noStrike" spc="-1">
+              <a:solidFill>
+                <a:srgbClr val="000000"/>
+              </a:solidFill>
+              <a:uFill>
+                <a:solidFill>
+                  <a:srgbClr val="FFFFFF"/>
+                </a:solidFill>
+              </a:uFill>
+              <a:latin typeface="Arial"/>
+            </a:endParaRPr>
+          </a:p>
+        </p:txBody>
+      </p:sp>
+      <p:sp>
+        <p:nvSpPr>
+          <p:cNvPr id="218" name="CustomShape 2"/>
+          <p:cNvSpPr/>
+          <p:nvPr/>
+        </p:nvSpPr>
+        <p:spPr>
+          <a:xfrm>
+            <a:off x="3884760" y="8685360"/>
+            <a:ext cx="2971080" cy="457920"/>
+          </a:xfrm>
+          <a:prstGeom prst="rect">
+            <a:avLst/>
+          </a:prstGeom>
+          <a:noFill/>
+          <a:ln>
+            <a:noFill/>
+          </a:ln>
+        </p:spPr>
+        <p:style>
+          <a:lnRef idx="0">
+            <a:scrgbClr r="0" g="0" b="0"/>
+          </a:lnRef>
+          <a:fillRef idx="0">
+            <a:scrgbClr r="0" g="0" b="0"/>
+          </a:fillRef>
+          <a:effectRef idx="0">
+            <a:scrgbClr r="0" g="0" b="0"/>
+          </a:effectRef>
+          <a:fontRef idx="minor"/>
+        </p:style>
+        <p:txBody>
+          <a:bodyPr lIns="90000" tIns="45000" rIns="90000" bIns="45000" anchor="b"/>
+          <a:lstStyle/>
+          <a:p>
+            <a:pPr algn="r">
+              <a:lnSpc>
+                <a:spcPct val="100000"/>
+              </a:lnSpc>
+            </a:pPr>
+            <a:fld id="{A121BB29-B301-49BA-BD1B-E875954B6960}" type="slidenum">
+              <a:rPr lang="en-US" sz="1200" b="0" strike="noStrike" spc="-1">
+                <a:solidFill>
+                  <a:srgbClr val="000000"/>
+                </a:solidFill>
+                <a:uFill>
+                  <a:solidFill>
+                    <a:srgbClr val="FFFFFF"/>
+                  </a:solidFill>
+                </a:uFill>
+                <a:latin typeface="Arial"/>
+                <a:ea typeface="+mn-ea"/>
+              </a:rPr>
+              <a:t>38</a:t>
             </a:fld>
             <a:endParaRPr lang="en-US" sz="1800" b="0" strike="noStrike" spc="-1">
               <a:solidFill>
@@ -3399,6 +3553,268 @@
         <p14:creationId xmlns:p14="http://schemas.microsoft.com/office/powerpoint/2010/main" val="4176122560"/>
       </p:ext>
     </p:extLst>
+  </p:cSld>
+  <p:clrMapOvr>
+    <a:masterClrMapping/>
+  </p:clrMapOvr>
+</p:notes>
+</file>
+
+<file path=ppt/notesSlides/notesSlide30.xml><?xml version="1.0" encoding="utf-8"?>
+<p:notes xmlns:a="http://schemas.openxmlformats.org/drawingml/2006/main" xmlns:r="http://schemas.openxmlformats.org/officeDocument/2006/relationships" xmlns:p="http://schemas.openxmlformats.org/presentationml/2006/main">
+  <p:cSld>
+    <p:spTree>
+      <p:nvGrpSpPr>
+        <p:cNvPr id="1" name=""/>
+        <p:cNvGrpSpPr/>
+        <p:nvPr/>
+      </p:nvGrpSpPr>
+      <p:grpSpPr>
+        <a:xfrm>
+          <a:off x="0" y="0"/>
+          <a:ext cx="0" cy="0"/>
+          <a:chOff x="0" y="0"/>
+          <a:chExt cx="0" cy="0"/>
+        </a:xfrm>
+      </p:grpSpPr>
+      <p:sp>
+        <p:nvSpPr>
+          <p:cNvPr id="219" name="PlaceHolder 1"/>
+          <p:cNvSpPr>
+            <a:spLocks noGrp="1"/>
+          </p:cNvSpPr>
+          <p:nvPr>
+            <p:ph type="body"/>
+          </p:nvPr>
+        </p:nvSpPr>
+        <p:spPr>
+          <a:xfrm>
+            <a:off x="685800" y="4400640"/>
+            <a:ext cx="5485680" cy="3599640"/>
+          </a:xfrm>
+          <a:prstGeom prst="rect">
+            <a:avLst/>
+          </a:prstGeom>
+        </p:spPr>
+        <p:txBody>
+          <a:bodyPr lIns="0" tIns="0" rIns="0" bIns="0"/>
+          <a:lstStyle/>
+          <a:p>
+            <a:endParaRPr lang="en-US" sz="2000" b="0" strike="noStrike" spc="-1">
+              <a:solidFill>
+                <a:srgbClr val="000000"/>
+              </a:solidFill>
+              <a:uFill>
+                <a:solidFill>
+                  <a:srgbClr val="FFFFFF"/>
+                </a:solidFill>
+              </a:uFill>
+              <a:latin typeface="Arial"/>
+            </a:endParaRPr>
+          </a:p>
+        </p:txBody>
+      </p:sp>
+      <p:sp>
+        <p:nvSpPr>
+          <p:cNvPr id="220" name="CustomShape 2"/>
+          <p:cNvSpPr/>
+          <p:nvPr/>
+        </p:nvSpPr>
+        <p:spPr>
+          <a:xfrm>
+            <a:off x="3884760" y="8685360"/>
+            <a:ext cx="2971080" cy="457920"/>
+          </a:xfrm>
+          <a:prstGeom prst="rect">
+            <a:avLst/>
+          </a:prstGeom>
+          <a:noFill/>
+          <a:ln>
+            <a:noFill/>
+          </a:ln>
+        </p:spPr>
+        <p:style>
+          <a:lnRef idx="0">
+            <a:scrgbClr r="0" g="0" b="0"/>
+          </a:lnRef>
+          <a:fillRef idx="0">
+            <a:scrgbClr r="0" g="0" b="0"/>
+          </a:fillRef>
+          <a:effectRef idx="0">
+            <a:scrgbClr r="0" g="0" b="0"/>
+          </a:effectRef>
+          <a:fontRef idx="minor"/>
+        </p:style>
+        <p:txBody>
+          <a:bodyPr lIns="90000" tIns="45000" rIns="90000" bIns="45000" anchor="b"/>
+          <a:lstStyle/>
+          <a:p>
+            <a:pPr algn="r">
+              <a:lnSpc>
+                <a:spcPct val="100000"/>
+              </a:lnSpc>
+            </a:pPr>
+            <a:fld id="{B222195E-E77F-43A4-9B66-DAF0F2B8CC3C}" type="slidenum">
+              <a:rPr lang="en-US" sz="1200" b="0" strike="noStrike" spc="-1">
+                <a:solidFill>
+                  <a:srgbClr val="000000"/>
+                </a:solidFill>
+                <a:uFill>
+                  <a:solidFill>
+                    <a:srgbClr val="FFFFFF"/>
+                  </a:solidFill>
+                </a:uFill>
+                <a:latin typeface="Arial"/>
+                <a:ea typeface="+mn-ea"/>
+              </a:rPr>
+              <a:t>39</a:t>
+            </a:fld>
+            <a:endParaRPr lang="en-US" sz="1800" b="0" strike="noStrike" spc="-1">
+              <a:solidFill>
+                <a:srgbClr val="000000"/>
+              </a:solidFill>
+              <a:uFill>
+                <a:solidFill>
+                  <a:srgbClr val="FFFFFF"/>
+                </a:solidFill>
+              </a:uFill>
+              <a:latin typeface="Arial"/>
+            </a:endParaRPr>
+          </a:p>
+        </p:txBody>
+      </p:sp>
+    </p:spTree>
+  </p:cSld>
+  <p:clrMapOvr>
+    <a:masterClrMapping/>
+  </p:clrMapOvr>
+</p:notes>
+</file>
+
+<file path=ppt/notesSlides/notesSlide31.xml><?xml version="1.0" encoding="utf-8"?>
+<p:notes xmlns:a="http://schemas.openxmlformats.org/drawingml/2006/main" xmlns:r="http://schemas.openxmlformats.org/officeDocument/2006/relationships" xmlns:p="http://schemas.openxmlformats.org/presentationml/2006/main">
+  <p:cSld>
+    <p:spTree>
+      <p:nvGrpSpPr>
+        <p:cNvPr id="1" name=""/>
+        <p:cNvGrpSpPr/>
+        <p:nvPr/>
+      </p:nvGrpSpPr>
+      <p:grpSpPr>
+        <a:xfrm>
+          <a:off x="0" y="0"/>
+          <a:ext cx="0" cy="0"/>
+          <a:chOff x="0" y="0"/>
+          <a:chExt cx="0" cy="0"/>
+        </a:xfrm>
+      </p:grpSpPr>
+      <p:sp>
+        <p:nvSpPr>
+          <p:cNvPr id="221" name="PlaceHolder 1"/>
+          <p:cNvSpPr>
+            <a:spLocks noGrp="1"/>
+          </p:cNvSpPr>
+          <p:nvPr>
+            <p:ph type="body"/>
+          </p:nvPr>
+        </p:nvSpPr>
+        <p:spPr>
+          <a:xfrm>
+            <a:off x="685800" y="4400640"/>
+            <a:ext cx="5485680" cy="3599640"/>
+          </a:xfrm>
+          <a:prstGeom prst="rect">
+            <a:avLst/>
+          </a:prstGeom>
+        </p:spPr>
+        <p:txBody>
+          <a:bodyPr lIns="0" tIns="0" rIns="0" bIns="0"/>
+          <a:lstStyle/>
+          <a:p>
+            <a:endParaRPr lang="en-US" sz="2000" b="0" strike="noStrike" spc="-1">
+              <a:solidFill>
+                <a:srgbClr val="000000"/>
+              </a:solidFill>
+              <a:uFill>
+                <a:solidFill>
+                  <a:srgbClr val="FFFFFF"/>
+                </a:solidFill>
+              </a:uFill>
+              <a:latin typeface="Arial"/>
+            </a:endParaRPr>
+          </a:p>
+        </p:txBody>
+      </p:sp>
+      <p:sp>
+        <p:nvSpPr>
+          <p:cNvPr id="222" name="CustomShape 2"/>
+          <p:cNvSpPr/>
+          <p:nvPr/>
+        </p:nvSpPr>
+        <p:spPr>
+          <a:xfrm>
+            <a:off x="3884760" y="8685360"/>
+            <a:ext cx="2971080" cy="457920"/>
+          </a:xfrm>
+          <a:prstGeom prst="rect">
+            <a:avLst/>
+          </a:prstGeom>
+          <a:noFill/>
+          <a:ln>
+            <a:noFill/>
+          </a:ln>
+        </p:spPr>
+        <p:style>
+          <a:lnRef idx="0">
+            <a:scrgbClr r="0" g="0" b="0"/>
+          </a:lnRef>
+          <a:fillRef idx="0">
+            <a:scrgbClr r="0" g="0" b="0"/>
+          </a:fillRef>
+          <a:effectRef idx="0">
+            <a:scrgbClr r="0" g="0" b="0"/>
+          </a:effectRef>
+          <a:fontRef idx="minor"/>
+        </p:style>
+        <p:txBody>
+          <a:bodyPr lIns="90000" tIns="45000" rIns="90000" bIns="45000" anchor="b"/>
+          <a:lstStyle/>
+          <a:p>
+            <a:pPr algn="r">
+              <a:lnSpc>
+                <a:spcPct val="100000"/>
+              </a:lnSpc>
+            </a:pPr>
+            <a:fld id="{A077A7F9-C442-4389-A808-42104482EDAC}" type="slidenum">
+              <a:rPr lang="en-US" sz="1200" b="0" strike="noStrike" spc="-1">
+                <a:solidFill>
+                  <a:srgbClr val="000000"/>
+                </a:solidFill>
+                <a:uFill>
+                  <a:solidFill>
+                    <a:srgbClr val="FFFFFF"/>
+                  </a:solidFill>
+                </a:uFill>
+                <a:latin typeface="+mn-lt"/>
+                <a:ea typeface="+mn-ea"/>
+              </a:rPr>
+              <a:t>40</a:t>
+            </a:fld>
+            <a:endParaRPr lang="en-US" sz="1800" b="0" strike="noStrike" spc="-1">
+              <a:solidFill>
+                <a:srgbClr val="000000"/>
+              </a:solidFill>
+              <a:uFill>
+                <a:solidFill>
+                  <a:srgbClr val="FFFFFF"/>
+                </a:solidFill>
+              </a:uFill>
+              <a:latin typeface="Arial"/>
+            </a:endParaRPr>
+          </a:p>
+        </p:txBody>
+      </p:sp>
+    </p:spTree>
   </p:cSld>
   <p:clrMapOvr>
     <a:masterClrMapping/>
@@ -7313,108 +7729,6 @@
           </a:p>
         </p:txBody>
       </p:sp>
-      <p:sp>
-        <p:nvSpPr>
-          <p:cNvPr id="59" name="CustomShape 3"/>
-          <p:cNvSpPr/>
-          <p:nvPr/>
-        </p:nvSpPr>
-        <p:spPr>
-          <a:xfrm>
-            <a:off x="358920" y="5139000"/>
-            <a:ext cx="8601840" cy="804240"/>
-          </a:xfrm>
-          <a:prstGeom prst="rect">
-            <a:avLst/>
-          </a:prstGeom>
-          <a:noFill/>
-          <a:ln>
-            <a:noFill/>
-          </a:ln>
-        </p:spPr>
-        <p:style>
-          <a:lnRef idx="0">
-            <a:scrgbClr r="0" g="0" b="0"/>
-          </a:lnRef>
-          <a:fillRef idx="0">
-            <a:scrgbClr r="0" g="0" b="0"/>
-          </a:fillRef>
-          <a:effectRef idx="0">
-            <a:scrgbClr r="0" g="0" b="0"/>
-          </a:effectRef>
-          <a:fontRef idx="minor"/>
-        </p:style>
-        <p:txBody>
-          <a:bodyPr lIns="90000" tIns="45000" rIns="90000" bIns="45000"/>
-          <a:lstStyle/>
-          <a:p>
-            <a:pPr>
-              <a:lnSpc>
-                <a:spcPct val="100000"/>
-              </a:lnSpc>
-            </a:pPr>
-            <a:r>
-              <a:rPr lang="en-US" sz="1800" b="0" strike="noStrike" spc="-1">
-                <a:solidFill>
-                  <a:srgbClr val="000000"/>
-                </a:solidFill>
-                <a:uFill>
-                  <a:solidFill>
-                    <a:srgbClr val="FFFFFF"/>
-                  </a:solidFill>
-                </a:uFill>
-                <a:latin typeface="Arial"/>
-                <a:ea typeface="DejaVu Sans"/>
-              </a:rPr>
-              <a:t>Figure 3. Comparison of linear convolution layer and MLPconv layer. </a:t>
-            </a:r>
-            <a:endParaRPr lang="en-US" sz="1800" b="0" strike="noStrike" spc="-1">
-              <a:solidFill>
-                <a:srgbClr val="000000"/>
-              </a:solidFill>
-              <a:uFill>
-                <a:solidFill>
-                  <a:srgbClr val="FFFFFF"/>
-                </a:solidFill>
-              </a:uFill>
-              <a:latin typeface="Arial"/>
-            </a:endParaRPr>
-          </a:p>
-          <a:p>
-            <a:pPr>
-              <a:lnSpc>
-                <a:spcPct val="100000"/>
-              </a:lnSpc>
-            </a:pPr>
-            <a:r>
-              <a:rPr lang="en-US" sz="1800" b="0" strike="noStrike" spc="-1">
-                <a:solidFill>
-                  <a:srgbClr val="000000"/>
-                </a:solidFill>
-                <a:uFill>
-                  <a:solidFill>
-                    <a:srgbClr val="FFFFFF"/>
-                  </a:solidFill>
-                </a:uFill>
-                <a:latin typeface="Arial"/>
-                <a:ea typeface="DejaVu Sans"/>
-              </a:rPr>
-              <a:t>Left: Normal convolution layer; Right: Replace with a Multi-Layer Perceptron(MLP). </a:t>
-            </a:r>
-            <a:endParaRPr lang="en-US" sz="1800" b="0" strike="noStrike" spc="-1">
-              <a:solidFill>
-                <a:srgbClr val="000000"/>
-              </a:solidFill>
-              <a:uFill>
-                <a:solidFill>
-                  <a:srgbClr val="FFFFFF"/>
-                </a:solidFill>
-              </a:uFill>
-              <a:latin typeface="Arial"/>
-            </a:endParaRPr>
-          </a:p>
-        </p:txBody>
-      </p:sp>
       <p:pic>
         <p:nvPicPr>
           <p:cNvPr id="60" name="图片 62"/>
@@ -7438,6 +7752,78 @@
           </a:ln>
         </p:spPr>
       </p:pic>
+      <p:sp>
+        <p:nvSpPr>
+          <p:cNvPr id="2" name="文本框 1"/>
+          <p:cNvSpPr txBox="1"/>
+          <p:nvPr/>
+        </p:nvSpPr>
+        <p:spPr>
+          <a:xfrm>
+            <a:off x="1510146" y="4849090"/>
+            <a:ext cx="2299854" cy="369332"/>
+          </a:xfrm>
+          <a:prstGeom prst="rect">
+            <a:avLst/>
+          </a:prstGeom>
+          <a:noFill/>
+        </p:spPr>
+        <p:txBody>
+          <a:bodyPr wrap="square" rtlCol="0">
+            <a:spAutoFit/>
+          </a:bodyPr>
+          <a:lstStyle/>
+          <a:p>
+            <a:r>
+              <a:rPr lang="en-US" altLang="zh-CN" dirty="0" smtClean="0"/>
+              <a:t>Normal </a:t>
+            </a:r>
+            <a:r>
+              <a:rPr lang="en-US" altLang="zh-CN" dirty="0" err="1" smtClean="0"/>
+              <a:t>Conv</a:t>
+            </a:r>
+            <a:r>
+              <a:rPr lang="en-US" altLang="zh-CN" dirty="0" smtClean="0"/>
+              <a:t> layer</a:t>
+            </a:r>
+            <a:endParaRPr lang="zh-CN" altLang="en-US" dirty="0"/>
+          </a:p>
+        </p:txBody>
+      </p:sp>
+      <p:sp>
+        <p:nvSpPr>
+          <p:cNvPr id="3" name="文本框 2"/>
+          <p:cNvSpPr txBox="1"/>
+          <p:nvPr/>
+        </p:nvSpPr>
+        <p:spPr>
+          <a:xfrm>
+            <a:off x="5486400" y="4849090"/>
+            <a:ext cx="1710725" cy="369332"/>
+          </a:xfrm>
+          <a:prstGeom prst="rect">
+            <a:avLst/>
+          </a:prstGeom>
+          <a:noFill/>
+        </p:spPr>
+        <p:txBody>
+          <a:bodyPr wrap="none" rtlCol="0">
+            <a:spAutoFit/>
+          </a:bodyPr>
+          <a:lstStyle/>
+          <a:p>
+            <a:r>
+              <a:rPr lang="en-US" altLang="zh-CN" dirty="0" err="1" smtClean="0"/>
+              <a:t>MLPconv</a:t>
+            </a:r>
+            <a:r>
+              <a:rPr lang="en-US" altLang="zh-CN" dirty="0" smtClean="0"/>
+              <a:t> layer</a:t>
+            </a:r>
+            <a:endParaRPr lang="zh-CN" altLang="en-US" dirty="0"/>
+          </a:p>
+        </p:txBody>
+      </p:sp>
     </p:spTree>
     <p:extLst>
       <p:ext uri="{BB962C8B-B14F-4D97-AF65-F5344CB8AC3E}">
@@ -7497,7 +7883,7 @@
       </p:grpSpPr>
       <p:sp>
         <p:nvSpPr>
-          <p:cNvPr id="52" name="CustomShape 1"/>
+          <p:cNvPr id="57" name="CustomShape 1"/>
           <p:cNvSpPr/>
           <p:nvPr/>
         </p:nvSpPr>
@@ -7536,7 +7922,7 @@
               </a:lnSpc>
             </a:pPr>
             <a:r>
-              <a:rPr lang="en-US" altLang="zh-CN" sz="3200" spc="-1" dirty="0" smtClean="0">
+              <a:rPr lang="en-US" sz="3200" b="0" strike="noStrike" spc="-1" dirty="0" smtClean="0">
                 <a:solidFill>
                   <a:srgbClr val="C0504D"/>
                 </a:solidFill>
@@ -7546,8 +7932,9 @@
                   </a:solidFill>
                 </a:uFill>
                 <a:latin typeface="Calibri"/>
+                <a:ea typeface="DejaVu Sans"/>
               </a:rPr>
-              <a:t>Inception Model</a:t>
+              <a:t>Highlight of NIN</a:t>
             </a:r>
             <a:endParaRPr lang="en-US" sz="1800" b="0" strike="noStrike" spc="-1" dirty="0">
               <a:solidFill>
@@ -7563,56 +7950,135 @@
           </a:p>
         </p:txBody>
       </p:sp>
-      <p:pic>
-        <p:nvPicPr>
-          <p:cNvPr id="55" name="图片 57"/>
-          <p:cNvPicPr/>
-          <p:nvPr/>
-        </p:nvPicPr>
-        <p:blipFill>
-          <a:blip r:embed="rId3"/>
-          <a:stretch/>
-        </p:blipFill>
-        <p:spPr>
-          <a:xfrm>
-            <a:off x="282633" y="2865807"/>
-            <a:ext cx="4023000" cy="1819440"/>
-          </a:xfrm>
-          <a:prstGeom prst="rect">
-            <a:avLst/>
-          </a:prstGeom>
-          <a:ln>
-            <a:noFill/>
-          </a:ln>
-        </p:spPr>
-      </p:pic>
-      <p:pic>
-        <p:nvPicPr>
-          <p:cNvPr id="56" name="图片 58"/>
-          <p:cNvPicPr/>
-          <p:nvPr/>
-        </p:nvPicPr>
-        <p:blipFill>
-          <a:blip r:embed="rId4"/>
-          <a:stretch/>
-        </p:blipFill>
-        <p:spPr>
-          <a:xfrm>
-            <a:off x="4305633" y="2865807"/>
-            <a:ext cx="4023000" cy="1819440"/>
-          </a:xfrm>
-          <a:prstGeom prst="rect">
-            <a:avLst/>
-          </a:prstGeom>
-          <a:ln>
-            <a:noFill/>
-          </a:ln>
-        </p:spPr>
-      </p:pic>
+      <mc:AlternateContent xmlns:mc="http://schemas.openxmlformats.org/markup-compatibility/2006">
+        <mc:Choice xmlns:a14="http://schemas.microsoft.com/office/drawing/2010/main" Requires="a14">
+          <p:sp>
+            <p:nvSpPr>
+              <p:cNvPr id="2" name="文本框 1"/>
+              <p:cNvSpPr txBox="1"/>
+              <p:nvPr/>
+            </p:nvSpPr>
+            <p:spPr>
+              <a:xfrm>
+                <a:off x="1170447" y="2604654"/>
+                <a:ext cx="6501462" cy="1569660"/>
+              </a:xfrm>
+              <a:prstGeom prst="rect">
+                <a:avLst/>
+              </a:prstGeom>
+              <a:noFill/>
+            </p:spPr>
+            <p:txBody>
+              <a:bodyPr wrap="square" rtlCol="0">
+                <a:spAutoFit/>
+              </a:bodyPr>
+              <a:lstStyle/>
+              <a:p>
+                <a:pPr marL="285750" indent="-285750">
+                  <a:buFont typeface="Wingdings" panose="05000000000000000000" pitchFamily="2" charset="2"/>
+                  <a:buChar char="Ø"/>
+                </a:pPr>
+                <a:r>
+                  <a:rPr lang="en-US" altLang="zh-CN" sz="3200" dirty="0" smtClean="0"/>
+                  <a:t>MLPconv Layer</a:t>
+                </a:r>
+              </a:p>
+              <a:p>
+                <a:pPr marL="285750" indent="-285750">
+                  <a:buFont typeface="Wingdings" panose="05000000000000000000" pitchFamily="2" charset="2"/>
+                  <a:buChar char="Ø"/>
+                </a:pPr>
+                <a:r>
+                  <a:rPr lang="en-US" altLang="zh-CN" sz="3200" dirty="0" smtClean="0"/>
+                  <a:t>Global Average Pooling</a:t>
+                </a:r>
+              </a:p>
+              <a:p>
+                <a:pPr marL="285750" indent="-285750">
+                  <a:buFont typeface="Wingdings" panose="05000000000000000000" pitchFamily="2" charset="2"/>
+                  <a:buChar char="Ø"/>
+                </a:pPr>
+                <a:r>
+                  <a:rPr lang="en-US" altLang="zh-CN" sz="3200" dirty="0" smtClean="0"/>
+                  <a:t>Firstly propose </a:t>
+                </a:r>
+                <a14:m>
+                  <m:oMath xmlns:m="http://schemas.openxmlformats.org/officeDocument/2006/math">
+                    <m:r>
+                      <a:rPr lang="en-US" altLang="zh-CN" sz="3200" b="0" i="1" smtClean="0">
+                        <a:latin typeface="Cambria Math" panose="02040503050406030204" pitchFamily="18" charset="0"/>
+                      </a:rPr>
+                      <m:t>1</m:t>
+                    </m:r>
+                    <m:r>
+                      <a:rPr lang="en-US" altLang="zh-CN" sz="3200" b="0" i="1" smtClean="0">
+                        <a:latin typeface="Cambria Math" panose="02040503050406030204" pitchFamily="18" charset="0"/>
+                        <a:ea typeface="Cambria Math" panose="02040503050406030204" pitchFamily="18" charset="0"/>
+                      </a:rPr>
+                      <m:t>×1</m:t>
+                    </m:r>
+                  </m:oMath>
+                </a14:m>
+                <a:r>
+                  <a:rPr lang="zh-CN" altLang="en-US" sz="3200" dirty="0" smtClean="0"/>
+                  <a:t> </a:t>
+                </a:r>
+                <a:r>
+                  <a:rPr lang="en-US" altLang="zh-CN" sz="3200" dirty="0" err="1" smtClean="0"/>
+                  <a:t>Conv</a:t>
+                </a:r>
+                <a:r>
+                  <a:rPr lang="en-US" altLang="zh-CN" sz="3200" dirty="0" smtClean="0"/>
+                  <a:t> layer</a:t>
+                </a:r>
+                <a:endParaRPr lang="zh-CN" altLang="en-US" sz="3200" dirty="0"/>
+              </a:p>
+            </p:txBody>
+          </p:sp>
+        </mc:Choice>
+        <mc:Fallback>
+          <p:sp>
+            <p:nvSpPr>
+              <p:cNvPr id="2" name="文本框 1"/>
+              <p:cNvSpPr txBox="1">
+                <a:spLocks noRot="1" noChangeAspect="1" noMove="1" noResize="1" noEditPoints="1" noAdjustHandles="1" noChangeArrowheads="1" noChangeShapeType="1" noTextEdit="1"/>
+              </p:cNvSpPr>
+              <p:nvPr/>
+            </p:nvSpPr>
+            <p:spPr>
+              <a:xfrm>
+                <a:off x="1170447" y="2604654"/>
+                <a:ext cx="6501462" cy="1569660"/>
+              </a:xfrm>
+              <a:prstGeom prst="rect">
+                <a:avLst/>
+              </a:prstGeom>
+              <a:blipFill>
+                <a:blip r:embed="rId3"/>
+                <a:stretch>
+                  <a:fillRect l="-2062" t="-5039" b="-11628"/>
+                </a:stretch>
+              </a:blipFill>
+            </p:spPr>
+            <p:txBody>
+              <a:bodyPr/>
+              <a:lstStyle/>
+              <a:p>
+                <a:r>
+                  <a:rPr lang="zh-CN" altLang="en-US">
+                    <a:noFill/>
+                  </a:rPr>
+                  <a:t> </a:t>
+                </a:r>
+              </a:p>
+            </p:txBody>
+          </p:sp>
+        </mc:Fallback>
+      </mc:AlternateContent>
     </p:spTree>
     <p:extLst>
       <p:ext uri="{BB962C8B-B14F-4D97-AF65-F5344CB8AC3E}">
-        <p14:creationId xmlns:p14="http://schemas.microsoft.com/office/powerpoint/2010/main" val="1779976738"/>
+        <p14:creationId xmlns:p14="http://schemas.microsoft.com/office/powerpoint/2010/main" val="3532713508"/>
       </p:ext>
     </p:extLst>
   </p:cSld>
@@ -7718,6 +8184,177 @@
                 </a:uFill>
                 <a:latin typeface="Calibri"/>
               </a:rPr>
+              <a:t>Inception Model</a:t>
+            </a:r>
+            <a:endParaRPr lang="en-US" sz="1800" b="0" strike="noStrike" spc="-1" dirty="0">
+              <a:solidFill>
+                <a:srgbClr val="000000"/>
+              </a:solidFill>
+              <a:uFill>
+                <a:solidFill>
+                  <a:srgbClr val="FFFFFF"/>
+                </a:solidFill>
+              </a:uFill>
+              <a:latin typeface="Arial"/>
+            </a:endParaRPr>
+          </a:p>
+        </p:txBody>
+      </p:sp>
+      <p:pic>
+        <p:nvPicPr>
+          <p:cNvPr id="55" name="图片 57"/>
+          <p:cNvPicPr/>
+          <p:nvPr/>
+        </p:nvPicPr>
+        <p:blipFill>
+          <a:blip r:embed="rId3"/>
+          <a:stretch/>
+        </p:blipFill>
+        <p:spPr>
+          <a:xfrm>
+            <a:off x="282633" y="2865807"/>
+            <a:ext cx="4023000" cy="1819440"/>
+          </a:xfrm>
+          <a:prstGeom prst="rect">
+            <a:avLst/>
+          </a:prstGeom>
+          <a:ln>
+            <a:noFill/>
+          </a:ln>
+        </p:spPr>
+      </p:pic>
+      <p:pic>
+        <p:nvPicPr>
+          <p:cNvPr id="56" name="图片 58"/>
+          <p:cNvPicPr/>
+          <p:nvPr/>
+        </p:nvPicPr>
+        <p:blipFill>
+          <a:blip r:embed="rId4"/>
+          <a:stretch/>
+        </p:blipFill>
+        <p:spPr>
+          <a:xfrm>
+            <a:off x="4305633" y="2865807"/>
+            <a:ext cx="4023000" cy="1819440"/>
+          </a:xfrm>
+          <a:prstGeom prst="rect">
+            <a:avLst/>
+          </a:prstGeom>
+          <a:ln>
+            <a:noFill/>
+          </a:ln>
+        </p:spPr>
+      </p:pic>
+    </p:spTree>
+    <p:extLst>
+      <p:ext uri="{BB962C8B-B14F-4D97-AF65-F5344CB8AC3E}">
+        <p14:creationId xmlns:p14="http://schemas.microsoft.com/office/powerpoint/2010/main" val="1779976738"/>
+      </p:ext>
+    </p:extLst>
+  </p:cSld>
+  <p:clrMapOvr>
+    <a:masterClrMapping/>
+  </p:clrMapOvr>
+  <p:timing>
+    <p:tnLst>
+      <p:par>
+        <p:cTn id="1" dur="indefinite" restart="never" nodeType="tmRoot">
+          <p:childTnLst>
+            <p:seq>
+              <p:cTn id="2" nodeType="mainSeq"/>
+              <p:prevCondLst>
+                <p:cond evt="onPrev" delay="0">
+                  <p:tgtEl>
+                    <p:sldTgt/>
+                  </p:tgtEl>
+                </p:cond>
+              </p:prevCondLst>
+              <p:nextCondLst>
+                <p:cond evt="onNext" delay="0">
+                  <p:tgtEl>
+                    <p:sldTgt/>
+                  </p:tgtEl>
+                </p:cond>
+              </p:nextCondLst>
+            </p:seq>
+          </p:childTnLst>
+        </p:cTn>
+      </p:par>
+    </p:tnLst>
+  </p:timing>
+</p:sld>
+</file>
+
+<file path=ppt/slides/slide17.xml><?xml version="1.0" encoding="utf-8"?>
+<p:sld xmlns:a="http://schemas.openxmlformats.org/drawingml/2006/main" xmlns:r="http://schemas.openxmlformats.org/officeDocument/2006/relationships" xmlns:p="http://schemas.openxmlformats.org/presentationml/2006/main">
+  <p:cSld>
+    <p:spTree>
+      <p:nvGrpSpPr>
+        <p:cNvPr id="1" name=""/>
+        <p:cNvGrpSpPr/>
+        <p:nvPr/>
+      </p:nvGrpSpPr>
+      <p:grpSpPr>
+        <a:xfrm>
+          <a:off x="0" y="0"/>
+          <a:ext cx="0" cy="0"/>
+          <a:chOff x="0" y="0"/>
+          <a:chExt cx="0" cy="0"/>
+        </a:xfrm>
+      </p:grpSpPr>
+      <p:sp>
+        <p:nvSpPr>
+          <p:cNvPr id="52" name="CustomShape 1"/>
+          <p:cNvSpPr/>
+          <p:nvPr/>
+        </p:nvSpPr>
+        <p:spPr>
+          <a:xfrm>
+            <a:off x="1392120" y="992880"/>
+            <a:ext cx="6495480" cy="577440"/>
+          </a:xfrm>
+          <a:prstGeom prst="rect">
+            <a:avLst/>
+          </a:prstGeom>
+          <a:noFill/>
+          <a:ln>
+            <a:noFill/>
+          </a:ln>
+        </p:spPr>
+        <p:style>
+          <a:lnRef idx="0">
+            <a:scrgbClr r="0" g="0" b="0"/>
+          </a:lnRef>
+          <a:fillRef idx="0">
+            <a:scrgbClr r="0" g="0" b="0"/>
+          </a:fillRef>
+          <a:effectRef idx="0">
+            <a:scrgbClr r="0" g="0" b="0"/>
+          </a:effectRef>
+          <a:fontRef idx="minor"/>
+        </p:style>
+        <p:txBody>
+          <a:bodyPr lIns="90000" tIns="45000" rIns="90000" bIns="45000"/>
+          <a:lstStyle/>
+          <a:p>
+            <a:pPr>
+              <a:lnSpc>
+                <a:spcPct val="100000"/>
+              </a:lnSpc>
+            </a:pPr>
+            <a:r>
+              <a:rPr lang="en-US" altLang="zh-CN" sz="3200" spc="-1" dirty="0" smtClean="0">
+                <a:solidFill>
+                  <a:srgbClr val="C0504D"/>
+                </a:solidFill>
+                <a:uFill>
+                  <a:solidFill>
+                    <a:srgbClr val="FFFFFF"/>
+                  </a:solidFill>
+                </a:uFill>
+                <a:latin typeface="Calibri"/>
+              </a:rPr>
               <a:t>Highlight of </a:t>
             </a:r>
             <a:r>
@@ -7748,8 +8385,8 @@
           </a:p>
         </p:txBody>
       </p:sp>
-      <mc:AlternateContent xmlns:mc="http://schemas.openxmlformats.org/markup-compatibility/2006">
-        <mc:Choice xmlns:a14="http://schemas.microsoft.com/office/drawing/2010/main" Requires="a14">
+      <mc:AlternateContent xmlns:mc="http://schemas.openxmlformats.org/markup-compatibility/2006" xmlns:a14="http://schemas.microsoft.com/office/drawing/2010/main">
+        <mc:Choice Requires="a14">
           <p:sp>
             <p:nvSpPr>
               <p:cNvPr id="2" name="文本框 1"/>
@@ -7822,7 +8459,7 @@
             </p:txBody>
           </p:sp>
         </mc:Choice>
-        <mc:Fallback>
+        <mc:Fallback xmlns="">
           <p:sp>
             <p:nvSpPr>
               <p:cNvPr id="2" name="文本框 1"/>
@@ -7901,7 +8538,7 @@
 </p:sld>
 </file>
 
-<file path=ppt/slides/slide17.xml><?xml version="1.0" encoding="utf-8"?>
+<file path=ppt/slides/slide18.xml><?xml version="1.0" encoding="utf-8"?>
 <p:sld xmlns:a="http://schemas.openxmlformats.org/drawingml/2006/main" xmlns:r="http://schemas.openxmlformats.org/officeDocument/2006/relationships" xmlns:p="http://schemas.openxmlformats.org/presentationml/2006/main">
   <p:cSld>
     <p:spTree>
@@ -8034,162 +8671,6 @@
     <p:extLst>
       <p:ext uri="{BB962C8B-B14F-4D97-AF65-F5344CB8AC3E}">
         <p14:creationId xmlns:p14="http://schemas.microsoft.com/office/powerpoint/2010/main" val="2961401866"/>
-      </p:ext>
-    </p:extLst>
-  </p:cSld>
-  <p:clrMapOvr>
-    <a:masterClrMapping/>
-  </p:clrMapOvr>
-  <p:timing>
-    <p:tnLst>
-      <p:par>
-        <p:cTn id="1" dur="indefinite" restart="never" nodeType="tmRoot">
-          <p:childTnLst>
-            <p:seq>
-              <p:cTn id="2" nodeType="mainSeq"/>
-              <p:prevCondLst>
-                <p:cond evt="onPrev" delay="0">
-                  <p:tgtEl>
-                    <p:sldTgt/>
-                  </p:tgtEl>
-                </p:cond>
-              </p:prevCondLst>
-              <p:nextCondLst>
-                <p:cond evt="onNext" delay="0">
-                  <p:tgtEl>
-                    <p:sldTgt/>
-                  </p:tgtEl>
-                </p:cond>
-              </p:nextCondLst>
-            </p:seq>
-          </p:childTnLst>
-        </p:cTn>
-      </p:par>
-    </p:tnLst>
-  </p:timing>
-</p:sld>
-</file>
-
-<file path=ppt/slides/slide18.xml><?xml version="1.0" encoding="utf-8"?>
-<p:sld xmlns:a="http://schemas.openxmlformats.org/drawingml/2006/main" xmlns:r="http://schemas.openxmlformats.org/officeDocument/2006/relationships" xmlns:p="http://schemas.openxmlformats.org/presentationml/2006/main">
-  <p:cSld>
-    <p:spTree>
-      <p:nvGrpSpPr>
-        <p:cNvPr id="1" name=""/>
-        <p:cNvGrpSpPr/>
-        <p:nvPr/>
-      </p:nvGrpSpPr>
-      <p:grpSpPr>
-        <a:xfrm>
-          <a:off x="0" y="0"/>
-          <a:ext cx="0" cy="0"/>
-          <a:chOff x="0" y="0"/>
-          <a:chExt cx="0" cy="0"/>
-        </a:xfrm>
-      </p:grpSpPr>
-      <p:sp>
-        <p:nvSpPr>
-          <p:cNvPr id="69" name="CustomShape 1"/>
-          <p:cNvSpPr/>
-          <p:nvPr/>
-        </p:nvSpPr>
-        <p:spPr>
-          <a:xfrm>
-            <a:off x="1392120" y="992880"/>
-            <a:ext cx="6495480" cy="577440"/>
-          </a:xfrm>
-          <a:prstGeom prst="rect">
-            <a:avLst/>
-          </a:prstGeom>
-          <a:noFill/>
-          <a:ln>
-            <a:noFill/>
-          </a:ln>
-        </p:spPr>
-        <p:style>
-          <a:lnRef idx="0">
-            <a:scrgbClr r="0" g="0" b="0"/>
-          </a:lnRef>
-          <a:fillRef idx="0">
-            <a:scrgbClr r="0" g="0" b="0"/>
-          </a:fillRef>
-          <a:effectRef idx="0">
-            <a:scrgbClr r="0" g="0" b="0"/>
-          </a:effectRef>
-          <a:fontRef idx="minor"/>
-        </p:style>
-        <p:txBody>
-          <a:bodyPr lIns="90000" tIns="45000" rIns="90000" bIns="45000"/>
-          <a:lstStyle/>
-          <a:p>
-            <a:pPr>
-              <a:lnSpc>
-                <a:spcPct val="100000"/>
-              </a:lnSpc>
-            </a:pPr>
-            <a:r>
-              <a:rPr lang="en-US" sz="3200" b="0" strike="noStrike" spc="-1" dirty="0" err="1" smtClean="0">
-                <a:solidFill>
-                  <a:srgbClr val="C0504D"/>
-                </a:solidFill>
-                <a:uFill>
-                  <a:solidFill>
-                    <a:srgbClr val="FFFFFF"/>
-                  </a:solidFill>
-                </a:uFill>
-                <a:latin typeface="Calibri"/>
-                <a:ea typeface="DejaVu Sans"/>
-              </a:rPr>
-              <a:t>VGGNet</a:t>
-            </a:r>
-            <a:endParaRPr lang="en-US" sz="1800" b="0" strike="noStrike" spc="-1" dirty="0">
-              <a:solidFill>
-                <a:srgbClr val="000000"/>
-              </a:solidFill>
-              <a:uFill>
-                <a:solidFill>
-                  <a:srgbClr val="FFFFFF"/>
-                </a:solidFill>
-              </a:uFill>
-              <a:latin typeface="Arial"/>
-            </a:endParaRPr>
-          </a:p>
-        </p:txBody>
-      </p:sp>
-      <p:pic>
-        <p:nvPicPr>
-          <p:cNvPr id="2" name="图片 1"/>
-          <p:cNvPicPr>
-            <a:picLocks noChangeAspect="1"/>
-          </p:cNvPicPr>
-          <p:nvPr/>
-        </p:nvPicPr>
-        <p:blipFill>
-          <a:blip r:embed="rId3">
-            <a:extLst>
-              <a:ext uri="{28A0092B-C50C-407E-A947-70E740481C1C}">
-                <a14:useLocalDpi xmlns:a14="http://schemas.microsoft.com/office/drawing/2010/main" val="0"/>
-              </a:ext>
-            </a:extLst>
-          </a:blip>
-          <a:stretch>
-            <a:fillRect/>
-          </a:stretch>
-        </p:blipFill>
-        <p:spPr>
-          <a:xfrm>
-            <a:off x="1510145" y="1523621"/>
-            <a:ext cx="6576176" cy="5334379"/>
-          </a:xfrm>
-          <a:prstGeom prst="rect">
-            <a:avLst/>
-          </a:prstGeom>
-        </p:spPr>
-      </p:pic>
-    </p:spTree>
-    <p:extLst>
-      <p:ext uri="{BB962C8B-B14F-4D97-AF65-F5344CB8AC3E}">
-        <p14:creationId xmlns:p14="http://schemas.microsoft.com/office/powerpoint/2010/main" val="3200403092"/>
       </p:ext>
     </p:extLst>
   </p:cSld>
@@ -8314,7 +8795,7 @@
       </p:sp>
       <p:pic>
         <p:nvPicPr>
-          <p:cNvPr id="3" name="图片 2"/>
+          <p:cNvPr id="2" name="图片 1"/>
           <p:cNvPicPr>
             <a:picLocks noChangeAspect="1"/>
           </p:cNvPicPr>
@@ -8334,8 +8815,8 @@
         </p:blipFill>
         <p:spPr>
           <a:xfrm>
-            <a:off x="0" y="2119831"/>
-            <a:ext cx="9144000" cy="3671282"/>
+            <a:off x="1510145" y="1523621"/>
+            <a:ext cx="6576176" cy="5334379"/>
           </a:xfrm>
           <a:prstGeom prst="rect">
             <a:avLst/>
@@ -8345,7 +8826,7 @@
     </p:spTree>
     <p:extLst>
       <p:ext uri="{BB962C8B-B14F-4D97-AF65-F5344CB8AC3E}">
-        <p14:creationId xmlns:p14="http://schemas.microsoft.com/office/powerpoint/2010/main" val="985139780"/>
+        <p14:creationId xmlns:p14="http://schemas.microsoft.com/office/powerpoint/2010/main" val="3200403092"/>
       </p:ext>
     </p:extLst>
   </p:cSld>
@@ -8769,7 +9250,7 @@
       </p:grpSpPr>
       <p:sp>
         <p:nvSpPr>
-          <p:cNvPr id="65" name="CustomShape 1"/>
+          <p:cNvPr id="69" name="CustomShape 1"/>
           <p:cNvSpPr/>
           <p:nvPr/>
         </p:nvSpPr>
@@ -8808,7 +9289,7 @@
               </a:lnSpc>
             </a:pPr>
             <a:r>
-              <a:rPr lang="en-US" sz="3200" b="0" strike="noStrike" spc="-1" dirty="0" smtClean="0">
+              <a:rPr lang="en-US" sz="3200" b="0" strike="noStrike" spc="-1" dirty="0" err="1" smtClean="0">
                 <a:solidFill>
                   <a:srgbClr val="C0504D"/>
                 </a:solidFill>
@@ -8820,7 +9301,7 @@
                 <a:latin typeface="Calibri"/>
                 <a:ea typeface="DejaVu Sans"/>
               </a:rPr>
-              <a:t>Residual Learning</a:t>
+              <a:t>VGGNet</a:t>
             </a:r>
             <a:endParaRPr lang="en-US" sz="1800" b="0" strike="noStrike" spc="-1" dirty="0">
               <a:solidFill>
@@ -8838,28 +9319,40 @@
       </p:sp>
       <p:pic>
         <p:nvPicPr>
-          <p:cNvPr id="68" name="图片 70"/>
-          <p:cNvPicPr/>
+          <p:cNvPr id="3" name="图片 2"/>
+          <p:cNvPicPr>
+            <a:picLocks noChangeAspect="1"/>
+          </p:cNvPicPr>
           <p:nvPr/>
         </p:nvPicPr>
         <p:blipFill>
-          <a:blip r:embed="rId3"/>
-          <a:stretch/>
+          <a:blip r:embed="rId3">
+            <a:extLst>
+              <a:ext uri="{28A0092B-C50C-407E-A947-70E740481C1C}">
+                <a14:useLocalDpi xmlns:a14="http://schemas.microsoft.com/office/drawing/2010/main" val="0"/>
+              </a:ext>
+            </a:extLst>
+          </a:blip>
+          <a:stretch>
+            <a:fillRect/>
+          </a:stretch>
         </p:blipFill>
         <p:spPr>
           <a:xfrm>
-            <a:off x="1645920" y="2194560"/>
-            <a:ext cx="6009480" cy="2866320"/>
-          </a:xfrm>
-          <a:prstGeom prst="rect">
-            <a:avLst/>
-          </a:prstGeom>
-          <a:ln>
-            <a:noFill/>
-          </a:ln>
+            <a:off x="0" y="2119831"/>
+            <a:ext cx="9144000" cy="3671282"/>
+          </a:xfrm>
+          <a:prstGeom prst="rect">
+            <a:avLst/>
+          </a:prstGeom>
         </p:spPr>
       </p:pic>
     </p:spTree>
+    <p:extLst>
+      <p:ext uri="{BB962C8B-B14F-4D97-AF65-F5344CB8AC3E}">
+        <p14:creationId xmlns:p14="http://schemas.microsoft.com/office/powerpoint/2010/main" val="985139780"/>
+      </p:ext>
+    </p:extLst>
   </p:cSld>
   <p:clrMapOvr>
     <a:masterClrMapping/>
@@ -8913,7 +9406,7 @@
       </p:grpSpPr>
       <p:sp>
         <p:nvSpPr>
-          <p:cNvPr id="65" name="CustomShape 1"/>
+          <p:cNvPr id="57" name="CustomShape 1"/>
           <p:cNvSpPr/>
           <p:nvPr/>
         </p:nvSpPr>
@@ -8952,7 +9445,7 @@
               </a:lnSpc>
             </a:pPr>
             <a:r>
-              <a:rPr lang="en-US" sz="3200" b="0" strike="noStrike" spc="-1" dirty="0" err="1" smtClean="0">
+              <a:rPr lang="en-US" sz="3200" b="0" strike="noStrike" spc="-1" dirty="0" smtClean="0">
                 <a:solidFill>
                   <a:srgbClr val="C0504D"/>
                 </a:solidFill>
@@ -8964,7 +9457,22 @@
                 <a:latin typeface="Calibri"/>
                 <a:ea typeface="DejaVu Sans"/>
               </a:rPr>
-              <a:t>ResNet</a:t>
+              <a:t>Highlight of </a:t>
+            </a:r>
+            <a:r>
+              <a:rPr lang="en-US" sz="3200" b="0" strike="noStrike" spc="-1" dirty="0" err="1" smtClean="0">
+                <a:solidFill>
+                  <a:srgbClr val="C0504D"/>
+                </a:solidFill>
+                <a:uFill>
+                  <a:solidFill>
+                    <a:srgbClr val="FFFFFF"/>
+                  </a:solidFill>
+                </a:uFill>
+                <a:latin typeface="Calibri"/>
+                <a:ea typeface="DejaVu Sans"/>
+              </a:rPr>
+              <a:t>VGGNet</a:t>
             </a:r>
             <a:endParaRPr lang="en-US" sz="1800" b="0" strike="noStrike" spc="-1" dirty="0">
               <a:solidFill>
@@ -8980,40 +9488,120 @@
           </a:p>
         </p:txBody>
       </p:sp>
-      <p:pic>
-        <p:nvPicPr>
-          <p:cNvPr id="2" name="图片 1"/>
-          <p:cNvPicPr>
-            <a:picLocks noChangeAspect="1"/>
-          </p:cNvPicPr>
-          <p:nvPr/>
-        </p:nvPicPr>
-        <p:blipFill>
-          <a:blip r:embed="rId3">
-            <a:extLst>
-              <a:ext uri="{28A0092B-C50C-407E-A947-70E740481C1C}">
-                <a14:useLocalDpi xmlns:a14="http://schemas.microsoft.com/office/drawing/2010/main" val="0"/>
-              </a:ext>
-            </a:extLst>
-          </a:blip>
-          <a:stretch>
-            <a:fillRect/>
-          </a:stretch>
-        </p:blipFill>
-        <p:spPr>
-          <a:xfrm>
-            <a:off x="0" y="2098158"/>
-            <a:ext cx="9144000" cy="3880884"/>
-          </a:xfrm>
-          <a:prstGeom prst="rect">
-            <a:avLst/>
-          </a:prstGeom>
-        </p:spPr>
-      </p:pic>
+      <mc:AlternateContent xmlns:mc="http://schemas.openxmlformats.org/markup-compatibility/2006">
+        <mc:Choice xmlns:a14="http://schemas.microsoft.com/office/drawing/2010/main" Requires="a14">
+          <p:sp>
+            <p:nvSpPr>
+              <p:cNvPr id="5" name="文本框 4"/>
+              <p:cNvSpPr txBox="1"/>
+              <p:nvPr/>
+            </p:nvSpPr>
+            <p:spPr>
+              <a:xfrm>
+                <a:off x="926841" y="3117272"/>
+                <a:ext cx="7426037" cy="1384995"/>
+              </a:xfrm>
+              <a:prstGeom prst="rect">
+                <a:avLst/>
+              </a:prstGeom>
+              <a:noFill/>
+            </p:spPr>
+            <p:txBody>
+              <a:bodyPr wrap="square" rtlCol="0">
+                <a:spAutoFit/>
+              </a:bodyPr>
+              <a:lstStyle/>
+              <a:p>
+                <a:pPr marL="285750" indent="-285750">
+                  <a:buFont typeface="Wingdings" panose="05000000000000000000" pitchFamily="2" charset="2"/>
+                  <a:buChar char="Ø"/>
+                </a:pPr>
+                <a:r>
+                  <a:rPr lang="en-US" altLang="zh-CN" sz="2800" dirty="0" smtClean="0"/>
+                  <a:t>All </a:t>
+                </a:r>
+                <a:r>
+                  <a:rPr lang="en-US" altLang="zh-CN" sz="2800" dirty="0" smtClean="0"/>
+                  <a:t>convolution filters are </a:t>
+                </a:r>
+                <a14:m>
+                  <m:oMath xmlns:m="http://schemas.openxmlformats.org/officeDocument/2006/math">
+                    <m:r>
+                      <a:rPr lang="en-US" altLang="zh-CN" sz="2800" b="0" i="1" smtClean="0">
+                        <a:latin typeface="Cambria Math" panose="02040503050406030204" pitchFamily="18" charset="0"/>
+                      </a:rPr>
+                      <m:t>3</m:t>
+                    </m:r>
+                    <m:r>
+                      <a:rPr lang="en-US" altLang="zh-CN" sz="2800" b="0" i="1" smtClean="0">
+                        <a:latin typeface="Cambria Math" panose="02040503050406030204" pitchFamily="18" charset="0"/>
+                        <a:ea typeface="Cambria Math" panose="02040503050406030204" pitchFamily="18" charset="0"/>
+                      </a:rPr>
+                      <m:t>×3</m:t>
+                    </m:r>
+                  </m:oMath>
+                </a14:m>
+                <a:r>
+                  <a:rPr lang="en-US" altLang="zh-CN" sz="2800" dirty="0" smtClean="0"/>
+                  <a:t> to reduce parameter for deeper network</a:t>
+                </a:r>
+              </a:p>
+              <a:p>
+                <a:pPr marL="285750" indent="-285750">
+                  <a:buFont typeface="Wingdings" panose="05000000000000000000" pitchFamily="2" charset="2"/>
+                  <a:buChar char="Ø"/>
+                </a:pPr>
+                <a:r>
+                  <a:rPr lang="en-US" altLang="zh-CN" sz="2800" dirty="0" smtClean="0"/>
+                  <a:t>The number of layers up to 16~19</a:t>
+                </a:r>
+              </a:p>
+            </p:txBody>
+          </p:sp>
+        </mc:Choice>
+        <mc:Fallback>
+          <p:sp>
+            <p:nvSpPr>
+              <p:cNvPr id="5" name="文本框 4"/>
+              <p:cNvSpPr txBox="1">
+                <a:spLocks noRot="1" noChangeAspect="1" noMove="1" noResize="1" noEditPoints="1" noAdjustHandles="1" noChangeArrowheads="1" noChangeShapeType="1" noTextEdit="1"/>
+              </p:cNvSpPr>
+              <p:nvPr/>
+            </p:nvSpPr>
+            <p:spPr>
+              <a:xfrm>
+                <a:off x="926841" y="3117272"/>
+                <a:ext cx="7426037" cy="1384995"/>
+              </a:xfrm>
+              <a:prstGeom prst="rect">
+                <a:avLst/>
+              </a:prstGeom>
+              <a:blipFill>
+                <a:blip r:embed="rId3"/>
+                <a:stretch>
+                  <a:fillRect l="-1396" t="-4386" b="-10965"/>
+                </a:stretch>
+              </a:blipFill>
+            </p:spPr>
+            <p:txBody>
+              <a:bodyPr/>
+              <a:lstStyle/>
+              <a:p>
+                <a:r>
+                  <a:rPr lang="zh-CN" altLang="en-US">
+                    <a:noFill/>
+                  </a:rPr>
+                  <a:t> </a:t>
+                </a:r>
+              </a:p>
+            </p:txBody>
+          </p:sp>
+        </mc:Fallback>
+      </mc:AlternateContent>
     </p:spTree>
     <p:extLst>
       <p:ext uri="{BB962C8B-B14F-4D97-AF65-F5344CB8AC3E}">
-        <p14:creationId xmlns:p14="http://schemas.microsoft.com/office/powerpoint/2010/main" val="2243012586"/>
+        <p14:creationId xmlns:p14="http://schemas.microsoft.com/office/powerpoint/2010/main" val="3427206345"/>
       </p:ext>
     </p:extLst>
   </p:cSld>
@@ -9069,7 +9657,7 @@
       </p:grpSpPr>
       <p:sp>
         <p:nvSpPr>
-          <p:cNvPr id="73" name="CustomShape 1"/>
+          <p:cNvPr id="65" name="CustomShape 1"/>
           <p:cNvSpPr/>
           <p:nvPr/>
         </p:nvSpPr>
@@ -9120,22 +9708,7 @@
                 <a:latin typeface="Calibri"/>
                 <a:ea typeface="DejaVu Sans"/>
               </a:rPr>
-              <a:t>Performance </a:t>
-            </a:r>
-            <a:r>
-              <a:rPr lang="en-US" sz="3200" spc="-1" dirty="0" smtClean="0">
-                <a:solidFill>
-                  <a:srgbClr val="C0504D"/>
-                </a:solidFill>
-                <a:uFill>
-                  <a:solidFill>
-                    <a:srgbClr val="FFFFFF"/>
-                  </a:solidFill>
-                </a:uFill>
-                <a:latin typeface="Calibri"/>
-                <a:ea typeface="DejaVu Sans"/>
-              </a:rPr>
-              <a:t>of CNN in ImageNet</a:t>
+              <a:t>Residual Learning</a:t>
             </a:r>
             <a:endParaRPr lang="en-US" sz="1800" b="0" strike="noStrike" spc="-1" dirty="0">
               <a:solidFill>
@@ -9153,7 +9726,7 @@
       </p:sp>
       <p:pic>
         <p:nvPicPr>
-          <p:cNvPr id="75" name="图片 5"/>
+          <p:cNvPr id="68" name="图片 70"/>
           <p:cNvPicPr/>
           <p:nvPr/>
         </p:nvPicPr>
@@ -9163,8 +9736,8 @@
         </p:blipFill>
         <p:spPr>
           <a:xfrm>
-            <a:off x="433800" y="1744560"/>
-            <a:ext cx="8412120" cy="4579560"/>
+            <a:off x="1645920" y="2194560"/>
+            <a:ext cx="6009480" cy="2866320"/>
           </a:xfrm>
           <a:prstGeom prst="rect">
             <a:avLst/>
@@ -9174,75 +9747,6 @@
           </a:ln>
         </p:spPr>
       </p:pic>
-      <p:sp>
-        <p:nvSpPr>
-          <p:cNvPr id="76" name="CustomShape 3"/>
-          <p:cNvSpPr/>
-          <p:nvPr/>
-        </p:nvSpPr>
-        <p:spPr>
-          <a:xfrm>
-            <a:off x="975600" y="6324840"/>
-            <a:ext cx="7823160" cy="601920"/>
-          </a:xfrm>
-          <a:prstGeom prst="rect">
-            <a:avLst/>
-          </a:prstGeom>
-          <a:noFill/>
-          <a:ln>
-            <a:noFill/>
-          </a:ln>
-        </p:spPr>
-        <p:style>
-          <a:lnRef idx="0">
-            <a:scrgbClr r="0" g="0" b="0"/>
-          </a:lnRef>
-          <a:fillRef idx="0">
-            <a:scrgbClr r="0" g="0" b="0"/>
-          </a:fillRef>
-          <a:effectRef idx="0">
-            <a:scrgbClr r="0" g="0" b="0"/>
-          </a:effectRef>
-          <a:fontRef idx="minor"/>
-        </p:style>
-        <p:txBody>
-          <a:bodyPr lIns="90000" tIns="45000" rIns="90000" bIns="45000"/>
-          <a:lstStyle/>
-          <a:p>
-            <a:pPr>
-              <a:lnSpc>
-                <a:spcPct val="100000"/>
-              </a:lnSpc>
-            </a:pPr>
-            <a:r>
-              <a:rPr lang="en-US" sz="1800" b="0" strike="noStrike" spc="-1">
-                <a:solidFill>
-                  <a:srgbClr val="000000"/>
-                </a:solidFill>
-                <a:uFill>
-                  <a:solidFill>
-                    <a:srgbClr val="FFFFFF"/>
-                  </a:solidFill>
-                </a:uFill>
-                <a:latin typeface="Arial"/>
-                <a:ea typeface="DejaVu Sans"/>
-              </a:rPr>
-              <a:t>Figure 6. performance on the Imagenet</a:t>
-            </a:r>
-            <a:endParaRPr lang="en-US" sz="1800" b="0" strike="noStrike" spc="-1">
-              <a:solidFill>
-                <a:srgbClr val="000000"/>
-              </a:solidFill>
-              <a:uFill>
-                <a:solidFill>
-                  <a:srgbClr val="FFFFFF"/>
-                </a:solidFill>
-              </a:uFill>
-              <a:latin typeface="Arial"/>
-            </a:endParaRPr>
-          </a:p>
-        </p:txBody>
-      </p:sp>
     </p:spTree>
   </p:cSld>
   <p:clrMapOvr>
@@ -9295,39 +9799,16 @@
           <a:chExt cx="0" cy="0"/>
         </a:xfrm>
       </p:grpSpPr>
-      <p:pic>
-        <p:nvPicPr>
-          <p:cNvPr id="143" name="图片 3"/>
-          <p:cNvPicPr/>
-          <p:nvPr/>
-        </p:nvPicPr>
-        <p:blipFill>
-          <a:blip r:embed="rId2"/>
-          <a:stretch/>
-        </p:blipFill>
-        <p:spPr>
-          <a:xfrm>
-            <a:off x="1537200" y="1667160"/>
-            <a:ext cx="5900400" cy="4543920"/>
-          </a:xfrm>
-          <a:prstGeom prst="rect">
-            <a:avLst/>
-          </a:prstGeom>
-          <a:ln>
-            <a:noFill/>
-          </a:ln>
-        </p:spPr>
-      </p:pic>
-      <p:sp>
-        <p:nvSpPr>
-          <p:cNvPr id="144" name="CustomShape 1"/>
+      <p:sp>
+        <p:nvSpPr>
+          <p:cNvPr id="65" name="CustomShape 1"/>
           <p:cNvSpPr/>
           <p:nvPr/>
         </p:nvSpPr>
         <p:spPr>
           <a:xfrm>
-            <a:off x="0" y="6211800"/>
-            <a:ext cx="9157680" cy="639000"/>
+            <a:off x="1392120" y="992880"/>
+            <a:ext cx="6495480" cy="577440"/>
           </a:xfrm>
           <a:prstGeom prst="rect">
             <a:avLst/>
@@ -9359,76 +9840,7 @@
               </a:lnSpc>
             </a:pPr>
             <a:r>
-              <a:rPr lang="en-US" sz="1800" b="0" strike="noStrike" spc="-1">
-                <a:solidFill>
-                  <a:srgbClr val="000000"/>
-                </a:solidFill>
-                <a:uFill>
-                  <a:solidFill>
-                    <a:srgbClr val="FFFFFF"/>
-                  </a:solidFill>
-                </a:uFill>
-                <a:latin typeface="Arial"/>
-                <a:ea typeface="DejaVu Sans"/>
-              </a:rPr>
-              <a:t>Canziani A, Paszke A, Culurciello E, et al. An Analysis of Deep Neural Network Models for Practical Applications[J]. arXiv: Computer Vision and Pattern Recognition, 2016.</a:t>
-            </a:r>
-            <a:endParaRPr lang="en-US" sz="1800" b="0" strike="noStrike" spc="-1">
-              <a:solidFill>
-                <a:srgbClr val="000000"/>
-              </a:solidFill>
-              <a:uFill>
-                <a:solidFill>
-                  <a:srgbClr val="FFFFFF"/>
-                </a:solidFill>
-              </a:uFill>
-              <a:latin typeface="Arial"/>
-            </a:endParaRPr>
-          </a:p>
-        </p:txBody>
-      </p:sp>
-      <p:sp>
-        <p:nvSpPr>
-          <p:cNvPr id="145" name="CustomShape 2"/>
-          <p:cNvSpPr/>
-          <p:nvPr/>
-        </p:nvSpPr>
-        <p:spPr>
-          <a:xfrm>
-            <a:off x="1271727" y="970539"/>
-            <a:ext cx="8013600" cy="864360"/>
-          </a:xfrm>
-          <a:prstGeom prst="rect">
-            <a:avLst/>
-          </a:prstGeom>
-          <a:noFill/>
-          <a:ln>
-            <a:noFill/>
-          </a:ln>
-        </p:spPr>
-        <p:style>
-          <a:lnRef idx="0">
-            <a:scrgbClr r="0" g="0" b="0"/>
-          </a:lnRef>
-          <a:fillRef idx="0">
-            <a:scrgbClr r="0" g="0" b="0"/>
-          </a:fillRef>
-          <a:effectRef idx="0">
-            <a:scrgbClr r="0" g="0" b="0"/>
-          </a:effectRef>
-          <a:fontRef idx="minor"/>
-        </p:style>
-        <p:txBody>
-          <a:bodyPr lIns="90000" tIns="45000" rIns="90000" bIns="45000"/>
-          <a:lstStyle/>
-          <a:p>
-            <a:pPr>
-              <a:lnSpc>
-                <a:spcPct val="100000"/>
-              </a:lnSpc>
-            </a:pPr>
-            <a:r>
-              <a:rPr lang="en-US" sz="3200" b="0" strike="noStrike" spc="-1" dirty="0">
+              <a:rPr lang="en-US" sz="3200" b="0" strike="noStrike" spc="-1" dirty="0" err="1" smtClean="0">
                 <a:solidFill>
                   <a:srgbClr val="C0504D"/>
                 </a:solidFill>
@@ -9440,22 +9852,7 @@
                 <a:latin typeface="Calibri"/>
                 <a:ea typeface="DejaVu Sans"/>
               </a:rPr>
-              <a:t>Validation accuracies for different </a:t>
-            </a:r>
-            <a:r>
-              <a:rPr lang="en-US" sz="3200" b="0" strike="noStrike" spc="-1" dirty="0" smtClean="0">
-                <a:solidFill>
-                  <a:srgbClr val="C0504D"/>
-                </a:solidFill>
-                <a:uFill>
-                  <a:solidFill>
-                    <a:srgbClr val="FFFFFF"/>
-                  </a:solidFill>
-                </a:uFill>
-                <a:latin typeface="Calibri"/>
-                <a:ea typeface="DejaVu Sans"/>
-              </a:rPr>
-              <a:t>architectures</a:t>
+              <a:t>ResNet</a:t>
             </a:r>
             <a:endParaRPr lang="en-US" sz="1800" b="0" strike="noStrike" spc="-1" dirty="0">
               <a:solidFill>
@@ -9471,10 +9868,40 @@
           </a:p>
         </p:txBody>
       </p:sp>
+      <p:pic>
+        <p:nvPicPr>
+          <p:cNvPr id="2" name="图片 1"/>
+          <p:cNvPicPr>
+            <a:picLocks noChangeAspect="1"/>
+          </p:cNvPicPr>
+          <p:nvPr/>
+        </p:nvPicPr>
+        <p:blipFill>
+          <a:blip r:embed="rId3">
+            <a:extLst>
+              <a:ext uri="{28A0092B-C50C-407E-A947-70E740481C1C}">
+                <a14:useLocalDpi xmlns:a14="http://schemas.microsoft.com/office/drawing/2010/main" val="0"/>
+              </a:ext>
+            </a:extLst>
+          </a:blip>
+          <a:stretch>
+            <a:fillRect/>
+          </a:stretch>
+        </p:blipFill>
+        <p:spPr>
+          <a:xfrm>
+            <a:off x="0" y="2098158"/>
+            <a:ext cx="9144000" cy="3880884"/>
+          </a:xfrm>
+          <a:prstGeom prst="rect">
+            <a:avLst/>
+          </a:prstGeom>
+        </p:spPr>
+      </p:pic>
     </p:spTree>
     <p:extLst>
       <p:ext uri="{BB962C8B-B14F-4D97-AF65-F5344CB8AC3E}">
-        <p14:creationId xmlns:p14="http://schemas.microsoft.com/office/powerpoint/2010/main" val="971019996"/>
+        <p14:creationId xmlns:p14="http://schemas.microsoft.com/office/powerpoint/2010/main" val="2243012586"/>
       </p:ext>
     </p:extLst>
   </p:cSld>
@@ -9528,39 +9955,16 @@
           <a:chExt cx="0" cy="0"/>
         </a:xfrm>
       </p:grpSpPr>
-      <p:pic>
-        <p:nvPicPr>
-          <p:cNvPr id="146" name="图片 4"/>
-          <p:cNvPicPr/>
-          <p:nvPr/>
-        </p:nvPicPr>
-        <p:blipFill>
-          <a:blip r:embed="rId2"/>
-          <a:stretch/>
-        </p:blipFill>
-        <p:spPr>
-          <a:xfrm>
-            <a:off x="1145880" y="1737360"/>
-            <a:ext cx="6169320" cy="4124160"/>
-          </a:xfrm>
-          <a:prstGeom prst="rect">
-            <a:avLst/>
-          </a:prstGeom>
-          <a:ln>
-            <a:noFill/>
-          </a:ln>
-        </p:spPr>
-      </p:pic>
-      <p:sp>
-        <p:nvSpPr>
-          <p:cNvPr id="147" name="CustomShape 1"/>
+      <p:sp>
+        <p:nvSpPr>
+          <p:cNvPr id="57" name="CustomShape 1"/>
           <p:cNvSpPr/>
           <p:nvPr/>
         </p:nvSpPr>
         <p:spPr>
           <a:xfrm>
-            <a:off x="548640" y="5934600"/>
-            <a:ext cx="8370000" cy="913320"/>
+            <a:off x="1392120" y="992880"/>
+            <a:ext cx="6495480" cy="577440"/>
           </a:xfrm>
           <a:prstGeom prst="rect">
             <a:avLst/>
@@ -9592,106 +9996,7 @@
               </a:lnSpc>
             </a:pPr>
             <a:r>
-              <a:rPr lang="en-US" sz="1800" b="0" strike="noStrike" spc="-1">
-                <a:solidFill>
-                  <a:srgbClr val="000000"/>
-                </a:solidFill>
-                <a:uFill>
-                  <a:solidFill>
-                    <a:srgbClr val="FFFFFF"/>
-                  </a:solidFill>
-                </a:uFill>
-                <a:latin typeface="Arial"/>
-                <a:ea typeface="DejaVu Sans"/>
-              </a:rPr>
-              <a:t>Canziani, Alfredo, Adam Paszke, and Eugenio Culurciello. "An Analysis of Deep Neural Network Models for Practical Applications." </a:t>
-            </a:r>
-            <a:r>
-              <a:rPr lang="en-US" sz="1800" b="0" i="1" strike="noStrike" spc="-1">
-                <a:solidFill>
-                  <a:srgbClr val="000000"/>
-                </a:solidFill>
-                <a:uFill>
-                  <a:solidFill>
-                    <a:srgbClr val="FFFFFF"/>
-                  </a:solidFill>
-                </a:uFill>
-                <a:latin typeface="Arial"/>
-                <a:ea typeface="DejaVu Sans"/>
-              </a:rPr>
-              <a:t>arXiv: Computer Vision and Pattern Recognition</a:t>
-            </a:r>
-            <a:r>
-              <a:rPr lang="en-US" sz="1800" b="0" strike="noStrike" spc="-1">
-                <a:solidFill>
-                  <a:srgbClr val="000000"/>
-                </a:solidFill>
-                <a:uFill>
-                  <a:solidFill>
-                    <a:srgbClr val="FFFFFF"/>
-                  </a:solidFill>
-                </a:uFill>
-                <a:latin typeface="Arial"/>
-                <a:ea typeface="DejaVu Sans"/>
-              </a:rPr>
-              <a:t> (2016).</a:t>
-            </a:r>
-            <a:endParaRPr lang="en-US" sz="1800" b="0" strike="noStrike" spc="-1">
-              <a:solidFill>
-                <a:srgbClr val="000000"/>
-              </a:solidFill>
-              <a:uFill>
-                <a:solidFill>
-                  <a:srgbClr val="FFFFFF"/>
-                </a:solidFill>
-              </a:uFill>
-              <a:latin typeface="Arial"/>
-            </a:endParaRPr>
-          </a:p>
-        </p:txBody>
-      </p:sp>
-      <p:sp>
-        <p:nvSpPr>
-          <p:cNvPr id="148" name="CustomShape 2"/>
-          <p:cNvSpPr/>
-          <p:nvPr/>
-        </p:nvSpPr>
-        <p:spPr>
-          <a:xfrm>
-            <a:off x="1341000" y="915120"/>
-            <a:ext cx="7111440" cy="864360"/>
-          </a:xfrm>
-          <a:prstGeom prst="rect">
-            <a:avLst/>
-          </a:prstGeom>
-          <a:noFill/>
-          <a:ln>
-            <a:noFill/>
-          </a:ln>
-        </p:spPr>
-        <p:style>
-          <a:lnRef idx="0">
-            <a:scrgbClr r="0" g="0" b="0"/>
-          </a:lnRef>
-          <a:fillRef idx="0">
-            <a:scrgbClr r="0" g="0" b="0"/>
-          </a:fillRef>
-          <a:effectRef idx="0">
-            <a:scrgbClr r="0" g="0" b="0"/>
-          </a:effectRef>
-          <a:fontRef idx="minor"/>
-        </p:style>
-        <p:txBody>
-          <a:bodyPr lIns="90000" tIns="45000" rIns="90000" bIns="45000"/>
-          <a:lstStyle/>
-          <a:p>
-            <a:pPr>
-              <a:lnSpc>
-                <a:spcPct val="100000"/>
-              </a:lnSpc>
-            </a:pPr>
-            <a:r>
-              <a:rPr lang="en-US" sz="3200" b="0" strike="noStrike" spc="-1">
+              <a:rPr lang="en-US" sz="3200" b="0" strike="noStrike" spc="-1" dirty="0" smtClean="0">
                 <a:solidFill>
                   <a:srgbClr val="C0504D"/>
                 </a:solidFill>
@@ -9703,26 +10008,95 @@
                 <a:latin typeface="Calibri"/>
                 <a:ea typeface="DejaVu Sans"/>
               </a:rPr>
-              <a:t>Accuracy and size of the model</a:t>
+              <a:t>Highlight of </a:t>
             </a:r>
-            <a:endParaRPr lang="en-US" sz="1800" b="0" strike="noStrike" spc="-1">
-              <a:solidFill>
-                <a:srgbClr val="000000"/>
-              </a:solidFill>
-              <a:uFill>
-                <a:solidFill>
-                  <a:srgbClr val="FFFFFF"/>
-                </a:solidFill>
-              </a:uFill>
-              <a:latin typeface="Arial"/>
-            </a:endParaRPr>
+            <a:r>
+              <a:rPr lang="en-US" sz="3200" b="0" strike="noStrike" spc="-1" dirty="0" err="1" smtClean="0">
+                <a:solidFill>
+                  <a:srgbClr val="C0504D"/>
+                </a:solidFill>
+                <a:uFill>
+                  <a:solidFill>
+                    <a:srgbClr val="FFFFFF"/>
+                  </a:solidFill>
+                </a:uFill>
+                <a:latin typeface="Calibri"/>
+                <a:ea typeface="DejaVu Sans"/>
+              </a:rPr>
+              <a:t>ResNet</a:t>
+            </a:r>
+            <a:endParaRPr lang="en-US" sz="1800" b="0" strike="noStrike" spc="-1" dirty="0">
+              <a:solidFill>
+                <a:srgbClr val="000000"/>
+              </a:solidFill>
+              <a:uFill>
+                <a:solidFill>
+                  <a:srgbClr val="FFFFFF"/>
+                </a:solidFill>
+              </a:uFill>
+              <a:latin typeface="Arial"/>
+            </a:endParaRPr>
+          </a:p>
+        </p:txBody>
+      </p:sp>
+      <p:sp>
+        <p:nvSpPr>
+          <p:cNvPr id="5" name="文本框 4"/>
+          <p:cNvSpPr txBox="1"/>
+          <p:nvPr/>
+        </p:nvSpPr>
+        <p:spPr>
+          <a:xfrm>
+            <a:off x="926841" y="2784763"/>
+            <a:ext cx="7426037" cy="1384995"/>
+          </a:xfrm>
+          <a:prstGeom prst="rect">
+            <a:avLst/>
+          </a:prstGeom>
+          <a:noFill/>
+        </p:spPr>
+        <p:txBody>
+          <a:bodyPr wrap="square" rtlCol="0">
+            <a:spAutoFit/>
+          </a:bodyPr>
+          <a:lstStyle/>
+          <a:p>
+            <a:pPr marL="285750" indent="-285750">
+              <a:buFont typeface="Wingdings" panose="05000000000000000000" pitchFamily="2" charset="2"/>
+              <a:buChar char="Ø"/>
+            </a:pPr>
+            <a:r>
+              <a:rPr lang="en-US" altLang="zh-CN" sz="2800" dirty="0" smtClean="0"/>
+              <a:t>Residual learning</a:t>
+            </a:r>
+          </a:p>
+          <a:p>
+            <a:pPr marL="285750" indent="-285750">
+              <a:buFont typeface="Wingdings" panose="05000000000000000000" pitchFamily="2" charset="2"/>
+              <a:buChar char="Ø"/>
+            </a:pPr>
+            <a:r>
+              <a:rPr lang="en-US" altLang="zh-CN" sz="2800" dirty="0" smtClean="0"/>
+              <a:t>Global average pooling</a:t>
+            </a:r>
+          </a:p>
+          <a:p>
+            <a:pPr marL="285750" indent="-285750">
+              <a:buFont typeface="Wingdings" panose="05000000000000000000" pitchFamily="2" charset="2"/>
+              <a:buChar char="Ø"/>
+            </a:pPr>
+            <a:r>
+              <a:rPr lang="en-US" altLang="zh-CN" sz="2800" dirty="0" smtClean="0"/>
+              <a:t>Much deeper</a:t>
+            </a:r>
+            <a:endParaRPr lang="en-US" altLang="zh-CN" sz="2800" dirty="0" smtClean="0"/>
           </a:p>
         </p:txBody>
       </p:sp>
     </p:spTree>
     <p:extLst>
       <p:ext uri="{BB962C8B-B14F-4D97-AF65-F5344CB8AC3E}">
-        <p14:creationId xmlns:p14="http://schemas.microsoft.com/office/powerpoint/2010/main" val="1600895105"/>
+        <p14:creationId xmlns:p14="http://schemas.microsoft.com/office/powerpoint/2010/main" val="1957682114"/>
       </p:ext>
     </p:extLst>
   </p:cSld>
@@ -9776,20 +10150,104 @@
           <a:chExt cx="0" cy="0"/>
         </a:xfrm>
       </p:grpSpPr>
+      <p:sp>
+        <p:nvSpPr>
+          <p:cNvPr id="73" name="CustomShape 1"/>
+          <p:cNvSpPr/>
+          <p:nvPr/>
+        </p:nvSpPr>
+        <p:spPr>
+          <a:xfrm>
+            <a:off x="1392120" y="992880"/>
+            <a:ext cx="6495480" cy="577440"/>
+          </a:xfrm>
+          <a:prstGeom prst="rect">
+            <a:avLst/>
+          </a:prstGeom>
+          <a:noFill/>
+          <a:ln>
+            <a:noFill/>
+          </a:ln>
+        </p:spPr>
+        <p:style>
+          <a:lnRef idx="0">
+            <a:scrgbClr r="0" g="0" b="0"/>
+          </a:lnRef>
+          <a:fillRef idx="0">
+            <a:scrgbClr r="0" g="0" b="0"/>
+          </a:fillRef>
+          <a:effectRef idx="0">
+            <a:scrgbClr r="0" g="0" b="0"/>
+          </a:effectRef>
+          <a:fontRef idx="minor"/>
+        </p:style>
+        <p:txBody>
+          <a:bodyPr lIns="90000" tIns="45000" rIns="90000" bIns="45000"/>
+          <a:lstStyle/>
+          <a:p>
+            <a:pPr>
+              <a:lnSpc>
+                <a:spcPct val="100000"/>
+              </a:lnSpc>
+            </a:pPr>
+            <a:r>
+              <a:rPr lang="en-US" sz="3200" b="0" strike="noStrike" spc="-1" dirty="0" smtClean="0">
+                <a:solidFill>
+                  <a:srgbClr val="C0504D"/>
+                </a:solidFill>
+                <a:uFill>
+                  <a:solidFill>
+                    <a:srgbClr val="FFFFFF"/>
+                  </a:solidFill>
+                </a:uFill>
+                <a:latin typeface="Calibri"/>
+                <a:ea typeface="DejaVu Sans"/>
+              </a:rPr>
+              <a:t>Performance </a:t>
+            </a:r>
+            <a:r>
+              <a:rPr lang="en-US" sz="3200" spc="-1" dirty="0" smtClean="0">
+                <a:solidFill>
+                  <a:srgbClr val="C0504D"/>
+                </a:solidFill>
+                <a:uFill>
+                  <a:solidFill>
+                    <a:srgbClr val="FFFFFF"/>
+                  </a:solidFill>
+                </a:uFill>
+                <a:latin typeface="Calibri"/>
+                <a:ea typeface="DejaVu Sans"/>
+              </a:rPr>
+              <a:t>of CNN in ImageNet</a:t>
+            </a:r>
+            <a:endParaRPr lang="en-US" sz="1800" b="0" strike="noStrike" spc="-1" dirty="0">
+              <a:solidFill>
+                <a:srgbClr val="000000"/>
+              </a:solidFill>
+              <a:uFill>
+                <a:solidFill>
+                  <a:srgbClr val="FFFFFF"/>
+                </a:solidFill>
+              </a:uFill>
+              <a:latin typeface="Arial"/>
+            </a:endParaRPr>
+          </a:p>
+        </p:txBody>
+      </p:sp>
       <p:pic>
         <p:nvPicPr>
-          <p:cNvPr id="149" name="图片 3"/>
+          <p:cNvPr id="75" name="图片 5"/>
           <p:cNvPicPr/>
           <p:nvPr/>
         </p:nvPicPr>
         <p:blipFill>
-          <a:blip r:embed="rId2"/>
+          <a:blip r:embed="rId3"/>
           <a:stretch/>
         </p:blipFill>
         <p:spPr>
           <a:xfrm>
-            <a:off x="1188720" y="1532160"/>
-            <a:ext cx="6492240" cy="4443480"/>
+            <a:off x="433800" y="1744560"/>
+            <a:ext cx="8412120" cy="4579560"/>
           </a:xfrm>
           <a:prstGeom prst="rect">
             <a:avLst/>
@@ -9801,14 +10259,14 @@
       </p:pic>
       <p:sp>
         <p:nvSpPr>
-          <p:cNvPr id="150" name="CustomShape 1"/>
+          <p:cNvPr id="76" name="CustomShape 3"/>
           <p:cNvSpPr/>
           <p:nvPr/>
         </p:nvSpPr>
         <p:spPr>
           <a:xfrm>
-            <a:off x="225000" y="5934600"/>
-            <a:ext cx="8918640" cy="913320"/>
+            <a:off x="975600" y="6324840"/>
+            <a:ext cx="7823160" cy="601920"/>
           </a:xfrm>
           <a:prstGeom prst="rect">
             <a:avLst/>
@@ -9852,37 +10310,7 @@
                 <a:latin typeface="Arial"/>
                 <a:ea typeface="DejaVu Sans"/>
               </a:rPr>
-              <a:t>Canziani, Alfredo, Adam Paszke, and Eugenio Culurciello. "An Analysis of Deep Neural Network Models for Practical Applications." </a:t>
-            </a:r>
-            <a:r>
-              <a:rPr lang="en-US" sz="1800" b="0" i="1" strike="noStrike" spc="-1">
-                <a:solidFill>
-                  <a:srgbClr val="000000"/>
-                </a:solidFill>
-                <a:uFill>
-                  <a:solidFill>
-                    <a:srgbClr val="FFFFFF"/>
-                  </a:solidFill>
-                </a:uFill>
-                <a:latin typeface="Arial"/>
-                <a:ea typeface="DejaVu Sans"/>
-              </a:rPr>
-              <a:t>arXiv: Computer Vision and Pattern Recognition</a:t>
-            </a:r>
-            <a:r>
-              <a:rPr lang="en-US" sz="1800" b="0" strike="noStrike" spc="-1">
-                <a:solidFill>
-                  <a:srgbClr val="000000"/>
-                </a:solidFill>
-                <a:uFill>
-                  <a:solidFill>
-                    <a:srgbClr val="FFFFFF"/>
-                  </a:solidFill>
-                </a:uFill>
-                <a:latin typeface="Arial"/>
-                <a:ea typeface="DejaVu Sans"/>
-              </a:rPr>
-              <a:t> (2016).</a:t>
+              <a:t>Figure 6. performance on the Imagenet</a:t>
             </a:r>
             <a:endParaRPr lang="en-US" sz="1800" b="0" strike="noStrike" spc="-1">
               <a:solidFill>
@@ -9898,81 +10326,7 @@
           </a:p>
         </p:txBody>
       </p:sp>
-      <p:sp>
-        <p:nvSpPr>
-          <p:cNvPr id="151" name="CustomShape 2"/>
-          <p:cNvSpPr/>
-          <p:nvPr/>
-        </p:nvSpPr>
-        <p:spPr>
-          <a:xfrm>
-            <a:off x="1300860" y="970538"/>
-            <a:ext cx="7111440" cy="864360"/>
-          </a:xfrm>
-          <a:prstGeom prst="rect">
-            <a:avLst/>
-          </a:prstGeom>
-          <a:noFill/>
-          <a:ln>
-            <a:noFill/>
-          </a:ln>
-        </p:spPr>
-        <p:style>
-          <a:lnRef idx="0">
-            <a:scrgbClr r="0" g="0" b="0"/>
-          </a:lnRef>
-          <a:fillRef idx="0">
-            <a:scrgbClr r="0" g="0" b="0"/>
-          </a:fillRef>
-          <a:effectRef idx="0">
-            <a:scrgbClr r="0" g="0" b="0"/>
-          </a:effectRef>
-          <a:fontRef idx="minor"/>
-        </p:style>
-        <p:txBody>
-          <a:bodyPr lIns="90000" tIns="45000" rIns="90000" bIns="45000"/>
-          <a:lstStyle/>
-          <a:p>
-            <a:pPr>
-              <a:lnSpc>
-                <a:spcPct val="100000"/>
-              </a:lnSpc>
-            </a:pPr>
-            <a:r>
-              <a:rPr lang="en-US" sz="3200" b="0" strike="noStrike" spc="-1" dirty="0">
-                <a:solidFill>
-                  <a:srgbClr val="C0504D"/>
-                </a:solidFill>
-                <a:uFill>
-                  <a:solidFill>
-                    <a:srgbClr val="FFFFFF"/>
-                  </a:solidFill>
-                </a:uFill>
-                <a:latin typeface="Calibri"/>
-                <a:ea typeface="DejaVu Sans"/>
-              </a:rPr>
-              <a:t>Inference time</a:t>
-            </a:r>
-            <a:endParaRPr lang="en-US" sz="1800" b="0" strike="noStrike" spc="-1" dirty="0">
-              <a:solidFill>
-                <a:srgbClr val="000000"/>
-              </a:solidFill>
-              <a:uFill>
-                <a:solidFill>
-                  <a:srgbClr val="FFFFFF"/>
-                </a:solidFill>
-              </a:uFill>
-              <a:latin typeface="Arial"/>
-            </a:endParaRPr>
-          </a:p>
-        </p:txBody>
-      </p:sp>
     </p:spTree>
-    <p:extLst>
-      <p:ext uri="{BB962C8B-B14F-4D97-AF65-F5344CB8AC3E}">
-        <p14:creationId xmlns:p14="http://schemas.microsoft.com/office/powerpoint/2010/main" val="1306525705"/>
-      </p:ext>
-    </p:extLst>
   </p:cSld>
   <p:clrMapOvr>
     <a:masterClrMapping/>
@@ -10024,16 +10378,39 @@
           <a:chExt cx="0" cy="0"/>
         </a:xfrm>
       </p:grpSpPr>
-      <p:sp>
-        <p:nvSpPr>
-          <p:cNvPr id="152" name="CustomShape 1"/>
+      <p:pic>
+        <p:nvPicPr>
+          <p:cNvPr id="143" name="图片 3"/>
+          <p:cNvPicPr/>
+          <p:nvPr/>
+        </p:nvPicPr>
+        <p:blipFill>
+          <a:blip r:embed="rId2"/>
+          <a:stretch/>
+        </p:blipFill>
+        <p:spPr>
+          <a:xfrm>
+            <a:off x="1537200" y="1667160"/>
+            <a:ext cx="5900400" cy="4543920"/>
+          </a:xfrm>
+          <a:prstGeom prst="rect">
+            <a:avLst/>
+          </a:prstGeom>
+          <a:ln>
+            <a:noFill/>
+          </a:ln>
+        </p:spPr>
+      </p:pic>
+      <p:sp>
+        <p:nvSpPr>
+          <p:cNvPr id="144" name="CustomShape 1"/>
           <p:cNvSpPr/>
           <p:nvPr/>
         </p:nvSpPr>
         <p:spPr>
           <a:xfrm>
-            <a:off x="1346040" y="1002960"/>
-            <a:ext cx="7111440" cy="864360"/>
+            <a:off x="0" y="6211800"/>
+            <a:ext cx="9157680" cy="639000"/>
           </a:xfrm>
           <a:prstGeom prst="rect">
             <a:avLst/>
@@ -10065,7 +10442,76 @@
               </a:lnSpc>
             </a:pPr>
             <a:r>
-              <a:rPr lang="en-US" sz="3200" b="0" strike="noStrike" spc="-1">
+              <a:rPr lang="en-US" sz="1800" b="0" strike="noStrike" spc="-1">
+                <a:solidFill>
+                  <a:srgbClr val="000000"/>
+                </a:solidFill>
+                <a:uFill>
+                  <a:solidFill>
+                    <a:srgbClr val="FFFFFF"/>
+                  </a:solidFill>
+                </a:uFill>
+                <a:latin typeface="Arial"/>
+                <a:ea typeface="DejaVu Sans"/>
+              </a:rPr>
+              <a:t>Canziani A, Paszke A, Culurciello E, et al. An Analysis of Deep Neural Network Models for Practical Applications[J]. arXiv: Computer Vision and Pattern Recognition, 2016.</a:t>
+            </a:r>
+            <a:endParaRPr lang="en-US" sz="1800" b="0" strike="noStrike" spc="-1">
+              <a:solidFill>
+                <a:srgbClr val="000000"/>
+              </a:solidFill>
+              <a:uFill>
+                <a:solidFill>
+                  <a:srgbClr val="FFFFFF"/>
+                </a:solidFill>
+              </a:uFill>
+              <a:latin typeface="Arial"/>
+            </a:endParaRPr>
+          </a:p>
+        </p:txBody>
+      </p:sp>
+      <p:sp>
+        <p:nvSpPr>
+          <p:cNvPr id="145" name="CustomShape 2"/>
+          <p:cNvSpPr/>
+          <p:nvPr/>
+        </p:nvSpPr>
+        <p:spPr>
+          <a:xfrm>
+            <a:off x="1271727" y="970539"/>
+            <a:ext cx="8013600" cy="864360"/>
+          </a:xfrm>
+          <a:prstGeom prst="rect">
+            <a:avLst/>
+          </a:prstGeom>
+          <a:noFill/>
+          <a:ln>
+            <a:noFill/>
+          </a:ln>
+        </p:spPr>
+        <p:style>
+          <a:lnRef idx="0">
+            <a:scrgbClr r="0" g="0" b="0"/>
+          </a:lnRef>
+          <a:fillRef idx="0">
+            <a:scrgbClr r="0" g="0" b="0"/>
+          </a:fillRef>
+          <a:effectRef idx="0">
+            <a:scrgbClr r="0" g="0" b="0"/>
+          </a:effectRef>
+          <a:fontRef idx="minor"/>
+        </p:style>
+        <p:txBody>
+          <a:bodyPr lIns="90000" tIns="45000" rIns="90000" bIns="45000"/>
+          <a:lstStyle/>
+          <a:p>
+            <a:pPr>
+              <a:lnSpc>
+                <a:spcPct val="100000"/>
+              </a:lnSpc>
+            </a:pPr>
+            <a:r>
+              <a:rPr lang="en-US" sz="3200" b="0" strike="noStrike" spc="-1" dirty="0">
                 <a:solidFill>
                   <a:srgbClr val="C0504D"/>
                 </a:solidFill>
@@ -10077,131 +10523,24 @@
                 <a:latin typeface="Calibri"/>
                 <a:ea typeface="DejaVu Sans"/>
               </a:rPr>
-              <a:t>Power</a:t>
+              <a:t>Validation accuracies for different </a:t>
             </a:r>
-            <a:endParaRPr lang="en-US" sz="1800" b="0" strike="noStrike" spc="-1">
-              <a:solidFill>
-                <a:srgbClr val="000000"/>
-              </a:solidFill>
-              <a:uFill>
-                <a:solidFill>
-                  <a:srgbClr val="FFFFFF"/>
-                </a:solidFill>
-              </a:uFill>
-              <a:latin typeface="Arial"/>
-            </a:endParaRPr>
-          </a:p>
-        </p:txBody>
-      </p:sp>
-      <p:pic>
-        <p:nvPicPr>
-          <p:cNvPr id="153" name="图片 5"/>
-          <p:cNvPicPr/>
-          <p:nvPr/>
-        </p:nvPicPr>
-        <p:blipFill>
-          <a:blip r:embed="rId2"/>
-          <a:stretch/>
-        </p:blipFill>
-        <p:spPr>
-          <a:xfrm>
-            <a:off x="1324800" y="1737360"/>
-            <a:ext cx="6356160" cy="4208760"/>
-          </a:xfrm>
-          <a:prstGeom prst="rect">
-            <a:avLst/>
-          </a:prstGeom>
-          <a:ln>
-            <a:noFill/>
-          </a:ln>
-        </p:spPr>
-      </p:pic>
-      <p:sp>
-        <p:nvSpPr>
-          <p:cNvPr id="154" name="CustomShape 2"/>
-          <p:cNvSpPr/>
-          <p:nvPr/>
-        </p:nvSpPr>
-        <p:spPr>
-          <a:xfrm>
-            <a:off x="98640" y="5934600"/>
-            <a:ext cx="9045000" cy="913320"/>
-          </a:xfrm>
-          <a:prstGeom prst="rect">
-            <a:avLst/>
-          </a:prstGeom>
-          <a:noFill/>
-          <a:ln>
-            <a:noFill/>
-          </a:ln>
-        </p:spPr>
-        <p:style>
-          <a:lnRef idx="0">
-            <a:scrgbClr r="0" g="0" b="0"/>
-          </a:lnRef>
-          <a:fillRef idx="0">
-            <a:scrgbClr r="0" g="0" b="0"/>
-          </a:fillRef>
-          <a:effectRef idx="0">
-            <a:scrgbClr r="0" g="0" b="0"/>
-          </a:effectRef>
-          <a:fontRef idx="minor"/>
-        </p:style>
-        <p:txBody>
-          <a:bodyPr lIns="90000" tIns="45000" rIns="90000" bIns="45000"/>
-          <a:lstStyle/>
-          <a:p>
-            <a:pPr>
-              <a:lnSpc>
-                <a:spcPct val="100000"/>
-              </a:lnSpc>
-            </a:pPr>
             <a:r>
-              <a:rPr lang="en-US" sz="1800" b="0" strike="noStrike" spc="-1">
-                <a:solidFill>
-                  <a:srgbClr val="000000"/>
+              <a:rPr lang="en-US" sz="3200" b="0" strike="noStrike" spc="-1" dirty="0" smtClean="0">
+                <a:solidFill>
+                  <a:srgbClr val="C0504D"/>
                 </a:solidFill>
                 <a:uFill>
                   <a:solidFill>
                     <a:srgbClr val="FFFFFF"/>
                   </a:solidFill>
                 </a:uFill>
-                <a:latin typeface="Arial"/>
+                <a:latin typeface="Calibri"/>
                 <a:ea typeface="DejaVu Sans"/>
               </a:rPr>
-              <a:t>Canziani, Alfredo, Adam Paszke, and Eugenio Culurciello. "An Analysis of Deep Neural Network Models for Practical Applications." </a:t>
+              <a:t>architectures</a:t>
             </a:r>
-            <a:r>
-              <a:rPr lang="en-US" sz="1800" b="0" i="1" strike="noStrike" spc="-1">
-                <a:solidFill>
-                  <a:srgbClr val="000000"/>
-                </a:solidFill>
-                <a:uFill>
-                  <a:solidFill>
-                    <a:srgbClr val="FFFFFF"/>
-                  </a:solidFill>
-                </a:uFill>
-                <a:latin typeface="Arial"/>
-                <a:ea typeface="DejaVu Sans"/>
-              </a:rPr>
-              <a:t>arXiv: Computer Vision and Pattern Recognition</a:t>
-            </a:r>
-            <a:r>
-              <a:rPr lang="en-US" sz="1800" b="0" strike="noStrike" spc="-1">
-                <a:solidFill>
-                  <a:srgbClr val="000000"/>
-                </a:solidFill>
-                <a:uFill>
-                  <a:solidFill>
-                    <a:srgbClr val="FFFFFF"/>
-                  </a:solidFill>
-                </a:uFill>
-                <a:latin typeface="Arial"/>
-                <a:ea typeface="DejaVu Sans"/>
-              </a:rPr>
-              <a:t> (2016).</a:t>
-            </a:r>
-            <a:endParaRPr lang="en-US" sz="1800" b="0" strike="noStrike" spc="-1">
+            <a:endParaRPr lang="en-US" sz="1800" b="0" strike="noStrike" spc="-1" dirty="0">
               <a:solidFill>
                 <a:srgbClr val="000000"/>
               </a:solidFill>
@@ -10218,7 +10557,7 @@
     </p:spTree>
     <p:extLst>
       <p:ext uri="{BB962C8B-B14F-4D97-AF65-F5344CB8AC3E}">
-        <p14:creationId xmlns:p14="http://schemas.microsoft.com/office/powerpoint/2010/main" val="1752200844"/>
+        <p14:creationId xmlns:p14="http://schemas.microsoft.com/office/powerpoint/2010/main" val="971019996"/>
       </p:ext>
     </p:extLst>
   </p:cSld>
@@ -10272,78 +10611,9 @@
           <a:chExt cx="0" cy="0"/>
         </a:xfrm>
       </p:grpSpPr>
-      <p:sp>
-        <p:nvSpPr>
-          <p:cNvPr id="155" name="CustomShape 1"/>
-          <p:cNvSpPr/>
-          <p:nvPr/>
-        </p:nvSpPr>
-        <p:spPr>
-          <a:xfrm>
-            <a:off x="1346040" y="1002960"/>
-            <a:ext cx="7111440" cy="864360"/>
-          </a:xfrm>
-          <a:prstGeom prst="rect">
-            <a:avLst/>
-          </a:prstGeom>
-          <a:noFill/>
-          <a:ln>
-            <a:noFill/>
-          </a:ln>
-        </p:spPr>
-        <p:style>
-          <a:lnRef idx="0">
-            <a:scrgbClr r="0" g="0" b="0"/>
-          </a:lnRef>
-          <a:fillRef idx="0">
-            <a:scrgbClr r="0" g="0" b="0"/>
-          </a:fillRef>
-          <a:effectRef idx="0">
-            <a:scrgbClr r="0" g="0" b="0"/>
-          </a:effectRef>
-          <a:fontRef idx="minor"/>
-        </p:style>
-        <p:txBody>
-          <a:bodyPr lIns="90000" tIns="45000" rIns="90000" bIns="45000"/>
-          <a:lstStyle/>
-          <a:p>
-            <a:pPr>
-              <a:lnSpc>
-                <a:spcPct val="100000"/>
-              </a:lnSpc>
-            </a:pPr>
-            <a:r>
-              <a:rPr lang="en-US" sz="3200" b="0" strike="noStrike" spc="-1">
-                <a:solidFill>
-                  <a:srgbClr val="C0504D"/>
-                </a:solidFill>
-                <a:uFill>
-                  <a:solidFill>
-                    <a:srgbClr val="FFFFFF"/>
-                  </a:solidFill>
-                </a:uFill>
-                <a:latin typeface="Calibri"/>
-                <a:ea typeface="DejaVu Sans"/>
-              </a:rPr>
-              <a:t>Memory</a:t>
-            </a:r>
-            <a:endParaRPr lang="en-US" sz="1800" b="0" strike="noStrike" spc="-1">
-              <a:solidFill>
-                <a:srgbClr val="000000"/>
-              </a:solidFill>
-              <a:uFill>
-                <a:solidFill>
-                  <a:srgbClr val="FFFFFF"/>
-                </a:solidFill>
-              </a:uFill>
-              <a:latin typeface="Arial"/>
-            </a:endParaRPr>
-          </a:p>
-        </p:txBody>
-      </p:sp>
       <p:pic>
         <p:nvPicPr>
-          <p:cNvPr id="156" name="图片 4"/>
+          <p:cNvPr id="146" name="图片 4"/>
           <p:cNvPicPr/>
           <p:nvPr/>
         </p:nvPicPr>
@@ -10353,8 +10623,8 @@
         </p:blipFill>
         <p:spPr>
           <a:xfrm>
-            <a:off x="1245960" y="1689120"/>
-            <a:ext cx="6286320" cy="4266720"/>
+            <a:off x="1145880" y="1737360"/>
+            <a:ext cx="6169320" cy="4124160"/>
           </a:xfrm>
           <a:prstGeom prst="rect">
             <a:avLst/>
@@ -10366,14 +10636,14 @@
       </p:pic>
       <p:sp>
         <p:nvSpPr>
-          <p:cNvPr id="157" name="CustomShape 2"/>
+          <p:cNvPr id="147" name="CustomShape 1"/>
           <p:cNvSpPr/>
           <p:nvPr/>
         </p:nvSpPr>
         <p:spPr>
           <a:xfrm>
-            <a:off x="92160" y="5956560"/>
-            <a:ext cx="9143640" cy="913320"/>
+            <a:off x="548640" y="5934600"/>
+            <a:ext cx="8370000" cy="913320"/>
           </a:xfrm>
           <a:prstGeom prst="rect">
             <a:avLst/>
@@ -10463,10 +10733,79 @@
           </a:p>
         </p:txBody>
       </p:sp>
+      <p:sp>
+        <p:nvSpPr>
+          <p:cNvPr id="148" name="CustomShape 2"/>
+          <p:cNvSpPr/>
+          <p:nvPr/>
+        </p:nvSpPr>
+        <p:spPr>
+          <a:xfrm>
+            <a:off x="1341000" y="915120"/>
+            <a:ext cx="7111440" cy="864360"/>
+          </a:xfrm>
+          <a:prstGeom prst="rect">
+            <a:avLst/>
+          </a:prstGeom>
+          <a:noFill/>
+          <a:ln>
+            <a:noFill/>
+          </a:ln>
+        </p:spPr>
+        <p:style>
+          <a:lnRef idx="0">
+            <a:scrgbClr r="0" g="0" b="0"/>
+          </a:lnRef>
+          <a:fillRef idx="0">
+            <a:scrgbClr r="0" g="0" b="0"/>
+          </a:fillRef>
+          <a:effectRef idx="0">
+            <a:scrgbClr r="0" g="0" b="0"/>
+          </a:effectRef>
+          <a:fontRef idx="minor"/>
+        </p:style>
+        <p:txBody>
+          <a:bodyPr lIns="90000" tIns="45000" rIns="90000" bIns="45000"/>
+          <a:lstStyle/>
+          <a:p>
+            <a:pPr>
+              <a:lnSpc>
+                <a:spcPct val="100000"/>
+              </a:lnSpc>
+            </a:pPr>
+            <a:r>
+              <a:rPr lang="en-US" sz="3200" b="0" strike="noStrike" spc="-1">
+                <a:solidFill>
+                  <a:srgbClr val="C0504D"/>
+                </a:solidFill>
+                <a:uFill>
+                  <a:solidFill>
+                    <a:srgbClr val="FFFFFF"/>
+                  </a:solidFill>
+                </a:uFill>
+                <a:latin typeface="Calibri"/>
+                <a:ea typeface="DejaVu Sans"/>
+              </a:rPr>
+              <a:t>Accuracy and size of the model</a:t>
+            </a:r>
+            <a:endParaRPr lang="en-US" sz="1800" b="0" strike="noStrike" spc="-1">
+              <a:solidFill>
+                <a:srgbClr val="000000"/>
+              </a:solidFill>
+              <a:uFill>
+                <a:solidFill>
+                  <a:srgbClr val="FFFFFF"/>
+                </a:solidFill>
+              </a:uFill>
+              <a:latin typeface="Arial"/>
+            </a:endParaRPr>
+          </a:p>
+        </p:txBody>
+      </p:sp>
     </p:spTree>
     <p:extLst>
       <p:ext uri="{BB962C8B-B14F-4D97-AF65-F5344CB8AC3E}">
-        <p14:creationId xmlns:p14="http://schemas.microsoft.com/office/powerpoint/2010/main" val="1469084761"/>
+        <p14:creationId xmlns:p14="http://schemas.microsoft.com/office/powerpoint/2010/main" val="1600895105"/>
       </p:ext>
     </p:extLst>
   </p:cSld>
@@ -10522,7 +10861,7 @@
       </p:grpSpPr>
       <p:pic>
         <p:nvPicPr>
-          <p:cNvPr id="158" name="图片 3"/>
+          <p:cNvPr id="149" name="图片 3"/>
           <p:cNvPicPr/>
           <p:nvPr/>
         </p:nvPicPr>
@@ -10532,8 +10871,8 @@
         </p:blipFill>
         <p:spPr>
           <a:xfrm>
-            <a:off x="136080" y="1828800"/>
-            <a:ext cx="8550720" cy="3404520"/>
+            <a:off x="1188720" y="1532160"/>
+            <a:ext cx="6492240" cy="4443480"/>
           </a:xfrm>
           <a:prstGeom prst="rect">
             <a:avLst/>
@@ -10545,14 +10884,14 @@
       </p:pic>
       <p:sp>
         <p:nvSpPr>
-          <p:cNvPr id="159" name="CustomShape 1"/>
+          <p:cNvPr id="150" name="CustomShape 1"/>
           <p:cNvSpPr/>
           <p:nvPr/>
         </p:nvSpPr>
         <p:spPr>
           <a:xfrm>
-            <a:off x="0" y="5662080"/>
-            <a:ext cx="9354600" cy="913320"/>
+            <a:off x="225000" y="5934600"/>
+            <a:ext cx="8918640" cy="913320"/>
           </a:xfrm>
           <a:prstGeom prst="rect">
             <a:avLst/>
@@ -10642,10 +10981,79 @@
           </a:p>
         </p:txBody>
       </p:sp>
+      <p:sp>
+        <p:nvSpPr>
+          <p:cNvPr id="151" name="CustomShape 2"/>
+          <p:cNvSpPr/>
+          <p:nvPr/>
+        </p:nvSpPr>
+        <p:spPr>
+          <a:xfrm>
+            <a:off x="1300860" y="970538"/>
+            <a:ext cx="7111440" cy="864360"/>
+          </a:xfrm>
+          <a:prstGeom prst="rect">
+            <a:avLst/>
+          </a:prstGeom>
+          <a:noFill/>
+          <a:ln>
+            <a:noFill/>
+          </a:ln>
+        </p:spPr>
+        <p:style>
+          <a:lnRef idx="0">
+            <a:scrgbClr r="0" g="0" b="0"/>
+          </a:lnRef>
+          <a:fillRef idx="0">
+            <a:scrgbClr r="0" g="0" b="0"/>
+          </a:fillRef>
+          <a:effectRef idx="0">
+            <a:scrgbClr r="0" g="0" b="0"/>
+          </a:effectRef>
+          <a:fontRef idx="minor"/>
+        </p:style>
+        <p:txBody>
+          <a:bodyPr lIns="90000" tIns="45000" rIns="90000" bIns="45000"/>
+          <a:lstStyle/>
+          <a:p>
+            <a:pPr>
+              <a:lnSpc>
+                <a:spcPct val="100000"/>
+              </a:lnSpc>
+            </a:pPr>
+            <a:r>
+              <a:rPr lang="en-US" sz="3200" b="0" strike="noStrike" spc="-1" dirty="0">
+                <a:solidFill>
+                  <a:srgbClr val="C0504D"/>
+                </a:solidFill>
+                <a:uFill>
+                  <a:solidFill>
+                    <a:srgbClr val="FFFFFF"/>
+                  </a:solidFill>
+                </a:uFill>
+                <a:latin typeface="Calibri"/>
+                <a:ea typeface="DejaVu Sans"/>
+              </a:rPr>
+              <a:t>Inference time</a:t>
+            </a:r>
+            <a:endParaRPr lang="en-US" sz="1800" b="0" strike="noStrike" spc="-1" dirty="0">
+              <a:solidFill>
+                <a:srgbClr val="000000"/>
+              </a:solidFill>
+              <a:uFill>
+                <a:solidFill>
+                  <a:srgbClr val="FFFFFF"/>
+                </a:solidFill>
+              </a:uFill>
+              <a:latin typeface="Arial"/>
+            </a:endParaRPr>
+          </a:p>
+        </p:txBody>
+      </p:sp>
     </p:spTree>
     <p:extLst>
       <p:ext uri="{BB962C8B-B14F-4D97-AF65-F5344CB8AC3E}">
-        <p14:creationId xmlns:p14="http://schemas.microsoft.com/office/powerpoint/2010/main" val="3730801796"/>
+        <p14:creationId xmlns:p14="http://schemas.microsoft.com/office/powerpoint/2010/main" val="1306525705"/>
       </p:ext>
     </p:extLst>
   </p:cSld>
@@ -10701,14 +11109,14 @@
       </p:grpSpPr>
       <p:sp>
         <p:nvSpPr>
-          <p:cNvPr id="110" name="CustomShape 1"/>
+          <p:cNvPr id="152" name="CustomShape 1"/>
           <p:cNvSpPr/>
           <p:nvPr/>
         </p:nvSpPr>
         <p:spPr>
           <a:xfrm>
-            <a:off x="1392120" y="1005840"/>
-            <a:ext cx="7111440" cy="1064880"/>
+            <a:off x="1346040" y="1002960"/>
+            <a:ext cx="7111440" cy="864360"/>
           </a:xfrm>
           <a:prstGeom prst="rect">
             <a:avLst/>
@@ -10740,7 +11148,7 @@
               </a:lnSpc>
             </a:pPr>
             <a:r>
-              <a:rPr lang="en-US" sz="3200" b="0" strike="noStrike" spc="-1" dirty="0" smtClean="0">
+              <a:rPr lang="en-US" sz="3200" b="0" strike="noStrike" spc="-1">
                 <a:solidFill>
                   <a:srgbClr val="C0504D"/>
                 </a:solidFill>
@@ -10752,32 +11160,55 @@
                 <a:latin typeface="Calibri"/>
                 <a:ea typeface="DejaVu Sans"/>
               </a:rPr>
-              <a:t>CNN Based medical image classification </a:t>
+              <a:t>Power</a:t>
             </a:r>
-            <a:endParaRPr lang="en-US" sz="1800" b="0" strike="noStrike" spc="-1" dirty="0">
-              <a:solidFill>
-                <a:srgbClr val="000000"/>
-              </a:solidFill>
-              <a:uFill>
-                <a:solidFill>
-                  <a:srgbClr val="FFFFFF"/>
-                </a:solidFill>
-              </a:uFill>
-              <a:latin typeface="Arial"/>
-            </a:endParaRPr>
-          </a:p>
-        </p:txBody>
-      </p:sp>
-      <p:sp>
-        <p:nvSpPr>
-          <p:cNvPr id="111" name="CustomShape 2"/>
+            <a:endParaRPr lang="en-US" sz="1800" b="0" strike="noStrike" spc="-1">
+              <a:solidFill>
+                <a:srgbClr val="000000"/>
+              </a:solidFill>
+              <a:uFill>
+                <a:solidFill>
+                  <a:srgbClr val="FFFFFF"/>
+                </a:solidFill>
+              </a:uFill>
+              <a:latin typeface="Arial"/>
+            </a:endParaRPr>
+          </a:p>
+        </p:txBody>
+      </p:sp>
+      <p:pic>
+        <p:nvPicPr>
+          <p:cNvPr id="153" name="图片 5"/>
+          <p:cNvPicPr/>
+          <p:nvPr/>
+        </p:nvPicPr>
+        <p:blipFill>
+          <a:blip r:embed="rId2"/>
+          <a:stretch/>
+        </p:blipFill>
+        <p:spPr>
+          <a:xfrm>
+            <a:off x="1324800" y="1737360"/>
+            <a:ext cx="6356160" cy="4208760"/>
+          </a:xfrm>
+          <a:prstGeom prst="rect">
+            <a:avLst/>
+          </a:prstGeom>
+          <a:ln>
+            <a:noFill/>
+          </a:ln>
+        </p:spPr>
+      </p:pic>
+      <p:sp>
+        <p:nvSpPr>
+          <p:cNvPr id="154" name="CustomShape 2"/>
           <p:cNvSpPr/>
           <p:nvPr/>
         </p:nvSpPr>
         <p:spPr>
           <a:xfrm>
-            <a:off x="695880" y="1023480"/>
-            <a:ext cx="558720" cy="516600"/>
+            <a:off x="98640" y="5934600"/>
+            <a:ext cx="9045000" cy="913320"/>
           </a:xfrm>
           <a:prstGeom prst="rect">
             <a:avLst/>
@@ -10809,76 +11240,22 @@
               </a:lnSpc>
             </a:pPr>
             <a:r>
-              <a:rPr lang="en-US" sz="2800" b="1" strike="noStrike" spc="-1">
-                <a:solidFill>
-                  <a:srgbClr val="FFFFFF"/>
+              <a:rPr lang="en-US" sz="1800" b="0" strike="noStrike" spc="-1">
+                <a:solidFill>
+                  <a:srgbClr val="000000"/>
                 </a:solidFill>
                 <a:uFill>
                   <a:solidFill>
                     <a:srgbClr val="FFFFFF"/>
                   </a:solidFill>
                 </a:uFill>
-                <a:latin typeface="Calibri"/>
+                <a:latin typeface="Arial"/>
                 <a:ea typeface="DejaVu Sans"/>
               </a:rPr>
-              <a:t>04</a:t>
+              <a:t>Canziani, Alfredo, Adam Paszke, and Eugenio Culurciello. "An Analysis of Deep Neural Network Models for Practical Applications." </a:t>
             </a:r>
-            <a:endParaRPr lang="en-US" sz="1800" b="0" strike="noStrike" spc="-1">
-              <a:solidFill>
-                <a:srgbClr val="000000"/>
-              </a:solidFill>
-              <a:uFill>
-                <a:solidFill>
-                  <a:srgbClr val="FFFFFF"/>
-                </a:solidFill>
-              </a:uFill>
-              <a:latin typeface="Arial"/>
-            </a:endParaRPr>
-          </a:p>
-        </p:txBody>
-      </p:sp>
-      <p:sp>
-        <p:nvSpPr>
-          <p:cNvPr id="112" name="CustomShape 3"/>
-          <p:cNvSpPr/>
-          <p:nvPr/>
-        </p:nvSpPr>
-        <p:spPr>
-          <a:xfrm>
-            <a:off x="695880" y="2071080"/>
-            <a:ext cx="8960760" cy="3781080"/>
-          </a:xfrm>
-          <a:prstGeom prst="rect">
-            <a:avLst/>
-          </a:prstGeom>
-          <a:noFill/>
-          <a:ln>
-            <a:noFill/>
-          </a:ln>
-        </p:spPr>
-        <p:style>
-          <a:lnRef idx="0">
-            <a:scrgbClr r="0" g="0" b="0"/>
-          </a:lnRef>
-          <a:fillRef idx="0">
-            <a:scrgbClr r="0" g="0" b="0"/>
-          </a:fillRef>
-          <a:effectRef idx="0">
-            <a:scrgbClr r="0" g="0" b="0"/>
-          </a:effectRef>
-          <a:fontRef idx="minor"/>
-        </p:style>
-        <p:txBody>
-          <a:bodyPr lIns="90000" tIns="45000" rIns="90000" bIns="45000"/>
-          <a:lstStyle/>
-          <a:p>
-            <a:pPr marL="360">
-              <a:lnSpc>
-                <a:spcPct val="125000"/>
-              </a:lnSpc>
-            </a:pPr>
             <a:r>
-              <a:rPr lang="en-US" sz="2400" b="0" strike="noStrike" spc="-1" dirty="0">
+              <a:rPr lang="en-US" sz="1800" b="0" i="1" strike="noStrike" spc="-1">
                 <a:solidFill>
                   <a:srgbClr val="000000"/>
                 </a:solidFill>
@@ -10887,36 +11264,13 @@
                     <a:srgbClr val="FFFFFF"/>
                   </a:solidFill>
                 </a:uFill>
-                <a:latin typeface="Times New Roman"/>
+                <a:latin typeface="Arial"/>
                 <a:ea typeface="DejaVu Sans"/>
               </a:rPr>
-              <a:t> </a:t>
+              <a:t>arXiv: Computer Vision and Pattern Recognition</a:t>
             </a:r>
-            <a:endParaRPr lang="en-US" sz="1800" b="0" strike="noStrike" spc="-1" dirty="0">
-              <a:solidFill>
-                <a:srgbClr val="000000"/>
-              </a:solidFill>
-              <a:uFill>
-                <a:solidFill>
-                  <a:srgbClr val="FFFFFF"/>
-                </a:solidFill>
-              </a:uFill>
-              <a:latin typeface="Arial"/>
-            </a:endParaRPr>
-          </a:p>
-          <a:p>
-            <a:pPr marL="285840" indent="-285120">
-              <a:lnSpc>
-                <a:spcPct val="125000"/>
-              </a:lnSpc>
-              <a:buClr>
-                <a:srgbClr val="000000"/>
-              </a:buClr>
-              <a:buFont typeface="Wingdings" charset="2"/>
-              <a:buChar char=""/>
-            </a:pPr>
             <a:r>
-              <a:rPr lang="en-US" sz="2400" b="0" strike="noStrike" spc="-1" dirty="0">
+              <a:rPr lang="en-US" sz="1800" b="0" strike="noStrike" spc="-1">
                 <a:solidFill>
                   <a:srgbClr val="000000"/>
                 </a:solidFill>
@@ -10925,124 +11279,12 @@
                     <a:srgbClr val="FFFFFF"/>
                   </a:solidFill>
                 </a:uFill>
-                <a:latin typeface="Times New Roman"/>
+                <a:latin typeface="Arial"/>
                 <a:ea typeface="DejaVu Sans"/>
               </a:rPr>
-              <a:t>Datasets usually small</a:t>
+              <a:t> (2016).</a:t>
             </a:r>
-            <a:endParaRPr lang="en-US" sz="1800" b="0" strike="noStrike" spc="-1" dirty="0">
-              <a:solidFill>
-                <a:srgbClr val="000000"/>
-              </a:solidFill>
-              <a:uFill>
-                <a:solidFill>
-                  <a:srgbClr val="FFFFFF"/>
-                </a:solidFill>
-              </a:uFill>
-              <a:latin typeface="Arial"/>
-            </a:endParaRPr>
-          </a:p>
-          <a:p>
-            <a:pPr marL="360">
-              <a:lnSpc>
-                <a:spcPct val="125000"/>
-              </a:lnSpc>
-            </a:pPr>
-            <a:endParaRPr lang="en-US" sz="1800" b="0" strike="noStrike" spc="-1" dirty="0">
-              <a:solidFill>
-                <a:srgbClr val="000000"/>
-              </a:solidFill>
-              <a:uFill>
-                <a:solidFill>
-                  <a:srgbClr val="FFFFFF"/>
-                </a:solidFill>
-              </a:uFill>
-              <a:latin typeface="Arial"/>
-            </a:endParaRPr>
-          </a:p>
-          <a:p>
-            <a:pPr marL="285840" indent="-285120">
-              <a:lnSpc>
-                <a:spcPct val="125000"/>
-              </a:lnSpc>
-              <a:buClr>
-                <a:srgbClr val="000000"/>
-              </a:buClr>
-              <a:buFont typeface="Wingdings" charset="2"/>
-              <a:buChar char=""/>
-            </a:pPr>
-            <a:r>
-              <a:rPr lang="en-US" sz="2400" b="0" strike="noStrike" spc="-1" dirty="0">
-                <a:solidFill>
-                  <a:srgbClr val="000000"/>
-                </a:solidFill>
-                <a:uFill>
-                  <a:solidFill>
-                    <a:srgbClr val="FFFFFF"/>
-                  </a:solidFill>
-                </a:uFill>
-                <a:latin typeface="Times New Roman"/>
-                <a:ea typeface="DejaVu Sans"/>
-              </a:rPr>
-              <a:t>Using a  pre-trained CNN to their tasks</a:t>
-            </a:r>
-            <a:endParaRPr lang="en-US" sz="1800" b="0" strike="noStrike" spc="-1" dirty="0">
-              <a:solidFill>
-                <a:srgbClr val="000000"/>
-              </a:solidFill>
-              <a:uFill>
-                <a:solidFill>
-                  <a:srgbClr val="FFFFFF"/>
-                </a:solidFill>
-              </a:uFill>
-              <a:latin typeface="Arial"/>
-            </a:endParaRPr>
-          </a:p>
-          <a:p>
-            <a:pPr marL="360">
-              <a:lnSpc>
-                <a:spcPct val="125000"/>
-              </a:lnSpc>
-            </a:pPr>
-            <a:endParaRPr lang="en-US" sz="1800" b="0" strike="noStrike" spc="-1" dirty="0">
-              <a:solidFill>
-                <a:srgbClr val="000000"/>
-              </a:solidFill>
-              <a:uFill>
-                <a:solidFill>
-                  <a:srgbClr val="FFFFFF"/>
-                </a:solidFill>
-              </a:uFill>
-              <a:latin typeface="Arial"/>
-            </a:endParaRPr>
-          </a:p>
-          <a:p>
-            <a:pPr marL="285840" indent="-285120">
-              <a:lnSpc>
-                <a:spcPct val="125000"/>
-              </a:lnSpc>
-              <a:buClr>
-                <a:srgbClr val="000000"/>
-              </a:buClr>
-              <a:buFont typeface="Wingdings" charset="2"/>
-              <a:buChar char=""/>
-            </a:pPr>
-            <a:r>
-              <a:rPr lang="en-US" sz="2400" b="0" strike="noStrike" spc="-1" dirty="0">
-                <a:solidFill>
-                  <a:srgbClr val="000000"/>
-                </a:solidFill>
-                <a:uFill>
-                  <a:solidFill>
-                    <a:srgbClr val="FFFFFF"/>
-                  </a:solidFill>
-                </a:uFill>
-                <a:latin typeface="Times New Roman"/>
-                <a:ea typeface="DejaVu Sans"/>
-              </a:rPr>
-              <a:t>A pre-trained CNN is adapted to the application at hand.</a:t>
-            </a:r>
-            <a:endParaRPr lang="en-US" sz="1800" b="0" strike="noStrike" spc="-1" dirty="0">
+            <a:endParaRPr lang="en-US" sz="1800" b="0" strike="noStrike" spc="-1">
               <a:solidFill>
                 <a:srgbClr val="000000"/>
               </a:solidFill>
@@ -11057,6 +11299,11 @@
         </p:txBody>
       </p:sp>
     </p:spTree>
+    <p:extLst>
+      <p:ext uri="{BB962C8B-B14F-4D97-AF65-F5344CB8AC3E}">
+        <p14:creationId xmlns:p14="http://schemas.microsoft.com/office/powerpoint/2010/main" val="1752200844"/>
+      </p:ext>
+    </p:extLst>
   </p:cSld>
   <p:clrMapOvr>
     <a:masterClrMapping/>
@@ -11441,14 +11688,14 @@
       </p:grpSpPr>
       <p:sp>
         <p:nvSpPr>
-          <p:cNvPr id="113" name="CustomShape 1"/>
+          <p:cNvPr id="155" name="CustomShape 1"/>
           <p:cNvSpPr/>
           <p:nvPr/>
         </p:nvSpPr>
         <p:spPr>
           <a:xfrm>
-            <a:off x="1392120" y="991800"/>
-            <a:ext cx="7111440" cy="1064880"/>
+            <a:off x="1346040" y="1002960"/>
+            <a:ext cx="7111440" cy="864360"/>
           </a:xfrm>
           <a:prstGeom prst="rect">
             <a:avLst/>
@@ -11492,7 +11739,7 @@
                 <a:latin typeface="Calibri"/>
                 <a:ea typeface="DejaVu Sans"/>
               </a:rPr>
-              <a:t>CNN Based medical image classification </a:t>
+              <a:t>Memory</a:t>
             </a:r>
             <a:endParaRPr lang="en-US" sz="1800" b="0" strike="noStrike" spc="-1">
               <a:solidFill>
@@ -11508,16 +11755,39 @@
           </a:p>
         </p:txBody>
       </p:sp>
-      <p:sp>
-        <p:nvSpPr>
-          <p:cNvPr id="114" name="CustomShape 2"/>
+      <p:pic>
+        <p:nvPicPr>
+          <p:cNvPr id="156" name="图片 4"/>
+          <p:cNvPicPr/>
+          <p:nvPr/>
+        </p:nvPicPr>
+        <p:blipFill>
+          <a:blip r:embed="rId2"/>
+          <a:stretch/>
+        </p:blipFill>
+        <p:spPr>
+          <a:xfrm>
+            <a:off x="1245960" y="1689120"/>
+            <a:ext cx="6286320" cy="4266720"/>
+          </a:xfrm>
+          <a:prstGeom prst="rect">
+            <a:avLst/>
+          </a:prstGeom>
+          <a:ln>
+            <a:noFill/>
+          </a:ln>
+        </p:spPr>
+      </p:pic>
+      <p:sp>
+        <p:nvSpPr>
+          <p:cNvPr id="157" name="CustomShape 2"/>
           <p:cNvSpPr/>
           <p:nvPr/>
         </p:nvSpPr>
         <p:spPr>
           <a:xfrm>
-            <a:off x="695880" y="1023480"/>
-            <a:ext cx="558720" cy="516600"/>
+            <a:off x="92160" y="5956560"/>
+            <a:ext cx="9143640" cy="913320"/>
           </a:xfrm>
           <a:prstGeom prst="rect">
             <a:avLst/>
@@ -11549,81 +11819,22 @@
               </a:lnSpc>
             </a:pPr>
             <a:r>
-              <a:rPr lang="en-US" sz="2800" b="1" strike="noStrike" spc="-1">
-                <a:solidFill>
-                  <a:srgbClr val="FFFFFF"/>
+              <a:rPr lang="en-US" sz="1800" b="0" strike="noStrike" spc="-1">
+                <a:solidFill>
+                  <a:srgbClr val="000000"/>
                 </a:solidFill>
                 <a:uFill>
                   <a:solidFill>
                     <a:srgbClr val="FFFFFF"/>
                   </a:solidFill>
                 </a:uFill>
-                <a:latin typeface="Calibri"/>
+                <a:latin typeface="Arial"/>
                 <a:ea typeface="DejaVu Sans"/>
               </a:rPr>
-              <a:t>04</a:t>
+              <a:t>Canziani, Alfredo, Adam Paszke, and Eugenio Culurciello. "An Analysis of Deep Neural Network Models for Practical Applications." </a:t>
             </a:r>
-            <a:endParaRPr lang="en-US" sz="1800" b="0" strike="noStrike" spc="-1">
-              <a:solidFill>
-                <a:srgbClr val="000000"/>
-              </a:solidFill>
-              <a:uFill>
-                <a:solidFill>
-                  <a:srgbClr val="FFFFFF"/>
-                </a:solidFill>
-              </a:uFill>
-              <a:latin typeface="Arial"/>
-            </a:endParaRPr>
-          </a:p>
-        </p:txBody>
-      </p:sp>
-      <p:sp>
-        <p:nvSpPr>
-          <p:cNvPr id="115" name="CustomShape 3"/>
-          <p:cNvSpPr/>
-          <p:nvPr/>
-        </p:nvSpPr>
-        <p:spPr>
-          <a:xfrm>
-            <a:off x="1254960" y="1997280"/>
-            <a:ext cx="7289640" cy="3781080"/>
-          </a:xfrm>
-          <a:prstGeom prst="rect">
-            <a:avLst/>
-          </a:prstGeom>
-          <a:noFill/>
-          <a:ln>
-            <a:noFill/>
-          </a:ln>
-        </p:spPr>
-        <p:style>
-          <a:lnRef idx="0">
-            <a:scrgbClr r="0" g="0" b="0"/>
-          </a:lnRef>
-          <a:fillRef idx="0">
-            <a:scrgbClr r="0" g="0" b="0"/>
-          </a:fillRef>
-          <a:effectRef idx="0">
-            <a:scrgbClr r="0" g="0" b="0"/>
-          </a:effectRef>
-          <a:fontRef idx="minor"/>
-        </p:style>
-        <p:txBody>
-          <a:bodyPr lIns="90000" tIns="45000" rIns="90000" bIns="45000"/>
-          <a:lstStyle/>
-          <a:p>
-            <a:pPr marL="285840" indent="-285120">
-              <a:lnSpc>
-                <a:spcPct val="125000"/>
-              </a:lnSpc>
-              <a:buClr>
-                <a:srgbClr val="000000"/>
-              </a:buClr>
-              <a:buFont typeface="Wingdings" charset="2"/>
-              <a:buChar char=""/>
-            </a:pPr>
             <a:r>
-              <a:rPr lang="en-US" sz="2400" b="0" strike="noStrike" spc="-1">
+              <a:rPr lang="en-US" sz="1800" b="0" i="1" strike="noStrike" spc="-1">
                 <a:solidFill>
                   <a:srgbClr val="000000"/>
                 </a:solidFill>
@@ -11632,72 +11843,13 @@
                     <a:srgbClr val="FFFFFF"/>
                   </a:solidFill>
                 </a:uFill>
-                <a:latin typeface="Times New Roman"/>
+                <a:latin typeface="Arial"/>
                 <a:ea typeface="DejaVu Sans"/>
               </a:rPr>
-              <a:t>Polyp detection(肠息肉的检测)</a:t>
+              <a:t>arXiv: Computer Vision and Pattern Recognition</a:t>
             </a:r>
-            <a:endParaRPr lang="en-US" sz="1800" b="0" strike="noStrike" spc="-1">
-              <a:solidFill>
-                <a:srgbClr val="000000"/>
-              </a:solidFill>
-              <a:uFill>
-                <a:solidFill>
-                  <a:srgbClr val="FFFFFF"/>
-                </a:solidFill>
-              </a:uFill>
-              <a:latin typeface="Arial"/>
-            </a:endParaRPr>
-          </a:p>
-          <a:p>
-            <a:pPr marL="360">
-              <a:lnSpc>
-                <a:spcPct val="125000"/>
-              </a:lnSpc>
-            </a:pPr>
-            <a:endParaRPr lang="en-US" sz="1800" b="0" strike="noStrike" spc="-1">
-              <a:solidFill>
-                <a:srgbClr val="000000"/>
-              </a:solidFill>
-              <a:uFill>
-                <a:solidFill>
-                  <a:srgbClr val="FFFFFF"/>
-                </a:solidFill>
-              </a:uFill>
-              <a:latin typeface="Arial"/>
-            </a:endParaRPr>
-          </a:p>
-          <a:p>
-            <a:pPr marL="360">
-              <a:lnSpc>
-                <a:spcPct val="125000"/>
-              </a:lnSpc>
-            </a:pPr>
-            <a:endParaRPr lang="en-US" sz="1800" b="0" strike="noStrike" spc="-1">
-              <a:solidFill>
-                <a:srgbClr val="000000"/>
-              </a:solidFill>
-              <a:uFill>
-                <a:solidFill>
-                  <a:srgbClr val="FFFFFF"/>
-                </a:solidFill>
-              </a:uFill>
-              <a:latin typeface="Arial"/>
-            </a:endParaRPr>
-          </a:p>
-          <a:p>
-            <a:pPr marL="285840" indent="-285120">
-              <a:lnSpc>
-                <a:spcPct val="125000"/>
-              </a:lnSpc>
-              <a:buClr>
-                <a:srgbClr val="000000"/>
-              </a:buClr>
-              <a:buFont typeface="Wingdings" charset="2"/>
-              <a:buChar char=""/>
-            </a:pPr>
             <a:r>
-              <a:rPr lang="en-US" sz="2400" b="0" strike="noStrike" spc="-1">
+              <a:rPr lang="en-US" sz="1800" b="0" strike="noStrike" spc="-1">
                 <a:solidFill>
                   <a:srgbClr val="000000"/>
                 </a:solidFill>
@@ -11706,10 +11858,10 @@
                     <a:srgbClr val="FFFFFF"/>
                   </a:solidFill>
                 </a:uFill>
-                <a:latin typeface="Times New Roman"/>
+                <a:latin typeface="Arial"/>
                 <a:ea typeface="DejaVu Sans"/>
               </a:rPr>
-              <a:t>Pulmonary Embolism Detection(肺栓塞的检测)</a:t>
+              <a:t> (2016).</a:t>
             </a:r>
             <a:endParaRPr lang="en-US" sz="1800" b="0" strike="noStrike" spc="-1">
               <a:solidFill>
@@ -11723,101 +11875,14 @@
               <a:latin typeface="Arial"/>
             </a:endParaRPr>
           </a:p>
-          <a:p>
-            <a:pPr marL="360">
-              <a:lnSpc>
-                <a:spcPct val="125000"/>
-              </a:lnSpc>
-            </a:pPr>
-            <a:endParaRPr lang="en-US" sz="1800" b="0" strike="noStrike" spc="-1">
-              <a:solidFill>
-                <a:srgbClr val="000000"/>
-              </a:solidFill>
-              <a:uFill>
-                <a:solidFill>
-                  <a:srgbClr val="FFFFFF"/>
-                </a:solidFill>
-              </a:uFill>
-              <a:latin typeface="Arial"/>
-            </a:endParaRPr>
-          </a:p>
-          <a:p>
-            <a:pPr marL="360">
-              <a:lnSpc>
-                <a:spcPct val="125000"/>
-              </a:lnSpc>
-            </a:pPr>
-            <a:endParaRPr lang="en-US" sz="1800" b="0" strike="noStrike" spc="-1">
-              <a:solidFill>
-                <a:srgbClr val="000000"/>
-              </a:solidFill>
-              <a:uFill>
-                <a:solidFill>
-                  <a:srgbClr val="FFFFFF"/>
-                </a:solidFill>
-              </a:uFill>
-              <a:latin typeface="Arial"/>
-            </a:endParaRPr>
-          </a:p>
-          <a:p>
-            <a:pPr marL="285840" indent="-285120">
-              <a:lnSpc>
-                <a:spcPct val="125000"/>
-              </a:lnSpc>
-              <a:buClr>
-                <a:srgbClr val="000000"/>
-              </a:buClr>
-              <a:buFont typeface="Wingdings" charset="2"/>
-              <a:buChar char=""/>
-            </a:pPr>
-            <a:r>
-              <a:rPr lang="en-US" sz="2400" b="0" strike="noStrike" spc="-1">
-                <a:solidFill>
-                  <a:srgbClr val="000000"/>
-                </a:solidFill>
-                <a:uFill>
-                  <a:solidFill>
-                    <a:srgbClr val="FFFFFF"/>
-                  </a:solidFill>
-                </a:uFill>
-                <a:latin typeface="Times New Roman"/>
-                <a:ea typeface="DejaVu Sans"/>
-              </a:rPr>
-              <a:t>Intima-Media Boundary Segmentation(血管造影)</a:t>
-            </a:r>
-            <a:endParaRPr lang="en-US" sz="1800" b="0" strike="noStrike" spc="-1">
-              <a:solidFill>
-                <a:srgbClr val="000000"/>
-              </a:solidFill>
-              <a:uFill>
-                <a:solidFill>
-                  <a:srgbClr val="FFFFFF"/>
-                </a:solidFill>
-              </a:uFill>
-              <a:latin typeface="Arial"/>
-            </a:endParaRPr>
-          </a:p>
-          <a:p>
-            <a:pPr>
-              <a:lnSpc>
-                <a:spcPct val="125000"/>
-              </a:lnSpc>
-            </a:pPr>
-            <a:endParaRPr lang="en-US" sz="1800" b="0" strike="noStrike" spc="-1">
-              <a:solidFill>
-                <a:srgbClr val="000000"/>
-              </a:solidFill>
-              <a:uFill>
-                <a:solidFill>
-                  <a:srgbClr val="FFFFFF"/>
-                </a:solidFill>
-              </a:uFill>
-              <a:latin typeface="Arial"/>
-            </a:endParaRPr>
-          </a:p>
         </p:txBody>
       </p:sp>
     </p:spTree>
+    <p:extLst>
+      <p:ext uri="{BB962C8B-B14F-4D97-AF65-F5344CB8AC3E}">
+        <p14:creationId xmlns:p14="http://schemas.microsoft.com/office/powerpoint/2010/main" val="1469084761"/>
+      </p:ext>
+    </p:extLst>
   </p:cSld>
   <p:clrMapOvr>
     <a:masterClrMapping/>
@@ -11869,16 +11934,39 @@
           <a:chExt cx="0" cy="0"/>
         </a:xfrm>
       </p:grpSpPr>
-      <p:sp>
-        <p:nvSpPr>
-          <p:cNvPr id="116" name="CustomShape 1"/>
+      <p:pic>
+        <p:nvPicPr>
+          <p:cNvPr id="158" name="图片 3"/>
+          <p:cNvPicPr/>
+          <p:nvPr/>
+        </p:nvPicPr>
+        <p:blipFill>
+          <a:blip r:embed="rId2"/>
+          <a:stretch/>
+        </p:blipFill>
+        <p:spPr>
+          <a:xfrm>
+            <a:off x="136080" y="1828800"/>
+            <a:ext cx="8550720" cy="3404520"/>
+          </a:xfrm>
+          <a:prstGeom prst="rect">
+            <a:avLst/>
+          </a:prstGeom>
+          <a:ln>
+            <a:noFill/>
+          </a:ln>
+        </p:spPr>
+      </p:pic>
+      <p:sp>
+        <p:nvSpPr>
+          <p:cNvPr id="159" name="CustomShape 1"/>
           <p:cNvSpPr/>
           <p:nvPr/>
         </p:nvSpPr>
         <p:spPr>
           <a:xfrm>
-            <a:off x="1344060" y="1023480"/>
-            <a:ext cx="7111440" cy="1064880"/>
+            <a:off x="0" y="5662080"/>
+            <a:ext cx="9354600" cy="913320"/>
           </a:xfrm>
           <a:prstGeom prst="rect">
             <a:avLst/>
@@ -11910,150 +11998,37 @@
               </a:lnSpc>
             </a:pPr>
             <a:r>
-              <a:rPr lang="en-US" sz="3200" b="0" strike="noStrike" spc="-1" dirty="0">
-                <a:solidFill>
-                  <a:srgbClr val="C0504D"/>
+              <a:rPr lang="en-US" sz="1800" b="0" strike="noStrike" spc="-1">
+                <a:solidFill>
+                  <a:srgbClr val="000000"/>
                 </a:solidFill>
                 <a:uFill>
                   <a:solidFill>
                     <a:srgbClr val="FFFFFF"/>
                   </a:solidFill>
                 </a:uFill>
-                <a:latin typeface="Calibri"/>
+                <a:latin typeface="Arial"/>
                 <a:ea typeface="DejaVu Sans"/>
               </a:rPr>
-              <a:t>CNN Based medical image classification </a:t>
+              <a:t>Canziani, Alfredo, Adam Paszke, and Eugenio Culurciello. "An Analysis of Deep Neural Network Models for Practical Applications." </a:t>
             </a:r>
-            <a:endParaRPr lang="en-US" sz="1800" b="0" strike="noStrike" spc="-1" dirty="0">
-              <a:solidFill>
-                <a:srgbClr val="000000"/>
-              </a:solidFill>
-              <a:uFill>
-                <a:solidFill>
-                  <a:srgbClr val="FFFFFF"/>
-                </a:solidFill>
-              </a:uFill>
-              <a:latin typeface="Arial"/>
-            </a:endParaRPr>
-          </a:p>
-        </p:txBody>
-      </p:sp>
-      <p:sp>
-        <p:nvSpPr>
-          <p:cNvPr id="117" name="CustomShape 2"/>
-          <p:cNvSpPr/>
-          <p:nvPr/>
-        </p:nvSpPr>
-        <p:spPr>
-          <a:xfrm>
-            <a:off x="695880" y="1023480"/>
-            <a:ext cx="558720" cy="516600"/>
-          </a:xfrm>
-          <a:prstGeom prst="rect">
-            <a:avLst/>
-          </a:prstGeom>
-          <a:noFill/>
-          <a:ln>
-            <a:noFill/>
-          </a:ln>
-        </p:spPr>
-        <p:style>
-          <a:lnRef idx="0">
-            <a:scrgbClr r="0" g="0" b="0"/>
-          </a:lnRef>
-          <a:fillRef idx="0">
-            <a:scrgbClr r="0" g="0" b="0"/>
-          </a:fillRef>
-          <a:effectRef idx="0">
-            <a:scrgbClr r="0" g="0" b="0"/>
-          </a:effectRef>
-          <a:fontRef idx="minor"/>
-        </p:style>
-        <p:txBody>
-          <a:bodyPr lIns="90000" tIns="45000" rIns="90000" bIns="45000"/>
-          <a:lstStyle/>
-          <a:p>
-            <a:pPr>
-              <a:lnSpc>
-                <a:spcPct val="100000"/>
-              </a:lnSpc>
-            </a:pPr>
             <a:r>
-              <a:rPr lang="en-US" sz="2800" b="1" strike="noStrike" spc="-1">
-                <a:solidFill>
-                  <a:srgbClr val="FFFFFF"/>
+              <a:rPr lang="en-US" sz="1800" b="0" i="1" strike="noStrike" spc="-1">
+                <a:solidFill>
+                  <a:srgbClr val="000000"/>
                 </a:solidFill>
                 <a:uFill>
                   <a:solidFill>
                     <a:srgbClr val="FFFFFF"/>
                   </a:solidFill>
                 </a:uFill>
-                <a:latin typeface="Calibri"/>
+                <a:latin typeface="Arial"/>
                 <a:ea typeface="DejaVu Sans"/>
               </a:rPr>
-              <a:t>04</a:t>
+              <a:t>arXiv: Computer Vision and Pattern Recognition</a:t>
             </a:r>
-            <a:endParaRPr lang="en-US" sz="1800" b="0" strike="noStrike" spc="-1">
-              <a:solidFill>
-                <a:srgbClr val="000000"/>
-              </a:solidFill>
-              <a:uFill>
-                <a:solidFill>
-                  <a:srgbClr val="FFFFFF"/>
-                </a:solidFill>
-              </a:uFill>
-              <a:latin typeface="Arial"/>
-            </a:endParaRPr>
-          </a:p>
-        </p:txBody>
-      </p:sp>
-      <p:sp>
-        <p:nvSpPr>
-          <p:cNvPr id="118" name="CustomShape 3"/>
-          <p:cNvSpPr/>
-          <p:nvPr/>
-        </p:nvSpPr>
-        <p:spPr>
-          <a:xfrm>
-            <a:off x="1254960" y="1997280"/>
-            <a:ext cx="7289640" cy="3781080"/>
-          </a:xfrm>
-          <a:prstGeom prst="rect">
-            <a:avLst/>
-          </a:prstGeom>
-          <a:noFill/>
-          <a:ln>
-            <a:noFill/>
-          </a:ln>
-        </p:spPr>
-        <p:style>
-          <a:lnRef idx="0">
-            <a:scrgbClr r="0" g="0" b="0"/>
-          </a:lnRef>
-          <a:fillRef idx="0">
-            <a:scrgbClr r="0" g="0" b="0"/>
-          </a:fillRef>
-          <a:effectRef idx="0">
-            <a:scrgbClr r="0" g="0" b="0"/>
-          </a:effectRef>
-          <a:fontRef idx="minor"/>
-        </p:style>
-        <p:txBody>
-          <a:bodyPr lIns="90000" tIns="45000" rIns="90000" bIns="45000"/>
-          <a:lstStyle/>
-          <a:p>
-            <a:pPr marL="285840" indent="-285120">
-              <a:lnSpc>
-                <a:spcPct val="125000"/>
-              </a:lnSpc>
-              <a:buClr>
-                <a:srgbClr val="000000"/>
-              </a:buClr>
-              <a:buFont typeface="Wingdings" charset="2"/>
-              <a:buChar char=""/>
-            </a:pPr>
             <a:r>
-              <a:rPr lang="en-US" sz="2400" b="0" strike="noStrike" spc="-1">
+              <a:rPr lang="en-US" sz="1800" b="0" strike="noStrike" spc="-1">
                 <a:solidFill>
                   <a:srgbClr val="000000"/>
                 </a:solidFill>
@@ -12062,10 +12037,10 @@
                     <a:srgbClr val="FFFFFF"/>
                   </a:solidFill>
                 </a:uFill>
-                <a:latin typeface="Times New Roman"/>
+                <a:latin typeface="Arial"/>
                 <a:ea typeface="DejaVu Sans"/>
               </a:rPr>
-              <a:t>Polyp detection</a:t>
+              <a:t> (2016).</a:t>
             </a:r>
             <a:endParaRPr lang="en-US" sz="1800" b="0" strike="noStrike" spc="-1">
               <a:solidFill>
@@ -12079,123 +12054,14 @@
               <a:latin typeface="Arial"/>
             </a:endParaRPr>
           </a:p>
-          <a:p>
-            <a:pPr marL="285840" indent="-285120">
-              <a:lnSpc>
-                <a:spcPct val="125000"/>
-              </a:lnSpc>
-              <a:buClr>
-                <a:srgbClr val="000000"/>
-              </a:buClr>
-              <a:buFont typeface="Wingdings" charset="2"/>
-              <a:buChar char=""/>
-            </a:pPr>
-            <a:r>
-              <a:rPr lang="en-US" sz="2400" b="0" strike="noStrike" spc="-1">
-                <a:solidFill>
-                  <a:srgbClr val="000000"/>
-                </a:solidFill>
-                <a:uFill>
-                  <a:solidFill>
-                    <a:srgbClr val="FFFFFF"/>
-                  </a:solidFill>
-                </a:uFill>
-                <a:latin typeface="Times New Roman"/>
-                <a:ea typeface="DejaVu Sans"/>
-              </a:rPr>
-              <a:t>Extract images from 40 short colonoscopy videos.</a:t>
-            </a:r>
-            <a:endParaRPr lang="en-US" sz="1800" b="0" strike="noStrike" spc="-1">
-              <a:solidFill>
-                <a:srgbClr val="000000"/>
-              </a:solidFill>
-              <a:uFill>
-                <a:solidFill>
-                  <a:srgbClr val="FFFFFF"/>
-                </a:solidFill>
-              </a:uFill>
-              <a:latin typeface="Arial"/>
-            </a:endParaRPr>
-          </a:p>
-          <a:p>
-            <a:pPr marL="285840" indent="-285120">
-              <a:lnSpc>
-                <a:spcPct val="125000"/>
-              </a:lnSpc>
-              <a:buClr>
-                <a:srgbClr val="000000"/>
-              </a:buClr>
-              <a:buFont typeface="Wingdings" charset="2"/>
-              <a:buChar char=""/>
-            </a:pPr>
-            <a:r>
-              <a:rPr lang="en-US" sz="2400" b="0" strike="noStrike" spc="-1">
-                <a:solidFill>
-                  <a:srgbClr val="000000"/>
-                </a:solidFill>
-                <a:uFill>
-                  <a:solidFill>
-                    <a:srgbClr val="FFFFFF"/>
-                  </a:solidFill>
-                </a:uFill>
-                <a:latin typeface="Times New Roman"/>
-                <a:ea typeface="DejaVu Sans"/>
-              </a:rPr>
-              <a:t>Training set contains 3,800 frames with polyps and 15,100 frames without polyps. </a:t>
-            </a:r>
-            <a:endParaRPr lang="en-US" sz="1800" b="0" strike="noStrike" spc="-1">
-              <a:solidFill>
-                <a:srgbClr val="000000"/>
-              </a:solidFill>
-              <a:uFill>
-                <a:solidFill>
-                  <a:srgbClr val="FFFFFF"/>
-                </a:solidFill>
-              </a:uFill>
-              <a:latin typeface="Arial"/>
-            </a:endParaRPr>
-          </a:p>
-          <a:p>
-            <a:pPr marL="285840" indent="-285120">
-              <a:lnSpc>
-                <a:spcPct val="125000"/>
-              </a:lnSpc>
-              <a:buClr>
-                <a:srgbClr val="000000"/>
-              </a:buClr>
-              <a:buFont typeface="Wingdings" charset="2"/>
-              <a:buChar char=""/>
-            </a:pPr>
-            <a:r>
-              <a:rPr lang="en-US" sz="2400" b="0" strike="noStrike" spc="-1">
-                <a:solidFill>
-                  <a:srgbClr val="000000"/>
-                </a:solidFill>
-                <a:uFill>
-                  <a:solidFill>
-                    <a:srgbClr val="FFFFFF"/>
-                  </a:solidFill>
-                </a:uFill>
-                <a:latin typeface="Times New Roman"/>
-                <a:ea typeface="DejaVu Sans"/>
-              </a:rPr>
-              <a:t>Test set contains 5,700 frames with polyps and 13,200 frames without polyps. </a:t>
-            </a:r>
-            <a:endParaRPr lang="en-US" sz="1800" b="0" strike="noStrike" spc="-1">
-              <a:solidFill>
-                <a:srgbClr val="000000"/>
-              </a:solidFill>
-              <a:uFill>
-                <a:solidFill>
-                  <a:srgbClr val="FFFFFF"/>
-                </a:solidFill>
-              </a:uFill>
-              <a:latin typeface="Arial"/>
-            </a:endParaRPr>
-          </a:p>
         </p:txBody>
       </p:sp>
     </p:spTree>
+    <p:extLst>
+      <p:ext uri="{BB962C8B-B14F-4D97-AF65-F5344CB8AC3E}">
+        <p14:creationId xmlns:p14="http://schemas.microsoft.com/office/powerpoint/2010/main" val="3730801796"/>
+      </p:ext>
+    </p:extLst>
   </p:cSld>
   <p:clrMapOvr>
     <a:masterClrMapping/>
@@ -12249,13 +12115,13 @@
       </p:grpSpPr>
       <p:sp>
         <p:nvSpPr>
-          <p:cNvPr id="119" name="CustomShape 1"/>
+          <p:cNvPr id="110" name="CustomShape 1"/>
           <p:cNvSpPr/>
           <p:nvPr/>
         </p:nvSpPr>
         <p:spPr>
           <a:xfrm>
-            <a:off x="1392120" y="991800"/>
+            <a:off x="1392120" y="1005840"/>
             <a:ext cx="7111440" cy="1064880"/>
           </a:xfrm>
           <a:prstGeom prst="rect">
@@ -12288,7 +12154,7 @@
               </a:lnSpc>
             </a:pPr>
             <a:r>
-              <a:rPr lang="en-US" sz="3200" b="0" strike="noStrike" spc="-1">
+              <a:rPr lang="en-US" sz="3200" b="0" strike="noStrike" spc="-1" dirty="0" smtClean="0">
                 <a:solidFill>
                   <a:srgbClr val="C0504D"/>
                 </a:solidFill>
@@ -12302,23 +12168,23 @@
               </a:rPr>
               <a:t>CNN Based medical image classification </a:t>
             </a:r>
-            <a:endParaRPr lang="en-US" sz="1800" b="0" strike="noStrike" spc="-1">
-              <a:solidFill>
-                <a:srgbClr val="000000"/>
-              </a:solidFill>
-              <a:uFill>
-                <a:solidFill>
-                  <a:srgbClr val="FFFFFF"/>
-                </a:solidFill>
-              </a:uFill>
-              <a:latin typeface="Arial"/>
-            </a:endParaRPr>
-          </a:p>
-        </p:txBody>
-      </p:sp>
-      <p:sp>
-        <p:nvSpPr>
-          <p:cNvPr id="120" name="CustomShape 2"/>
+            <a:endParaRPr lang="en-US" sz="1800" b="0" strike="noStrike" spc="-1" dirty="0">
+              <a:solidFill>
+                <a:srgbClr val="000000"/>
+              </a:solidFill>
+              <a:uFill>
+                <a:solidFill>
+                  <a:srgbClr val="FFFFFF"/>
+                </a:solidFill>
+              </a:uFill>
+              <a:latin typeface="Arial"/>
+            </a:endParaRPr>
+          </a:p>
+        </p:txBody>
+      </p:sp>
+      <p:sp>
+        <p:nvSpPr>
+          <p:cNvPr id="111" name="CustomShape 2"/>
           <p:cNvSpPr/>
           <p:nvPr/>
         </p:nvSpPr>
@@ -12385,40 +12251,16 @@
           </a:p>
         </p:txBody>
       </p:sp>
-      <p:pic>
-        <p:nvPicPr>
-          <p:cNvPr id="121" name="图片 1"/>
-          <p:cNvPicPr/>
-          <p:nvPr/>
-        </p:nvPicPr>
-        <p:blipFill>
-          <a:blip r:embed="rId3"/>
-          <a:srcRect t="6299"/>
-          <a:stretch/>
-        </p:blipFill>
-        <p:spPr>
-          <a:xfrm>
-            <a:off x="450720" y="1928160"/>
-            <a:ext cx="8553240" cy="3078720"/>
-          </a:xfrm>
-          <a:prstGeom prst="rect">
-            <a:avLst/>
-          </a:prstGeom>
-          <a:ln>
-            <a:noFill/>
-          </a:ln>
-        </p:spPr>
-      </p:pic>
-      <p:sp>
-        <p:nvSpPr>
-          <p:cNvPr id="122" name="CustomShape 3"/>
+      <p:sp>
+        <p:nvSpPr>
+          <p:cNvPr id="112" name="CustomShape 3"/>
           <p:cNvSpPr/>
           <p:nvPr/>
         </p:nvSpPr>
         <p:spPr>
           <a:xfrm>
-            <a:off x="846000" y="5188320"/>
-            <a:ext cx="7762680" cy="1218240"/>
+            <a:off x="695880" y="2071080"/>
+            <a:ext cx="8960760" cy="3781080"/>
           </a:xfrm>
           <a:prstGeom prst="rect">
             <a:avLst/>
@@ -12444,87 +12286,13 @@
           <a:bodyPr lIns="90000" tIns="45000" rIns="90000" bIns="45000"/>
           <a:lstStyle/>
           <a:p>
-            <a:pPr>
+            <a:pPr marL="360">
               <a:lnSpc>
-                <a:spcPct val="100000"/>
+                <a:spcPct val="125000"/>
               </a:lnSpc>
             </a:pPr>
             <a:r>
-              <a:rPr lang="en-US" sz="1800" b="0" strike="noStrike" spc="-1">
-                <a:solidFill>
-                  <a:srgbClr val="000000"/>
-                </a:solidFill>
-                <a:uFill>
-                  <a:solidFill>
-                    <a:srgbClr val="FFFFFF"/>
-                  </a:solidFill>
-                </a:uFill>
-                <a:latin typeface="Arial"/>
-                <a:ea typeface="DejaVu Sans"/>
-              </a:rPr>
-              <a:t>(a) Comparison between incremental fine-tuning, training from scratch, and a handcrafted approach [42]. (b) Effect of reduction in the training data on the performance of CNNs trained from scratch and deeply fine-tuned CNNs.</a:t>
-            </a:r>
-            <a:endParaRPr lang="en-US" sz="1800" b="0" strike="noStrike" spc="-1">
-              <a:solidFill>
-                <a:srgbClr val="000000"/>
-              </a:solidFill>
-              <a:uFill>
-                <a:solidFill>
-                  <a:srgbClr val="FFFFFF"/>
-                </a:solidFill>
-              </a:uFill>
-              <a:latin typeface="Arial"/>
-            </a:endParaRPr>
-          </a:p>
-        </p:txBody>
-      </p:sp>
-      <p:sp>
-        <p:nvSpPr>
-          <p:cNvPr id="123" name="CustomShape 4"/>
-          <p:cNvSpPr/>
-          <p:nvPr/>
-        </p:nvSpPr>
-        <p:spPr>
-          <a:xfrm>
-            <a:off x="1254960" y="1355760"/>
-            <a:ext cx="2588760" cy="583920"/>
-          </a:xfrm>
-          <a:prstGeom prst="rect">
-            <a:avLst/>
-          </a:prstGeom>
-          <a:noFill/>
-          <a:ln>
-            <a:noFill/>
-          </a:ln>
-        </p:spPr>
-        <p:style>
-          <a:lnRef idx="0">
-            <a:scrgbClr r="0" g="0" b="0"/>
-          </a:lnRef>
-          <a:fillRef idx="0">
-            <a:scrgbClr r="0" g="0" b="0"/>
-          </a:fillRef>
-          <a:effectRef idx="0">
-            <a:scrgbClr r="0" g="0" b="0"/>
-          </a:effectRef>
-          <a:fontRef idx="minor"/>
-        </p:style>
-        <p:txBody>
-          <a:bodyPr lIns="90000" tIns="45000" rIns="90000" bIns="45000"/>
-          <a:lstStyle/>
-          <a:p>
-            <a:pPr marL="285840" indent="-285120">
-              <a:lnSpc>
-                <a:spcPct val="125000"/>
-              </a:lnSpc>
-              <a:buClr>
-                <a:srgbClr val="000000"/>
-              </a:buClr>
-              <a:buFont typeface="Wingdings" charset="2"/>
-              <a:buChar char=""/>
-            </a:pPr>
-            <a:r>
-              <a:rPr lang="en-US" sz="2400" b="0" strike="noStrike" spc="-1">
+              <a:rPr lang="en-US" sz="2400" b="0" strike="noStrike" spc="-1" dirty="0">
                 <a:solidFill>
                   <a:srgbClr val="000000"/>
                 </a:solidFill>
@@ -12536,27 +12304,159 @@
                 <a:latin typeface="Times New Roman"/>
                 <a:ea typeface="DejaVu Sans"/>
               </a:rPr>
-              <a:t>Polyp detection</a:t>
+              <a:t> </a:t>
             </a:r>
-            <a:endParaRPr lang="en-US" sz="1800" b="0" strike="noStrike" spc="-1">
-              <a:solidFill>
-                <a:srgbClr val="000000"/>
-              </a:solidFill>
-              <a:uFill>
-                <a:solidFill>
-                  <a:srgbClr val="FFFFFF"/>
-                </a:solidFill>
-              </a:uFill>
-              <a:latin typeface="Arial"/>
-            </a:endParaRPr>
-          </a:p>
-          <a:p>
-            <a:pPr>
+            <a:endParaRPr lang="en-US" sz="1800" b="0" strike="noStrike" spc="-1" dirty="0">
+              <a:solidFill>
+                <a:srgbClr val="000000"/>
+              </a:solidFill>
+              <a:uFill>
+                <a:solidFill>
+                  <a:srgbClr val="FFFFFF"/>
+                </a:solidFill>
+              </a:uFill>
+              <a:latin typeface="Arial"/>
+            </a:endParaRPr>
+          </a:p>
+          <a:p>
+            <a:pPr marL="285840" indent="-285120">
+              <a:lnSpc>
+                <a:spcPct val="125000"/>
+              </a:lnSpc>
+              <a:buClr>
+                <a:srgbClr val="000000"/>
+              </a:buClr>
+              <a:buFont typeface="Wingdings" charset="2"/>
+              <a:buChar char=""/>
+            </a:pPr>
+            <a:r>
+              <a:rPr lang="en-US" sz="2400" b="0" strike="noStrike" spc="-1" dirty="0">
+                <a:solidFill>
+                  <a:srgbClr val="000000"/>
+                </a:solidFill>
+                <a:uFill>
+                  <a:solidFill>
+                    <a:srgbClr val="FFFFFF"/>
+                  </a:solidFill>
+                </a:uFill>
+                <a:latin typeface="Times New Roman"/>
+                <a:ea typeface="DejaVu Sans"/>
+              </a:rPr>
+              <a:t>Datasets usually small</a:t>
+            </a:r>
+            <a:endParaRPr lang="en-US" sz="1800" b="0" strike="noStrike" spc="-1" dirty="0">
+              <a:solidFill>
+                <a:srgbClr val="000000"/>
+              </a:solidFill>
+              <a:uFill>
+                <a:solidFill>
+                  <a:srgbClr val="FFFFFF"/>
+                </a:solidFill>
+              </a:uFill>
+              <a:latin typeface="Arial"/>
+            </a:endParaRPr>
+          </a:p>
+          <a:p>
+            <a:pPr marL="360">
               <a:lnSpc>
                 <a:spcPct val="125000"/>
               </a:lnSpc>
             </a:pPr>
-            <a:endParaRPr lang="en-US" sz="1800" b="0" strike="noStrike" spc="-1">
+            <a:endParaRPr lang="en-US" sz="1800" b="0" strike="noStrike" spc="-1" dirty="0">
+              <a:solidFill>
+                <a:srgbClr val="000000"/>
+              </a:solidFill>
+              <a:uFill>
+                <a:solidFill>
+                  <a:srgbClr val="FFFFFF"/>
+                </a:solidFill>
+              </a:uFill>
+              <a:latin typeface="Arial"/>
+            </a:endParaRPr>
+          </a:p>
+          <a:p>
+            <a:pPr marL="285840" indent="-285120">
+              <a:lnSpc>
+                <a:spcPct val="125000"/>
+              </a:lnSpc>
+              <a:buClr>
+                <a:srgbClr val="000000"/>
+              </a:buClr>
+              <a:buFont typeface="Wingdings" charset="2"/>
+              <a:buChar char=""/>
+            </a:pPr>
+            <a:r>
+              <a:rPr lang="en-US" sz="2400" b="0" strike="noStrike" spc="-1" dirty="0">
+                <a:solidFill>
+                  <a:srgbClr val="000000"/>
+                </a:solidFill>
+                <a:uFill>
+                  <a:solidFill>
+                    <a:srgbClr val="FFFFFF"/>
+                  </a:solidFill>
+                </a:uFill>
+                <a:latin typeface="Times New Roman"/>
+                <a:ea typeface="DejaVu Sans"/>
+              </a:rPr>
+              <a:t>Using a  pre-trained CNN to their tasks</a:t>
+            </a:r>
+            <a:endParaRPr lang="en-US" sz="1800" b="0" strike="noStrike" spc="-1" dirty="0">
+              <a:solidFill>
+                <a:srgbClr val="000000"/>
+              </a:solidFill>
+              <a:uFill>
+                <a:solidFill>
+                  <a:srgbClr val="FFFFFF"/>
+                </a:solidFill>
+              </a:uFill>
+              <a:latin typeface="Arial"/>
+            </a:endParaRPr>
+          </a:p>
+          <a:p>
+            <a:pPr marL="360">
+              <a:lnSpc>
+                <a:spcPct val="125000"/>
+              </a:lnSpc>
+            </a:pPr>
+            <a:endParaRPr lang="en-US" sz="1800" b="0" strike="noStrike" spc="-1" dirty="0">
+              <a:solidFill>
+                <a:srgbClr val="000000"/>
+              </a:solidFill>
+              <a:uFill>
+                <a:solidFill>
+                  <a:srgbClr val="FFFFFF"/>
+                </a:solidFill>
+              </a:uFill>
+              <a:latin typeface="Arial"/>
+            </a:endParaRPr>
+          </a:p>
+          <a:p>
+            <a:pPr marL="285840" indent="-285120">
+              <a:lnSpc>
+                <a:spcPct val="125000"/>
+              </a:lnSpc>
+              <a:buClr>
+                <a:srgbClr val="000000"/>
+              </a:buClr>
+              <a:buFont typeface="Wingdings" charset="2"/>
+              <a:buChar char=""/>
+            </a:pPr>
+            <a:r>
+              <a:rPr lang="en-US" sz="2400" b="0" strike="noStrike" spc="-1" dirty="0">
+                <a:solidFill>
+                  <a:srgbClr val="000000"/>
+                </a:solidFill>
+                <a:uFill>
+                  <a:solidFill>
+                    <a:srgbClr val="FFFFFF"/>
+                  </a:solidFill>
+                </a:uFill>
+                <a:latin typeface="Times New Roman"/>
+                <a:ea typeface="DejaVu Sans"/>
+              </a:rPr>
+              <a:t>A pre-trained CNN is adapted to the application at hand.</a:t>
+            </a:r>
+            <a:endParaRPr lang="en-US" sz="1800" b="0" strike="noStrike" spc="-1" dirty="0">
               <a:solidFill>
                 <a:srgbClr val="000000"/>
               </a:solidFill>
@@ -12624,13 +12524,13 @@
       </p:grpSpPr>
       <p:sp>
         <p:nvSpPr>
-          <p:cNvPr id="124" name="CustomShape 1"/>
+          <p:cNvPr id="113" name="CustomShape 1"/>
           <p:cNvSpPr/>
           <p:nvPr/>
         </p:nvSpPr>
         <p:spPr>
           <a:xfrm>
-            <a:off x="1392120" y="977760"/>
+            <a:off x="1392120" y="991800"/>
             <a:ext cx="7111440" cy="1064880"/>
           </a:xfrm>
           <a:prstGeom prst="rect">
@@ -12693,7 +12593,7 @@
       </p:sp>
       <p:sp>
         <p:nvSpPr>
-          <p:cNvPr id="125" name="CustomShape 2"/>
+          <p:cNvPr id="114" name="CustomShape 2"/>
           <p:cNvSpPr/>
           <p:nvPr/>
         </p:nvSpPr>
@@ -12762,7 +12662,7 @@
       </p:sp>
       <p:sp>
         <p:nvSpPr>
-          <p:cNvPr id="126" name="CustomShape 3"/>
+          <p:cNvPr id="115" name="CustomShape 3"/>
           <p:cNvSpPr/>
           <p:nvPr/>
         </p:nvSpPr>
@@ -12818,8 +12718,44 @@
                 <a:latin typeface="Times New Roman"/>
                 <a:ea typeface="DejaVu Sans"/>
               </a:rPr>
-              <a:t>Pulmonary Embolism Detection</a:t>
+              <a:t>Polyp detection(肠息肉的检测)</a:t>
             </a:r>
+            <a:endParaRPr lang="en-US" sz="1800" b="0" strike="noStrike" spc="-1">
+              <a:solidFill>
+                <a:srgbClr val="000000"/>
+              </a:solidFill>
+              <a:uFill>
+                <a:solidFill>
+                  <a:srgbClr val="FFFFFF"/>
+                </a:solidFill>
+              </a:uFill>
+              <a:latin typeface="Arial"/>
+            </a:endParaRPr>
+          </a:p>
+          <a:p>
+            <a:pPr marL="360">
+              <a:lnSpc>
+                <a:spcPct val="125000"/>
+              </a:lnSpc>
+            </a:pPr>
+            <a:endParaRPr lang="en-US" sz="1800" b="0" strike="noStrike" spc="-1">
+              <a:solidFill>
+                <a:srgbClr val="000000"/>
+              </a:solidFill>
+              <a:uFill>
+                <a:solidFill>
+                  <a:srgbClr val="FFFFFF"/>
+                </a:solidFill>
+              </a:uFill>
+              <a:latin typeface="Arial"/>
+            </a:endParaRPr>
+          </a:p>
+          <a:p>
+            <a:pPr marL="360">
+              <a:lnSpc>
+                <a:spcPct val="125000"/>
+              </a:lnSpc>
+            </a:pPr>
             <a:endParaRPr lang="en-US" sz="1800" b="0" strike="noStrike" spc="-1">
               <a:solidFill>
                 <a:srgbClr val="000000"/>
@@ -12856,8 +12792,44 @@
                 <a:latin typeface="Times New Roman"/>
                 <a:ea typeface="DejaVu Sans"/>
               </a:rPr>
-              <a:t>Extract dataset from 121 CT pulmonary angiographies.</a:t>
+              <a:t>Pulmonary Embolism Detection(肺栓塞的检测)</a:t>
             </a:r>
+            <a:endParaRPr lang="en-US" sz="1800" b="0" strike="noStrike" spc="-1">
+              <a:solidFill>
+                <a:srgbClr val="000000"/>
+              </a:solidFill>
+              <a:uFill>
+                <a:solidFill>
+                  <a:srgbClr val="FFFFFF"/>
+                </a:solidFill>
+              </a:uFill>
+              <a:latin typeface="Arial"/>
+            </a:endParaRPr>
+          </a:p>
+          <a:p>
+            <a:pPr marL="360">
+              <a:lnSpc>
+                <a:spcPct val="125000"/>
+              </a:lnSpc>
+            </a:pPr>
+            <a:endParaRPr lang="en-US" sz="1800" b="0" strike="noStrike" spc="-1">
+              <a:solidFill>
+                <a:srgbClr val="000000"/>
+              </a:solidFill>
+              <a:uFill>
+                <a:solidFill>
+                  <a:srgbClr val="FFFFFF"/>
+                </a:solidFill>
+              </a:uFill>
+              <a:latin typeface="Arial"/>
+            </a:endParaRPr>
+          </a:p>
+          <a:p>
+            <a:pPr marL="360">
+              <a:lnSpc>
+                <a:spcPct val="125000"/>
+              </a:lnSpc>
+            </a:pPr>
             <a:endParaRPr lang="en-US" sz="1800" b="0" strike="noStrike" spc="-1">
               <a:solidFill>
                 <a:srgbClr val="000000"/>
@@ -12894,64 +12866,8 @@
                 <a:latin typeface="Times New Roman"/>
                 <a:ea typeface="DejaVu Sans"/>
               </a:rPr>
-              <a:t>Training set contains 434 frames with pulmonary embolism and 3406 frames without pulmonary embolism. </a:t>
+              <a:t>Intima-Media Boundary Segmentation(血管造影)</a:t>
             </a:r>
-            <a:endParaRPr lang="en-US" sz="1800" b="0" strike="noStrike" spc="-1">
-              <a:solidFill>
-                <a:srgbClr val="000000"/>
-              </a:solidFill>
-              <a:uFill>
-                <a:solidFill>
-                  <a:srgbClr val="FFFFFF"/>
-                </a:solidFill>
-              </a:uFill>
-              <a:latin typeface="Arial"/>
-            </a:endParaRPr>
-          </a:p>
-          <a:p>
-            <a:pPr marL="285840" indent="-285120">
-              <a:lnSpc>
-                <a:spcPct val="125000"/>
-              </a:lnSpc>
-              <a:buClr>
-                <a:srgbClr val="000000"/>
-              </a:buClr>
-              <a:buFont typeface="Wingdings" charset="2"/>
-              <a:buChar char=""/>
-            </a:pPr>
-            <a:r>
-              <a:rPr lang="en-US" sz="2400" b="0" strike="noStrike" spc="-1">
-                <a:solidFill>
-                  <a:srgbClr val="000000"/>
-                </a:solidFill>
-                <a:uFill>
-                  <a:solidFill>
-                    <a:srgbClr val="FFFFFF"/>
-                  </a:solidFill>
-                </a:uFill>
-                <a:latin typeface="Times New Roman"/>
-                <a:ea typeface="DejaVu Sans"/>
-              </a:rPr>
-              <a:t>Test set contains 253 frames with pulmonary embolism and 2162 frames without pulmonary embolism. </a:t>
-            </a:r>
-            <a:endParaRPr lang="en-US" sz="1800" b="0" strike="noStrike" spc="-1">
-              <a:solidFill>
-                <a:srgbClr val="000000"/>
-              </a:solidFill>
-              <a:uFill>
-                <a:solidFill>
-                  <a:srgbClr val="FFFFFF"/>
-                </a:solidFill>
-              </a:uFill>
-              <a:latin typeface="Arial"/>
-            </a:endParaRPr>
-          </a:p>
-          <a:p>
-            <a:pPr>
-              <a:lnSpc>
-                <a:spcPct val="125000"/>
-              </a:lnSpc>
-            </a:pPr>
             <a:endParaRPr lang="en-US" sz="1800" b="0" strike="noStrike" spc="-1">
               <a:solidFill>
                 <a:srgbClr val="000000"/>
@@ -13038,13 +12954,13 @@
       </p:grpSpPr>
       <p:sp>
         <p:nvSpPr>
-          <p:cNvPr id="127" name="CustomShape 1"/>
+          <p:cNvPr id="116" name="CustomShape 1"/>
           <p:cNvSpPr/>
           <p:nvPr/>
         </p:nvSpPr>
         <p:spPr>
           <a:xfrm>
-            <a:off x="1392120" y="1005840"/>
+            <a:off x="1344060" y="1023480"/>
             <a:ext cx="7111440" cy="1064880"/>
           </a:xfrm>
           <a:prstGeom prst="rect">
@@ -13077,7 +12993,7 @@
               </a:lnSpc>
             </a:pPr>
             <a:r>
-              <a:rPr lang="en-US" sz="3200" b="0" strike="noStrike" spc="-1">
+              <a:rPr lang="en-US" sz="3200" b="0" strike="noStrike" spc="-1" dirty="0">
                 <a:solidFill>
                   <a:srgbClr val="C0504D"/>
                 </a:solidFill>
@@ -13091,23 +13007,23 @@
               </a:rPr>
               <a:t>CNN Based medical image classification </a:t>
             </a:r>
-            <a:endParaRPr lang="en-US" sz="1800" b="0" strike="noStrike" spc="-1">
-              <a:solidFill>
-                <a:srgbClr val="000000"/>
-              </a:solidFill>
-              <a:uFill>
-                <a:solidFill>
-                  <a:srgbClr val="FFFFFF"/>
-                </a:solidFill>
-              </a:uFill>
-              <a:latin typeface="Arial"/>
-            </a:endParaRPr>
-          </a:p>
-        </p:txBody>
-      </p:sp>
-      <p:sp>
-        <p:nvSpPr>
-          <p:cNvPr id="128" name="CustomShape 2"/>
+            <a:endParaRPr lang="en-US" sz="1800" b="0" strike="noStrike" spc="-1" dirty="0">
+              <a:solidFill>
+                <a:srgbClr val="000000"/>
+              </a:solidFill>
+              <a:uFill>
+                <a:solidFill>
+                  <a:srgbClr val="FFFFFF"/>
+                </a:solidFill>
+              </a:uFill>
+              <a:latin typeface="Arial"/>
+            </a:endParaRPr>
+          </a:p>
+        </p:txBody>
+      </p:sp>
+      <p:sp>
+        <p:nvSpPr>
+          <p:cNvPr id="117" name="CustomShape 2"/>
           <p:cNvSpPr/>
           <p:nvPr/>
         </p:nvSpPr>
@@ -13176,14 +13092,14 @@
       </p:sp>
       <p:sp>
         <p:nvSpPr>
-          <p:cNvPr id="129" name="CustomShape 3"/>
+          <p:cNvPr id="118" name="CustomShape 3"/>
           <p:cNvSpPr/>
           <p:nvPr/>
         </p:nvSpPr>
         <p:spPr>
           <a:xfrm>
-            <a:off x="1254960" y="1428120"/>
-            <a:ext cx="4517280" cy="514080"/>
+            <a:off x="1254960" y="1997280"/>
+            <a:ext cx="7289640" cy="3781080"/>
           </a:xfrm>
           <a:prstGeom prst="rect">
             <a:avLst/>
@@ -13232,7 +13148,7 @@
                 <a:latin typeface="Times New Roman"/>
                 <a:ea typeface="DejaVu Sans"/>
               </a:rPr>
-              <a:t>Pulmonary Embolism Detection</a:t>
+              <a:t>Polyp detection</a:t>
             </a:r>
             <a:endParaRPr lang="en-US" sz="1800" b="0" strike="noStrike" spc="-1">
               <a:solidFill>
@@ -13247,90 +13163,18 @@
             </a:endParaRPr>
           </a:p>
           <a:p>
-            <a:pPr>
+            <a:pPr marL="285840" indent="-285120">
               <a:lnSpc>
                 <a:spcPct val="125000"/>
               </a:lnSpc>
-            </a:pPr>
-            <a:endParaRPr lang="en-US" sz="1800" b="0" strike="noStrike" spc="-1">
-              <a:solidFill>
-                <a:srgbClr val="000000"/>
-              </a:solidFill>
-              <a:uFill>
-                <a:solidFill>
-                  <a:srgbClr val="FFFFFF"/>
-                </a:solidFill>
-              </a:uFill>
-              <a:latin typeface="Arial"/>
-            </a:endParaRPr>
-          </a:p>
-        </p:txBody>
-      </p:sp>
-      <p:pic>
-        <p:nvPicPr>
-          <p:cNvPr id="130" name="图片 1"/>
-          <p:cNvPicPr/>
-          <p:nvPr/>
-        </p:nvPicPr>
-        <p:blipFill>
-          <a:blip r:embed="rId3"/>
-          <a:stretch/>
-        </p:blipFill>
-        <p:spPr>
-          <a:xfrm>
-            <a:off x="619920" y="2004480"/>
-            <a:ext cx="8075880" cy="3067560"/>
-          </a:xfrm>
-          <a:prstGeom prst="rect">
-            <a:avLst/>
-          </a:prstGeom>
-          <a:ln>
-            <a:noFill/>
-          </a:ln>
-        </p:spPr>
-      </p:pic>
-      <p:sp>
-        <p:nvSpPr>
-          <p:cNvPr id="131" name="CustomShape 4"/>
-          <p:cNvSpPr/>
-          <p:nvPr/>
-        </p:nvSpPr>
-        <p:spPr>
-          <a:xfrm>
-            <a:off x="619920" y="5188320"/>
-            <a:ext cx="7988760" cy="1460880"/>
-          </a:xfrm>
-          <a:prstGeom prst="rect">
-            <a:avLst/>
-          </a:prstGeom>
-          <a:noFill/>
-          <a:ln>
-            <a:noFill/>
-          </a:ln>
-        </p:spPr>
-        <p:style>
-          <a:lnRef idx="0">
-            <a:scrgbClr r="0" g="0" b="0"/>
-          </a:lnRef>
-          <a:fillRef idx="0">
-            <a:scrgbClr r="0" g="0" b="0"/>
-          </a:fillRef>
-          <a:effectRef idx="0">
-            <a:scrgbClr r="0" g="0" b="0"/>
-          </a:effectRef>
-          <a:fontRef idx="minor"/>
-        </p:style>
-        <p:txBody>
-          <a:bodyPr lIns="90000" tIns="45000" rIns="90000" bIns="45000"/>
-          <a:lstStyle/>
-          <a:p>
-            <a:pPr>
-              <a:lnSpc>
-                <a:spcPct val="100000"/>
-              </a:lnSpc>
+              <a:buClr>
+                <a:srgbClr val="000000"/>
+              </a:buClr>
+              <a:buFont typeface="Wingdings" charset="2"/>
+              <a:buChar char=""/>
             </a:pPr>
             <a:r>
-              <a:rPr lang="en-US" sz="1800" b="0" strike="noStrike" spc="-1">
+              <a:rPr lang="en-US" sz="2400" b="0" strike="noStrike" spc="-1">
                 <a:solidFill>
                   <a:srgbClr val="000000"/>
                 </a:solidFill>
@@ -13339,10 +13183,86 @@
                     <a:srgbClr val="FFFFFF"/>
                   </a:solidFill>
                 </a:uFill>
-                <a:latin typeface="Arial"/>
+                <a:latin typeface="Times New Roman"/>
                 <a:ea typeface="DejaVu Sans"/>
               </a:rPr>
-              <a:t>(a) Comparison between incremental fine-tuning, training from scratch, and a handcrafted approach. To avoid clutter in the figure, error bars are displayed for only a subset of plots. A more detailed analysis is presented in Table S2 in the supplementary file.(b) Effect of reduction in the training data on the performance of CNNs trained from scratch and deeply fine-tuned CNNs.</a:t>
+              <a:t>Extract images from 40 short colonoscopy videos.</a:t>
+            </a:r>
+            <a:endParaRPr lang="en-US" sz="1800" b="0" strike="noStrike" spc="-1">
+              <a:solidFill>
+                <a:srgbClr val="000000"/>
+              </a:solidFill>
+              <a:uFill>
+                <a:solidFill>
+                  <a:srgbClr val="FFFFFF"/>
+                </a:solidFill>
+              </a:uFill>
+              <a:latin typeface="Arial"/>
+            </a:endParaRPr>
+          </a:p>
+          <a:p>
+            <a:pPr marL="285840" indent="-285120">
+              <a:lnSpc>
+                <a:spcPct val="125000"/>
+              </a:lnSpc>
+              <a:buClr>
+                <a:srgbClr val="000000"/>
+              </a:buClr>
+              <a:buFont typeface="Wingdings" charset="2"/>
+              <a:buChar char=""/>
+            </a:pPr>
+            <a:r>
+              <a:rPr lang="en-US" sz="2400" b="0" strike="noStrike" spc="-1">
+                <a:solidFill>
+                  <a:srgbClr val="000000"/>
+                </a:solidFill>
+                <a:uFill>
+                  <a:solidFill>
+                    <a:srgbClr val="FFFFFF"/>
+                  </a:solidFill>
+                </a:uFill>
+                <a:latin typeface="Times New Roman"/>
+                <a:ea typeface="DejaVu Sans"/>
+              </a:rPr>
+              <a:t>Training set contains 3,800 frames with polyps and 15,100 frames without polyps. </a:t>
+            </a:r>
+            <a:endParaRPr lang="en-US" sz="1800" b="0" strike="noStrike" spc="-1">
+              <a:solidFill>
+                <a:srgbClr val="000000"/>
+              </a:solidFill>
+              <a:uFill>
+                <a:solidFill>
+                  <a:srgbClr val="FFFFFF"/>
+                </a:solidFill>
+              </a:uFill>
+              <a:latin typeface="Arial"/>
+            </a:endParaRPr>
+          </a:p>
+          <a:p>
+            <a:pPr marL="285840" indent="-285120">
+              <a:lnSpc>
+                <a:spcPct val="125000"/>
+              </a:lnSpc>
+              <a:buClr>
+                <a:srgbClr val="000000"/>
+              </a:buClr>
+              <a:buFont typeface="Wingdings" charset="2"/>
+              <a:buChar char=""/>
+            </a:pPr>
+            <a:r>
+              <a:rPr lang="en-US" sz="2400" b="0" strike="noStrike" spc="-1">
+                <a:solidFill>
+                  <a:srgbClr val="000000"/>
+                </a:solidFill>
+                <a:uFill>
+                  <a:solidFill>
+                    <a:srgbClr val="FFFFFF"/>
+                  </a:solidFill>
+                </a:uFill>
+                <a:latin typeface="Times New Roman"/>
+                <a:ea typeface="DejaVu Sans"/>
+              </a:rPr>
+              <a:t>Test set contains 5,700 frames with polyps and 13,200 frames without polyps. </a:t>
             </a:r>
             <a:endParaRPr lang="en-US" sz="1800" b="0" strike="noStrike" spc="-1">
               <a:solidFill>
@@ -13412,13 +13332,13 @@
       </p:grpSpPr>
       <p:sp>
         <p:nvSpPr>
-          <p:cNvPr id="132" name="CustomShape 1"/>
+          <p:cNvPr id="119" name="CustomShape 1"/>
           <p:cNvSpPr/>
           <p:nvPr/>
         </p:nvSpPr>
         <p:spPr>
           <a:xfrm>
-            <a:off x="1392120" y="1033920"/>
+            <a:off x="1392120" y="991800"/>
             <a:ext cx="7111440" cy="1064880"/>
           </a:xfrm>
           <a:prstGeom prst="rect">
@@ -13481,7 +13401,7 @@
       </p:sp>
       <p:sp>
         <p:nvSpPr>
-          <p:cNvPr id="133" name="CustomShape 2"/>
+          <p:cNvPr id="120" name="CustomShape 2"/>
           <p:cNvSpPr/>
           <p:nvPr/>
         </p:nvSpPr>
@@ -13548,16 +13468,109 @@
           </a:p>
         </p:txBody>
       </p:sp>
-      <p:sp>
-        <p:nvSpPr>
-          <p:cNvPr id="134" name="CustomShape 3"/>
+      <p:pic>
+        <p:nvPicPr>
+          <p:cNvPr id="121" name="图片 1"/>
+          <p:cNvPicPr/>
+          <p:nvPr/>
+        </p:nvPicPr>
+        <p:blipFill>
+          <a:blip r:embed="rId3"/>
+          <a:srcRect t="6299"/>
+          <a:stretch/>
+        </p:blipFill>
+        <p:spPr>
+          <a:xfrm>
+            <a:off x="450720" y="1928160"/>
+            <a:ext cx="8553240" cy="3078720"/>
+          </a:xfrm>
+          <a:prstGeom prst="rect">
+            <a:avLst/>
+          </a:prstGeom>
+          <a:ln>
+            <a:noFill/>
+          </a:ln>
+        </p:spPr>
+      </p:pic>
+      <p:sp>
+        <p:nvSpPr>
+          <p:cNvPr id="122" name="CustomShape 3"/>
           <p:cNvSpPr/>
           <p:nvPr/>
         </p:nvSpPr>
         <p:spPr>
           <a:xfrm>
-            <a:off x="1254960" y="1997280"/>
-            <a:ext cx="7289640" cy="3781080"/>
+            <a:off x="846000" y="5188320"/>
+            <a:ext cx="7762680" cy="1218240"/>
+          </a:xfrm>
+          <a:prstGeom prst="rect">
+            <a:avLst/>
+          </a:prstGeom>
+          <a:noFill/>
+          <a:ln>
+            <a:noFill/>
+          </a:ln>
+        </p:spPr>
+        <p:style>
+          <a:lnRef idx="0">
+            <a:scrgbClr r="0" g="0" b="0"/>
+          </a:lnRef>
+          <a:fillRef idx="0">
+            <a:scrgbClr r="0" g="0" b="0"/>
+          </a:fillRef>
+          <a:effectRef idx="0">
+            <a:scrgbClr r="0" g="0" b="0"/>
+          </a:effectRef>
+          <a:fontRef idx="minor"/>
+        </p:style>
+        <p:txBody>
+          <a:bodyPr lIns="90000" tIns="45000" rIns="90000" bIns="45000"/>
+          <a:lstStyle/>
+          <a:p>
+            <a:pPr>
+              <a:lnSpc>
+                <a:spcPct val="100000"/>
+              </a:lnSpc>
+            </a:pPr>
+            <a:r>
+              <a:rPr lang="en-US" sz="1800" b="0" strike="noStrike" spc="-1">
+                <a:solidFill>
+                  <a:srgbClr val="000000"/>
+                </a:solidFill>
+                <a:uFill>
+                  <a:solidFill>
+                    <a:srgbClr val="FFFFFF"/>
+                  </a:solidFill>
+                </a:uFill>
+                <a:latin typeface="Arial"/>
+                <a:ea typeface="DejaVu Sans"/>
+              </a:rPr>
+              <a:t>(a) Comparison between incremental fine-tuning, training from scratch, and a handcrafted approach [42]. (b) Effect of reduction in the training data on the performance of CNNs trained from scratch and deeply fine-tuned CNNs.</a:t>
+            </a:r>
+            <a:endParaRPr lang="en-US" sz="1800" b="0" strike="noStrike" spc="-1">
+              <a:solidFill>
+                <a:srgbClr val="000000"/>
+              </a:solidFill>
+              <a:uFill>
+                <a:solidFill>
+                  <a:srgbClr val="FFFFFF"/>
+                </a:solidFill>
+              </a:uFill>
+              <a:latin typeface="Arial"/>
+            </a:endParaRPr>
+          </a:p>
+        </p:txBody>
+      </p:sp>
+      <p:sp>
+        <p:nvSpPr>
+          <p:cNvPr id="123" name="CustomShape 4"/>
+          <p:cNvSpPr/>
+          <p:nvPr/>
+        </p:nvSpPr>
+        <p:spPr>
+          <a:xfrm>
+            <a:off x="1254960" y="1355760"/>
+            <a:ext cx="2588760" cy="583920"/>
           </a:xfrm>
           <a:prstGeom prst="rect">
             <a:avLst/>
@@ -13606,140 +13619,8 @@
                 <a:latin typeface="Times New Roman"/>
                 <a:ea typeface="DejaVu Sans"/>
               </a:rPr>
-              <a:t>Intima-Media Boundary Segmentation</a:t>
+              <a:t>Polyp detection</a:t>
             </a:r>
-            <a:endParaRPr lang="en-US" sz="1800" b="0" strike="noStrike" spc="-1">
-              <a:solidFill>
-                <a:srgbClr val="000000"/>
-              </a:solidFill>
-              <a:uFill>
-                <a:solidFill>
-                  <a:srgbClr val="FFFFFF"/>
-                </a:solidFill>
-              </a:uFill>
-              <a:latin typeface="Arial"/>
-            </a:endParaRPr>
-          </a:p>
-          <a:p>
-            <a:pPr marL="285840" indent="-285120">
-              <a:lnSpc>
-                <a:spcPct val="125000"/>
-              </a:lnSpc>
-              <a:buClr>
-                <a:srgbClr val="000000"/>
-              </a:buClr>
-              <a:buFont typeface="Wingdings" charset="2"/>
-              <a:buChar char=""/>
-            </a:pPr>
-            <a:r>
-              <a:rPr lang="en-US" sz="2400" b="0" strike="noStrike" spc="-1">
-                <a:solidFill>
-                  <a:srgbClr val="000000"/>
-                </a:solidFill>
-                <a:uFill>
-                  <a:solidFill>
-                    <a:srgbClr val="FFFFFF"/>
-                  </a:solidFill>
-                </a:uFill>
-                <a:latin typeface="Times New Roman"/>
-                <a:ea typeface="DejaVu Sans"/>
-              </a:rPr>
-              <a:t>Extract dataset from 92 carotid intima-media thickness (CIMT) videos. The expert reviews each video to determine 3 ROIs which can be measured reliably. </a:t>
-            </a:r>
-            <a:endParaRPr lang="en-US" sz="1800" b="0" strike="noStrike" spc="-1">
-              <a:solidFill>
-                <a:srgbClr val="000000"/>
-              </a:solidFill>
-              <a:uFill>
-                <a:solidFill>
-                  <a:srgbClr val="FFFFFF"/>
-                </a:solidFill>
-              </a:uFill>
-              <a:latin typeface="Arial"/>
-            </a:endParaRPr>
-          </a:p>
-          <a:p>
-            <a:pPr marL="285840" indent="-285120">
-              <a:lnSpc>
-                <a:spcPct val="125000"/>
-              </a:lnSpc>
-              <a:buClr>
-                <a:srgbClr val="000000"/>
-              </a:buClr>
-              <a:buFont typeface="Wingdings" charset="2"/>
-              <a:buChar char=""/>
-            </a:pPr>
-            <a:r>
-              <a:rPr lang="en-US" sz="2400" b="0" strike="noStrike" spc="-1">
-                <a:solidFill>
-                  <a:srgbClr val="000000"/>
-                </a:solidFill>
-                <a:uFill>
-                  <a:solidFill>
-                    <a:srgbClr val="FFFFFF"/>
-                  </a:solidFill>
-                </a:uFill>
-                <a:latin typeface="Times New Roman"/>
-                <a:ea typeface="DejaVu Sans"/>
-              </a:rPr>
-              <a:t>The authors divided the ROIs into a training set with 144 ROIs and a test set with 132 ROIs. </a:t>
-            </a:r>
-            <a:endParaRPr lang="en-US" sz="1800" b="0" strike="noStrike" spc="-1">
-              <a:solidFill>
-                <a:srgbClr val="000000"/>
-              </a:solidFill>
-              <a:uFill>
-                <a:solidFill>
-                  <a:srgbClr val="FFFFFF"/>
-                </a:solidFill>
-              </a:uFill>
-              <a:latin typeface="Arial"/>
-            </a:endParaRPr>
-          </a:p>
-          <a:p>
-            <a:pPr marL="285840" indent="-285120">
-              <a:lnSpc>
-                <a:spcPct val="125000"/>
-              </a:lnSpc>
-              <a:buClr>
-                <a:srgbClr val="000000"/>
-              </a:buClr>
-              <a:buFont typeface="Wingdings" charset="2"/>
-              <a:buChar char=""/>
-            </a:pPr>
-            <a:r>
-              <a:rPr lang="en-US" sz="2400" b="0" strike="noStrike" spc="-1">
-                <a:solidFill>
-                  <a:srgbClr val="000000"/>
-                </a:solidFill>
-                <a:uFill>
-                  <a:solidFill>
-                    <a:srgbClr val="FFFFFF"/>
-                  </a:solidFill>
-                </a:uFill>
-                <a:latin typeface="Times New Roman"/>
-                <a:ea typeface="DejaVu Sans"/>
-              </a:rPr>
-              <a:t>For training and fine-tuning the CNNs, the authors extracted a stratified set of 200,000 training patches from the training ROIs. </a:t>
-            </a:r>
-            <a:endParaRPr lang="en-US" sz="1800" b="0" strike="noStrike" spc="-1">
-              <a:solidFill>
-                <a:srgbClr val="000000"/>
-              </a:solidFill>
-              <a:uFill>
-                <a:solidFill>
-                  <a:srgbClr val="FFFFFF"/>
-                </a:solidFill>
-              </a:uFill>
-              <a:latin typeface="Arial"/>
-            </a:endParaRPr>
-          </a:p>
-          <a:p>
-            <a:pPr>
-              <a:lnSpc>
-                <a:spcPct val="125000"/>
-              </a:lnSpc>
-            </a:pPr>
             <a:endParaRPr lang="en-US" sz="1800" b="0" strike="noStrike" spc="-1">
               <a:solidFill>
                 <a:srgbClr val="000000"/>
@@ -13826,13 +13707,13 @@
       </p:grpSpPr>
       <p:sp>
         <p:nvSpPr>
-          <p:cNvPr id="135" name="CustomShape 1"/>
+          <p:cNvPr id="124" name="CustomShape 1"/>
           <p:cNvSpPr/>
           <p:nvPr/>
         </p:nvSpPr>
         <p:spPr>
           <a:xfrm>
-            <a:off x="1392120" y="1005840"/>
+            <a:off x="1392120" y="977760"/>
             <a:ext cx="7111440" cy="1064880"/>
           </a:xfrm>
           <a:prstGeom prst="rect">
@@ -13895,7 +13776,7 @@
       </p:sp>
       <p:sp>
         <p:nvSpPr>
-          <p:cNvPr id="136" name="CustomShape 2"/>
+          <p:cNvPr id="125" name="CustomShape 2"/>
           <p:cNvSpPr/>
           <p:nvPr/>
         </p:nvSpPr>
@@ -13964,14 +13845,14 @@
       </p:sp>
       <p:sp>
         <p:nvSpPr>
-          <p:cNvPr id="137" name="CustomShape 3"/>
+          <p:cNvPr id="126" name="CustomShape 3"/>
           <p:cNvSpPr/>
           <p:nvPr/>
         </p:nvSpPr>
         <p:spPr>
           <a:xfrm>
-            <a:off x="1254960" y="1628640"/>
-            <a:ext cx="5325840" cy="515520"/>
+            <a:off x="1254960" y="1997280"/>
+            <a:ext cx="7289640" cy="3781080"/>
           </a:xfrm>
           <a:prstGeom prst="rect">
             <a:avLst/>
@@ -14020,7 +13901,121 @@
                 <a:latin typeface="Times New Roman"/>
                 <a:ea typeface="DejaVu Sans"/>
               </a:rPr>
-              <a:t>Intima-Media Boundary Segmentation</a:t>
+              <a:t>Pulmonary Embolism Detection</a:t>
+            </a:r>
+            <a:endParaRPr lang="en-US" sz="1800" b="0" strike="noStrike" spc="-1">
+              <a:solidFill>
+                <a:srgbClr val="000000"/>
+              </a:solidFill>
+              <a:uFill>
+                <a:solidFill>
+                  <a:srgbClr val="FFFFFF"/>
+                </a:solidFill>
+              </a:uFill>
+              <a:latin typeface="Arial"/>
+            </a:endParaRPr>
+          </a:p>
+          <a:p>
+            <a:pPr marL="285840" indent="-285120">
+              <a:lnSpc>
+                <a:spcPct val="125000"/>
+              </a:lnSpc>
+              <a:buClr>
+                <a:srgbClr val="000000"/>
+              </a:buClr>
+              <a:buFont typeface="Wingdings" charset="2"/>
+              <a:buChar char=""/>
+            </a:pPr>
+            <a:r>
+              <a:rPr lang="en-US" sz="2400" b="0" strike="noStrike" spc="-1">
+                <a:solidFill>
+                  <a:srgbClr val="000000"/>
+                </a:solidFill>
+                <a:uFill>
+                  <a:solidFill>
+                    <a:srgbClr val="FFFFFF"/>
+                  </a:solidFill>
+                </a:uFill>
+                <a:latin typeface="Times New Roman"/>
+                <a:ea typeface="DejaVu Sans"/>
+              </a:rPr>
+              <a:t>Extract dataset from 121 CT pulmonary angiographies.</a:t>
+            </a:r>
+            <a:endParaRPr lang="en-US" sz="1800" b="0" strike="noStrike" spc="-1">
+              <a:solidFill>
+                <a:srgbClr val="000000"/>
+              </a:solidFill>
+              <a:uFill>
+                <a:solidFill>
+                  <a:srgbClr val="FFFFFF"/>
+                </a:solidFill>
+              </a:uFill>
+              <a:latin typeface="Arial"/>
+            </a:endParaRPr>
+          </a:p>
+          <a:p>
+            <a:pPr marL="285840" indent="-285120">
+              <a:lnSpc>
+                <a:spcPct val="125000"/>
+              </a:lnSpc>
+              <a:buClr>
+                <a:srgbClr val="000000"/>
+              </a:buClr>
+              <a:buFont typeface="Wingdings" charset="2"/>
+              <a:buChar char=""/>
+            </a:pPr>
+            <a:r>
+              <a:rPr lang="en-US" sz="2400" b="0" strike="noStrike" spc="-1">
+                <a:solidFill>
+                  <a:srgbClr val="000000"/>
+                </a:solidFill>
+                <a:uFill>
+                  <a:solidFill>
+                    <a:srgbClr val="FFFFFF"/>
+                  </a:solidFill>
+                </a:uFill>
+                <a:latin typeface="Times New Roman"/>
+                <a:ea typeface="DejaVu Sans"/>
+              </a:rPr>
+              <a:t>Training set contains 434 frames with pulmonary embolism and 3406 frames without pulmonary embolism. </a:t>
+            </a:r>
+            <a:endParaRPr lang="en-US" sz="1800" b="0" strike="noStrike" spc="-1">
+              <a:solidFill>
+                <a:srgbClr val="000000"/>
+              </a:solidFill>
+              <a:uFill>
+                <a:solidFill>
+                  <a:srgbClr val="FFFFFF"/>
+                </a:solidFill>
+              </a:uFill>
+              <a:latin typeface="Arial"/>
+            </a:endParaRPr>
+          </a:p>
+          <a:p>
+            <a:pPr marL="285840" indent="-285120">
+              <a:lnSpc>
+                <a:spcPct val="125000"/>
+              </a:lnSpc>
+              <a:buClr>
+                <a:srgbClr val="000000"/>
+              </a:buClr>
+              <a:buFont typeface="Wingdings" charset="2"/>
+              <a:buChar char=""/>
+            </a:pPr>
+            <a:r>
+              <a:rPr lang="en-US" sz="2400" b="0" strike="noStrike" spc="-1">
+                <a:solidFill>
+                  <a:srgbClr val="000000"/>
+                </a:solidFill>
+                <a:uFill>
+                  <a:solidFill>
+                    <a:srgbClr val="FFFFFF"/>
+                  </a:solidFill>
+                </a:uFill>
+                <a:latin typeface="Times New Roman"/>
+                <a:ea typeface="DejaVu Sans"/>
+              </a:rPr>
+              <a:t>Test set contains 253 frames with pulmonary embolism and 2162 frames without pulmonary embolism. </a:t>
             </a:r>
             <a:endParaRPr lang="en-US" sz="1800" b="0" strike="noStrike" spc="-1">
               <a:solidFill>
@@ -14052,86 +14047,12 @@
               <a:latin typeface="Arial"/>
             </a:endParaRPr>
           </a:p>
-        </p:txBody>
-      </p:sp>
-      <p:pic>
-        <p:nvPicPr>
-          <p:cNvPr id="138" name="图片 1"/>
-          <p:cNvPicPr/>
-          <p:nvPr/>
-        </p:nvPicPr>
-        <p:blipFill>
-          <a:blip r:embed="rId3"/>
-          <a:stretch/>
-        </p:blipFill>
-        <p:spPr>
-          <a:xfrm>
-            <a:off x="773280" y="2232720"/>
-            <a:ext cx="7642800" cy="3568680"/>
-          </a:xfrm>
-          <a:prstGeom prst="rect">
-            <a:avLst/>
-          </a:prstGeom>
-          <a:ln>
-            <a:noFill/>
-          </a:ln>
-        </p:spPr>
-      </p:pic>
-      <p:sp>
-        <p:nvSpPr>
-          <p:cNvPr id="139" name="CustomShape 4"/>
-          <p:cNvSpPr/>
-          <p:nvPr/>
-        </p:nvSpPr>
-        <p:spPr>
-          <a:xfrm>
-            <a:off x="600120" y="5900760"/>
-            <a:ext cx="7988760" cy="593280"/>
-          </a:xfrm>
-          <a:prstGeom prst="rect">
-            <a:avLst/>
-          </a:prstGeom>
-          <a:noFill/>
-          <a:ln>
-            <a:noFill/>
-          </a:ln>
-        </p:spPr>
-        <p:style>
-          <a:lnRef idx="0">
-            <a:scrgbClr r="0" g="0" b="0"/>
-          </a:lnRef>
-          <a:fillRef idx="0">
-            <a:scrgbClr r="0" g="0" b="0"/>
-          </a:fillRef>
-          <a:effectRef idx="0">
-            <a:scrgbClr r="0" g="0" b="0"/>
-          </a:effectRef>
-          <a:fontRef idx="minor"/>
-        </p:style>
-        <p:txBody>
-          <a:bodyPr lIns="90000" tIns="45000" rIns="90000" bIns="45000"/>
-          <a:lstStyle/>
           <a:p>
             <a:pPr>
               <a:lnSpc>
-                <a:spcPct val="100000"/>
+                <a:spcPct val="125000"/>
               </a:lnSpc>
             </a:pPr>
-            <a:r>
-              <a:rPr lang="en-US" sz="1800" b="0" strike="noStrike" spc="-1">
-                <a:solidFill>
-                  <a:srgbClr val="000000"/>
-                </a:solidFill>
-                <a:uFill>
-                  <a:solidFill>
-                    <a:srgbClr val="FFFFFF"/>
-                  </a:solidFill>
-                </a:uFill>
-                <a:latin typeface="Arial"/>
-                <a:ea typeface="DejaVu Sans"/>
-              </a:rPr>
-              <a:t>Box plots of segmentation error for (a) the lumen-intima interface and (b) the media-adventitia interface.</a:t>
-            </a:r>
             <a:endParaRPr lang="en-US" sz="1800" b="0" strike="noStrike" spc="-1">
               <a:solidFill>
                 <a:srgbClr val="000000"/>
@@ -14200,14 +14121,14 @@
       </p:grpSpPr>
       <p:sp>
         <p:nvSpPr>
-          <p:cNvPr id="140" name="CustomShape 1"/>
+          <p:cNvPr id="127" name="CustomShape 1"/>
           <p:cNvSpPr/>
           <p:nvPr/>
         </p:nvSpPr>
         <p:spPr>
           <a:xfrm>
-            <a:off x="1392120" y="1023480"/>
-            <a:ext cx="7111440" cy="864360"/>
+            <a:off x="1392120" y="1005840"/>
+            <a:ext cx="7111440" cy="1064880"/>
           </a:xfrm>
           <a:prstGeom prst="rect">
             <a:avLst/>
@@ -14239,7 +14160,7 @@
               </a:lnSpc>
             </a:pPr>
             <a:r>
-              <a:rPr lang="en-US" sz="3200" b="0" strike="noStrike" spc="-1" dirty="0" smtClean="0">
+              <a:rPr lang="en-US" sz="3200" b="0" strike="noStrike" spc="-1">
                 <a:solidFill>
                   <a:srgbClr val="C0504D"/>
                 </a:solidFill>
@@ -14251,25 +14172,25 @@
                 <a:latin typeface="Calibri"/>
                 <a:ea typeface="DejaVu Sans"/>
               </a:rPr>
-              <a:t>Open issues</a:t>
+              <a:t>CNN Based medical image classification </a:t>
             </a:r>
-            <a:endParaRPr lang="en-US" sz="1800" b="0" strike="noStrike" spc="-1" dirty="0">
-              <a:solidFill>
-                <a:srgbClr val="000000"/>
-              </a:solidFill>
-              <a:uFill>
-                <a:solidFill>
-                  <a:srgbClr val="FFFFFF"/>
-                </a:solidFill>
-              </a:uFill>
-              <a:latin typeface="Arial"/>
-            </a:endParaRPr>
-          </a:p>
-        </p:txBody>
-      </p:sp>
-      <p:sp>
-        <p:nvSpPr>
-          <p:cNvPr id="141" name="CustomShape 2"/>
+            <a:endParaRPr lang="en-US" sz="1800" b="0" strike="noStrike" spc="-1">
+              <a:solidFill>
+                <a:srgbClr val="000000"/>
+              </a:solidFill>
+              <a:uFill>
+                <a:solidFill>
+                  <a:srgbClr val="FFFFFF"/>
+                </a:solidFill>
+              </a:uFill>
+              <a:latin typeface="Arial"/>
+            </a:endParaRPr>
+          </a:p>
+        </p:txBody>
+      </p:sp>
+      <p:sp>
+        <p:nvSpPr>
+          <p:cNvPr id="128" name="CustomShape 2"/>
           <p:cNvSpPr/>
           <p:nvPr/>
         </p:nvSpPr>
@@ -14338,14 +14259,14 @@
       </p:sp>
       <p:sp>
         <p:nvSpPr>
-          <p:cNvPr id="142" name="CustomShape 3"/>
+          <p:cNvPr id="129" name="CustomShape 3"/>
           <p:cNvSpPr/>
           <p:nvPr/>
         </p:nvSpPr>
         <p:spPr>
           <a:xfrm>
-            <a:off x="695880" y="2701080"/>
-            <a:ext cx="8546400" cy="2916000"/>
+            <a:off x="1254960" y="1428120"/>
+            <a:ext cx="4517280" cy="514080"/>
           </a:xfrm>
           <a:prstGeom prst="rect">
             <a:avLst/>
@@ -14382,7 +14303,7 @@
               <a:buChar char=""/>
             </a:pPr>
             <a:r>
-              <a:rPr lang="en-US" sz="2800" b="0" strike="noStrike" spc="-1">
+              <a:rPr lang="en-US" sz="2400" b="0" strike="noStrike" spc="-1">
                 <a:solidFill>
                   <a:srgbClr val="000000"/>
                 </a:solidFill>
@@ -14394,7 +14315,7 @@
                 <a:latin typeface="Times New Roman"/>
                 <a:ea typeface="DejaVu Sans"/>
               </a:rPr>
-              <a:t>Low resolution and blur images are still a challenge</a:t>
+              <a:t>Pulmonary Embolism Detection</a:t>
             </a:r>
             <a:endParaRPr lang="en-US" sz="1800" b="0" strike="noStrike" spc="-1">
               <a:solidFill>
@@ -14408,6 +14329,342 @@
               <a:latin typeface="Arial"/>
             </a:endParaRPr>
           </a:p>
+          <a:p>
+            <a:pPr>
+              <a:lnSpc>
+                <a:spcPct val="125000"/>
+              </a:lnSpc>
+            </a:pPr>
+            <a:endParaRPr lang="en-US" sz="1800" b="0" strike="noStrike" spc="-1">
+              <a:solidFill>
+                <a:srgbClr val="000000"/>
+              </a:solidFill>
+              <a:uFill>
+                <a:solidFill>
+                  <a:srgbClr val="FFFFFF"/>
+                </a:solidFill>
+              </a:uFill>
+              <a:latin typeface="Arial"/>
+            </a:endParaRPr>
+          </a:p>
+        </p:txBody>
+      </p:sp>
+      <p:pic>
+        <p:nvPicPr>
+          <p:cNvPr id="130" name="图片 1"/>
+          <p:cNvPicPr/>
+          <p:nvPr/>
+        </p:nvPicPr>
+        <p:blipFill>
+          <a:blip r:embed="rId3"/>
+          <a:stretch/>
+        </p:blipFill>
+        <p:spPr>
+          <a:xfrm>
+            <a:off x="619920" y="2004480"/>
+            <a:ext cx="8075880" cy="3067560"/>
+          </a:xfrm>
+          <a:prstGeom prst="rect">
+            <a:avLst/>
+          </a:prstGeom>
+          <a:ln>
+            <a:noFill/>
+          </a:ln>
+        </p:spPr>
+      </p:pic>
+      <p:sp>
+        <p:nvSpPr>
+          <p:cNvPr id="131" name="CustomShape 4"/>
+          <p:cNvSpPr/>
+          <p:nvPr/>
+        </p:nvSpPr>
+        <p:spPr>
+          <a:xfrm>
+            <a:off x="619920" y="5188320"/>
+            <a:ext cx="7988760" cy="1460880"/>
+          </a:xfrm>
+          <a:prstGeom prst="rect">
+            <a:avLst/>
+          </a:prstGeom>
+          <a:noFill/>
+          <a:ln>
+            <a:noFill/>
+          </a:ln>
+        </p:spPr>
+        <p:style>
+          <a:lnRef idx="0">
+            <a:scrgbClr r="0" g="0" b="0"/>
+          </a:lnRef>
+          <a:fillRef idx="0">
+            <a:scrgbClr r="0" g="0" b="0"/>
+          </a:fillRef>
+          <a:effectRef idx="0">
+            <a:scrgbClr r="0" g="0" b="0"/>
+          </a:effectRef>
+          <a:fontRef idx="minor"/>
+        </p:style>
+        <p:txBody>
+          <a:bodyPr lIns="90000" tIns="45000" rIns="90000" bIns="45000"/>
+          <a:lstStyle/>
+          <a:p>
+            <a:pPr>
+              <a:lnSpc>
+                <a:spcPct val="100000"/>
+              </a:lnSpc>
+            </a:pPr>
+            <a:r>
+              <a:rPr lang="en-US" sz="1800" b="0" strike="noStrike" spc="-1">
+                <a:solidFill>
+                  <a:srgbClr val="000000"/>
+                </a:solidFill>
+                <a:uFill>
+                  <a:solidFill>
+                    <a:srgbClr val="FFFFFF"/>
+                  </a:solidFill>
+                </a:uFill>
+                <a:latin typeface="Arial"/>
+                <a:ea typeface="DejaVu Sans"/>
+              </a:rPr>
+              <a:t>(a) Comparison between incremental fine-tuning, training from scratch, and a handcrafted approach. To avoid clutter in the figure, error bars are displayed for only a subset of plots. A more detailed analysis is presented in Table S2 in the supplementary file.(b) Effect of reduction in the training data on the performance of CNNs trained from scratch and deeply fine-tuned CNNs.</a:t>
+            </a:r>
+            <a:endParaRPr lang="en-US" sz="1800" b="0" strike="noStrike" spc="-1">
+              <a:solidFill>
+                <a:srgbClr val="000000"/>
+              </a:solidFill>
+              <a:uFill>
+                <a:solidFill>
+                  <a:srgbClr val="FFFFFF"/>
+                </a:solidFill>
+              </a:uFill>
+              <a:latin typeface="Arial"/>
+            </a:endParaRPr>
+          </a:p>
+        </p:txBody>
+      </p:sp>
+    </p:spTree>
+  </p:cSld>
+  <p:clrMapOvr>
+    <a:masterClrMapping/>
+  </p:clrMapOvr>
+  <p:timing>
+    <p:tnLst>
+      <p:par>
+        <p:cTn id="1" dur="indefinite" restart="never" nodeType="tmRoot">
+          <p:childTnLst>
+            <p:seq>
+              <p:cTn id="2" nodeType="mainSeq"/>
+              <p:prevCondLst>
+                <p:cond evt="onPrev" delay="0">
+                  <p:tgtEl>
+                    <p:sldTgt/>
+                  </p:tgtEl>
+                </p:cond>
+              </p:prevCondLst>
+              <p:nextCondLst>
+                <p:cond evt="onNext" delay="0">
+                  <p:tgtEl>
+                    <p:sldTgt/>
+                  </p:tgtEl>
+                </p:cond>
+              </p:nextCondLst>
+            </p:seq>
+          </p:childTnLst>
+        </p:cTn>
+      </p:par>
+    </p:tnLst>
+  </p:timing>
+</p:sld>
+</file>
+
+<file path=ppt/slides/slide38.xml><?xml version="1.0" encoding="utf-8"?>
+<p:sld xmlns:a="http://schemas.openxmlformats.org/drawingml/2006/main" xmlns:r="http://schemas.openxmlformats.org/officeDocument/2006/relationships" xmlns:p="http://schemas.openxmlformats.org/presentationml/2006/main">
+  <p:cSld>
+    <p:spTree>
+      <p:nvGrpSpPr>
+        <p:cNvPr id="1" name=""/>
+        <p:cNvGrpSpPr/>
+        <p:nvPr/>
+      </p:nvGrpSpPr>
+      <p:grpSpPr>
+        <a:xfrm>
+          <a:off x="0" y="0"/>
+          <a:ext cx="0" cy="0"/>
+          <a:chOff x="0" y="0"/>
+          <a:chExt cx="0" cy="0"/>
+        </a:xfrm>
+      </p:grpSpPr>
+      <p:sp>
+        <p:nvSpPr>
+          <p:cNvPr id="132" name="CustomShape 1"/>
+          <p:cNvSpPr/>
+          <p:nvPr/>
+        </p:nvSpPr>
+        <p:spPr>
+          <a:xfrm>
+            <a:off x="1392120" y="1033920"/>
+            <a:ext cx="7111440" cy="1064880"/>
+          </a:xfrm>
+          <a:prstGeom prst="rect">
+            <a:avLst/>
+          </a:prstGeom>
+          <a:noFill/>
+          <a:ln>
+            <a:noFill/>
+          </a:ln>
+        </p:spPr>
+        <p:style>
+          <a:lnRef idx="0">
+            <a:scrgbClr r="0" g="0" b="0"/>
+          </a:lnRef>
+          <a:fillRef idx="0">
+            <a:scrgbClr r="0" g="0" b="0"/>
+          </a:fillRef>
+          <a:effectRef idx="0">
+            <a:scrgbClr r="0" g="0" b="0"/>
+          </a:effectRef>
+          <a:fontRef idx="minor"/>
+        </p:style>
+        <p:txBody>
+          <a:bodyPr lIns="90000" tIns="45000" rIns="90000" bIns="45000"/>
+          <a:lstStyle/>
+          <a:p>
+            <a:pPr>
+              <a:lnSpc>
+                <a:spcPct val="100000"/>
+              </a:lnSpc>
+            </a:pPr>
+            <a:r>
+              <a:rPr lang="en-US" sz="3200" b="0" strike="noStrike" spc="-1">
+                <a:solidFill>
+                  <a:srgbClr val="C0504D"/>
+                </a:solidFill>
+                <a:uFill>
+                  <a:solidFill>
+                    <a:srgbClr val="FFFFFF"/>
+                  </a:solidFill>
+                </a:uFill>
+                <a:latin typeface="Calibri"/>
+                <a:ea typeface="DejaVu Sans"/>
+              </a:rPr>
+              <a:t>CNN Based medical image classification </a:t>
+            </a:r>
+            <a:endParaRPr lang="en-US" sz="1800" b="0" strike="noStrike" spc="-1">
+              <a:solidFill>
+                <a:srgbClr val="000000"/>
+              </a:solidFill>
+              <a:uFill>
+                <a:solidFill>
+                  <a:srgbClr val="FFFFFF"/>
+                </a:solidFill>
+              </a:uFill>
+              <a:latin typeface="Arial"/>
+            </a:endParaRPr>
+          </a:p>
+        </p:txBody>
+      </p:sp>
+      <p:sp>
+        <p:nvSpPr>
+          <p:cNvPr id="133" name="CustomShape 2"/>
+          <p:cNvSpPr/>
+          <p:nvPr/>
+        </p:nvSpPr>
+        <p:spPr>
+          <a:xfrm>
+            <a:off x="695880" y="1023480"/>
+            <a:ext cx="558720" cy="516600"/>
+          </a:xfrm>
+          <a:prstGeom prst="rect">
+            <a:avLst/>
+          </a:prstGeom>
+          <a:noFill/>
+          <a:ln>
+            <a:noFill/>
+          </a:ln>
+        </p:spPr>
+        <p:style>
+          <a:lnRef idx="0">
+            <a:scrgbClr r="0" g="0" b="0"/>
+          </a:lnRef>
+          <a:fillRef idx="0">
+            <a:scrgbClr r="0" g="0" b="0"/>
+          </a:fillRef>
+          <a:effectRef idx="0">
+            <a:scrgbClr r="0" g="0" b="0"/>
+          </a:effectRef>
+          <a:fontRef idx="minor"/>
+        </p:style>
+        <p:txBody>
+          <a:bodyPr lIns="90000" tIns="45000" rIns="90000" bIns="45000"/>
+          <a:lstStyle/>
+          <a:p>
+            <a:pPr>
+              <a:lnSpc>
+                <a:spcPct val="100000"/>
+              </a:lnSpc>
+            </a:pPr>
+            <a:r>
+              <a:rPr lang="en-US" sz="2800" b="1" strike="noStrike" spc="-1">
+                <a:solidFill>
+                  <a:srgbClr val="FFFFFF"/>
+                </a:solidFill>
+                <a:uFill>
+                  <a:solidFill>
+                    <a:srgbClr val="FFFFFF"/>
+                  </a:solidFill>
+                </a:uFill>
+                <a:latin typeface="Calibri"/>
+                <a:ea typeface="DejaVu Sans"/>
+              </a:rPr>
+              <a:t>04</a:t>
+            </a:r>
+            <a:endParaRPr lang="en-US" sz="1800" b="0" strike="noStrike" spc="-1">
+              <a:solidFill>
+                <a:srgbClr val="000000"/>
+              </a:solidFill>
+              <a:uFill>
+                <a:solidFill>
+                  <a:srgbClr val="FFFFFF"/>
+                </a:solidFill>
+              </a:uFill>
+              <a:latin typeface="Arial"/>
+            </a:endParaRPr>
+          </a:p>
+        </p:txBody>
+      </p:sp>
+      <p:sp>
+        <p:nvSpPr>
+          <p:cNvPr id="134" name="CustomShape 3"/>
+          <p:cNvSpPr/>
+          <p:nvPr/>
+        </p:nvSpPr>
+        <p:spPr>
+          <a:xfrm>
+            <a:off x="1254960" y="1997280"/>
+            <a:ext cx="7289640" cy="3781080"/>
+          </a:xfrm>
+          <a:prstGeom prst="rect">
+            <a:avLst/>
+          </a:prstGeom>
+          <a:noFill/>
+          <a:ln>
+            <a:noFill/>
+          </a:ln>
+        </p:spPr>
+        <p:style>
+          <a:lnRef idx="0">
+            <a:scrgbClr r="0" g="0" b="0"/>
+          </a:lnRef>
+          <a:fillRef idx="0">
+            <a:scrgbClr r="0" g="0" b="0"/>
+          </a:fillRef>
+          <a:effectRef idx="0">
+            <a:scrgbClr r="0" g="0" b="0"/>
+          </a:effectRef>
+          <a:fontRef idx="minor"/>
+        </p:style>
+        <p:txBody>
+          <a:bodyPr lIns="90000" tIns="45000" rIns="90000" bIns="45000"/>
+          <a:lstStyle/>
           <a:p>
             <a:pPr marL="285840" indent="-285120">
               <a:lnSpc>
@@ -14420,7 +14677,7 @@
               <a:buChar char=""/>
             </a:pPr>
             <a:r>
-              <a:rPr lang="en-US" sz="2800" b="0" strike="noStrike" spc="-1">
+              <a:rPr lang="en-US" sz="2400" b="0" strike="noStrike" spc="-1">
                 <a:solidFill>
                   <a:srgbClr val="000000"/>
                 </a:solidFill>
@@ -14432,7 +14689,7 @@
                 <a:latin typeface="Times New Roman"/>
                 <a:ea typeface="DejaVu Sans"/>
               </a:rPr>
-              <a:t>Recognize classes not in the training set </a:t>
+              <a:t>Intima-Media Boundary Segmentation</a:t>
             </a:r>
             <a:endParaRPr lang="en-US" sz="1800" b="0" strike="noStrike" spc="-1">
               <a:solidFill>
@@ -14458,7 +14715,7 @@
               <a:buChar char=""/>
             </a:pPr>
             <a:r>
-              <a:rPr lang="en-US" sz="2800" b="0" strike="noStrike" spc="-1">
+              <a:rPr lang="en-US" sz="2400" b="0" strike="noStrike" spc="-1">
                 <a:solidFill>
                   <a:srgbClr val="000000"/>
                 </a:solidFill>
@@ -14470,7 +14727,7 @@
                 <a:latin typeface="Times New Roman"/>
                 <a:ea typeface="DejaVu Sans"/>
               </a:rPr>
-              <a:t>Need a large amount of labeled training data</a:t>
+              <a:t>Extract dataset from 92 carotid intima-media thickness (CIMT) videos. The expert reviews each video to determine 3 ROIs which can be measured reliably. </a:t>
             </a:r>
             <a:endParaRPr lang="en-US" sz="1800" b="0" strike="noStrike" spc="-1">
               <a:solidFill>
@@ -14496,7 +14753,7 @@
               <a:buChar char=""/>
             </a:pPr>
             <a:r>
-              <a:rPr lang="en-US" sz="2800" b="0" strike="noStrike" spc="-1">
+              <a:rPr lang="en-US" sz="2400" b="0" strike="noStrike" spc="-1">
                 <a:solidFill>
                   <a:srgbClr val="000000"/>
                 </a:solidFill>
@@ -14508,7 +14765,45 @@
                 <a:latin typeface="Times New Roman"/>
                 <a:ea typeface="DejaVu Sans"/>
               </a:rPr>
-              <a:t>Need much extensive computational and memory resources</a:t>
+              <a:t>The authors divided the ROIs into a training set with 144 ROIs and a test set with 132 ROIs. </a:t>
+            </a:r>
+            <a:endParaRPr lang="en-US" sz="1800" b="0" strike="noStrike" spc="-1">
+              <a:solidFill>
+                <a:srgbClr val="000000"/>
+              </a:solidFill>
+              <a:uFill>
+                <a:solidFill>
+                  <a:srgbClr val="FFFFFF"/>
+                </a:solidFill>
+              </a:uFill>
+              <a:latin typeface="Arial"/>
+            </a:endParaRPr>
+          </a:p>
+          <a:p>
+            <a:pPr marL="285840" indent="-285120">
+              <a:lnSpc>
+                <a:spcPct val="125000"/>
+              </a:lnSpc>
+              <a:buClr>
+                <a:srgbClr val="000000"/>
+              </a:buClr>
+              <a:buFont typeface="Wingdings" charset="2"/>
+              <a:buChar char=""/>
+            </a:pPr>
+            <a:r>
+              <a:rPr lang="en-US" sz="2400" b="0" strike="noStrike" spc="-1">
+                <a:solidFill>
+                  <a:srgbClr val="000000"/>
+                </a:solidFill>
+                <a:uFill>
+                  <a:solidFill>
+                    <a:srgbClr val="FFFFFF"/>
+                  </a:solidFill>
+                </a:uFill>
+                <a:latin typeface="Times New Roman"/>
+                <a:ea typeface="DejaVu Sans"/>
+              </a:rPr>
+              <a:t>For training and fine-tuning the CNNs, the authors extracted a stratified set of 200,000 training patches from the training ROIs. </a:t>
             </a:r>
             <a:endParaRPr lang="en-US" sz="1800" b="0" strike="noStrike" spc="-1">
               <a:solidFill>
@@ -14528,6 +14823,398 @@
                 <a:spcPct val="125000"/>
               </a:lnSpc>
             </a:pPr>
+            <a:endParaRPr lang="en-US" sz="1800" b="0" strike="noStrike" spc="-1">
+              <a:solidFill>
+                <a:srgbClr val="000000"/>
+              </a:solidFill>
+              <a:uFill>
+                <a:solidFill>
+                  <a:srgbClr val="FFFFFF"/>
+                </a:solidFill>
+              </a:uFill>
+              <a:latin typeface="Arial"/>
+            </a:endParaRPr>
+          </a:p>
+          <a:p>
+            <a:pPr>
+              <a:lnSpc>
+                <a:spcPct val="125000"/>
+              </a:lnSpc>
+            </a:pPr>
+            <a:endParaRPr lang="en-US" sz="1800" b="0" strike="noStrike" spc="-1">
+              <a:solidFill>
+                <a:srgbClr val="000000"/>
+              </a:solidFill>
+              <a:uFill>
+                <a:solidFill>
+                  <a:srgbClr val="FFFFFF"/>
+                </a:solidFill>
+              </a:uFill>
+              <a:latin typeface="Arial"/>
+            </a:endParaRPr>
+          </a:p>
+        </p:txBody>
+      </p:sp>
+    </p:spTree>
+  </p:cSld>
+  <p:clrMapOvr>
+    <a:masterClrMapping/>
+  </p:clrMapOvr>
+  <p:timing>
+    <p:tnLst>
+      <p:par>
+        <p:cTn id="1" dur="indefinite" restart="never" nodeType="tmRoot">
+          <p:childTnLst>
+            <p:seq>
+              <p:cTn id="2" nodeType="mainSeq"/>
+              <p:prevCondLst>
+                <p:cond evt="onPrev" delay="0">
+                  <p:tgtEl>
+                    <p:sldTgt/>
+                  </p:tgtEl>
+                </p:cond>
+              </p:prevCondLst>
+              <p:nextCondLst>
+                <p:cond evt="onNext" delay="0">
+                  <p:tgtEl>
+                    <p:sldTgt/>
+                  </p:tgtEl>
+                </p:cond>
+              </p:nextCondLst>
+            </p:seq>
+          </p:childTnLst>
+        </p:cTn>
+      </p:par>
+    </p:tnLst>
+  </p:timing>
+</p:sld>
+</file>
+
+<file path=ppt/slides/slide39.xml><?xml version="1.0" encoding="utf-8"?>
+<p:sld xmlns:a="http://schemas.openxmlformats.org/drawingml/2006/main" xmlns:r="http://schemas.openxmlformats.org/officeDocument/2006/relationships" xmlns:p="http://schemas.openxmlformats.org/presentationml/2006/main">
+  <p:cSld>
+    <p:spTree>
+      <p:nvGrpSpPr>
+        <p:cNvPr id="1" name=""/>
+        <p:cNvGrpSpPr/>
+        <p:nvPr/>
+      </p:nvGrpSpPr>
+      <p:grpSpPr>
+        <a:xfrm>
+          <a:off x="0" y="0"/>
+          <a:ext cx="0" cy="0"/>
+          <a:chOff x="0" y="0"/>
+          <a:chExt cx="0" cy="0"/>
+        </a:xfrm>
+      </p:grpSpPr>
+      <p:sp>
+        <p:nvSpPr>
+          <p:cNvPr id="135" name="CustomShape 1"/>
+          <p:cNvSpPr/>
+          <p:nvPr/>
+        </p:nvSpPr>
+        <p:spPr>
+          <a:xfrm>
+            <a:off x="1392120" y="1005840"/>
+            <a:ext cx="7111440" cy="1064880"/>
+          </a:xfrm>
+          <a:prstGeom prst="rect">
+            <a:avLst/>
+          </a:prstGeom>
+          <a:noFill/>
+          <a:ln>
+            <a:noFill/>
+          </a:ln>
+        </p:spPr>
+        <p:style>
+          <a:lnRef idx="0">
+            <a:scrgbClr r="0" g="0" b="0"/>
+          </a:lnRef>
+          <a:fillRef idx="0">
+            <a:scrgbClr r="0" g="0" b="0"/>
+          </a:fillRef>
+          <a:effectRef idx="0">
+            <a:scrgbClr r="0" g="0" b="0"/>
+          </a:effectRef>
+          <a:fontRef idx="minor"/>
+        </p:style>
+        <p:txBody>
+          <a:bodyPr lIns="90000" tIns="45000" rIns="90000" bIns="45000"/>
+          <a:lstStyle/>
+          <a:p>
+            <a:pPr>
+              <a:lnSpc>
+                <a:spcPct val="100000"/>
+              </a:lnSpc>
+            </a:pPr>
+            <a:r>
+              <a:rPr lang="en-US" sz="3200" b="0" strike="noStrike" spc="-1">
+                <a:solidFill>
+                  <a:srgbClr val="C0504D"/>
+                </a:solidFill>
+                <a:uFill>
+                  <a:solidFill>
+                    <a:srgbClr val="FFFFFF"/>
+                  </a:solidFill>
+                </a:uFill>
+                <a:latin typeface="Calibri"/>
+                <a:ea typeface="DejaVu Sans"/>
+              </a:rPr>
+              <a:t>CNN Based medical image classification </a:t>
+            </a:r>
+            <a:endParaRPr lang="en-US" sz="1800" b="0" strike="noStrike" spc="-1">
+              <a:solidFill>
+                <a:srgbClr val="000000"/>
+              </a:solidFill>
+              <a:uFill>
+                <a:solidFill>
+                  <a:srgbClr val="FFFFFF"/>
+                </a:solidFill>
+              </a:uFill>
+              <a:latin typeface="Arial"/>
+            </a:endParaRPr>
+          </a:p>
+        </p:txBody>
+      </p:sp>
+      <p:sp>
+        <p:nvSpPr>
+          <p:cNvPr id="136" name="CustomShape 2"/>
+          <p:cNvSpPr/>
+          <p:nvPr/>
+        </p:nvSpPr>
+        <p:spPr>
+          <a:xfrm>
+            <a:off x="695880" y="1023480"/>
+            <a:ext cx="558720" cy="516600"/>
+          </a:xfrm>
+          <a:prstGeom prst="rect">
+            <a:avLst/>
+          </a:prstGeom>
+          <a:noFill/>
+          <a:ln>
+            <a:noFill/>
+          </a:ln>
+        </p:spPr>
+        <p:style>
+          <a:lnRef idx="0">
+            <a:scrgbClr r="0" g="0" b="0"/>
+          </a:lnRef>
+          <a:fillRef idx="0">
+            <a:scrgbClr r="0" g="0" b="0"/>
+          </a:fillRef>
+          <a:effectRef idx="0">
+            <a:scrgbClr r="0" g="0" b="0"/>
+          </a:effectRef>
+          <a:fontRef idx="minor"/>
+        </p:style>
+        <p:txBody>
+          <a:bodyPr lIns="90000" tIns="45000" rIns="90000" bIns="45000"/>
+          <a:lstStyle/>
+          <a:p>
+            <a:pPr>
+              <a:lnSpc>
+                <a:spcPct val="100000"/>
+              </a:lnSpc>
+            </a:pPr>
+            <a:r>
+              <a:rPr lang="en-US" sz="2800" b="1" strike="noStrike" spc="-1">
+                <a:solidFill>
+                  <a:srgbClr val="FFFFFF"/>
+                </a:solidFill>
+                <a:uFill>
+                  <a:solidFill>
+                    <a:srgbClr val="FFFFFF"/>
+                  </a:solidFill>
+                </a:uFill>
+                <a:latin typeface="Calibri"/>
+                <a:ea typeface="DejaVu Sans"/>
+              </a:rPr>
+              <a:t>04</a:t>
+            </a:r>
+            <a:endParaRPr lang="en-US" sz="1800" b="0" strike="noStrike" spc="-1">
+              <a:solidFill>
+                <a:srgbClr val="000000"/>
+              </a:solidFill>
+              <a:uFill>
+                <a:solidFill>
+                  <a:srgbClr val="FFFFFF"/>
+                </a:solidFill>
+              </a:uFill>
+              <a:latin typeface="Arial"/>
+            </a:endParaRPr>
+          </a:p>
+        </p:txBody>
+      </p:sp>
+      <p:sp>
+        <p:nvSpPr>
+          <p:cNvPr id="137" name="CustomShape 3"/>
+          <p:cNvSpPr/>
+          <p:nvPr/>
+        </p:nvSpPr>
+        <p:spPr>
+          <a:xfrm>
+            <a:off x="1254960" y="1628640"/>
+            <a:ext cx="5325840" cy="515520"/>
+          </a:xfrm>
+          <a:prstGeom prst="rect">
+            <a:avLst/>
+          </a:prstGeom>
+          <a:noFill/>
+          <a:ln>
+            <a:noFill/>
+          </a:ln>
+        </p:spPr>
+        <p:style>
+          <a:lnRef idx="0">
+            <a:scrgbClr r="0" g="0" b="0"/>
+          </a:lnRef>
+          <a:fillRef idx="0">
+            <a:scrgbClr r="0" g="0" b="0"/>
+          </a:fillRef>
+          <a:effectRef idx="0">
+            <a:scrgbClr r="0" g="0" b="0"/>
+          </a:effectRef>
+          <a:fontRef idx="minor"/>
+        </p:style>
+        <p:txBody>
+          <a:bodyPr lIns="90000" tIns="45000" rIns="90000" bIns="45000"/>
+          <a:lstStyle/>
+          <a:p>
+            <a:pPr marL="285840" indent="-285120">
+              <a:lnSpc>
+                <a:spcPct val="125000"/>
+              </a:lnSpc>
+              <a:buClr>
+                <a:srgbClr val="000000"/>
+              </a:buClr>
+              <a:buFont typeface="Wingdings" charset="2"/>
+              <a:buChar char=""/>
+            </a:pPr>
+            <a:r>
+              <a:rPr lang="en-US" sz="2400" b="0" strike="noStrike" spc="-1">
+                <a:solidFill>
+                  <a:srgbClr val="000000"/>
+                </a:solidFill>
+                <a:uFill>
+                  <a:solidFill>
+                    <a:srgbClr val="FFFFFF"/>
+                  </a:solidFill>
+                </a:uFill>
+                <a:latin typeface="Times New Roman"/>
+                <a:ea typeface="DejaVu Sans"/>
+              </a:rPr>
+              <a:t>Intima-Media Boundary Segmentation</a:t>
+            </a:r>
+            <a:endParaRPr lang="en-US" sz="1800" b="0" strike="noStrike" spc="-1">
+              <a:solidFill>
+                <a:srgbClr val="000000"/>
+              </a:solidFill>
+              <a:uFill>
+                <a:solidFill>
+                  <a:srgbClr val="FFFFFF"/>
+                </a:solidFill>
+              </a:uFill>
+              <a:latin typeface="Arial"/>
+            </a:endParaRPr>
+          </a:p>
+          <a:p>
+            <a:pPr>
+              <a:lnSpc>
+                <a:spcPct val="125000"/>
+              </a:lnSpc>
+            </a:pPr>
+            <a:endParaRPr lang="en-US" sz="1800" b="0" strike="noStrike" spc="-1">
+              <a:solidFill>
+                <a:srgbClr val="000000"/>
+              </a:solidFill>
+              <a:uFill>
+                <a:solidFill>
+                  <a:srgbClr val="FFFFFF"/>
+                </a:solidFill>
+              </a:uFill>
+              <a:latin typeface="Arial"/>
+            </a:endParaRPr>
+          </a:p>
+        </p:txBody>
+      </p:sp>
+      <p:pic>
+        <p:nvPicPr>
+          <p:cNvPr id="138" name="图片 1"/>
+          <p:cNvPicPr/>
+          <p:nvPr/>
+        </p:nvPicPr>
+        <p:blipFill>
+          <a:blip r:embed="rId3"/>
+          <a:stretch/>
+        </p:blipFill>
+        <p:spPr>
+          <a:xfrm>
+            <a:off x="773280" y="2232720"/>
+            <a:ext cx="7642800" cy="3568680"/>
+          </a:xfrm>
+          <a:prstGeom prst="rect">
+            <a:avLst/>
+          </a:prstGeom>
+          <a:ln>
+            <a:noFill/>
+          </a:ln>
+        </p:spPr>
+      </p:pic>
+      <p:sp>
+        <p:nvSpPr>
+          <p:cNvPr id="139" name="CustomShape 4"/>
+          <p:cNvSpPr/>
+          <p:nvPr/>
+        </p:nvSpPr>
+        <p:spPr>
+          <a:xfrm>
+            <a:off x="600120" y="5900760"/>
+            <a:ext cx="7988760" cy="593280"/>
+          </a:xfrm>
+          <a:prstGeom prst="rect">
+            <a:avLst/>
+          </a:prstGeom>
+          <a:noFill/>
+          <a:ln>
+            <a:noFill/>
+          </a:ln>
+        </p:spPr>
+        <p:style>
+          <a:lnRef idx="0">
+            <a:scrgbClr r="0" g="0" b="0"/>
+          </a:lnRef>
+          <a:fillRef idx="0">
+            <a:scrgbClr r="0" g="0" b="0"/>
+          </a:fillRef>
+          <a:effectRef idx="0">
+            <a:scrgbClr r="0" g="0" b="0"/>
+          </a:effectRef>
+          <a:fontRef idx="minor"/>
+        </p:style>
+        <p:txBody>
+          <a:bodyPr lIns="90000" tIns="45000" rIns="90000" bIns="45000"/>
+          <a:lstStyle/>
+          <a:p>
+            <a:pPr>
+              <a:lnSpc>
+                <a:spcPct val="100000"/>
+              </a:lnSpc>
+            </a:pPr>
+            <a:r>
+              <a:rPr lang="en-US" sz="1800" b="0" strike="noStrike" spc="-1">
+                <a:solidFill>
+                  <a:srgbClr val="000000"/>
+                </a:solidFill>
+                <a:uFill>
+                  <a:solidFill>
+                    <a:srgbClr val="FFFFFF"/>
+                  </a:solidFill>
+                </a:uFill>
+                <a:latin typeface="Arial"/>
+                <a:ea typeface="DejaVu Sans"/>
+              </a:rPr>
+              <a:t>Box plots of segmentation error for (a) the lumen-intima interface and (b) the media-adventitia interface.</a:t>
+            </a:r>
             <a:endParaRPr lang="en-US" sz="1800" b="0" strike="noStrike" spc="-1">
               <a:solidFill>
                 <a:srgbClr val="000000"/>
@@ -15063,6 +15750,402 @@
         <p14:creationId xmlns:p14="http://schemas.microsoft.com/office/powerpoint/2010/main" val="3809864120"/>
       </p:ext>
     </p:extLst>
+  </p:cSld>
+  <p:clrMapOvr>
+    <a:masterClrMapping/>
+  </p:clrMapOvr>
+  <p:timing>
+    <p:tnLst>
+      <p:par>
+        <p:cTn id="1" dur="indefinite" restart="never" nodeType="tmRoot">
+          <p:childTnLst>
+            <p:seq>
+              <p:cTn id="2" nodeType="mainSeq"/>
+              <p:prevCondLst>
+                <p:cond evt="onPrev" delay="0">
+                  <p:tgtEl>
+                    <p:sldTgt/>
+                  </p:tgtEl>
+                </p:cond>
+              </p:prevCondLst>
+              <p:nextCondLst>
+                <p:cond evt="onNext" delay="0">
+                  <p:tgtEl>
+                    <p:sldTgt/>
+                  </p:tgtEl>
+                </p:cond>
+              </p:nextCondLst>
+            </p:seq>
+          </p:childTnLst>
+        </p:cTn>
+      </p:par>
+    </p:tnLst>
+  </p:timing>
+</p:sld>
+</file>
+
+<file path=ppt/slides/slide40.xml><?xml version="1.0" encoding="utf-8"?>
+<p:sld xmlns:a="http://schemas.openxmlformats.org/drawingml/2006/main" xmlns:r="http://schemas.openxmlformats.org/officeDocument/2006/relationships" xmlns:p="http://schemas.openxmlformats.org/presentationml/2006/main">
+  <p:cSld>
+    <p:spTree>
+      <p:nvGrpSpPr>
+        <p:cNvPr id="1" name=""/>
+        <p:cNvGrpSpPr/>
+        <p:nvPr/>
+      </p:nvGrpSpPr>
+      <p:grpSpPr>
+        <a:xfrm>
+          <a:off x="0" y="0"/>
+          <a:ext cx="0" cy="0"/>
+          <a:chOff x="0" y="0"/>
+          <a:chExt cx="0" cy="0"/>
+        </a:xfrm>
+      </p:grpSpPr>
+      <p:sp>
+        <p:nvSpPr>
+          <p:cNvPr id="140" name="CustomShape 1"/>
+          <p:cNvSpPr/>
+          <p:nvPr/>
+        </p:nvSpPr>
+        <p:spPr>
+          <a:xfrm>
+            <a:off x="1392120" y="1023480"/>
+            <a:ext cx="7111440" cy="864360"/>
+          </a:xfrm>
+          <a:prstGeom prst="rect">
+            <a:avLst/>
+          </a:prstGeom>
+          <a:noFill/>
+          <a:ln>
+            <a:noFill/>
+          </a:ln>
+        </p:spPr>
+        <p:style>
+          <a:lnRef idx="0">
+            <a:scrgbClr r="0" g="0" b="0"/>
+          </a:lnRef>
+          <a:fillRef idx="0">
+            <a:scrgbClr r="0" g="0" b="0"/>
+          </a:fillRef>
+          <a:effectRef idx="0">
+            <a:scrgbClr r="0" g="0" b="0"/>
+          </a:effectRef>
+          <a:fontRef idx="minor"/>
+        </p:style>
+        <p:txBody>
+          <a:bodyPr lIns="90000" tIns="45000" rIns="90000" bIns="45000"/>
+          <a:lstStyle/>
+          <a:p>
+            <a:pPr>
+              <a:lnSpc>
+                <a:spcPct val="100000"/>
+              </a:lnSpc>
+            </a:pPr>
+            <a:r>
+              <a:rPr lang="en-US" sz="3200" b="0" strike="noStrike" spc="-1" dirty="0" smtClean="0">
+                <a:solidFill>
+                  <a:srgbClr val="C0504D"/>
+                </a:solidFill>
+                <a:uFill>
+                  <a:solidFill>
+                    <a:srgbClr val="FFFFFF"/>
+                  </a:solidFill>
+                </a:uFill>
+                <a:latin typeface="Calibri"/>
+                <a:ea typeface="DejaVu Sans"/>
+              </a:rPr>
+              <a:t>Open issues</a:t>
+            </a:r>
+            <a:endParaRPr lang="en-US" sz="1800" b="0" strike="noStrike" spc="-1" dirty="0">
+              <a:solidFill>
+                <a:srgbClr val="000000"/>
+              </a:solidFill>
+              <a:uFill>
+                <a:solidFill>
+                  <a:srgbClr val="FFFFFF"/>
+                </a:solidFill>
+              </a:uFill>
+              <a:latin typeface="Arial"/>
+            </a:endParaRPr>
+          </a:p>
+        </p:txBody>
+      </p:sp>
+      <p:sp>
+        <p:nvSpPr>
+          <p:cNvPr id="141" name="CustomShape 2"/>
+          <p:cNvSpPr/>
+          <p:nvPr/>
+        </p:nvSpPr>
+        <p:spPr>
+          <a:xfrm>
+            <a:off x="695880" y="1023480"/>
+            <a:ext cx="558720" cy="516600"/>
+          </a:xfrm>
+          <a:prstGeom prst="rect">
+            <a:avLst/>
+          </a:prstGeom>
+          <a:noFill/>
+          <a:ln>
+            <a:noFill/>
+          </a:ln>
+        </p:spPr>
+        <p:style>
+          <a:lnRef idx="0">
+            <a:scrgbClr r="0" g="0" b="0"/>
+          </a:lnRef>
+          <a:fillRef idx="0">
+            <a:scrgbClr r="0" g="0" b="0"/>
+          </a:fillRef>
+          <a:effectRef idx="0">
+            <a:scrgbClr r="0" g="0" b="0"/>
+          </a:effectRef>
+          <a:fontRef idx="minor"/>
+        </p:style>
+        <p:txBody>
+          <a:bodyPr lIns="90000" tIns="45000" rIns="90000" bIns="45000"/>
+          <a:lstStyle/>
+          <a:p>
+            <a:pPr>
+              <a:lnSpc>
+                <a:spcPct val="100000"/>
+              </a:lnSpc>
+            </a:pPr>
+            <a:r>
+              <a:rPr lang="en-US" sz="2800" b="1" strike="noStrike" spc="-1">
+                <a:solidFill>
+                  <a:srgbClr val="FFFFFF"/>
+                </a:solidFill>
+                <a:uFill>
+                  <a:solidFill>
+                    <a:srgbClr val="FFFFFF"/>
+                  </a:solidFill>
+                </a:uFill>
+                <a:latin typeface="Calibri"/>
+                <a:ea typeface="DejaVu Sans"/>
+              </a:rPr>
+              <a:t>04</a:t>
+            </a:r>
+            <a:endParaRPr lang="en-US" sz="1800" b="0" strike="noStrike" spc="-1">
+              <a:solidFill>
+                <a:srgbClr val="000000"/>
+              </a:solidFill>
+              <a:uFill>
+                <a:solidFill>
+                  <a:srgbClr val="FFFFFF"/>
+                </a:solidFill>
+              </a:uFill>
+              <a:latin typeface="Arial"/>
+            </a:endParaRPr>
+          </a:p>
+        </p:txBody>
+      </p:sp>
+      <p:sp>
+        <p:nvSpPr>
+          <p:cNvPr id="142" name="CustomShape 3"/>
+          <p:cNvSpPr/>
+          <p:nvPr/>
+        </p:nvSpPr>
+        <p:spPr>
+          <a:xfrm>
+            <a:off x="695880" y="2701080"/>
+            <a:ext cx="8546400" cy="2916000"/>
+          </a:xfrm>
+          <a:prstGeom prst="rect">
+            <a:avLst/>
+          </a:prstGeom>
+          <a:noFill/>
+          <a:ln>
+            <a:noFill/>
+          </a:ln>
+        </p:spPr>
+        <p:style>
+          <a:lnRef idx="0">
+            <a:scrgbClr r="0" g="0" b="0"/>
+          </a:lnRef>
+          <a:fillRef idx="0">
+            <a:scrgbClr r="0" g="0" b="0"/>
+          </a:fillRef>
+          <a:effectRef idx="0">
+            <a:scrgbClr r="0" g="0" b="0"/>
+          </a:effectRef>
+          <a:fontRef idx="minor"/>
+        </p:style>
+        <p:txBody>
+          <a:bodyPr lIns="90000" tIns="45000" rIns="90000" bIns="45000"/>
+          <a:lstStyle/>
+          <a:p>
+            <a:pPr marL="285840" indent="-285120">
+              <a:lnSpc>
+                <a:spcPct val="125000"/>
+              </a:lnSpc>
+              <a:buClr>
+                <a:srgbClr val="000000"/>
+              </a:buClr>
+              <a:buFont typeface="Wingdings" charset="2"/>
+              <a:buChar char=""/>
+            </a:pPr>
+            <a:r>
+              <a:rPr lang="en-US" sz="2800" b="0" strike="noStrike" spc="-1">
+                <a:solidFill>
+                  <a:srgbClr val="000000"/>
+                </a:solidFill>
+                <a:uFill>
+                  <a:solidFill>
+                    <a:srgbClr val="FFFFFF"/>
+                  </a:solidFill>
+                </a:uFill>
+                <a:latin typeface="Times New Roman"/>
+                <a:ea typeface="DejaVu Sans"/>
+              </a:rPr>
+              <a:t>Low resolution and blur images are still a challenge</a:t>
+            </a:r>
+            <a:endParaRPr lang="en-US" sz="1800" b="0" strike="noStrike" spc="-1">
+              <a:solidFill>
+                <a:srgbClr val="000000"/>
+              </a:solidFill>
+              <a:uFill>
+                <a:solidFill>
+                  <a:srgbClr val="FFFFFF"/>
+                </a:solidFill>
+              </a:uFill>
+              <a:latin typeface="Arial"/>
+            </a:endParaRPr>
+          </a:p>
+          <a:p>
+            <a:pPr marL="285840" indent="-285120">
+              <a:lnSpc>
+                <a:spcPct val="125000"/>
+              </a:lnSpc>
+              <a:buClr>
+                <a:srgbClr val="000000"/>
+              </a:buClr>
+              <a:buFont typeface="Wingdings" charset="2"/>
+              <a:buChar char=""/>
+            </a:pPr>
+            <a:r>
+              <a:rPr lang="en-US" sz="2800" b="0" strike="noStrike" spc="-1">
+                <a:solidFill>
+                  <a:srgbClr val="000000"/>
+                </a:solidFill>
+                <a:uFill>
+                  <a:solidFill>
+                    <a:srgbClr val="FFFFFF"/>
+                  </a:solidFill>
+                </a:uFill>
+                <a:latin typeface="Times New Roman"/>
+                <a:ea typeface="DejaVu Sans"/>
+              </a:rPr>
+              <a:t>Recognize classes not in the training set </a:t>
+            </a:r>
+            <a:endParaRPr lang="en-US" sz="1800" b="0" strike="noStrike" spc="-1">
+              <a:solidFill>
+                <a:srgbClr val="000000"/>
+              </a:solidFill>
+              <a:uFill>
+                <a:solidFill>
+                  <a:srgbClr val="FFFFFF"/>
+                </a:solidFill>
+              </a:uFill>
+              <a:latin typeface="Arial"/>
+            </a:endParaRPr>
+          </a:p>
+          <a:p>
+            <a:pPr marL="285840" indent="-285120">
+              <a:lnSpc>
+                <a:spcPct val="125000"/>
+              </a:lnSpc>
+              <a:buClr>
+                <a:srgbClr val="000000"/>
+              </a:buClr>
+              <a:buFont typeface="Wingdings" charset="2"/>
+              <a:buChar char=""/>
+            </a:pPr>
+            <a:r>
+              <a:rPr lang="en-US" sz="2800" b="0" strike="noStrike" spc="-1">
+                <a:solidFill>
+                  <a:srgbClr val="000000"/>
+                </a:solidFill>
+                <a:uFill>
+                  <a:solidFill>
+                    <a:srgbClr val="FFFFFF"/>
+                  </a:solidFill>
+                </a:uFill>
+                <a:latin typeface="Times New Roman"/>
+                <a:ea typeface="DejaVu Sans"/>
+              </a:rPr>
+              <a:t>Need a large amount of labeled training data</a:t>
+            </a:r>
+            <a:endParaRPr lang="en-US" sz="1800" b="0" strike="noStrike" spc="-1">
+              <a:solidFill>
+                <a:srgbClr val="000000"/>
+              </a:solidFill>
+              <a:uFill>
+                <a:solidFill>
+                  <a:srgbClr val="FFFFFF"/>
+                </a:solidFill>
+              </a:uFill>
+              <a:latin typeface="Arial"/>
+            </a:endParaRPr>
+          </a:p>
+          <a:p>
+            <a:pPr marL="285840" indent="-285120">
+              <a:lnSpc>
+                <a:spcPct val="125000"/>
+              </a:lnSpc>
+              <a:buClr>
+                <a:srgbClr val="000000"/>
+              </a:buClr>
+              <a:buFont typeface="Wingdings" charset="2"/>
+              <a:buChar char=""/>
+            </a:pPr>
+            <a:r>
+              <a:rPr lang="en-US" sz="2800" b="0" strike="noStrike" spc="-1">
+                <a:solidFill>
+                  <a:srgbClr val="000000"/>
+                </a:solidFill>
+                <a:uFill>
+                  <a:solidFill>
+                    <a:srgbClr val="FFFFFF"/>
+                  </a:solidFill>
+                </a:uFill>
+                <a:latin typeface="Times New Roman"/>
+                <a:ea typeface="DejaVu Sans"/>
+              </a:rPr>
+              <a:t>Need much extensive computational and memory resources</a:t>
+            </a:r>
+            <a:endParaRPr lang="en-US" sz="1800" b="0" strike="noStrike" spc="-1">
+              <a:solidFill>
+                <a:srgbClr val="000000"/>
+              </a:solidFill>
+              <a:uFill>
+                <a:solidFill>
+                  <a:srgbClr val="FFFFFF"/>
+                </a:solidFill>
+              </a:uFill>
+              <a:latin typeface="Arial"/>
+            </a:endParaRPr>
+          </a:p>
+          <a:p>
+            <a:pPr>
+              <a:lnSpc>
+                <a:spcPct val="125000"/>
+              </a:lnSpc>
+            </a:pPr>
+            <a:endParaRPr lang="en-US" sz="1800" b="0" strike="noStrike" spc="-1">
+              <a:solidFill>
+                <a:srgbClr val="000000"/>
+              </a:solidFill>
+              <a:uFill>
+                <a:solidFill>
+                  <a:srgbClr val="FFFFFF"/>
+                </a:solidFill>
+              </a:uFill>
+              <a:latin typeface="Arial"/>
+            </a:endParaRPr>
+          </a:p>
+        </p:txBody>
+      </p:sp>
+    </p:spTree>
   </p:cSld>
   <p:clrMapOvr>
     <a:masterClrMapping/>
@@ -16141,7 +17224,7 @@
           <a:graphicData uri="http://schemas.openxmlformats.org/presentationml/2006/ole">
             <mc:AlternateContent xmlns:mc="http://schemas.openxmlformats.org/markup-compatibility/2006">
               <mc:Choice xmlns:v="urn:schemas-microsoft-com:vml" Requires="v">
-                <p:oleObj spid="_x0000_s1036" name="公式" r:id="rId4" imgW="126720" imgH="215640" progId="Equation.3">
+                <p:oleObj spid="_x0000_s1038" name="公式" r:id="rId4" imgW="126720" imgH="215640" progId="Equation.3">
                   <p:embed/>
                 </p:oleObj>
               </mc:Choice>

--- a/presentation.pptx
+++ b/presentation.pptx
@@ -7113,6 +7113,55 @@
           </a:ln>
         </p:spPr>
       </p:pic>
+      <p:sp>
+        <p:nvSpPr>
+          <p:cNvPr id="2" name="矩形 1"/>
+          <p:cNvSpPr/>
+          <p:nvPr/>
+        </p:nvSpPr>
+        <p:spPr>
+          <a:xfrm>
+            <a:off x="0" y="5934670"/>
+            <a:ext cx="9144000" cy="923330"/>
+          </a:xfrm>
+          <a:prstGeom prst="rect">
+            <a:avLst/>
+          </a:prstGeom>
+        </p:spPr>
+        <p:txBody>
+          <a:bodyPr wrap="square">
+            <a:spAutoFit/>
+          </a:bodyPr>
+          <a:lstStyle/>
+          <a:p>
+            <a:r>
+              <a:rPr lang="en-US" altLang="zh-CN" dirty="0" err="1"/>
+              <a:t>Zeiler</a:t>
+            </a:r>
+            <a:r>
+              <a:rPr lang="en-US" altLang="zh-CN" dirty="0"/>
+              <a:t>, Matthew D., Graham W. Taylor, and Rob Fergus. "Adaptive </a:t>
+            </a:r>
+            <a:r>
+              <a:rPr lang="en-US" altLang="zh-CN" dirty="0" err="1"/>
+              <a:t>deconvolutional</a:t>
+            </a:r>
+            <a:r>
+              <a:rPr lang="en-US" altLang="zh-CN" dirty="0"/>
+              <a:t> networks for mid and high level feature learning." </a:t>
+            </a:r>
+            <a:r>
+              <a:rPr lang="en-US" altLang="zh-CN" i="1" dirty="0"/>
+              <a:t>international conference on computer vision</a:t>
+            </a:r>
+            <a:r>
+              <a:rPr lang="en-US" altLang="zh-CN" dirty="0"/>
+              <a:t> (2011): 2018-2025.</a:t>
+            </a:r>
+            <a:endParaRPr lang="zh-CN" altLang="en-US" dirty="0"/>
+          </a:p>
+        </p:txBody>
+      </p:sp>
     </p:spTree>
     <p:extLst>
       <p:ext uri="{BB962C8B-B14F-4D97-AF65-F5344CB8AC3E}">
@@ -7269,6 +7318,51 @@
           </a:prstGeom>
         </p:spPr>
       </p:pic>
+      <p:sp>
+        <p:nvSpPr>
+          <p:cNvPr id="4" name="矩形 3"/>
+          <p:cNvSpPr/>
+          <p:nvPr/>
+        </p:nvSpPr>
+        <p:spPr>
+          <a:xfrm>
+            <a:off x="0" y="6182733"/>
+            <a:ext cx="9144000" cy="646331"/>
+          </a:xfrm>
+          <a:prstGeom prst="rect">
+            <a:avLst/>
+          </a:prstGeom>
+        </p:spPr>
+        <p:txBody>
+          <a:bodyPr wrap="square">
+            <a:spAutoFit/>
+          </a:bodyPr>
+          <a:lstStyle/>
+          <a:p>
+            <a:r>
+              <a:rPr lang="en-US" altLang="zh-CN" dirty="0" err="1"/>
+              <a:t>Zeiler</a:t>
+            </a:r>
+            <a:r>
+              <a:rPr lang="en-US" altLang="zh-CN" dirty="0"/>
+              <a:t>, Matthew D., and Rob Fergus. "Visualizing and Understanding Convolutional Networks." </a:t>
+            </a:r>
+            <a:r>
+              <a:rPr lang="en-US" altLang="zh-CN" i="1" dirty="0" err="1"/>
+              <a:t>european</a:t>
+            </a:r>
+            <a:r>
+              <a:rPr lang="en-US" altLang="zh-CN" i="1" dirty="0"/>
+              <a:t> conference on computer vision</a:t>
+            </a:r>
+            <a:r>
+              <a:rPr lang="en-US" altLang="zh-CN" dirty="0"/>
+              <a:t> (2013): 818-833.</a:t>
+            </a:r>
+            <a:endParaRPr lang="zh-CN" altLang="en-US" dirty="0"/>
+          </a:p>
+        </p:txBody>
+      </p:sp>
     </p:spTree>
     <p:extLst>
       <p:ext uri="{BB962C8B-B14F-4D97-AF65-F5344CB8AC3E}">
@@ -7424,6 +7518,51 @@
           </a:prstGeom>
         </p:spPr>
       </p:pic>
+      <p:sp>
+        <p:nvSpPr>
+          <p:cNvPr id="3" name="矩形 2"/>
+          <p:cNvSpPr/>
+          <p:nvPr/>
+        </p:nvSpPr>
+        <p:spPr>
+          <a:xfrm>
+            <a:off x="0" y="6069989"/>
+            <a:ext cx="9006868" cy="646331"/>
+          </a:xfrm>
+          <a:prstGeom prst="rect">
+            <a:avLst/>
+          </a:prstGeom>
+        </p:spPr>
+        <p:txBody>
+          <a:bodyPr wrap="square">
+            <a:spAutoFit/>
+          </a:bodyPr>
+          <a:lstStyle/>
+          <a:p>
+            <a:r>
+              <a:rPr lang="en-US" altLang="zh-CN" dirty="0" err="1"/>
+              <a:t>Zeiler</a:t>
+            </a:r>
+            <a:r>
+              <a:rPr lang="en-US" altLang="zh-CN" dirty="0"/>
+              <a:t>, Matthew D., and Rob Fergus. "Visualizing and Understanding Convolutional Networks." </a:t>
+            </a:r>
+            <a:r>
+              <a:rPr lang="en-US" altLang="zh-CN" i="1" dirty="0" err="1"/>
+              <a:t>european</a:t>
+            </a:r>
+            <a:r>
+              <a:rPr lang="en-US" altLang="zh-CN" i="1" dirty="0"/>
+              <a:t> conference on computer vision</a:t>
+            </a:r>
+            <a:r>
+              <a:rPr lang="en-US" altLang="zh-CN" dirty="0"/>
+              <a:t> (2013): 818-833.</a:t>
+            </a:r>
+            <a:endParaRPr lang="zh-CN" altLang="en-US" dirty="0"/>
+          </a:p>
+        </p:txBody>
+      </p:sp>
     </p:spTree>
     <p:extLst>
       <p:ext uri="{BB962C8B-B14F-4D97-AF65-F5344CB8AC3E}">
@@ -7562,7 +7701,7 @@
         </p:blipFill>
         <p:spPr>
           <a:xfrm>
-            <a:off x="141317" y="2555858"/>
+            <a:off x="250920" y="2710603"/>
             <a:ext cx="8777880" cy="2376000"/>
           </a:xfrm>
           <a:prstGeom prst="rect">
@@ -7573,6 +7712,34 @@
           </a:ln>
         </p:spPr>
       </p:pic>
+      <p:sp>
+        <p:nvSpPr>
+          <p:cNvPr id="2" name="矩形 1"/>
+          <p:cNvSpPr/>
+          <p:nvPr/>
+        </p:nvSpPr>
+        <p:spPr>
+          <a:xfrm>
+            <a:off x="67860" y="6092541"/>
+            <a:ext cx="9144000" cy="646331"/>
+          </a:xfrm>
+          <a:prstGeom prst="rect">
+            <a:avLst/>
+          </a:prstGeom>
+        </p:spPr>
+        <p:txBody>
+          <a:bodyPr wrap="square">
+            <a:spAutoFit/>
+          </a:bodyPr>
+          <a:lstStyle/>
+          <a:p>
+            <a:r>
+              <a:rPr lang="zh-CN" altLang="en-US" dirty="0"/>
+              <a:t> Lin, Min, Qiang Chen, and Shuicheng Yan. "Network In Network." international conference on learning representations (2014).</a:t>
+            </a:r>
+          </a:p>
+        </p:txBody>
+      </p:sp>
     </p:spTree>
     <p:extLst>
       <p:ext uri="{BB962C8B-B14F-4D97-AF65-F5344CB8AC3E}">
@@ -7824,6 +7991,34 @@
           </a:p>
         </p:txBody>
       </p:sp>
+      <p:sp>
+        <p:nvSpPr>
+          <p:cNvPr id="4" name="矩形 3"/>
+          <p:cNvSpPr/>
+          <p:nvPr/>
+        </p:nvSpPr>
+        <p:spPr>
+          <a:xfrm>
+            <a:off x="284691" y="6211669"/>
+            <a:ext cx="8848577" cy="646331"/>
+          </a:xfrm>
+          <a:prstGeom prst="rect">
+            <a:avLst/>
+          </a:prstGeom>
+        </p:spPr>
+        <p:txBody>
+          <a:bodyPr wrap="square">
+            <a:spAutoFit/>
+          </a:bodyPr>
+          <a:lstStyle/>
+          <a:p>
+            <a:r>
+              <a:rPr lang="zh-CN" altLang="en-US" dirty="0"/>
+              <a:t> Lin, Min, Qiang Chen, and Shuicheng Yan. "Network In Network." international conference on learning representations (2014).</a:t>
+            </a:r>
+          </a:p>
+        </p:txBody>
+      </p:sp>
     </p:spTree>
     <p:extLst>
       <p:ext uri="{BB962C8B-B14F-4D97-AF65-F5344CB8AC3E}">
@@ -7950,8 +8145,8 @@
           </a:p>
         </p:txBody>
       </p:sp>
-      <mc:AlternateContent xmlns:mc="http://schemas.openxmlformats.org/markup-compatibility/2006">
-        <mc:Choice xmlns:a14="http://schemas.microsoft.com/office/drawing/2010/main" Requires="a14">
+      <mc:AlternateContent xmlns:mc="http://schemas.openxmlformats.org/markup-compatibility/2006" xmlns:a14="http://schemas.microsoft.com/office/drawing/2010/main">
+        <mc:Choice Requires="a14">
           <p:sp>
             <p:nvSpPr>
               <p:cNvPr id="2" name="文本框 1"/>
@@ -8036,7 +8231,7 @@
             </p:txBody>
           </p:sp>
         </mc:Choice>
-        <mc:Fallback>
+        <mc:Fallback xmlns="">
           <p:sp>
             <p:nvSpPr>
               <p:cNvPr id="2" name="文本框 1"/>
@@ -8246,6 +8441,34 @@
           </a:ln>
         </p:spPr>
       </p:pic>
+      <p:sp>
+        <p:nvSpPr>
+          <p:cNvPr id="2" name="矩形 1"/>
+          <p:cNvSpPr/>
+          <p:nvPr/>
+        </p:nvSpPr>
+        <p:spPr>
+          <a:xfrm>
+            <a:off x="0" y="6211669"/>
+            <a:ext cx="9144000" cy="646331"/>
+          </a:xfrm>
+          <a:prstGeom prst="rect">
+            <a:avLst/>
+          </a:prstGeom>
+        </p:spPr>
+        <p:txBody>
+          <a:bodyPr wrap="square">
+            <a:spAutoFit/>
+          </a:bodyPr>
+          <a:lstStyle/>
+          <a:p>
+            <a:r>
+              <a:rPr lang="zh-CN" altLang="en-US" dirty="0"/>
+              <a:t>Googlenet :Szegedy, Christian, et al. "Going deeper with convolutions." computer vision and pattern recognition (2015): 1-9.</a:t>
+            </a:r>
+          </a:p>
+        </p:txBody>
+      </p:sp>
     </p:spTree>
     <p:extLst>
       <p:ext uri="{BB962C8B-B14F-4D97-AF65-F5344CB8AC3E}">
@@ -8667,6 +8890,42 @@
           </a:prstGeom>
         </p:spPr>
       </p:pic>
+      <p:sp>
+        <p:nvSpPr>
+          <p:cNvPr id="3" name="矩形 2"/>
+          <p:cNvSpPr/>
+          <p:nvPr/>
+        </p:nvSpPr>
+        <p:spPr>
+          <a:xfrm>
+            <a:off x="1" y="6269329"/>
+            <a:ext cx="9284676" cy="646331"/>
+          </a:xfrm>
+          <a:prstGeom prst="rect">
+            <a:avLst/>
+          </a:prstGeom>
+        </p:spPr>
+        <p:txBody>
+          <a:bodyPr wrap="square">
+            <a:spAutoFit/>
+          </a:bodyPr>
+          <a:lstStyle/>
+          <a:p>
+            <a:r>
+              <a:rPr lang="zh-CN" altLang="en-US" dirty="0"/>
+              <a:t>Krizhevsky, A., Sutskever, I., &amp; Hinton, G. E. (2012). ImageNet Classification with Deep Convolutional Neural </a:t>
+            </a:r>
+            <a:r>
+              <a:rPr lang="zh-CN" altLang="en-US" dirty="0" smtClean="0"/>
+              <a:t> Networks</a:t>
+            </a:r>
+            <a:r>
+              <a:rPr lang="zh-CN" altLang="en-US" dirty="0"/>
+              <a:t>. neural information processing systems.</a:t>
+            </a:r>
+          </a:p>
+        </p:txBody>
+      </p:sp>
     </p:spTree>
     <p:extLst>
       <p:ext uri="{BB962C8B-B14F-4D97-AF65-F5344CB8AC3E}">
@@ -9347,6 +9606,47 @@
           </a:prstGeom>
         </p:spPr>
       </p:pic>
+      <p:sp>
+        <p:nvSpPr>
+          <p:cNvPr id="2" name="矩形 1"/>
+          <p:cNvSpPr/>
+          <p:nvPr/>
+        </p:nvSpPr>
+        <p:spPr>
+          <a:xfrm>
+            <a:off x="0" y="5934670"/>
+            <a:ext cx="9143999" cy="923330"/>
+          </a:xfrm>
+          <a:prstGeom prst="rect">
+            <a:avLst/>
+          </a:prstGeom>
+        </p:spPr>
+        <p:txBody>
+          <a:bodyPr wrap="square">
+            <a:spAutoFit/>
+          </a:bodyPr>
+          <a:lstStyle/>
+          <a:p>
+            <a:r>
+              <a:rPr lang="en-US" altLang="zh-CN" dirty="0" err="1"/>
+              <a:t>Simonyan</a:t>
+            </a:r>
+            <a:r>
+              <a:rPr lang="en-US" altLang="zh-CN" dirty="0"/>
+              <a:t>, Karen, and Andrew Zisserman. "Very Deep Convolutional Networks for Large-Scale Image Recognition." </a:t>
+            </a:r>
+            <a:r>
+              <a:rPr lang="en-US" altLang="zh-CN" i="1" dirty="0"/>
+              <a:t>international conference on learning representations</a:t>
+            </a:r>
+            <a:r>
+              <a:rPr lang="en-US" altLang="zh-CN" dirty="0"/>
+              <a:t> (2015).</a:t>
+            </a:r>
+            <a:endParaRPr lang="zh-CN" altLang="en-US" dirty="0"/>
+          </a:p>
+        </p:txBody>
+      </p:sp>
     </p:spTree>
     <p:extLst>
       <p:ext uri="{BB962C8B-B14F-4D97-AF65-F5344CB8AC3E}">
@@ -9488,8 +9788,8 @@
           </a:p>
         </p:txBody>
       </p:sp>
-      <mc:AlternateContent xmlns:mc="http://schemas.openxmlformats.org/markup-compatibility/2006">
-        <mc:Choice xmlns:a14="http://schemas.microsoft.com/office/drawing/2010/main" Requires="a14">
+      <mc:AlternateContent xmlns:mc="http://schemas.openxmlformats.org/markup-compatibility/2006" xmlns:a14="http://schemas.microsoft.com/office/drawing/2010/main">
+        <mc:Choice Requires="a14">
           <p:sp>
             <p:nvSpPr>
               <p:cNvPr id="5" name="文本框 4"/>
@@ -9518,11 +9818,7 @@
                 </a:pPr>
                 <a:r>
                   <a:rPr lang="en-US" altLang="zh-CN" sz="2800" dirty="0" smtClean="0"/>
-                  <a:t>All </a:t>
-                </a:r>
-                <a:r>
-                  <a:rPr lang="en-US" altLang="zh-CN" sz="2800" dirty="0" smtClean="0"/>
-                  <a:t>convolution filters are </a:t>
+                  <a:t>All convolution filters are </a:t>
                 </a:r>
                 <a14:m>
                   <m:oMath xmlns:m="http://schemas.openxmlformats.org/officeDocument/2006/math">
@@ -9559,7 +9855,7 @@
             </p:txBody>
           </p:sp>
         </mc:Choice>
-        <mc:Fallback>
+        <mc:Fallback xmlns="">
           <p:sp>
             <p:nvSpPr>
               <p:cNvPr id="5" name="文本框 4"/>
@@ -9747,6 +10043,34 @@
           </a:ln>
         </p:spPr>
       </p:pic>
+      <p:sp>
+        <p:nvSpPr>
+          <p:cNvPr id="2" name="矩形 1"/>
+          <p:cNvSpPr/>
+          <p:nvPr/>
+        </p:nvSpPr>
+        <p:spPr>
+          <a:xfrm>
+            <a:off x="0" y="6211669"/>
+            <a:ext cx="9017391" cy="646331"/>
+          </a:xfrm>
+          <a:prstGeom prst="rect">
+            <a:avLst/>
+          </a:prstGeom>
+        </p:spPr>
+        <p:txBody>
+          <a:bodyPr wrap="square">
+            <a:spAutoFit/>
+          </a:bodyPr>
+          <a:lstStyle/>
+          <a:p>
+            <a:r>
+              <a:rPr lang="zh-CN" altLang="en-US" dirty="0"/>
+              <a:t>He, Kaiming, et al. "Deep Residual Learning for Image Recognition." computer vision and pattern recognition (2016): 770-778.</a:t>
+            </a:r>
+          </a:p>
+        </p:txBody>
+      </p:sp>
     </p:spTree>
   </p:cSld>
   <p:clrMapOvr>
@@ -9898,6 +10222,34 @@
           </a:prstGeom>
         </p:spPr>
       </p:pic>
+      <p:sp>
+        <p:nvSpPr>
+          <p:cNvPr id="4" name="矩形 3"/>
+          <p:cNvSpPr/>
+          <p:nvPr/>
+        </p:nvSpPr>
+        <p:spPr>
+          <a:xfrm>
+            <a:off x="0" y="6211669"/>
+            <a:ext cx="9017391" cy="646331"/>
+          </a:xfrm>
+          <a:prstGeom prst="rect">
+            <a:avLst/>
+          </a:prstGeom>
+        </p:spPr>
+        <p:txBody>
+          <a:bodyPr wrap="square">
+            <a:spAutoFit/>
+          </a:bodyPr>
+          <a:lstStyle/>
+          <a:p>
+            <a:r>
+              <a:rPr lang="zh-CN" altLang="en-US" dirty="0"/>
+              <a:t>He, Kaiming, et al. "Deep Residual Learning for Image Recognition." computer vision and pattern recognition (2016): 770-778.</a:t>
+            </a:r>
+          </a:p>
+        </p:txBody>
+      </p:sp>
     </p:spTree>
     <p:extLst>
       <p:ext uri="{BB962C8B-B14F-4D97-AF65-F5344CB8AC3E}">
@@ -10089,7 +10441,6 @@
               <a:rPr lang="en-US" altLang="zh-CN" sz="2800" dirty="0" smtClean="0"/>
               <a:t>Much deeper</a:t>
             </a:r>
-            <a:endParaRPr lang="en-US" altLang="zh-CN" sz="2800" dirty="0" smtClean="0"/>
           </a:p>
         </p:txBody>
       </p:sp>
@@ -10298,7 +10649,7 @@
               </a:lnSpc>
             </a:pPr>
             <a:r>
-              <a:rPr lang="en-US" sz="1800" b="0" strike="noStrike" spc="-1">
+              <a:rPr lang="en-US" altLang="zh-CN" sz="1800" b="0" strike="noStrike" spc="-1" dirty="0" smtClean="0">
                 <a:solidFill>
                   <a:srgbClr val="000000"/>
                 </a:solidFill>
@@ -10310,9 +10661,9 @@
                 <a:latin typeface="Arial"/>
                 <a:ea typeface="DejaVu Sans"/>
               </a:rPr>
-              <a:t>Figure 6. performance on the Imagenet</a:t>
-            </a:r>
-            <a:endParaRPr lang="en-US" sz="1800" b="0" strike="noStrike" spc="-1">
+              <a:t>Image from blog</a:t>
+            </a:r>
+            <a:endParaRPr lang="en-US" sz="1800" b="0" strike="noStrike" spc="-1" dirty="0">
               <a:solidFill>
                 <a:srgbClr val="000000"/>
               </a:solidFill>
@@ -16801,6 +17152,42 @@
           </a:ln>
         </p:spPr>
       </p:pic>
+      <p:sp>
+        <p:nvSpPr>
+          <p:cNvPr id="2" name="矩形 1"/>
+          <p:cNvSpPr/>
+          <p:nvPr/>
+        </p:nvSpPr>
+        <p:spPr>
+          <a:xfrm>
+            <a:off x="0" y="6098125"/>
+            <a:ext cx="9439062" cy="646331"/>
+          </a:xfrm>
+          <a:prstGeom prst="rect">
+            <a:avLst/>
+          </a:prstGeom>
+        </p:spPr>
+        <p:txBody>
+          <a:bodyPr wrap="square">
+            <a:spAutoFit/>
+          </a:bodyPr>
+          <a:lstStyle/>
+          <a:p>
+            <a:r>
+              <a:rPr lang="zh-CN" altLang="en-US" dirty="0"/>
+              <a:t> Krizhevsky, A., Sutskever, I., &amp; Hinton, G. E. (2012). ImageNet Classification with Deep Convolutional Neural </a:t>
+            </a:r>
+            <a:r>
+              <a:rPr lang="zh-CN" altLang="en-US" dirty="0" smtClean="0"/>
+              <a:t>Networks</a:t>
+            </a:r>
+            <a:r>
+              <a:rPr lang="zh-CN" altLang="en-US" dirty="0"/>
+              <a:t>. neural information processing systems.</a:t>
+            </a:r>
+          </a:p>
+        </p:txBody>
+      </p:sp>
     </p:spTree>
   </p:cSld>
   <p:clrMapOvr>
@@ -17224,7 +17611,7 @@
           <a:graphicData uri="http://schemas.openxmlformats.org/presentationml/2006/ole">
             <mc:AlternateContent xmlns:mc="http://schemas.openxmlformats.org/markup-compatibility/2006">
               <mc:Choice xmlns:v="urn:schemas-microsoft-com:vml" Requires="v">
-                <p:oleObj spid="_x0000_s1038" name="公式" r:id="rId4" imgW="126720" imgH="215640" progId="Equation.3">
+                <p:oleObj spid="_x0000_s1053" name="公式" r:id="rId4" imgW="126720" imgH="215640" progId="Equation.3">
                   <p:embed/>
                 </p:oleObj>
               </mc:Choice>

--- a/presentation.pptx
+++ b/presentation.pptx
@@ -5,7 +5,7 @@
     <p:sldMasterId id="2147483648" r:id="rId1"/>
   </p:sldMasterIdLst>
   <p:notesMasterIdLst>
-    <p:notesMasterId r:id="rId42"/>
+    <p:notesMasterId r:id="rId43"/>
   </p:notesMasterIdLst>
   <p:sldIdLst>
     <p:sldId id="256" r:id="rId2"/>
@@ -26,28 +26,29 @@
     <p:sldId id="305" r:id="rId17"/>
     <p:sldId id="306" r:id="rId18"/>
     <p:sldId id="307" r:id="rId19"/>
-    <p:sldId id="300" r:id="rId20"/>
-    <p:sldId id="302" r:id="rId21"/>
-    <p:sldId id="316" r:id="rId22"/>
-    <p:sldId id="263" r:id="rId23"/>
-    <p:sldId id="308" r:id="rId24"/>
-    <p:sldId id="317" r:id="rId25"/>
-    <p:sldId id="265" r:id="rId26"/>
-    <p:sldId id="309" r:id="rId27"/>
-    <p:sldId id="310" r:id="rId28"/>
-    <p:sldId id="311" r:id="rId29"/>
-    <p:sldId id="312" r:id="rId30"/>
-    <p:sldId id="313" r:id="rId31"/>
-    <p:sldId id="314" r:id="rId32"/>
-    <p:sldId id="277" r:id="rId33"/>
-    <p:sldId id="278" r:id="rId34"/>
-    <p:sldId id="279" r:id="rId35"/>
-    <p:sldId id="280" r:id="rId36"/>
-    <p:sldId id="281" r:id="rId37"/>
-    <p:sldId id="282" r:id="rId38"/>
-    <p:sldId id="283" r:id="rId39"/>
-    <p:sldId id="284" r:id="rId40"/>
-    <p:sldId id="285" r:id="rId41"/>
+    <p:sldId id="325" r:id="rId20"/>
+    <p:sldId id="326" r:id="rId21"/>
+    <p:sldId id="327" r:id="rId22"/>
+    <p:sldId id="300" r:id="rId23"/>
+    <p:sldId id="302" r:id="rId24"/>
+    <p:sldId id="316" r:id="rId25"/>
+    <p:sldId id="263" r:id="rId26"/>
+    <p:sldId id="308" r:id="rId27"/>
+    <p:sldId id="317" r:id="rId28"/>
+    <p:sldId id="265" r:id="rId29"/>
+    <p:sldId id="309" r:id="rId30"/>
+    <p:sldId id="310" r:id="rId31"/>
+    <p:sldId id="311" r:id="rId32"/>
+    <p:sldId id="312" r:id="rId33"/>
+    <p:sldId id="313" r:id="rId34"/>
+    <p:sldId id="314" r:id="rId35"/>
+    <p:sldId id="318" r:id="rId36"/>
+    <p:sldId id="319" r:id="rId37"/>
+    <p:sldId id="320" r:id="rId38"/>
+    <p:sldId id="321" r:id="rId39"/>
+    <p:sldId id="322" r:id="rId40"/>
+    <p:sldId id="323" r:id="rId41"/>
+    <p:sldId id="324" r:id="rId42"/>
   </p:sldIdLst>
   <p:sldSz cx="9144000" cy="6858000" type="screen4x3"/>
   <p:notesSz cx="6858000" cy="9144000"/>
@@ -1453,7 +1454,7 @@
       </p:grpSpPr>
       <p:sp>
         <p:nvSpPr>
-          <p:cNvPr id="179" name="PlaceHolder 1"/>
+          <p:cNvPr id="99" name="PlaceHolder 1"/>
           <p:cNvSpPr>
             <a:spLocks noGrp="1"/>
           </p:cNvSpPr>
@@ -1464,14 +1465,14 @@
         <p:spPr>
           <a:xfrm>
             <a:off x="685800" y="4400640"/>
-            <a:ext cx="5485680" cy="3599640"/>
-          </a:xfrm>
-          <a:prstGeom prst="rect">
-            <a:avLst/>
-          </a:prstGeom>
-        </p:spPr>
-        <p:txBody>
-          <a:bodyPr lIns="0" tIns="0" rIns="0" bIns="0"/>
+            <a:ext cx="5486040" cy="3600000"/>
+          </a:xfrm>
+          <a:prstGeom prst="rect">
+            <a:avLst/>
+          </a:prstGeom>
+        </p:spPr>
+        <p:txBody>
+          <a:bodyPr/>
           <a:lstStyle/>
           <a:p>
             <a:endParaRPr lang="en-US" sz="2000" b="0" strike="noStrike" spc="-1">
@@ -1490,14 +1491,14 @@
       </p:sp>
       <p:sp>
         <p:nvSpPr>
-          <p:cNvPr id="180" name="CustomShape 2"/>
-          <p:cNvSpPr/>
+          <p:cNvPr id="100" name="TextShape 2"/>
+          <p:cNvSpPr txBox="1"/>
           <p:nvPr/>
         </p:nvSpPr>
         <p:spPr>
           <a:xfrm>
             <a:off x="3884760" y="8685360"/>
-            <a:ext cx="2971080" cy="457920"/>
+            <a:ext cx="2971440" cy="458280"/>
           </a:xfrm>
           <a:prstGeom prst="rect">
             <a:avLst/>
@@ -1507,20 +1508,8 @@
             <a:noFill/>
           </a:ln>
         </p:spPr>
-        <p:style>
-          <a:lnRef idx="0">
-            <a:scrgbClr r="0" g="0" b="0"/>
-          </a:lnRef>
-          <a:fillRef idx="0">
-            <a:scrgbClr r="0" g="0" b="0"/>
-          </a:fillRef>
-          <a:effectRef idx="0">
-            <a:scrgbClr r="0" g="0" b="0"/>
-          </a:effectRef>
-          <a:fontRef idx="minor"/>
-        </p:style>
-        <p:txBody>
-          <a:bodyPr lIns="90000" tIns="45000" rIns="90000" bIns="45000" anchor="b"/>
+        <p:txBody>
+          <a:bodyPr anchor="b"/>
           <a:lstStyle/>
           <a:p>
             <a:pPr algn="r">
@@ -1528,7 +1517,7 @@
                 <a:spcPct val="100000"/>
               </a:lnSpc>
             </a:pPr>
-            <a:fld id="{483FE29F-5B9F-4FD9-B178-D5B8ECC78C80}" type="slidenum">
+            <a:fld id="{55F9D349-2747-4E51-A984-914120975C65}" type="slidenum">
               <a:rPr lang="en-US" sz="1200" b="0" strike="noStrike" spc="-1">
                 <a:solidFill>
                   <a:srgbClr val="000000"/>
@@ -1543,16 +1532,16 @@
               </a:rPr>
               <a:t>19</a:t>
             </a:fld>
-            <a:endParaRPr lang="en-US" sz="1800" b="0" strike="noStrike" spc="-1">
-              <a:solidFill>
-                <a:srgbClr val="000000"/>
-              </a:solidFill>
-              <a:uFill>
-                <a:solidFill>
-                  <a:srgbClr val="FFFFFF"/>
-                </a:solidFill>
-              </a:uFill>
-              <a:latin typeface="Arial"/>
+            <a:endParaRPr lang="en-US" sz="1400" b="0" strike="noStrike" spc="-1">
+              <a:solidFill>
+                <a:srgbClr val="000000"/>
+              </a:solidFill>
+              <a:uFill>
+                <a:solidFill>
+                  <a:srgbClr val="FFFFFF"/>
+                </a:solidFill>
+              </a:uFill>
+              <a:latin typeface="Times New Roman"/>
             </a:endParaRPr>
           </a:p>
         </p:txBody>
@@ -1560,7 +1549,7 @@
     </p:spTree>
     <p:extLst>
       <p:ext uri="{BB962C8B-B14F-4D97-AF65-F5344CB8AC3E}">
-        <p14:creationId xmlns:p14="http://schemas.microsoft.com/office/powerpoint/2010/main" val="1588178951"/>
+        <p14:creationId xmlns:p14="http://schemas.microsoft.com/office/powerpoint/2010/main" val="3442658406"/>
       </p:ext>
     </p:extLst>
   </p:cSld>
@@ -1589,7 +1578,7 @@
       </p:grpSpPr>
       <p:sp>
         <p:nvSpPr>
-          <p:cNvPr id="179" name="PlaceHolder 1"/>
+          <p:cNvPr id="99" name="PlaceHolder 1"/>
           <p:cNvSpPr>
             <a:spLocks noGrp="1"/>
           </p:cNvSpPr>
@@ -1600,14 +1589,14 @@
         <p:spPr>
           <a:xfrm>
             <a:off x="685800" y="4400640"/>
-            <a:ext cx="5485680" cy="3599640"/>
-          </a:xfrm>
-          <a:prstGeom prst="rect">
-            <a:avLst/>
-          </a:prstGeom>
-        </p:spPr>
-        <p:txBody>
-          <a:bodyPr lIns="0" tIns="0" rIns="0" bIns="0"/>
+            <a:ext cx="5486040" cy="3600000"/>
+          </a:xfrm>
+          <a:prstGeom prst="rect">
+            <a:avLst/>
+          </a:prstGeom>
+        </p:spPr>
+        <p:txBody>
+          <a:bodyPr/>
           <a:lstStyle/>
           <a:p>
             <a:endParaRPr lang="en-US" sz="2000" b="0" strike="noStrike" spc="-1">
@@ -1626,14 +1615,14 @@
       </p:sp>
       <p:sp>
         <p:nvSpPr>
-          <p:cNvPr id="180" name="CustomShape 2"/>
-          <p:cNvSpPr/>
+          <p:cNvPr id="100" name="TextShape 2"/>
+          <p:cNvSpPr txBox="1"/>
           <p:nvPr/>
         </p:nvSpPr>
         <p:spPr>
           <a:xfrm>
             <a:off x="3884760" y="8685360"/>
-            <a:ext cx="2971080" cy="457920"/>
+            <a:ext cx="2971440" cy="458280"/>
           </a:xfrm>
           <a:prstGeom prst="rect">
             <a:avLst/>
@@ -1643,20 +1632,8 @@
             <a:noFill/>
           </a:ln>
         </p:spPr>
-        <p:style>
-          <a:lnRef idx="0">
-            <a:scrgbClr r="0" g="0" b="0"/>
-          </a:lnRef>
-          <a:fillRef idx="0">
-            <a:scrgbClr r="0" g="0" b="0"/>
-          </a:fillRef>
-          <a:effectRef idx="0">
-            <a:scrgbClr r="0" g="0" b="0"/>
-          </a:effectRef>
-          <a:fontRef idx="minor"/>
-        </p:style>
-        <p:txBody>
-          <a:bodyPr lIns="90000" tIns="45000" rIns="90000" bIns="45000" anchor="b"/>
+        <p:txBody>
+          <a:bodyPr anchor="b"/>
           <a:lstStyle/>
           <a:p>
             <a:pPr algn="r">
@@ -1664,7 +1641,7 @@
                 <a:spcPct val="100000"/>
               </a:lnSpc>
             </a:pPr>
-            <a:fld id="{483FE29F-5B9F-4FD9-B178-D5B8ECC78C80}" type="slidenum">
+            <a:fld id="{55F9D349-2747-4E51-A984-914120975C65}" type="slidenum">
               <a:rPr lang="en-US" sz="1200" b="0" strike="noStrike" spc="-1">
                 <a:solidFill>
                   <a:srgbClr val="000000"/>
@@ -1679,16 +1656,16 @@
               </a:rPr>
               <a:t>20</a:t>
             </a:fld>
-            <a:endParaRPr lang="en-US" sz="1800" b="0" strike="noStrike" spc="-1">
-              <a:solidFill>
-                <a:srgbClr val="000000"/>
-              </a:solidFill>
-              <a:uFill>
-                <a:solidFill>
-                  <a:srgbClr val="FFFFFF"/>
-                </a:solidFill>
-              </a:uFill>
-              <a:latin typeface="Arial"/>
+            <a:endParaRPr lang="en-US" sz="1400" b="0" strike="noStrike" spc="-1">
+              <a:solidFill>
+                <a:srgbClr val="000000"/>
+              </a:solidFill>
+              <a:uFill>
+                <a:solidFill>
+                  <a:srgbClr val="FFFFFF"/>
+                </a:solidFill>
+              </a:uFill>
+              <a:latin typeface="Times New Roman"/>
             </a:endParaRPr>
           </a:p>
         </p:txBody>
@@ -1696,7 +1673,7 @@
     </p:spTree>
     <p:extLst>
       <p:ext uri="{BB962C8B-B14F-4D97-AF65-F5344CB8AC3E}">
-        <p14:creationId xmlns:p14="http://schemas.microsoft.com/office/powerpoint/2010/main" val="183033969"/>
+        <p14:creationId xmlns:p14="http://schemas.microsoft.com/office/powerpoint/2010/main" val="3504559605"/>
       </p:ext>
     </p:extLst>
   </p:cSld>
@@ -1725,7 +1702,7 @@
       </p:grpSpPr>
       <p:sp>
         <p:nvSpPr>
-          <p:cNvPr id="173" name="PlaceHolder 1"/>
+          <p:cNvPr id="99" name="PlaceHolder 1"/>
           <p:cNvSpPr>
             <a:spLocks noGrp="1"/>
           </p:cNvSpPr>
@@ -1736,14 +1713,14 @@
         <p:spPr>
           <a:xfrm>
             <a:off x="685800" y="4400640"/>
-            <a:ext cx="5485680" cy="3599640"/>
-          </a:xfrm>
-          <a:prstGeom prst="rect">
-            <a:avLst/>
-          </a:prstGeom>
-        </p:spPr>
-        <p:txBody>
-          <a:bodyPr lIns="0" tIns="0" rIns="0" bIns="0"/>
+            <a:ext cx="5486040" cy="3600000"/>
+          </a:xfrm>
+          <a:prstGeom prst="rect">
+            <a:avLst/>
+          </a:prstGeom>
+        </p:spPr>
+        <p:txBody>
+          <a:bodyPr/>
           <a:lstStyle/>
           <a:p>
             <a:endParaRPr lang="en-US" sz="2000" b="0" strike="noStrike" spc="-1">
@@ -1762,14 +1739,14 @@
       </p:sp>
       <p:sp>
         <p:nvSpPr>
-          <p:cNvPr id="174" name="CustomShape 2"/>
-          <p:cNvSpPr/>
+          <p:cNvPr id="100" name="TextShape 2"/>
+          <p:cNvSpPr txBox="1"/>
           <p:nvPr/>
         </p:nvSpPr>
         <p:spPr>
           <a:xfrm>
             <a:off x="3884760" y="8685360"/>
-            <a:ext cx="2971080" cy="457920"/>
+            <a:ext cx="2971440" cy="458280"/>
           </a:xfrm>
           <a:prstGeom prst="rect">
             <a:avLst/>
@@ -1779,20 +1756,8 @@
             <a:noFill/>
           </a:ln>
         </p:spPr>
-        <p:style>
-          <a:lnRef idx="0">
-            <a:scrgbClr r="0" g="0" b="0"/>
-          </a:lnRef>
-          <a:fillRef idx="0">
-            <a:scrgbClr r="0" g="0" b="0"/>
-          </a:fillRef>
-          <a:effectRef idx="0">
-            <a:scrgbClr r="0" g="0" b="0"/>
-          </a:effectRef>
-          <a:fontRef idx="minor"/>
-        </p:style>
-        <p:txBody>
-          <a:bodyPr lIns="90000" tIns="45000" rIns="90000" bIns="45000" anchor="b"/>
+        <p:txBody>
+          <a:bodyPr anchor="b"/>
           <a:lstStyle/>
           <a:p>
             <a:pPr algn="r">
@@ -1800,7 +1765,7 @@
                 <a:spcPct val="100000"/>
               </a:lnSpc>
             </a:pPr>
-            <a:fld id="{36847CA7-B104-418F-AF9F-9BDEA17E32B4}" type="slidenum">
+            <a:fld id="{55F9D349-2747-4E51-A984-914120975C65}" type="slidenum">
               <a:rPr lang="en-US" sz="1200" b="0" strike="noStrike" spc="-1">
                 <a:solidFill>
                   <a:srgbClr val="000000"/>
@@ -1815,16 +1780,16 @@
               </a:rPr>
               <a:t>21</a:t>
             </a:fld>
-            <a:endParaRPr lang="en-US" sz="1800" b="0" strike="noStrike" spc="-1">
-              <a:solidFill>
-                <a:srgbClr val="000000"/>
-              </a:solidFill>
-              <a:uFill>
-                <a:solidFill>
-                  <a:srgbClr val="FFFFFF"/>
-                </a:solidFill>
-              </a:uFill>
-              <a:latin typeface="Arial"/>
+            <a:endParaRPr lang="en-US" sz="1400" b="0" strike="noStrike" spc="-1">
+              <a:solidFill>
+                <a:srgbClr val="000000"/>
+              </a:solidFill>
+              <a:uFill>
+                <a:solidFill>
+                  <a:srgbClr val="FFFFFF"/>
+                </a:solidFill>
+              </a:uFill>
+              <a:latin typeface="Times New Roman"/>
             </a:endParaRPr>
           </a:p>
         </p:txBody>
@@ -1832,7 +1797,7 @@
     </p:spTree>
     <p:extLst>
       <p:ext uri="{BB962C8B-B14F-4D97-AF65-F5344CB8AC3E}">
-        <p14:creationId xmlns:p14="http://schemas.microsoft.com/office/powerpoint/2010/main" val="506727324"/>
+        <p14:creationId xmlns:p14="http://schemas.microsoft.com/office/powerpoint/2010/main" val="441372110"/>
       </p:ext>
     </p:extLst>
   </p:cSld>
@@ -1861,7 +1826,7 @@
       </p:grpSpPr>
       <p:sp>
         <p:nvSpPr>
-          <p:cNvPr id="177" name="PlaceHolder 1"/>
+          <p:cNvPr id="179" name="PlaceHolder 1"/>
           <p:cNvSpPr>
             <a:spLocks noGrp="1"/>
           </p:cNvSpPr>
@@ -1898,7 +1863,7 @@
       </p:sp>
       <p:sp>
         <p:nvSpPr>
-          <p:cNvPr id="178" name="CustomShape 2"/>
+          <p:cNvPr id="180" name="CustomShape 2"/>
           <p:cNvSpPr/>
           <p:nvPr/>
         </p:nvSpPr>
@@ -1936,7 +1901,7 @@
                 <a:spcPct val="100000"/>
               </a:lnSpc>
             </a:pPr>
-            <a:fld id="{47A73A73-4F97-475F-9AF2-12580A8302EB}" type="slidenum">
+            <a:fld id="{483FE29F-5B9F-4FD9-B178-D5B8ECC78C80}" type="slidenum">
               <a:rPr lang="en-US" sz="1200" b="0" strike="noStrike" spc="-1">
                 <a:solidFill>
                   <a:srgbClr val="000000"/>
@@ -1966,6 +1931,11 @@
         </p:txBody>
       </p:sp>
     </p:spTree>
+    <p:extLst>
+      <p:ext uri="{BB962C8B-B14F-4D97-AF65-F5344CB8AC3E}">
+        <p14:creationId xmlns:p14="http://schemas.microsoft.com/office/powerpoint/2010/main" val="1588178951"/>
+      </p:ext>
+    </p:extLst>
   </p:cSld>
   <p:clrMapOvr>
     <a:masterClrMapping/>
@@ -2123,7 +2093,7 @@
       </p:grpSpPr>
       <p:sp>
         <p:nvSpPr>
-          <p:cNvPr id="177" name="PlaceHolder 1"/>
+          <p:cNvPr id="179" name="PlaceHolder 1"/>
           <p:cNvSpPr>
             <a:spLocks noGrp="1"/>
           </p:cNvSpPr>
@@ -2160,7 +2130,7 @@
       </p:sp>
       <p:sp>
         <p:nvSpPr>
-          <p:cNvPr id="178" name="CustomShape 2"/>
+          <p:cNvPr id="180" name="CustomShape 2"/>
           <p:cNvSpPr/>
           <p:nvPr/>
         </p:nvSpPr>
@@ -2198,7 +2168,7 @@
                 <a:spcPct val="100000"/>
               </a:lnSpc>
             </a:pPr>
-            <a:fld id="{47A73A73-4F97-475F-9AF2-12580A8302EB}" type="slidenum">
+            <a:fld id="{483FE29F-5B9F-4FD9-B178-D5B8ECC78C80}" type="slidenum">
               <a:rPr lang="en-US" sz="1200" b="0" strike="noStrike" spc="-1">
                 <a:solidFill>
                   <a:srgbClr val="000000"/>
@@ -2230,7 +2200,7 @@
     </p:spTree>
     <p:extLst>
       <p:ext uri="{BB962C8B-B14F-4D97-AF65-F5344CB8AC3E}">
-        <p14:creationId xmlns:p14="http://schemas.microsoft.com/office/powerpoint/2010/main" val="2678646191"/>
+        <p14:creationId xmlns:p14="http://schemas.microsoft.com/office/powerpoint/2010/main" val="183033969"/>
       </p:ext>
     </p:extLst>
   </p:cSld>
@@ -2366,7 +2336,7 @@
     </p:spTree>
     <p:extLst>
       <p:ext uri="{BB962C8B-B14F-4D97-AF65-F5344CB8AC3E}">
-        <p14:creationId xmlns:p14="http://schemas.microsoft.com/office/powerpoint/2010/main" val="364763090"/>
+        <p14:creationId xmlns:p14="http://schemas.microsoft.com/office/powerpoint/2010/main" val="506727324"/>
       </p:ext>
     </p:extLst>
   </p:cSld>
@@ -2395,7 +2365,7 @@
       </p:grpSpPr>
       <p:sp>
         <p:nvSpPr>
-          <p:cNvPr id="181" name="PlaceHolder 1"/>
+          <p:cNvPr id="177" name="PlaceHolder 1"/>
           <p:cNvSpPr>
             <a:spLocks noGrp="1"/>
           </p:cNvSpPr>
@@ -2432,7 +2402,7 @@
       </p:sp>
       <p:sp>
         <p:nvSpPr>
-          <p:cNvPr id="182" name="CustomShape 2"/>
+          <p:cNvPr id="178" name="CustomShape 2"/>
           <p:cNvSpPr/>
           <p:nvPr/>
         </p:nvSpPr>
@@ -2470,7 +2440,7 @@
                 <a:spcPct val="100000"/>
               </a:lnSpc>
             </a:pPr>
-            <a:fld id="{C1EAD73F-BDD2-463E-A830-392AF2915E29}" type="slidenum">
+            <a:fld id="{47A73A73-4F97-475F-9AF2-12580A8302EB}" type="slidenum">
               <a:rPr lang="en-US" sz="1200" b="0" strike="noStrike" spc="-1">
                 <a:solidFill>
                   <a:srgbClr val="000000"/>
@@ -2526,7 +2496,7 @@
       </p:grpSpPr>
       <p:sp>
         <p:nvSpPr>
-          <p:cNvPr id="205" name="PlaceHolder 1"/>
+          <p:cNvPr id="177" name="PlaceHolder 1"/>
           <p:cNvSpPr>
             <a:spLocks noGrp="1"/>
           </p:cNvSpPr>
@@ -2563,7 +2533,7 @@
       </p:sp>
       <p:sp>
         <p:nvSpPr>
-          <p:cNvPr id="206" name="CustomShape 2"/>
+          <p:cNvPr id="178" name="CustomShape 2"/>
           <p:cNvSpPr/>
           <p:nvPr/>
         </p:nvSpPr>
@@ -2601,7 +2571,7 @@
                 <a:spcPct val="100000"/>
               </a:lnSpc>
             </a:pPr>
-            <a:fld id="{50E2D55D-4FBC-404F-9CF3-F26BD4413E2B}" type="slidenum">
+            <a:fld id="{47A73A73-4F97-475F-9AF2-12580A8302EB}" type="slidenum">
               <a:rPr lang="en-US" sz="1200" b="0" strike="noStrike" spc="-1">
                 <a:solidFill>
                   <a:srgbClr val="000000"/>
@@ -2614,7 +2584,7 @@
                 <a:latin typeface="+mn-lt"/>
                 <a:ea typeface="+mn-ea"/>
               </a:rPr>
-              <a:t>32</a:t>
+              <a:t>26</a:t>
             </a:fld>
             <a:endParaRPr lang="en-US" sz="1800" b="0" strike="noStrike" spc="-1">
               <a:solidFill>
@@ -2631,6 +2601,11 @@
         </p:txBody>
       </p:sp>
     </p:spTree>
+    <p:extLst>
+      <p:ext uri="{BB962C8B-B14F-4D97-AF65-F5344CB8AC3E}">
+        <p14:creationId xmlns:p14="http://schemas.microsoft.com/office/powerpoint/2010/main" val="2678646191"/>
+      </p:ext>
+    </p:extLst>
   </p:cSld>
   <p:clrMapOvr>
     <a:masterClrMapping/>
@@ -2657,7 +2632,7 @@
       </p:grpSpPr>
       <p:sp>
         <p:nvSpPr>
-          <p:cNvPr id="207" name="PlaceHolder 1"/>
+          <p:cNvPr id="173" name="PlaceHolder 1"/>
           <p:cNvSpPr>
             <a:spLocks noGrp="1"/>
           </p:cNvSpPr>
@@ -2694,7 +2669,7 @@
       </p:sp>
       <p:sp>
         <p:nvSpPr>
-          <p:cNvPr id="208" name="CustomShape 2"/>
+          <p:cNvPr id="174" name="CustomShape 2"/>
           <p:cNvSpPr/>
           <p:nvPr/>
         </p:nvSpPr>
@@ -2732,7 +2707,7 @@
                 <a:spcPct val="100000"/>
               </a:lnSpc>
             </a:pPr>
-            <a:fld id="{2DD485AE-68B2-4B9D-BD7C-9589E5AA0796}" type="slidenum">
+            <a:fld id="{36847CA7-B104-418F-AF9F-9BDEA17E32B4}" type="slidenum">
               <a:rPr lang="en-US" sz="1200" b="0" strike="noStrike" spc="-1">
                 <a:solidFill>
                   <a:srgbClr val="000000"/>
@@ -2742,10 +2717,10 @@
                     <a:srgbClr val="FFFFFF"/>
                   </a:solidFill>
                 </a:uFill>
-                <a:latin typeface="Arial"/>
+                <a:latin typeface="+mn-lt"/>
                 <a:ea typeface="+mn-ea"/>
               </a:rPr>
-              <a:t>33</a:t>
+              <a:t>27</a:t>
             </a:fld>
             <a:endParaRPr lang="en-US" sz="1800" b="0" strike="noStrike" spc="-1">
               <a:solidFill>
@@ -2762,6 +2737,11 @@
         </p:txBody>
       </p:sp>
     </p:spTree>
+    <p:extLst>
+      <p:ext uri="{BB962C8B-B14F-4D97-AF65-F5344CB8AC3E}">
+        <p14:creationId xmlns:p14="http://schemas.microsoft.com/office/powerpoint/2010/main" val="364763090"/>
+      </p:ext>
+    </p:extLst>
   </p:cSld>
   <p:clrMapOvr>
     <a:masterClrMapping/>
@@ -2788,7 +2768,7 @@
       </p:grpSpPr>
       <p:sp>
         <p:nvSpPr>
-          <p:cNvPr id="209" name="PlaceHolder 1"/>
+          <p:cNvPr id="181" name="PlaceHolder 1"/>
           <p:cNvSpPr>
             <a:spLocks noGrp="1"/>
           </p:cNvSpPr>
@@ -2825,7 +2805,7 @@
       </p:sp>
       <p:sp>
         <p:nvSpPr>
-          <p:cNvPr id="210" name="CustomShape 2"/>
+          <p:cNvPr id="182" name="CustomShape 2"/>
           <p:cNvSpPr/>
           <p:nvPr/>
         </p:nvSpPr>
@@ -2863,7 +2843,7 @@
                 <a:spcPct val="100000"/>
               </a:lnSpc>
             </a:pPr>
-            <a:fld id="{16D3F57F-A8F1-4BC3-B2F7-FEE028F6A5F7}" type="slidenum">
+            <a:fld id="{C1EAD73F-BDD2-463E-A830-392AF2915E29}" type="slidenum">
               <a:rPr lang="en-US" sz="1200" b="0" strike="noStrike" spc="-1">
                 <a:solidFill>
                   <a:srgbClr val="000000"/>
@@ -2873,10 +2853,10 @@
                     <a:srgbClr val="FFFFFF"/>
                   </a:solidFill>
                 </a:uFill>
-                <a:latin typeface="Arial"/>
+                <a:latin typeface="+mn-lt"/>
                 <a:ea typeface="+mn-ea"/>
               </a:rPr>
-              <a:t>34</a:t>
+              <a:t>28</a:t>
             </a:fld>
             <a:endParaRPr lang="en-US" sz="1800" b="0" strike="noStrike" spc="-1">
               <a:solidFill>
@@ -2919,7 +2899,7 @@
       </p:grpSpPr>
       <p:sp>
         <p:nvSpPr>
-          <p:cNvPr id="211" name="PlaceHolder 1"/>
+          <p:cNvPr id="205" name="PlaceHolder 1"/>
           <p:cNvSpPr>
             <a:spLocks noGrp="1"/>
           </p:cNvSpPr>
@@ -2956,7 +2936,7 @@
       </p:sp>
       <p:sp>
         <p:nvSpPr>
-          <p:cNvPr id="212" name="CustomShape 2"/>
+          <p:cNvPr id="206" name="CustomShape 2"/>
           <p:cNvSpPr/>
           <p:nvPr/>
         </p:nvSpPr>
@@ -2994,7 +2974,7 @@
                 <a:spcPct val="100000"/>
               </a:lnSpc>
             </a:pPr>
-            <a:fld id="{1A22E031-8D10-4104-B506-1E221361FAA7}" type="slidenum">
+            <a:fld id="{50E2D55D-4FBC-404F-9CF3-F26BD4413E2B}" type="slidenum">
               <a:rPr lang="en-US" sz="1200" b="0" strike="noStrike" spc="-1">
                 <a:solidFill>
                   <a:srgbClr val="000000"/>
@@ -3004,7 +2984,7 @@
                     <a:srgbClr val="FFFFFF"/>
                   </a:solidFill>
                 </a:uFill>
-                <a:latin typeface="Arial"/>
+                <a:latin typeface="+mn-lt"/>
                 <a:ea typeface="+mn-ea"/>
               </a:rPr>
               <a:t>35</a:t>
@@ -3024,6 +3004,11 @@
         </p:txBody>
       </p:sp>
     </p:spTree>
+    <p:extLst>
+      <p:ext uri="{BB962C8B-B14F-4D97-AF65-F5344CB8AC3E}">
+        <p14:creationId xmlns:p14="http://schemas.microsoft.com/office/powerpoint/2010/main" val="2999159166"/>
+      </p:ext>
+    </p:extLst>
   </p:cSld>
   <p:clrMapOvr>
     <a:masterClrMapping/>
@@ -3050,7 +3035,7 @@
       </p:grpSpPr>
       <p:sp>
         <p:nvSpPr>
-          <p:cNvPr id="213" name="PlaceHolder 1"/>
+          <p:cNvPr id="207" name="PlaceHolder 1"/>
           <p:cNvSpPr>
             <a:spLocks noGrp="1"/>
           </p:cNvSpPr>
@@ -3087,7 +3072,7 @@
       </p:sp>
       <p:sp>
         <p:nvSpPr>
-          <p:cNvPr id="214" name="CustomShape 2"/>
+          <p:cNvPr id="208" name="CustomShape 2"/>
           <p:cNvSpPr/>
           <p:nvPr/>
         </p:nvSpPr>
@@ -3125,7 +3110,7 @@
                 <a:spcPct val="100000"/>
               </a:lnSpc>
             </a:pPr>
-            <a:fld id="{72176D27-40DC-4A57-A457-6216163DEFAD}" type="slidenum">
+            <a:fld id="{2DD485AE-68B2-4B9D-BD7C-9589E5AA0796}" type="slidenum">
               <a:rPr lang="en-US" sz="1200" b="0" strike="noStrike" spc="-1">
                 <a:solidFill>
                   <a:srgbClr val="000000"/>
@@ -3155,6 +3140,11 @@
         </p:txBody>
       </p:sp>
     </p:spTree>
+    <p:extLst>
+      <p:ext uri="{BB962C8B-B14F-4D97-AF65-F5344CB8AC3E}">
+        <p14:creationId xmlns:p14="http://schemas.microsoft.com/office/powerpoint/2010/main" val="366368304"/>
+      </p:ext>
+    </p:extLst>
   </p:cSld>
   <p:clrMapOvr>
     <a:masterClrMapping/>
@@ -3181,7 +3171,7 @@
       </p:grpSpPr>
       <p:sp>
         <p:nvSpPr>
-          <p:cNvPr id="215" name="PlaceHolder 1"/>
+          <p:cNvPr id="209" name="PlaceHolder 1"/>
           <p:cNvSpPr>
             <a:spLocks noGrp="1"/>
           </p:cNvSpPr>
@@ -3218,7 +3208,7 @@
       </p:sp>
       <p:sp>
         <p:nvSpPr>
-          <p:cNvPr id="216" name="CustomShape 2"/>
+          <p:cNvPr id="210" name="CustomShape 2"/>
           <p:cNvSpPr/>
           <p:nvPr/>
         </p:nvSpPr>
@@ -3256,7 +3246,7 @@
                 <a:spcPct val="100000"/>
               </a:lnSpc>
             </a:pPr>
-            <a:fld id="{3546136D-80AB-4C8E-8AF6-4F32D444689D}" type="slidenum">
+            <a:fld id="{16D3F57F-A8F1-4BC3-B2F7-FEE028F6A5F7}" type="slidenum">
               <a:rPr lang="en-US" sz="1200" b="0" strike="noStrike" spc="-1">
                 <a:solidFill>
                   <a:srgbClr val="000000"/>
@@ -3286,6 +3276,11 @@
         </p:txBody>
       </p:sp>
     </p:spTree>
+    <p:extLst>
+      <p:ext uri="{BB962C8B-B14F-4D97-AF65-F5344CB8AC3E}">
+        <p14:creationId xmlns:p14="http://schemas.microsoft.com/office/powerpoint/2010/main" val="3146846349"/>
+      </p:ext>
+    </p:extLst>
   </p:cSld>
   <p:clrMapOvr>
     <a:masterClrMapping/>
@@ -3312,7 +3307,7 @@
       </p:grpSpPr>
       <p:sp>
         <p:nvSpPr>
-          <p:cNvPr id="217" name="PlaceHolder 1"/>
+          <p:cNvPr id="211" name="PlaceHolder 1"/>
           <p:cNvSpPr>
             <a:spLocks noGrp="1"/>
           </p:cNvSpPr>
@@ -3349,7 +3344,7 @@
       </p:sp>
       <p:sp>
         <p:nvSpPr>
-          <p:cNvPr id="218" name="CustomShape 2"/>
+          <p:cNvPr id="212" name="CustomShape 2"/>
           <p:cNvSpPr/>
           <p:nvPr/>
         </p:nvSpPr>
@@ -3387,7 +3382,7 @@
                 <a:spcPct val="100000"/>
               </a:lnSpc>
             </a:pPr>
-            <a:fld id="{A121BB29-B301-49BA-BD1B-E875954B6960}" type="slidenum">
+            <a:fld id="{1A22E031-8D10-4104-B506-1E221361FAA7}" type="slidenum">
               <a:rPr lang="en-US" sz="1200" b="0" strike="noStrike" spc="-1">
                 <a:solidFill>
                   <a:srgbClr val="000000"/>
@@ -3417,6 +3412,11 @@
         </p:txBody>
       </p:sp>
     </p:spTree>
+    <p:extLst>
+      <p:ext uri="{BB962C8B-B14F-4D97-AF65-F5344CB8AC3E}">
+        <p14:creationId xmlns:p14="http://schemas.microsoft.com/office/powerpoint/2010/main" val="2568475996"/>
+      </p:ext>
+    </p:extLst>
   </p:cSld>
   <p:clrMapOvr>
     <a:masterClrMapping/>
@@ -3579,7 +3579,7 @@
       </p:grpSpPr>
       <p:sp>
         <p:nvSpPr>
-          <p:cNvPr id="219" name="PlaceHolder 1"/>
+          <p:cNvPr id="213" name="PlaceHolder 1"/>
           <p:cNvSpPr>
             <a:spLocks noGrp="1"/>
           </p:cNvSpPr>
@@ -3616,7 +3616,7 @@
       </p:sp>
       <p:sp>
         <p:nvSpPr>
-          <p:cNvPr id="220" name="CustomShape 2"/>
+          <p:cNvPr id="214" name="CustomShape 2"/>
           <p:cNvSpPr/>
           <p:nvPr/>
         </p:nvSpPr>
@@ -3654,7 +3654,7 @@
                 <a:spcPct val="100000"/>
               </a:lnSpc>
             </a:pPr>
-            <a:fld id="{B222195E-E77F-43A4-9B66-DAF0F2B8CC3C}" type="slidenum">
+            <a:fld id="{72176D27-40DC-4A57-A457-6216163DEFAD}" type="slidenum">
               <a:rPr lang="en-US" sz="1200" b="0" strike="noStrike" spc="-1">
                 <a:solidFill>
                   <a:srgbClr val="000000"/>
@@ -3684,6 +3684,11 @@
         </p:txBody>
       </p:sp>
     </p:spTree>
+    <p:extLst>
+      <p:ext uri="{BB962C8B-B14F-4D97-AF65-F5344CB8AC3E}">
+        <p14:creationId xmlns:p14="http://schemas.microsoft.com/office/powerpoint/2010/main" val="4096762911"/>
+      </p:ext>
+    </p:extLst>
   </p:cSld>
   <p:clrMapOvr>
     <a:masterClrMapping/>
@@ -3710,6 +3715,142 @@
       </p:grpSpPr>
       <p:sp>
         <p:nvSpPr>
+          <p:cNvPr id="215" name="PlaceHolder 1"/>
+          <p:cNvSpPr>
+            <a:spLocks noGrp="1"/>
+          </p:cNvSpPr>
+          <p:nvPr>
+            <p:ph type="body"/>
+          </p:nvPr>
+        </p:nvSpPr>
+        <p:spPr>
+          <a:xfrm>
+            <a:off x="685800" y="4400640"/>
+            <a:ext cx="5485680" cy="3599640"/>
+          </a:xfrm>
+          <a:prstGeom prst="rect">
+            <a:avLst/>
+          </a:prstGeom>
+        </p:spPr>
+        <p:txBody>
+          <a:bodyPr lIns="0" tIns="0" rIns="0" bIns="0"/>
+          <a:lstStyle/>
+          <a:p>
+            <a:endParaRPr lang="en-US" sz="2000" b="0" strike="noStrike" spc="-1">
+              <a:solidFill>
+                <a:srgbClr val="000000"/>
+              </a:solidFill>
+              <a:uFill>
+                <a:solidFill>
+                  <a:srgbClr val="FFFFFF"/>
+                </a:solidFill>
+              </a:uFill>
+              <a:latin typeface="Arial"/>
+            </a:endParaRPr>
+          </a:p>
+        </p:txBody>
+      </p:sp>
+      <p:sp>
+        <p:nvSpPr>
+          <p:cNvPr id="216" name="CustomShape 2"/>
+          <p:cNvSpPr/>
+          <p:nvPr/>
+        </p:nvSpPr>
+        <p:spPr>
+          <a:xfrm>
+            <a:off x="3884760" y="8685360"/>
+            <a:ext cx="2971080" cy="457920"/>
+          </a:xfrm>
+          <a:prstGeom prst="rect">
+            <a:avLst/>
+          </a:prstGeom>
+          <a:noFill/>
+          <a:ln>
+            <a:noFill/>
+          </a:ln>
+        </p:spPr>
+        <p:style>
+          <a:lnRef idx="0">
+            <a:scrgbClr r="0" g="0" b="0"/>
+          </a:lnRef>
+          <a:fillRef idx="0">
+            <a:scrgbClr r="0" g="0" b="0"/>
+          </a:fillRef>
+          <a:effectRef idx="0">
+            <a:scrgbClr r="0" g="0" b="0"/>
+          </a:effectRef>
+          <a:fontRef idx="minor"/>
+        </p:style>
+        <p:txBody>
+          <a:bodyPr lIns="90000" tIns="45000" rIns="90000" bIns="45000" anchor="b"/>
+          <a:lstStyle/>
+          <a:p>
+            <a:pPr algn="r">
+              <a:lnSpc>
+                <a:spcPct val="100000"/>
+              </a:lnSpc>
+            </a:pPr>
+            <a:fld id="{3546136D-80AB-4C8E-8AF6-4F32D444689D}" type="slidenum">
+              <a:rPr lang="en-US" sz="1200" b="0" strike="noStrike" spc="-1">
+                <a:solidFill>
+                  <a:srgbClr val="000000"/>
+                </a:solidFill>
+                <a:uFill>
+                  <a:solidFill>
+                    <a:srgbClr val="FFFFFF"/>
+                  </a:solidFill>
+                </a:uFill>
+                <a:latin typeface="Arial"/>
+                <a:ea typeface="+mn-ea"/>
+              </a:rPr>
+              <a:t>40</a:t>
+            </a:fld>
+            <a:endParaRPr lang="en-US" sz="1800" b="0" strike="noStrike" spc="-1">
+              <a:solidFill>
+                <a:srgbClr val="000000"/>
+              </a:solidFill>
+              <a:uFill>
+                <a:solidFill>
+                  <a:srgbClr val="FFFFFF"/>
+                </a:solidFill>
+              </a:uFill>
+              <a:latin typeface="Arial"/>
+            </a:endParaRPr>
+          </a:p>
+        </p:txBody>
+      </p:sp>
+    </p:spTree>
+    <p:extLst>
+      <p:ext uri="{BB962C8B-B14F-4D97-AF65-F5344CB8AC3E}">
+        <p14:creationId xmlns:p14="http://schemas.microsoft.com/office/powerpoint/2010/main" val="3538084188"/>
+      </p:ext>
+    </p:extLst>
+  </p:cSld>
+  <p:clrMapOvr>
+    <a:masterClrMapping/>
+  </p:clrMapOvr>
+</p:notes>
+</file>
+
+<file path=ppt/notesSlides/notesSlide32.xml><?xml version="1.0" encoding="utf-8"?>
+<p:notes xmlns:a="http://schemas.openxmlformats.org/drawingml/2006/main" xmlns:r="http://schemas.openxmlformats.org/officeDocument/2006/relationships" xmlns:p="http://schemas.openxmlformats.org/presentationml/2006/main">
+  <p:cSld>
+    <p:spTree>
+      <p:nvGrpSpPr>
+        <p:cNvPr id="1" name=""/>
+        <p:cNvGrpSpPr/>
+        <p:nvPr/>
+      </p:nvGrpSpPr>
+      <p:grpSpPr>
+        <a:xfrm>
+          <a:off x="0" y="0"/>
+          <a:ext cx="0" cy="0"/>
+          <a:chOff x="0" y="0"/>
+          <a:chExt cx="0" cy="0"/>
+        </a:xfrm>
+      </p:grpSpPr>
+      <p:sp>
+        <p:nvSpPr>
           <p:cNvPr id="221" name="PlaceHolder 1"/>
           <p:cNvSpPr>
             <a:spLocks noGrp="1"/>
@@ -3798,7 +3939,7 @@
                 <a:latin typeface="+mn-lt"/>
                 <a:ea typeface="+mn-ea"/>
               </a:rPr>
-              <a:t>40</a:t>
+              <a:t>41</a:t>
             </a:fld>
             <a:endParaRPr lang="en-US" sz="1800" b="0" strike="noStrike" spc="-1">
               <a:solidFill>
@@ -3815,6 +3956,11 @@
         </p:txBody>
       </p:sp>
     </p:spTree>
+    <p:extLst>
+      <p:ext uri="{BB962C8B-B14F-4D97-AF65-F5344CB8AC3E}">
+        <p14:creationId xmlns:p14="http://schemas.microsoft.com/office/powerpoint/2010/main" val="1067498103"/>
+      </p:ext>
+    </p:extLst>
   </p:cSld>
   <p:clrMapOvr>
     <a:masterClrMapping/>
@@ -8985,14 +9131,14 @@
       </p:grpSpPr>
       <p:sp>
         <p:nvSpPr>
-          <p:cNvPr id="69" name="CustomShape 1"/>
+          <p:cNvPr id="78" name="CustomShape 1"/>
           <p:cNvSpPr/>
           <p:nvPr/>
         </p:nvSpPr>
         <p:spPr>
           <a:xfrm>
-            <a:off x="1392120" y="992880"/>
-            <a:ext cx="6495480" cy="577440"/>
+            <a:off x="1392120" y="1005844"/>
+            <a:ext cx="7111800" cy="1065240"/>
           </a:xfrm>
           <a:prstGeom prst="rect">
             <a:avLst/>
@@ -9024,7 +9170,7 @@
               </a:lnSpc>
             </a:pPr>
             <a:r>
-              <a:rPr lang="en-US" sz="3200" b="0" strike="noStrike" spc="-1" dirty="0" err="1" smtClean="0">
+              <a:rPr lang="en-US" altLang="zh-CN" sz="3200" spc="-1" dirty="0" smtClean="0">
                 <a:solidFill>
                   <a:srgbClr val="C0504D"/>
                 </a:solidFill>
@@ -9034,24 +9180,362 @@
                   </a:solidFill>
                 </a:uFill>
                 <a:latin typeface="Calibri"/>
-                <a:ea typeface="DejaVu Sans"/>
               </a:rPr>
-              <a:t>VGGNet</a:t>
-            </a:r>
-            <a:endParaRPr lang="en-US" sz="1800" b="0" strike="noStrike" spc="-1" dirty="0">
-              <a:solidFill>
-                <a:srgbClr val="000000"/>
-              </a:solidFill>
-              <a:uFill>
-                <a:solidFill>
-                  <a:srgbClr val="FFFFFF"/>
-                </a:solidFill>
-              </a:uFill>
-              <a:latin typeface="Arial"/>
-            </a:endParaRPr>
-          </a:p>
-        </p:txBody>
-      </p:sp>
+              <a:t>Inception V2</a:t>
+            </a:r>
+            <a:endParaRPr lang="en-US" altLang="zh-CN" sz="3200" spc="-1" dirty="0">
+              <a:solidFill>
+                <a:srgbClr val="C0504D"/>
+              </a:solidFill>
+              <a:uFill>
+                <a:solidFill>
+                  <a:srgbClr val="FFFFFF"/>
+                </a:solidFill>
+              </a:uFill>
+              <a:latin typeface="Calibri"/>
+              <a:ea typeface="Noto Sans CJK SC Regular"/>
+            </a:endParaRPr>
+          </a:p>
+        </p:txBody>
+      </p:sp>
+      <mc:AlternateContent xmlns:mc="http://schemas.openxmlformats.org/markup-compatibility/2006">
+        <mc:Choice xmlns:a14="http://schemas.microsoft.com/office/drawing/2010/main" Requires="a14">
+          <p:sp>
+            <p:nvSpPr>
+              <p:cNvPr id="7" name="CustomShape 3"/>
+              <p:cNvSpPr/>
+              <p:nvPr/>
+            </p:nvSpPr>
+            <p:spPr>
+              <a:xfrm>
+                <a:off x="482400" y="3108220"/>
+                <a:ext cx="4848587" cy="1779958"/>
+              </a:xfrm>
+              <a:prstGeom prst="rect">
+                <a:avLst/>
+              </a:prstGeom>
+              <a:noFill/>
+              <a:ln>
+                <a:noFill/>
+              </a:ln>
+            </p:spPr>
+            <p:style>
+              <a:lnRef idx="0">
+                <a:scrgbClr r="0" g="0" b="0"/>
+              </a:lnRef>
+              <a:fillRef idx="0">
+                <a:scrgbClr r="0" g="0" b="0"/>
+              </a:fillRef>
+              <a:effectRef idx="0">
+                <a:scrgbClr r="0" g="0" b="0"/>
+              </a:effectRef>
+              <a:fontRef idx="minor"/>
+            </p:style>
+            <p:txBody>
+              <a:bodyPr lIns="90000" tIns="45000" rIns="90000" bIns="45000"/>
+              <a:lstStyle/>
+              <a:p>
+                <a:pPr marL="285840" indent="-285480">
+                  <a:lnSpc>
+                    <a:spcPct val="125000"/>
+                  </a:lnSpc>
+                  <a:buClr>
+                    <a:srgbClr val="000000"/>
+                  </a:buClr>
+                  <a:buFont typeface="Wingdings" charset="2"/>
+                  <a:buChar char=""/>
+                </a:pPr>
+                <a:r>
+                  <a:rPr lang="en-US" sz="2400" spc="-1" dirty="0" smtClean="0">
+                    <a:solidFill>
+                      <a:srgbClr val="000000"/>
+                    </a:solidFill>
+                    <a:uFill>
+                      <a:solidFill>
+                        <a:srgbClr val="FFFFFF"/>
+                      </a:solidFill>
+                    </a:uFill>
+                    <a:latin typeface="Times New Roman"/>
+                  </a:rPr>
+                  <a:t>Batch </a:t>
+                </a:r>
+                <a:r>
+                  <a:rPr lang="en-US" sz="2400" spc="-1" dirty="0" smtClean="0">
+                    <a:solidFill>
+                      <a:srgbClr val="000000"/>
+                    </a:solidFill>
+                    <a:uFill>
+                      <a:solidFill>
+                        <a:srgbClr val="FFFFFF"/>
+                      </a:solidFill>
+                    </a:uFill>
+                    <a:latin typeface="Times New Roman"/>
+                  </a:rPr>
+                  <a:t>N</a:t>
+                </a:r>
+                <a:r>
+                  <a:rPr lang="en-US" sz="2400" spc="-1" dirty="0" smtClean="0">
+                    <a:solidFill>
+                      <a:srgbClr val="000000"/>
+                    </a:solidFill>
+                    <a:uFill>
+                      <a:solidFill>
+                        <a:srgbClr val="FFFFFF"/>
+                      </a:solidFill>
+                    </a:uFill>
+                    <a:latin typeface="Times New Roman"/>
+                  </a:rPr>
+                  <a:t>ormalization </a:t>
+                </a:r>
+              </a:p>
+              <a:p>
+                <a:pPr marL="285840" indent="-285480">
+                  <a:lnSpc>
+                    <a:spcPct val="125000"/>
+                  </a:lnSpc>
+                  <a:buClr>
+                    <a:srgbClr val="000000"/>
+                  </a:buClr>
+                  <a:buFont typeface="Wingdings" charset="2"/>
+                  <a:buChar char=""/>
+                </a:pPr>
+                <a:r>
+                  <a:rPr lang="en-US" sz="2400" spc="-1" dirty="0">
+                    <a:solidFill>
+                      <a:srgbClr val="000000"/>
+                    </a:solidFill>
+                    <a:uFill>
+                      <a:solidFill>
+                        <a:srgbClr val="FFFFFF"/>
+                      </a:solidFill>
+                    </a:uFill>
+                  </a:rPr>
+                  <a:t>T</a:t>
+                </a:r>
+                <a:r>
+                  <a:rPr lang="en-US" sz="2400" spc="-1" dirty="0" smtClean="0">
+                    <a:solidFill>
+                      <a:srgbClr val="000000"/>
+                    </a:solidFill>
+                    <a:uFill>
+                      <a:solidFill>
+                        <a:srgbClr val="FFFFFF"/>
+                      </a:solidFill>
+                    </a:uFill>
+                  </a:rPr>
+                  <a:t>wo </a:t>
+                </a:r>
+                <a14:m>
+                  <m:oMath xmlns:m="http://schemas.openxmlformats.org/officeDocument/2006/math">
+                    <m:r>
+                      <a:rPr lang="en-US" sz="2400" i="1" spc="-1" dirty="0" smtClean="0">
+                        <a:solidFill>
+                          <a:srgbClr val="000000"/>
+                        </a:solidFill>
+                        <a:uFill>
+                          <a:solidFill>
+                            <a:srgbClr val="FFFFFF"/>
+                          </a:solidFill>
+                        </a:uFill>
+                        <a:latin typeface="Cambria Math" panose="02040503050406030204" pitchFamily="18" charset="0"/>
+                      </a:rPr>
+                      <m:t>3</m:t>
+                    </m:r>
+                    <m:r>
+                      <a:rPr lang="en-US" sz="2400" i="1" spc="-1" dirty="0" smtClean="0">
+                        <a:solidFill>
+                          <a:srgbClr val="000000"/>
+                        </a:solidFill>
+                        <a:uFill>
+                          <a:solidFill>
+                            <a:srgbClr val="FFFFFF"/>
+                          </a:solidFill>
+                        </a:uFill>
+                        <a:latin typeface="Cambria Math" panose="02040503050406030204" pitchFamily="18" charset="0"/>
+                        <a:ea typeface="Cambria Math" panose="02040503050406030204" pitchFamily="18" charset="0"/>
+                      </a:rPr>
+                      <m:t>×</m:t>
+                    </m:r>
+                    <m:r>
+                      <a:rPr lang="en-US" sz="2400" i="1" spc="-1" dirty="0" smtClean="0">
+                        <a:solidFill>
+                          <a:srgbClr val="000000"/>
+                        </a:solidFill>
+                        <a:uFill>
+                          <a:solidFill>
+                            <a:srgbClr val="FFFFFF"/>
+                          </a:solidFill>
+                        </a:uFill>
+                        <a:latin typeface="Cambria Math" panose="02040503050406030204" pitchFamily="18" charset="0"/>
+                      </a:rPr>
+                      <m:t>3</m:t>
+                    </m:r>
+                  </m:oMath>
+                </a14:m>
+                <a:r>
+                  <a:rPr lang="en-US" sz="2400" spc="-1" dirty="0" smtClean="0">
+                    <a:solidFill>
+                      <a:srgbClr val="000000"/>
+                    </a:solidFill>
+                    <a:uFill>
+                      <a:solidFill>
+                        <a:srgbClr val="FFFFFF"/>
+                      </a:solidFill>
+                    </a:uFill>
+                    <a:latin typeface="Times New Roman"/>
+                  </a:rPr>
+                  <a:t> </a:t>
+                </a:r>
+                <a:r>
+                  <a:rPr lang="en-US" sz="2400" spc="-1" dirty="0" err="1" smtClean="0">
+                    <a:solidFill>
+                      <a:srgbClr val="000000"/>
+                    </a:solidFill>
+                    <a:uFill>
+                      <a:solidFill>
+                        <a:srgbClr val="FFFFFF"/>
+                      </a:solidFill>
+                    </a:uFill>
+                    <a:latin typeface="Times New Roman"/>
+                  </a:rPr>
+                  <a:t>conv</a:t>
+                </a:r>
+                <a:r>
+                  <a:rPr lang="en-US" sz="2400" spc="-1" dirty="0" smtClean="0">
+                    <a:solidFill>
+                      <a:srgbClr val="000000"/>
+                    </a:solidFill>
+                    <a:uFill>
+                      <a:solidFill>
+                        <a:srgbClr val="FFFFFF"/>
+                      </a:solidFill>
+                    </a:uFill>
+                    <a:latin typeface="Times New Roman"/>
+                  </a:rPr>
+                  <a:t> replace </a:t>
+                </a:r>
+                <a14:m>
+                  <m:oMath xmlns:m="http://schemas.openxmlformats.org/officeDocument/2006/math">
+                    <m:r>
+                      <a:rPr lang="en-US" sz="2400" i="1" spc="-1" dirty="0" smtClean="0">
+                        <a:solidFill>
+                          <a:srgbClr val="000000"/>
+                        </a:solidFill>
+                        <a:uFill>
+                          <a:solidFill>
+                            <a:srgbClr val="FFFFFF"/>
+                          </a:solidFill>
+                        </a:uFill>
+                        <a:latin typeface="Cambria Math" panose="02040503050406030204" pitchFamily="18" charset="0"/>
+                      </a:rPr>
+                      <m:t>5</m:t>
+                    </m:r>
+                    <m:r>
+                      <a:rPr lang="en-US" sz="2400" i="1" spc="-1" dirty="0" smtClean="0">
+                        <a:solidFill>
+                          <a:srgbClr val="000000"/>
+                        </a:solidFill>
+                        <a:uFill>
+                          <a:solidFill>
+                            <a:srgbClr val="FFFFFF"/>
+                          </a:solidFill>
+                        </a:uFill>
+                        <a:latin typeface="Cambria Math" panose="02040503050406030204" pitchFamily="18" charset="0"/>
+                        <a:ea typeface="Cambria Math" panose="02040503050406030204" pitchFamily="18" charset="0"/>
+                      </a:rPr>
+                      <m:t>×</m:t>
+                    </m:r>
+                    <m:r>
+                      <a:rPr lang="en-US" sz="2400" i="1" spc="-1" dirty="0" smtClean="0">
+                        <a:solidFill>
+                          <a:srgbClr val="000000"/>
+                        </a:solidFill>
+                        <a:uFill>
+                          <a:solidFill>
+                            <a:srgbClr val="FFFFFF"/>
+                          </a:solidFill>
+                        </a:uFill>
+                        <a:latin typeface="Cambria Math" panose="02040503050406030204" pitchFamily="18" charset="0"/>
+                      </a:rPr>
+                      <m:t>5</m:t>
+                    </m:r>
+                  </m:oMath>
+                </a14:m>
+                <a:endParaRPr lang="en-US" sz="2400" b="0" strike="noStrike" spc="-1" dirty="0">
+                  <a:solidFill>
+                    <a:srgbClr val="000000"/>
+                  </a:solidFill>
+                  <a:uFill>
+                    <a:solidFill>
+                      <a:srgbClr val="FFFFFF"/>
+                    </a:solidFill>
+                  </a:uFill>
+                  <a:latin typeface="Arial"/>
+                </a:endParaRPr>
+              </a:p>
+              <a:p>
+                <a:pPr>
+                  <a:lnSpc>
+                    <a:spcPct val="125000"/>
+                  </a:lnSpc>
+                </a:pPr>
+                <a:endParaRPr lang="en-US" sz="2400" b="0" strike="noStrike" spc="-1" dirty="0">
+                  <a:solidFill>
+                    <a:srgbClr val="000000"/>
+                  </a:solidFill>
+                  <a:uFill>
+                    <a:solidFill>
+                      <a:srgbClr val="FFFFFF"/>
+                    </a:solidFill>
+                  </a:uFill>
+                  <a:latin typeface="Arial"/>
+                </a:endParaRPr>
+              </a:p>
+            </p:txBody>
+          </p:sp>
+        </mc:Choice>
+        <mc:Fallback>
+          <p:sp>
+            <p:nvSpPr>
+              <p:cNvPr id="7" name="CustomShape 3"/>
+              <p:cNvSpPr>
+                <a:spLocks noRot="1" noChangeAspect="1" noMove="1" noResize="1" noEditPoints="1" noAdjustHandles="1" noChangeArrowheads="1" noChangeShapeType="1" noTextEdit="1"/>
+              </p:cNvSpPr>
+              <p:nvPr/>
+            </p:nvSpPr>
+            <p:spPr>
+              <a:xfrm>
+                <a:off x="482400" y="3108220"/>
+                <a:ext cx="4848587" cy="1779958"/>
+              </a:xfrm>
+              <a:prstGeom prst="rect">
+                <a:avLst/>
+              </a:prstGeom>
+              <a:blipFill>
+                <a:blip r:embed="rId3"/>
+                <a:stretch>
+                  <a:fillRect l="-1759"/>
+                </a:stretch>
+              </a:blipFill>
+              <a:ln>
+                <a:noFill/>
+              </a:ln>
+            </p:spPr>
+            <p:txBody>
+              <a:bodyPr/>
+              <a:lstStyle/>
+              <a:p>
+                <a:r>
+                  <a:rPr lang="zh-CN" altLang="en-US">
+                    <a:noFill/>
+                  </a:rPr>
+                  <a:t> </a:t>
+                </a:r>
+              </a:p>
+            </p:txBody>
+          </p:sp>
+        </mc:Fallback>
+      </mc:AlternateContent>
       <p:pic>
         <p:nvPicPr>
           <p:cNvPr id="2" name="图片 1"/>
@@ -9061,7 +9545,7 @@
           <p:nvPr/>
         </p:nvPicPr>
         <p:blipFill>
-          <a:blip r:embed="rId3">
+          <a:blip r:embed="rId4">
             <a:extLst>
               <a:ext uri="{28A0092B-C50C-407E-A947-70E740481C1C}">
                 <a14:useLocalDpi xmlns:a14="http://schemas.microsoft.com/office/drawing/2010/main" val="0"/>
@@ -9074,18 +9558,81 @@
         </p:blipFill>
         <p:spPr>
           <a:xfrm>
-            <a:off x="1510145" y="1523621"/>
-            <a:ext cx="6576176" cy="5334379"/>
+            <a:off x="5330987" y="2630659"/>
+            <a:ext cx="3172933" cy="3052787"/>
           </a:xfrm>
           <a:prstGeom prst="rect">
             <a:avLst/>
           </a:prstGeom>
         </p:spPr>
       </p:pic>
+      <p:sp>
+        <p:nvSpPr>
+          <p:cNvPr id="6" name="TextShape 3"/>
+          <p:cNvSpPr txBox="1"/>
+          <p:nvPr/>
+        </p:nvSpPr>
+        <p:spPr>
+          <a:xfrm>
+            <a:off x="7550728" y="6450839"/>
+            <a:ext cx="1593272" cy="254761"/>
+          </a:xfrm>
+          <a:prstGeom prst="rect">
+            <a:avLst/>
+          </a:prstGeom>
+          <a:noFill/>
+          <a:ln>
+            <a:noFill/>
+          </a:ln>
+        </p:spPr>
+        <p:txBody>
+          <a:bodyPr lIns="90000" tIns="45000" rIns="90000" bIns="45000"/>
+          <a:lstStyle/>
+          <a:p>
+            <a:r>
+              <a:rPr lang="en-US" sz="1200" spc="-1" dirty="0" smtClean="0">
+                <a:solidFill>
+                  <a:srgbClr val="000000"/>
+                </a:solidFill>
+                <a:uFill>
+                  <a:solidFill>
+                    <a:srgbClr val="FFFFFF"/>
+                  </a:solidFill>
+                </a:uFill>
+              </a:rPr>
+              <a:t>Image From </a:t>
+            </a:r>
+            <a:r>
+              <a:rPr lang="en-US" sz="1200" spc="-1" dirty="0" smtClean="0">
+                <a:solidFill>
+                  <a:srgbClr val="000000"/>
+                </a:solidFill>
+                <a:uFill>
+                  <a:solidFill>
+                    <a:srgbClr val="FFFFFF"/>
+                  </a:solidFill>
+                </a:uFill>
+              </a:rPr>
+              <a:t>blog</a:t>
+            </a:r>
+            <a:endParaRPr lang="en-US" sz="1200" b="0" strike="noStrike" spc="-1" dirty="0">
+              <a:solidFill>
+                <a:srgbClr val="000000"/>
+              </a:solidFill>
+              <a:uFill>
+                <a:solidFill>
+                  <a:srgbClr val="FFFFFF"/>
+                </a:solidFill>
+              </a:uFill>
+              <a:latin typeface="Arial"/>
+            </a:endParaRPr>
+          </a:p>
+        </p:txBody>
+      </p:sp>
     </p:spTree>
     <p:extLst>
       <p:ext uri="{BB962C8B-B14F-4D97-AF65-F5344CB8AC3E}">
-        <p14:creationId xmlns:p14="http://schemas.microsoft.com/office/powerpoint/2010/main" val="3200403092"/>
+        <p14:creationId xmlns:p14="http://schemas.microsoft.com/office/powerpoint/2010/main" val="2743133107"/>
       </p:ext>
     </p:extLst>
   </p:cSld>
@@ -9509,6 +10056,785 @@
       </p:grpSpPr>
       <p:sp>
         <p:nvSpPr>
+          <p:cNvPr id="78" name="CustomShape 1"/>
+          <p:cNvSpPr/>
+          <p:nvPr/>
+        </p:nvSpPr>
+        <p:spPr>
+          <a:xfrm>
+            <a:off x="1392120" y="1005844"/>
+            <a:ext cx="7111800" cy="1065240"/>
+          </a:xfrm>
+          <a:prstGeom prst="rect">
+            <a:avLst/>
+          </a:prstGeom>
+          <a:noFill/>
+          <a:ln>
+            <a:noFill/>
+          </a:ln>
+        </p:spPr>
+        <p:style>
+          <a:lnRef idx="0">
+            <a:scrgbClr r="0" g="0" b="0"/>
+          </a:lnRef>
+          <a:fillRef idx="0">
+            <a:scrgbClr r="0" g="0" b="0"/>
+          </a:fillRef>
+          <a:effectRef idx="0">
+            <a:scrgbClr r="0" g="0" b="0"/>
+          </a:effectRef>
+          <a:fontRef idx="minor"/>
+        </p:style>
+        <p:txBody>
+          <a:bodyPr lIns="90000" tIns="45000" rIns="90000" bIns="45000"/>
+          <a:lstStyle/>
+          <a:p>
+            <a:pPr>
+              <a:lnSpc>
+                <a:spcPct val="100000"/>
+              </a:lnSpc>
+            </a:pPr>
+            <a:r>
+              <a:rPr lang="en-US" altLang="zh-CN" sz="3200" spc="-1" dirty="0" smtClean="0">
+                <a:solidFill>
+                  <a:srgbClr val="C0504D"/>
+                </a:solidFill>
+                <a:uFill>
+                  <a:solidFill>
+                    <a:srgbClr val="FFFFFF"/>
+                  </a:solidFill>
+                </a:uFill>
+                <a:latin typeface="Calibri"/>
+              </a:rPr>
+              <a:t>Inception V3</a:t>
+            </a:r>
+            <a:endParaRPr lang="en-US" altLang="zh-CN" sz="3200" spc="-1" dirty="0">
+              <a:solidFill>
+                <a:srgbClr val="C0504D"/>
+              </a:solidFill>
+              <a:uFill>
+                <a:solidFill>
+                  <a:srgbClr val="FFFFFF"/>
+                </a:solidFill>
+              </a:uFill>
+              <a:latin typeface="Calibri"/>
+              <a:ea typeface="Noto Sans CJK SC Regular"/>
+            </a:endParaRPr>
+          </a:p>
+        </p:txBody>
+      </p:sp>
+      <p:sp>
+        <p:nvSpPr>
+          <p:cNvPr id="7" name="CustomShape 3"/>
+          <p:cNvSpPr/>
+          <p:nvPr/>
+        </p:nvSpPr>
+        <p:spPr>
+          <a:xfrm>
+            <a:off x="376923" y="3160872"/>
+            <a:ext cx="4413157" cy="1900216"/>
+          </a:xfrm>
+          <a:prstGeom prst="rect">
+            <a:avLst/>
+          </a:prstGeom>
+          <a:noFill/>
+          <a:ln>
+            <a:noFill/>
+          </a:ln>
+        </p:spPr>
+        <p:style>
+          <a:lnRef idx="0">
+            <a:scrgbClr r="0" g="0" b="0"/>
+          </a:lnRef>
+          <a:fillRef idx="0">
+            <a:scrgbClr r="0" g="0" b="0"/>
+          </a:fillRef>
+          <a:effectRef idx="0">
+            <a:scrgbClr r="0" g="0" b="0"/>
+          </a:effectRef>
+          <a:fontRef idx="minor"/>
+        </p:style>
+        <p:txBody>
+          <a:bodyPr lIns="90000" tIns="45000" rIns="90000" bIns="45000"/>
+          <a:lstStyle/>
+          <a:p>
+            <a:pPr marL="285840" indent="-285480">
+              <a:lnSpc>
+                <a:spcPct val="125000"/>
+              </a:lnSpc>
+              <a:buClr>
+                <a:srgbClr val="000000"/>
+              </a:buClr>
+              <a:buFont typeface="Wingdings" charset="2"/>
+              <a:buChar char=""/>
+            </a:pPr>
+            <a:r>
+              <a:rPr lang="en-US" sz="2400" spc="-1" dirty="0" smtClean="0">
+                <a:solidFill>
+                  <a:srgbClr val="000000"/>
+                </a:solidFill>
+                <a:uFill>
+                  <a:solidFill>
+                    <a:srgbClr val="FFFFFF"/>
+                  </a:solidFill>
+                </a:uFill>
+                <a:latin typeface="Times New Roman"/>
+              </a:rPr>
+              <a:t>Decompose filter </a:t>
+            </a:r>
+            <a:r>
+              <a:rPr lang="en-US" sz="2400" spc="-1" dirty="0">
+                <a:solidFill>
+                  <a:srgbClr val="000000"/>
+                </a:solidFill>
+                <a:uFill>
+                  <a:solidFill>
+                    <a:srgbClr val="FFFFFF"/>
+                  </a:solidFill>
+                </a:uFill>
+                <a:latin typeface="Times New Roman"/>
+              </a:rPr>
+              <a:t>into two one-dimensional </a:t>
+            </a:r>
+            <a:endParaRPr lang="en-US" sz="2400" spc="-1" dirty="0" smtClean="0">
+              <a:solidFill>
+                <a:srgbClr val="000000"/>
+              </a:solidFill>
+              <a:uFill>
+                <a:solidFill>
+                  <a:srgbClr val="FFFFFF"/>
+                </a:solidFill>
+              </a:uFill>
+              <a:latin typeface="Times New Roman"/>
+            </a:endParaRPr>
+          </a:p>
+          <a:p>
+            <a:pPr>
+              <a:lnSpc>
+                <a:spcPct val="125000"/>
+              </a:lnSpc>
+            </a:pPr>
+            <a:endParaRPr lang="en-US" sz="1800" b="0" strike="noStrike" spc="-1" dirty="0">
+              <a:solidFill>
+                <a:srgbClr val="000000"/>
+              </a:solidFill>
+              <a:uFill>
+                <a:solidFill>
+                  <a:srgbClr val="FFFFFF"/>
+                </a:solidFill>
+              </a:uFill>
+              <a:latin typeface="Arial"/>
+            </a:endParaRPr>
+          </a:p>
+        </p:txBody>
+      </p:sp>
+      <p:pic>
+        <p:nvPicPr>
+          <p:cNvPr id="2" name="图片 1"/>
+          <p:cNvPicPr>
+            <a:picLocks noChangeAspect="1"/>
+          </p:cNvPicPr>
+          <p:nvPr/>
+        </p:nvPicPr>
+        <p:blipFill>
+          <a:blip r:embed="rId3">
+            <a:extLst>
+              <a:ext uri="{28A0092B-C50C-407E-A947-70E740481C1C}">
+                <a14:useLocalDpi xmlns:a14="http://schemas.microsoft.com/office/drawing/2010/main" val="0"/>
+              </a:ext>
+            </a:extLst>
+          </a:blip>
+          <a:stretch>
+            <a:fillRect/>
+          </a:stretch>
+        </p:blipFill>
+        <p:spPr>
+          <a:xfrm>
+            <a:off x="5094880" y="1749480"/>
+            <a:ext cx="3209717" cy="4225313"/>
+          </a:xfrm>
+          <a:prstGeom prst="rect">
+            <a:avLst/>
+          </a:prstGeom>
+        </p:spPr>
+      </p:pic>
+      <p:sp>
+        <p:nvSpPr>
+          <p:cNvPr id="6" name="TextShape 3"/>
+          <p:cNvSpPr txBox="1"/>
+          <p:nvPr/>
+        </p:nvSpPr>
+        <p:spPr>
+          <a:xfrm>
+            <a:off x="7204363" y="6399726"/>
+            <a:ext cx="1667844" cy="318703"/>
+          </a:xfrm>
+          <a:prstGeom prst="rect">
+            <a:avLst/>
+          </a:prstGeom>
+          <a:noFill/>
+          <a:ln>
+            <a:noFill/>
+          </a:ln>
+        </p:spPr>
+        <p:txBody>
+          <a:bodyPr lIns="90000" tIns="45000" rIns="90000" bIns="45000"/>
+          <a:lstStyle/>
+          <a:p>
+            <a:r>
+              <a:rPr lang="en-US" sz="1400" spc="-1" dirty="0" smtClean="0">
+                <a:solidFill>
+                  <a:srgbClr val="000000"/>
+                </a:solidFill>
+                <a:uFill>
+                  <a:solidFill>
+                    <a:srgbClr val="FFFFFF"/>
+                  </a:solidFill>
+                </a:uFill>
+              </a:rPr>
+              <a:t>Image From </a:t>
+            </a:r>
+            <a:r>
+              <a:rPr lang="en-US" sz="1400" spc="-1" dirty="0" smtClean="0">
+                <a:solidFill>
+                  <a:srgbClr val="000000"/>
+                </a:solidFill>
+                <a:uFill>
+                  <a:solidFill>
+                    <a:srgbClr val="FFFFFF"/>
+                  </a:solidFill>
+                </a:uFill>
+              </a:rPr>
+              <a:t>blog</a:t>
+            </a:r>
+            <a:endParaRPr lang="en-US" sz="1400" b="0" strike="noStrike" spc="-1" dirty="0">
+              <a:solidFill>
+                <a:srgbClr val="000000"/>
+              </a:solidFill>
+              <a:uFill>
+                <a:solidFill>
+                  <a:srgbClr val="FFFFFF"/>
+                </a:solidFill>
+              </a:uFill>
+              <a:latin typeface="Arial"/>
+            </a:endParaRPr>
+          </a:p>
+        </p:txBody>
+      </p:sp>
+    </p:spTree>
+    <p:extLst>
+      <p:ext uri="{BB962C8B-B14F-4D97-AF65-F5344CB8AC3E}">
+        <p14:creationId xmlns:p14="http://schemas.microsoft.com/office/powerpoint/2010/main" val="1113932516"/>
+      </p:ext>
+    </p:extLst>
+  </p:cSld>
+  <p:clrMapOvr>
+    <a:masterClrMapping/>
+  </p:clrMapOvr>
+  <p:timing>
+    <p:tnLst>
+      <p:par>
+        <p:cTn id="1" dur="indefinite" restart="never" nodeType="tmRoot">
+          <p:childTnLst>
+            <p:seq>
+              <p:cTn id="2" nodeType="mainSeq"/>
+              <p:prevCondLst>
+                <p:cond evt="onPrev" delay="0">
+                  <p:tgtEl>
+                    <p:sldTgt/>
+                  </p:tgtEl>
+                </p:cond>
+              </p:prevCondLst>
+              <p:nextCondLst>
+                <p:cond evt="onNext" delay="0">
+                  <p:tgtEl>
+                    <p:sldTgt/>
+                  </p:tgtEl>
+                </p:cond>
+              </p:nextCondLst>
+            </p:seq>
+          </p:childTnLst>
+        </p:cTn>
+      </p:par>
+    </p:tnLst>
+  </p:timing>
+</p:sld>
+</file>
+
+<file path=ppt/slides/slide21.xml><?xml version="1.0" encoding="utf-8"?>
+<p:sld xmlns:a="http://schemas.openxmlformats.org/drawingml/2006/main" xmlns:r="http://schemas.openxmlformats.org/officeDocument/2006/relationships" xmlns:p="http://schemas.openxmlformats.org/presentationml/2006/main">
+  <p:cSld>
+    <p:spTree>
+      <p:nvGrpSpPr>
+        <p:cNvPr id="1" name=""/>
+        <p:cNvGrpSpPr/>
+        <p:nvPr/>
+      </p:nvGrpSpPr>
+      <p:grpSpPr>
+        <a:xfrm>
+          <a:off x="0" y="0"/>
+          <a:ext cx="0" cy="0"/>
+          <a:chOff x="0" y="0"/>
+          <a:chExt cx="0" cy="0"/>
+        </a:xfrm>
+      </p:grpSpPr>
+      <p:sp>
+        <p:nvSpPr>
+          <p:cNvPr id="78" name="CustomShape 1"/>
+          <p:cNvSpPr/>
+          <p:nvPr/>
+        </p:nvSpPr>
+        <p:spPr>
+          <a:xfrm>
+            <a:off x="1392120" y="1005844"/>
+            <a:ext cx="7111800" cy="1065240"/>
+          </a:xfrm>
+          <a:prstGeom prst="rect">
+            <a:avLst/>
+          </a:prstGeom>
+          <a:noFill/>
+          <a:ln>
+            <a:noFill/>
+          </a:ln>
+        </p:spPr>
+        <p:style>
+          <a:lnRef idx="0">
+            <a:scrgbClr r="0" g="0" b="0"/>
+          </a:lnRef>
+          <a:fillRef idx="0">
+            <a:scrgbClr r="0" g="0" b="0"/>
+          </a:fillRef>
+          <a:effectRef idx="0">
+            <a:scrgbClr r="0" g="0" b="0"/>
+          </a:effectRef>
+          <a:fontRef idx="minor"/>
+        </p:style>
+        <p:txBody>
+          <a:bodyPr lIns="90000" tIns="45000" rIns="90000" bIns="45000"/>
+          <a:lstStyle/>
+          <a:p>
+            <a:pPr>
+              <a:lnSpc>
+                <a:spcPct val="100000"/>
+              </a:lnSpc>
+            </a:pPr>
+            <a:r>
+              <a:rPr lang="en-US" altLang="zh-CN" sz="3200" spc="-1" dirty="0" smtClean="0">
+                <a:solidFill>
+                  <a:srgbClr val="C0504D"/>
+                </a:solidFill>
+                <a:uFill>
+                  <a:solidFill>
+                    <a:srgbClr val="FFFFFF"/>
+                  </a:solidFill>
+                </a:uFill>
+                <a:latin typeface="Calibri"/>
+              </a:rPr>
+              <a:t>Res-Inception</a:t>
+            </a:r>
+            <a:endParaRPr lang="en-US" altLang="zh-CN" sz="3200" spc="-1" dirty="0">
+              <a:solidFill>
+                <a:srgbClr val="C0504D"/>
+              </a:solidFill>
+              <a:uFill>
+                <a:solidFill>
+                  <a:srgbClr val="FFFFFF"/>
+                </a:solidFill>
+              </a:uFill>
+              <a:latin typeface="Calibri"/>
+              <a:ea typeface="Noto Sans CJK SC Regular"/>
+            </a:endParaRPr>
+          </a:p>
+        </p:txBody>
+      </p:sp>
+      <p:sp>
+        <p:nvSpPr>
+          <p:cNvPr id="7" name="CustomShape 3"/>
+          <p:cNvSpPr/>
+          <p:nvPr/>
+        </p:nvSpPr>
+        <p:spPr>
+          <a:xfrm>
+            <a:off x="376923" y="3160872"/>
+            <a:ext cx="4413157" cy="1900216"/>
+          </a:xfrm>
+          <a:prstGeom prst="rect">
+            <a:avLst/>
+          </a:prstGeom>
+          <a:noFill/>
+          <a:ln>
+            <a:noFill/>
+          </a:ln>
+        </p:spPr>
+        <p:style>
+          <a:lnRef idx="0">
+            <a:scrgbClr r="0" g="0" b="0"/>
+          </a:lnRef>
+          <a:fillRef idx="0">
+            <a:scrgbClr r="0" g="0" b="0"/>
+          </a:fillRef>
+          <a:effectRef idx="0">
+            <a:scrgbClr r="0" g="0" b="0"/>
+          </a:effectRef>
+          <a:fontRef idx="minor"/>
+        </p:style>
+        <p:txBody>
+          <a:bodyPr lIns="90000" tIns="45000" rIns="90000" bIns="45000"/>
+          <a:lstStyle/>
+          <a:p>
+            <a:pPr marL="285840" indent="-285480">
+              <a:lnSpc>
+                <a:spcPct val="125000"/>
+              </a:lnSpc>
+              <a:buClr>
+                <a:srgbClr val="000000"/>
+              </a:buClr>
+              <a:buFont typeface="Wingdings" charset="2"/>
+              <a:buChar char=""/>
+            </a:pPr>
+            <a:r>
+              <a:rPr lang="en-US" sz="2400" spc="-1" dirty="0" smtClean="0">
+                <a:solidFill>
+                  <a:srgbClr val="000000"/>
+                </a:solidFill>
+                <a:uFill>
+                  <a:solidFill>
+                    <a:srgbClr val="FFFFFF"/>
+                  </a:solidFill>
+                </a:uFill>
+                <a:latin typeface="Times New Roman"/>
+              </a:rPr>
+              <a:t>Combine Inception with residual learning</a:t>
+            </a:r>
+          </a:p>
+          <a:p>
+            <a:pPr>
+              <a:lnSpc>
+                <a:spcPct val="125000"/>
+              </a:lnSpc>
+            </a:pPr>
+            <a:endParaRPr lang="en-US" sz="1800" b="0" strike="noStrike" spc="-1" dirty="0">
+              <a:solidFill>
+                <a:srgbClr val="000000"/>
+              </a:solidFill>
+              <a:uFill>
+                <a:solidFill>
+                  <a:srgbClr val="FFFFFF"/>
+                </a:solidFill>
+              </a:uFill>
+              <a:latin typeface="Arial"/>
+            </a:endParaRPr>
+          </a:p>
+        </p:txBody>
+      </p:sp>
+      <p:sp>
+        <p:nvSpPr>
+          <p:cNvPr id="6" name="TextShape 3"/>
+          <p:cNvSpPr txBox="1"/>
+          <p:nvPr/>
+        </p:nvSpPr>
+        <p:spPr>
+          <a:xfrm>
+            <a:off x="7204363" y="6399726"/>
+            <a:ext cx="1667844" cy="318703"/>
+          </a:xfrm>
+          <a:prstGeom prst="rect">
+            <a:avLst/>
+          </a:prstGeom>
+          <a:noFill/>
+          <a:ln>
+            <a:noFill/>
+          </a:ln>
+        </p:spPr>
+        <p:txBody>
+          <a:bodyPr lIns="90000" tIns="45000" rIns="90000" bIns="45000"/>
+          <a:lstStyle/>
+          <a:p>
+            <a:r>
+              <a:rPr lang="en-US" sz="1400" spc="-1" dirty="0" smtClean="0">
+                <a:solidFill>
+                  <a:srgbClr val="000000"/>
+                </a:solidFill>
+                <a:uFill>
+                  <a:solidFill>
+                    <a:srgbClr val="FFFFFF"/>
+                  </a:solidFill>
+                </a:uFill>
+              </a:rPr>
+              <a:t>Image From </a:t>
+            </a:r>
+            <a:r>
+              <a:rPr lang="en-US" sz="1400" spc="-1" dirty="0" smtClean="0">
+                <a:solidFill>
+                  <a:srgbClr val="000000"/>
+                </a:solidFill>
+                <a:uFill>
+                  <a:solidFill>
+                    <a:srgbClr val="FFFFFF"/>
+                  </a:solidFill>
+                </a:uFill>
+              </a:rPr>
+              <a:t>blog</a:t>
+            </a:r>
+            <a:endParaRPr lang="en-US" sz="1400" b="0" strike="noStrike" spc="-1" dirty="0">
+              <a:solidFill>
+                <a:srgbClr val="000000"/>
+              </a:solidFill>
+              <a:uFill>
+                <a:solidFill>
+                  <a:srgbClr val="FFFFFF"/>
+                </a:solidFill>
+              </a:uFill>
+              <a:latin typeface="Arial"/>
+            </a:endParaRPr>
+          </a:p>
+        </p:txBody>
+      </p:sp>
+      <p:pic>
+        <p:nvPicPr>
+          <p:cNvPr id="3" name="图片 2"/>
+          <p:cNvPicPr>
+            <a:picLocks noChangeAspect="1"/>
+          </p:cNvPicPr>
+          <p:nvPr/>
+        </p:nvPicPr>
+        <p:blipFill>
+          <a:blip r:embed="rId3">
+            <a:extLst>
+              <a:ext uri="{28A0092B-C50C-407E-A947-70E740481C1C}">
+                <a14:useLocalDpi xmlns:a14="http://schemas.microsoft.com/office/drawing/2010/main" val="0"/>
+              </a:ext>
+            </a:extLst>
+          </a:blip>
+          <a:stretch>
+            <a:fillRect/>
+          </a:stretch>
+        </p:blipFill>
+        <p:spPr>
+          <a:xfrm>
+            <a:off x="4109042" y="1722298"/>
+            <a:ext cx="4763165" cy="4677428"/>
+          </a:xfrm>
+          <a:prstGeom prst="rect">
+            <a:avLst/>
+          </a:prstGeom>
+        </p:spPr>
+      </p:pic>
+    </p:spTree>
+    <p:extLst>
+      <p:ext uri="{BB962C8B-B14F-4D97-AF65-F5344CB8AC3E}">
+        <p14:creationId xmlns:p14="http://schemas.microsoft.com/office/powerpoint/2010/main" val="4154220724"/>
+      </p:ext>
+    </p:extLst>
+  </p:cSld>
+  <p:clrMapOvr>
+    <a:masterClrMapping/>
+  </p:clrMapOvr>
+  <p:timing>
+    <p:tnLst>
+      <p:par>
+        <p:cTn id="1" dur="indefinite" restart="never" nodeType="tmRoot">
+          <p:childTnLst>
+            <p:seq>
+              <p:cTn id="2" nodeType="mainSeq"/>
+              <p:prevCondLst>
+                <p:cond evt="onPrev" delay="0">
+                  <p:tgtEl>
+                    <p:sldTgt/>
+                  </p:tgtEl>
+                </p:cond>
+              </p:prevCondLst>
+              <p:nextCondLst>
+                <p:cond evt="onNext" delay="0">
+                  <p:tgtEl>
+                    <p:sldTgt/>
+                  </p:tgtEl>
+                </p:cond>
+              </p:nextCondLst>
+            </p:seq>
+          </p:childTnLst>
+        </p:cTn>
+      </p:par>
+    </p:tnLst>
+  </p:timing>
+</p:sld>
+</file>
+
+<file path=ppt/slides/slide22.xml><?xml version="1.0" encoding="utf-8"?>
+<p:sld xmlns:a="http://schemas.openxmlformats.org/drawingml/2006/main" xmlns:r="http://schemas.openxmlformats.org/officeDocument/2006/relationships" xmlns:p="http://schemas.openxmlformats.org/presentationml/2006/main">
+  <p:cSld>
+    <p:spTree>
+      <p:nvGrpSpPr>
+        <p:cNvPr id="1" name=""/>
+        <p:cNvGrpSpPr/>
+        <p:nvPr/>
+      </p:nvGrpSpPr>
+      <p:grpSpPr>
+        <a:xfrm>
+          <a:off x="0" y="0"/>
+          <a:ext cx="0" cy="0"/>
+          <a:chOff x="0" y="0"/>
+          <a:chExt cx="0" cy="0"/>
+        </a:xfrm>
+      </p:grpSpPr>
+      <p:sp>
+        <p:nvSpPr>
+          <p:cNvPr id="69" name="CustomShape 1"/>
+          <p:cNvSpPr/>
+          <p:nvPr/>
+        </p:nvSpPr>
+        <p:spPr>
+          <a:xfrm>
+            <a:off x="1392120" y="992880"/>
+            <a:ext cx="6495480" cy="577440"/>
+          </a:xfrm>
+          <a:prstGeom prst="rect">
+            <a:avLst/>
+          </a:prstGeom>
+          <a:noFill/>
+          <a:ln>
+            <a:noFill/>
+          </a:ln>
+        </p:spPr>
+        <p:style>
+          <a:lnRef idx="0">
+            <a:scrgbClr r="0" g="0" b="0"/>
+          </a:lnRef>
+          <a:fillRef idx="0">
+            <a:scrgbClr r="0" g="0" b="0"/>
+          </a:fillRef>
+          <a:effectRef idx="0">
+            <a:scrgbClr r="0" g="0" b="0"/>
+          </a:effectRef>
+          <a:fontRef idx="minor"/>
+        </p:style>
+        <p:txBody>
+          <a:bodyPr lIns="90000" tIns="45000" rIns="90000" bIns="45000"/>
+          <a:lstStyle/>
+          <a:p>
+            <a:pPr>
+              <a:lnSpc>
+                <a:spcPct val="100000"/>
+              </a:lnSpc>
+            </a:pPr>
+            <a:r>
+              <a:rPr lang="en-US" sz="3200" b="0" strike="noStrike" spc="-1" dirty="0" err="1" smtClean="0">
+                <a:solidFill>
+                  <a:srgbClr val="C0504D"/>
+                </a:solidFill>
+                <a:uFill>
+                  <a:solidFill>
+                    <a:srgbClr val="FFFFFF"/>
+                  </a:solidFill>
+                </a:uFill>
+                <a:latin typeface="Calibri"/>
+                <a:ea typeface="DejaVu Sans"/>
+              </a:rPr>
+              <a:t>VGGNet</a:t>
+            </a:r>
+            <a:endParaRPr lang="en-US" sz="1800" b="0" strike="noStrike" spc="-1" dirty="0">
+              <a:solidFill>
+                <a:srgbClr val="000000"/>
+              </a:solidFill>
+              <a:uFill>
+                <a:solidFill>
+                  <a:srgbClr val="FFFFFF"/>
+                </a:solidFill>
+              </a:uFill>
+              <a:latin typeface="Arial"/>
+            </a:endParaRPr>
+          </a:p>
+        </p:txBody>
+      </p:sp>
+      <p:pic>
+        <p:nvPicPr>
+          <p:cNvPr id="2" name="图片 1"/>
+          <p:cNvPicPr>
+            <a:picLocks noChangeAspect="1"/>
+          </p:cNvPicPr>
+          <p:nvPr/>
+        </p:nvPicPr>
+        <p:blipFill>
+          <a:blip r:embed="rId3">
+            <a:extLst>
+              <a:ext uri="{28A0092B-C50C-407E-A947-70E740481C1C}">
+                <a14:useLocalDpi xmlns:a14="http://schemas.microsoft.com/office/drawing/2010/main" val="0"/>
+              </a:ext>
+            </a:extLst>
+          </a:blip>
+          <a:stretch>
+            <a:fillRect/>
+          </a:stretch>
+        </p:blipFill>
+        <p:spPr>
+          <a:xfrm>
+            <a:off x="1510145" y="1523621"/>
+            <a:ext cx="6576176" cy="5334379"/>
+          </a:xfrm>
+          <a:prstGeom prst="rect">
+            <a:avLst/>
+          </a:prstGeom>
+        </p:spPr>
+      </p:pic>
+    </p:spTree>
+    <p:extLst>
+      <p:ext uri="{BB962C8B-B14F-4D97-AF65-F5344CB8AC3E}">
+        <p14:creationId xmlns:p14="http://schemas.microsoft.com/office/powerpoint/2010/main" val="3200403092"/>
+      </p:ext>
+    </p:extLst>
+  </p:cSld>
+  <p:clrMapOvr>
+    <a:masterClrMapping/>
+  </p:clrMapOvr>
+  <p:timing>
+    <p:tnLst>
+      <p:par>
+        <p:cTn id="1" dur="indefinite" restart="never" nodeType="tmRoot">
+          <p:childTnLst>
+            <p:seq>
+              <p:cTn id="2" nodeType="mainSeq"/>
+              <p:prevCondLst>
+                <p:cond evt="onPrev" delay="0">
+                  <p:tgtEl>
+                    <p:sldTgt/>
+                  </p:tgtEl>
+                </p:cond>
+              </p:prevCondLst>
+              <p:nextCondLst>
+                <p:cond evt="onNext" delay="0">
+                  <p:tgtEl>
+                    <p:sldTgt/>
+                  </p:tgtEl>
+                </p:cond>
+              </p:nextCondLst>
+            </p:seq>
+          </p:childTnLst>
+        </p:cTn>
+      </p:par>
+    </p:tnLst>
+  </p:timing>
+</p:sld>
+</file>
+
+<file path=ppt/slides/slide23.xml><?xml version="1.0" encoding="utf-8"?>
+<p:sld xmlns:a="http://schemas.openxmlformats.org/drawingml/2006/main" xmlns:r="http://schemas.openxmlformats.org/officeDocument/2006/relationships" xmlns:p="http://schemas.openxmlformats.org/presentationml/2006/main">
+  <p:cSld>
+    <p:spTree>
+      <p:nvGrpSpPr>
+        <p:cNvPr id="1" name=""/>
+        <p:cNvGrpSpPr/>
+        <p:nvPr/>
+      </p:nvGrpSpPr>
+      <p:grpSpPr>
+        <a:xfrm>
+          <a:off x="0" y="0"/>
+          <a:ext cx="0" cy="0"/>
+          <a:chOff x="0" y="0"/>
+          <a:chExt cx="0" cy="0"/>
+        </a:xfrm>
+      </p:grpSpPr>
+      <p:sp>
+        <p:nvSpPr>
           <p:cNvPr id="69" name="CustomShape 1"/>
           <p:cNvSpPr/>
           <p:nvPr/>
@@ -9687,7 +11013,7 @@
 </p:sld>
 </file>
 
-<file path=ppt/slides/slide21.xml><?xml version="1.0" encoding="utf-8"?>
+<file path=ppt/slides/slide24.xml><?xml version="1.0" encoding="utf-8"?>
 <p:sld xmlns:a="http://schemas.openxmlformats.org/drawingml/2006/main" xmlns:r="http://schemas.openxmlformats.org/officeDocument/2006/relationships" xmlns:p="http://schemas.openxmlformats.org/presentationml/2006/main">
   <p:cSld>
     <p:spTree>
@@ -9934,556 +11260,6 @@
 </p:sld>
 </file>
 
-<file path=ppt/slides/slide22.xml><?xml version="1.0" encoding="utf-8"?>
-<p:sld xmlns:a="http://schemas.openxmlformats.org/drawingml/2006/main" xmlns:r="http://schemas.openxmlformats.org/officeDocument/2006/relationships" xmlns:p="http://schemas.openxmlformats.org/presentationml/2006/main">
-  <p:cSld>
-    <p:spTree>
-      <p:nvGrpSpPr>
-        <p:cNvPr id="1" name=""/>
-        <p:cNvGrpSpPr/>
-        <p:nvPr/>
-      </p:nvGrpSpPr>
-      <p:grpSpPr>
-        <a:xfrm>
-          <a:off x="0" y="0"/>
-          <a:ext cx="0" cy="0"/>
-          <a:chOff x="0" y="0"/>
-          <a:chExt cx="0" cy="0"/>
-        </a:xfrm>
-      </p:grpSpPr>
-      <p:sp>
-        <p:nvSpPr>
-          <p:cNvPr id="65" name="CustomShape 1"/>
-          <p:cNvSpPr/>
-          <p:nvPr/>
-        </p:nvSpPr>
-        <p:spPr>
-          <a:xfrm>
-            <a:off x="1392120" y="992880"/>
-            <a:ext cx="6495480" cy="577440"/>
-          </a:xfrm>
-          <a:prstGeom prst="rect">
-            <a:avLst/>
-          </a:prstGeom>
-          <a:noFill/>
-          <a:ln>
-            <a:noFill/>
-          </a:ln>
-        </p:spPr>
-        <p:style>
-          <a:lnRef idx="0">
-            <a:scrgbClr r="0" g="0" b="0"/>
-          </a:lnRef>
-          <a:fillRef idx="0">
-            <a:scrgbClr r="0" g="0" b="0"/>
-          </a:fillRef>
-          <a:effectRef idx="0">
-            <a:scrgbClr r="0" g="0" b="0"/>
-          </a:effectRef>
-          <a:fontRef idx="minor"/>
-        </p:style>
-        <p:txBody>
-          <a:bodyPr lIns="90000" tIns="45000" rIns="90000" bIns="45000"/>
-          <a:lstStyle/>
-          <a:p>
-            <a:pPr>
-              <a:lnSpc>
-                <a:spcPct val="100000"/>
-              </a:lnSpc>
-            </a:pPr>
-            <a:r>
-              <a:rPr lang="en-US" sz="3200" b="0" strike="noStrike" spc="-1" dirty="0" smtClean="0">
-                <a:solidFill>
-                  <a:srgbClr val="C0504D"/>
-                </a:solidFill>
-                <a:uFill>
-                  <a:solidFill>
-                    <a:srgbClr val="FFFFFF"/>
-                  </a:solidFill>
-                </a:uFill>
-                <a:latin typeface="Calibri"/>
-                <a:ea typeface="DejaVu Sans"/>
-              </a:rPr>
-              <a:t>Residual Learning</a:t>
-            </a:r>
-            <a:endParaRPr lang="en-US" sz="1800" b="0" strike="noStrike" spc="-1" dirty="0">
-              <a:solidFill>
-                <a:srgbClr val="000000"/>
-              </a:solidFill>
-              <a:uFill>
-                <a:solidFill>
-                  <a:srgbClr val="FFFFFF"/>
-                </a:solidFill>
-              </a:uFill>
-              <a:latin typeface="Arial"/>
-            </a:endParaRPr>
-          </a:p>
-        </p:txBody>
-      </p:sp>
-      <p:pic>
-        <p:nvPicPr>
-          <p:cNvPr id="68" name="图片 70"/>
-          <p:cNvPicPr/>
-          <p:nvPr/>
-        </p:nvPicPr>
-        <p:blipFill>
-          <a:blip r:embed="rId3"/>
-          <a:stretch/>
-        </p:blipFill>
-        <p:spPr>
-          <a:xfrm>
-            <a:off x="1645920" y="2194560"/>
-            <a:ext cx="6009480" cy="2866320"/>
-          </a:xfrm>
-          <a:prstGeom prst="rect">
-            <a:avLst/>
-          </a:prstGeom>
-          <a:ln>
-            <a:noFill/>
-          </a:ln>
-        </p:spPr>
-      </p:pic>
-      <p:sp>
-        <p:nvSpPr>
-          <p:cNvPr id="2" name="矩形 1"/>
-          <p:cNvSpPr/>
-          <p:nvPr/>
-        </p:nvSpPr>
-        <p:spPr>
-          <a:xfrm>
-            <a:off x="0" y="6211669"/>
-            <a:ext cx="9017391" cy="646331"/>
-          </a:xfrm>
-          <a:prstGeom prst="rect">
-            <a:avLst/>
-          </a:prstGeom>
-        </p:spPr>
-        <p:txBody>
-          <a:bodyPr wrap="square">
-            <a:spAutoFit/>
-          </a:bodyPr>
-          <a:lstStyle/>
-          <a:p>
-            <a:r>
-              <a:rPr lang="zh-CN" altLang="en-US" dirty="0"/>
-              <a:t>He, Kaiming, et al. "Deep Residual Learning for Image Recognition." computer vision and pattern recognition (2016): 770-778.</a:t>
-            </a:r>
-          </a:p>
-        </p:txBody>
-      </p:sp>
-    </p:spTree>
-  </p:cSld>
-  <p:clrMapOvr>
-    <a:masterClrMapping/>
-  </p:clrMapOvr>
-  <p:timing>
-    <p:tnLst>
-      <p:par>
-        <p:cTn id="1" dur="indefinite" restart="never" nodeType="tmRoot">
-          <p:childTnLst>
-            <p:seq>
-              <p:cTn id="2" nodeType="mainSeq"/>
-              <p:prevCondLst>
-                <p:cond evt="onPrev" delay="0">
-                  <p:tgtEl>
-                    <p:sldTgt/>
-                  </p:tgtEl>
-                </p:cond>
-              </p:prevCondLst>
-              <p:nextCondLst>
-                <p:cond evt="onNext" delay="0">
-                  <p:tgtEl>
-                    <p:sldTgt/>
-                  </p:tgtEl>
-                </p:cond>
-              </p:nextCondLst>
-            </p:seq>
-          </p:childTnLst>
-        </p:cTn>
-      </p:par>
-    </p:tnLst>
-  </p:timing>
-</p:sld>
-</file>
-
-<file path=ppt/slides/slide23.xml><?xml version="1.0" encoding="utf-8"?>
-<p:sld xmlns:a="http://schemas.openxmlformats.org/drawingml/2006/main" xmlns:r="http://schemas.openxmlformats.org/officeDocument/2006/relationships" xmlns:p="http://schemas.openxmlformats.org/presentationml/2006/main">
-  <p:cSld>
-    <p:spTree>
-      <p:nvGrpSpPr>
-        <p:cNvPr id="1" name=""/>
-        <p:cNvGrpSpPr/>
-        <p:nvPr/>
-      </p:nvGrpSpPr>
-      <p:grpSpPr>
-        <a:xfrm>
-          <a:off x="0" y="0"/>
-          <a:ext cx="0" cy="0"/>
-          <a:chOff x="0" y="0"/>
-          <a:chExt cx="0" cy="0"/>
-        </a:xfrm>
-      </p:grpSpPr>
-      <p:sp>
-        <p:nvSpPr>
-          <p:cNvPr id="65" name="CustomShape 1"/>
-          <p:cNvSpPr/>
-          <p:nvPr/>
-        </p:nvSpPr>
-        <p:spPr>
-          <a:xfrm>
-            <a:off x="1392120" y="992880"/>
-            <a:ext cx="6495480" cy="577440"/>
-          </a:xfrm>
-          <a:prstGeom prst="rect">
-            <a:avLst/>
-          </a:prstGeom>
-          <a:noFill/>
-          <a:ln>
-            <a:noFill/>
-          </a:ln>
-        </p:spPr>
-        <p:style>
-          <a:lnRef idx="0">
-            <a:scrgbClr r="0" g="0" b="0"/>
-          </a:lnRef>
-          <a:fillRef idx="0">
-            <a:scrgbClr r="0" g="0" b="0"/>
-          </a:fillRef>
-          <a:effectRef idx="0">
-            <a:scrgbClr r="0" g="0" b="0"/>
-          </a:effectRef>
-          <a:fontRef idx="minor"/>
-        </p:style>
-        <p:txBody>
-          <a:bodyPr lIns="90000" tIns="45000" rIns="90000" bIns="45000"/>
-          <a:lstStyle/>
-          <a:p>
-            <a:pPr>
-              <a:lnSpc>
-                <a:spcPct val="100000"/>
-              </a:lnSpc>
-            </a:pPr>
-            <a:r>
-              <a:rPr lang="en-US" sz="3200" b="0" strike="noStrike" spc="-1" dirty="0" err="1" smtClean="0">
-                <a:solidFill>
-                  <a:srgbClr val="C0504D"/>
-                </a:solidFill>
-                <a:uFill>
-                  <a:solidFill>
-                    <a:srgbClr val="FFFFFF"/>
-                  </a:solidFill>
-                </a:uFill>
-                <a:latin typeface="Calibri"/>
-                <a:ea typeface="DejaVu Sans"/>
-              </a:rPr>
-              <a:t>ResNet</a:t>
-            </a:r>
-            <a:endParaRPr lang="en-US" sz="1800" b="0" strike="noStrike" spc="-1" dirty="0">
-              <a:solidFill>
-                <a:srgbClr val="000000"/>
-              </a:solidFill>
-              <a:uFill>
-                <a:solidFill>
-                  <a:srgbClr val="FFFFFF"/>
-                </a:solidFill>
-              </a:uFill>
-              <a:latin typeface="Arial"/>
-            </a:endParaRPr>
-          </a:p>
-        </p:txBody>
-      </p:sp>
-      <p:pic>
-        <p:nvPicPr>
-          <p:cNvPr id="2" name="图片 1"/>
-          <p:cNvPicPr>
-            <a:picLocks noChangeAspect="1"/>
-          </p:cNvPicPr>
-          <p:nvPr/>
-        </p:nvPicPr>
-        <p:blipFill>
-          <a:blip r:embed="rId3">
-            <a:extLst>
-              <a:ext uri="{28A0092B-C50C-407E-A947-70E740481C1C}">
-                <a14:useLocalDpi xmlns:a14="http://schemas.microsoft.com/office/drawing/2010/main" val="0"/>
-              </a:ext>
-            </a:extLst>
-          </a:blip>
-          <a:stretch>
-            <a:fillRect/>
-          </a:stretch>
-        </p:blipFill>
-        <p:spPr>
-          <a:xfrm>
-            <a:off x="0" y="2098158"/>
-            <a:ext cx="9144000" cy="3880884"/>
-          </a:xfrm>
-          <a:prstGeom prst="rect">
-            <a:avLst/>
-          </a:prstGeom>
-        </p:spPr>
-      </p:pic>
-      <p:sp>
-        <p:nvSpPr>
-          <p:cNvPr id="4" name="矩形 3"/>
-          <p:cNvSpPr/>
-          <p:nvPr/>
-        </p:nvSpPr>
-        <p:spPr>
-          <a:xfrm>
-            <a:off x="0" y="6211669"/>
-            <a:ext cx="9017391" cy="646331"/>
-          </a:xfrm>
-          <a:prstGeom prst="rect">
-            <a:avLst/>
-          </a:prstGeom>
-        </p:spPr>
-        <p:txBody>
-          <a:bodyPr wrap="square">
-            <a:spAutoFit/>
-          </a:bodyPr>
-          <a:lstStyle/>
-          <a:p>
-            <a:r>
-              <a:rPr lang="zh-CN" altLang="en-US" dirty="0"/>
-              <a:t>He, Kaiming, et al. "Deep Residual Learning for Image Recognition." computer vision and pattern recognition (2016): 770-778.</a:t>
-            </a:r>
-          </a:p>
-        </p:txBody>
-      </p:sp>
-    </p:spTree>
-    <p:extLst>
-      <p:ext uri="{BB962C8B-B14F-4D97-AF65-F5344CB8AC3E}">
-        <p14:creationId xmlns:p14="http://schemas.microsoft.com/office/powerpoint/2010/main" val="2243012586"/>
-      </p:ext>
-    </p:extLst>
-  </p:cSld>
-  <p:clrMapOvr>
-    <a:masterClrMapping/>
-  </p:clrMapOvr>
-  <p:timing>
-    <p:tnLst>
-      <p:par>
-        <p:cTn id="1" dur="indefinite" restart="never" nodeType="tmRoot">
-          <p:childTnLst>
-            <p:seq>
-              <p:cTn id="2" nodeType="mainSeq"/>
-              <p:prevCondLst>
-                <p:cond evt="onPrev" delay="0">
-                  <p:tgtEl>
-                    <p:sldTgt/>
-                  </p:tgtEl>
-                </p:cond>
-              </p:prevCondLst>
-              <p:nextCondLst>
-                <p:cond evt="onNext" delay="0">
-                  <p:tgtEl>
-                    <p:sldTgt/>
-                  </p:tgtEl>
-                </p:cond>
-              </p:nextCondLst>
-            </p:seq>
-          </p:childTnLst>
-        </p:cTn>
-      </p:par>
-    </p:tnLst>
-  </p:timing>
-</p:sld>
-</file>
-
-<file path=ppt/slides/slide24.xml><?xml version="1.0" encoding="utf-8"?>
-<p:sld xmlns:a="http://schemas.openxmlformats.org/drawingml/2006/main" xmlns:r="http://schemas.openxmlformats.org/officeDocument/2006/relationships" xmlns:p="http://schemas.openxmlformats.org/presentationml/2006/main">
-  <p:cSld>
-    <p:spTree>
-      <p:nvGrpSpPr>
-        <p:cNvPr id="1" name=""/>
-        <p:cNvGrpSpPr/>
-        <p:nvPr/>
-      </p:nvGrpSpPr>
-      <p:grpSpPr>
-        <a:xfrm>
-          <a:off x="0" y="0"/>
-          <a:ext cx="0" cy="0"/>
-          <a:chOff x="0" y="0"/>
-          <a:chExt cx="0" cy="0"/>
-        </a:xfrm>
-      </p:grpSpPr>
-      <p:sp>
-        <p:nvSpPr>
-          <p:cNvPr id="57" name="CustomShape 1"/>
-          <p:cNvSpPr/>
-          <p:nvPr/>
-        </p:nvSpPr>
-        <p:spPr>
-          <a:xfrm>
-            <a:off x="1392120" y="992880"/>
-            <a:ext cx="6495480" cy="577440"/>
-          </a:xfrm>
-          <a:prstGeom prst="rect">
-            <a:avLst/>
-          </a:prstGeom>
-          <a:noFill/>
-          <a:ln>
-            <a:noFill/>
-          </a:ln>
-        </p:spPr>
-        <p:style>
-          <a:lnRef idx="0">
-            <a:scrgbClr r="0" g="0" b="0"/>
-          </a:lnRef>
-          <a:fillRef idx="0">
-            <a:scrgbClr r="0" g="0" b="0"/>
-          </a:fillRef>
-          <a:effectRef idx="0">
-            <a:scrgbClr r="0" g="0" b="0"/>
-          </a:effectRef>
-          <a:fontRef idx="minor"/>
-        </p:style>
-        <p:txBody>
-          <a:bodyPr lIns="90000" tIns="45000" rIns="90000" bIns="45000"/>
-          <a:lstStyle/>
-          <a:p>
-            <a:pPr>
-              <a:lnSpc>
-                <a:spcPct val="100000"/>
-              </a:lnSpc>
-            </a:pPr>
-            <a:r>
-              <a:rPr lang="en-US" sz="3200" b="0" strike="noStrike" spc="-1" dirty="0" smtClean="0">
-                <a:solidFill>
-                  <a:srgbClr val="C0504D"/>
-                </a:solidFill>
-                <a:uFill>
-                  <a:solidFill>
-                    <a:srgbClr val="FFFFFF"/>
-                  </a:solidFill>
-                </a:uFill>
-                <a:latin typeface="Calibri"/>
-                <a:ea typeface="DejaVu Sans"/>
-              </a:rPr>
-              <a:t>Highlight of </a:t>
-            </a:r>
-            <a:r>
-              <a:rPr lang="en-US" sz="3200" b="0" strike="noStrike" spc="-1" dirty="0" err="1" smtClean="0">
-                <a:solidFill>
-                  <a:srgbClr val="C0504D"/>
-                </a:solidFill>
-                <a:uFill>
-                  <a:solidFill>
-                    <a:srgbClr val="FFFFFF"/>
-                  </a:solidFill>
-                </a:uFill>
-                <a:latin typeface="Calibri"/>
-                <a:ea typeface="DejaVu Sans"/>
-              </a:rPr>
-              <a:t>ResNet</a:t>
-            </a:r>
-            <a:endParaRPr lang="en-US" sz="1800" b="0" strike="noStrike" spc="-1" dirty="0">
-              <a:solidFill>
-                <a:srgbClr val="000000"/>
-              </a:solidFill>
-              <a:uFill>
-                <a:solidFill>
-                  <a:srgbClr val="FFFFFF"/>
-                </a:solidFill>
-              </a:uFill>
-              <a:latin typeface="Arial"/>
-            </a:endParaRPr>
-          </a:p>
-        </p:txBody>
-      </p:sp>
-      <p:sp>
-        <p:nvSpPr>
-          <p:cNvPr id="5" name="文本框 4"/>
-          <p:cNvSpPr txBox="1"/>
-          <p:nvPr/>
-        </p:nvSpPr>
-        <p:spPr>
-          <a:xfrm>
-            <a:off x="926841" y="2784763"/>
-            <a:ext cx="7426037" cy="1384995"/>
-          </a:xfrm>
-          <a:prstGeom prst="rect">
-            <a:avLst/>
-          </a:prstGeom>
-          <a:noFill/>
-        </p:spPr>
-        <p:txBody>
-          <a:bodyPr wrap="square" rtlCol="0">
-            <a:spAutoFit/>
-          </a:bodyPr>
-          <a:lstStyle/>
-          <a:p>
-            <a:pPr marL="285750" indent="-285750">
-              <a:buFont typeface="Wingdings" panose="05000000000000000000" pitchFamily="2" charset="2"/>
-              <a:buChar char="Ø"/>
-            </a:pPr>
-            <a:r>
-              <a:rPr lang="en-US" altLang="zh-CN" sz="2800" dirty="0" smtClean="0"/>
-              <a:t>Residual learning</a:t>
-            </a:r>
-          </a:p>
-          <a:p>
-            <a:pPr marL="285750" indent="-285750">
-              <a:buFont typeface="Wingdings" panose="05000000000000000000" pitchFamily="2" charset="2"/>
-              <a:buChar char="Ø"/>
-            </a:pPr>
-            <a:r>
-              <a:rPr lang="en-US" altLang="zh-CN" sz="2800" dirty="0" smtClean="0"/>
-              <a:t>Global average pooling</a:t>
-            </a:r>
-          </a:p>
-          <a:p>
-            <a:pPr marL="285750" indent="-285750">
-              <a:buFont typeface="Wingdings" panose="05000000000000000000" pitchFamily="2" charset="2"/>
-              <a:buChar char="Ø"/>
-            </a:pPr>
-            <a:r>
-              <a:rPr lang="en-US" altLang="zh-CN" sz="2800" dirty="0" smtClean="0"/>
-              <a:t>Much deeper</a:t>
-            </a:r>
-          </a:p>
-        </p:txBody>
-      </p:sp>
-    </p:spTree>
-    <p:extLst>
-      <p:ext uri="{BB962C8B-B14F-4D97-AF65-F5344CB8AC3E}">
-        <p14:creationId xmlns:p14="http://schemas.microsoft.com/office/powerpoint/2010/main" val="1957682114"/>
-      </p:ext>
-    </p:extLst>
-  </p:cSld>
-  <p:clrMapOvr>
-    <a:masterClrMapping/>
-  </p:clrMapOvr>
-  <p:timing>
-    <p:tnLst>
-      <p:par>
-        <p:cTn id="1" dur="indefinite" restart="never" nodeType="tmRoot">
-          <p:childTnLst>
-            <p:seq>
-              <p:cTn id="2" nodeType="mainSeq"/>
-              <p:prevCondLst>
-                <p:cond evt="onPrev" delay="0">
-                  <p:tgtEl>
-                    <p:sldTgt/>
-                  </p:tgtEl>
-                </p:cond>
-              </p:prevCondLst>
-              <p:nextCondLst>
-                <p:cond evt="onNext" delay="0">
-                  <p:tgtEl>
-                    <p:sldTgt/>
-                  </p:tgtEl>
-                </p:cond>
-              </p:nextCondLst>
-            </p:seq>
-          </p:childTnLst>
-        </p:cTn>
-      </p:par>
-    </p:tnLst>
-  </p:timing>
-</p:sld>
-</file>
-
 <file path=ppt/slides/slide25.xml><?xml version="1.0" encoding="utf-8"?>
 <p:sld xmlns:a="http://schemas.openxmlformats.org/drawingml/2006/main" xmlns:r="http://schemas.openxmlformats.org/officeDocument/2006/relationships" xmlns:p="http://schemas.openxmlformats.org/presentationml/2006/main">
   <p:cSld>
@@ -10503,7 +11279,7 @@
       </p:grpSpPr>
       <p:sp>
         <p:nvSpPr>
-          <p:cNvPr id="73" name="CustomShape 1"/>
+          <p:cNvPr id="65" name="CustomShape 1"/>
           <p:cNvSpPr/>
           <p:nvPr/>
         </p:nvSpPr>
@@ -10554,22 +11330,7 @@
                 <a:latin typeface="Calibri"/>
                 <a:ea typeface="DejaVu Sans"/>
               </a:rPr>
-              <a:t>Performance </a:t>
-            </a:r>
-            <a:r>
-              <a:rPr lang="en-US" sz="3200" spc="-1" dirty="0" smtClean="0">
-                <a:solidFill>
-                  <a:srgbClr val="C0504D"/>
-                </a:solidFill>
-                <a:uFill>
-                  <a:solidFill>
-                    <a:srgbClr val="FFFFFF"/>
-                  </a:solidFill>
-                </a:uFill>
-                <a:latin typeface="Calibri"/>
-                <a:ea typeface="DejaVu Sans"/>
-              </a:rPr>
-              <a:t>of CNN in ImageNet</a:t>
+              <a:t>Residual Learning</a:t>
             </a:r>
             <a:endParaRPr lang="en-US" sz="1800" b="0" strike="noStrike" spc="-1" dirty="0">
               <a:solidFill>
@@ -10587,7 +11348,7 @@
       </p:sp>
       <p:pic>
         <p:nvPicPr>
-          <p:cNvPr id="75" name="图片 5"/>
+          <p:cNvPr id="68" name="图片 70"/>
           <p:cNvPicPr/>
           <p:nvPr/>
         </p:nvPicPr>
@@ -10597,8 +11358,8 @@
         </p:blipFill>
         <p:spPr>
           <a:xfrm>
-            <a:off x="433800" y="1744560"/>
-            <a:ext cx="8412120" cy="4579560"/>
+            <a:off x="1645920" y="2194560"/>
+            <a:ext cx="6009480" cy="2866320"/>
           </a:xfrm>
           <a:prstGeom prst="rect">
             <a:avLst/>
@@ -10610,70 +11371,29 @@
       </p:pic>
       <p:sp>
         <p:nvSpPr>
-          <p:cNvPr id="76" name="CustomShape 3"/>
+          <p:cNvPr id="2" name="矩形 1"/>
           <p:cNvSpPr/>
           <p:nvPr/>
         </p:nvSpPr>
         <p:spPr>
           <a:xfrm>
-            <a:off x="975600" y="6324840"/>
-            <a:ext cx="7823160" cy="601920"/>
-          </a:xfrm>
-          <a:prstGeom prst="rect">
-            <a:avLst/>
-          </a:prstGeom>
-          <a:noFill/>
-          <a:ln>
-            <a:noFill/>
-          </a:ln>
-        </p:spPr>
-        <p:style>
-          <a:lnRef idx="0">
-            <a:scrgbClr r="0" g="0" b="0"/>
-          </a:lnRef>
-          <a:fillRef idx="0">
-            <a:scrgbClr r="0" g="0" b="0"/>
-          </a:fillRef>
-          <a:effectRef idx="0">
-            <a:scrgbClr r="0" g="0" b="0"/>
-          </a:effectRef>
-          <a:fontRef idx="minor"/>
-        </p:style>
-        <p:txBody>
-          <a:bodyPr lIns="90000" tIns="45000" rIns="90000" bIns="45000"/>
-          <a:lstStyle/>
-          <a:p>
-            <a:pPr>
-              <a:lnSpc>
-                <a:spcPct val="100000"/>
-              </a:lnSpc>
-            </a:pPr>
-            <a:r>
-              <a:rPr lang="en-US" altLang="zh-CN" sz="1800" b="0" strike="noStrike" spc="-1" dirty="0" smtClean="0">
-                <a:solidFill>
-                  <a:srgbClr val="000000"/>
-                </a:solidFill>
-                <a:uFill>
-                  <a:solidFill>
-                    <a:srgbClr val="FFFFFF"/>
-                  </a:solidFill>
-                </a:uFill>
-                <a:latin typeface="Arial"/>
-                <a:ea typeface="DejaVu Sans"/>
-              </a:rPr>
-              <a:t>Image from blog</a:t>
-            </a:r>
-            <a:endParaRPr lang="en-US" sz="1800" b="0" strike="noStrike" spc="-1" dirty="0">
-              <a:solidFill>
-                <a:srgbClr val="000000"/>
-              </a:solidFill>
-              <a:uFill>
-                <a:solidFill>
-                  <a:srgbClr val="FFFFFF"/>
-                </a:solidFill>
-              </a:uFill>
-              <a:latin typeface="Arial"/>
-            </a:endParaRPr>
+            <a:off x="0" y="6211669"/>
+            <a:ext cx="9017391" cy="646331"/>
+          </a:xfrm>
+          <a:prstGeom prst="rect">
+            <a:avLst/>
+          </a:prstGeom>
+        </p:spPr>
+        <p:txBody>
+          <a:bodyPr wrap="square">
+            <a:spAutoFit/>
+          </a:bodyPr>
+          <a:lstStyle/>
+          <a:p>
+            <a:r>
+              <a:rPr lang="zh-CN" altLang="en-US" dirty="0"/>
+              <a:t>He, Kaiming, et al. "Deep Residual Learning for Image Recognition." computer vision and pattern recognition (2016): 770-778.</a:t>
+            </a:r>
           </a:p>
         </p:txBody>
       </p:sp>
@@ -10729,39 +11449,16 @@
           <a:chExt cx="0" cy="0"/>
         </a:xfrm>
       </p:grpSpPr>
-      <p:pic>
-        <p:nvPicPr>
-          <p:cNvPr id="143" name="图片 3"/>
-          <p:cNvPicPr/>
-          <p:nvPr/>
-        </p:nvPicPr>
-        <p:blipFill>
-          <a:blip r:embed="rId2"/>
-          <a:stretch/>
-        </p:blipFill>
-        <p:spPr>
-          <a:xfrm>
-            <a:off x="1537200" y="1667160"/>
-            <a:ext cx="5900400" cy="4543920"/>
-          </a:xfrm>
-          <a:prstGeom prst="rect">
-            <a:avLst/>
-          </a:prstGeom>
-          <a:ln>
-            <a:noFill/>
-          </a:ln>
-        </p:spPr>
-      </p:pic>
-      <p:sp>
-        <p:nvSpPr>
-          <p:cNvPr id="144" name="CustomShape 1"/>
+      <p:sp>
+        <p:nvSpPr>
+          <p:cNvPr id="65" name="CustomShape 1"/>
           <p:cNvSpPr/>
           <p:nvPr/>
         </p:nvSpPr>
         <p:spPr>
           <a:xfrm>
-            <a:off x="0" y="6211800"/>
-            <a:ext cx="9157680" cy="639000"/>
+            <a:off x="1392120" y="992880"/>
+            <a:ext cx="6495480" cy="577440"/>
           </a:xfrm>
           <a:prstGeom prst="rect">
             <a:avLst/>
@@ -10793,76 +11490,7 @@
               </a:lnSpc>
             </a:pPr>
             <a:r>
-              <a:rPr lang="en-US" sz="1800" b="0" strike="noStrike" spc="-1">
-                <a:solidFill>
-                  <a:srgbClr val="000000"/>
-                </a:solidFill>
-                <a:uFill>
-                  <a:solidFill>
-                    <a:srgbClr val="FFFFFF"/>
-                  </a:solidFill>
-                </a:uFill>
-                <a:latin typeface="Arial"/>
-                <a:ea typeface="DejaVu Sans"/>
-              </a:rPr>
-              <a:t>Canziani A, Paszke A, Culurciello E, et al. An Analysis of Deep Neural Network Models for Practical Applications[J]. arXiv: Computer Vision and Pattern Recognition, 2016.</a:t>
-            </a:r>
-            <a:endParaRPr lang="en-US" sz="1800" b="0" strike="noStrike" spc="-1">
-              <a:solidFill>
-                <a:srgbClr val="000000"/>
-              </a:solidFill>
-              <a:uFill>
-                <a:solidFill>
-                  <a:srgbClr val="FFFFFF"/>
-                </a:solidFill>
-              </a:uFill>
-              <a:latin typeface="Arial"/>
-            </a:endParaRPr>
-          </a:p>
-        </p:txBody>
-      </p:sp>
-      <p:sp>
-        <p:nvSpPr>
-          <p:cNvPr id="145" name="CustomShape 2"/>
-          <p:cNvSpPr/>
-          <p:nvPr/>
-        </p:nvSpPr>
-        <p:spPr>
-          <a:xfrm>
-            <a:off x="1271727" y="970539"/>
-            <a:ext cx="8013600" cy="864360"/>
-          </a:xfrm>
-          <a:prstGeom prst="rect">
-            <a:avLst/>
-          </a:prstGeom>
-          <a:noFill/>
-          <a:ln>
-            <a:noFill/>
-          </a:ln>
-        </p:spPr>
-        <p:style>
-          <a:lnRef idx="0">
-            <a:scrgbClr r="0" g="0" b="0"/>
-          </a:lnRef>
-          <a:fillRef idx="0">
-            <a:scrgbClr r="0" g="0" b="0"/>
-          </a:fillRef>
-          <a:effectRef idx="0">
-            <a:scrgbClr r="0" g="0" b="0"/>
-          </a:effectRef>
-          <a:fontRef idx="minor"/>
-        </p:style>
-        <p:txBody>
-          <a:bodyPr lIns="90000" tIns="45000" rIns="90000" bIns="45000"/>
-          <a:lstStyle/>
-          <a:p>
-            <a:pPr>
-              <a:lnSpc>
-                <a:spcPct val="100000"/>
-              </a:lnSpc>
-            </a:pPr>
-            <a:r>
-              <a:rPr lang="en-US" sz="3200" b="0" strike="noStrike" spc="-1" dirty="0">
+              <a:rPr lang="en-US" sz="3200" b="0" strike="noStrike" spc="-1" dirty="0" err="1" smtClean="0">
                 <a:solidFill>
                   <a:srgbClr val="C0504D"/>
                 </a:solidFill>
@@ -10874,22 +11502,7 @@
                 <a:latin typeface="Calibri"/>
                 <a:ea typeface="DejaVu Sans"/>
               </a:rPr>
-              <a:t>Validation accuracies for different </a:t>
-            </a:r>
-            <a:r>
-              <a:rPr lang="en-US" sz="3200" b="0" strike="noStrike" spc="-1" dirty="0" smtClean="0">
-                <a:solidFill>
-                  <a:srgbClr val="C0504D"/>
-                </a:solidFill>
-                <a:uFill>
-                  <a:solidFill>
-                    <a:srgbClr val="FFFFFF"/>
-                  </a:solidFill>
-                </a:uFill>
-                <a:latin typeface="Calibri"/>
-                <a:ea typeface="DejaVu Sans"/>
-              </a:rPr>
-              <a:t>architectures</a:t>
+              <a:t>ResNet</a:t>
             </a:r>
             <a:endParaRPr lang="en-US" sz="1800" b="0" strike="noStrike" spc="-1" dirty="0">
               <a:solidFill>
@@ -10902,13 +11515,71 @@
               </a:uFill>
               <a:latin typeface="Arial"/>
             </a:endParaRPr>
+          </a:p>
+        </p:txBody>
+      </p:sp>
+      <p:pic>
+        <p:nvPicPr>
+          <p:cNvPr id="2" name="图片 1"/>
+          <p:cNvPicPr>
+            <a:picLocks noChangeAspect="1"/>
+          </p:cNvPicPr>
+          <p:nvPr/>
+        </p:nvPicPr>
+        <p:blipFill>
+          <a:blip r:embed="rId3">
+            <a:extLst>
+              <a:ext uri="{28A0092B-C50C-407E-A947-70E740481C1C}">
+                <a14:useLocalDpi xmlns:a14="http://schemas.microsoft.com/office/drawing/2010/main" val="0"/>
+              </a:ext>
+            </a:extLst>
+          </a:blip>
+          <a:stretch>
+            <a:fillRect/>
+          </a:stretch>
+        </p:blipFill>
+        <p:spPr>
+          <a:xfrm>
+            <a:off x="0" y="2098158"/>
+            <a:ext cx="9144000" cy="3880884"/>
+          </a:xfrm>
+          <a:prstGeom prst="rect">
+            <a:avLst/>
+          </a:prstGeom>
+        </p:spPr>
+      </p:pic>
+      <p:sp>
+        <p:nvSpPr>
+          <p:cNvPr id="4" name="矩形 3"/>
+          <p:cNvSpPr/>
+          <p:nvPr/>
+        </p:nvSpPr>
+        <p:spPr>
+          <a:xfrm>
+            <a:off x="0" y="6211669"/>
+            <a:ext cx="9017391" cy="646331"/>
+          </a:xfrm>
+          <a:prstGeom prst="rect">
+            <a:avLst/>
+          </a:prstGeom>
+        </p:spPr>
+        <p:txBody>
+          <a:bodyPr wrap="square">
+            <a:spAutoFit/>
+          </a:bodyPr>
+          <a:lstStyle/>
+          <a:p>
+            <a:r>
+              <a:rPr lang="zh-CN" altLang="en-US" dirty="0"/>
+              <a:t>He, Kaiming, et al. "Deep Residual Learning for Image Recognition." computer vision and pattern recognition (2016): 770-778.</a:t>
+            </a:r>
           </a:p>
         </p:txBody>
       </p:sp>
     </p:spTree>
     <p:extLst>
       <p:ext uri="{BB962C8B-B14F-4D97-AF65-F5344CB8AC3E}">
-        <p14:creationId xmlns:p14="http://schemas.microsoft.com/office/powerpoint/2010/main" val="971019996"/>
+        <p14:creationId xmlns:p14="http://schemas.microsoft.com/office/powerpoint/2010/main" val="2243012586"/>
       </p:ext>
     </p:extLst>
   </p:cSld>
@@ -10962,39 +11633,16 @@
           <a:chExt cx="0" cy="0"/>
         </a:xfrm>
       </p:grpSpPr>
-      <p:pic>
-        <p:nvPicPr>
-          <p:cNvPr id="146" name="图片 4"/>
-          <p:cNvPicPr/>
-          <p:nvPr/>
-        </p:nvPicPr>
-        <p:blipFill>
-          <a:blip r:embed="rId2"/>
-          <a:stretch/>
-        </p:blipFill>
-        <p:spPr>
-          <a:xfrm>
-            <a:off x="1145880" y="1737360"/>
-            <a:ext cx="6169320" cy="4124160"/>
-          </a:xfrm>
-          <a:prstGeom prst="rect">
-            <a:avLst/>
-          </a:prstGeom>
-          <a:ln>
-            <a:noFill/>
-          </a:ln>
-        </p:spPr>
-      </p:pic>
-      <p:sp>
-        <p:nvSpPr>
-          <p:cNvPr id="147" name="CustomShape 1"/>
+      <p:sp>
+        <p:nvSpPr>
+          <p:cNvPr id="57" name="CustomShape 1"/>
           <p:cNvSpPr/>
           <p:nvPr/>
         </p:nvSpPr>
         <p:spPr>
           <a:xfrm>
-            <a:off x="548640" y="5934600"/>
-            <a:ext cx="8370000" cy="913320"/>
+            <a:off x="1392120" y="992880"/>
+            <a:ext cx="6495480" cy="577440"/>
           </a:xfrm>
           <a:prstGeom prst="rect">
             <a:avLst/>
@@ -11026,106 +11674,7 @@
               </a:lnSpc>
             </a:pPr>
             <a:r>
-              <a:rPr lang="en-US" sz="1800" b="0" strike="noStrike" spc="-1">
-                <a:solidFill>
-                  <a:srgbClr val="000000"/>
-                </a:solidFill>
-                <a:uFill>
-                  <a:solidFill>
-                    <a:srgbClr val="FFFFFF"/>
-                  </a:solidFill>
-                </a:uFill>
-                <a:latin typeface="Arial"/>
-                <a:ea typeface="DejaVu Sans"/>
-              </a:rPr>
-              <a:t>Canziani, Alfredo, Adam Paszke, and Eugenio Culurciello. "An Analysis of Deep Neural Network Models for Practical Applications." </a:t>
-            </a:r>
-            <a:r>
-              <a:rPr lang="en-US" sz="1800" b="0" i="1" strike="noStrike" spc="-1">
-                <a:solidFill>
-                  <a:srgbClr val="000000"/>
-                </a:solidFill>
-                <a:uFill>
-                  <a:solidFill>
-                    <a:srgbClr val="FFFFFF"/>
-                  </a:solidFill>
-                </a:uFill>
-                <a:latin typeface="Arial"/>
-                <a:ea typeface="DejaVu Sans"/>
-              </a:rPr>
-              <a:t>arXiv: Computer Vision and Pattern Recognition</a:t>
-            </a:r>
-            <a:r>
-              <a:rPr lang="en-US" sz="1800" b="0" strike="noStrike" spc="-1">
-                <a:solidFill>
-                  <a:srgbClr val="000000"/>
-                </a:solidFill>
-                <a:uFill>
-                  <a:solidFill>
-                    <a:srgbClr val="FFFFFF"/>
-                  </a:solidFill>
-                </a:uFill>
-                <a:latin typeface="Arial"/>
-                <a:ea typeface="DejaVu Sans"/>
-              </a:rPr>
-              <a:t> (2016).</a:t>
-            </a:r>
-            <a:endParaRPr lang="en-US" sz="1800" b="0" strike="noStrike" spc="-1">
-              <a:solidFill>
-                <a:srgbClr val="000000"/>
-              </a:solidFill>
-              <a:uFill>
-                <a:solidFill>
-                  <a:srgbClr val="FFFFFF"/>
-                </a:solidFill>
-              </a:uFill>
-              <a:latin typeface="Arial"/>
-            </a:endParaRPr>
-          </a:p>
-        </p:txBody>
-      </p:sp>
-      <p:sp>
-        <p:nvSpPr>
-          <p:cNvPr id="148" name="CustomShape 2"/>
-          <p:cNvSpPr/>
-          <p:nvPr/>
-        </p:nvSpPr>
-        <p:spPr>
-          <a:xfrm>
-            <a:off x="1341000" y="915120"/>
-            <a:ext cx="7111440" cy="864360"/>
-          </a:xfrm>
-          <a:prstGeom prst="rect">
-            <a:avLst/>
-          </a:prstGeom>
-          <a:noFill/>
-          <a:ln>
-            <a:noFill/>
-          </a:ln>
-        </p:spPr>
-        <p:style>
-          <a:lnRef idx="0">
-            <a:scrgbClr r="0" g="0" b="0"/>
-          </a:lnRef>
-          <a:fillRef idx="0">
-            <a:scrgbClr r="0" g="0" b="0"/>
-          </a:fillRef>
-          <a:effectRef idx="0">
-            <a:scrgbClr r="0" g="0" b="0"/>
-          </a:effectRef>
-          <a:fontRef idx="minor"/>
-        </p:style>
-        <p:txBody>
-          <a:bodyPr lIns="90000" tIns="45000" rIns="90000" bIns="45000"/>
-          <a:lstStyle/>
-          <a:p>
-            <a:pPr>
-              <a:lnSpc>
-                <a:spcPct val="100000"/>
-              </a:lnSpc>
-            </a:pPr>
-            <a:r>
-              <a:rPr lang="en-US" sz="3200" b="0" strike="noStrike" spc="-1">
+              <a:rPr lang="en-US" sz="3200" b="0" strike="noStrike" spc="-1" dirty="0" smtClean="0">
                 <a:solidFill>
                   <a:srgbClr val="C0504D"/>
                 </a:solidFill>
@@ -11137,26 +11686,94 @@
                 <a:latin typeface="Calibri"/>
                 <a:ea typeface="DejaVu Sans"/>
               </a:rPr>
-              <a:t>Accuracy and size of the model</a:t>
-            </a:r>
-            <a:endParaRPr lang="en-US" sz="1800" b="0" strike="noStrike" spc="-1">
-              <a:solidFill>
-                <a:srgbClr val="000000"/>
-              </a:solidFill>
-              <a:uFill>
-                <a:solidFill>
-                  <a:srgbClr val="FFFFFF"/>
-                </a:solidFill>
-              </a:uFill>
-              <a:latin typeface="Arial"/>
-            </a:endParaRPr>
+              <a:t>Highlight of </a:t>
+            </a:r>
+            <a:r>
+              <a:rPr lang="en-US" sz="3200" b="0" strike="noStrike" spc="-1" dirty="0" err="1" smtClean="0">
+                <a:solidFill>
+                  <a:srgbClr val="C0504D"/>
+                </a:solidFill>
+                <a:uFill>
+                  <a:solidFill>
+                    <a:srgbClr val="FFFFFF"/>
+                  </a:solidFill>
+                </a:uFill>
+                <a:latin typeface="Calibri"/>
+                <a:ea typeface="DejaVu Sans"/>
+              </a:rPr>
+              <a:t>ResNet</a:t>
+            </a:r>
+            <a:endParaRPr lang="en-US" sz="1800" b="0" strike="noStrike" spc="-1" dirty="0">
+              <a:solidFill>
+                <a:srgbClr val="000000"/>
+              </a:solidFill>
+              <a:uFill>
+                <a:solidFill>
+                  <a:srgbClr val="FFFFFF"/>
+                </a:solidFill>
+              </a:uFill>
+              <a:latin typeface="Arial"/>
+            </a:endParaRPr>
+          </a:p>
+        </p:txBody>
+      </p:sp>
+      <p:sp>
+        <p:nvSpPr>
+          <p:cNvPr id="5" name="文本框 4"/>
+          <p:cNvSpPr txBox="1"/>
+          <p:nvPr/>
+        </p:nvSpPr>
+        <p:spPr>
+          <a:xfrm>
+            <a:off x="926841" y="2784763"/>
+            <a:ext cx="7426037" cy="1384995"/>
+          </a:xfrm>
+          <a:prstGeom prst="rect">
+            <a:avLst/>
+          </a:prstGeom>
+          <a:noFill/>
+        </p:spPr>
+        <p:txBody>
+          <a:bodyPr wrap="square" rtlCol="0">
+            <a:spAutoFit/>
+          </a:bodyPr>
+          <a:lstStyle/>
+          <a:p>
+            <a:pPr marL="285750" indent="-285750">
+              <a:buFont typeface="Wingdings" panose="05000000000000000000" pitchFamily="2" charset="2"/>
+              <a:buChar char="Ø"/>
+            </a:pPr>
+            <a:r>
+              <a:rPr lang="en-US" altLang="zh-CN" sz="2800" dirty="0" smtClean="0"/>
+              <a:t>Residual learning</a:t>
+            </a:r>
+          </a:p>
+          <a:p>
+            <a:pPr marL="285750" indent="-285750">
+              <a:buFont typeface="Wingdings" panose="05000000000000000000" pitchFamily="2" charset="2"/>
+              <a:buChar char="Ø"/>
+            </a:pPr>
+            <a:r>
+              <a:rPr lang="en-US" altLang="zh-CN" sz="2800" dirty="0" smtClean="0"/>
+              <a:t>Global average pooling</a:t>
+            </a:r>
+          </a:p>
+          <a:p>
+            <a:pPr marL="285750" indent="-285750">
+              <a:buFont typeface="Wingdings" panose="05000000000000000000" pitchFamily="2" charset="2"/>
+              <a:buChar char="Ø"/>
+            </a:pPr>
+            <a:r>
+              <a:rPr lang="en-US" altLang="zh-CN" sz="2800" dirty="0" smtClean="0"/>
+              <a:t>Much deeper</a:t>
+            </a:r>
           </a:p>
         </p:txBody>
       </p:sp>
     </p:spTree>
     <p:extLst>
       <p:ext uri="{BB962C8B-B14F-4D97-AF65-F5344CB8AC3E}">
-        <p14:creationId xmlns:p14="http://schemas.microsoft.com/office/powerpoint/2010/main" val="1600895105"/>
+        <p14:creationId xmlns:p14="http://schemas.microsoft.com/office/powerpoint/2010/main" val="1957682114"/>
       </p:ext>
     </p:extLst>
   </p:cSld>
@@ -11210,39 +11827,16 @@
           <a:chExt cx="0" cy="0"/>
         </a:xfrm>
       </p:grpSpPr>
-      <p:pic>
-        <p:nvPicPr>
-          <p:cNvPr id="149" name="图片 3"/>
-          <p:cNvPicPr/>
-          <p:nvPr/>
-        </p:nvPicPr>
-        <p:blipFill>
-          <a:blip r:embed="rId2"/>
-          <a:stretch/>
-        </p:blipFill>
-        <p:spPr>
-          <a:xfrm>
-            <a:off x="1188720" y="1532160"/>
-            <a:ext cx="6492240" cy="4443480"/>
-          </a:xfrm>
-          <a:prstGeom prst="rect">
-            <a:avLst/>
-          </a:prstGeom>
-          <a:ln>
-            <a:noFill/>
-          </a:ln>
-        </p:spPr>
-      </p:pic>
-      <p:sp>
-        <p:nvSpPr>
-          <p:cNvPr id="150" name="CustomShape 1"/>
+      <p:sp>
+        <p:nvSpPr>
+          <p:cNvPr id="73" name="CustomShape 1"/>
           <p:cNvSpPr/>
           <p:nvPr/>
         </p:nvSpPr>
         <p:spPr>
           <a:xfrm>
-            <a:off x="225000" y="5934600"/>
-            <a:ext cx="8918640" cy="913320"/>
+            <a:off x="1392120" y="992880"/>
+            <a:ext cx="6495480" cy="577440"/>
           </a:xfrm>
           <a:prstGeom prst="rect">
             <a:avLst/>
@@ -11274,7 +11868,114 @@
               </a:lnSpc>
             </a:pPr>
             <a:r>
-              <a:rPr lang="en-US" sz="1800" b="0" strike="noStrike" spc="-1">
+              <a:rPr lang="en-US" sz="3200" b="0" strike="noStrike" spc="-1" dirty="0" smtClean="0">
+                <a:solidFill>
+                  <a:srgbClr val="C0504D"/>
+                </a:solidFill>
+                <a:uFill>
+                  <a:solidFill>
+                    <a:srgbClr val="FFFFFF"/>
+                  </a:solidFill>
+                </a:uFill>
+                <a:latin typeface="Calibri"/>
+                <a:ea typeface="DejaVu Sans"/>
+              </a:rPr>
+              <a:t>Performance </a:t>
+            </a:r>
+            <a:r>
+              <a:rPr lang="en-US" sz="3200" spc="-1" dirty="0" smtClean="0">
+                <a:solidFill>
+                  <a:srgbClr val="C0504D"/>
+                </a:solidFill>
+                <a:uFill>
+                  <a:solidFill>
+                    <a:srgbClr val="FFFFFF"/>
+                  </a:solidFill>
+                </a:uFill>
+                <a:latin typeface="Calibri"/>
+                <a:ea typeface="DejaVu Sans"/>
+              </a:rPr>
+              <a:t>of CNN in ImageNet</a:t>
+            </a:r>
+            <a:endParaRPr lang="en-US" sz="1800" b="0" strike="noStrike" spc="-1" dirty="0">
+              <a:solidFill>
+                <a:srgbClr val="000000"/>
+              </a:solidFill>
+              <a:uFill>
+                <a:solidFill>
+                  <a:srgbClr val="FFFFFF"/>
+                </a:solidFill>
+              </a:uFill>
+              <a:latin typeface="Arial"/>
+            </a:endParaRPr>
+          </a:p>
+        </p:txBody>
+      </p:sp>
+      <p:pic>
+        <p:nvPicPr>
+          <p:cNvPr id="75" name="图片 5"/>
+          <p:cNvPicPr/>
+          <p:nvPr/>
+        </p:nvPicPr>
+        <p:blipFill>
+          <a:blip r:embed="rId3"/>
+          <a:stretch/>
+        </p:blipFill>
+        <p:spPr>
+          <a:xfrm>
+            <a:off x="433800" y="1744560"/>
+            <a:ext cx="8412120" cy="4579560"/>
+          </a:xfrm>
+          <a:prstGeom prst="rect">
+            <a:avLst/>
+          </a:prstGeom>
+          <a:ln>
+            <a:noFill/>
+          </a:ln>
+        </p:spPr>
+      </p:pic>
+      <p:sp>
+        <p:nvSpPr>
+          <p:cNvPr id="76" name="CustomShape 3"/>
+          <p:cNvSpPr/>
+          <p:nvPr/>
+        </p:nvSpPr>
+        <p:spPr>
+          <a:xfrm>
+            <a:off x="975600" y="6324840"/>
+            <a:ext cx="7823160" cy="601920"/>
+          </a:xfrm>
+          <a:prstGeom prst="rect">
+            <a:avLst/>
+          </a:prstGeom>
+          <a:noFill/>
+          <a:ln>
+            <a:noFill/>
+          </a:ln>
+        </p:spPr>
+        <p:style>
+          <a:lnRef idx="0">
+            <a:scrgbClr r="0" g="0" b="0"/>
+          </a:lnRef>
+          <a:fillRef idx="0">
+            <a:scrgbClr r="0" g="0" b="0"/>
+          </a:fillRef>
+          <a:effectRef idx="0">
+            <a:scrgbClr r="0" g="0" b="0"/>
+          </a:effectRef>
+          <a:fontRef idx="minor"/>
+        </p:style>
+        <p:txBody>
+          <a:bodyPr lIns="90000" tIns="45000" rIns="90000" bIns="45000"/>
+          <a:lstStyle/>
+          <a:p>
+            <a:pPr>
+              <a:lnSpc>
+                <a:spcPct val="100000"/>
+              </a:lnSpc>
+            </a:pPr>
+            <a:r>
+              <a:rPr lang="en-US" altLang="zh-CN" sz="1800" b="0" strike="noStrike" spc="-1" dirty="0" smtClean="0">
                 <a:solidFill>
                   <a:srgbClr val="000000"/>
                 </a:solidFill>
@@ -11286,106 +11987,7 @@
                 <a:latin typeface="Arial"/>
                 <a:ea typeface="DejaVu Sans"/>
               </a:rPr>
-              <a:t>Canziani, Alfredo, Adam Paszke, and Eugenio Culurciello. "An Analysis of Deep Neural Network Models for Practical Applications." </a:t>
-            </a:r>
-            <a:r>
-              <a:rPr lang="en-US" sz="1800" b="0" i="1" strike="noStrike" spc="-1">
-                <a:solidFill>
-                  <a:srgbClr val="000000"/>
-                </a:solidFill>
-                <a:uFill>
-                  <a:solidFill>
-                    <a:srgbClr val="FFFFFF"/>
-                  </a:solidFill>
-                </a:uFill>
-                <a:latin typeface="Arial"/>
-                <a:ea typeface="DejaVu Sans"/>
-              </a:rPr>
-              <a:t>arXiv: Computer Vision and Pattern Recognition</a:t>
-            </a:r>
-            <a:r>
-              <a:rPr lang="en-US" sz="1800" b="0" strike="noStrike" spc="-1">
-                <a:solidFill>
-                  <a:srgbClr val="000000"/>
-                </a:solidFill>
-                <a:uFill>
-                  <a:solidFill>
-                    <a:srgbClr val="FFFFFF"/>
-                  </a:solidFill>
-                </a:uFill>
-                <a:latin typeface="Arial"/>
-                <a:ea typeface="DejaVu Sans"/>
-              </a:rPr>
-              <a:t> (2016).</a:t>
-            </a:r>
-            <a:endParaRPr lang="en-US" sz="1800" b="0" strike="noStrike" spc="-1">
-              <a:solidFill>
-                <a:srgbClr val="000000"/>
-              </a:solidFill>
-              <a:uFill>
-                <a:solidFill>
-                  <a:srgbClr val="FFFFFF"/>
-                </a:solidFill>
-              </a:uFill>
-              <a:latin typeface="Arial"/>
-            </a:endParaRPr>
-          </a:p>
-        </p:txBody>
-      </p:sp>
-      <p:sp>
-        <p:nvSpPr>
-          <p:cNvPr id="151" name="CustomShape 2"/>
-          <p:cNvSpPr/>
-          <p:nvPr/>
-        </p:nvSpPr>
-        <p:spPr>
-          <a:xfrm>
-            <a:off x="1300860" y="970538"/>
-            <a:ext cx="7111440" cy="864360"/>
-          </a:xfrm>
-          <a:prstGeom prst="rect">
-            <a:avLst/>
-          </a:prstGeom>
-          <a:noFill/>
-          <a:ln>
-            <a:noFill/>
-          </a:ln>
-        </p:spPr>
-        <p:style>
-          <a:lnRef idx="0">
-            <a:scrgbClr r="0" g="0" b="0"/>
-          </a:lnRef>
-          <a:fillRef idx="0">
-            <a:scrgbClr r="0" g="0" b="0"/>
-          </a:fillRef>
-          <a:effectRef idx="0">
-            <a:scrgbClr r="0" g="0" b="0"/>
-          </a:effectRef>
-          <a:fontRef idx="minor"/>
-        </p:style>
-        <p:txBody>
-          <a:bodyPr lIns="90000" tIns="45000" rIns="90000" bIns="45000"/>
-          <a:lstStyle/>
-          <a:p>
-            <a:pPr>
-              <a:lnSpc>
-                <a:spcPct val="100000"/>
-              </a:lnSpc>
-            </a:pPr>
-            <a:r>
-              <a:rPr lang="en-US" sz="3200" b="0" strike="noStrike" spc="-1" dirty="0">
-                <a:solidFill>
-                  <a:srgbClr val="C0504D"/>
-                </a:solidFill>
-                <a:uFill>
-                  <a:solidFill>
-                    <a:srgbClr val="FFFFFF"/>
-                  </a:solidFill>
-                </a:uFill>
-                <a:latin typeface="Calibri"/>
-                <a:ea typeface="DejaVu Sans"/>
-              </a:rPr>
-              <a:t>Inference time</a:t>
+              <a:t>Image from blog</a:t>
             </a:r>
             <a:endParaRPr lang="en-US" sz="1800" b="0" strike="noStrike" spc="-1" dirty="0">
               <a:solidFill>
@@ -11402,11 +12004,6 @@
         </p:txBody>
       </p:sp>
     </p:spTree>
-    <p:extLst>
-      <p:ext uri="{BB962C8B-B14F-4D97-AF65-F5344CB8AC3E}">
-        <p14:creationId xmlns:p14="http://schemas.microsoft.com/office/powerpoint/2010/main" val="1306525705"/>
-      </p:ext>
-    </p:extLst>
   </p:cSld>
   <p:clrMapOvr>
     <a:masterClrMapping/>
@@ -11458,16 +12055,39 @@
           <a:chExt cx="0" cy="0"/>
         </a:xfrm>
       </p:grpSpPr>
-      <p:sp>
-        <p:nvSpPr>
-          <p:cNvPr id="152" name="CustomShape 1"/>
+      <p:pic>
+        <p:nvPicPr>
+          <p:cNvPr id="143" name="图片 3"/>
+          <p:cNvPicPr/>
+          <p:nvPr/>
+        </p:nvPicPr>
+        <p:blipFill>
+          <a:blip r:embed="rId2"/>
+          <a:stretch/>
+        </p:blipFill>
+        <p:spPr>
+          <a:xfrm>
+            <a:off x="1537200" y="1667160"/>
+            <a:ext cx="5900400" cy="4543920"/>
+          </a:xfrm>
+          <a:prstGeom prst="rect">
+            <a:avLst/>
+          </a:prstGeom>
+          <a:ln>
+            <a:noFill/>
+          </a:ln>
+        </p:spPr>
+      </p:pic>
+      <p:sp>
+        <p:nvSpPr>
+          <p:cNvPr id="144" name="CustomShape 1"/>
           <p:cNvSpPr/>
           <p:nvPr/>
         </p:nvSpPr>
         <p:spPr>
           <a:xfrm>
-            <a:off x="1346040" y="1002960"/>
-            <a:ext cx="7111440" cy="864360"/>
+            <a:off x="0" y="6211800"/>
+            <a:ext cx="9157680" cy="639000"/>
           </a:xfrm>
           <a:prstGeom prst="rect">
             <a:avLst/>
@@ -11499,7 +12119,76 @@
               </a:lnSpc>
             </a:pPr>
             <a:r>
-              <a:rPr lang="en-US" sz="3200" b="0" strike="noStrike" spc="-1">
+              <a:rPr lang="en-US" sz="1800" b="0" strike="noStrike" spc="-1">
+                <a:solidFill>
+                  <a:srgbClr val="000000"/>
+                </a:solidFill>
+                <a:uFill>
+                  <a:solidFill>
+                    <a:srgbClr val="FFFFFF"/>
+                  </a:solidFill>
+                </a:uFill>
+                <a:latin typeface="Arial"/>
+                <a:ea typeface="DejaVu Sans"/>
+              </a:rPr>
+              <a:t>Canziani A, Paszke A, Culurciello E, et al. An Analysis of Deep Neural Network Models for Practical Applications[J]. arXiv: Computer Vision and Pattern Recognition, 2016.</a:t>
+            </a:r>
+            <a:endParaRPr lang="en-US" sz="1800" b="0" strike="noStrike" spc="-1">
+              <a:solidFill>
+                <a:srgbClr val="000000"/>
+              </a:solidFill>
+              <a:uFill>
+                <a:solidFill>
+                  <a:srgbClr val="FFFFFF"/>
+                </a:solidFill>
+              </a:uFill>
+              <a:latin typeface="Arial"/>
+            </a:endParaRPr>
+          </a:p>
+        </p:txBody>
+      </p:sp>
+      <p:sp>
+        <p:nvSpPr>
+          <p:cNvPr id="145" name="CustomShape 2"/>
+          <p:cNvSpPr/>
+          <p:nvPr/>
+        </p:nvSpPr>
+        <p:spPr>
+          <a:xfrm>
+            <a:off x="1271727" y="970539"/>
+            <a:ext cx="8013600" cy="864360"/>
+          </a:xfrm>
+          <a:prstGeom prst="rect">
+            <a:avLst/>
+          </a:prstGeom>
+          <a:noFill/>
+          <a:ln>
+            <a:noFill/>
+          </a:ln>
+        </p:spPr>
+        <p:style>
+          <a:lnRef idx="0">
+            <a:scrgbClr r="0" g="0" b="0"/>
+          </a:lnRef>
+          <a:fillRef idx="0">
+            <a:scrgbClr r="0" g="0" b="0"/>
+          </a:fillRef>
+          <a:effectRef idx="0">
+            <a:scrgbClr r="0" g="0" b="0"/>
+          </a:effectRef>
+          <a:fontRef idx="minor"/>
+        </p:style>
+        <p:txBody>
+          <a:bodyPr lIns="90000" tIns="45000" rIns="90000" bIns="45000"/>
+          <a:lstStyle/>
+          <a:p>
+            <a:pPr>
+              <a:lnSpc>
+                <a:spcPct val="100000"/>
+              </a:lnSpc>
+            </a:pPr>
+            <a:r>
+              <a:rPr lang="en-US" sz="3200" b="0" strike="noStrike" spc="-1" dirty="0">
                 <a:solidFill>
                   <a:srgbClr val="C0504D"/>
                 </a:solidFill>
@@ -11511,131 +12200,24 @@
                 <a:latin typeface="Calibri"/>
                 <a:ea typeface="DejaVu Sans"/>
               </a:rPr>
-              <a:t>Power</a:t>
-            </a:r>
-            <a:endParaRPr lang="en-US" sz="1800" b="0" strike="noStrike" spc="-1">
-              <a:solidFill>
-                <a:srgbClr val="000000"/>
-              </a:solidFill>
-              <a:uFill>
-                <a:solidFill>
-                  <a:srgbClr val="FFFFFF"/>
-                </a:solidFill>
-              </a:uFill>
-              <a:latin typeface="Arial"/>
-            </a:endParaRPr>
-          </a:p>
-        </p:txBody>
-      </p:sp>
-      <p:pic>
-        <p:nvPicPr>
-          <p:cNvPr id="153" name="图片 5"/>
-          <p:cNvPicPr/>
-          <p:nvPr/>
-        </p:nvPicPr>
-        <p:blipFill>
-          <a:blip r:embed="rId2"/>
-          <a:stretch/>
-        </p:blipFill>
-        <p:spPr>
-          <a:xfrm>
-            <a:off x="1324800" y="1737360"/>
-            <a:ext cx="6356160" cy="4208760"/>
-          </a:xfrm>
-          <a:prstGeom prst="rect">
-            <a:avLst/>
-          </a:prstGeom>
-          <a:ln>
-            <a:noFill/>
-          </a:ln>
-        </p:spPr>
-      </p:pic>
-      <p:sp>
-        <p:nvSpPr>
-          <p:cNvPr id="154" name="CustomShape 2"/>
-          <p:cNvSpPr/>
-          <p:nvPr/>
-        </p:nvSpPr>
-        <p:spPr>
-          <a:xfrm>
-            <a:off x="98640" y="5934600"/>
-            <a:ext cx="9045000" cy="913320"/>
-          </a:xfrm>
-          <a:prstGeom prst="rect">
-            <a:avLst/>
-          </a:prstGeom>
-          <a:noFill/>
-          <a:ln>
-            <a:noFill/>
-          </a:ln>
-        </p:spPr>
-        <p:style>
-          <a:lnRef idx="0">
-            <a:scrgbClr r="0" g="0" b="0"/>
-          </a:lnRef>
-          <a:fillRef idx="0">
-            <a:scrgbClr r="0" g="0" b="0"/>
-          </a:fillRef>
-          <a:effectRef idx="0">
-            <a:scrgbClr r="0" g="0" b="0"/>
-          </a:effectRef>
-          <a:fontRef idx="minor"/>
-        </p:style>
-        <p:txBody>
-          <a:bodyPr lIns="90000" tIns="45000" rIns="90000" bIns="45000"/>
-          <a:lstStyle/>
-          <a:p>
-            <a:pPr>
-              <a:lnSpc>
-                <a:spcPct val="100000"/>
-              </a:lnSpc>
-            </a:pPr>
-            <a:r>
-              <a:rPr lang="en-US" sz="1800" b="0" strike="noStrike" spc="-1">
-                <a:solidFill>
-                  <a:srgbClr val="000000"/>
+              <a:t>Validation accuracies for different </a:t>
+            </a:r>
+            <a:r>
+              <a:rPr lang="en-US" sz="3200" b="0" strike="noStrike" spc="-1" dirty="0" smtClean="0">
+                <a:solidFill>
+                  <a:srgbClr val="C0504D"/>
                 </a:solidFill>
                 <a:uFill>
                   <a:solidFill>
                     <a:srgbClr val="FFFFFF"/>
                   </a:solidFill>
                 </a:uFill>
-                <a:latin typeface="Arial"/>
+                <a:latin typeface="Calibri"/>
                 <a:ea typeface="DejaVu Sans"/>
               </a:rPr>
-              <a:t>Canziani, Alfredo, Adam Paszke, and Eugenio Culurciello. "An Analysis of Deep Neural Network Models for Practical Applications." </a:t>
-            </a:r>
-            <a:r>
-              <a:rPr lang="en-US" sz="1800" b="0" i="1" strike="noStrike" spc="-1">
-                <a:solidFill>
-                  <a:srgbClr val="000000"/>
-                </a:solidFill>
-                <a:uFill>
-                  <a:solidFill>
-                    <a:srgbClr val="FFFFFF"/>
-                  </a:solidFill>
-                </a:uFill>
-                <a:latin typeface="Arial"/>
-                <a:ea typeface="DejaVu Sans"/>
-              </a:rPr>
-              <a:t>arXiv: Computer Vision and Pattern Recognition</a:t>
-            </a:r>
-            <a:r>
-              <a:rPr lang="en-US" sz="1800" b="0" strike="noStrike" spc="-1">
-                <a:solidFill>
-                  <a:srgbClr val="000000"/>
-                </a:solidFill>
-                <a:uFill>
-                  <a:solidFill>
-                    <a:srgbClr val="FFFFFF"/>
-                  </a:solidFill>
-                </a:uFill>
-                <a:latin typeface="Arial"/>
-                <a:ea typeface="DejaVu Sans"/>
-              </a:rPr>
-              <a:t> (2016).</a:t>
-            </a:r>
-            <a:endParaRPr lang="en-US" sz="1800" b="0" strike="noStrike" spc="-1">
+              <a:t>architectures</a:t>
+            </a:r>
+            <a:endParaRPr lang="en-US" sz="1800" b="0" strike="noStrike" spc="-1" dirty="0">
               <a:solidFill>
                 <a:srgbClr val="000000"/>
               </a:solidFill>
@@ -11652,7 +12234,7 @@
     </p:spTree>
     <p:extLst>
       <p:ext uri="{BB962C8B-B14F-4D97-AF65-F5344CB8AC3E}">
-        <p14:creationId xmlns:p14="http://schemas.microsoft.com/office/powerpoint/2010/main" val="1752200844"/>
+        <p14:creationId xmlns:p14="http://schemas.microsoft.com/office/powerpoint/2010/main" val="971019996"/>
       </p:ext>
     </p:extLst>
   </p:cSld>
@@ -12037,78 +12619,9 @@
           <a:chExt cx="0" cy="0"/>
         </a:xfrm>
       </p:grpSpPr>
-      <p:sp>
-        <p:nvSpPr>
-          <p:cNvPr id="155" name="CustomShape 1"/>
-          <p:cNvSpPr/>
-          <p:nvPr/>
-        </p:nvSpPr>
-        <p:spPr>
-          <a:xfrm>
-            <a:off x="1346040" y="1002960"/>
-            <a:ext cx="7111440" cy="864360"/>
-          </a:xfrm>
-          <a:prstGeom prst="rect">
-            <a:avLst/>
-          </a:prstGeom>
-          <a:noFill/>
-          <a:ln>
-            <a:noFill/>
-          </a:ln>
-        </p:spPr>
-        <p:style>
-          <a:lnRef idx="0">
-            <a:scrgbClr r="0" g="0" b="0"/>
-          </a:lnRef>
-          <a:fillRef idx="0">
-            <a:scrgbClr r="0" g="0" b="0"/>
-          </a:fillRef>
-          <a:effectRef idx="0">
-            <a:scrgbClr r="0" g="0" b="0"/>
-          </a:effectRef>
-          <a:fontRef idx="minor"/>
-        </p:style>
-        <p:txBody>
-          <a:bodyPr lIns="90000" tIns="45000" rIns="90000" bIns="45000"/>
-          <a:lstStyle/>
-          <a:p>
-            <a:pPr>
-              <a:lnSpc>
-                <a:spcPct val="100000"/>
-              </a:lnSpc>
-            </a:pPr>
-            <a:r>
-              <a:rPr lang="en-US" sz="3200" b="0" strike="noStrike" spc="-1">
-                <a:solidFill>
-                  <a:srgbClr val="C0504D"/>
-                </a:solidFill>
-                <a:uFill>
-                  <a:solidFill>
-                    <a:srgbClr val="FFFFFF"/>
-                  </a:solidFill>
-                </a:uFill>
-                <a:latin typeface="Calibri"/>
-                <a:ea typeface="DejaVu Sans"/>
-              </a:rPr>
-              <a:t>Memory</a:t>
-            </a:r>
-            <a:endParaRPr lang="en-US" sz="1800" b="0" strike="noStrike" spc="-1">
-              <a:solidFill>
-                <a:srgbClr val="000000"/>
-              </a:solidFill>
-              <a:uFill>
-                <a:solidFill>
-                  <a:srgbClr val="FFFFFF"/>
-                </a:solidFill>
-              </a:uFill>
-              <a:latin typeface="Arial"/>
-            </a:endParaRPr>
-          </a:p>
-        </p:txBody>
-      </p:sp>
       <p:pic>
         <p:nvPicPr>
-          <p:cNvPr id="156" name="图片 4"/>
+          <p:cNvPr id="146" name="图片 4"/>
           <p:cNvPicPr/>
           <p:nvPr/>
         </p:nvPicPr>
@@ -12118,8 +12631,8 @@
         </p:blipFill>
         <p:spPr>
           <a:xfrm>
-            <a:off x="1245960" y="1689120"/>
-            <a:ext cx="6286320" cy="4266720"/>
+            <a:off x="1145880" y="1737360"/>
+            <a:ext cx="6169320" cy="4124160"/>
           </a:xfrm>
           <a:prstGeom prst="rect">
             <a:avLst/>
@@ -12131,14 +12644,14 @@
       </p:pic>
       <p:sp>
         <p:nvSpPr>
-          <p:cNvPr id="157" name="CustomShape 2"/>
+          <p:cNvPr id="147" name="CustomShape 1"/>
           <p:cNvSpPr/>
           <p:nvPr/>
         </p:nvSpPr>
         <p:spPr>
           <a:xfrm>
-            <a:off x="92160" y="5956560"/>
-            <a:ext cx="9143640" cy="913320"/>
+            <a:off x="548640" y="5934600"/>
+            <a:ext cx="8370000" cy="913320"/>
           </a:xfrm>
           <a:prstGeom prst="rect">
             <a:avLst/>
@@ -12228,10 +12741,79 @@
           </a:p>
         </p:txBody>
       </p:sp>
+      <p:sp>
+        <p:nvSpPr>
+          <p:cNvPr id="148" name="CustomShape 2"/>
+          <p:cNvSpPr/>
+          <p:nvPr/>
+        </p:nvSpPr>
+        <p:spPr>
+          <a:xfrm>
+            <a:off x="1341000" y="915120"/>
+            <a:ext cx="7111440" cy="864360"/>
+          </a:xfrm>
+          <a:prstGeom prst="rect">
+            <a:avLst/>
+          </a:prstGeom>
+          <a:noFill/>
+          <a:ln>
+            <a:noFill/>
+          </a:ln>
+        </p:spPr>
+        <p:style>
+          <a:lnRef idx="0">
+            <a:scrgbClr r="0" g="0" b="0"/>
+          </a:lnRef>
+          <a:fillRef idx="0">
+            <a:scrgbClr r="0" g="0" b="0"/>
+          </a:fillRef>
+          <a:effectRef idx="0">
+            <a:scrgbClr r="0" g="0" b="0"/>
+          </a:effectRef>
+          <a:fontRef idx="minor"/>
+        </p:style>
+        <p:txBody>
+          <a:bodyPr lIns="90000" tIns="45000" rIns="90000" bIns="45000"/>
+          <a:lstStyle/>
+          <a:p>
+            <a:pPr>
+              <a:lnSpc>
+                <a:spcPct val="100000"/>
+              </a:lnSpc>
+            </a:pPr>
+            <a:r>
+              <a:rPr lang="en-US" sz="3200" b="0" strike="noStrike" spc="-1">
+                <a:solidFill>
+                  <a:srgbClr val="C0504D"/>
+                </a:solidFill>
+                <a:uFill>
+                  <a:solidFill>
+                    <a:srgbClr val="FFFFFF"/>
+                  </a:solidFill>
+                </a:uFill>
+                <a:latin typeface="Calibri"/>
+                <a:ea typeface="DejaVu Sans"/>
+              </a:rPr>
+              <a:t>Accuracy and size of the model</a:t>
+            </a:r>
+            <a:endParaRPr lang="en-US" sz="1800" b="0" strike="noStrike" spc="-1">
+              <a:solidFill>
+                <a:srgbClr val="000000"/>
+              </a:solidFill>
+              <a:uFill>
+                <a:solidFill>
+                  <a:srgbClr val="FFFFFF"/>
+                </a:solidFill>
+              </a:uFill>
+              <a:latin typeface="Arial"/>
+            </a:endParaRPr>
+          </a:p>
+        </p:txBody>
+      </p:sp>
     </p:spTree>
     <p:extLst>
       <p:ext uri="{BB962C8B-B14F-4D97-AF65-F5344CB8AC3E}">
-        <p14:creationId xmlns:p14="http://schemas.microsoft.com/office/powerpoint/2010/main" val="1469084761"/>
+        <p14:creationId xmlns:p14="http://schemas.microsoft.com/office/powerpoint/2010/main" val="1600895105"/>
       </p:ext>
     </p:extLst>
   </p:cSld>
@@ -12287,7 +12869,7 @@
       </p:grpSpPr>
       <p:pic>
         <p:nvPicPr>
-          <p:cNvPr id="158" name="图片 3"/>
+          <p:cNvPr id="149" name="图片 3"/>
           <p:cNvPicPr/>
           <p:nvPr/>
         </p:nvPicPr>
@@ -12297,8 +12879,8 @@
         </p:blipFill>
         <p:spPr>
           <a:xfrm>
-            <a:off x="136080" y="1828800"/>
-            <a:ext cx="8550720" cy="3404520"/>
+            <a:off x="1188720" y="1532160"/>
+            <a:ext cx="6492240" cy="4443480"/>
           </a:xfrm>
           <a:prstGeom prst="rect">
             <a:avLst/>
@@ -12310,14 +12892,14 @@
       </p:pic>
       <p:sp>
         <p:nvSpPr>
-          <p:cNvPr id="159" name="CustomShape 1"/>
+          <p:cNvPr id="150" name="CustomShape 1"/>
           <p:cNvSpPr/>
           <p:nvPr/>
         </p:nvSpPr>
         <p:spPr>
           <a:xfrm>
-            <a:off x="0" y="5662080"/>
-            <a:ext cx="9354600" cy="913320"/>
+            <a:off x="225000" y="5934600"/>
+            <a:ext cx="8918640" cy="913320"/>
           </a:xfrm>
           <a:prstGeom prst="rect">
             <a:avLst/>
@@ -12407,10 +12989,79 @@
           </a:p>
         </p:txBody>
       </p:sp>
+      <p:sp>
+        <p:nvSpPr>
+          <p:cNvPr id="151" name="CustomShape 2"/>
+          <p:cNvSpPr/>
+          <p:nvPr/>
+        </p:nvSpPr>
+        <p:spPr>
+          <a:xfrm>
+            <a:off x="1300860" y="970538"/>
+            <a:ext cx="7111440" cy="864360"/>
+          </a:xfrm>
+          <a:prstGeom prst="rect">
+            <a:avLst/>
+          </a:prstGeom>
+          <a:noFill/>
+          <a:ln>
+            <a:noFill/>
+          </a:ln>
+        </p:spPr>
+        <p:style>
+          <a:lnRef idx="0">
+            <a:scrgbClr r="0" g="0" b="0"/>
+          </a:lnRef>
+          <a:fillRef idx="0">
+            <a:scrgbClr r="0" g="0" b="0"/>
+          </a:fillRef>
+          <a:effectRef idx="0">
+            <a:scrgbClr r="0" g="0" b="0"/>
+          </a:effectRef>
+          <a:fontRef idx="minor"/>
+        </p:style>
+        <p:txBody>
+          <a:bodyPr lIns="90000" tIns="45000" rIns="90000" bIns="45000"/>
+          <a:lstStyle/>
+          <a:p>
+            <a:pPr>
+              <a:lnSpc>
+                <a:spcPct val="100000"/>
+              </a:lnSpc>
+            </a:pPr>
+            <a:r>
+              <a:rPr lang="en-US" sz="3200" b="0" strike="noStrike" spc="-1" dirty="0">
+                <a:solidFill>
+                  <a:srgbClr val="C0504D"/>
+                </a:solidFill>
+                <a:uFill>
+                  <a:solidFill>
+                    <a:srgbClr val="FFFFFF"/>
+                  </a:solidFill>
+                </a:uFill>
+                <a:latin typeface="Calibri"/>
+                <a:ea typeface="DejaVu Sans"/>
+              </a:rPr>
+              <a:t>Inference time</a:t>
+            </a:r>
+            <a:endParaRPr lang="en-US" sz="1800" b="0" strike="noStrike" spc="-1" dirty="0">
+              <a:solidFill>
+                <a:srgbClr val="000000"/>
+              </a:solidFill>
+              <a:uFill>
+                <a:solidFill>
+                  <a:srgbClr val="FFFFFF"/>
+                </a:solidFill>
+              </a:uFill>
+              <a:latin typeface="Arial"/>
+            </a:endParaRPr>
+          </a:p>
+        </p:txBody>
+      </p:sp>
     </p:spTree>
     <p:extLst>
       <p:ext uri="{BB962C8B-B14F-4D97-AF65-F5344CB8AC3E}">
-        <p14:creationId xmlns:p14="http://schemas.microsoft.com/office/powerpoint/2010/main" val="3730801796"/>
+        <p14:creationId xmlns:p14="http://schemas.microsoft.com/office/powerpoint/2010/main" val="1306525705"/>
       </p:ext>
     </p:extLst>
   </p:cSld>
@@ -12466,14 +13117,14 @@
       </p:grpSpPr>
       <p:sp>
         <p:nvSpPr>
-          <p:cNvPr id="110" name="CustomShape 1"/>
+          <p:cNvPr id="152" name="CustomShape 1"/>
           <p:cNvSpPr/>
           <p:nvPr/>
         </p:nvSpPr>
         <p:spPr>
           <a:xfrm>
-            <a:off x="1392120" y="1005840"/>
-            <a:ext cx="7111440" cy="1064880"/>
+            <a:off x="1346040" y="1002960"/>
+            <a:ext cx="7111440" cy="864360"/>
           </a:xfrm>
           <a:prstGeom prst="rect">
             <a:avLst/>
@@ -12505,7 +13156,7 @@
               </a:lnSpc>
             </a:pPr>
             <a:r>
-              <a:rPr lang="en-US" sz="3200" b="0" strike="noStrike" spc="-1" dirty="0" smtClean="0">
+              <a:rPr lang="en-US" sz="3200" b="0" strike="noStrike" spc="-1">
                 <a:solidFill>
                   <a:srgbClr val="C0504D"/>
                 </a:solidFill>
@@ -12517,32 +13168,55 @@
                 <a:latin typeface="Calibri"/>
                 <a:ea typeface="DejaVu Sans"/>
               </a:rPr>
-              <a:t>CNN Based medical image classification </a:t>
-            </a:r>
-            <a:endParaRPr lang="en-US" sz="1800" b="0" strike="noStrike" spc="-1" dirty="0">
-              <a:solidFill>
-                <a:srgbClr val="000000"/>
-              </a:solidFill>
-              <a:uFill>
-                <a:solidFill>
-                  <a:srgbClr val="FFFFFF"/>
-                </a:solidFill>
-              </a:uFill>
-              <a:latin typeface="Arial"/>
-            </a:endParaRPr>
-          </a:p>
-        </p:txBody>
-      </p:sp>
-      <p:sp>
-        <p:nvSpPr>
-          <p:cNvPr id="111" name="CustomShape 2"/>
+              <a:t>Power</a:t>
+            </a:r>
+            <a:endParaRPr lang="en-US" sz="1800" b="0" strike="noStrike" spc="-1">
+              <a:solidFill>
+                <a:srgbClr val="000000"/>
+              </a:solidFill>
+              <a:uFill>
+                <a:solidFill>
+                  <a:srgbClr val="FFFFFF"/>
+                </a:solidFill>
+              </a:uFill>
+              <a:latin typeface="Arial"/>
+            </a:endParaRPr>
+          </a:p>
+        </p:txBody>
+      </p:sp>
+      <p:pic>
+        <p:nvPicPr>
+          <p:cNvPr id="153" name="图片 5"/>
+          <p:cNvPicPr/>
+          <p:nvPr/>
+        </p:nvPicPr>
+        <p:blipFill>
+          <a:blip r:embed="rId2"/>
+          <a:stretch/>
+        </p:blipFill>
+        <p:spPr>
+          <a:xfrm>
+            <a:off x="1324800" y="1737360"/>
+            <a:ext cx="6356160" cy="4208760"/>
+          </a:xfrm>
+          <a:prstGeom prst="rect">
+            <a:avLst/>
+          </a:prstGeom>
+          <a:ln>
+            <a:noFill/>
+          </a:ln>
+        </p:spPr>
+      </p:pic>
+      <p:sp>
+        <p:nvSpPr>
+          <p:cNvPr id="154" name="CustomShape 2"/>
           <p:cNvSpPr/>
           <p:nvPr/>
         </p:nvSpPr>
         <p:spPr>
           <a:xfrm>
-            <a:off x="695880" y="1023480"/>
-            <a:ext cx="558720" cy="516600"/>
+            <a:off x="98640" y="5934600"/>
+            <a:ext cx="9045000" cy="913320"/>
           </a:xfrm>
           <a:prstGeom prst="rect">
             <a:avLst/>
@@ -12574,76 +13248,22 @@
               </a:lnSpc>
             </a:pPr>
             <a:r>
-              <a:rPr lang="en-US" sz="2800" b="1" strike="noStrike" spc="-1">
-                <a:solidFill>
-                  <a:srgbClr val="FFFFFF"/>
+              <a:rPr lang="en-US" sz="1800" b="0" strike="noStrike" spc="-1">
+                <a:solidFill>
+                  <a:srgbClr val="000000"/>
                 </a:solidFill>
                 <a:uFill>
                   <a:solidFill>
                     <a:srgbClr val="FFFFFF"/>
                   </a:solidFill>
                 </a:uFill>
-                <a:latin typeface="Calibri"/>
+                <a:latin typeface="Arial"/>
                 <a:ea typeface="DejaVu Sans"/>
               </a:rPr>
-              <a:t>04</a:t>
-            </a:r>
-            <a:endParaRPr lang="en-US" sz="1800" b="0" strike="noStrike" spc="-1">
-              <a:solidFill>
-                <a:srgbClr val="000000"/>
-              </a:solidFill>
-              <a:uFill>
-                <a:solidFill>
-                  <a:srgbClr val="FFFFFF"/>
-                </a:solidFill>
-              </a:uFill>
-              <a:latin typeface="Arial"/>
-            </a:endParaRPr>
-          </a:p>
-        </p:txBody>
-      </p:sp>
-      <p:sp>
-        <p:nvSpPr>
-          <p:cNvPr id="112" name="CustomShape 3"/>
-          <p:cNvSpPr/>
-          <p:nvPr/>
-        </p:nvSpPr>
-        <p:spPr>
-          <a:xfrm>
-            <a:off x="695880" y="2071080"/>
-            <a:ext cx="8960760" cy="3781080"/>
-          </a:xfrm>
-          <a:prstGeom prst="rect">
-            <a:avLst/>
-          </a:prstGeom>
-          <a:noFill/>
-          <a:ln>
-            <a:noFill/>
-          </a:ln>
-        </p:spPr>
-        <p:style>
-          <a:lnRef idx="0">
-            <a:scrgbClr r="0" g="0" b="0"/>
-          </a:lnRef>
-          <a:fillRef idx="0">
-            <a:scrgbClr r="0" g="0" b="0"/>
-          </a:fillRef>
-          <a:effectRef idx="0">
-            <a:scrgbClr r="0" g="0" b="0"/>
-          </a:effectRef>
-          <a:fontRef idx="minor"/>
-        </p:style>
-        <p:txBody>
-          <a:bodyPr lIns="90000" tIns="45000" rIns="90000" bIns="45000"/>
-          <a:lstStyle/>
-          <a:p>
-            <a:pPr marL="360">
-              <a:lnSpc>
-                <a:spcPct val="125000"/>
-              </a:lnSpc>
-            </a:pPr>
-            <a:r>
-              <a:rPr lang="en-US" sz="2400" b="0" strike="noStrike" spc="-1" dirty="0">
+              <a:t>Canziani, Alfredo, Adam Paszke, and Eugenio Culurciello. "An Analysis of Deep Neural Network Models for Practical Applications." </a:t>
+            </a:r>
+            <a:r>
+              <a:rPr lang="en-US" sz="1800" b="0" i="1" strike="noStrike" spc="-1">
                 <a:solidFill>
                   <a:srgbClr val="000000"/>
                 </a:solidFill>
@@ -12652,36 +13272,13 @@
                     <a:srgbClr val="FFFFFF"/>
                   </a:solidFill>
                 </a:uFill>
-                <a:latin typeface="Times New Roman"/>
+                <a:latin typeface="Arial"/>
                 <a:ea typeface="DejaVu Sans"/>
               </a:rPr>
-              <a:t> </a:t>
-            </a:r>
-            <a:endParaRPr lang="en-US" sz="1800" b="0" strike="noStrike" spc="-1" dirty="0">
-              <a:solidFill>
-                <a:srgbClr val="000000"/>
-              </a:solidFill>
-              <a:uFill>
-                <a:solidFill>
-                  <a:srgbClr val="FFFFFF"/>
-                </a:solidFill>
-              </a:uFill>
-              <a:latin typeface="Arial"/>
-            </a:endParaRPr>
-          </a:p>
-          <a:p>
-            <a:pPr marL="285840" indent="-285120">
-              <a:lnSpc>
-                <a:spcPct val="125000"/>
-              </a:lnSpc>
-              <a:buClr>
-                <a:srgbClr val="000000"/>
-              </a:buClr>
-              <a:buFont typeface="Wingdings" charset="2"/>
-              <a:buChar char=""/>
-            </a:pPr>
-            <a:r>
-              <a:rPr lang="en-US" sz="2400" b="0" strike="noStrike" spc="-1" dirty="0">
+              <a:t>arXiv: Computer Vision and Pattern Recognition</a:t>
+            </a:r>
+            <a:r>
+              <a:rPr lang="en-US" sz="1800" b="0" strike="noStrike" spc="-1">
                 <a:solidFill>
                   <a:srgbClr val="000000"/>
                 </a:solidFill>
@@ -12690,124 +13287,12 @@
                     <a:srgbClr val="FFFFFF"/>
                   </a:solidFill>
                 </a:uFill>
-                <a:latin typeface="Times New Roman"/>
+                <a:latin typeface="Arial"/>
                 <a:ea typeface="DejaVu Sans"/>
               </a:rPr>
-              <a:t>Datasets usually small</a:t>
-            </a:r>
-            <a:endParaRPr lang="en-US" sz="1800" b="0" strike="noStrike" spc="-1" dirty="0">
-              <a:solidFill>
-                <a:srgbClr val="000000"/>
-              </a:solidFill>
-              <a:uFill>
-                <a:solidFill>
-                  <a:srgbClr val="FFFFFF"/>
-                </a:solidFill>
-              </a:uFill>
-              <a:latin typeface="Arial"/>
-            </a:endParaRPr>
-          </a:p>
-          <a:p>
-            <a:pPr marL="360">
-              <a:lnSpc>
-                <a:spcPct val="125000"/>
-              </a:lnSpc>
-            </a:pPr>
-            <a:endParaRPr lang="en-US" sz="1800" b="0" strike="noStrike" spc="-1" dirty="0">
-              <a:solidFill>
-                <a:srgbClr val="000000"/>
-              </a:solidFill>
-              <a:uFill>
-                <a:solidFill>
-                  <a:srgbClr val="FFFFFF"/>
-                </a:solidFill>
-              </a:uFill>
-              <a:latin typeface="Arial"/>
-            </a:endParaRPr>
-          </a:p>
-          <a:p>
-            <a:pPr marL="285840" indent="-285120">
-              <a:lnSpc>
-                <a:spcPct val="125000"/>
-              </a:lnSpc>
-              <a:buClr>
-                <a:srgbClr val="000000"/>
-              </a:buClr>
-              <a:buFont typeface="Wingdings" charset="2"/>
-              <a:buChar char=""/>
-            </a:pPr>
-            <a:r>
-              <a:rPr lang="en-US" sz="2400" b="0" strike="noStrike" spc="-1" dirty="0">
-                <a:solidFill>
-                  <a:srgbClr val="000000"/>
-                </a:solidFill>
-                <a:uFill>
-                  <a:solidFill>
-                    <a:srgbClr val="FFFFFF"/>
-                  </a:solidFill>
-                </a:uFill>
-                <a:latin typeface="Times New Roman"/>
-                <a:ea typeface="DejaVu Sans"/>
-              </a:rPr>
-              <a:t>Using a  pre-trained CNN to their tasks</a:t>
-            </a:r>
-            <a:endParaRPr lang="en-US" sz="1800" b="0" strike="noStrike" spc="-1" dirty="0">
-              <a:solidFill>
-                <a:srgbClr val="000000"/>
-              </a:solidFill>
-              <a:uFill>
-                <a:solidFill>
-                  <a:srgbClr val="FFFFFF"/>
-                </a:solidFill>
-              </a:uFill>
-              <a:latin typeface="Arial"/>
-            </a:endParaRPr>
-          </a:p>
-          <a:p>
-            <a:pPr marL="360">
-              <a:lnSpc>
-                <a:spcPct val="125000"/>
-              </a:lnSpc>
-            </a:pPr>
-            <a:endParaRPr lang="en-US" sz="1800" b="0" strike="noStrike" spc="-1" dirty="0">
-              <a:solidFill>
-                <a:srgbClr val="000000"/>
-              </a:solidFill>
-              <a:uFill>
-                <a:solidFill>
-                  <a:srgbClr val="FFFFFF"/>
-                </a:solidFill>
-              </a:uFill>
-              <a:latin typeface="Arial"/>
-            </a:endParaRPr>
-          </a:p>
-          <a:p>
-            <a:pPr marL="285840" indent="-285120">
-              <a:lnSpc>
-                <a:spcPct val="125000"/>
-              </a:lnSpc>
-              <a:buClr>
-                <a:srgbClr val="000000"/>
-              </a:buClr>
-              <a:buFont typeface="Wingdings" charset="2"/>
-              <a:buChar char=""/>
-            </a:pPr>
-            <a:r>
-              <a:rPr lang="en-US" sz="2400" b="0" strike="noStrike" spc="-1" dirty="0">
-                <a:solidFill>
-                  <a:srgbClr val="000000"/>
-                </a:solidFill>
-                <a:uFill>
-                  <a:solidFill>
-                    <a:srgbClr val="FFFFFF"/>
-                  </a:solidFill>
-                </a:uFill>
-                <a:latin typeface="Times New Roman"/>
-                <a:ea typeface="DejaVu Sans"/>
-              </a:rPr>
-              <a:t>A pre-trained CNN is adapted to the application at hand.</a:t>
-            </a:r>
-            <a:endParaRPr lang="en-US" sz="1800" b="0" strike="noStrike" spc="-1" dirty="0">
+              <a:t> (2016).</a:t>
+            </a:r>
+            <a:endParaRPr lang="en-US" sz="1800" b="0" strike="noStrike" spc="-1">
               <a:solidFill>
                 <a:srgbClr val="000000"/>
               </a:solidFill>
@@ -12822,6 +13307,11 @@
         </p:txBody>
       </p:sp>
     </p:spTree>
+    <p:extLst>
+      <p:ext uri="{BB962C8B-B14F-4D97-AF65-F5344CB8AC3E}">
+        <p14:creationId xmlns:p14="http://schemas.microsoft.com/office/powerpoint/2010/main" val="1752200844"/>
+      </p:ext>
+    </p:extLst>
   </p:cSld>
   <p:clrMapOvr>
     <a:masterClrMapping/>
@@ -12875,14 +13365,14 @@
       </p:grpSpPr>
       <p:sp>
         <p:nvSpPr>
-          <p:cNvPr id="113" name="CustomShape 1"/>
+          <p:cNvPr id="155" name="CustomShape 1"/>
           <p:cNvSpPr/>
           <p:nvPr/>
         </p:nvSpPr>
         <p:spPr>
           <a:xfrm>
-            <a:off x="1392120" y="991800"/>
-            <a:ext cx="7111440" cy="1064880"/>
+            <a:off x="1346040" y="1002960"/>
+            <a:ext cx="7111440" cy="864360"/>
           </a:xfrm>
           <a:prstGeom prst="rect">
             <a:avLst/>
@@ -12926,7 +13416,7 @@
                 <a:latin typeface="Calibri"/>
                 <a:ea typeface="DejaVu Sans"/>
               </a:rPr>
-              <a:t>CNN Based medical image classification </a:t>
+              <a:t>Memory</a:t>
             </a:r>
             <a:endParaRPr lang="en-US" sz="1800" b="0" strike="noStrike" spc="-1">
               <a:solidFill>
@@ -12942,16 +13432,39 @@
           </a:p>
         </p:txBody>
       </p:sp>
-      <p:sp>
-        <p:nvSpPr>
-          <p:cNvPr id="114" name="CustomShape 2"/>
+      <p:pic>
+        <p:nvPicPr>
+          <p:cNvPr id="156" name="图片 4"/>
+          <p:cNvPicPr/>
+          <p:nvPr/>
+        </p:nvPicPr>
+        <p:blipFill>
+          <a:blip r:embed="rId2"/>
+          <a:stretch/>
+        </p:blipFill>
+        <p:spPr>
+          <a:xfrm>
+            <a:off x="1245960" y="1689120"/>
+            <a:ext cx="6286320" cy="4266720"/>
+          </a:xfrm>
+          <a:prstGeom prst="rect">
+            <a:avLst/>
+          </a:prstGeom>
+          <a:ln>
+            <a:noFill/>
+          </a:ln>
+        </p:spPr>
+      </p:pic>
+      <p:sp>
+        <p:nvSpPr>
+          <p:cNvPr id="157" name="CustomShape 2"/>
           <p:cNvSpPr/>
           <p:nvPr/>
         </p:nvSpPr>
         <p:spPr>
           <a:xfrm>
-            <a:off x="695880" y="1023480"/>
-            <a:ext cx="558720" cy="516600"/>
+            <a:off x="92160" y="5956560"/>
+            <a:ext cx="9143640" cy="913320"/>
           </a:xfrm>
           <a:prstGeom prst="rect">
             <a:avLst/>
@@ -12983,81 +13496,22 @@
               </a:lnSpc>
             </a:pPr>
             <a:r>
-              <a:rPr lang="en-US" sz="2800" b="1" strike="noStrike" spc="-1">
-                <a:solidFill>
-                  <a:srgbClr val="FFFFFF"/>
+              <a:rPr lang="en-US" sz="1800" b="0" strike="noStrike" spc="-1">
+                <a:solidFill>
+                  <a:srgbClr val="000000"/>
                 </a:solidFill>
                 <a:uFill>
                   <a:solidFill>
                     <a:srgbClr val="FFFFFF"/>
                   </a:solidFill>
                 </a:uFill>
-                <a:latin typeface="Calibri"/>
+                <a:latin typeface="Arial"/>
                 <a:ea typeface="DejaVu Sans"/>
               </a:rPr>
-              <a:t>04</a:t>
-            </a:r>
-            <a:endParaRPr lang="en-US" sz="1800" b="0" strike="noStrike" spc="-1">
-              <a:solidFill>
-                <a:srgbClr val="000000"/>
-              </a:solidFill>
-              <a:uFill>
-                <a:solidFill>
-                  <a:srgbClr val="FFFFFF"/>
-                </a:solidFill>
-              </a:uFill>
-              <a:latin typeface="Arial"/>
-            </a:endParaRPr>
-          </a:p>
-        </p:txBody>
-      </p:sp>
-      <p:sp>
-        <p:nvSpPr>
-          <p:cNvPr id="115" name="CustomShape 3"/>
-          <p:cNvSpPr/>
-          <p:nvPr/>
-        </p:nvSpPr>
-        <p:spPr>
-          <a:xfrm>
-            <a:off x="1254960" y="1997280"/>
-            <a:ext cx="7289640" cy="3781080"/>
-          </a:xfrm>
-          <a:prstGeom prst="rect">
-            <a:avLst/>
-          </a:prstGeom>
-          <a:noFill/>
-          <a:ln>
-            <a:noFill/>
-          </a:ln>
-        </p:spPr>
-        <p:style>
-          <a:lnRef idx="0">
-            <a:scrgbClr r="0" g="0" b="0"/>
-          </a:lnRef>
-          <a:fillRef idx="0">
-            <a:scrgbClr r="0" g="0" b="0"/>
-          </a:fillRef>
-          <a:effectRef idx="0">
-            <a:scrgbClr r="0" g="0" b="0"/>
-          </a:effectRef>
-          <a:fontRef idx="minor"/>
-        </p:style>
-        <p:txBody>
-          <a:bodyPr lIns="90000" tIns="45000" rIns="90000" bIns="45000"/>
-          <a:lstStyle/>
-          <a:p>
-            <a:pPr marL="285840" indent="-285120">
-              <a:lnSpc>
-                <a:spcPct val="125000"/>
-              </a:lnSpc>
-              <a:buClr>
-                <a:srgbClr val="000000"/>
-              </a:buClr>
-              <a:buFont typeface="Wingdings" charset="2"/>
-              <a:buChar char=""/>
-            </a:pPr>
-            <a:r>
-              <a:rPr lang="en-US" sz="2400" b="0" strike="noStrike" spc="-1">
+              <a:t>Canziani, Alfredo, Adam Paszke, and Eugenio Culurciello. "An Analysis of Deep Neural Network Models for Practical Applications." </a:t>
+            </a:r>
+            <a:r>
+              <a:rPr lang="en-US" sz="1800" b="0" i="1" strike="noStrike" spc="-1">
                 <a:solidFill>
                   <a:srgbClr val="000000"/>
                 </a:solidFill>
@@ -13066,72 +13520,13 @@
                     <a:srgbClr val="FFFFFF"/>
                   </a:solidFill>
                 </a:uFill>
-                <a:latin typeface="Times New Roman"/>
+                <a:latin typeface="Arial"/>
                 <a:ea typeface="DejaVu Sans"/>
               </a:rPr>
-              <a:t>Polyp detection(肠息肉的检测)</a:t>
-            </a:r>
-            <a:endParaRPr lang="en-US" sz="1800" b="0" strike="noStrike" spc="-1">
-              <a:solidFill>
-                <a:srgbClr val="000000"/>
-              </a:solidFill>
-              <a:uFill>
-                <a:solidFill>
-                  <a:srgbClr val="FFFFFF"/>
-                </a:solidFill>
-              </a:uFill>
-              <a:latin typeface="Arial"/>
-            </a:endParaRPr>
-          </a:p>
-          <a:p>
-            <a:pPr marL="360">
-              <a:lnSpc>
-                <a:spcPct val="125000"/>
-              </a:lnSpc>
-            </a:pPr>
-            <a:endParaRPr lang="en-US" sz="1800" b="0" strike="noStrike" spc="-1">
-              <a:solidFill>
-                <a:srgbClr val="000000"/>
-              </a:solidFill>
-              <a:uFill>
-                <a:solidFill>
-                  <a:srgbClr val="FFFFFF"/>
-                </a:solidFill>
-              </a:uFill>
-              <a:latin typeface="Arial"/>
-            </a:endParaRPr>
-          </a:p>
-          <a:p>
-            <a:pPr marL="360">
-              <a:lnSpc>
-                <a:spcPct val="125000"/>
-              </a:lnSpc>
-            </a:pPr>
-            <a:endParaRPr lang="en-US" sz="1800" b="0" strike="noStrike" spc="-1">
-              <a:solidFill>
-                <a:srgbClr val="000000"/>
-              </a:solidFill>
-              <a:uFill>
-                <a:solidFill>
-                  <a:srgbClr val="FFFFFF"/>
-                </a:solidFill>
-              </a:uFill>
-              <a:latin typeface="Arial"/>
-            </a:endParaRPr>
-          </a:p>
-          <a:p>
-            <a:pPr marL="285840" indent="-285120">
-              <a:lnSpc>
-                <a:spcPct val="125000"/>
-              </a:lnSpc>
-              <a:buClr>
-                <a:srgbClr val="000000"/>
-              </a:buClr>
-              <a:buFont typeface="Wingdings" charset="2"/>
-              <a:buChar char=""/>
-            </a:pPr>
-            <a:r>
-              <a:rPr lang="en-US" sz="2400" b="0" strike="noStrike" spc="-1">
+              <a:t>arXiv: Computer Vision and Pattern Recognition</a:t>
+            </a:r>
+            <a:r>
+              <a:rPr lang="en-US" sz="1800" b="0" strike="noStrike" spc="-1">
                 <a:solidFill>
                   <a:srgbClr val="000000"/>
                 </a:solidFill>
@@ -13140,10 +13535,10 @@
                     <a:srgbClr val="FFFFFF"/>
                   </a:solidFill>
                 </a:uFill>
-                <a:latin typeface="Times New Roman"/>
+                <a:latin typeface="Arial"/>
                 <a:ea typeface="DejaVu Sans"/>
               </a:rPr>
-              <a:t>Pulmonary Embolism Detection(肺栓塞的检测)</a:t>
+              <a:t> (2016).</a:t>
             </a:r>
             <a:endParaRPr lang="en-US" sz="1800" b="0" strike="noStrike" spc="-1">
               <a:solidFill>
@@ -13157,101 +13552,14 @@
               <a:latin typeface="Arial"/>
             </a:endParaRPr>
           </a:p>
-          <a:p>
-            <a:pPr marL="360">
-              <a:lnSpc>
-                <a:spcPct val="125000"/>
-              </a:lnSpc>
-            </a:pPr>
-            <a:endParaRPr lang="en-US" sz="1800" b="0" strike="noStrike" spc="-1">
-              <a:solidFill>
-                <a:srgbClr val="000000"/>
-              </a:solidFill>
-              <a:uFill>
-                <a:solidFill>
-                  <a:srgbClr val="FFFFFF"/>
-                </a:solidFill>
-              </a:uFill>
-              <a:latin typeface="Arial"/>
-            </a:endParaRPr>
-          </a:p>
-          <a:p>
-            <a:pPr marL="360">
-              <a:lnSpc>
-                <a:spcPct val="125000"/>
-              </a:lnSpc>
-            </a:pPr>
-            <a:endParaRPr lang="en-US" sz="1800" b="0" strike="noStrike" spc="-1">
-              <a:solidFill>
-                <a:srgbClr val="000000"/>
-              </a:solidFill>
-              <a:uFill>
-                <a:solidFill>
-                  <a:srgbClr val="FFFFFF"/>
-                </a:solidFill>
-              </a:uFill>
-              <a:latin typeface="Arial"/>
-            </a:endParaRPr>
-          </a:p>
-          <a:p>
-            <a:pPr marL="285840" indent="-285120">
-              <a:lnSpc>
-                <a:spcPct val="125000"/>
-              </a:lnSpc>
-              <a:buClr>
-                <a:srgbClr val="000000"/>
-              </a:buClr>
-              <a:buFont typeface="Wingdings" charset="2"/>
-              <a:buChar char=""/>
-            </a:pPr>
-            <a:r>
-              <a:rPr lang="en-US" sz="2400" b="0" strike="noStrike" spc="-1">
-                <a:solidFill>
-                  <a:srgbClr val="000000"/>
-                </a:solidFill>
-                <a:uFill>
-                  <a:solidFill>
-                    <a:srgbClr val="FFFFFF"/>
-                  </a:solidFill>
-                </a:uFill>
-                <a:latin typeface="Times New Roman"/>
-                <a:ea typeface="DejaVu Sans"/>
-              </a:rPr>
-              <a:t>Intima-Media Boundary Segmentation(血管造影)</a:t>
-            </a:r>
-            <a:endParaRPr lang="en-US" sz="1800" b="0" strike="noStrike" spc="-1">
-              <a:solidFill>
-                <a:srgbClr val="000000"/>
-              </a:solidFill>
-              <a:uFill>
-                <a:solidFill>
-                  <a:srgbClr val="FFFFFF"/>
-                </a:solidFill>
-              </a:uFill>
-              <a:latin typeface="Arial"/>
-            </a:endParaRPr>
-          </a:p>
-          <a:p>
-            <a:pPr>
-              <a:lnSpc>
-                <a:spcPct val="125000"/>
-              </a:lnSpc>
-            </a:pPr>
-            <a:endParaRPr lang="en-US" sz="1800" b="0" strike="noStrike" spc="-1">
-              <a:solidFill>
-                <a:srgbClr val="000000"/>
-              </a:solidFill>
-              <a:uFill>
-                <a:solidFill>
-                  <a:srgbClr val="FFFFFF"/>
-                </a:solidFill>
-              </a:uFill>
-              <a:latin typeface="Arial"/>
-            </a:endParaRPr>
-          </a:p>
         </p:txBody>
       </p:sp>
     </p:spTree>
+    <p:extLst>
+      <p:ext uri="{BB962C8B-B14F-4D97-AF65-F5344CB8AC3E}">
+        <p14:creationId xmlns:p14="http://schemas.microsoft.com/office/powerpoint/2010/main" val="1469084761"/>
+      </p:ext>
+    </p:extLst>
   </p:cSld>
   <p:clrMapOvr>
     <a:masterClrMapping/>
@@ -13303,16 +13611,39 @@
           <a:chExt cx="0" cy="0"/>
         </a:xfrm>
       </p:grpSpPr>
-      <p:sp>
-        <p:nvSpPr>
-          <p:cNvPr id="116" name="CustomShape 1"/>
+      <p:pic>
+        <p:nvPicPr>
+          <p:cNvPr id="158" name="图片 3"/>
+          <p:cNvPicPr/>
+          <p:nvPr/>
+        </p:nvPicPr>
+        <p:blipFill>
+          <a:blip r:embed="rId2"/>
+          <a:stretch/>
+        </p:blipFill>
+        <p:spPr>
+          <a:xfrm>
+            <a:off x="136080" y="1828800"/>
+            <a:ext cx="8550720" cy="3404520"/>
+          </a:xfrm>
+          <a:prstGeom prst="rect">
+            <a:avLst/>
+          </a:prstGeom>
+          <a:ln>
+            <a:noFill/>
+          </a:ln>
+        </p:spPr>
+      </p:pic>
+      <p:sp>
+        <p:nvSpPr>
+          <p:cNvPr id="159" name="CustomShape 1"/>
           <p:cNvSpPr/>
           <p:nvPr/>
         </p:nvSpPr>
         <p:spPr>
           <a:xfrm>
-            <a:off x="1344060" y="1023480"/>
-            <a:ext cx="7111440" cy="1064880"/>
+            <a:off x="0" y="5662080"/>
+            <a:ext cx="9354600" cy="913320"/>
           </a:xfrm>
           <a:prstGeom prst="rect">
             <a:avLst/>
@@ -13344,150 +13675,37 @@
               </a:lnSpc>
             </a:pPr>
             <a:r>
-              <a:rPr lang="en-US" sz="3200" b="0" strike="noStrike" spc="-1" dirty="0">
-                <a:solidFill>
-                  <a:srgbClr val="C0504D"/>
+              <a:rPr lang="en-US" sz="1800" b="0" strike="noStrike" spc="-1">
+                <a:solidFill>
+                  <a:srgbClr val="000000"/>
                 </a:solidFill>
                 <a:uFill>
                   <a:solidFill>
                     <a:srgbClr val="FFFFFF"/>
                   </a:solidFill>
                 </a:uFill>
-                <a:latin typeface="Calibri"/>
+                <a:latin typeface="Arial"/>
                 <a:ea typeface="DejaVu Sans"/>
               </a:rPr>
-              <a:t>CNN Based medical image classification </a:t>
-            </a:r>
-            <a:endParaRPr lang="en-US" sz="1800" b="0" strike="noStrike" spc="-1" dirty="0">
-              <a:solidFill>
-                <a:srgbClr val="000000"/>
-              </a:solidFill>
-              <a:uFill>
-                <a:solidFill>
-                  <a:srgbClr val="FFFFFF"/>
-                </a:solidFill>
-              </a:uFill>
-              <a:latin typeface="Arial"/>
-            </a:endParaRPr>
-          </a:p>
-        </p:txBody>
-      </p:sp>
-      <p:sp>
-        <p:nvSpPr>
-          <p:cNvPr id="117" name="CustomShape 2"/>
-          <p:cNvSpPr/>
-          <p:nvPr/>
-        </p:nvSpPr>
-        <p:spPr>
-          <a:xfrm>
-            <a:off x="695880" y="1023480"/>
-            <a:ext cx="558720" cy="516600"/>
-          </a:xfrm>
-          <a:prstGeom prst="rect">
-            <a:avLst/>
-          </a:prstGeom>
-          <a:noFill/>
-          <a:ln>
-            <a:noFill/>
-          </a:ln>
-        </p:spPr>
-        <p:style>
-          <a:lnRef idx="0">
-            <a:scrgbClr r="0" g="0" b="0"/>
-          </a:lnRef>
-          <a:fillRef idx="0">
-            <a:scrgbClr r="0" g="0" b="0"/>
-          </a:fillRef>
-          <a:effectRef idx="0">
-            <a:scrgbClr r="0" g="0" b="0"/>
-          </a:effectRef>
-          <a:fontRef idx="minor"/>
-        </p:style>
-        <p:txBody>
-          <a:bodyPr lIns="90000" tIns="45000" rIns="90000" bIns="45000"/>
-          <a:lstStyle/>
-          <a:p>
-            <a:pPr>
-              <a:lnSpc>
-                <a:spcPct val="100000"/>
-              </a:lnSpc>
-            </a:pPr>
-            <a:r>
-              <a:rPr lang="en-US" sz="2800" b="1" strike="noStrike" spc="-1">
-                <a:solidFill>
-                  <a:srgbClr val="FFFFFF"/>
+              <a:t>Canziani, Alfredo, Adam Paszke, and Eugenio Culurciello. "An Analysis of Deep Neural Network Models for Practical Applications." </a:t>
+            </a:r>
+            <a:r>
+              <a:rPr lang="en-US" sz="1800" b="0" i="1" strike="noStrike" spc="-1">
+                <a:solidFill>
+                  <a:srgbClr val="000000"/>
                 </a:solidFill>
                 <a:uFill>
                   <a:solidFill>
                     <a:srgbClr val="FFFFFF"/>
                   </a:solidFill>
                 </a:uFill>
-                <a:latin typeface="Calibri"/>
+                <a:latin typeface="Arial"/>
                 <a:ea typeface="DejaVu Sans"/>
               </a:rPr>
-              <a:t>04</a:t>
-            </a:r>
-            <a:endParaRPr lang="en-US" sz="1800" b="0" strike="noStrike" spc="-1">
-              <a:solidFill>
-                <a:srgbClr val="000000"/>
-              </a:solidFill>
-              <a:uFill>
-                <a:solidFill>
-                  <a:srgbClr val="FFFFFF"/>
-                </a:solidFill>
-              </a:uFill>
-              <a:latin typeface="Arial"/>
-            </a:endParaRPr>
-          </a:p>
-        </p:txBody>
-      </p:sp>
-      <p:sp>
-        <p:nvSpPr>
-          <p:cNvPr id="118" name="CustomShape 3"/>
-          <p:cNvSpPr/>
-          <p:nvPr/>
-        </p:nvSpPr>
-        <p:spPr>
-          <a:xfrm>
-            <a:off x="1254960" y="1997280"/>
-            <a:ext cx="7289640" cy="3781080"/>
-          </a:xfrm>
-          <a:prstGeom prst="rect">
-            <a:avLst/>
-          </a:prstGeom>
-          <a:noFill/>
-          <a:ln>
-            <a:noFill/>
-          </a:ln>
-        </p:spPr>
-        <p:style>
-          <a:lnRef idx="0">
-            <a:scrgbClr r="0" g="0" b="0"/>
-          </a:lnRef>
-          <a:fillRef idx="0">
-            <a:scrgbClr r="0" g="0" b="0"/>
-          </a:fillRef>
-          <a:effectRef idx="0">
-            <a:scrgbClr r="0" g="0" b="0"/>
-          </a:effectRef>
-          <a:fontRef idx="minor"/>
-        </p:style>
-        <p:txBody>
-          <a:bodyPr lIns="90000" tIns="45000" rIns="90000" bIns="45000"/>
-          <a:lstStyle/>
-          <a:p>
-            <a:pPr marL="285840" indent="-285120">
-              <a:lnSpc>
-                <a:spcPct val="125000"/>
-              </a:lnSpc>
-              <a:buClr>
-                <a:srgbClr val="000000"/>
-              </a:buClr>
-              <a:buFont typeface="Wingdings" charset="2"/>
-              <a:buChar char=""/>
-            </a:pPr>
-            <a:r>
-              <a:rPr lang="en-US" sz="2400" b="0" strike="noStrike" spc="-1">
+              <a:t>arXiv: Computer Vision and Pattern Recognition</a:t>
+            </a:r>
+            <a:r>
+              <a:rPr lang="en-US" sz="1800" b="0" strike="noStrike" spc="-1">
                 <a:solidFill>
                   <a:srgbClr val="000000"/>
                 </a:solidFill>
@@ -13496,10 +13714,10 @@
                     <a:srgbClr val="FFFFFF"/>
                   </a:solidFill>
                 </a:uFill>
-                <a:latin typeface="Times New Roman"/>
+                <a:latin typeface="Arial"/>
                 <a:ea typeface="DejaVu Sans"/>
               </a:rPr>
-              <a:t>Polyp detection</a:t>
+              <a:t> (2016).</a:t>
             </a:r>
             <a:endParaRPr lang="en-US" sz="1800" b="0" strike="noStrike" spc="-1">
               <a:solidFill>
@@ -13513,123 +13731,14 @@
               <a:latin typeface="Arial"/>
             </a:endParaRPr>
           </a:p>
-          <a:p>
-            <a:pPr marL="285840" indent="-285120">
-              <a:lnSpc>
-                <a:spcPct val="125000"/>
-              </a:lnSpc>
-              <a:buClr>
-                <a:srgbClr val="000000"/>
-              </a:buClr>
-              <a:buFont typeface="Wingdings" charset="2"/>
-              <a:buChar char=""/>
-            </a:pPr>
-            <a:r>
-              <a:rPr lang="en-US" sz="2400" b="0" strike="noStrike" spc="-1">
-                <a:solidFill>
-                  <a:srgbClr val="000000"/>
-                </a:solidFill>
-                <a:uFill>
-                  <a:solidFill>
-                    <a:srgbClr val="FFFFFF"/>
-                  </a:solidFill>
-                </a:uFill>
-                <a:latin typeface="Times New Roman"/>
-                <a:ea typeface="DejaVu Sans"/>
-              </a:rPr>
-              <a:t>Extract images from 40 short colonoscopy videos.</a:t>
-            </a:r>
-            <a:endParaRPr lang="en-US" sz="1800" b="0" strike="noStrike" spc="-1">
-              <a:solidFill>
-                <a:srgbClr val="000000"/>
-              </a:solidFill>
-              <a:uFill>
-                <a:solidFill>
-                  <a:srgbClr val="FFFFFF"/>
-                </a:solidFill>
-              </a:uFill>
-              <a:latin typeface="Arial"/>
-            </a:endParaRPr>
-          </a:p>
-          <a:p>
-            <a:pPr marL="285840" indent="-285120">
-              <a:lnSpc>
-                <a:spcPct val="125000"/>
-              </a:lnSpc>
-              <a:buClr>
-                <a:srgbClr val="000000"/>
-              </a:buClr>
-              <a:buFont typeface="Wingdings" charset="2"/>
-              <a:buChar char=""/>
-            </a:pPr>
-            <a:r>
-              <a:rPr lang="en-US" sz="2400" b="0" strike="noStrike" spc="-1">
-                <a:solidFill>
-                  <a:srgbClr val="000000"/>
-                </a:solidFill>
-                <a:uFill>
-                  <a:solidFill>
-                    <a:srgbClr val="FFFFFF"/>
-                  </a:solidFill>
-                </a:uFill>
-                <a:latin typeface="Times New Roman"/>
-                <a:ea typeface="DejaVu Sans"/>
-              </a:rPr>
-              <a:t>Training set contains 3,800 frames with polyps and 15,100 frames without polyps. </a:t>
-            </a:r>
-            <a:endParaRPr lang="en-US" sz="1800" b="0" strike="noStrike" spc="-1">
-              <a:solidFill>
-                <a:srgbClr val="000000"/>
-              </a:solidFill>
-              <a:uFill>
-                <a:solidFill>
-                  <a:srgbClr val="FFFFFF"/>
-                </a:solidFill>
-              </a:uFill>
-              <a:latin typeface="Arial"/>
-            </a:endParaRPr>
-          </a:p>
-          <a:p>
-            <a:pPr marL="285840" indent="-285120">
-              <a:lnSpc>
-                <a:spcPct val="125000"/>
-              </a:lnSpc>
-              <a:buClr>
-                <a:srgbClr val="000000"/>
-              </a:buClr>
-              <a:buFont typeface="Wingdings" charset="2"/>
-              <a:buChar char=""/>
-            </a:pPr>
-            <a:r>
-              <a:rPr lang="en-US" sz="2400" b="0" strike="noStrike" spc="-1">
-                <a:solidFill>
-                  <a:srgbClr val="000000"/>
-                </a:solidFill>
-                <a:uFill>
-                  <a:solidFill>
-                    <a:srgbClr val="FFFFFF"/>
-                  </a:solidFill>
-                </a:uFill>
-                <a:latin typeface="Times New Roman"/>
-                <a:ea typeface="DejaVu Sans"/>
-              </a:rPr>
-              <a:t>Test set contains 5,700 frames with polyps and 13,200 frames without polyps. </a:t>
-            </a:r>
-            <a:endParaRPr lang="en-US" sz="1800" b="0" strike="noStrike" spc="-1">
-              <a:solidFill>
-                <a:srgbClr val="000000"/>
-              </a:solidFill>
-              <a:uFill>
-                <a:solidFill>
-                  <a:srgbClr val="FFFFFF"/>
-                </a:solidFill>
-              </a:uFill>
-              <a:latin typeface="Arial"/>
-            </a:endParaRPr>
-          </a:p>
         </p:txBody>
       </p:sp>
     </p:spTree>
+    <p:extLst>
+      <p:ext uri="{BB962C8B-B14F-4D97-AF65-F5344CB8AC3E}">
+        <p14:creationId xmlns:p14="http://schemas.microsoft.com/office/powerpoint/2010/main" val="3730801796"/>
+      </p:ext>
+    </p:extLst>
   </p:cSld>
   <p:clrMapOvr>
     <a:masterClrMapping/>
@@ -13683,13 +13792,13 @@
       </p:grpSpPr>
       <p:sp>
         <p:nvSpPr>
-          <p:cNvPr id="119" name="CustomShape 1"/>
+          <p:cNvPr id="110" name="CustomShape 1"/>
           <p:cNvSpPr/>
           <p:nvPr/>
         </p:nvSpPr>
         <p:spPr>
           <a:xfrm>
-            <a:off x="1392120" y="991800"/>
+            <a:off x="1392120" y="1005840"/>
             <a:ext cx="7111440" cy="1064880"/>
           </a:xfrm>
           <a:prstGeom prst="rect">
@@ -13722,7 +13831,7 @@
               </a:lnSpc>
             </a:pPr>
             <a:r>
-              <a:rPr lang="en-US" sz="3200" b="0" strike="noStrike" spc="-1">
+              <a:rPr lang="en-US" sz="3200" b="0" strike="noStrike" spc="-1" dirty="0" smtClean="0">
                 <a:solidFill>
                   <a:srgbClr val="C0504D"/>
                 </a:solidFill>
@@ -13736,23 +13845,23 @@
               </a:rPr>
               <a:t>CNN Based medical image classification </a:t>
             </a:r>
-            <a:endParaRPr lang="en-US" sz="1800" b="0" strike="noStrike" spc="-1">
-              <a:solidFill>
-                <a:srgbClr val="000000"/>
-              </a:solidFill>
-              <a:uFill>
-                <a:solidFill>
-                  <a:srgbClr val="FFFFFF"/>
-                </a:solidFill>
-              </a:uFill>
-              <a:latin typeface="Arial"/>
-            </a:endParaRPr>
-          </a:p>
-        </p:txBody>
-      </p:sp>
-      <p:sp>
-        <p:nvSpPr>
-          <p:cNvPr id="120" name="CustomShape 2"/>
+            <a:endParaRPr lang="en-US" sz="1800" b="0" strike="noStrike" spc="-1" dirty="0">
+              <a:solidFill>
+                <a:srgbClr val="000000"/>
+              </a:solidFill>
+              <a:uFill>
+                <a:solidFill>
+                  <a:srgbClr val="FFFFFF"/>
+                </a:solidFill>
+              </a:uFill>
+              <a:latin typeface="Arial"/>
+            </a:endParaRPr>
+          </a:p>
+        </p:txBody>
+      </p:sp>
+      <p:sp>
+        <p:nvSpPr>
+          <p:cNvPr id="111" name="CustomShape 2"/>
           <p:cNvSpPr/>
           <p:nvPr/>
         </p:nvSpPr>
@@ -13819,40 +13928,16 @@
           </a:p>
         </p:txBody>
       </p:sp>
-      <p:pic>
-        <p:nvPicPr>
-          <p:cNvPr id="121" name="图片 1"/>
-          <p:cNvPicPr/>
-          <p:nvPr/>
-        </p:nvPicPr>
-        <p:blipFill>
-          <a:blip r:embed="rId3"/>
-          <a:srcRect t="6299"/>
-          <a:stretch/>
-        </p:blipFill>
-        <p:spPr>
-          <a:xfrm>
-            <a:off x="450720" y="1928160"/>
-            <a:ext cx="8553240" cy="3078720"/>
-          </a:xfrm>
-          <a:prstGeom prst="rect">
-            <a:avLst/>
-          </a:prstGeom>
-          <a:ln>
-            <a:noFill/>
-          </a:ln>
-        </p:spPr>
-      </p:pic>
-      <p:sp>
-        <p:nvSpPr>
-          <p:cNvPr id="122" name="CustomShape 3"/>
+      <p:sp>
+        <p:nvSpPr>
+          <p:cNvPr id="112" name="CustomShape 3"/>
           <p:cNvSpPr/>
           <p:nvPr/>
         </p:nvSpPr>
         <p:spPr>
           <a:xfrm>
-            <a:off x="846000" y="5188320"/>
-            <a:ext cx="7762680" cy="1218240"/>
+            <a:off x="695880" y="2071080"/>
+            <a:ext cx="8960760" cy="3781080"/>
           </a:xfrm>
           <a:prstGeom prst="rect">
             <a:avLst/>
@@ -13878,87 +13963,13 @@
           <a:bodyPr lIns="90000" tIns="45000" rIns="90000" bIns="45000"/>
           <a:lstStyle/>
           <a:p>
-            <a:pPr>
-              <a:lnSpc>
-                <a:spcPct val="100000"/>
-              </a:lnSpc>
-            </a:pPr>
-            <a:r>
-              <a:rPr lang="en-US" sz="1800" b="0" strike="noStrike" spc="-1">
-                <a:solidFill>
-                  <a:srgbClr val="000000"/>
-                </a:solidFill>
-                <a:uFill>
-                  <a:solidFill>
-                    <a:srgbClr val="FFFFFF"/>
-                  </a:solidFill>
-                </a:uFill>
-                <a:latin typeface="Arial"/>
-                <a:ea typeface="DejaVu Sans"/>
-              </a:rPr>
-              <a:t>(a) Comparison between incremental fine-tuning, training from scratch, and a handcrafted approach [42]. (b) Effect of reduction in the training data on the performance of CNNs trained from scratch and deeply fine-tuned CNNs.</a:t>
-            </a:r>
-            <a:endParaRPr lang="en-US" sz="1800" b="0" strike="noStrike" spc="-1">
-              <a:solidFill>
-                <a:srgbClr val="000000"/>
-              </a:solidFill>
-              <a:uFill>
-                <a:solidFill>
-                  <a:srgbClr val="FFFFFF"/>
-                </a:solidFill>
-              </a:uFill>
-              <a:latin typeface="Arial"/>
-            </a:endParaRPr>
-          </a:p>
-        </p:txBody>
-      </p:sp>
-      <p:sp>
-        <p:nvSpPr>
-          <p:cNvPr id="123" name="CustomShape 4"/>
-          <p:cNvSpPr/>
-          <p:nvPr/>
-        </p:nvSpPr>
-        <p:spPr>
-          <a:xfrm>
-            <a:off x="1254960" y="1355760"/>
-            <a:ext cx="2588760" cy="583920"/>
-          </a:xfrm>
-          <a:prstGeom prst="rect">
-            <a:avLst/>
-          </a:prstGeom>
-          <a:noFill/>
-          <a:ln>
-            <a:noFill/>
-          </a:ln>
-        </p:spPr>
-        <p:style>
-          <a:lnRef idx="0">
-            <a:scrgbClr r="0" g="0" b="0"/>
-          </a:lnRef>
-          <a:fillRef idx="0">
-            <a:scrgbClr r="0" g="0" b="0"/>
-          </a:fillRef>
-          <a:effectRef idx="0">
-            <a:scrgbClr r="0" g="0" b="0"/>
-          </a:effectRef>
-          <a:fontRef idx="minor"/>
-        </p:style>
-        <p:txBody>
-          <a:bodyPr lIns="90000" tIns="45000" rIns="90000" bIns="45000"/>
-          <a:lstStyle/>
-          <a:p>
-            <a:pPr marL="285840" indent="-285120">
+            <a:pPr marL="360">
               <a:lnSpc>
                 <a:spcPct val="125000"/>
               </a:lnSpc>
-              <a:buClr>
-                <a:srgbClr val="000000"/>
-              </a:buClr>
-              <a:buFont typeface="Wingdings" charset="2"/>
-              <a:buChar char=""/>
             </a:pPr>
             <a:r>
-              <a:rPr lang="en-US" sz="2400" b="0" strike="noStrike" spc="-1">
+              <a:rPr lang="en-US" sz="2400" b="0" strike="noStrike" spc="-1" dirty="0">
                 <a:solidFill>
                   <a:srgbClr val="000000"/>
                 </a:solidFill>
@@ -13970,27 +13981,159 @@
                 <a:latin typeface="Times New Roman"/>
                 <a:ea typeface="DejaVu Sans"/>
               </a:rPr>
-              <a:t>Polyp detection</a:t>
-            </a:r>
-            <a:endParaRPr lang="en-US" sz="1800" b="0" strike="noStrike" spc="-1">
-              <a:solidFill>
-                <a:srgbClr val="000000"/>
-              </a:solidFill>
-              <a:uFill>
-                <a:solidFill>
-                  <a:srgbClr val="FFFFFF"/>
-                </a:solidFill>
-              </a:uFill>
-              <a:latin typeface="Arial"/>
-            </a:endParaRPr>
-          </a:p>
-          <a:p>
-            <a:pPr>
+              <a:t> </a:t>
+            </a:r>
+            <a:endParaRPr lang="en-US" sz="1800" b="0" strike="noStrike" spc="-1" dirty="0">
+              <a:solidFill>
+                <a:srgbClr val="000000"/>
+              </a:solidFill>
+              <a:uFill>
+                <a:solidFill>
+                  <a:srgbClr val="FFFFFF"/>
+                </a:solidFill>
+              </a:uFill>
+              <a:latin typeface="Arial"/>
+            </a:endParaRPr>
+          </a:p>
+          <a:p>
+            <a:pPr marL="285840" indent="-285120">
+              <a:lnSpc>
+                <a:spcPct val="125000"/>
+              </a:lnSpc>
+              <a:buClr>
+                <a:srgbClr val="000000"/>
+              </a:buClr>
+              <a:buFont typeface="Wingdings" charset="2"/>
+              <a:buChar char=""/>
+            </a:pPr>
+            <a:r>
+              <a:rPr lang="en-US" sz="2400" b="0" strike="noStrike" spc="-1" dirty="0">
+                <a:solidFill>
+                  <a:srgbClr val="000000"/>
+                </a:solidFill>
+                <a:uFill>
+                  <a:solidFill>
+                    <a:srgbClr val="FFFFFF"/>
+                  </a:solidFill>
+                </a:uFill>
+                <a:latin typeface="Times New Roman"/>
+                <a:ea typeface="DejaVu Sans"/>
+              </a:rPr>
+              <a:t>Datasets usually small</a:t>
+            </a:r>
+            <a:endParaRPr lang="en-US" sz="1800" b="0" strike="noStrike" spc="-1" dirty="0">
+              <a:solidFill>
+                <a:srgbClr val="000000"/>
+              </a:solidFill>
+              <a:uFill>
+                <a:solidFill>
+                  <a:srgbClr val="FFFFFF"/>
+                </a:solidFill>
+              </a:uFill>
+              <a:latin typeface="Arial"/>
+            </a:endParaRPr>
+          </a:p>
+          <a:p>
+            <a:pPr marL="360">
               <a:lnSpc>
                 <a:spcPct val="125000"/>
               </a:lnSpc>
             </a:pPr>
-            <a:endParaRPr lang="en-US" sz="1800" b="0" strike="noStrike" spc="-1">
+            <a:endParaRPr lang="en-US" sz="1800" b="0" strike="noStrike" spc="-1" dirty="0">
+              <a:solidFill>
+                <a:srgbClr val="000000"/>
+              </a:solidFill>
+              <a:uFill>
+                <a:solidFill>
+                  <a:srgbClr val="FFFFFF"/>
+                </a:solidFill>
+              </a:uFill>
+              <a:latin typeface="Arial"/>
+            </a:endParaRPr>
+          </a:p>
+          <a:p>
+            <a:pPr marL="285840" indent="-285120">
+              <a:lnSpc>
+                <a:spcPct val="125000"/>
+              </a:lnSpc>
+              <a:buClr>
+                <a:srgbClr val="000000"/>
+              </a:buClr>
+              <a:buFont typeface="Wingdings" charset="2"/>
+              <a:buChar char=""/>
+            </a:pPr>
+            <a:r>
+              <a:rPr lang="en-US" sz="2400" b="0" strike="noStrike" spc="-1" dirty="0">
+                <a:solidFill>
+                  <a:srgbClr val="000000"/>
+                </a:solidFill>
+                <a:uFill>
+                  <a:solidFill>
+                    <a:srgbClr val="FFFFFF"/>
+                  </a:solidFill>
+                </a:uFill>
+                <a:latin typeface="Times New Roman"/>
+                <a:ea typeface="DejaVu Sans"/>
+              </a:rPr>
+              <a:t>Using a  pre-trained CNN to their tasks</a:t>
+            </a:r>
+            <a:endParaRPr lang="en-US" sz="1800" b="0" strike="noStrike" spc="-1" dirty="0">
+              <a:solidFill>
+                <a:srgbClr val="000000"/>
+              </a:solidFill>
+              <a:uFill>
+                <a:solidFill>
+                  <a:srgbClr val="FFFFFF"/>
+                </a:solidFill>
+              </a:uFill>
+              <a:latin typeface="Arial"/>
+            </a:endParaRPr>
+          </a:p>
+          <a:p>
+            <a:pPr marL="360">
+              <a:lnSpc>
+                <a:spcPct val="125000"/>
+              </a:lnSpc>
+            </a:pPr>
+            <a:endParaRPr lang="en-US" sz="1800" b="0" strike="noStrike" spc="-1" dirty="0">
+              <a:solidFill>
+                <a:srgbClr val="000000"/>
+              </a:solidFill>
+              <a:uFill>
+                <a:solidFill>
+                  <a:srgbClr val="FFFFFF"/>
+                </a:solidFill>
+              </a:uFill>
+              <a:latin typeface="Arial"/>
+            </a:endParaRPr>
+          </a:p>
+          <a:p>
+            <a:pPr marL="285840" indent="-285120">
+              <a:lnSpc>
+                <a:spcPct val="125000"/>
+              </a:lnSpc>
+              <a:buClr>
+                <a:srgbClr val="000000"/>
+              </a:buClr>
+              <a:buFont typeface="Wingdings" charset="2"/>
+              <a:buChar char=""/>
+            </a:pPr>
+            <a:r>
+              <a:rPr lang="en-US" sz="2400" b="0" strike="noStrike" spc="-1" dirty="0">
+                <a:solidFill>
+                  <a:srgbClr val="000000"/>
+                </a:solidFill>
+                <a:uFill>
+                  <a:solidFill>
+                    <a:srgbClr val="FFFFFF"/>
+                  </a:solidFill>
+                </a:uFill>
+                <a:latin typeface="Times New Roman"/>
+                <a:ea typeface="DejaVu Sans"/>
+              </a:rPr>
+              <a:t>A pre-trained CNN is adapted to the application at hand.</a:t>
+            </a:r>
+            <a:endParaRPr lang="en-US" sz="1800" b="0" strike="noStrike" spc="-1" dirty="0">
               <a:solidFill>
                 <a:srgbClr val="000000"/>
               </a:solidFill>
@@ -14005,6 +14148,11 @@
         </p:txBody>
       </p:sp>
     </p:spTree>
+    <p:extLst>
+      <p:ext uri="{BB962C8B-B14F-4D97-AF65-F5344CB8AC3E}">
+        <p14:creationId xmlns:p14="http://schemas.microsoft.com/office/powerpoint/2010/main" val="1610876393"/>
+      </p:ext>
+    </p:extLst>
   </p:cSld>
   <p:clrMapOvr>
     <a:masterClrMapping/>
@@ -14058,13 +14206,13 @@
       </p:grpSpPr>
       <p:sp>
         <p:nvSpPr>
-          <p:cNvPr id="124" name="CustomShape 1"/>
+          <p:cNvPr id="113" name="CustomShape 1"/>
           <p:cNvSpPr/>
           <p:nvPr/>
         </p:nvSpPr>
         <p:spPr>
           <a:xfrm>
-            <a:off x="1392120" y="977760"/>
+            <a:off x="1392120" y="991800"/>
             <a:ext cx="7111440" cy="1064880"/>
           </a:xfrm>
           <a:prstGeom prst="rect">
@@ -14097,7 +14245,7 @@
               </a:lnSpc>
             </a:pPr>
             <a:r>
-              <a:rPr lang="en-US" sz="3200" b="0" strike="noStrike" spc="-1">
+              <a:rPr lang="en-US" sz="3200" b="0" strike="noStrike" spc="-1" dirty="0">
                 <a:solidFill>
                   <a:srgbClr val="C0504D"/>
                 </a:solidFill>
@@ -14111,23 +14259,23 @@
               </a:rPr>
               <a:t>CNN Based medical image classification </a:t>
             </a:r>
-            <a:endParaRPr lang="en-US" sz="1800" b="0" strike="noStrike" spc="-1">
-              <a:solidFill>
-                <a:srgbClr val="000000"/>
-              </a:solidFill>
-              <a:uFill>
-                <a:solidFill>
-                  <a:srgbClr val="FFFFFF"/>
-                </a:solidFill>
-              </a:uFill>
-              <a:latin typeface="Arial"/>
-            </a:endParaRPr>
-          </a:p>
-        </p:txBody>
-      </p:sp>
-      <p:sp>
-        <p:nvSpPr>
-          <p:cNvPr id="125" name="CustomShape 2"/>
+            <a:endParaRPr lang="en-US" sz="1800" b="0" strike="noStrike" spc="-1" dirty="0">
+              <a:solidFill>
+                <a:srgbClr val="000000"/>
+              </a:solidFill>
+              <a:uFill>
+                <a:solidFill>
+                  <a:srgbClr val="FFFFFF"/>
+                </a:solidFill>
+              </a:uFill>
+              <a:latin typeface="Arial"/>
+            </a:endParaRPr>
+          </a:p>
+        </p:txBody>
+      </p:sp>
+      <p:sp>
+        <p:nvSpPr>
+          <p:cNvPr id="114" name="CustomShape 2"/>
           <p:cNvSpPr/>
           <p:nvPr/>
         </p:nvSpPr>
@@ -14196,14 +14344,14 @@
       </p:sp>
       <p:sp>
         <p:nvSpPr>
-          <p:cNvPr id="126" name="CustomShape 3"/>
+          <p:cNvPr id="115" name="CustomShape 3"/>
           <p:cNvSpPr/>
           <p:nvPr/>
         </p:nvSpPr>
         <p:spPr>
           <a:xfrm>
-            <a:off x="1254960" y="1997280"/>
-            <a:ext cx="7289640" cy="3781080"/>
+            <a:off x="1254600" y="2683080"/>
+            <a:ext cx="7289640" cy="2993820"/>
           </a:xfrm>
           <a:prstGeom prst="rect">
             <a:avLst/>
@@ -14240,7 +14388,7 @@
               <a:buChar char=""/>
             </a:pPr>
             <a:r>
-              <a:rPr lang="en-US" sz="2400" b="0" strike="noStrike" spc="-1">
+              <a:rPr lang="en-US" sz="2400" b="0" strike="noStrike" spc="-1" dirty="0">
                 <a:solidFill>
                   <a:srgbClr val="000000"/>
                 </a:solidFill>
@@ -14252,33 +14400,10 @@
                 <a:latin typeface="Times New Roman"/>
                 <a:ea typeface="DejaVu Sans"/>
               </a:rPr>
-              <a:t>Pulmonary Embolism Detection</a:t>
-            </a:r>
-            <a:endParaRPr lang="en-US" sz="1800" b="0" strike="noStrike" spc="-1">
-              <a:solidFill>
-                <a:srgbClr val="000000"/>
-              </a:solidFill>
-              <a:uFill>
-                <a:solidFill>
-                  <a:srgbClr val="FFFFFF"/>
-                </a:solidFill>
-              </a:uFill>
-              <a:latin typeface="Arial"/>
-            </a:endParaRPr>
-          </a:p>
-          <a:p>
-            <a:pPr marL="285840" indent="-285120">
-              <a:lnSpc>
-                <a:spcPct val="125000"/>
-              </a:lnSpc>
-              <a:buClr>
-                <a:srgbClr val="000000"/>
-              </a:buClr>
-              <a:buFont typeface="Wingdings" charset="2"/>
-              <a:buChar char=""/>
-            </a:pPr>
-            <a:r>
-              <a:rPr lang="en-US" sz="2400" b="0" strike="noStrike" spc="-1">
+              <a:t>Polyp detection(</a:t>
+            </a:r>
+            <a:r>
+              <a:rPr lang="en-US" sz="2400" b="0" strike="noStrike" spc="-1" dirty="0" err="1">
                 <a:solidFill>
                   <a:srgbClr val="000000"/>
                 </a:solidFill>
@@ -14290,33 +14415,10 @@
                 <a:latin typeface="Times New Roman"/>
                 <a:ea typeface="DejaVu Sans"/>
               </a:rPr>
-              <a:t>Extract dataset from 121 CT pulmonary angiographies.</a:t>
-            </a:r>
-            <a:endParaRPr lang="en-US" sz="1800" b="0" strike="noStrike" spc="-1">
-              <a:solidFill>
-                <a:srgbClr val="000000"/>
-              </a:solidFill>
-              <a:uFill>
-                <a:solidFill>
-                  <a:srgbClr val="FFFFFF"/>
-                </a:solidFill>
-              </a:uFill>
-              <a:latin typeface="Arial"/>
-            </a:endParaRPr>
-          </a:p>
-          <a:p>
-            <a:pPr marL="285840" indent="-285120">
-              <a:lnSpc>
-                <a:spcPct val="125000"/>
-              </a:lnSpc>
-              <a:buClr>
-                <a:srgbClr val="000000"/>
-              </a:buClr>
-              <a:buFont typeface="Wingdings" charset="2"/>
-              <a:buChar char=""/>
-            </a:pPr>
-            <a:r>
-              <a:rPr lang="en-US" sz="2400" b="0" strike="noStrike" spc="-1">
+              <a:t>肠息肉的检测</a:t>
+            </a:r>
+            <a:r>
+              <a:rPr lang="en-US" sz="2400" b="0" strike="noStrike" spc="-1" dirty="0">
                 <a:solidFill>
                   <a:srgbClr val="000000"/>
                 </a:solidFill>
@@ -14328,9 +14430,45 @@
                 <a:latin typeface="Times New Roman"/>
                 <a:ea typeface="DejaVu Sans"/>
               </a:rPr>
-              <a:t>Training set contains 434 frames with pulmonary embolism and 3406 frames without pulmonary embolism. </a:t>
-            </a:r>
-            <a:endParaRPr lang="en-US" sz="1800" b="0" strike="noStrike" spc="-1">
+              <a:t>)</a:t>
+            </a:r>
+            <a:endParaRPr lang="en-US" sz="1800" b="0" strike="noStrike" spc="-1" dirty="0">
+              <a:solidFill>
+                <a:srgbClr val="000000"/>
+              </a:solidFill>
+              <a:uFill>
+                <a:solidFill>
+                  <a:srgbClr val="FFFFFF"/>
+                </a:solidFill>
+              </a:uFill>
+              <a:latin typeface="Arial"/>
+            </a:endParaRPr>
+          </a:p>
+          <a:p>
+            <a:pPr marL="360">
+              <a:lnSpc>
+                <a:spcPct val="125000"/>
+              </a:lnSpc>
+            </a:pPr>
+            <a:endParaRPr lang="en-US" sz="1800" b="0" strike="noStrike" spc="-1" dirty="0">
+              <a:solidFill>
+                <a:srgbClr val="000000"/>
+              </a:solidFill>
+              <a:uFill>
+                <a:solidFill>
+                  <a:srgbClr val="FFFFFF"/>
+                </a:solidFill>
+              </a:uFill>
+              <a:latin typeface="Arial"/>
+            </a:endParaRPr>
+          </a:p>
+          <a:p>
+            <a:pPr marL="360">
+              <a:lnSpc>
+                <a:spcPct val="125000"/>
+              </a:lnSpc>
+            </a:pPr>
+            <a:endParaRPr lang="en-US" sz="1800" b="0" strike="noStrike" spc="-1" dirty="0">
               <a:solidFill>
                 <a:srgbClr val="000000"/>
               </a:solidFill>
@@ -14354,7 +14492,7 @@
               <a:buChar char=""/>
             </a:pPr>
             <a:r>
-              <a:rPr lang="en-US" sz="2400" b="0" strike="noStrike" spc="-1">
+              <a:rPr lang="en-US" sz="2400" b="0" strike="noStrike" spc="-1" dirty="0">
                 <a:solidFill>
                   <a:srgbClr val="000000"/>
                 </a:solidFill>
@@ -14366,45 +14504,39 @@
                 <a:latin typeface="Times New Roman"/>
                 <a:ea typeface="DejaVu Sans"/>
               </a:rPr>
-              <a:t>Test set contains 253 frames with pulmonary embolism and 2162 frames without pulmonary embolism. </a:t>
-            </a:r>
-            <a:endParaRPr lang="en-US" sz="1800" b="0" strike="noStrike" spc="-1">
-              <a:solidFill>
-                <a:srgbClr val="000000"/>
-              </a:solidFill>
-              <a:uFill>
-                <a:solidFill>
-                  <a:srgbClr val="FFFFFF"/>
-                </a:solidFill>
-              </a:uFill>
-              <a:latin typeface="Arial"/>
-            </a:endParaRPr>
-          </a:p>
-          <a:p>
-            <a:pPr>
-              <a:lnSpc>
-                <a:spcPct val="125000"/>
-              </a:lnSpc>
-            </a:pPr>
-            <a:endParaRPr lang="en-US" sz="1800" b="0" strike="noStrike" spc="-1">
-              <a:solidFill>
-                <a:srgbClr val="000000"/>
-              </a:solidFill>
-              <a:uFill>
-                <a:solidFill>
-                  <a:srgbClr val="FFFFFF"/>
-                </a:solidFill>
-              </a:uFill>
-              <a:latin typeface="Arial"/>
-            </a:endParaRPr>
-          </a:p>
-          <a:p>
-            <a:pPr>
-              <a:lnSpc>
-                <a:spcPct val="125000"/>
-              </a:lnSpc>
-            </a:pPr>
-            <a:endParaRPr lang="en-US" sz="1800" b="0" strike="noStrike" spc="-1">
+              <a:t>Pulmonary Embolism Detection(</a:t>
+            </a:r>
+            <a:r>
+              <a:rPr lang="en-US" sz="2400" b="0" strike="noStrike" spc="-1" dirty="0" err="1">
+                <a:solidFill>
+                  <a:srgbClr val="000000"/>
+                </a:solidFill>
+                <a:uFill>
+                  <a:solidFill>
+                    <a:srgbClr val="FFFFFF"/>
+                  </a:solidFill>
+                </a:uFill>
+                <a:latin typeface="Times New Roman"/>
+                <a:ea typeface="DejaVu Sans"/>
+              </a:rPr>
+              <a:t>肺栓塞的检测</a:t>
+            </a:r>
+            <a:r>
+              <a:rPr lang="en-US" sz="2400" b="0" strike="noStrike" spc="-1" dirty="0" smtClean="0">
+                <a:solidFill>
+                  <a:srgbClr val="000000"/>
+                </a:solidFill>
+                <a:uFill>
+                  <a:solidFill>
+                    <a:srgbClr val="FFFFFF"/>
+                  </a:solidFill>
+                </a:uFill>
+                <a:latin typeface="Times New Roman"/>
+                <a:ea typeface="DejaVu Sans"/>
+              </a:rPr>
+              <a:t>)</a:t>
+            </a:r>
+            <a:endParaRPr lang="en-US" sz="1800" b="0" strike="noStrike" spc="-1" dirty="0">
               <a:solidFill>
                 <a:srgbClr val="000000"/>
               </a:solidFill>
@@ -14419,6 +14551,11 @@
         </p:txBody>
       </p:sp>
     </p:spTree>
+    <p:extLst>
+      <p:ext uri="{BB962C8B-B14F-4D97-AF65-F5344CB8AC3E}">
+        <p14:creationId xmlns:p14="http://schemas.microsoft.com/office/powerpoint/2010/main" val="3165661842"/>
+      </p:ext>
+    </p:extLst>
   </p:cSld>
   <p:clrMapOvr>
     <a:masterClrMapping/>
@@ -14472,13 +14609,13 @@
       </p:grpSpPr>
       <p:sp>
         <p:nvSpPr>
-          <p:cNvPr id="127" name="CustomShape 1"/>
+          <p:cNvPr id="116" name="CustomShape 1"/>
           <p:cNvSpPr/>
           <p:nvPr/>
         </p:nvSpPr>
         <p:spPr>
           <a:xfrm>
-            <a:off x="1392120" y="1005840"/>
+            <a:off x="1344060" y="1023480"/>
             <a:ext cx="7111440" cy="1064880"/>
           </a:xfrm>
           <a:prstGeom prst="rect">
@@ -14511,7 +14648,7 @@
               </a:lnSpc>
             </a:pPr>
             <a:r>
-              <a:rPr lang="en-US" sz="3200" b="0" strike="noStrike" spc="-1">
+              <a:rPr lang="en-US" sz="3200" spc="-1" dirty="0">
                 <a:solidFill>
                   <a:srgbClr val="C0504D"/>
                 </a:solidFill>
@@ -14521,103 +14658,22 @@
                   </a:solidFill>
                 </a:uFill>
                 <a:latin typeface="Calibri"/>
-                <a:ea typeface="DejaVu Sans"/>
               </a:rPr>
-              <a:t>CNN Based medical image classification </a:t>
-            </a:r>
-            <a:endParaRPr lang="en-US" sz="1800" b="0" strike="noStrike" spc="-1">
-              <a:solidFill>
-                <a:srgbClr val="000000"/>
-              </a:solidFill>
-              <a:uFill>
-                <a:solidFill>
-                  <a:srgbClr val="FFFFFF"/>
-                </a:solidFill>
-              </a:uFill>
-              <a:latin typeface="Arial"/>
-            </a:endParaRPr>
-          </a:p>
-        </p:txBody>
-      </p:sp>
-      <p:sp>
-        <p:nvSpPr>
-          <p:cNvPr id="128" name="CustomShape 2"/>
+              <a:t>Polyp detection</a:t>
+            </a:r>
+          </a:p>
+        </p:txBody>
+      </p:sp>
+      <p:sp>
+        <p:nvSpPr>
+          <p:cNvPr id="118" name="CustomShape 3"/>
           <p:cNvSpPr/>
           <p:nvPr/>
         </p:nvSpPr>
         <p:spPr>
           <a:xfrm>
-            <a:off x="695880" y="1023480"/>
-            <a:ext cx="558720" cy="516600"/>
-          </a:xfrm>
-          <a:prstGeom prst="rect">
-            <a:avLst/>
-          </a:prstGeom>
-          <a:noFill/>
-          <a:ln>
-            <a:noFill/>
-          </a:ln>
-        </p:spPr>
-        <p:style>
-          <a:lnRef idx="0">
-            <a:scrgbClr r="0" g="0" b="0"/>
-          </a:lnRef>
-          <a:fillRef idx="0">
-            <a:scrgbClr r="0" g="0" b="0"/>
-          </a:fillRef>
-          <a:effectRef idx="0">
-            <a:scrgbClr r="0" g="0" b="0"/>
-          </a:effectRef>
-          <a:fontRef idx="minor"/>
-        </p:style>
-        <p:txBody>
-          <a:bodyPr lIns="90000" tIns="45000" rIns="90000" bIns="45000"/>
-          <a:lstStyle/>
-          <a:p>
-            <a:pPr>
-              <a:lnSpc>
-                <a:spcPct val="100000"/>
-              </a:lnSpc>
-            </a:pPr>
-            <a:r>
-              <a:rPr lang="en-US" sz="2800" b="1" strike="noStrike" spc="-1">
-                <a:solidFill>
-                  <a:srgbClr val="FFFFFF"/>
-                </a:solidFill>
-                <a:uFill>
-                  <a:solidFill>
-                    <a:srgbClr val="FFFFFF"/>
-                  </a:solidFill>
-                </a:uFill>
-                <a:latin typeface="Calibri"/>
-                <a:ea typeface="DejaVu Sans"/>
-              </a:rPr>
-              <a:t>04</a:t>
-            </a:r>
-            <a:endParaRPr lang="en-US" sz="1800" b="0" strike="noStrike" spc="-1">
-              <a:solidFill>
-                <a:srgbClr val="000000"/>
-              </a:solidFill>
-              <a:uFill>
-                <a:solidFill>
-                  <a:srgbClr val="FFFFFF"/>
-                </a:solidFill>
-              </a:uFill>
-              <a:latin typeface="Arial"/>
-            </a:endParaRPr>
-          </a:p>
-        </p:txBody>
-      </p:sp>
-      <p:sp>
-        <p:nvSpPr>
-          <p:cNvPr id="129" name="CustomShape 3"/>
-          <p:cNvSpPr/>
-          <p:nvPr/>
-        </p:nvSpPr>
-        <p:spPr>
-          <a:xfrm>
-            <a:off x="1254960" y="1428120"/>
-            <a:ext cx="4517280" cy="514080"/>
+            <a:off x="1254960" y="1997280"/>
+            <a:ext cx="7289640" cy="3781080"/>
           </a:xfrm>
           <a:prstGeom prst="rect">
             <a:avLst/>
@@ -14654,7 +14710,7 @@
               <a:buChar char=""/>
             </a:pPr>
             <a:r>
-              <a:rPr lang="en-US" sz="2400" b="0" strike="noStrike" spc="-1">
+              <a:rPr lang="en-US" sz="2400" b="0" strike="noStrike" spc="-1" dirty="0" smtClean="0">
                 <a:solidFill>
                   <a:srgbClr val="000000"/>
                 </a:solidFill>
@@ -14666,105 +14722,10 @@
                 <a:latin typeface="Times New Roman"/>
                 <a:ea typeface="DejaVu Sans"/>
               </a:rPr>
-              <a:t>Pulmonary Embolism Detection</a:t>
-            </a:r>
-            <a:endParaRPr lang="en-US" sz="1800" b="0" strike="noStrike" spc="-1">
-              <a:solidFill>
-                <a:srgbClr val="000000"/>
-              </a:solidFill>
-              <a:uFill>
-                <a:solidFill>
-                  <a:srgbClr val="FFFFFF"/>
-                </a:solidFill>
-              </a:uFill>
-              <a:latin typeface="Arial"/>
-            </a:endParaRPr>
-          </a:p>
-          <a:p>
-            <a:pPr>
-              <a:lnSpc>
-                <a:spcPct val="125000"/>
-              </a:lnSpc>
-            </a:pPr>
-            <a:endParaRPr lang="en-US" sz="1800" b="0" strike="noStrike" spc="-1">
-              <a:solidFill>
-                <a:srgbClr val="000000"/>
-              </a:solidFill>
-              <a:uFill>
-                <a:solidFill>
-                  <a:srgbClr val="FFFFFF"/>
-                </a:solidFill>
-              </a:uFill>
-              <a:latin typeface="Arial"/>
-            </a:endParaRPr>
-          </a:p>
-        </p:txBody>
-      </p:sp>
-      <p:pic>
-        <p:nvPicPr>
-          <p:cNvPr id="130" name="图片 1"/>
-          <p:cNvPicPr/>
-          <p:nvPr/>
-        </p:nvPicPr>
-        <p:blipFill>
-          <a:blip r:embed="rId3"/>
-          <a:stretch/>
-        </p:blipFill>
-        <p:spPr>
-          <a:xfrm>
-            <a:off x="619920" y="2004480"/>
-            <a:ext cx="8075880" cy="3067560"/>
-          </a:xfrm>
-          <a:prstGeom prst="rect">
-            <a:avLst/>
-          </a:prstGeom>
-          <a:ln>
-            <a:noFill/>
-          </a:ln>
-        </p:spPr>
-      </p:pic>
-      <p:sp>
-        <p:nvSpPr>
-          <p:cNvPr id="131" name="CustomShape 4"/>
-          <p:cNvSpPr/>
-          <p:nvPr/>
-        </p:nvSpPr>
-        <p:spPr>
-          <a:xfrm>
-            <a:off x="619920" y="5188320"/>
-            <a:ext cx="7988760" cy="1460880"/>
-          </a:xfrm>
-          <a:prstGeom prst="rect">
-            <a:avLst/>
-          </a:prstGeom>
-          <a:noFill/>
-          <a:ln>
-            <a:noFill/>
-          </a:ln>
-        </p:spPr>
-        <p:style>
-          <a:lnRef idx="0">
-            <a:scrgbClr r="0" g="0" b="0"/>
-          </a:lnRef>
-          <a:fillRef idx="0">
-            <a:scrgbClr r="0" g="0" b="0"/>
-          </a:fillRef>
-          <a:effectRef idx="0">
-            <a:scrgbClr r="0" g="0" b="0"/>
-          </a:effectRef>
-          <a:fontRef idx="minor"/>
-        </p:style>
-        <p:txBody>
-          <a:bodyPr lIns="90000" tIns="45000" rIns="90000" bIns="45000"/>
-          <a:lstStyle/>
-          <a:p>
-            <a:pPr>
-              <a:lnSpc>
-                <a:spcPct val="100000"/>
-              </a:lnSpc>
-            </a:pPr>
-            <a:r>
-              <a:rPr lang="en-US" sz="1800" b="0" strike="noStrike" spc="-1">
+              <a:t>Extract </a:t>
+            </a:r>
+            <a:r>
+              <a:rPr lang="en-US" sz="2400" b="0" strike="noStrike" spc="-1" dirty="0">
                 <a:solidFill>
                   <a:srgbClr val="000000"/>
                 </a:solidFill>
@@ -14773,12 +14734,88 @@
                     <a:srgbClr val="FFFFFF"/>
                   </a:solidFill>
                 </a:uFill>
-                <a:latin typeface="Arial"/>
+                <a:latin typeface="Times New Roman"/>
                 <a:ea typeface="DejaVu Sans"/>
               </a:rPr>
-              <a:t>(a) Comparison between incremental fine-tuning, training from scratch, and a handcrafted approach. To avoid clutter in the figure, error bars are displayed for only a subset of plots. A more detailed analysis is presented in Table S2 in the supplementary file.(b) Effect of reduction in the training data on the performance of CNNs trained from scratch and deeply fine-tuned CNNs.</a:t>
-            </a:r>
-            <a:endParaRPr lang="en-US" sz="1800" b="0" strike="noStrike" spc="-1">
+              <a:t>images from 40 short colonoscopy videos.</a:t>
+            </a:r>
+            <a:endParaRPr lang="en-US" sz="1800" b="0" strike="noStrike" spc="-1" dirty="0">
+              <a:solidFill>
+                <a:srgbClr val="000000"/>
+              </a:solidFill>
+              <a:uFill>
+                <a:solidFill>
+                  <a:srgbClr val="FFFFFF"/>
+                </a:solidFill>
+              </a:uFill>
+              <a:latin typeface="Arial"/>
+            </a:endParaRPr>
+          </a:p>
+          <a:p>
+            <a:pPr marL="285840" indent="-285120">
+              <a:lnSpc>
+                <a:spcPct val="125000"/>
+              </a:lnSpc>
+              <a:buClr>
+                <a:srgbClr val="000000"/>
+              </a:buClr>
+              <a:buFont typeface="Wingdings" charset="2"/>
+              <a:buChar char=""/>
+            </a:pPr>
+            <a:r>
+              <a:rPr lang="en-US" sz="2400" b="0" strike="noStrike" spc="-1" dirty="0">
+                <a:solidFill>
+                  <a:srgbClr val="000000"/>
+                </a:solidFill>
+                <a:uFill>
+                  <a:solidFill>
+                    <a:srgbClr val="FFFFFF"/>
+                  </a:solidFill>
+                </a:uFill>
+                <a:latin typeface="Times New Roman"/>
+                <a:ea typeface="DejaVu Sans"/>
+              </a:rPr>
+              <a:t>Training set contains 3,800 frames with polyps and 15,100 frames without polyps. </a:t>
+            </a:r>
+            <a:endParaRPr lang="en-US" sz="1800" b="0" strike="noStrike" spc="-1" dirty="0">
+              <a:solidFill>
+                <a:srgbClr val="000000"/>
+              </a:solidFill>
+              <a:uFill>
+                <a:solidFill>
+                  <a:srgbClr val="FFFFFF"/>
+                </a:solidFill>
+              </a:uFill>
+              <a:latin typeface="Arial"/>
+            </a:endParaRPr>
+          </a:p>
+          <a:p>
+            <a:pPr marL="285840" indent="-285120">
+              <a:lnSpc>
+                <a:spcPct val="125000"/>
+              </a:lnSpc>
+              <a:buClr>
+                <a:srgbClr val="000000"/>
+              </a:buClr>
+              <a:buFont typeface="Wingdings" charset="2"/>
+              <a:buChar char=""/>
+            </a:pPr>
+            <a:r>
+              <a:rPr lang="en-US" sz="2400" b="0" strike="noStrike" spc="-1" dirty="0">
+                <a:solidFill>
+                  <a:srgbClr val="000000"/>
+                </a:solidFill>
+                <a:uFill>
+                  <a:solidFill>
+                    <a:srgbClr val="FFFFFF"/>
+                  </a:solidFill>
+                </a:uFill>
+                <a:latin typeface="Times New Roman"/>
+                <a:ea typeface="DejaVu Sans"/>
+              </a:rPr>
+              <a:t>Test set contains 5,700 frames with polyps and 13,200 frames without polyps. </a:t>
+            </a:r>
+            <a:endParaRPr lang="en-US" sz="1800" b="0" strike="noStrike" spc="-1" dirty="0">
               <a:solidFill>
                 <a:srgbClr val="000000"/>
               </a:solidFill>
@@ -14793,6 +14830,11 @@
         </p:txBody>
       </p:sp>
     </p:spTree>
+    <p:extLst>
+      <p:ext uri="{BB962C8B-B14F-4D97-AF65-F5344CB8AC3E}">
+        <p14:creationId xmlns:p14="http://schemas.microsoft.com/office/powerpoint/2010/main" val="3422457853"/>
+      </p:ext>
+    </p:extLst>
   </p:cSld>
   <p:clrMapOvr>
     <a:masterClrMapping/>
@@ -14846,13 +14888,13 @@
       </p:grpSpPr>
       <p:sp>
         <p:nvSpPr>
-          <p:cNvPr id="132" name="CustomShape 1"/>
+          <p:cNvPr id="119" name="CustomShape 1"/>
           <p:cNvSpPr/>
           <p:nvPr/>
         </p:nvSpPr>
         <p:spPr>
           <a:xfrm>
-            <a:off x="1392120" y="1033920"/>
+            <a:off x="1392120" y="991800"/>
             <a:ext cx="7111440" cy="1064880"/>
           </a:xfrm>
           <a:prstGeom prst="rect">
@@ -14885,7 +14927,7 @@
               </a:lnSpc>
             </a:pPr>
             <a:r>
-              <a:rPr lang="en-US" sz="3200" b="0" strike="noStrike" spc="-1">
+              <a:rPr lang="en-US" sz="3200" spc="-1" dirty="0">
                 <a:solidFill>
                   <a:srgbClr val="C0504D"/>
                 </a:solidFill>
@@ -14895,34 +14937,46 @@
                   </a:solidFill>
                 </a:uFill>
                 <a:latin typeface="Calibri"/>
-                <a:ea typeface="DejaVu Sans"/>
               </a:rPr>
-              <a:t>CNN Based medical image classification </a:t>
-            </a:r>
-            <a:endParaRPr lang="en-US" sz="1800" b="0" strike="noStrike" spc="-1">
-              <a:solidFill>
-                <a:srgbClr val="000000"/>
-              </a:solidFill>
-              <a:uFill>
-                <a:solidFill>
-                  <a:srgbClr val="FFFFFF"/>
-                </a:solidFill>
-              </a:uFill>
-              <a:latin typeface="Arial"/>
-            </a:endParaRPr>
-          </a:p>
-        </p:txBody>
-      </p:sp>
-      <p:sp>
-        <p:nvSpPr>
-          <p:cNvPr id="133" name="CustomShape 2"/>
+              <a:t>Polyp detection</a:t>
+            </a:r>
+          </a:p>
+        </p:txBody>
+      </p:sp>
+      <p:pic>
+        <p:nvPicPr>
+          <p:cNvPr id="121" name="图片 1"/>
+          <p:cNvPicPr/>
+          <p:nvPr/>
+        </p:nvPicPr>
+        <p:blipFill>
+          <a:blip r:embed="rId3"/>
+          <a:srcRect t="6299"/>
+          <a:stretch/>
+        </p:blipFill>
+        <p:spPr>
+          <a:xfrm>
+            <a:off x="450720" y="1928160"/>
+            <a:ext cx="8553240" cy="3078720"/>
+          </a:xfrm>
+          <a:prstGeom prst="rect">
+            <a:avLst/>
+          </a:prstGeom>
+          <a:ln>
+            <a:noFill/>
+          </a:ln>
+        </p:spPr>
+      </p:pic>
+      <p:sp>
+        <p:nvSpPr>
+          <p:cNvPr id="123" name="CustomShape 4"/>
           <p:cNvSpPr/>
           <p:nvPr/>
         </p:nvSpPr>
         <p:spPr>
           <a:xfrm>
-            <a:off x="695880" y="1023480"/>
-            <a:ext cx="558720" cy="516600"/>
+            <a:off x="1254960" y="1355760"/>
+            <a:ext cx="2588760" cy="583920"/>
           </a:xfrm>
           <a:prstGeom prst="rect">
             <a:avLst/>
@@ -14950,85 +15004,59 @@
           <a:p>
             <a:pPr>
               <a:lnSpc>
-                <a:spcPct val="100000"/>
+                <a:spcPct val="125000"/>
               </a:lnSpc>
             </a:pPr>
-            <a:r>
-              <a:rPr lang="en-US" sz="2800" b="1" strike="noStrike" spc="-1">
-                <a:solidFill>
-                  <a:srgbClr val="FFFFFF"/>
+            <a:endParaRPr lang="en-US" sz="1800" b="0" strike="noStrike" spc="-1" dirty="0">
+              <a:solidFill>
+                <a:srgbClr val="000000"/>
+              </a:solidFill>
+              <a:uFill>
+                <a:solidFill>
+                  <a:srgbClr val="FFFFFF"/>
+                </a:solidFill>
+              </a:uFill>
+              <a:latin typeface="Arial"/>
+            </a:endParaRPr>
+          </a:p>
+        </p:txBody>
+      </p:sp>
+      <p:sp>
+        <p:nvSpPr>
+          <p:cNvPr id="2" name="矩形 1"/>
+          <p:cNvSpPr/>
+          <p:nvPr/>
+        </p:nvSpPr>
+        <p:spPr>
+          <a:xfrm>
+            <a:off x="140040" y="6101109"/>
+            <a:ext cx="9003960" cy="584775"/>
+          </a:xfrm>
+          <a:prstGeom prst="rect">
+            <a:avLst/>
+          </a:prstGeom>
+        </p:spPr>
+        <p:txBody>
+          <a:bodyPr wrap="square">
+            <a:spAutoFit/>
+          </a:bodyPr>
+          <a:lstStyle/>
+          <a:p>
+            <a:r>
+              <a:rPr lang="en-US" altLang="zh-CN" sz="1600" spc="-1" dirty="0">
+                <a:solidFill>
+                  <a:srgbClr val="000000"/>
                 </a:solidFill>
                 <a:uFill>
                   <a:solidFill>
                     <a:srgbClr val="FFFFFF"/>
                   </a:solidFill>
                 </a:uFill>
-                <a:latin typeface="Calibri"/>
-                <a:ea typeface="DejaVu Sans"/>
               </a:rPr>
-              <a:t>04</a:t>
-            </a:r>
-            <a:endParaRPr lang="en-US" sz="1800" b="0" strike="noStrike" spc="-1">
-              <a:solidFill>
-                <a:srgbClr val="000000"/>
-              </a:solidFill>
-              <a:uFill>
-                <a:solidFill>
-                  <a:srgbClr val="FFFFFF"/>
-                </a:solidFill>
-              </a:uFill>
-              <a:latin typeface="Arial"/>
-            </a:endParaRPr>
-          </a:p>
-        </p:txBody>
-      </p:sp>
-      <p:sp>
-        <p:nvSpPr>
-          <p:cNvPr id="134" name="CustomShape 3"/>
-          <p:cNvSpPr/>
-          <p:nvPr/>
-        </p:nvSpPr>
-        <p:spPr>
-          <a:xfrm>
-            <a:off x="1254960" y="1997280"/>
-            <a:ext cx="7289640" cy="3781080"/>
-          </a:xfrm>
-          <a:prstGeom prst="rect">
-            <a:avLst/>
-          </a:prstGeom>
-          <a:noFill/>
-          <a:ln>
-            <a:noFill/>
-          </a:ln>
-        </p:spPr>
-        <p:style>
-          <a:lnRef idx="0">
-            <a:scrgbClr r="0" g="0" b="0"/>
-          </a:lnRef>
-          <a:fillRef idx="0">
-            <a:scrgbClr r="0" g="0" b="0"/>
-          </a:fillRef>
-          <a:effectRef idx="0">
-            <a:scrgbClr r="0" g="0" b="0"/>
-          </a:effectRef>
-          <a:fontRef idx="minor"/>
-        </p:style>
-        <p:txBody>
-          <a:bodyPr lIns="90000" tIns="45000" rIns="90000" bIns="45000"/>
-          <a:lstStyle/>
-          <a:p>
-            <a:pPr marL="285840" indent="-285120">
-              <a:lnSpc>
-                <a:spcPct val="125000"/>
-              </a:lnSpc>
-              <a:buClr>
-                <a:srgbClr val="000000"/>
-              </a:buClr>
-              <a:buFont typeface="Wingdings" charset="2"/>
-              <a:buChar char=""/>
-            </a:pPr>
-            <a:r>
-              <a:rPr lang="en-US" sz="2400" b="0" strike="noStrike" spc="-1">
+              <a:t>N. </a:t>
+            </a:r>
+            <a:r>
+              <a:rPr lang="en-US" altLang="zh-CN" sz="1600" spc="-1" dirty="0" err="1">
                 <a:solidFill>
                   <a:srgbClr val="000000"/>
                 </a:solidFill>
@@ -15037,36 +15065,11 @@
                     <a:srgbClr val="FFFFFF"/>
                   </a:solidFill>
                 </a:uFill>
-                <a:latin typeface="Times New Roman"/>
-                <a:ea typeface="DejaVu Sans"/>
               </a:rPr>
-              <a:t>Intima-Media Boundary Segmentation</a:t>
-            </a:r>
-            <a:endParaRPr lang="en-US" sz="1800" b="0" strike="noStrike" spc="-1">
-              <a:solidFill>
-                <a:srgbClr val="000000"/>
-              </a:solidFill>
-              <a:uFill>
-                <a:solidFill>
-                  <a:srgbClr val="FFFFFF"/>
-                </a:solidFill>
-              </a:uFill>
-              <a:latin typeface="Arial"/>
-            </a:endParaRPr>
-          </a:p>
-          <a:p>
-            <a:pPr marL="285840" indent="-285120">
-              <a:lnSpc>
-                <a:spcPct val="125000"/>
-              </a:lnSpc>
-              <a:buClr>
-                <a:srgbClr val="000000"/>
-              </a:buClr>
-              <a:buFont typeface="Wingdings" charset="2"/>
-              <a:buChar char=""/>
-            </a:pPr>
-            <a:r>
-              <a:rPr lang="en-US" sz="2400" b="0" strike="noStrike" spc="-1">
+              <a:t>Tajbakhsh</a:t>
+            </a:r>
+            <a:r>
+              <a:rPr lang="en-US" altLang="zh-CN" sz="1600" spc="-1" dirty="0">
                 <a:solidFill>
                   <a:srgbClr val="000000"/>
                 </a:solidFill>
@@ -15075,36 +15078,11 @@
                     <a:srgbClr val="FFFFFF"/>
                   </a:solidFill>
                 </a:uFill>
-                <a:latin typeface="Times New Roman"/>
-                <a:ea typeface="DejaVu Sans"/>
               </a:rPr>
-              <a:t>Extract dataset from 92 carotid intima-media thickness (CIMT) videos. The expert reviews each video to determine 3 ROIs which can be measured reliably. </a:t>
-            </a:r>
-            <a:endParaRPr lang="en-US" sz="1800" b="0" strike="noStrike" spc="-1">
-              <a:solidFill>
-                <a:srgbClr val="000000"/>
-              </a:solidFill>
-              <a:uFill>
-                <a:solidFill>
-                  <a:srgbClr val="FFFFFF"/>
-                </a:solidFill>
-              </a:uFill>
-              <a:latin typeface="Arial"/>
-            </a:endParaRPr>
-          </a:p>
-          <a:p>
-            <a:pPr marL="285840" indent="-285120">
-              <a:lnSpc>
-                <a:spcPct val="125000"/>
-              </a:lnSpc>
-              <a:buClr>
-                <a:srgbClr val="000000"/>
-              </a:buClr>
-              <a:buFont typeface="Wingdings" charset="2"/>
-              <a:buChar char=""/>
-            </a:pPr>
-            <a:r>
-              <a:rPr lang="en-US" sz="2400" b="0" strike="noStrike" spc="-1">
+              <a:t>, S. </a:t>
+            </a:r>
+            <a:r>
+              <a:rPr lang="en-US" altLang="zh-CN" sz="1600" spc="-1" dirty="0" err="1">
                 <a:solidFill>
                   <a:srgbClr val="000000"/>
                 </a:solidFill>
@@ -15113,36 +15091,11 @@
                     <a:srgbClr val="FFFFFF"/>
                   </a:solidFill>
                 </a:uFill>
-                <a:latin typeface="Times New Roman"/>
-                <a:ea typeface="DejaVu Sans"/>
               </a:rPr>
-              <a:t>The authors divided the ROIs into a training set with 144 ROIs and a test set with 132 ROIs. </a:t>
-            </a:r>
-            <a:endParaRPr lang="en-US" sz="1800" b="0" strike="noStrike" spc="-1">
-              <a:solidFill>
-                <a:srgbClr val="000000"/>
-              </a:solidFill>
-              <a:uFill>
-                <a:solidFill>
-                  <a:srgbClr val="FFFFFF"/>
-                </a:solidFill>
-              </a:uFill>
-              <a:latin typeface="Arial"/>
-            </a:endParaRPr>
-          </a:p>
-          <a:p>
-            <a:pPr marL="285840" indent="-285120">
-              <a:lnSpc>
-                <a:spcPct val="125000"/>
-              </a:lnSpc>
-              <a:buClr>
-                <a:srgbClr val="000000"/>
-              </a:buClr>
-              <a:buFont typeface="Wingdings" charset="2"/>
-              <a:buChar char=""/>
-            </a:pPr>
-            <a:r>
-              <a:rPr lang="en-US" sz="2400" b="0" strike="noStrike" spc="-1">
+              <a:t>Gurudu</a:t>
+            </a:r>
+            <a:r>
+              <a:rPr lang="en-US" altLang="zh-CN" sz="1600" spc="-1" dirty="0">
                 <a:solidFill>
                   <a:srgbClr val="000000"/>
                 </a:solidFill>
@@ -15151,62 +15104,54 @@
                     <a:srgbClr val="FFFFFF"/>
                   </a:solidFill>
                 </a:uFill>
-                <a:latin typeface="Times New Roman"/>
-                <a:ea typeface="DejaVu Sans"/>
               </a:rPr>
-              <a:t>For training and fine-tuning the CNNs, the authors extracted a stratified set of 200,000 training patches from the training ROIs. </a:t>
-            </a:r>
-            <a:endParaRPr lang="en-US" sz="1800" b="0" strike="noStrike" spc="-1">
-              <a:solidFill>
-                <a:srgbClr val="000000"/>
-              </a:solidFill>
-              <a:uFill>
-                <a:solidFill>
-                  <a:srgbClr val="FFFFFF"/>
-                </a:solidFill>
-              </a:uFill>
-              <a:latin typeface="Arial"/>
-            </a:endParaRPr>
-          </a:p>
-          <a:p>
-            <a:pPr>
-              <a:lnSpc>
-                <a:spcPct val="125000"/>
-              </a:lnSpc>
-            </a:pPr>
-            <a:endParaRPr lang="en-US" sz="1800" b="0" strike="noStrike" spc="-1">
-              <a:solidFill>
-                <a:srgbClr val="000000"/>
-              </a:solidFill>
-              <a:uFill>
-                <a:solidFill>
-                  <a:srgbClr val="FFFFFF"/>
-                </a:solidFill>
-              </a:uFill>
-              <a:latin typeface="Arial"/>
-            </a:endParaRPr>
-          </a:p>
-          <a:p>
-            <a:pPr>
-              <a:lnSpc>
-                <a:spcPct val="125000"/>
-              </a:lnSpc>
-            </a:pPr>
-            <a:endParaRPr lang="en-US" sz="1800" b="0" strike="noStrike" spc="-1">
-              <a:solidFill>
-                <a:srgbClr val="000000"/>
-              </a:solidFill>
-              <a:uFill>
-                <a:solidFill>
-                  <a:srgbClr val="FFFFFF"/>
-                </a:solidFill>
-              </a:uFill>
-              <a:latin typeface="Arial"/>
+              <a:t>, and J. Liang, “Automated polyp detection in colonoscopy videos using shape and context information,” IEEE Trans. Med. </a:t>
+            </a:r>
+            <a:r>
+              <a:rPr lang="en-US" altLang="zh-CN" sz="1600" spc="-1" dirty="0" err="1">
+                <a:solidFill>
+                  <a:srgbClr val="000000"/>
+                </a:solidFill>
+                <a:uFill>
+                  <a:solidFill>
+                    <a:srgbClr val="FFFFFF"/>
+                  </a:solidFill>
+                </a:uFill>
+              </a:rPr>
+              <a:t>Imag</a:t>
+            </a:r>
+            <a:r>
+              <a:rPr lang="en-US" altLang="zh-CN" sz="1600" spc="-1" dirty="0">
+                <a:solidFill>
+                  <a:srgbClr val="000000"/>
+                </a:solidFill>
+                <a:uFill>
+                  <a:solidFill>
+                    <a:srgbClr val="FFFFFF"/>
+                  </a:solidFill>
+                </a:uFill>
+              </a:rPr>
+              <a:t>., vol. 35, no. 2, pp. 630–644, Feb. 2016..</a:t>
+            </a:r>
+            <a:endParaRPr lang="en-US" altLang="zh-CN" sz="1600" spc="-1" dirty="0">
+              <a:solidFill>
+                <a:srgbClr val="000000"/>
+              </a:solidFill>
+              <a:uFill>
+                <a:solidFill>
+                  <a:srgbClr val="FFFFFF"/>
+                </a:solidFill>
+              </a:uFill>
             </a:endParaRPr>
           </a:p>
         </p:txBody>
       </p:sp>
     </p:spTree>
+    <p:extLst>
+      <p:ext uri="{BB962C8B-B14F-4D97-AF65-F5344CB8AC3E}">
+        <p14:creationId xmlns:p14="http://schemas.microsoft.com/office/powerpoint/2010/main" val="1727953166"/>
+      </p:ext>
+    </p:extLst>
   </p:cSld>
   <p:clrMapOvr>
     <a:masterClrMapping/>
@@ -15260,13 +15205,13 @@
       </p:grpSpPr>
       <p:sp>
         <p:nvSpPr>
-          <p:cNvPr id="135" name="CustomShape 1"/>
+          <p:cNvPr id="124" name="CustomShape 1"/>
           <p:cNvSpPr/>
           <p:nvPr/>
         </p:nvSpPr>
         <p:spPr>
           <a:xfrm>
-            <a:off x="1392120" y="1005840"/>
+            <a:off x="1392120" y="977760"/>
             <a:ext cx="7111440" cy="1064880"/>
           </a:xfrm>
           <a:prstGeom prst="rect">
@@ -15299,7 +15244,7 @@
               </a:lnSpc>
             </a:pPr>
             <a:r>
-              <a:rPr lang="en-US" sz="3200" b="0" strike="noStrike" spc="-1">
+              <a:rPr lang="en-US" sz="3200" spc="-1" dirty="0">
                 <a:solidFill>
                   <a:srgbClr val="C0504D"/>
                 </a:solidFill>
@@ -15309,103 +15254,22 @@
                   </a:solidFill>
                 </a:uFill>
                 <a:latin typeface="Calibri"/>
-                <a:ea typeface="DejaVu Sans"/>
               </a:rPr>
-              <a:t>CNN Based medical image classification </a:t>
-            </a:r>
-            <a:endParaRPr lang="en-US" sz="1800" b="0" strike="noStrike" spc="-1">
-              <a:solidFill>
-                <a:srgbClr val="000000"/>
-              </a:solidFill>
-              <a:uFill>
-                <a:solidFill>
-                  <a:srgbClr val="FFFFFF"/>
-                </a:solidFill>
-              </a:uFill>
-              <a:latin typeface="Arial"/>
-            </a:endParaRPr>
-          </a:p>
-        </p:txBody>
-      </p:sp>
-      <p:sp>
-        <p:nvSpPr>
-          <p:cNvPr id="136" name="CustomShape 2"/>
+              <a:t>Pulmonary Embolism Detection</a:t>
+            </a:r>
+          </a:p>
+        </p:txBody>
+      </p:sp>
+      <p:sp>
+        <p:nvSpPr>
+          <p:cNvPr id="126" name="CustomShape 3"/>
           <p:cNvSpPr/>
           <p:nvPr/>
         </p:nvSpPr>
         <p:spPr>
           <a:xfrm>
-            <a:off x="695880" y="1023480"/>
-            <a:ext cx="558720" cy="516600"/>
-          </a:xfrm>
-          <a:prstGeom prst="rect">
-            <a:avLst/>
-          </a:prstGeom>
-          <a:noFill/>
-          <a:ln>
-            <a:noFill/>
-          </a:ln>
-        </p:spPr>
-        <p:style>
-          <a:lnRef idx="0">
-            <a:scrgbClr r="0" g="0" b="0"/>
-          </a:lnRef>
-          <a:fillRef idx="0">
-            <a:scrgbClr r="0" g="0" b="0"/>
-          </a:fillRef>
-          <a:effectRef idx="0">
-            <a:scrgbClr r="0" g="0" b="0"/>
-          </a:effectRef>
-          <a:fontRef idx="minor"/>
-        </p:style>
-        <p:txBody>
-          <a:bodyPr lIns="90000" tIns="45000" rIns="90000" bIns="45000"/>
-          <a:lstStyle/>
-          <a:p>
-            <a:pPr>
-              <a:lnSpc>
-                <a:spcPct val="100000"/>
-              </a:lnSpc>
-            </a:pPr>
-            <a:r>
-              <a:rPr lang="en-US" sz="2800" b="1" strike="noStrike" spc="-1">
-                <a:solidFill>
-                  <a:srgbClr val="FFFFFF"/>
-                </a:solidFill>
-                <a:uFill>
-                  <a:solidFill>
-                    <a:srgbClr val="FFFFFF"/>
-                  </a:solidFill>
-                </a:uFill>
-                <a:latin typeface="Calibri"/>
-                <a:ea typeface="DejaVu Sans"/>
-              </a:rPr>
-              <a:t>04</a:t>
-            </a:r>
-            <a:endParaRPr lang="en-US" sz="1800" b="0" strike="noStrike" spc="-1">
-              <a:solidFill>
-                <a:srgbClr val="000000"/>
-              </a:solidFill>
-              <a:uFill>
-                <a:solidFill>
-                  <a:srgbClr val="FFFFFF"/>
-                </a:solidFill>
-              </a:uFill>
-              <a:latin typeface="Arial"/>
-            </a:endParaRPr>
-          </a:p>
-        </p:txBody>
-      </p:sp>
-      <p:sp>
-        <p:nvSpPr>
-          <p:cNvPr id="137" name="CustomShape 3"/>
-          <p:cNvSpPr/>
-          <p:nvPr/>
-        </p:nvSpPr>
-        <p:spPr>
-          <a:xfrm>
-            <a:off x="1254960" y="1628640"/>
-            <a:ext cx="5325840" cy="515520"/>
+            <a:off x="1254960" y="1997280"/>
+            <a:ext cx="7289640" cy="3781080"/>
           </a:xfrm>
           <a:prstGeom prst="rect">
             <a:avLst/>
@@ -15442,7 +15306,7 @@
               <a:buChar char=""/>
             </a:pPr>
             <a:r>
-              <a:rPr lang="en-US" sz="2400" b="0" strike="noStrike" spc="-1">
+              <a:rPr lang="en-US" sz="2400" b="0" strike="noStrike" spc="-1" dirty="0" smtClean="0">
                 <a:solidFill>
                   <a:srgbClr val="000000"/>
                 </a:solidFill>
@@ -15454,9 +15318,100 @@
                 <a:latin typeface="Times New Roman"/>
                 <a:ea typeface="DejaVu Sans"/>
               </a:rPr>
-              <a:t>Intima-Media Boundary Segmentation</a:t>
-            </a:r>
-            <a:endParaRPr lang="en-US" sz="1800" b="0" strike="noStrike" spc="-1">
+              <a:t>Extract </a:t>
+            </a:r>
+            <a:r>
+              <a:rPr lang="en-US" sz="2400" b="0" strike="noStrike" spc="-1" dirty="0">
+                <a:solidFill>
+                  <a:srgbClr val="000000"/>
+                </a:solidFill>
+                <a:uFill>
+                  <a:solidFill>
+                    <a:srgbClr val="FFFFFF"/>
+                  </a:solidFill>
+                </a:uFill>
+                <a:latin typeface="Times New Roman"/>
+                <a:ea typeface="DejaVu Sans"/>
+              </a:rPr>
+              <a:t>dataset from 121 CT pulmonary angiographies.</a:t>
+            </a:r>
+            <a:endParaRPr lang="en-US" sz="1800" b="0" strike="noStrike" spc="-1" dirty="0">
+              <a:solidFill>
+                <a:srgbClr val="000000"/>
+              </a:solidFill>
+              <a:uFill>
+                <a:solidFill>
+                  <a:srgbClr val="FFFFFF"/>
+                </a:solidFill>
+              </a:uFill>
+              <a:latin typeface="Arial"/>
+            </a:endParaRPr>
+          </a:p>
+          <a:p>
+            <a:pPr marL="285840" indent="-285120">
+              <a:lnSpc>
+                <a:spcPct val="125000"/>
+              </a:lnSpc>
+              <a:buClr>
+                <a:srgbClr val="000000"/>
+              </a:buClr>
+              <a:buFont typeface="Wingdings" charset="2"/>
+              <a:buChar char=""/>
+            </a:pPr>
+            <a:r>
+              <a:rPr lang="en-US" sz="2400" b="0" strike="noStrike" spc="-1" dirty="0">
+                <a:solidFill>
+                  <a:srgbClr val="000000"/>
+                </a:solidFill>
+                <a:uFill>
+                  <a:solidFill>
+                    <a:srgbClr val="FFFFFF"/>
+                  </a:solidFill>
+                </a:uFill>
+                <a:latin typeface="Times New Roman"/>
+                <a:ea typeface="DejaVu Sans"/>
+              </a:rPr>
+              <a:t>Training set contains 434 frames with pulmonary embolism and 3406 frames without pulmonary embolism. </a:t>
+            </a:r>
+            <a:endParaRPr lang="en-US" sz="1800" b="0" strike="noStrike" spc="-1" dirty="0">
+              <a:solidFill>
+                <a:srgbClr val="000000"/>
+              </a:solidFill>
+              <a:uFill>
+                <a:solidFill>
+                  <a:srgbClr val="FFFFFF"/>
+                </a:solidFill>
+              </a:uFill>
+              <a:latin typeface="Arial"/>
+            </a:endParaRPr>
+          </a:p>
+          <a:p>
+            <a:pPr marL="285840" indent="-285120">
+              <a:lnSpc>
+                <a:spcPct val="125000"/>
+              </a:lnSpc>
+              <a:buClr>
+                <a:srgbClr val="000000"/>
+              </a:buClr>
+              <a:buFont typeface="Wingdings" charset="2"/>
+              <a:buChar char=""/>
+            </a:pPr>
+            <a:r>
+              <a:rPr lang="en-US" sz="2400" b="0" strike="noStrike" spc="-1" dirty="0">
+                <a:solidFill>
+                  <a:srgbClr val="000000"/>
+                </a:solidFill>
+                <a:uFill>
+                  <a:solidFill>
+                    <a:srgbClr val="FFFFFF"/>
+                  </a:solidFill>
+                </a:uFill>
+                <a:latin typeface="Times New Roman"/>
+                <a:ea typeface="DejaVu Sans"/>
+              </a:rPr>
+              <a:t>Test set contains 253 frames with pulmonary embolism and 2162 frames without pulmonary embolism. </a:t>
+            </a:r>
+            <a:endParaRPr lang="en-US" sz="1800" b="0" strike="noStrike" spc="-1" dirty="0">
               <a:solidFill>
                 <a:srgbClr val="000000"/>
               </a:solidFill>
@@ -15474,99 +15429,25 @@
                 <a:spcPct val="125000"/>
               </a:lnSpc>
             </a:pPr>
-            <a:endParaRPr lang="en-US" sz="1800" b="0" strike="noStrike" spc="-1">
-              <a:solidFill>
-                <a:srgbClr val="000000"/>
-              </a:solidFill>
-              <a:uFill>
-                <a:solidFill>
-                  <a:srgbClr val="FFFFFF"/>
-                </a:solidFill>
-              </a:uFill>
-              <a:latin typeface="Arial"/>
-            </a:endParaRPr>
-          </a:p>
-        </p:txBody>
-      </p:sp>
-      <p:pic>
-        <p:nvPicPr>
-          <p:cNvPr id="138" name="图片 1"/>
-          <p:cNvPicPr/>
-          <p:nvPr/>
-        </p:nvPicPr>
-        <p:blipFill>
-          <a:blip r:embed="rId3"/>
-          <a:stretch/>
-        </p:blipFill>
-        <p:spPr>
-          <a:xfrm>
-            <a:off x="773280" y="2232720"/>
-            <a:ext cx="7642800" cy="3568680"/>
-          </a:xfrm>
-          <a:prstGeom prst="rect">
-            <a:avLst/>
-          </a:prstGeom>
-          <a:ln>
-            <a:noFill/>
-          </a:ln>
-        </p:spPr>
-      </p:pic>
-      <p:sp>
-        <p:nvSpPr>
-          <p:cNvPr id="139" name="CustomShape 4"/>
-          <p:cNvSpPr/>
-          <p:nvPr/>
-        </p:nvSpPr>
-        <p:spPr>
-          <a:xfrm>
-            <a:off x="600120" y="5900760"/>
-            <a:ext cx="7988760" cy="593280"/>
-          </a:xfrm>
-          <a:prstGeom prst="rect">
-            <a:avLst/>
-          </a:prstGeom>
-          <a:noFill/>
-          <a:ln>
-            <a:noFill/>
-          </a:ln>
-        </p:spPr>
-        <p:style>
-          <a:lnRef idx="0">
-            <a:scrgbClr r="0" g="0" b="0"/>
-          </a:lnRef>
-          <a:fillRef idx="0">
-            <a:scrgbClr r="0" g="0" b="0"/>
-          </a:fillRef>
-          <a:effectRef idx="0">
-            <a:scrgbClr r="0" g="0" b="0"/>
-          </a:effectRef>
-          <a:fontRef idx="minor"/>
-        </p:style>
-        <p:txBody>
-          <a:bodyPr lIns="90000" tIns="45000" rIns="90000" bIns="45000"/>
-          <a:lstStyle/>
+            <a:endParaRPr lang="en-US" sz="1800" b="0" strike="noStrike" spc="-1" dirty="0">
+              <a:solidFill>
+                <a:srgbClr val="000000"/>
+              </a:solidFill>
+              <a:uFill>
+                <a:solidFill>
+                  <a:srgbClr val="FFFFFF"/>
+                </a:solidFill>
+              </a:uFill>
+              <a:latin typeface="Arial"/>
+            </a:endParaRPr>
+          </a:p>
           <a:p>
             <a:pPr>
               <a:lnSpc>
-                <a:spcPct val="100000"/>
+                <a:spcPct val="125000"/>
               </a:lnSpc>
             </a:pPr>
-            <a:r>
-              <a:rPr lang="en-US" sz="1800" b="0" strike="noStrike" spc="-1">
-                <a:solidFill>
-                  <a:srgbClr val="000000"/>
-                </a:solidFill>
-                <a:uFill>
-                  <a:solidFill>
-                    <a:srgbClr val="FFFFFF"/>
-                  </a:solidFill>
-                </a:uFill>
-                <a:latin typeface="Arial"/>
-                <a:ea typeface="DejaVu Sans"/>
-              </a:rPr>
-              <a:t>Box plots of segmentation error for (a) the lumen-intima interface and (b) the media-adventitia interface.</a:t>
-            </a:r>
-            <a:endParaRPr lang="en-US" sz="1800" b="0" strike="noStrike" spc="-1">
+            <a:endParaRPr lang="en-US" sz="1800" b="0" strike="noStrike" spc="-1" dirty="0">
               <a:solidFill>
                 <a:srgbClr val="000000"/>
               </a:solidFill>
@@ -15581,6 +15462,11 @@
         </p:txBody>
       </p:sp>
     </p:spTree>
+    <p:extLst>
+      <p:ext uri="{BB962C8B-B14F-4D97-AF65-F5344CB8AC3E}">
+        <p14:creationId xmlns:p14="http://schemas.microsoft.com/office/powerpoint/2010/main" val="3042726946"/>
+      </p:ext>
+    </p:extLst>
   </p:cSld>
   <p:clrMapOvr>
     <a:masterClrMapping/>
@@ -16154,6 +16040,298 @@
       </p:grpSpPr>
       <p:sp>
         <p:nvSpPr>
+          <p:cNvPr id="127" name="CustomShape 1"/>
+          <p:cNvSpPr/>
+          <p:nvPr/>
+        </p:nvSpPr>
+        <p:spPr>
+          <a:xfrm>
+            <a:off x="1392120" y="1005840"/>
+            <a:ext cx="7111440" cy="695960"/>
+          </a:xfrm>
+          <a:prstGeom prst="rect">
+            <a:avLst/>
+          </a:prstGeom>
+          <a:noFill/>
+          <a:ln>
+            <a:noFill/>
+          </a:ln>
+        </p:spPr>
+        <p:style>
+          <a:lnRef idx="0">
+            <a:scrgbClr r="0" g="0" b="0"/>
+          </a:lnRef>
+          <a:fillRef idx="0">
+            <a:scrgbClr r="0" g="0" b="0"/>
+          </a:fillRef>
+          <a:effectRef idx="0">
+            <a:scrgbClr r="0" g="0" b="0"/>
+          </a:effectRef>
+          <a:fontRef idx="minor"/>
+        </p:style>
+        <p:txBody>
+          <a:bodyPr lIns="90000" tIns="45000" rIns="90000" bIns="45000"/>
+          <a:lstStyle/>
+          <a:p>
+            <a:pPr>
+              <a:lnSpc>
+                <a:spcPct val="100000"/>
+              </a:lnSpc>
+            </a:pPr>
+            <a:r>
+              <a:rPr lang="en-US" sz="3200" spc="-1" dirty="0">
+                <a:solidFill>
+                  <a:srgbClr val="C0504D"/>
+                </a:solidFill>
+                <a:uFill>
+                  <a:solidFill>
+                    <a:srgbClr val="FFFFFF"/>
+                  </a:solidFill>
+                </a:uFill>
+                <a:latin typeface="Calibri"/>
+              </a:rPr>
+              <a:t>Pulmonary Embolism Detection</a:t>
+            </a:r>
+          </a:p>
+        </p:txBody>
+      </p:sp>
+      <p:sp>
+        <p:nvSpPr>
+          <p:cNvPr id="129" name="CustomShape 3"/>
+          <p:cNvSpPr/>
+          <p:nvPr/>
+        </p:nvSpPr>
+        <p:spPr>
+          <a:xfrm>
+            <a:off x="1254960" y="1428120"/>
+            <a:ext cx="4517280" cy="514080"/>
+          </a:xfrm>
+          <a:prstGeom prst="rect">
+            <a:avLst/>
+          </a:prstGeom>
+          <a:noFill/>
+          <a:ln>
+            <a:noFill/>
+          </a:ln>
+        </p:spPr>
+        <p:style>
+          <a:lnRef idx="0">
+            <a:scrgbClr r="0" g="0" b="0"/>
+          </a:lnRef>
+          <a:fillRef idx="0">
+            <a:scrgbClr r="0" g="0" b="0"/>
+          </a:fillRef>
+          <a:effectRef idx="0">
+            <a:scrgbClr r="0" g="0" b="0"/>
+          </a:effectRef>
+          <a:fontRef idx="minor"/>
+        </p:style>
+        <p:txBody>
+          <a:bodyPr lIns="90000" tIns="45000" rIns="90000" bIns="45000"/>
+          <a:lstStyle/>
+          <a:p>
+            <a:pPr>
+              <a:lnSpc>
+                <a:spcPct val="125000"/>
+              </a:lnSpc>
+            </a:pPr>
+            <a:endParaRPr lang="en-US" sz="1800" b="0" strike="noStrike" spc="-1" dirty="0">
+              <a:solidFill>
+                <a:srgbClr val="000000"/>
+              </a:solidFill>
+              <a:uFill>
+                <a:solidFill>
+                  <a:srgbClr val="FFFFFF"/>
+                </a:solidFill>
+              </a:uFill>
+              <a:latin typeface="Arial"/>
+            </a:endParaRPr>
+          </a:p>
+        </p:txBody>
+      </p:sp>
+      <p:pic>
+        <p:nvPicPr>
+          <p:cNvPr id="130" name="图片 1"/>
+          <p:cNvPicPr/>
+          <p:nvPr/>
+        </p:nvPicPr>
+        <p:blipFill>
+          <a:blip r:embed="rId3"/>
+          <a:stretch/>
+        </p:blipFill>
+        <p:spPr>
+          <a:xfrm>
+            <a:off x="619920" y="2004480"/>
+            <a:ext cx="8075880" cy="3067560"/>
+          </a:xfrm>
+          <a:prstGeom prst="rect">
+            <a:avLst/>
+          </a:prstGeom>
+          <a:ln>
+            <a:noFill/>
+          </a:ln>
+        </p:spPr>
+      </p:pic>
+      <p:sp>
+        <p:nvSpPr>
+          <p:cNvPr id="131" name="CustomShape 4"/>
+          <p:cNvSpPr/>
+          <p:nvPr/>
+        </p:nvSpPr>
+        <p:spPr>
+          <a:xfrm>
+            <a:off x="619920" y="5188320"/>
+            <a:ext cx="7988760" cy="1460880"/>
+          </a:xfrm>
+          <a:prstGeom prst="rect">
+            <a:avLst/>
+          </a:prstGeom>
+          <a:noFill/>
+          <a:ln>
+            <a:noFill/>
+          </a:ln>
+        </p:spPr>
+        <p:style>
+          <a:lnRef idx="0">
+            <a:scrgbClr r="0" g="0" b="0"/>
+          </a:lnRef>
+          <a:fillRef idx="0">
+            <a:scrgbClr r="0" g="0" b="0"/>
+          </a:fillRef>
+          <a:effectRef idx="0">
+            <a:scrgbClr r="0" g="0" b="0"/>
+          </a:effectRef>
+          <a:fontRef idx="minor"/>
+        </p:style>
+        <p:txBody>
+          <a:bodyPr lIns="90000" tIns="45000" rIns="90000" bIns="45000"/>
+          <a:lstStyle/>
+          <a:p>
+            <a:pPr>
+              <a:lnSpc>
+                <a:spcPct val="100000"/>
+              </a:lnSpc>
+            </a:pPr>
+            <a:endParaRPr lang="en-US" sz="1800" b="0" strike="noStrike" spc="-1" dirty="0">
+              <a:solidFill>
+                <a:srgbClr val="000000"/>
+              </a:solidFill>
+              <a:uFill>
+                <a:solidFill>
+                  <a:srgbClr val="FFFFFF"/>
+                </a:solidFill>
+              </a:uFill>
+              <a:latin typeface="Arial"/>
+            </a:endParaRPr>
+          </a:p>
+        </p:txBody>
+      </p:sp>
+      <p:sp>
+        <p:nvSpPr>
+          <p:cNvPr id="3" name="矩形 2"/>
+          <p:cNvSpPr/>
+          <p:nvPr/>
+        </p:nvSpPr>
+        <p:spPr>
+          <a:xfrm>
+            <a:off x="263972" y="6303815"/>
+            <a:ext cx="8700655" cy="461665"/>
+          </a:xfrm>
+          <a:prstGeom prst="rect">
+            <a:avLst/>
+          </a:prstGeom>
+        </p:spPr>
+        <p:txBody>
+          <a:bodyPr wrap="square">
+            <a:spAutoFit/>
+          </a:bodyPr>
+          <a:lstStyle/>
+          <a:p>
+            <a:r>
+              <a:rPr lang="en-US" altLang="zh-CN" sz="1200" spc="-1" dirty="0">
+                <a:solidFill>
+                  <a:srgbClr val="000000"/>
+                </a:solidFill>
+                <a:uFill>
+                  <a:solidFill>
+                    <a:srgbClr val="FFFFFF"/>
+                  </a:solidFill>
+                </a:uFill>
+              </a:rPr>
+              <a:t>J. Liang and J. Bi, “Computer aided detection of pulmonary embolism with tobogganing and multiple instance classification in CT pulmonary angiography,” in Information Processing in Medical Imaging. New York: Springer, 2007, pp. 630–641...</a:t>
+            </a:r>
+            <a:endParaRPr lang="en-US" altLang="zh-CN" sz="1200" spc="-1" dirty="0">
+              <a:solidFill>
+                <a:srgbClr val="000000"/>
+              </a:solidFill>
+              <a:uFill>
+                <a:solidFill>
+                  <a:srgbClr val="FFFFFF"/>
+                </a:solidFill>
+              </a:uFill>
+            </a:endParaRPr>
+          </a:p>
+        </p:txBody>
+      </p:sp>
+    </p:spTree>
+    <p:extLst>
+      <p:ext uri="{BB962C8B-B14F-4D97-AF65-F5344CB8AC3E}">
+        <p14:creationId xmlns:p14="http://schemas.microsoft.com/office/powerpoint/2010/main" val="1347799592"/>
+      </p:ext>
+    </p:extLst>
+  </p:cSld>
+  <p:clrMapOvr>
+    <a:masterClrMapping/>
+  </p:clrMapOvr>
+  <p:timing>
+    <p:tnLst>
+      <p:par>
+        <p:cTn id="1" dur="indefinite" restart="never" nodeType="tmRoot">
+          <p:childTnLst>
+            <p:seq>
+              <p:cTn id="2" nodeType="mainSeq"/>
+              <p:prevCondLst>
+                <p:cond evt="onPrev" delay="0">
+                  <p:tgtEl>
+                    <p:sldTgt/>
+                  </p:tgtEl>
+                </p:cond>
+              </p:prevCondLst>
+              <p:nextCondLst>
+                <p:cond evt="onNext" delay="0">
+                  <p:tgtEl>
+                    <p:sldTgt/>
+                  </p:tgtEl>
+                </p:cond>
+              </p:nextCondLst>
+            </p:seq>
+          </p:childTnLst>
+        </p:cTn>
+      </p:par>
+    </p:tnLst>
+  </p:timing>
+</p:sld>
+</file>
+
+<file path=ppt/slides/slide41.xml><?xml version="1.0" encoding="utf-8"?>
+<p:sld xmlns:a="http://schemas.openxmlformats.org/drawingml/2006/main" xmlns:r="http://schemas.openxmlformats.org/officeDocument/2006/relationships" xmlns:p="http://schemas.openxmlformats.org/presentationml/2006/main">
+  <p:cSld>
+    <p:spTree>
+      <p:nvGrpSpPr>
+        <p:cNvPr id="1" name=""/>
+        <p:cNvGrpSpPr/>
+        <p:nvPr/>
+      </p:nvGrpSpPr>
+      <p:grpSpPr>
+        <a:xfrm>
+          <a:off x="0" y="0"/>
+          <a:ext cx="0" cy="0"/>
+          <a:chOff x="0" y="0"/>
+          <a:chExt cx="0" cy="0"/>
+        </a:xfrm>
+      </p:grpSpPr>
+      <p:sp>
+        <p:nvSpPr>
           <p:cNvPr id="140" name="CustomShape 1"/>
           <p:cNvSpPr/>
           <p:nvPr/>
@@ -16497,6 +16675,11 @@
         </p:txBody>
       </p:sp>
     </p:spTree>
+    <p:extLst>
+      <p:ext uri="{BB962C8B-B14F-4D97-AF65-F5344CB8AC3E}">
+        <p14:creationId xmlns:p14="http://schemas.microsoft.com/office/powerpoint/2010/main" val="3764146922"/>
+      </p:ext>
+    </p:extLst>
   </p:cSld>
   <p:clrMapOvr>
     <a:masterClrMapping/>
@@ -17611,7 +17794,7 @@
           <a:graphicData uri="http://schemas.openxmlformats.org/presentationml/2006/ole">
             <mc:AlternateContent xmlns:mc="http://schemas.openxmlformats.org/markup-compatibility/2006">
               <mc:Choice xmlns:v="urn:schemas-microsoft-com:vml" Requires="v">
-                <p:oleObj spid="_x0000_s1053" name="公式" r:id="rId4" imgW="126720" imgH="215640" progId="Equation.3">
+                <p:oleObj spid="_x0000_s1056" name="公式" r:id="rId4" imgW="126720" imgH="215640" progId="Equation.3">
                   <p:embed/>
                 </p:oleObj>
               </mc:Choice>

--- a/presentation.pptx
+++ b/presentation.pptx
@@ -5,7 +5,7 @@
     <p:sldMasterId id="2147483648" r:id="rId1"/>
   </p:sldMasterIdLst>
   <p:notesMasterIdLst>
-    <p:notesMasterId r:id="rId43"/>
+    <p:notesMasterId r:id="rId44"/>
   </p:notesMasterIdLst>
   <p:sldIdLst>
     <p:sldId id="256" r:id="rId2"/>
@@ -20,35 +20,36 @@
     <p:sldId id="299" r:id="rId11"/>
     <p:sldId id="301" r:id="rId12"/>
     <p:sldId id="298" r:id="rId13"/>
-    <p:sldId id="303" r:id="rId14"/>
-    <p:sldId id="304" r:id="rId15"/>
-    <p:sldId id="315" r:id="rId16"/>
-    <p:sldId id="305" r:id="rId17"/>
-    <p:sldId id="306" r:id="rId18"/>
-    <p:sldId id="307" r:id="rId19"/>
-    <p:sldId id="325" r:id="rId20"/>
-    <p:sldId id="326" r:id="rId21"/>
-    <p:sldId id="327" r:id="rId22"/>
-    <p:sldId id="300" r:id="rId23"/>
-    <p:sldId id="302" r:id="rId24"/>
-    <p:sldId id="316" r:id="rId25"/>
-    <p:sldId id="263" r:id="rId26"/>
-    <p:sldId id="308" r:id="rId27"/>
-    <p:sldId id="317" r:id="rId28"/>
-    <p:sldId id="265" r:id="rId29"/>
-    <p:sldId id="309" r:id="rId30"/>
-    <p:sldId id="310" r:id="rId31"/>
-    <p:sldId id="311" r:id="rId32"/>
-    <p:sldId id="312" r:id="rId33"/>
-    <p:sldId id="313" r:id="rId34"/>
-    <p:sldId id="314" r:id="rId35"/>
-    <p:sldId id="318" r:id="rId36"/>
-    <p:sldId id="319" r:id="rId37"/>
-    <p:sldId id="320" r:id="rId38"/>
-    <p:sldId id="321" r:id="rId39"/>
-    <p:sldId id="322" r:id="rId40"/>
-    <p:sldId id="323" r:id="rId41"/>
-    <p:sldId id="324" r:id="rId42"/>
+    <p:sldId id="328" r:id="rId14"/>
+    <p:sldId id="303" r:id="rId15"/>
+    <p:sldId id="304" r:id="rId16"/>
+    <p:sldId id="315" r:id="rId17"/>
+    <p:sldId id="305" r:id="rId18"/>
+    <p:sldId id="306" r:id="rId19"/>
+    <p:sldId id="307" r:id="rId20"/>
+    <p:sldId id="325" r:id="rId21"/>
+    <p:sldId id="326" r:id="rId22"/>
+    <p:sldId id="327" r:id="rId23"/>
+    <p:sldId id="300" r:id="rId24"/>
+    <p:sldId id="302" r:id="rId25"/>
+    <p:sldId id="316" r:id="rId26"/>
+    <p:sldId id="263" r:id="rId27"/>
+    <p:sldId id="308" r:id="rId28"/>
+    <p:sldId id="317" r:id="rId29"/>
+    <p:sldId id="265" r:id="rId30"/>
+    <p:sldId id="309" r:id="rId31"/>
+    <p:sldId id="310" r:id="rId32"/>
+    <p:sldId id="311" r:id="rId33"/>
+    <p:sldId id="312" r:id="rId34"/>
+    <p:sldId id="313" r:id="rId35"/>
+    <p:sldId id="314" r:id="rId36"/>
+    <p:sldId id="318" r:id="rId37"/>
+    <p:sldId id="319" r:id="rId38"/>
+    <p:sldId id="320" r:id="rId39"/>
+    <p:sldId id="321" r:id="rId40"/>
+    <p:sldId id="322" r:id="rId41"/>
+    <p:sldId id="323" r:id="rId42"/>
+    <p:sldId id="324" r:id="rId43"/>
   </p:sldIdLst>
   <p:sldSz cx="9144000" cy="6858000" type="screen4x3"/>
   <p:notesSz cx="6858000" cy="9144000"/>
@@ -638,7 +639,7 @@
       </p:grpSpPr>
       <p:sp>
         <p:nvSpPr>
-          <p:cNvPr id="175" name="PlaceHolder 1"/>
+          <p:cNvPr id="173" name="PlaceHolder 1"/>
           <p:cNvSpPr>
             <a:spLocks noGrp="1"/>
           </p:cNvSpPr>
@@ -675,7 +676,7 @@
       </p:sp>
       <p:sp>
         <p:nvSpPr>
-          <p:cNvPr id="176" name="CustomShape 2"/>
+          <p:cNvPr id="174" name="CustomShape 2"/>
           <p:cNvSpPr/>
           <p:nvPr/>
         </p:nvSpPr>
@@ -713,7 +714,7 @@
                 <a:spcPct val="100000"/>
               </a:lnSpc>
             </a:pPr>
-            <a:fld id="{EFA8D10F-9820-467C-8EF1-36B26AAE5D7E}" type="slidenum">
+            <a:fld id="{36847CA7-B104-418F-AF9F-9BDEA17E32B4}" type="slidenum">
               <a:rPr lang="en-US" sz="1200" b="0" strike="noStrike" spc="-1">
                 <a:solidFill>
                   <a:srgbClr val="000000"/>
@@ -745,7 +746,7 @@
     </p:spTree>
     <p:extLst>
       <p:ext uri="{BB962C8B-B14F-4D97-AF65-F5344CB8AC3E}">
-        <p14:creationId xmlns:p14="http://schemas.microsoft.com/office/powerpoint/2010/main" val="3560609004"/>
+        <p14:creationId xmlns:p14="http://schemas.microsoft.com/office/powerpoint/2010/main" val="80659876"/>
       </p:ext>
     </p:extLst>
   </p:cSld>
@@ -774,7 +775,7 @@
       </p:grpSpPr>
       <p:sp>
         <p:nvSpPr>
-          <p:cNvPr id="173" name="PlaceHolder 1"/>
+          <p:cNvPr id="175" name="PlaceHolder 1"/>
           <p:cNvSpPr>
             <a:spLocks noGrp="1"/>
           </p:cNvSpPr>
@@ -811,7 +812,7 @@
       </p:sp>
       <p:sp>
         <p:nvSpPr>
-          <p:cNvPr id="174" name="CustomShape 2"/>
+          <p:cNvPr id="176" name="CustomShape 2"/>
           <p:cNvSpPr/>
           <p:nvPr/>
         </p:nvSpPr>
@@ -849,7 +850,7 @@
                 <a:spcPct val="100000"/>
               </a:lnSpc>
             </a:pPr>
-            <a:fld id="{36847CA7-B104-418F-AF9F-9BDEA17E32B4}" type="slidenum">
+            <a:fld id="{EFA8D10F-9820-467C-8EF1-36B26AAE5D7E}" type="slidenum">
               <a:rPr lang="en-US" sz="1200" b="0" strike="noStrike" spc="-1">
                 <a:solidFill>
                   <a:srgbClr val="000000"/>
@@ -881,7 +882,7 @@
     </p:spTree>
     <p:extLst>
       <p:ext uri="{BB962C8B-B14F-4D97-AF65-F5344CB8AC3E}">
-        <p14:creationId xmlns:p14="http://schemas.microsoft.com/office/powerpoint/2010/main" val="2595338737"/>
+        <p14:creationId xmlns:p14="http://schemas.microsoft.com/office/powerpoint/2010/main" val="3560609004"/>
       </p:ext>
     </p:extLst>
   </p:cSld>
@@ -1017,7 +1018,7 @@
     </p:spTree>
     <p:extLst>
       <p:ext uri="{BB962C8B-B14F-4D97-AF65-F5344CB8AC3E}">
-        <p14:creationId xmlns:p14="http://schemas.microsoft.com/office/powerpoint/2010/main" val="2377757082"/>
+        <p14:creationId xmlns:p14="http://schemas.microsoft.com/office/powerpoint/2010/main" val="2595338737"/>
       </p:ext>
     </p:extLst>
   </p:cSld>
@@ -1046,7 +1047,7 @@
       </p:grpSpPr>
       <p:sp>
         <p:nvSpPr>
-          <p:cNvPr id="171" name="PlaceHolder 1"/>
+          <p:cNvPr id="173" name="PlaceHolder 1"/>
           <p:cNvSpPr>
             <a:spLocks noGrp="1"/>
           </p:cNvSpPr>
@@ -1083,7 +1084,7 @@
       </p:sp>
       <p:sp>
         <p:nvSpPr>
-          <p:cNvPr id="172" name="CustomShape 2"/>
+          <p:cNvPr id="174" name="CustomShape 2"/>
           <p:cNvSpPr/>
           <p:nvPr/>
         </p:nvSpPr>
@@ -1121,7 +1122,7 @@
                 <a:spcPct val="100000"/>
               </a:lnSpc>
             </a:pPr>
-            <a:fld id="{72A02D17-7A55-4A68-AF5D-B49B5E2BC3A7}" type="slidenum">
+            <a:fld id="{36847CA7-B104-418F-AF9F-9BDEA17E32B4}" type="slidenum">
               <a:rPr lang="en-US" sz="1200" b="0" strike="noStrike" spc="-1">
                 <a:solidFill>
                   <a:srgbClr val="000000"/>
@@ -1153,7 +1154,7 @@
     </p:spTree>
     <p:extLst>
       <p:ext uri="{BB962C8B-B14F-4D97-AF65-F5344CB8AC3E}">
-        <p14:creationId xmlns:p14="http://schemas.microsoft.com/office/powerpoint/2010/main" val="3892428049"/>
+        <p14:creationId xmlns:p14="http://schemas.microsoft.com/office/powerpoint/2010/main" val="2377757082"/>
       </p:ext>
     </p:extLst>
   </p:cSld>
@@ -1289,7 +1290,7 @@
     </p:spTree>
     <p:extLst>
       <p:ext uri="{BB962C8B-B14F-4D97-AF65-F5344CB8AC3E}">
-        <p14:creationId xmlns:p14="http://schemas.microsoft.com/office/powerpoint/2010/main" val="4074314479"/>
+        <p14:creationId xmlns:p14="http://schemas.microsoft.com/office/powerpoint/2010/main" val="3892428049"/>
       </p:ext>
     </p:extLst>
   </p:cSld>
@@ -1425,7 +1426,7 @@
     </p:spTree>
     <p:extLst>
       <p:ext uri="{BB962C8B-B14F-4D97-AF65-F5344CB8AC3E}">
-        <p14:creationId xmlns:p14="http://schemas.microsoft.com/office/powerpoint/2010/main" val="2485261816"/>
+        <p14:creationId xmlns:p14="http://schemas.microsoft.com/office/powerpoint/2010/main" val="4074314479"/>
       </p:ext>
     </p:extLst>
   </p:cSld>
@@ -1454,7 +1455,7 @@
       </p:grpSpPr>
       <p:sp>
         <p:nvSpPr>
-          <p:cNvPr id="99" name="PlaceHolder 1"/>
+          <p:cNvPr id="171" name="PlaceHolder 1"/>
           <p:cNvSpPr>
             <a:spLocks noGrp="1"/>
           </p:cNvSpPr>
@@ -1465,14 +1466,14 @@
         <p:spPr>
           <a:xfrm>
             <a:off x="685800" y="4400640"/>
-            <a:ext cx="5486040" cy="3600000"/>
-          </a:xfrm>
-          <a:prstGeom prst="rect">
-            <a:avLst/>
-          </a:prstGeom>
-        </p:spPr>
-        <p:txBody>
-          <a:bodyPr/>
+            <a:ext cx="5485680" cy="3599640"/>
+          </a:xfrm>
+          <a:prstGeom prst="rect">
+            <a:avLst/>
+          </a:prstGeom>
+        </p:spPr>
+        <p:txBody>
+          <a:bodyPr lIns="0" tIns="0" rIns="0" bIns="0"/>
           <a:lstStyle/>
           <a:p>
             <a:endParaRPr lang="en-US" sz="2000" b="0" strike="noStrike" spc="-1">
@@ -1491,14 +1492,14 @@
       </p:sp>
       <p:sp>
         <p:nvSpPr>
-          <p:cNvPr id="100" name="TextShape 2"/>
-          <p:cNvSpPr txBox="1"/>
+          <p:cNvPr id="172" name="CustomShape 2"/>
+          <p:cNvSpPr/>
           <p:nvPr/>
         </p:nvSpPr>
         <p:spPr>
           <a:xfrm>
             <a:off x="3884760" y="8685360"/>
-            <a:ext cx="2971440" cy="458280"/>
+            <a:ext cx="2971080" cy="457920"/>
           </a:xfrm>
           <a:prstGeom prst="rect">
             <a:avLst/>
@@ -1508,8 +1509,20 @@
             <a:noFill/>
           </a:ln>
         </p:spPr>
-        <p:txBody>
-          <a:bodyPr anchor="b"/>
+        <p:style>
+          <a:lnRef idx="0">
+            <a:scrgbClr r="0" g="0" b="0"/>
+          </a:lnRef>
+          <a:fillRef idx="0">
+            <a:scrgbClr r="0" g="0" b="0"/>
+          </a:fillRef>
+          <a:effectRef idx="0">
+            <a:scrgbClr r="0" g="0" b="0"/>
+          </a:effectRef>
+          <a:fontRef idx="minor"/>
+        </p:style>
+        <p:txBody>
+          <a:bodyPr lIns="90000" tIns="45000" rIns="90000" bIns="45000" anchor="b"/>
           <a:lstStyle/>
           <a:p>
             <a:pPr algn="r">
@@ -1517,7 +1530,7 @@
                 <a:spcPct val="100000"/>
               </a:lnSpc>
             </a:pPr>
-            <a:fld id="{55F9D349-2747-4E51-A984-914120975C65}" type="slidenum">
+            <a:fld id="{72A02D17-7A55-4A68-AF5D-B49B5E2BC3A7}" type="slidenum">
               <a:rPr lang="en-US" sz="1200" b="0" strike="noStrike" spc="-1">
                 <a:solidFill>
                   <a:srgbClr val="000000"/>
@@ -1532,16 +1545,16 @@
               </a:rPr>
               <a:t>19</a:t>
             </a:fld>
-            <a:endParaRPr lang="en-US" sz="1400" b="0" strike="noStrike" spc="-1">
-              <a:solidFill>
-                <a:srgbClr val="000000"/>
-              </a:solidFill>
-              <a:uFill>
-                <a:solidFill>
-                  <a:srgbClr val="FFFFFF"/>
-                </a:solidFill>
-              </a:uFill>
-              <a:latin typeface="Times New Roman"/>
+            <a:endParaRPr lang="en-US" sz="1800" b="0" strike="noStrike" spc="-1">
+              <a:solidFill>
+                <a:srgbClr val="000000"/>
+              </a:solidFill>
+              <a:uFill>
+                <a:solidFill>
+                  <a:srgbClr val="FFFFFF"/>
+                </a:solidFill>
+              </a:uFill>
+              <a:latin typeface="Arial"/>
             </a:endParaRPr>
           </a:p>
         </p:txBody>
@@ -1549,7 +1562,7 @@
     </p:spTree>
     <p:extLst>
       <p:ext uri="{BB962C8B-B14F-4D97-AF65-F5344CB8AC3E}">
-        <p14:creationId xmlns:p14="http://schemas.microsoft.com/office/powerpoint/2010/main" val="3442658406"/>
+        <p14:creationId xmlns:p14="http://schemas.microsoft.com/office/powerpoint/2010/main" val="2485261816"/>
       </p:ext>
     </p:extLst>
   </p:cSld>
@@ -1673,7 +1686,7 @@
     </p:spTree>
     <p:extLst>
       <p:ext uri="{BB962C8B-B14F-4D97-AF65-F5344CB8AC3E}">
-        <p14:creationId xmlns:p14="http://schemas.microsoft.com/office/powerpoint/2010/main" val="3504559605"/>
+        <p14:creationId xmlns:p14="http://schemas.microsoft.com/office/powerpoint/2010/main" val="3442658406"/>
       </p:ext>
     </p:extLst>
   </p:cSld>
@@ -1797,7 +1810,7 @@
     </p:spTree>
     <p:extLst>
       <p:ext uri="{BB962C8B-B14F-4D97-AF65-F5344CB8AC3E}">
-        <p14:creationId xmlns:p14="http://schemas.microsoft.com/office/powerpoint/2010/main" val="441372110"/>
+        <p14:creationId xmlns:p14="http://schemas.microsoft.com/office/powerpoint/2010/main" val="3504559605"/>
       </p:ext>
     </p:extLst>
   </p:cSld>
@@ -1826,7 +1839,7 @@
       </p:grpSpPr>
       <p:sp>
         <p:nvSpPr>
-          <p:cNvPr id="179" name="PlaceHolder 1"/>
+          <p:cNvPr id="99" name="PlaceHolder 1"/>
           <p:cNvSpPr>
             <a:spLocks noGrp="1"/>
           </p:cNvSpPr>
@@ -1837,14 +1850,14 @@
         <p:spPr>
           <a:xfrm>
             <a:off x="685800" y="4400640"/>
-            <a:ext cx="5485680" cy="3599640"/>
-          </a:xfrm>
-          <a:prstGeom prst="rect">
-            <a:avLst/>
-          </a:prstGeom>
-        </p:spPr>
-        <p:txBody>
-          <a:bodyPr lIns="0" tIns="0" rIns="0" bIns="0"/>
+            <a:ext cx="5486040" cy="3600000"/>
+          </a:xfrm>
+          <a:prstGeom prst="rect">
+            <a:avLst/>
+          </a:prstGeom>
+        </p:spPr>
+        <p:txBody>
+          <a:bodyPr/>
           <a:lstStyle/>
           <a:p>
             <a:endParaRPr lang="en-US" sz="2000" b="0" strike="noStrike" spc="-1">
@@ -1863,14 +1876,14 @@
       </p:sp>
       <p:sp>
         <p:nvSpPr>
-          <p:cNvPr id="180" name="CustomShape 2"/>
-          <p:cNvSpPr/>
+          <p:cNvPr id="100" name="TextShape 2"/>
+          <p:cNvSpPr txBox="1"/>
           <p:nvPr/>
         </p:nvSpPr>
         <p:spPr>
           <a:xfrm>
             <a:off x="3884760" y="8685360"/>
-            <a:ext cx="2971080" cy="457920"/>
+            <a:ext cx="2971440" cy="458280"/>
           </a:xfrm>
           <a:prstGeom prst="rect">
             <a:avLst/>
@@ -1880,20 +1893,8 @@
             <a:noFill/>
           </a:ln>
         </p:spPr>
-        <p:style>
-          <a:lnRef idx="0">
-            <a:scrgbClr r="0" g="0" b="0"/>
-          </a:lnRef>
-          <a:fillRef idx="0">
-            <a:scrgbClr r="0" g="0" b="0"/>
-          </a:fillRef>
-          <a:effectRef idx="0">
-            <a:scrgbClr r="0" g="0" b="0"/>
-          </a:effectRef>
-          <a:fontRef idx="minor"/>
-        </p:style>
-        <p:txBody>
-          <a:bodyPr lIns="90000" tIns="45000" rIns="90000" bIns="45000" anchor="b"/>
+        <p:txBody>
+          <a:bodyPr anchor="b"/>
           <a:lstStyle/>
           <a:p>
             <a:pPr algn="r">
@@ -1901,7 +1902,7 @@
                 <a:spcPct val="100000"/>
               </a:lnSpc>
             </a:pPr>
-            <a:fld id="{483FE29F-5B9F-4FD9-B178-D5B8ECC78C80}" type="slidenum">
+            <a:fld id="{55F9D349-2747-4E51-A984-914120975C65}" type="slidenum">
               <a:rPr lang="en-US" sz="1200" b="0" strike="noStrike" spc="-1">
                 <a:solidFill>
                   <a:srgbClr val="000000"/>
@@ -1916,16 +1917,16 @@
               </a:rPr>
               <a:t>22</a:t>
             </a:fld>
-            <a:endParaRPr lang="en-US" sz="1800" b="0" strike="noStrike" spc="-1">
-              <a:solidFill>
-                <a:srgbClr val="000000"/>
-              </a:solidFill>
-              <a:uFill>
-                <a:solidFill>
-                  <a:srgbClr val="FFFFFF"/>
-                </a:solidFill>
-              </a:uFill>
-              <a:latin typeface="Arial"/>
+            <a:endParaRPr lang="en-US" sz="1400" b="0" strike="noStrike" spc="-1">
+              <a:solidFill>
+                <a:srgbClr val="000000"/>
+              </a:solidFill>
+              <a:uFill>
+                <a:solidFill>
+                  <a:srgbClr val="FFFFFF"/>
+                </a:solidFill>
+              </a:uFill>
+              <a:latin typeface="Times New Roman"/>
             </a:endParaRPr>
           </a:p>
         </p:txBody>
@@ -1933,7 +1934,7 @@
     </p:spTree>
     <p:extLst>
       <p:ext uri="{BB962C8B-B14F-4D97-AF65-F5344CB8AC3E}">
-        <p14:creationId xmlns:p14="http://schemas.microsoft.com/office/powerpoint/2010/main" val="1588178951"/>
+        <p14:creationId xmlns:p14="http://schemas.microsoft.com/office/powerpoint/2010/main" val="441372110"/>
       </p:ext>
     </p:extLst>
   </p:cSld>
@@ -2200,7 +2201,7 @@
     </p:spTree>
     <p:extLst>
       <p:ext uri="{BB962C8B-B14F-4D97-AF65-F5344CB8AC3E}">
-        <p14:creationId xmlns:p14="http://schemas.microsoft.com/office/powerpoint/2010/main" val="183033969"/>
+        <p14:creationId xmlns:p14="http://schemas.microsoft.com/office/powerpoint/2010/main" val="1588178951"/>
       </p:ext>
     </p:extLst>
   </p:cSld>
@@ -2229,7 +2230,7 @@
       </p:grpSpPr>
       <p:sp>
         <p:nvSpPr>
-          <p:cNvPr id="173" name="PlaceHolder 1"/>
+          <p:cNvPr id="179" name="PlaceHolder 1"/>
           <p:cNvSpPr>
             <a:spLocks noGrp="1"/>
           </p:cNvSpPr>
@@ -2266,7 +2267,7 @@
       </p:sp>
       <p:sp>
         <p:nvSpPr>
-          <p:cNvPr id="174" name="CustomShape 2"/>
+          <p:cNvPr id="180" name="CustomShape 2"/>
           <p:cNvSpPr/>
           <p:nvPr/>
         </p:nvSpPr>
@@ -2304,7 +2305,7 @@
                 <a:spcPct val="100000"/>
               </a:lnSpc>
             </a:pPr>
-            <a:fld id="{36847CA7-B104-418F-AF9F-9BDEA17E32B4}" type="slidenum">
+            <a:fld id="{483FE29F-5B9F-4FD9-B178-D5B8ECC78C80}" type="slidenum">
               <a:rPr lang="en-US" sz="1200" b="0" strike="noStrike" spc="-1">
                 <a:solidFill>
                   <a:srgbClr val="000000"/>
@@ -2336,7 +2337,7 @@
     </p:spTree>
     <p:extLst>
       <p:ext uri="{BB962C8B-B14F-4D97-AF65-F5344CB8AC3E}">
-        <p14:creationId xmlns:p14="http://schemas.microsoft.com/office/powerpoint/2010/main" val="506727324"/>
+        <p14:creationId xmlns:p14="http://schemas.microsoft.com/office/powerpoint/2010/main" val="183033969"/>
       </p:ext>
     </p:extLst>
   </p:cSld>
@@ -2365,7 +2366,7 @@
       </p:grpSpPr>
       <p:sp>
         <p:nvSpPr>
-          <p:cNvPr id="177" name="PlaceHolder 1"/>
+          <p:cNvPr id="173" name="PlaceHolder 1"/>
           <p:cNvSpPr>
             <a:spLocks noGrp="1"/>
           </p:cNvSpPr>
@@ -2402,7 +2403,7 @@
       </p:sp>
       <p:sp>
         <p:nvSpPr>
-          <p:cNvPr id="178" name="CustomShape 2"/>
+          <p:cNvPr id="174" name="CustomShape 2"/>
           <p:cNvSpPr/>
           <p:nvPr/>
         </p:nvSpPr>
@@ -2440,7 +2441,7 @@
                 <a:spcPct val="100000"/>
               </a:lnSpc>
             </a:pPr>
-            <a:fld id="{47A73A73-4F97-475F-9AF2-12580A8302EB}" type="slidenum">
+            <a:fld id="{36847CA7-B104-418F-AF9F-9BDEA17E32B4}" type="slidenum">
               <a:rPr lang="en-US" sz="1200" b="0" strike="noStrike" spc="-1">
                 <a:solidFill>
                   <a:srgbClr val="000000"/>
@@ -2470,6 +2471,11 @@
         </p:txBody>
       </p:sp>
     </p:spTree>
+    <p:extLst>
+      <p:ext uri="{BB962C8B-B14F-4D97-AF65-F5344CB8AC3E}">
+        <p14:creationId xmlns:p14="http://schemas.microsoft.com/office/powerpoint/2010/main" val="506727324"/>
+      </p:ext>
+    </p:extLst>
   </p:cSld>
   <p:clrMapOvr>
     <a:masterClrMapping/>
@@ -2601,11 +2607,6 @@
         </p:txBody>
       </p:sp>
     </p:spTree>
-    <p:extLst>
-      <p:ext uri="{BB962C8B-B14F-4D97-AF65-F5344CB8AC3E}">
-        <p14:creationId xmlns:p14="http://schemas.microsoft.com/office/powerpoint/2010/main" val="2678646191"/>
-      </p:ext>
-    </p:extLst>
   </p:cSld>
   <p:clrMapOvr>
     <a:masterClrMapping/>
@@ -2632,7 +2633,7 @@
       </p:grpSpPr>
       <p:sp>
         <p:nvSpPr>
-          <p:cNvPr id="173" name="PlaceHolder 1"/>
+          <p:cNvPr id="177" name="PlaceHolder 1"/>
           <p:cNvSpPr>
             <a:spLocks noGrp="1"/>
           </p:cNvSpPr>
@@ -2669,7 +2670,7 @@
       </p:sp>
       <p:sp>
         <p:nvSpPr>
-          <p:cNvPr id="174" name="CustomShape 2"/>
+          <p:cNvPr id="178" name="CustomShape 2"/>
           <p:cNvSpPr/>
           <p:nvPr/>
         </p:nvSpPr>
@@ -2707,7 +2708,7 @@
                 <a:spcPct val="100000"/>
               </a:lnSpc>
             </a:pPr>
-            <a:fld id="{36847CA7-B104-418F-AF9F-9BDEA17E32B4}" type="slidenum">
+            <a:fld id="{47A73A73-4F97-475F-9AF2-12580A8302EB}" type="slidenum">
               <a:rPr lang="en-US" sz="1200" b="0" strike="noStrike" spc="-1">
                 <a:solidFill>
                   <a:srgbClr val="000000"/>
@@ -2739,7 +2740,7 @@
     </p:spTree>
     <p:extLst>
       <p:ext uri="{BB962C8B-B14F-4D97-AF65-F5344CB8AC3E}">
-        <p14:creationId xmlns:p14="http://schemas.microsoft.com/office/powerpoint/2010/main" val="364763090"/>
+        <p14:creationId xmlns:p14="http://schemas.microsoft.com/office/powerpoint/2010/main" val="2678646191"/>
       </p:ext>
     </p:extLst>
   </p:cSld>
@@ -2768,7 +2769,7 @@
       </p:grpSpPr>
       <p:sp>
         <p:nvSpPr>
-          <p:cNvPr id="181" name="PlaceHolder 1"/>
+          <p:cNvPr id="173" name="PlaceHolder 1"/>
           <p:cNvSpPr>
             <a:spLocks noGrp="1"/>
           </p:cNvSpPr>
@@ -2805,7 +2806,7 @@
       </p:sp>
       <p:sp>
         <p:nvSpPr>
-          <p:cNvPr id="182" name="CustomShape 2"/>
+          <p:cNvPr id="174" name="CustomShape 2"/>
           <p:cNvSpPr/>
           <p:nvPr/>
         </p:nvSpPr>
@@ -2843,7 +2844,7 @@
                 <a:spcPct val="100000"/>
               </a:lnSpc>
             </a:pPr>
-            <a:fld id="{C1EAD73F-BDD2-463E-A830-392AF2915E29}" type="slidenum">
+            <a:fld id="{36847CA7-B104-418F-AF9F-9BDEA17E32B4}" type="slidenum">
               <a:rPr lang="en-US" sz="1200" b="0" strike="noStrike" spc="-1">
                 <a:solidFill>
                   <a:srgbClr val="000000"/>
@@ -2873,6 +2874,11 @@
         </p:txBody>
       </p:sp>
     </p:spTree>
+    <p:extLst>
+      <p:ext uri="{BB962C8B-B14F-4D97-AF65-F5344CB8AC3E}">
+        <p14:creationId xmlns:p14="http://schemas.microsoft.com/office/powerpoint/2010/main" val="364763090"/>
+      </p:ext>
+    </p:extLst>
   </p:cSld>
   <p:clrMapOvr>
     <a:masterClrMapping/>
@@ -2899,7 +2905,7 @@
       </p:grpSpPr>
       <p:sp>
         <p:nvSpPr>
-          <p:cNvPr id="205" name="PlaceHolder 1"/>
+          <p:cNvPr id="181" name="PlaceHolder 1"/>
           <p:cNvSpPr>
             <a:spLocks noGrp="1"/>
           </p:cNvSpPr>
@@ -2936,7 +2942,7 @@
       </p:sp>
       <p:sp>
         <p:nvSpPr>
-          <p:cNvPr id="206" name="CustomShape 2"/>
+          <p:cNvPr id="182" name="CustomShape 2"/>
           <p:cNvSpPr/>
           <p:nvPr/>
         </p:nvSpPr>
@@ -2974,7 +2980,7 @@
                 <a:spcPct val="100000"/>
               </a:lnSpc>
             </a:pPr>
-            <a:fld id="{50E2D55D-4FBC-404F-9CF3-F26BD4413E2B}" type="slidenum">
+            <a:fld id="{C1EAD73F-BDD2-463E-A830-392AF2915E29}" type="slidenum">
               <a:rPr lang="en-US" sz="1200" b="0" strike="noStrike" spc="-1">
                 <a:solidFill>
                   <a:srgbClr val="000000"/>
@@ -2987,7 +2993,7 @@
                 <a:latin typeface="+mn-lt"/>
                 <a:ea typeface="+mn-ea"/>
               </a:rPr>
-              <a:t>35</a:t>
+              <a:t>29</a:t>
             </a:fld>
             <a:endParaRPr lang="en-US" sz="1800" b="0" strike="noStrike" spc="-1">
               <a:solidFill>
@@ -3004,11 +3010,6 @@
         </p:txBody>
       </p:sp>
     </p:spTree>
-    <p:extLst>
-      <p:ext uri="{BB962C8B-B14F-4D97-AF65-F5344CB8AC3E}">
-        <p14:creationId xmlns:p14="http://schemas.microsoft.com/office/powerpoint/2010/main" val="2999159166"/>
-      </p:ext>
-    </p:extLst>
   </p:cSld>
   <p:clrMapOvr>
     <a:masterClrMapping/>
@@ -3035,7 +3036,7 @@
       </p:grpSpPr>
       <p:sp>
         <p:nvSpPr>
-          <p:cNvPr id="207" name="PlaceHolder 1"/>
+          <p:cNvPr id="205" name="PlaceHolder 1"/>
           <p:cNvSpPr>
             <a:spLocks noGrp="1"/>
           </p:cNvSpPr>
@@ -3072,7 +3073,7 @@
       </p:sp>
       <p:sp>
         <p:nvSpPr>
-          <p:cNvPr id="208" name="CustomShape 2"/>
+          <p:cNvPr id="206" name="CustomShape 2"/>
           <p:cNvSpPr/>
           <p:nvPr/>
         </p:nvSpPr>
@@ -3110,7 +3111,7 @@
                 <a:spcPct val="100000"/>
               </a:lnSpc>
             </a:pPr>
-            <a:fld id="{2DD485AE-68B2-4B9D-BD7C-9589E5AA0796}" type="slidenum">
+            <a:fld id="{50E2D55D-4FBC-404F-9CF3-F26BD4413E2B}" type="slidenum">
               <a:rPr lang="en-US" sz="1200" b="0" strike="noStrike" spc="-1">
                 <a:solidFill>
                   <a:srgbClr val="000000"/>
@@ -3120,7 +3121,7 @@
                     <a:srgbClr val="FFFFFF"/>
                   </a:solidFill>
                 </a:uFill>
-                <a:latin typeface="Arial"/>
+                <a:latin typeface="+mn-lt"/>
                 <a:ea typeface="+mn-ea"/>
               </a:rPr>
               <a:t>36</a:t>
@@ -3142,7 +3143,7 @@
     </p:spTree>
     <p:extLst>
       <p:ext uri="{BB962C8B-B14F-4D97-AF65-F5344CB8AC3E}">
-        <p14:creationId xmlns:p14="http://schemas.microsoft.com/office/powerpoint/2010/main" val="366368304"/>
+        <p14:creationId xmlns:p14="http://schemas.microsoft.com/office/powerpoint/2010/main" val="2999159166"/>
       </p:ext>
     </p:extLst>
   </p:cSld>
@@ -3171,7 +3172,7 @@
       </p:grpSpPr>
       <p:sp>
         <p:nvSpPr>
-          <p:cNvPr id="209" name="PlaceHolder 1"/>
+          <p:cNvPr id="207" name="PlaceHolder 1"/>
           <p:cNvSpPr>
             <a:spLocks noGrp="1"/>
           </p:cNvSpPr>
@@ -3208,7 +3209,7 @@
       </p:sp>
       <p:sp>
         <p:nvSpPr>
-          <p:cNvPr id="210" name="CustomShape 2"/>
+          <p:cNvPr id="208" name="CustomShape 2"/>
           <p:cNvSpPr/>
           <p:nvPr/>
         </p:nvSpPr>
@@ -3246,7 +3247,7 @@
                 <a:spcPct val="100000"/>
               </a:lnSpc>
             </a:pPr>
-            <a:fld id="{16D3F57F-A8F1-4BC3-B2F7-FEE028F6A5F7}" type="slidenum">
+            <a:fld id="{2DD485AE-68B2-4B9D-BD7C-9589E5AA0796}" type="slidenum">
               <a:rPr lang="en-US" sz="1200" b="0" strike="noStrike" spc="-1">
                 <a:solidFill>
                   <a:srgbClr val="000000"/>
@@ -3278,7 +3279,7 @@
     </p:spTree>
     <p:extLst>
       <p:ext uri="{BB962C8B-B14F-4D97-AF65-F5344CB8AC3E}">
-        <p14:creationId xmlns:p14="http://schemas.microsoft.com/office/powerpoint/2010/main" val="3146846349"/>
+        <p14:creationId xmlns:p14="http://schemas.microsoft.com/office/powerpoint/2010/main" val="366368304"/>
       </p:ext>
     </p:extLst>
   </p:cSld>
@@ -3307,7 +3308,7 @@
       </p:grpSpPr>
       <p:sp>
         <p:nvSpPr>
-          <p:cNvPr id="211" name="PlaceHolder 1"/>
+          <p:cNvPr id="209" name="PlaceHolder 1"/>
           <p:cNvSpPr>
             <a:spLocks noGrp="1"/>
           </p:cNvSpPr>
@@ -3344,7 +3345,7 @@
       </p:sp>
       <p:sp>
         <p:nvSpPr>
-          <p:cNvPr id="212" name="CustomShape 2"/>
+          <p:cNvPr id="210" name="CustomShape 2"/>
           <p:cNvSpPr/>
           <p:nvPr/>
         </p:nvSpPr>
@@ -3382,7 +3383,7 @@
                 <a:spcPct val="100000"/>
               </a:lnSpc>
             </a:pPr>
-            <a:fld id="{1A22E031-8D10-4104-B506-1E221361FAA7}" type="slidenum">
+            <a:fld id="{16D3F57F-A8F1-4BC3-B2F7-FEE028F6A5F7}" type="slidenum">
               <a:rPr lang="en-US" sz="1200" b="0" strike="noStrike" spc="-1">
                 <a:solidFill>
                   <a:srgbClr val="000000"/>
@@ -3414,7 +3415,7 @@
     </p:spTree>
     <p:extLst>
       <p:ext uri="{BB962C8B-B14F-4D97-AF65-F5344CB8AC3E}">
-        <p14:creationId xmlns:p14="http://schemas.microsoft.com/office/powerpoint/2010/main" val="2568475996"/>
+        <p14:creationId xmlns:p14="http://schemas.microsoft.com/office/powerpoint/2010/main" val="3146846349"/>
       </p:ext>
     </p:extLst>
   </p:cSld>
@@ -3579,7 +3580,7 @@
       </p:grpSpPr>
       <p:sp>
         <p:nvSpPr>
-          <p:cNvPr id="213" name="PlaceHolder 1"/>
+          <p:cNvPr id="211" name="PlaceHolder 1"/>
           <p:cNvSpPr>
             <a:spLocks noGrp="1"/>
           </p:cNvSpPr>
@@ -3616,7 +3617,7 @@
       </p:sp>
       <p:sp>
         <p:nvSpPr>
-          <p:cNvPr id="214" name="CustomShape 2"/>
+          <p:cNvPr id="212" name="CustomShape 2"/>
           <p:cNvSpPr/>
           <p:nvPr/>
         </p:nvSpPr>
@@ -3654,7 +3655,7 @@
                 <a:spcPct val="100000"/>
               </a:lnSpc>
             </a:pPr>
-            <a:fld id="{72176D27-40DC-4A57-A457-6216163DEFAD}" type="slidenum">
+            <a:fld id="{1A22E031-8D10-4104-B506-1E221361FAA7}" type="slidenum">
               <a:rPr lang="en-US" sz="1200" b="0" strike="noStrike" spc="-1">
                 <a:solidFill>
                   <a:srgbClr val="000000"/>
@@ -3686,7 +3687,7 @@
     </p:spTree>
     <p:extLst>
       <p:ext uri="{BB962C8B-B14F-4D97-AF65-F5344CB8AC3E}">
-        <p14:creationId xmlns:p14="http://schemas.microsoft.com/office/powerpoint/2010/main" val="4096762911"/>
+        <p14:creationId xmlns:p14="http://schemas.microsoft.com/office/powerpoint/2010/main" val="2568475996"/>
       </p:ext>
     </p:extLst>
   </p:cSld>
@@ -3715,7 +3716,7 @@
       </p:grpSpPr>
       <p:sp>
         <p:nvSpPr>
-          <p:cNvPr id="215" name="PlaceHolder 1"/>
+          <p:cNvPr id="213" name="PlaceHolder 1"/>
           <p:cNvSpPr>
             <a:spLocks noGrp="1"/>
           </p:cNvSpPr>
@@ -3752,7 +3753,7 @@
       </p:sp>
       <p:sp>
         <p:nvSpPr>
-          <p:cNvPr id="216" name="CustomShape 2"/>
+          <p:cNvPr id="214" name="CustomShape 2"/>
           <p:cNvSpPr/>
           <p:nvPr/>
         </p:nvSpPr>
@@ -3790,7 +3791,7 @@
                 <a:spcPct val="100000"/>
               </a:lnSpc>
             </a:pPr>
-            <a:fld id="{3546136D-80AB-4C8E-8AF6-4F32D444689D}" type="slidenum">
+            <a:fld id="{72176D27-40DC-4A57-A457-6216163DEFAD}" type="slidenum">
               <a:rPr lang="en-US" sz="1200" b="0" strike="noStrike" spc="-1">
                 <a:solidFill>
                   <a:srgbClr val="000000"/>
@@ -3822,7 +3823,7 @@
     </p:spTree>
     <p:extLst>
       <p:ext uri="{BB962C8B-B14F-4D97-AF65-F5344CB8AC3E}">
-        <p14:creationId xmlns:p14="http://schemas.microsoft.com/office/powerpoint/2010/main" val="3538084188"/>
+        <p14:creationId xmlns:p14="http://schemas.microsoft.com/office/powerpoint/2010/main" val="4096762911"/>
       </p:ext>
     </p:extLst>
   </p:cSld>
@@ -3851,6 +3852,142 @@
       </p:grpSpPr>
       <p:sp>
         <p:nvSpPr>
+          <p:cNvPr id="215" name="PlaceHolder 1"/>
+          <p:cNvSpPr>
+            <a:spLocks noGrp="1"/>
+          </p:cNvSpPr>
+          <p:nvPr>
+            <p:ph type="body"/>
+          </p:nvPr>
+        </p:nvSpPr>
+        <p:spPr>
+          <a:xfrm>
+            <a:off x="685800" y="4400640"/>
+            <a:ext cx="5485680" cy="3599640"/>
+          </a:xfrm>
+          <a:prstGeom prst="rect">
+            <a:avLst/>
+          </a:prstGeom>
+        </p:spPr>
+        <p:txBody>
+          <a:bodyPr lIns="0" tIns="0" rIns="0" bIns="0"/>
+          <a:lstStyle/>
+          <a:p>
+            <a:endParaRPr lang="en-US" sz="2000" b="0" strike="noStrike" spc="-1">
+              <a:solidFill>
+                <a:srgbClr val="000000"/>
+              </a:solidFill>
+              <a:uFill>
+                <a:solidFill>
+                  <a:srgbClr val="FFFFFF"/>
+                </a:solidFill>
+              </a:uFill>
+              <a:latin typeface="Arial"/>
+            </a:endParaRPr>
+          </a:p>
+        </p:txBody>
+      </p:sp>
+      <p:sp>
+        <p:nvSpPr>
+          <p:cNvPr id="216" name="CustomShape 2"/>
+          <p:cNvSpPr/>
+          <p:nvPr/>
+        </p:nvSpPr>
+        <p:spPr>
+          <a:xfrm>
+            <a:off x="3884760" y="8685360"/>
+            <a:ext cx="2971080" cy="457920"/>
+          </a:xfrm>
+          <a:prstGeom prst="rect">
+            <a:avLst/>
+          </a:prstGeom>
+          <a:noFill/>
+          <a:ln>
+            <a:noFill/>
+          </a:ln>
+        </p:spPr>
+        <p:style>
+          <a:lnRef idx="0">
+            <a:scrgbClr r="0" g="0" b="0"/>
+          </a:lnRef>
+          <a:fillRef idx="0">
+            <a:scrgbClr r="0" g="0" b="0"/>
+          </a:fillRef>
+          <a:effectRef idx="0">
+            <a:scrgbClr r="0" g="0" b="0"/>
+          </a:effectRef>
+          <a:fontRef idx="minor"/>
+        </p:style>
+        <p:txBody>
+          <a:bodyPr lIns="90000" tIns="45000" rIns="90000" bIns="45000" anchor="b"/>
+          <a:lstStyle/>
+          <a:p>
+            <a:pPr algn="r">
+              <a:lnSpc>
+                <a:spcPct val="100000"/>
+              </a:lnSpc>
+            </a:pPr>
+            <a:fld id="{3546136D-80AB-4C8E-8AF6-4F32D444689D}" type="slidenum">
+              <a:rPr lang="en-US" sz="1200" b="0" strike="noStrike" spc="-1">
+                <a:solidFill>
+                  <a:srgbClr val="000000"/>
+                </a:solidFill>
+                <a:uFill>
+                  <a:solidFill>
+                    <a:srgbClr val="FFFFFF"/>
+                  </a:solidFill>
+                </a:uFill>
+                <a:latin typeface="Arial"/>
+                <a:ea typeface="+mn-ea"/>
+              </a:rPr>
+              <a:t>41</a:t>
+            </a:fld>
+            <a:endParaRPr lang="en-US" sz="1800" b="0" strike="noStrike" spc="-1">
+              <a:solidFill>
+                <a:srgbClr val="000000"/>
+              </a:solidFill>
+              <a:uFill>
+                <a:solidFill>
+                  <a:srgbClr val="FFFFFF"/>
+                </a:solidFill>
+              </a:uFill>
+              <a:latin typeface="Arial"/>
+            </a:endParaRPr>
+          </a:p>
+        </p:txBody>
+      </p:sp>
+    </p:spTree>
+    <p:extLst>
+      <p:ext uri="{BB962C8B-B14F-4D97-AF65-F5344CB8AC3E}">
+        <p14:creationId xmlns:p14="http://schemas.microsoft.com/office/powerpoint/2010/main" val="3538084188"/>
+      </p:ext>
+    </p:extLst>
+  </p:cSld>
+  <p:clrMapOvr>
+    <a:masterClrMapping/>
+  </p:clrMapOvr>
+</p:notes>
+</file>
+
+<file path=ppt/notesSlides/notesSlide33.xml><?xml version="1.0" encoding="utf-8"?>
+<p:notes xmlns:a="http://schemas.openxmlformats.org/drawingml/2006/main" xmlns:r="http://schemas.openxmlformats.org/officeDocument/2006/relationships" xmlns:p="http://schemas.openxmlformats.org/presentationml/2006/main">
+  <p:cSld>
+    <p:spTree>
+      <p:nvGrpSpPr>
+        <p:cNvPr id="1" name=""/>
+        <p:cNvGrpSpPr/>
+        <p:nvPr/>
+      </p:nvGrpSpPr>
+      <p:grpSpPr>
+        <a:xfrm>
+          <a:off x="0" y="0"/>
+          <a:ext cx="0" cy="0"/>
+          <a:chOff x="0" y="0"/>
+          <a:chExt cx="0" cy="0"/>
+        </a:xfrm>
+      </p:grpSpPr>
+      <p:sp>
+        <p:nvSpPr>
           <p:cNvPr id="221" name="PlaceHolder 1"/>
           <p:cNvSpPr>
             <a:spLocks noGrp="1"/>
@@ -3939,7 +4076,7 @@
                 <a:latin typeface="+mn-lt"/>
                 <a:ea typeface="+mn-ea"/>
               </a:rPr>
-              <a:t>41</a:t>
+              <a:t>42</a:t>
             </a:fld>
             <a:endParaRPr lang="en-US" sz="1800" b="0" strike="noStrike" spc="-1">
               <a:solidFill>
@@ -7768,7 +7905,7 @@
       </p:grpSpPr>
       <p:sp>
         <p:nvSpPr>
-          <p:cNvPr id="61" name="CustomShape 1"/>
+          <p:cNvPr id="57" name="CustomShape 1"/>
           <p:cNvSpPr/>
           <p:nvPr/>
         </p:nvSpPr>
@@ -7819,7 +7956,22 @@
                 <a:latin typeface="Calibri"/>
                 <a:ea typeface="DejaVu Sans"/>
               </a:rPr>
-              <a:t>NIN</a:t>
+              <a:t>Highlight of </a:t>
+            </a:r>
+            <a:r>
+              <a:rPr lang="en-US" altLang="zh-CN" sz="3200" b="0" strike="noStrike" spc="-1" dirty="0" err="1" smtClean="0">
+                <a:solidFill>
+                  <a:srgbClr val="C0504D"/>
+                </a:solidFill>
+                <a:uFill>
+                  <a:solidFill>
+                    <a:srgbClr val="FFFFFF"/>
+                  </a:solidFill>
+                </a:uFill>
+                <a:latin typeface="Calibri"/>
+                <a:ea typeface="DejaVu Sans"/>
+              </a:rPr>
+              <a:t>ZFNet</a:t>
             </a:r>
             <a:endParaRPr lang="en-US" sz="1800" b="0" strike="noStrike" spc="-1" dirty="0">
               <a:solidFill>
@@ -7835,61 +7987,48 @@
           </a:p>
         </p:txBody>
       </p:sp>
-      <p:pic>
-        <p:nvPicPr>
-          <p:cNvPr id="64" name="图片 66"/>
-          <p:cNvPicPr/>
+      <p:sp>
+        <p:nvSpPr>
+          <p:cNvPr id="2" name="文本框 1"/>
+          <p:cNvSpPr txBox="1"/>
           <p:nvPr/>
-        </p:nvPicPr>
-        <p:blipFill>
-          <a:blip r:embed="rId3"/>
-          <a:stretch/>
-        </p:blipFill>
-        <p:spPr>
-          <a:xfrm>
-            <a:off x="250920" y="2710603"/>
-            <a:ext cx="8777880" cy="2376000"/>
-          </a:xfrm>
-          <a:prstGeom prst="rect">
-            <a:avLst/>
-          </a:prstGeom>
-          <a:ln>
-            <a:noFill/>
-          </a:ln>
-        </p:spPr>
-      </p:pic>
-      <p:sp>
-        <p:nvSpPr>
-          <p:cNvPr id="2" name="矩形 1"/>
-          <p:cNvSpPr/>
-          <p:nvPr/>
-        </p:nvSpPr>
-        <p:spPr>
-          <a:xfrm>
-            <a:off x="67860" y="6092541"/>
-            <a:ext cx="9144000" cy="646331"/>
-          </a:xfrm>
-          <a:prstGeom prst="rect">
-            <a:avLst/>
-          </a:prstGeom>
-        </p:spPr>
-        <p:txBody>
-          <a:bodyPr wrap="square">
+        </p:nvSpPr>
+        <p:spPr>
+          <a:xfrm>
+            <a:off x="756993" y="2951017"/>
+            <a:ext cx="7765734" cy="1077218"/>
+          </a:xfrm>
+          <a:prstGeom prst="rect">
+            <a:avLst/>
+          </a:prstGeom>
+          <a:noFill/>
+        </p:spPr>
+        <p:txBody>
+          <a:bodyPr wrap="square" rtlCol="0">
             <a:spAutoFit/>
           </a:bodyPr>
           <a:lstStyle/>
           <a:p>
-            <a:r>
-              <a:rPr lang="zh-CN" altLang="en-US" dirty="0"/>
-              <a:t> Lin, Min, Qiang Chen, and Shuicheng Yan. "Network In Network." international conference on learning representations (2014).</a:t>
-            </a:r>
+            <a:pPr marL="285750" indent="-285750">
+              <a:buFont typeface="Wingdings" panose="05000000000000000000" pitchFamily="2" charset="2"/>
+              <a:buChar char="Ø"/>
+            </a:pPr>
+            <a:r>
+              <a:rPr lang="en-US" altLang="zh-CN" sz="3200" dirty="0" smtClean="0"/>
+              <a:t>Deconvolutio</a:t>
+            </a:r>
+            <a:r>
+              <a:rPr lang="en-US" altLang="zh-CN" sz="3200" dirty="0" smtClean="0"/>
+              <a:t>n for understanding and visualizing CNN</a:t>
+            </a:r>
+            <a:endParaRPr lang="en-US" altLang="zh-CN" sz="3200" dirty="0" smtClean="0"/>
           </a:p>
         </p:txBody>
       </p:sp>
     </p:spTree>
     <p:extLst>
       <p:ext uri="{BB962C8B-B14F-4D97-AF65-F5344CB8AC3E}">
-        <p14:creationId xmlns:p14="http://schemas.microsoft.com/office/powerpoint/2010/main" val="3083002850"/>
+        <p14:creationId xmlns:p14="http://schemas.microsoft.com/office/powerpoint/2010/main" val="1037095694"/>
       </p:ext>
     </p:extLst>
   </p:cSld>
@@ -7945,6 +8084,183 @@
       </p:grpSpPr>
       <p:sp>
         <p:nvSpPr>
+          <p:cNvPr id="61" name="CustomShape 1"/>
+          <p:cNvSpPr/>
+          <p:nvPr/>
+        </p:nvSpPr>
+        <p:spPr>
+          <a:xfrm>
+            <a:off x="1392120" y="992880"/>
+            <a:ext cx="6495480" cy="577440"/>
+          </a:xfrm>
+          <a:prstGeom prst="rect">
+            <a:avLst/>
+          </a:prstGeom>
+          <a:noFill/>
+          <a:ln>
+            <a:noFill/>
+          </a:ln>
+        </p:spPr>
+        <p:style>
+          <a:lnRef idx="0">
+            <a:scrgbClr r="0" g="0" b="0"/>
+          </a:lnRef>
+          <a:fillRef idx="0">
+            <a:scrgbClr r="0" g="0" b="0"/>
+          </a:fillRef>
+          <a:effectRef idx="0">
+            <a:scrgbClr r="0" g="0" b="0"/>
+          </a:effectRef>
+          <a:fontRef idx="minor"/>
+        </p:style>
+        <p:txBody>
+          <a:bodyPr lIns="90000" tIns="45000" rIns="90000" bIns="45000"/>
+          <a:lstStyle/>
+          <a:p>
+            <a:pPr>
+              <a:lnSpc>
+                <a:spcPct val="100000"/>
+              </a:lnSpc>
+            </a:pPr>
+            <a:r>
+              <a:rPr lang="en-US" sz="3200" b="0" strike="noStrike" spc="-1" dirty="0" smtClean="0">
+                <a:solidFill>
+                  <a:srgbClr val="C0504D"/>
+                </a:solidFill>
+                <a:uFill>
+                  <a:solidFill>
+                    <a:srgbClr val="FFFFFF"/>
+                  </a:solidFill>
+                </a:uFill>
+                <a:latin typeface="Calibri"/>
+                <a:ea typeface="DejaVu Sans"/>
+              </a:rPr>
+              <a:t>NIN</a:t>
+            </a:r>
+            <a:endParaRPr lang="en-US" sz="1800" b="0" strike="noStrike" spc="-1" dirty="0">
+              <a:solidFill>
+                <a:srgbClr val="000000"/>
+              </a:solidFill>
+              <a:uFill>
+                <a:solidFill>
+                  <a:srgbClr val="FFFFFF"/>
+                </a:solidFill>
+              </a:uFill>
+              <a:latin typeface="Arial"/>
+            </a:endParaRPr>
+          </a:p>
+        </p:txBody>
+      </p:sp>
+      <p:pic>
+        <p:nvPicPr>
+          <p:cNvPr id="64" name="图片 66"/>
+          <p:cNvPicPr/>
+          <p:nvPr/>
+        </p:nvPicPr>
+        <p:blipFill>
+          <a:blip r:embed="rId3"/>
+          <a:stretch/>
+        </p:blipFill>
+        <p:spPr>
+          <a:xfrm>
+            <a:off x="250920" y="2710603"/>
+            <a:ext cx="8777880" cy="2376000"/>
+          </a:xfrm>
+          <a:prstGeom prst="rect">
+            <a:avLst/>
+          </a:prstGeom>
+          <a:ln>
+            <a:noFill/>
+          </a:ln>
+        </p:spPr>
+      </p:pic>
+      <p:sp>
+        <p:nvSpPr>
+          <p:cNvPr id="2" name="矩形 1"/>
+          <p:cNvSpPr/>
+          <p:nvPr/>
+        </p:nvSpPr>
+        <p:spPr>
+          <a:xfrm>
+            <a:off x="67860" y="6092541"/>
+            <a:ext cx="9144000" cy="646331"/>
+          </a:xfrm>
+          <a:prstGeom prst="rect">
+            <a:avLst/>
+          </a:prstGeom>
+        </p:spPr>
+        <p:txBody>
+          <a:bodyPr wrap="square">
+            <a:spAutoFit/>
+          </a:bodyPr>
+          <a:lstStyle/>
+          <a:p>
+            <a:r>
+              <a:rPr lang="zh-CN" altLang="en-US" dirty="0"/>
+              <a:t> Lin, Min, Qiang Chen, and Shuicheng Yan. "Network In Network." international conference on learning representations (2014).</a:t>
+            </a:r>
+          </a:p>
+        </p:txBody>
+      </p:sp>
+    </p:spTree>
+    <p:extLst>
+      <p:ext uri="{BB962C8B-B14F-4D97-AF65-F5344CB8AC3E}">
+        <p14:creationId xmlns:p14="http://schemas.microsoft.com/office/powerpoint/2010/main" val="3083002850"/>
+      </p:ext>
+    </p:extLst>
+  </p:cSld>
+  <p:clrMapOvr>
+    <a:masterClrMapping/>
+  </p:clrMapOvr>
+  <p:timing>
+    <p:tnLst>
+      <p:par>
+        <p:cTn id="1" dur="indefinite" restart="never" nodeType="tmRoot">
+          <p:childTnLst>
+            <p:seq>
+              <p:cTn id="2" nodeType="mainSeq"/>
+              <p:prevCondLst>
+                <p:cond evt="onPrev" delay="0">
+                  <p:tgtEl>
+                    <p:sldTgt/>
+                  </p:tgtEl>
+                </p:cond>
+              </p:prevCondLst>
+              <p:nextCondLst>
+                <p:cond evt="onNext" delay="0">
+                  <p:tgtEl>
+                    <p:sldTgt/>
+                  </p:tgtEl>
+                </p:cond>
+              </p:nextCondLst>
+            </p:seq>
+          </p:childTnLst>
+        </p:cTn>
+      </p:par>
+    </p:tnLst>
+  </p:timing>
+</p:sld>
+</file>
+
+<file path=ppt/slides/slide15.xml><?xml version="1.0" encoding="utf-8"?>
+<p:sld xmlns:a="http://schemas.openxmlformats.org/drawingml/2006/main" xmlns:r="http://schemas.openxmlformats.org/officeDocument/2006/relationships" xmlns:p="http://schemas.openxmlformats.org/presentationml/2006/main">
+  <p:cSld>
+    <p:spTree>
+      <p:nvGrpSpPr>
+        <p:cNvPr id="1" name=""/>
+        <p:cNvGrpSpPr/>
+        <p:nvPr/>
+      </p:nvGrpSpPr>
+      <p:grpSpPr>
+        <a:xfrm>
+          <a:off x="0" y="0"/>
+          <a:ext cx="0" cy="0"/>
+          <a:chOff x="0" y="0"/>
+          <a:chExt cx="0" cy="0"/>
+        </a:xfrm>
+      </p:grpSpPr>
+      <p:sp>
+        <p:nvSpPr>
           <p:cNvPr id="57" name="CustomShape 1"/>
           <p:cNvSpPr/>
           <p:nvPr/>
@@ -8205,7 +8521,7 @@
 </p:sld>
 </file>
 
-<file path=ppt/slides/slide15.xml><?xml version="1.0" encoding="utf-8"?>
+<file path=ppt/slides/slide16.xml><?xml version="1.0" encoding="utf-8"?>
 <p:sld xmlns:a="http://schemas.openxmlformats.org/drawingml/2006/main" xmlns:r="http://schemas.openxmlformats.org/officeDocument/2006/relationships" xmlns:p="http://schemas.openxmlformats.org/presentationml/2006/main">
   <p:cSld>
     <p:spTree>
@@ -8456,7 +8772,7 @@
 </p:sld>
 </file>
 
-<file path=ppt/slides/slide16.xml><?xml version="1.0" encoding="utf-8"?>
+<file path=ppt/slides/slide17.xml><?xml version="1.0" encoding="utf-8"?>
 <p:sld xmlns:a="http://schemas.openxmlformats.org/drawingml/2006/main" xmlns:r="http://schemas.openxmlformats.org/officeDocument/2006/relationships" xmlns:p="http://schemas.openxmlformats.org/presentationml/2006/main">
   <p:cSld>
     <p:spTree>
@@ -8655,7 +8971,7 @@
 </p:sld>
 </file>
 
-<file path=ppt/slides/slide17.xml><?xml version="1.0" encoding="utf-8"?>
+<file path=ppt/slides/slide18.xml><?xml version="1.0" encoding="utf-8"?>
 <p:sld xmlns:a="http://schemas.openxmlformats.org/drawingml/2006/main" xmlns:r="http://schemas.openxmlformats.org/officeDocument/2006/relationships" xmlns:p="http://schemas.openxmlformats.org/presentationml/2006/main">
   <p:cSld>
     <p:spTree>
@@ -8907,7 +9223,7 @@
 </p:sld>
 </file>
 
-<file path=ppt/slides/slide18.xml><?xml version="1.0" encoding="utf-8"?>
+<file path=ppt/slides/slide19.xml><?xml version="1.0" encoding="utf-8"?>
 <p:sld xmlns:a="http://schemas.openxmlformats.org/drawingml/2006/main" xmlns:r="http://schemas.openxmlformats.org/officeDocument/2006/relationships" xmlns:p="http://schemas.openxmlformats.org/presentationml/2006/main">
   <p:cSld>
     <p:spTree>
@@ -9112,7 +9428,7 @@
 </p:sld>
 </file>
 
-<file path=ppt/slides/slide19.xml><?xml version="1.0" encoding="utf-8"?>
+<file path=ppt/slides/slide2.xml><?xml version="1.0" encoding="utf-8"?>
 <p:sld xmlns:a="http://schemas.openxmlformats.org/drawingml/2006/main" xmlns:r="http://schemas.openxmlformats.org/officeDocument/2006/relationships" xmlns:p="http://schemas.openxmlformats.org/presentationml/2006/main">
   <p:cSld>
     <p:spTree>
@@ -9131,6 +9447,374 @@
       </p:grpSpPr>
       <p:sp>
         <p:nvSpPr>
+          <p:cNvPr id="42" name="CustomShape 1"/>
+          <p:cNvSpPr/>
+          <p:nvPr/>
+        </p:nvSpPr>
+        <p:spPr>
+          <a:xfrm>
+            <a:off x="1392120" y="992880"/>
+            <a:ext cx="6495480" cy="577440"/>
+          </a:xfrm>
+          <a:prstGeom prst="rect">
+            <a:avLst/>
+          </a:prstGeom>
+          <a:noFill/>
+          <a:ln>
+            <a:noFill/>
+          </a:ln>
+        </p:spPr>
+        <p:style>
+          <a:lnRef idx="0">
+            <a:scrgbClr r="0" g="0" b="0"/>
+          </a:lnRef>
+          <a:fillRef idx="0">
+            <a:scrgbClr r="0" g="0" b="0"/>
+          </a:fillRef>
+          <a:effectRef idx="0">
+            <a:scrgbClr r="0" g="0" b="0"/>
+          </a:effectRef>
+          <a:fontRef idx="minor"/>
+        </p:style>
+        <p:txBody>
+          <a:bodyPr lIns="90000" tIns="45000" rIns="90000" bIns="45000"/>
+          <a:lstStyle/>
+          <a:p>
+            <a:pPr>
+              <a:lnSpc>
+                <a:spcPct val="100000"/>
+              </a:lnSpc>
+            </a:pPr>
+            <a:r>
+              <a:rPr lang="en-US" sz="3200" b="0" strike="noStrike" spc="-1">
+                <a:solidFill>
+                  <a:srgbClr val="C0504D"/>
+                </a:solidFill>
+                <a:uFill>
+                  <a:solidFill>
+                    <a:srgbClr val="FFFFFF"/>
+                  </a:solidFill>
+                </a:uFill>
+                <a:latin typeface="Calibri"/>
+                <a:ea typeface="DejaVu Sans"/>
+              </a:rPr>
+              <a:t>Outline</a:t>
+            </a:r>
+            <a:endParaRPr lang="en-US" sz="1800" b="0" strike="noStrike" spc="-1">
+              <a:solidFill>
+                <a:srgbClr val="000000"/>
+              </a:solidFill>
+              <a:uFill>
+                <a:solidFill>
+                  <a:srgbClr val="FFFFFF"/>
+                </a:solidFill>
+              </a:uFill>
+              <a:latin typeface="Arial"/>
+            </a:endParaRPr>
+          </a:p>
+        </p:txBody>
+      </p:sp>
+      <p:sp>
+        <p:nvSpPr>
+          <p:cNvPr id="43" name="CustomShape 2"/>
+          <p:cNvSpPr/>
+          <p:nvPr/>
+        </p:nvSpPr>
+        <p:spPr>
+          <a:xfrm>
+            <a:off x="1392120" y="2013480"/>
+            <a:ext cx="6405840" cy="2741040"/>
+          </a:xfrm>
+          <a:prstGeom prst="rect">
+            <a:avLst/>
+          </a:prstGeom>
+          <a:noFill/>
+          <a:ln>
+            <a:noFill/>
+          </a:ln>
+        </p:spPr>
+        <p:style>
+          <a:lnRef idx="0">
+            <a:scrgbClr r="0" g="0" b="0"/>
+          </a:lnRef>
+          <a:fillRef idx="0">
+            <a:scrgbClr r="0" g="0" b="0"/>
+          </a:fillRef>
+          <a:effectRef idx="0">
+            <a:scrgbClr r="0" g="0" b="0"/>
+          </a:effectRef>
+          <a:fontRef idx="minor"/>
+        </p:style>
+        <p:txBody>
+          <a:bodyPr lIns="90000" tIns="45000" rIns="90000" bIns="45000"/>
+          <a:lstStyle/>
+          <a:p>
+            <a:pPr marL="285840" indent="-285120">
+              <a:lnSpc>
+                <a:spcPct val="125000"/>
+              </a:lnSpc>
+              <a:buClr>
+                <a:srgbClr val="000000"/>
+              </a:buClr>
+              <a:buFont typeface="Wingdings" charset="2"/>
+              <a:buChar char=""/>
+            </a:pPr>
+            <a:r>
+              <a:rPr lang="en-US" sz="2400" b="0" strike="noStrike" spc="-1" dirty="0">
+                <a:solidFill>
+                  <a:srgbClr val="000000"/>
+                </a:solidFill>
+                <a:uFill>
+                  <a:solidFill>
+                    <a:srgbClr val="FFFFFF"/>
+                  </a:solidFill>
+                </a:uFill>
+                <a:latin typeface="Times New Roman"/>
+                <a:ea typeface="DejaVu Sans"/>
+              </a:rPr>
+              <a:t>Definition </a:t>
+            </a:r>
+            <a:endParaRPr lang="en-US" sz="2400" b="0" strike="noStrike" spc="-1" dirty="0" smtClean="0">
+              <a:solidFill>
+                <a:srgbClr val="000000"/>
+              </a:solidFill>
+              <a:uFill>
+                <a:solidFill>
+                  <a:srgbClr val="FFFFFF"/>
+                </a:solidFill>
+              </a:uFill>
+              <a:latin typeface="Times New Roman"/>
+              <a:ea typeface="DejaVu Sans"/>
+            </a:endParaRPr>
+          </a:p>
+          <a:p>
+            <a:pPr marL="285840" indent="-285120">
+              <a:lnSpc>
+                <a:spcPct val="125000"/>
+              </a:lnSpc>
+              <a:buClr>
+                <a:srgbClr val="000000"/>
+              </a:buClr>
+              <a:buFont typeface="Wingdings" charset="2"/>
+              <a:buChar char=""/>
+            </a:pPr>
+            <a:r>
+              <a:rPr lang="en-US" sz="2400" spc="-1" dirty="0" smtClean="0">
+                <a:solidFill>
+                  <a:srgbClr val="000000"/>
+                </a:solidFill>
+                <a:uFill>
+                  <a:solidFill>
+                    <a:srgbClr val="FFFFFF"/>
+                  </a:solidFill>
+                </a:uFill>
+                <a:latin typeface="Times New Roman"/>
+                <a:ea typeface="DejaVu Sans"/>
+              </a:rPr>
+              <a:t>Dataset for Image Classification</a:t>
+            </a:r>
+            <a:endParaRPr lang="en-US" sz="2400" b="0" strike="noStrike" spc="-1" dirty="0" smtClean="0">
+              <a:solidFill>
+                <a:srgbClr val="000000"/>
+              </a:solidFill>
+              <a:uFill>
+                <a:solidFill>
+                  <a:srgbClr val="FFFFFF"/>
+                </a:solidFill>
+              </a:uFill>
+              <a:latin typeface="Times New Roman"/>
+              <a:ea typeface="DejaVu Sans"/>
+            </a:endParaRPr>
+          </a:p>
+          <a:p>
+            <a:pPr marL="285840" indent="-285120">
+              <a:lnSpc>
+                <a:spcPct val="125000"/>
+              </a:lnSpc>
+              <a:buClr>
+                <a:srgbClr val="000000"/>
+              </a:buClr>
+              <a:buFont typeface="Wingdings" charset="2"/>
+              <a:buChar char=""/>
+            </a:pPr>
+            <a:r>
+              <a:rPr lang="en-US" sz="2400" b="0" strike="noStrike" spc="-1" dirty="0" smtClean="0">
+                <a:solidFill>
+                  <a:srgbClr val="000000"/>
+                </a:solidFill>
+                <a:uFill>
+                  <a:solidFill>
+                    <a:srgbClr val="FFFFFF"/>
+                  </a:solidFill>
+                </a:uFill>
+                <a:latin typeface="Times New Roman"/>
+                <a:ea typeface="DejaVu Sans"/>
+              </a:rPr>
+              <a:t>CNN Architectures</a:t>
+            </a:r>
+            <a:endParaRPr lang="en-US" sz="1800" b="0" strike="noStrike" spc="-1" dirty="0">
+              <a:solidFill>
+                <a:srgbClr val="000000"/>
+              </a:solidFill>
+              <a:uFill>
+                <a:solidFill>
+                  <a:srgbClr val="FFFFFF"/>
+                </a:solidFill>
+              </a:uFill>
+              <a:latin typeface="Arial"/>
+            </a:endParaRPr>
+          </a:p>
+          <a:p>
+            <a:pPr marL="285840" indent="-285120">
+              <a:lnSpc>
+                <a:spcPct val="125000"/>
+              </a:lnSpc>
+              <a:buClr>
+                <a:srgbClr val="000000"/>
+              </a:buClr>
+              <a:buFont typeface="Wingdings" charset="2"/>
+              <a:buChar char=""/>
+            </a:pPr>
+            <a:r>
+              <a:rPr lang="en-US" sz="2400" spc="-1" dirty="0">
+                <a:solidFill>
+                  <a:srgbClr val="000000"/>
+                </a:solidFill>
+                <a:uFill>
+                  <a:solidFill>
+                    <a:srgbClr val="FFFFFF"/>
+                  </a:solidFill>
+                </a:uFill>
+                <a:latin typeface="Times New Roman"/>
+              </a:rPr>
+              <a:t>CNN Based medical image classification </a:t>
+            </a:r>
+          </a:p>
+        </p:txBody>
+      </p:sp>
+      <p:sp>
+        <p:nvSpPr>
+          <p:cNvPr id="44" name="CustomShape 3"/>
+          <p:cNvSpPr/>
+          <p:nvPr/>
+        </p:nvSpPr>
+        <p:spPr>
+          <a:xfrm>
+            <a:off x="695880" y="1023480"/>
+            <a:ext cx="558720" cy="516600"/>
+          </a:xfrm>
+          <a:prstGeom prst="rect">
+            <a:avLst/>
+          </a:prstGeom>
+          <a:noFill/>
+          <a:ln>
+            <a:noFill/>
+          </a:ln>
+        </p:spPr>
+        <p:style>
+          <a:lnRef idx="0">
+            <a:scrgbClr r="0" g="0" b="0"/>
+          </a:lnRef>
+          <a:fillRef idx="0">
+            <a:scrgbClr r="0" g="0" b="0"/>
+          </a:fillRef>
+          <a:effectRef idx="0">
+            <a:scrgbClr r="0" g="0" b="0"/>
+          </a:effectRef>
+          <a:fontRef idx="minor"/>
+        </p:style>
+        <p:txBody>
+          <a:bodyPr lIns="90000" tIns="45000" rIns="90000" bIns="45000"/>
+          <a:lstStyle/>
+          <a:p>
+            <a:pPr>
+              <a:lnSpc>
+                <a:spcPct val="100000"/>
+              </a:lnSpc>
+            </a:pPr>
+            <a:r>
+              <a:rPr lang="en-US" sz="2800" b="1" strike="noStrike" spc="-1">
+                <a:solidFill>
+                  <a:srgbClr val="FFFFFF"/>
+                </a:solidFill>
+                <a:uFill>
+                  <a:solidFill>
+                    <a:srgbClr val="FFFFFF"/>
+                  </a:solidFill>
+                </a:uFill>
+                <a:latin typeface="Calibri"/>
+                <a:ea typeface="DejaVu Sans"/>
+              </a:rPr>
+              <a:t>00</a:t>
+            </a:r>
+            <a:endParaRPr lang="en-US" sz="1800" b="0" strike="noStrike" spc="-1">
+              <a:solidFill>
+                <a:srgbClr val="000000"/>
+              </a:solidFill>
+              <a:uFill>
+                <a:solidFill>
+                  <a:srgbClr val="FFFFFF"/>
+                </a:solidFill>
+              </a:uFill>
+              <a:latin typeface="Arial"/>
+            </a:endParaRPr>
+          </a:p>
+        </p:txBody>
+      </p:sp>
+    </p:spTree>
+  </p:cSld>
+  <p:clrMapOvr>
+    <a:masterClrMapping/>
+  </p:clrMapOvr>
+  <p:timing>
+    <p:tnLst>
+      <p:par>
+        <p:cTn id="1" dur="indefinite" restart="never" nodeType="tmRoot">
+          <p:childTnLst>
+            <p:seq>
+              <p:cTn id="2" nodeType="mainSeq"/>
+              <p:prevCondLst>
+                <p:cond evt="onPrev" delay="0">
+                  <p:tgtEl>
+                    <p:sldTgt/>
+                  </p:tgtEl>
+                </p:cond>
+              </p:prevCondLst>
+              <p:nextCondLst>
+                <p:cond evt="onNext" delay="0">
+                  <p:tgtEl>
+                    <p:sldTgt/>
+                  </p:tgtEl>
+                </p:cond>
+              </p:nextCondLst>
+            </p:seq>
+          </p:childTnLst>
+        </p:cTn>
+      </p:par>
+    </p:tnLst>
+  </p:timing>
+</p:sld>
+</file>
+
+<file path=ppt/slides/slide20.xml><?xml version="1.0" encoding="utf-8"?>
+<p:sld xmlns:a="http://schemas.openxmlformats.org/drawingml/2006/main" xmlns:r="http://schemas.openxmlformats.org/officeDocument/2006/relationships" xmlns:p="http://schemas.openxmlformats.org/presentationml/2006/main">
+  <p:cSld>
+    <p:spTree>
+      <p:nvGrpSpPr>
+        <p:cNvPr id="1" name=""/>
+        <p:cNvGrpSpPr/>
+        <p:nvPr/>
+      </p:nvGrpSpPr>
+      <p:grpSpPr>
+        <a:xfrm>
+          <a:off x="0" y="0"/>
+          <a:ext cx="0" cy="0"/>
+          <a:chOff x="0" y="0"/>
+          <a:chExt cx="0" cy="0"/>
+        </a:xfrm>
+      </p:grpSpPr>
+      <p:sp>
+        <p:nvSpPr>
           <p:cNvPr id="78" name="CustomShape 1"/>
           <p:cNvSpPr/>
           <p:nvPr/>
@@ -9198,8 +9882,8 @@
           </a:p>
         </p:txBody>
       </p:sp>
-      <mc:AlternateContent xmlns:mc="http://schemas.openxmlformats.org/markup-compatibility/2006">
-        <mc:Choice xmlns:a14="http://schemas.microsoft.com/office/drawing/2010/main" Requires="a14">
+      <mc:AlternateContent xmlns:mc="http://schemas.openxmlformats.org/markup-compatibility/2006" xmlns:a14="http://schemas.microsoft.com/office/drawing/2010/main">
+        <mc:Choice Requires="a14">
           <p:sp>
             <p:nvSpPr>
               <p:cNvPr id="7" name="CustomShape 3"/>
@@ -9257,35 +9941,7 @@
                     </a:uFill>
                     <a:latin typeface="Times New Roman"/>
                   </a:rPr>
-                  <a:t>Batch </a:t>
-                </a:r>
-                <a:r>
-                  <a:rPr lang="en-US" sz="2400" spc="-1" dirty="0" smtClean="0">
-                    <a:solidFill>
-                      <a:srgbClr val="000000"/>
-                    </a:solidFill>
-                    <a:uFill>
-                      <a:solidFill>
-                        <a:srgbClr val="FFFFFF"/>
-                      </a:solidFill>
-                    </a:uFill>
-                    <a:latin typeface="Times New Roman"/>
-                  </a:rPr>
-                  <a:t>N</a:t>
-                </a:r>
-                <a:r>
-                  <a:rPr lang="en-US" sz="2400" spc="-1" dirty="0" smtClean="0">
-                    <a:solidFill>
-                      <a:srgbClr val="000000"/>
-                    </a:solidFill>
-                    <a:uFill>
-                      <a:solidFill>
-                        <a:srgbClr val="FFFFFF"/>
-                      </a:solidFill>
-                    </a:uFill>
-                    <a:latin typeface="Times New Roman"/>
-                  </a:rPr>
-                  <a:t>ormalization </a:t>
+                  <a:t>Batch Normalization </a:t>
                 </a:r>
               </a:p>
               <a:p>
@@ -9494,7 +10150,7 @@
             </p:txBody>
           </p:sp>
         </mc:Choice>
-        <mc:Fallback>
+        <mc:Fallback xmlns="">
           <p:sp>
             <p:nvSpPr>
               <p:cNvPr id="7" name="CustomShape 3"/>
@@ -9600,20 +10256,7 @@
                   </a:solidFill>
                 </a:uFill>
               </a:rPr>
-              <a:t>Image From </a:t>
-            </a:r>
-            <a:r>
-              <a:rPr lang="en-US" sz="1200" spc="-1" dirty="0" smtClean="0">
-                <a:solidFill>
-                  <a:srgbClr val="000000"/>
-                </a:solidFill>
-                <a:uFill>
-                  <a:solidFill>
-                    <a:srgbClr val="FFFFFF"/>
-                  </a:solidFill>
-                </a:uFill>
-              </a:rPr>
-              <a:t>blog</a:t>
+              <a:t>Image From blog</a:t>
             </a:r>
             <a:endParaRPr lang="en-US" sz="1200" b="0" strike="noStrike" spc="-1" dirty="0">
               <a:solidFill>
@@ -9633,698 +10276,6 @@
     <p:extLst>
       <p:ext uri="{BB962C8B-B14F-4D97-AF65-F5344CB8AC3E}">
         <p14:creationId xmlns:p14="http://schemas.microsoft.com/office/powerpoint/2010/main" val="2743133107"/>
-      </p:ext>
-    </p:extLst>
-  </p:cSld>
-  <p:clrMapOvr>
-    <a:masterClrMapping/>
-  </p:clrMapOvr>
-  <p:timing>
-    <p:tnLst>
-      <p:par>
-        <p:cTn id="1" dur="indefinite" restart="never" nodeType="tmRoot">
-          <p:childTnLst>
-            <p:seq>
-              <p:cTn id="2" nodeType="mainSeq"/>
-              <p:prevCondLst>
-                <p:cond evt="onPrev" delay="0">
-                  <p:tgtEl>
-                    <p:sldTgt/>
-                  </p:tgtEl>
-                </p:cond>
-              </p:prevCondLst>
-              <p:nextCondLst>
-                <p:cond evt="onNext" delay="0">
-                  <p:tgtEl>
-                    <p:sldTgt/>
-                  </p:tgtEl>
-                </p:cond>
-              </p:nextCondLst>
-            </p:seq>
-          </p:childTnLst>
-        </p:cTn>
-      </p:par>
-    </p:tnLst>
-  </p:timing>
-</p:sld>
-</file>
-
-<file path=ppt/slides/slide2.xml><?xml version="1.0" encoding="utf-8"?>
-<p:sld xmlns:a="http://schemas.openxmlformats.org/drawingml/2006/main" xmlns:r="http://schemas.openxmlformats.org/officeDocument/2006/relationships" xmlns:p="http://schemas.openxmlformats.org/presentationml/2006/main">
-  <p:cSld>
-    <p:spTree>
-      <p:nvGrpSpPr>
-        <p:cNvPr id="1" name=""/>
-        <p:cNvGrpSpPr/>
-        <p:nvPr/>
-      </p:nvGrpSpPr>
-      <p:grpSpPr>
-        <a:xfrm>
-          <a:off x="0" y="0"/>
-          <a:ext cx="0" cy="0"/>
-          <a:chOff x="0" y="0"/>
-          <a:chExt cx="0" cy="0"/>
-        </a:xfrm>
-      </p:grpSpPr>
-      <p:sp>
-        <p:nvSpPr>
-          <p:cNvPr id="42" name="CustomShape 1"/>
-          <p:cNvSpPr/>
-          <p:nvPr/>
-        </p:nvSpPr>
-        <p:spPr>
-          <a:xfrm>
-            <a:off x="1392120" y="992880"/>
-            <a:ext cx="6495480" cy="577440"/>
-          </a:xfrm>
-          <a:prstGeom prst="rect">
-            <a:avLst/>
-          </a:prstGeom>
-          <a:noFill/>
-          <a:ln>
-            <a:noFill/>
-          </a:ln>
-        </p:spPr>
-        <p:style>
-          <a:lnRef idx="0">
-            <a:scrgbClr r="0" g="0" b="0"/>
-          </a:lnRef>
-          <a:fillRef idx="0">
-            <a:scrgbClr r="0" g="0" b="0"/>
-          </a:fillRef>
-          <a:effectRef idx="0">
-            <a:scrgbClr r="0" g="0" b="0"/>
-          </a:effectRef>
-          <a:fontRef idx="minor"/>
-        </p:style>
-        <p:txBody>
-          <a:bodyPr lIns="90000" tIns="45000" rIns="90000" bIns="45000"/>
-          <a:lstStyle/>
-          <a:p>
-            <a:pPr>
-              <a:lnSpc>
-                <a:spcPct val="100000"/>
-              </a:lnSpc>
-            </a:pPr>
-            <a:r>
-              <a:rPr lang="en-US" sz="3200" b="0" strike="noStrike" spc="-1">
-                <a:solidFill>
-                  <a:srgbClr val="C0504D"/>
-                </a:solidFill>
-                <a:uFill>
-                  <a:solidFill>
-                    <a:srgbClr val="FFFFFF"/>
-                  </a:solidFill>
-                </a:uFill>
-                <a:latin typeface="Calibri"/>
-                <a:ea typeface="DejaVu Sans"/>
-              </a:rPr>
-              <a:t>Outline</a:t>
-            </a:r>
-            <a:endParaRPr lang="en-US" sz="1800" b="0" strike="noStrike" spc="-1">
-              <a:solidFill>
-                <a:srgbClr val="000000"/>
-              </a:solidFill>
-              <a:uFill>
-                <a:solidFill>
-                  <a:srgbClr val="FFFFFF"/>
-                </a:solidFill>
-              </a:uFill>
-              <a:latin typeface="Arial"/>
-            </a:endParaRPr>
-          </a:p>
-        </p:txBody>
-      </p:sp>
-      <p:sp>
-        <p:nvSpPr>
-          <p:cNvPr id="43" name="CustomShape 2"/>
-          <p:cNvSpPr/>
-          <p:nvPr/>
-        </p:nvSpPr>
-        <p:spPr>
-          <a:xfrm>
-            <a:off x="1392120" y="2013480"/>
-            <a:ext cx="6405840" cy="2741040"/>
-          </a:xfrm>
-          <a:prstGeom prst="rect">
-            <a:avLst/>
-          </a:prstGeom>
-          <a:noFill/>
-          <a:ln>
-            <a:noFill/>
-          </a:ln>
-        </p:spPr>
-        <p:style>
-          <a:lnRef idx="0">
-            <a:scrgbClr r="0" g="0" b="0"/>
-          </a:lnRef>
-          <a:fillRef idx="0">
-            <a:scrgbClr r="0" g="0" b="0"/>
-          </a:fillRef>
-          <a:effectRef idx="0">
-            <a:scrgbClr r="0" g="0" b="0"/>
-          </a:effectRef>
-          <a:fontRef idx="minor"/>
-        </p:style>
-        <p:txBody>
-          <a:bodyPr lIns="90000" tIns="45000" rIns="90000" bIns="45000"/>
-          <a:lstStyle/>
-          <a:p>
-            <a:pPr marL="285840" indent="-285120">
-              <a:lnSpc>
-                <a:spcPct val="125000"/>
-              </a:lnSpc>
-              <a:buClr>
-                <a:srgbClr val="000000"/>
-              </a:buClr>
-              <a:buFont typeface="Wingdings" charset="2"/>
-              <a:buChar char=""/>
-            </a:pPr>
-            <a:r>
-              <a:rPr lang="en-US" sz="2400" b="0" strike="noStrike" spc="-1" dirty="0">
-                <a:solidFill>
-                  <a:srgbClr val="000000"/>
-                </a:solidFill>
-                <a:uFill>
-                  <a:solidFill>
-                    <a:srgbClr val="FFFFFF"/>
-                  </a:solidFill>
-                </a:uFill>
-                <a:latin typeface="Times New Roman"/>
-                <a:ea typeface="DejaVu Sans"/>
-              </a:rPr>
-              <a:t>Definition </a:t>
-            </a:r>
-            <a:endParaRPr lang="en-US" sz="2400" b="0" strike="noStrike" spc="-1" dirty="0" smtClean="0">
-              <a:solidFill>
-                <a:srgbClr val="000000"/>
-              </a:solidFill>
-              <a:uFill>
-                <a:solidFill>
-                  <a:srgbClr val="FFFFFF"/>
-                </a:solidFill>
-              </a:uFill>
-              <a:latin typeface="Times New Roman"/>
-              <a:ea typeface="DejaVu Sans"/>
-            </a:endParaRPr>
-          </a:p>
-          <a:p>
-            <a:pPr marL="285840" indent="-285120">
-              <a:lnSpc>
-                <a:spcPct val="125000"/>
-              </a:lnSpc>
-              <a:buClr>
-                <a:srgbClr val="000000"/>
-              </a:buClr>
-              <a:buFont typeface="Wingdings" charset="2"/>
-              <a:buChar char=""/>
-            </a:pPr>
-            <a:r>
-              <a:rPr lang="en-US" sz="2400" spc="-1" dirty="0" smtClean="0">
-                <a:solidFill>
-                  <a:srgbClr val="000000"/>
-                </a:solidFill>
-                <a:uFill>
-                  <a:solidFill>
-                    <a:srgbClr val="FFFFFF"/>
-                  </a:solidFill>
-                </a:uFill>
-                <a:latin typeface="Times New Roman"/>
-                <a:ea typeface="DejaVu Sans"/>
-              </a:rPr>
-              <a:t>Dataset for Image Classification</a:t>
-            </a:r>
-            <a:endParaRPr lang="en-US" sz="2400" b="0" strike="noStrike" spc="-1" dirty="0" smtClean="0">
-              <a:solidFill>
-                <a:srgbClr val="000000"/>
-              </a:solidFill>
-              <a:uFill>
-                <a:solidFill>
-                  <a:srgbClr val="FFFFFF"/>
-                </a:solidFill>
-              </a:uFill>
-              <a:latin typeface="Times New Roman"/>
-              <a:ea typeface="DejaVu Sans"/>
-            </a:endParaRPr>
-          </a:p>
-          <a:p>
-            <a:pPr marL="285840" indent="-285120">
-              <a:lnSpc>
-                <a:spcPct val="125000"/>
-              </a:lnSpc>
-              <a:buClr>
-                <a:srgbClr val="000000"/>
-              </a:buClr>
-              <a:buFont typeface="Wingdings" charset="2"/>
-              <a:buChar char=""/>
-            </a:pPr>
-            <a:r>
-              <a:rPr lang="en-US" sz="2400" b="0" strike="noStrike" spc="-1" dirty="0" smtClean="0">
-                <a:solidFill>
-                  <a:srgbClr val="000000"/>
-                </a:solidFill>
-                <a:uFill>
-                  <a:solidFill>
-                    <a:srgbClr val="FFFFFF"/>
-                  </a:solidFill>
-                </a:uFill>
-                <a:latin typeface="Times New Roman"/>
-                <a:ea typeface="DejaVu Sans"/>
-              </a:rPr>
-              <a:t>CNN Architectures</a:t>
-            </a:r>
-            <a:endParaRPr lang="en-US" sz="1800" b="0" strike="noStrike" spc="-1" dirty="0">
-              <a:solidFill>
-                <a:srgbClr val="000000"/>
-              </a:solidFill>
-              <a:uFill>
-                <a:solidFill>
-                  <a:srgbClr val="FFFFFF"/>
-                </a:solidFill>
-              </a:uFill>
-              <a:latin typeface="Arial"/>
-            </a:endParaRPr>
-          </a:p>
-          <a:p>
-            <a:pPr marL="285840" indent="-285120">
-              <a:lnSpc>
-                <a:spcPct val="125000"/>
-              </a:lnSpc>
-              <a:buClr>
-                <a:srgbClr val="000000"/>
-              </a:buClr>
-              <a:buFont typeface="Wingdings" charset="2"/>
-              <a:buChar char=""/>
-            </a:pPr>
-            <a:r>
-              <a:rPr lang="en-US" sz="2400" spc="-1" dirty="0">
-                <a:solidFill>
-                  <a:srgbClr val="000000"/>
-                </a:solidFill>
-                <a:uFill>
-                  <a:solidFill>
-                    <a:srgbClr val="FFFFFF"/>
-                  </a:solidFill>
-                </a:uFill>
-                <a:latin typeface="Times New Roman"/>
-              </a:rPr>
-              <a:t>CNN Based medical image classification </a:t>
-            </a:r>
-          </a:p>
-        </p:txBody>
-      </p:sp>
-      <p:sp>
-        <p:nvSpPr>
-          <p:cNvPr id="44" name="CustomShape 3"/>
-          <p:cNvSpPr/>
-          <p:nvPr/>
-        </p:nvSpPr>
-        <p:spPr>
-          <a:xfrm>
-            <a:off x="695880" y="1023480"/>
-            <a:ext cx="558720" cy="516600"/>
-          </a:xfrm>
-          <a:prstGeom prst="rect">
-            <a:avLst/>
-          </a:prstGeom>
-          <a:noFill/>
-          <a:ln>
-            <a:noFill/>
-          </a:ln>
-        </p:spPr>
-        <p:style>
-          <a:lnRef idx="0">
-            <a:scrgbClr r="0" g="0" b="0"/>
-          </a:lnRef>
-          <a:fillRef idx="0">
-            <a:scrgbClr r="0" g="0" b="0"/>
-          </a:fillRef>
-          <a:effectRef idx="0">
-            <a:scrgbClr r="0" g="0" b="0"/>
-          </a:effectRef>
-          <a:fontRef idx="minor"/>
-        </p:style>
-        <p:txBody>
-          <a:bodyPr lIns="90000" tIns="45000" rIns="90000" bIns="45000"/>
-          <a:lstStyle/>
-          <a:p>
-            <a:pPr>
-              <a:lnSpc>
-                <a:spcPct val="100000"/>
-              </a:lnSpc>
-            </a:pPr>
-            <a:r>
-              <a:rPr lang="en-US" sz="2800" b="1" strike="noStrike" spc="-1">
-                <a:solidFill>
-                  <a:srgbClr val="FFFFFF"/>
-                </a:solidFill>
-                <a:uFill>
-                  <a:solidFill>
-                    <a:srgbClr val="FFFFFF"/>
-                  </a:solidFill>
-                </a:uFill>
-                <a:latin typeface="Calibri"/>
-                <a:ea typeface="DejaVu Sans"/>
-              </a:rPr>
-              <a:t>00</a:t>
-            </a:r>
-            <a:endParaRPr lang="en-US" sz="1800" b="0" strike="noStrike" spc="-1">
-              <a:solidFill>
-                <a:srgbClr val="000000"/>
-              </a:solidFill>
-              <a:uFill>
-                <a:solidFill>
-                  <a:srgbClr val="FFFFFF"/>
-                </a:solidFill>
-              </a:uFill>
-              <a:latin typeface="Arial"/>
-            </a:endParaRPr>
-          </a:p>
-        </p:txBody>
-      </p:sp>
-    </p:spTree>
-  </p:cSld>
-  <p:clrMapOvr>
-    <a:masterClrMapping/>
-  </p:clrMapOvr>
-  <p:timing>
-    <p:tnLst>
-      <p:par>
-        <p:cTn id="1" dur="indefinite" restart="never" nodeType="tmRoot">
-          <p:childTnLst>
-            <p:seq>
-              <p:cTn id="2" nodeType="mainSeq"/>
-              <p:prevCondLst>
-                <p:cond evt="onPrev" delay="0">
-                  <p:tgtEl>
-                    <p:sldTgt/>
-                  </p:tgtEl>
-                </p:cond>
-              </p:prevCondLst>
-              <p:nextCondLst>
-                <p:cond evt="onNext" delay="0">
-                  <p:tgtEl>
-                    <p:sldTgt/>
-                  </p:tgtEl>
-                </p:cond>
-              </p:nextCondLst>
-            </p:seq>
-          </p:childTnLst>
-        </p:cTn>
-      </p:par>
-    </p:tnLst>
-  </p:timing>
-</p:sld>
-</file>
-
-<file path=ppt/slides/slide20.xml><?xml version="1.0" encoding="utf-8"?>
-<p:sld xmlns:a="http://schemas.openxmlformats.org/drawingml/2006/main" xmlns:r="http://schemas.openxmlformats.org/officeDocument/2006/relationships" xmlns:p="http://schemas.openxmlformats.org/presentationml/2006/main">
-  <p:cSld>
-    <p:spTree>
-      <p:nvGrpSpPr>
-        <p:cNvPr id="1" name=""/>
-        <p:cNvGrpSpPr/>
-        <p:nvPr/>
-      </p:nvGrpSpPr>
-      <p:grpSpPr>
-        <a:xfrm>
-          <a:off x="0" y="0"/>
-          <a:ext cx="0" cy="0"/>
-          <a:chOff x="0" y="0"/>
-          <a:chExt cx="0" cy="0"/>
-        </a:xfrm>
-      </p:grpSpPr>
-      <p:sp>
-        <p:nvSpPr>
-          <p:cNvPr id="78" name="CustomShape 1"/>
-          <p:cNvSpPr/>
-          <p:nvPr/>
-        </p:nvSpPr>
-        <p:spPr>
-          <a:xfrm>
-            <a:off x="1392120" y="1005844"/>
-            <a:ext cx="7111800" cy="1065240"/>
-          </a:xfrm>
-          <a:prstGeom prst="rect">
-            <a:avLst/>
-          </a:prstGeom>
-          <a:noFill/>
-          <a:ln>
-            <a:noFill/>
-          </a:ln>
-        </p:spPr>
-        <p:style>
-          <a:lnRef idx="0">
-            <a:scrgbClr r="0" g="0" b="0"/>
-          </a:lnRef>
-          <a:fillRef idx="0">
-            <a:scrgbClr r="0" g="0" b="0"/>
-          </a:fillRef>
-          <a:effectRef idx="0">
-            <a:scrgbClr r="0" g="0" b="0"/>
-          </a:effectRef>
-          <a:fontRef idx="minor"/>
-        </p:style>
-        <p:txBody>
-          <a:bodyPr lIns="90000" tIns="45000" rIns="90000" bIns="45000"/>
-          <a:lstStyle/>
-          <a:p>
-            <a:pPr>
-              <a:lnSpc>
-                <a:spcPct val="100000"/>
-              </a:lnSpc>
-            </a:pPr>
-            <a:r>
-              <a:rPr lang="en-US" altLang="zh-CN" sz="3200" spc="-1" dirty="0" smtClean="0">
-                <a:solidFill>
-                  <a:srgbClr val="C0504D"/>
-                </a:solidFill>
-                <a:uFill>
-                  <a:solidFill>
-                    <a:srgbClr val="FFFFFF"/>
-                  </a:solidFill>
-                </a:uFill>
-                <a:latin typeface="Calibri"/>
-              </a:rPr>
-              <a:t>Inception V3</a:t>
-            </a:r>
-            <a:endParaRPr lang="en-US" altLang="zh-CN" sz="3200" spc="-1" dirty="0">
-              <a:solidFill>
-                <a:srgbClr val="C0504D"/>
-              </a:solidFill>
-              <a:uFill>
-                <a:solidFill>
-                  <a:srgbClr val="FFFFFF"/>
-                </a:solidFill>
-              </a:uFill>
-              <a:latin typeface="Calibri"/>
-              <a:ea typeface="Noto Sans CJK SC Regular"/>
-            </a:endParaRPr>
-          </a:p>
-        </p:txBody>
-      </p:sp>
-      <p:sp>
-        <p:nvSpPr>
-          <p:cNvPr id="7" name="CustomShape 3"/>
-          <p:cNvSpPr/>
-          <p:nvPr/>
-        </p:nvSpPr>
-        <p:spPr>
-          <a:xfrm>
-            <a:off x="376923" y="3160872"/>
-            <a:ext cx="4413157" cy="1900216"/>
-          </a:xfrm>
-          <a:prstGeom prst="rect">
-            <a:avLst/>
-          </a:prstGeom>
-          <a:noFill/>
-          <a:ln>
-            <a:noFill/>
-          </a:ln>
-        </p:spPr>
-        <p:style>
-          <a:lnRef idx="0">
-            <a:scrgbClr r="0" g="0" b="0"/>
-          </a:lnRef>
-          <a:fillRef idx="0">
-            <a:scrgbClr r="0" g="0" b="0"/>
-          </a:fillRef>
-          <a:effectRef idx="0">
-            <a:scrgbClr r="0" g="0" b="0"/>
-          </a:effectRef>
-          <a:fontRef idx="minor"/>
-        </p:style>
-        <p:txBody>
-          <a:bodyPr lIns="90000" tIns="45000" rIns="90000" bIns="45000"/>
-          <a:lstStyle/>
-          <a:p>
-            <a:pPr marL="285840" indent="-285480">
-              <a:lnSpc>
-                <a:spcPct val="125000"/>
-              </a:lnSpc>
-              <a:buClr>
-                <a:srgbClr val="000000"/>
-              </a:buClr>
-              <a:buFont typeface="Wingdings" charset="2"/>
-              <a:buChar char=""/>
-            </a:pPr>
-            <a:r>
-              <a:rPr lang="en-US" sz="2400" spc="-1" dirty="0" smtClean="0">
-                <a:solidFill>
-                  <a:srgbClr val="000000"/>
-                </a:solidFill>
-                <a:uFill>
-                  <a:solidFill>
-                    <a:srgbClr val="FFFFFF"/>
-                  </a:solidFill>
-                </a:uFill>
-                <a:latin typeface="Times New Roman"/>
-              </a:rPr>
-              <a:t>Decompose filter </a:t>
-            </a:r>
-            <a:r>
-              <a:rPr lang="en-US" sz="2400" spc="-1" dirty="0">
-                <a:solidFill>
-                  <a:srgbClr val="000000"/>
-                </a:solidFill>
-                <a:uFill>
-                  <a:solidFill>
-                    <a:srgbClr val="FFFFFF"/>
-                  </a:solidFill>
-                </a:uFill>
-                <a:latin typeface="Times New Roman"/>
-              </a:rPr>
-              <a:t>into two one-dimensional </a:t>
-            </a:r>
-            <a:endParaRPr lang="en-US" sz="2400" spc="-1" dirty="0" smtClean="0">
-              <a:solidFill>
-                <a:srgbClr val="000000"/>
-              </a:solidFill>
-              <a:uFill>
-                <a:solidFill>
-                  <a:srgbClr val="FFFFFF"/>
-                </a:solidFill>
-              </a:uFill>
-              <a:latin typeface="Times New Roman"/>
-            </a:endParaRPr>
-          </a:p>
-          <a:p>
-            <a:pPr>
-              <a:lnSpc>
-                <a:spcPct val="125000"/>
-              </a:lnSpc>
-            </a:pPr>
-            <a:endParaRPr lang="en-US" sz="1800" b="0" strike="noStrike" spc="-1" dirty="0">
-              <a:solidFill>
-                <a:srgbClr val="000000"/>
-              </a:solidFill>
-              <a:uFill>
-                <a:solidFill>
-                  <a:srgbClr val="FFFFFF"/>
-                </a:solidFill>
-              </a:uFill>
-              <a:latin typeface="Arial"/>
-            </a:endParaRPr>
-          </a:p>
-        </p:txBody>
-      </p:sp>
-      <p:pic>
-        <p:nvPicPr>
-          <p:cNvPr id="2" name="图片 1"/>
-          <p:cNvPicPr>
-            <a:picLocks noChangeAspect="1"/>
-          </p:cNvPicPr>
-          <p:nvPr/>
-        </p:nvPicPr>
-        <p:blipFill>
-          <a:blip r:embed="rId3">
-            <a:extLst>
-              <a:ext uri="{28A0092B-C50C-407E-A947-70E740481C1C}">
-                <a14:useLocalDpi xmlns:a14="http://schemas.microsoft.com/office/drawing/2010/main" val="0"/>
-              </a:ext>
-            </a:extLst>
-          </a:blip>
-          <a:stretch>
-            <a:fillRect/>
-          </a:stretch>
-        </p:blipFill>
-        <p:spPr>
-          <a:xfrm>
-            <a:off x="5094880" y="1749480"/>
-            <a:ext cx="3209717" cy="4225313"/>
-          </a:xfrm>
-          <a:prstGeom prst="rect">
-            <a:avLst/>
-          </a:prstGeom>
-        </p:spPr>
-      </p:pic>
-      <p:sp>
-        <p:nvSpPr>
-          <p:cNvPr id="6" name="TextShape 3"/>
-          <p:cNvSpPr txBox="1"/>
-          <p:nvPr/>
-        </p:nvSpPr>
-        <p:spPr>
-          <a:xfrm>
-            <a:off x="7204363" y="6399726"/>
-            <a:ext cx="1667844" cy="318703"/>
-          </a:xfrm>
-          <a:prstGeom prst="rect">
-            <a:avLst/>
-          </a:prstGeom>
-          <a:noFill/>
-          <a:ln>
-            <a:noFill/>
-          </a:ln>
-        </p:spPr>
-        <p:txBody>
-          <a:bodyPr lIns="90000" tIns="45000" rIns="90000" bIns="45000"/>
-          <a:lstStyle/>
-          <a:p>
-            <a:r>
-              <a:rPr lang="en-US" sz="1400" spc="-1" dirty="0" smtClean="0">
-                <a:solidFill>
-                  <a:srgbClr val="000000"/>
-                </a:solidFill>
-                <a:uFill>
-                  <a:solidFill>
-                    <a:srgbClr val="FFFFFF"/>
-                  </a:solidFill>
-                </a:uFill>
-              </a:rPr>
-              <a:t>Image From </a:t>
-            </a:r>
-            <a:r>
-              <a:rPr lang="en-US" sz="1400" spc="-1" dirty="0" smtClean="0">
-                <a:solidFill>
-                  <a:srgbClr val="000000"/>
-                </a:solidFill>
-                <a:uFill>
-                  <a:solidFill>
-                    <a:srgbClr val="FFFFFF"/>
-                  </a:solidFill>
-                </a:uFill>
-              </a:rPr>
-              <a:t>blog</a:t>
-            </a:r>
-            <a:endParaRPr lang="en-US" sz="1400" b="0" strike="noStrike" spc="-1" dirty="0">
-              <a:solidFill>
-                <a:srgbClr val="000000"/>
-              </a:solidFill>
-              <a:uFill>
-                <a:solidFill>
-                  <a:srgbClr val="FFFFFF"/>
-                </a:solidFill>
-              </a:uFill>
-              <a:latin typeface="Arial"/>
-            </a:endParaRPr>
-          </a:p>
-        </p:txBody>
-      </p:sp>
-    </p:spTree>
-    <p:extLst>
-      <p:ext uri="{BB962C8B-B14F-4D97-AF65-F5344CB8AC3E}">
-        <p14:creationId xmlns:p14="http://schemas.microsoft.com/office/powerpoint/2010/main" val="1113932516"/>
       </p:ext>
     </p:extLst>
   </p:cSld>
@@ -10430,7 +10381,7 @@
                 </a:uFill>
                 <a:latin typeface="Calibri"/>
               </a:rPr>
-              <a:t>Res-Inception</a:t>
+              <a:t>Inception V3</a:t>
             </a:r>
             <a:endParaRPr lang="en-US" altLang="zh-CN" sz="3200" spc="-1" dirty="0">
               <a:solidFill>
@@ -10504,8 +10455,33 @@
                 </a:uFill>
                 <a:latin typeface="Times New Roman"/>
               </a:rPr>
-              <a:t>Combine Inception with residual learning</a:t>
-            </a:r>
+              <a:t>Decompose filter </a:t>
+            </a:r>
+            <a:r>
+              <a:rPr lang="en-US" sz="2400" spc="-1" dirty="0">
+                <a:solidFill>
+                  <a:srgbClr val="000000"/>
+                </a:solidFill>
+                <a:uFill>
+                  <a:solidFill>
+                    <a:srgbClr val="FFFFFF"/>
+                  </a:solidFill>
+                </a:uFill>
+                <a:latin typeface="Times New Roman"/>
+              </a:rPr>
+              <a:t>into two one-dimensional </a:t>
+            </a:r>
+            <a:endParaRPr lang="en-US" sz="2400" spc="-1" dirty="0" smtClean="0">
+              <a:solidFill>
+                <a:srgbClr val="000000"/>
+              </a:solidFill>
+              <a:uFill>
+                <a:solidFill>
+                  <a:srgbClr val="FFFFFF"/>
+                </a:solidFill>
+              </a:uFill>
+              <a:latin typeface="Times New Roman"/>
+            </a:endParaRPr>
           </a:p>
           <a:p>
             <a:pPr>
@@ -10527,72 +10503,9 @@
           </a:p>
         </p:txBody>
       </p:sp>
-      <p:sp>
-        <p:nvSpPr>
-          <p:cNvPr id="6" name="TextShape 3"/>
-          <p:cNvSpPr txBox="1"/>
-          <p:nvPr/>
-        </p:nvSpPr>
-        <p:spPr>
-          <a:xfrm>
-            <a:off x="7204363" y="6399726"/>
-            <a:ext cx="1667844" cy="318703"/>
-          </a:xfrm>
-          <a:prstGeom prst="rect">
-            <a:avLst/>
-          </a:prstGeom>
-          <a:noFill/>
-          <a:ln>
-            <a:noFill/>
-          </a:ln>
-        </p:spPr>
-        <p:txBody>
-          <a:bodyPr lIns="90000" tIns="45000" rIns="90000" bIns="45000"/>
-          <a:lstStyle/>
-          <a:p>
-            <a:r>
-              <a:rPr lang="en-US" sz="1400" spc="-1" dirty="0" smtClean="0">
-                <a:solidFill>
-                  <a:srgbClr val="000000"/>
-                </a:solidFill>
-                <a:uFill>
-                  <a:solidFill>
-                    <a:srgbClr val="FFFFFF"/>
-                  </a:solidFill>
-                </a:uFill>
-              </a:rPr>
-              <a:t>Image From </a:t>
-            </a:r>
-            <a:r>
-              <a:rPr lang="en-US" sz="1400" spc="-1" dirty="0" smtClean="0">
-                <a:solidFill>
-                  <a:srgbClr val="000000"/>
-                </a:solidFill>
-                <a:uFill>
-                  <a:solidFill>
-                    <a:srgbClr val="FFFFFF"/>
-                  </a:solidFill>
-                </a:uFill>
-              </a:rPr>
-              <a:t>blog</a:t>
-            </a:r>
-            <a:endParaRPr lang="en-US" sz="1400" b="0" strike="noStrike" spc="-1" dirty="0">
-              <a:solidFill>
-                <a:srgbClr val="000000"/>
-              </a:solidFill>
-              <a:uFill>
-                <a:solidFill>
-                  <a:srgbClr val="FFFFFF"/>
-                </a:solidFill>
-              </a:uFill>
-              <a:latin typeface="Arial"/>
-            </a:endParaRPr>
-          </a:p>
-        </p:txBody>
-      </p:sp>
       <p:pic>
         <p:nvPicPr>
-          <p:cNvPr id="3" name="图片 2"/>
+          <p:cNvPr id="2" name="图片 1"/>
           <p:cNvPicPr>
             <a:picLocks noChangeAspect="1"/>
           </p:cNvPicPr>
@@ -10612,18 +10525,68 @@
         </p:blipFill>
         <p:spPr>
           <a:xfrm>
-            <a:off x="4109042" y="1722298"/>
-            <a:ext cx="4763165" cy="4677428"/>
+            <a:off x="5094880" y="1749480"/>
+            <a:ext cx="3209717" cy="4225313"/>
           </a:xfrm>
           <a:prstGeom prst="rect">
             <a:avLst/>
           </a:prstGeom>
         </p:spPr>
       </p:pic>
+      <p:sp>
+        <p:nvSpPr>
+          <p:cNvPr id="6" name="TextShape 3"/>
+          <p:cNvSpPr txBox="1"/>
+          <p:nvPr/>
+        </p:nvSpPr>
+        <p:spPr>
+          <a:xfrm>
+            <a:off x="7204363" y="6399726"/>
+            <a:ext cx="1667844" cy="318703"/>
+          </a:xfrm>
+          <a:prstGeom prst="rect">
+            <a:avLst/>
+          </a:prstGeom>
+          <a:noFill/>
+          <a:ln>
+            <a:noFill/>
+          </a:ln>
+        </p:spPr>
+        <p:txBody>
+          <a:bodyPr lIns="90000" tIns="45000" rIns="90000" bIns="45000"/>
+          <a:lstStyle/>
+          <a:p>
+            <a:r>
+              <a:rPr lang="en-US" sz="1400" spc="-1" dirty="0" smtClean="0">
+                <a:solidFill>
+                  <a:srgbClr val="000000"/>
+                </a:solidFill>
+                <a:uFill>
+                  <a:solidFill>
+                    <a:srgbClr val="FFFFFF"/>
+                  </a:solidFill>
+                </a:uFill>
+              </a:rPr>
+              <a:t>Image From blog</a:t>
+            </a:r>
+            <a:endParaRPr lang="en-US" sz="1400" b="0" strike="noStrike" spc="-1" dirty="0">
+              <a:solidFill>
+                <a:srgbClr val="000000"/>
+              </a:solidFill>
+              <a:uFill>
+                <a:solidFill>
+                  <a:srgbClr val="FFFFFF"/>
+                </a:solidFill>
+              </a:uFill>
+              <a:latin typeface="Arial"/>
+            </a:endParaRPr>
+          </a:p>
+        </p:txBody>
+      </p:sp>
     </p:spTree>
     <p:extLst>
       <p:ext uri="{BB962C8B-B14F-4D97-AF65-F5344CB8AC3E}">
-        <p14:creationId xmlns:p14="http://schemas.microsoft.com/office/powerpoint/2010/main" val="4154220724"/>
+        <p14:creationId xmlns:p14="http://schemas.microsoft.com/office/powerpoint/2010/main" val="1113932516"/>
       </p:ext>
     </p:extLst>
   </p:cSld>
@@ -10679,14 +10642,14 @@
       </p:grpSpPr>
       <p:sp>
         <p:nvSpPr>
-          <p:cNvPr id="69" name="CustomShape 1"/>
+          <p:cNvPr id="78" name="CustomShape 1"/>
           <p:cNvSpPr/>
           <p:nvPr/>
         </p:nvSpPr>
         <p:spPr>
           <a:xfrm>
-            <a:off x="1392120" y="992880"/>
-            <a:ext cx="6495480" cy="577440"/>
+            <a:off x="1392120" y="1005844"/>
+            <a:ext cx="7111800" cy="1065240"/>
           </a:xfrm>
           <a:prstGeom prst="rect">
             <a:avLst/>
@@ -10718,7 +10681,7 @@
               </a:lnSpc>
             </a:pPr>
             <a:r>
-              <a:rPr lang="en-US" sz="3200" b="0" strike="noStrike" spc="-1" dirty="0" err="1" smtClean="0">
+              <a:rPr lang="en-US" altLang="zh-CN" sz="3200" spc="-1" dirty="0" smtClean="0">
                 <a:solidFill>
                   <a:srgbClr val="C0504D"/>
                 </a:solidFill>
@@ -10728,11 +10691,141 @@
                   </a:solidFill>
                 </a:uFill>
                 <a:latin typeface="Calibri"/>
-                <a:ea typeface="DejaVu Sans"/>
               </a:rPr>
-              <a:t>VGGNet</a:t>
-            </a:r>
+              <a:t>Res-Inception</a:t>
+            </a:r>
+            <a:endParaRPr lang="en-US" altLang="zh-CN" sz="3200" spc="-1" dirty="0">
+              <a:solidFill>
+                <a:srgbClr val="C0504D"/>
+              </a:solidFill>
+              <a:uFill>
+                <a:solidFill>
+                  <a:srgbClr val="FFFFFF"/>
+                </a:solidFill>
+              </a:uFill>
+              <a:latin typeface="Calibri"/>
+              <a:ea typeface="Noto Sans CJK SC Regular"/>
+            </a:endParaRPr>
+          </a:p>
+        </p:txBody>
+      </p:sp>
+      <p:sp>
+        <p:nvSpPr>
+          <p:cNvPr id="7" name="CustomShape 3"/>
+          <p:cNvSpPr/>
+          <p:nvPr/>
+        </p:nvSpPr>
+        <p:spPr>
+          <a:xfrm>
+            <a:off x="376923" y="3160872"/>
+            <a:ext cx="4413157" cy="1900216"/>
+          </a:xfrm>
+          <a:prstGeom prst="rect">
+            <a:avLst/>
+          </a:prstGeom>
+          <a:noFill/>
+          <a:ln>
+            <a:noFill/>
+          </a:ln>
+        </p:spPr>
+        <p:style>
+          <a:lnRef idx="0">
+            <a:scrgbClr r="0" g="0" b="0"/>
+          </a:lnRef>
+          <a:fillRef idx="0">
+            <a:scrgbClr r="0" g="0" b="0"/>
+          </a:fillRef>
+          <a:effectRef idx="0">
+            <a:scrgbClr r="0" g="0" b="0"/>
+          </a:effectRef>
+          <a:fontRef idx="minor"/>
+        </p:style>
+        <p:txBody>
+          <a:bodyPr lIns="90000" tIns="45000" rIns="90000" bIns="45000"/>
+          <a:lstStyle/>
+          <a:p>
+            <a:pPr marL="285840" indent="-285480">
+              <a:lnSpc>
+                <a:spcPct val="125000"/>
+              </a:lnSpc>
+              <a:buClr>
+                <a:srgbClr val="000000"/>
+              </a:buClr>
+              <a:buFont typeface="Wingdings" charset="2"/>
+              <a:buChar char=""/>
+            </a:pPr>
+            <a:r>
+              <a:rPr lang="en-US" sz="2400" spc="-1" dirty="0" smtClean="0">
+                <a:solidFill>
+                  <a:srgbClr val="000000"/>
+                </a:solidFill>
+                <a:uFill>
+                  <a:solidFill>
+                    <a:srgbClr val="FFFFFF"/>
+                  </a:solidFill>
+                </a:uFill>
+                <a:latin typeface="Times New Roman"/>
+              </a:rPr>
+              <a:t>Combine Inception with residual learning</a:t>
+            </a:r>
+          </a:p>
+          <a:p>
+            <a:pPr>
+              <a:lnSpc>
+                <a:spcPct val="125000"/>
+              </a:lnSpc>
+            </a:pPr>
             <a:endParaRPr lang="en-US" sz="1800" b="0" strike="noStrike" spc="-1" dirty="0">
+              <a:solidFill>
+                <a:srgbClr val="000000"/>
+              </a:solidFill>
+              <a:uFill>
+                <a:solidFill>
+                  <a:srgbClr val="FFFFFF"/>
+                </a:solidFill>
+              </a:uFill>
+              <a:latin typeface="Arial"/>
+            </a:endParaRPr>
+          </a:p>
+        </p:txBody>
+      </p:sp>
+      <p:sp>
+        <p:nvSpPr>
+          <p:cNvPr id="6" name="TextShape 3"/>
+          <p:cNvSpPr txBox="1"/>
+          <p:nvPr/>
+        </p:nvSpPr>
+        <p:spPr>
+          <a:xfrm>
+            <a:off x="7204363" y="6399726"/>
+            <a:ext cx="1667844" cy="318703"/>
+          </a:xfrm>
+          <a:prstGeom prst="rect">
+            <a:avLst/>
+          </a:prstGeom>
+          <a:noFill/>
+          <a:ln>
+            <a:noFill/>
+          </a:ln>
+        </p:spPr>
+        <p:txBody>
+          <a:bodyPr lIns="90000" tIns="45000" rIns="90000" bIns="45000"/>
+          <a:lstStyle/>
+          <a:p>
+            <a:r>
+              <a:rPr lang="en-US" sz="1400" spc="-1" dirty="0" smtClean="0">
+                <a:solidFill>
+                  <a:srgbClr val="000000"/>
+                </a:solidFill>
+                <a:uFill>
+                  <a:solidFill>
+                    <a:srgbClr val="FFFFFF"/>
+                  </a:solidFill>
+                </a:uFill>
+              </a:rPr>
+              <a:t>Image From blog</a:t>
+            </a:r>
+            <a:endParaRPr lang="en-US" sz="1400" b="0" strike="noStrike" spc="-1" dirty="0">
               <a:solidFill>
                 <a:srgbClr val="000000"/>
               </a:solidFill>
@@ -10748,7 +10841,7 @@
       </p:sp>
       <p:pic>
         <p:nvPicPr>
-          <p:cNvPr id="2" name="图片 1"/>
+          <p:cNvPr id="3" name="图片 2"/>
           <p:cNvPicPr>
             <a:picLocks noChangeAspect="1"/>
           </p:cNvPicPr>
@@ -10768,8 +10861,8 @@
         </p:blipFill>
         <p:spPr>
           <a:xfrm>
-            <a:off x="1510145" y="1523621"/>
-            <a:ext cx="6576176" cy="5334379"/>
+            <a:off x="4109042" y="1722298"/>
+            <a:ext cx="4763165" cy="4677428"/>
           </a:xfrm>
           <a:prstGeom prst="rect">
             <a:avLst/>
@@ -10779,7 +10872,7 @@
     </p:spTree>
     <p:extLst>
       <p:ext uri="{BB962C8B-B14F-4D97-AF65-F5344CB8AC3E}">
-        <p14:creationId xmlns:p14="http://schemas.microsoft.com/office/powerpoint/2010/main" val="3200403092"/>
+        <p14:creationId xmlns:p14="http://schemas.microsoft.com/office/powerpoint/2010/main" val="4154220724"/>
       </p:ext>
     </p:extLst>
   </p:cSld>
@@ -10904,6 +10997,162 @@
       </p:sp>
       <p:pic>
         <p:nvPicPr>
+          <p:cNvPr id="2" name="图片 1"/>
+          <p:cNvPicPr>
+            <a:picLocks noChangeAspect="1"/>
+          </p:cNvPicPr>
+          <p:nvPr/>
+        </p:nvPicPr>
+        <p:blipFill>
+          <a:blip r:embed="rId3">
+            <a:extLst>
+              <a:ext uri="{28A0092B-C50C-407E-A947-70E740481C1C}">
+                <a14:useLocalDpi xmlns:a14="http://schemas.microsoft.com/office/drawing/2010/main" val="0"/>
+              </a:ext>
+            </a:extLst>
+          </a:blip>
+          <a:stretch>
+            <a:fillRect/>
+          </a:stretch>
+        </p:blipFill>
+        <p:spPr>
+          <a:xfrm>
+            <a:off x="1510145" y="1523621"/>
+            <a:ext cx="6576176" cy="5334379"/>
+          </a:xfrm>
+          <a:prstGeom prst="rect">
+            <a:avLst/>
+          </a:prstGeom>
+        </p:spPr>
+      </p:pic>
+    </p:spTree>
+    <p:extLst>
+      <p:ext uri="{BB962C8B-B14F-4D97-AF65-F5344CB8AC3E}">
+        <p14:creationId xmlns:p14="http://schemas.microsoft.com/office/powerpoint/2010/main" val="3200403092"/>
+      </p:ext>
+    </p:extLst>
+  </p:cSld>
+  <p:clrMapOvr>
+    <a:masterClrMapping/>
+  </p:clrMapOvr>
+  <p:timing>
+    <p:tnLst>
+      <p:par>
+        <p:cTn id="1" dur="indefinite" restart="never" nodeType="tmRoot">
+          <p:childTnLst>
+            <p:seq>
+              <p:cTn id="2" nodeType="mainSeq"/>
+              <p:prevCondLst>
+                <p:cond evt="onPrev" delay="0">
+                  <p:tgtEl>
+                    <p:sldTgt/>
+                  </p:tgtEl>
+                </p:cond>
+              </p:prevCondLst>
+              <p:nextCondLst>
+                <p:cond evt="onNext" delay="0">
+                  <p:tgtEl>
+                    <p:sldTgt/>
+                  </p:tgtEl>
+                </p:cond>
+              </p:nextCondLst>
+            </p:seq>
+          </p:childTnLst>
+        </p:cTn>
+      </p:par>
+    </p:tnLst>
+  </p:timing>
+</p:sld>
+</file>
+
+<file path=ppt/slides/slide24.xml><?xml version="1.0" encoding="utf-8"?>
+<p:sld xmlns:a="http://schemas.openxmlformats.org/drawingml/2006/main" xmlns:r="http://schemas.openxmlformats.org/officeDocument/2006/relationships" xmlns:p="http://schemas.openxmlformats.org/presentationml/2006/main">
+  <p:cSld>
+    <p:spTree>
+      <p:nvGrpSpPr>
+        <p:cNvPr id="1" name=""/>
+        <p:cNvGrpSpPr/>
+        <p:nvPr/>
+      </p:nvGrpSpPr>
+      <p:grpSpPr>
+        <a:xfrm>
+          <a:off x="0" y="0"/>
+          <a:ext cx="0" cy="0"/>
+          <a:chOff x="0" y="0"/>
+          <a:chExt cx="0" cy="0"/>
+        </a:xfrm>
+      </p:grpSpPr>
+      <p:sp>
+        <p:nvSpPr>
+          <p:cNvPr id="69" name="CustomShape 1"/>
+          <p:cNvSpPr/>
+          <p:nvPr/>
+        </p:nvSpPr>
+        <p:spPr>
+          <a:xfrm>
+            <a:off x="1392120" y="992880"/>
+            <a:ext cx="6495480" cy="577440"/>
+          </a:xfrm>
+          <a:prstGeom prst="rect">
+            <a:avLst/>
+          </a:prstGeom>
+          <a:noFill/>
+          <a:ln>
+            <a:noFill/>
+          </a:ln>
+        </p:spPr>
+        <p:style>
+          <a:lnRef idx="0">
+            <a:scrgbClr r="0" g="0" b="0"/>
+          </a:lnRef>
+          <a:fillRef idx="0">
+            <a:scrgbClr r="0" g="0" b="0"/>
+          </a:fillRef>
+          <a:effectRef idx="0">
+            <a:scrgbClr r="0" g="0" b="0"/>
+          </a:effectRef>
+          <a:fontRef idx="minor"/>
+        </p:style>
+        <p:txBody>
+          <a:bodyPr lIns="90000" tIns="45000" rIns="90000" bIns="45000"/>
+          <a:lstStyle/>
+          <a:p>
+            <a:pPr>
+              <a:lnSpc>
+                <a:spcPct val="100000"/>
+              </a:lnSpc>
+            </a:pPr>
+            <a:r>
+              <a:rPr lang="en-US" sz="3200" b="0" strike="noStrike" spc="-1" dirty="0" err="1" smtClean="0">
+                <a:solidFill>
+                  <a:srgbClr val="C0504D"/>
+                </a:solidFill>
+                <a:uFill>
+                  <a:solidFill>
+                    <a:srgbClr val="FFFFFF"/>
+                  </a:solidFill>
+                </a:uFill>
+                <a:latin typeface="Calibri"/>
+                <a:ea typeface="DejaVu Sans"/>
+              </a:rPr>
+              <a:t>VGGNet</a:t>
+            </a:r>
+            <a:endParaRPr lang="en-US" sz="1800" b="0" strike="noStrike" spc="-1" dirty="0">
+              <a:solidFill>
+                <a:srgbClr val="000000"/>
+              </a:solidFill>
+              <a:uFill>
+                <a:solidFill>
+                  <a:srgbClr val="FFFFFF"/>
+                </a:solidFill>
+              </a:uFill>
+              <a:latin typeface="Arial"/>
+            </a:endParaRPr>
+          </a:p>
+        </p:txBody>
+      </p:sp>
+      <p:pic>
+        <p:nvPicPr>
           <p:cNvPr id="3" name="图片 2"/>
           <p:cNvPicPr>
             <a:picLocks noChangeAspect="1"/>
@@ -11013,7 +11262,7 @@
 </p:sld>
 </file>
 
-<file path=ppt/slides/slide24.xml><?xml version="1.0" encoding="utf-8"?>
+<file path=ppt/slides/slide25.xml><?xml version="1.0" encoding="utf-8"?>
 <p:sld xmlns:a="http://schemas.openxmlformats.org/drawingml/2006/main" xmlns:r="http://schemas.openxmlformats.org/officeDocument/2006/relationships" xmlns:p="http://schemas.openxmlformats.org/presentationml/2006/main">
   <p:cSld>
     <p:spTree>
@@ -11260,178 +11509,6 @@
 </p:sld>
 </file>
 
-<file path=ppt/slides/slide25.xml><?xml version="1.0" encoding="utf-8"?>
-<p:sld xmlns:a="http://schemas.openxmlformats.org/drawingml/2006/main" xmlns:r="http://schemas.openxmlformats.org/officeDocument/2006/relationships" xmlns:p="http://schemas.openxmlformats.org/presentationml/2006/main">
-  <p:cSld>
-    <p:spTree>
-      <p:nvGrpSpPr>
-        <p:cNvPr id="1" name=""/>
-        <p:cNvGrpSpPr/>
-        <p:nvPr/>
-      </p:nvGrpSpPr>
-      <p:grpSpPr>
-        <a:xfrm>
-          <a:off x="0" y="0"/>
-          <a:ext cx="0" cy="0"/>
-          <a:chOff x="0" y="0"/>
-          <a:chExt cx="0" cy="0"/>
-        </a:xfrm>
-      </p:grpSpPr>
-      <p:sp>
-        <p:nvSpPr>
-          <p:cNvPr id="65" name="CustomShape 1"/>
-          <p:cNvSpPr/>
-          <p:nvPr/>
-        </p:nvSpPr>
-        <p:spPr>
-          <a:xfrm>
-            <a:off x="1392120" y="992880"/>
-            <a:ext cx="6495480" cy="577440"/>
-          </a:xfrm>
-          <a:prstGeom prst="rect">
-            <a:avLst/>
-          </a:prstGeom>
-          <a:noFill/>
-          <a:ln>
-            <a:noFill/>
-          </a:ln>
-        </p:spPr>
-        <p:style>
-          <a:lnRef idx="0">
-            <a:scrgbClr r="0" g="0" b="0"/>
-          </a:lnRef>
-          <a:fillRef idx="0">
-            <a:scrgbClr r="0" g="0" b="0"/>
-          </a:fillRef>
-          <a:effectRef idx="0">
-            <a:scrgbClr r="0" g="0" b="0"/>
-          </a:effectRef>
-          <a:fontRef idx="minor"/>
-        </p:style>
-        <p:txBody>
-          <a:bodyPr lIns="90000" tIns="45000" rIns="90000" bIns="45000"/>
-          <a:lstStyle/>
-          <a:p>
-            <a:pPr>
-              <a:lnSpc>
-                <a:spcPct val="100000"/>
-              </a:lnSpc>
-            </a:pPr>
-            <a:r>
-              <a:rPr lang="en-US" sz="3200" b="0" strike="noStrike" spc="-1" dirty="0" smtClean="0">
-                <a:solidFill>
-                  <a:srgbClr val="C0504D"/>
-                </a:solidFill>
-                <a:uFill>
-                  <a:solidFill>
-                    <a:srgbClr val="FFFFFF"/>
-                  </a:solidFill>
-                </a:uFill>
-                <a:latin typeface="Calibri"/>
-                <a:ea typeface="DejaVu Sans"/>
-              </a:rPr>
-              <a:t>Residual Learning</a:t>
-            </a:r>
-            <a:endParaRPr lang="en-US" sz="1800" b="0" strike="noStrike" spc="-1" dirty="0">
-              <a:solidFill>
-                <a:srgbClr val="000000"/>
-              </a:solidFill>
-              <a:uFill>
-                <a:solidFill>
-                  <a:srgbClr val="FFFFFF"/>
-                </a:solidFill>
-              </a:uFill>
-              <a:latin typeface="Arial"/>
-            </a:endParaRPr>
-          </a:p>
-        </p:txBody>
-      </p:sp>
-      <p:pic>
-        <p:nvPicPr>
-          <p:cNvPr id="68" name="图片 70"/>
-          <p:cNvPicPr/>
-          <p:nvPr/>
-        </p:nvPicPr>
-        <p:blipFill>
-          <a:blip r:embed="rId3"/>
-          <a:stretch/>
-        </p:blipFill>
-        <p:spPr>
-          <a:xfrm>
-            <a:off x="1645920" y="2194560"/>
-            <a:ext cx="6009480" cy="2866320"/>
-          </a:xfrm>
-          <a:prstGeom prst="rect">
-            <a:avLst/>
-          </a:prstGeom>
-          <a:ln>
-            <a:noFill/>
-          </a:ln>
-        </p:spPr>
-      </p:pic>
-      <p:sp>
-        <p:nvSpPr>
-          <p:cNvPr id="2" name="矩形 1"/>
-          <p:cNvSpPr/>
-          <p:nvPr/>
-        </p:nvSpPr>
-        <p:spPr>
-          <a:xfrm>
-            <a:off x="0" y="6211669"/>
-            <a:ext cx="9017391" cy="646331"/>
-          </a:xfrm>
-          <a:prstGeom prst="rect">
-            <a:avLst/>
-          </a:prstGeom>
-        </p:spPr>
-        <p:txBody>
-          <a:bodyPr wrap="square">
-            <a:spAutoFit/>
-          </a:bodyPr>
-          <a:lstStyle/>
-          <a:p>
-            <a:r>
-              <a:rPr lang="zh-CN" altLang="en-US" dirty="0"/>
-              <a:t>He, Kaiming, et al. "Deep Residual Learning for Image Recognition." computer vision and pattern recognition (2016): 770-778.</a:t>
-            </a:r>
-          </a:p>
-        </p:txBody>
-      </p:sp>
-    </p:spTree>
-  </p:cSld>
-  <p:clrMapOvr>
-    <a:masterClrMapping/>
-  </p:clrMapOvr>
-  <p:timing>
-    <p:tnLst>
-      <p:par>
-        <p:cTn id="1" dur="indefinite" restart="never" nodeType="tmRoot">
-          <p:childTnLst>
-            <p:seq>
-              <p:cTn id="2" nodeType="mainSeq"/>
-              <p:prevCondLst>
-                <p:cond evt="onPrev" delay="0">
-                  <p:tgtEl>
-                    <p:sldTgt/>
-                  </p:tgtEl>
-                </p:cond>
-              </p:prevCondLst>
-              <p:nextCondLst>
-                <p:cond evt="onNext" delay="0">
-                  <p:tgtEl>
-                    <p:sldTgt/>
-                  </p:tgtEl>
-                </p:cond>
-              </p:nextCondLst>
-            </p:seq>
-          </p:childTnLst>
-        </p:cTn>
-      </p:par>
-    </p:tnLst>
-  </p:timing>
-</p:sld>
-</file>
-
 <file path=ppt/slides/slide26.xml><?xml version="1.0" encoding="utf-8"?>
 <p:sld xmlns:a="http://schemas.openxmlformats.org/drawingml/2006/main" xmlns:r="http://schemas.openxmlformats.org/officeDocument/2006/relationships" xmlns:p="http://schemas.openxmlformats.org/presentationml/2006/main">
   <p:cSld>
@@ -11490,7 +11567,7 @@
               </a:lnSpc>
             </a:pPr>
             <a:r>
-              <a:rPr lang="en-US" sz="3200" b="0" strike="noStrike" spc="-1" dirty="0" err="1" smtClean="0">
+              <a:rPr lang="en-US" sz="3200" b="0" strike="noStrike" spc="-1" dirty="0" smtClean="0">
                 <a:solidFill>
                   <a:srgbClr val="C0504D"/>
                 </a:solidFill>
@@ -11502,7 +11579,7 @@
                 <a:latin typeface="Calibri"/>
                 <a:ea typeface="DejaVu Sans"/>
               </a:rPr>
-              <a:t>ResNet</a:t>
+              <a:t>Residual Learning</a:t>
             </a:r>
             <a:endParaRPr lang="en-US" sz="1800" b="0" strike="noStrike" spc="-1" dirty="0">
               <a:solidFill>
@@ -11520,37 +11597,30 @@
       </p:sp>
       <p:pic>
         <p:nvPicPr>
-          <p:cNvPr id="2" name="图片 1"/>
-          <p:cNvPicPr>
-            <a:picLocks noChangeAspect="1"/>
-          </p:cNvPicPr>
+          <p:cNvPr id="68" name="图片 70"/>
+          <p:cNvPicPr/>
           <p:nvPr/>
         </p:nvPicPr>
         <p:blipFill>
-          <a:blip r:embed="rId3">
-            <a:extLst>
-              <a:ext uri="{28A0092B-C50C-407E-A947-70E740481C1C}">
-                <a14:useLocalDpi xmlns:a14="http://schemas.microsoft.com/office/drawing/2010/main" val="0"/>
-              </a:ext>
-            </a:extLst>
-          </a:blip>
-          <a:stretch>
-            <a:fillRect/>
-          </a:stretch>
+          <a:blip r:embed="rId3"/>
+          <a:stretch/>
         </p:blipFill>
         <p:spPr>
           <a:xfrm>
-            <a:off x="0" y="2098158"/>
-            <a:ext cx="9144000" cy="3880884"/>
-          </a:xfrm>
-          <a:prstGeom prst="rect">
-            <a:avLst/>
-          </a:prstGeom>
+            <a:off x="1645920" y="2194560"/>
+            <a:ext cx="6009480" cy="2866320"/>
+          </a:xfrm>
+          <a:prstGeom prst="rect">
+            <a:avLst/>
+          </a:prstGeom>
+          <a:ln>
+            <a:noFill/>
+          </a:ln>
         </p:spPr>
       </p:pic>
       <p:sp>
         <p:nvSpPr>
-          <p:cNvPr id="4" name="矩形 3"/>
+          <p:cNvPr id="2" name="矩形 1"/>
           <p:cNvSpPr/>
           <p:nvPr/>
         </p:nvSpPr>
@@ -11577,11 +11647,6 @@
         </p:txBody>
       </p:sp>
     </p:spTree>
-    <p:extLst>
-      <p:ext uri="{BB962C8B-B14F-4D97-AF65-F5344CB8AC3E}">
-        <p14:creationId xmlns:p14="http://schemas.microsoft.com/office/powerpoint/2010/main" val="2243012586"/>
-      </p:ext>
-    </p:extLst>
   </p:cSld>
   <p:clrMapOvr>
     <a:masterClrMapping/>
@@ -11635,7 +11700,7 @@
       </p:grpSpPr>
       <p:sp>
         <p:nvSpPr>
-          <p:cNvPr id="57" name="CustomShape 1"/>
+          <p:cNvPr id="65" name="CustomShape 1"/>
           <p:cNvSpPr/>
           <p:nvPr/>
         </p:nvSpPr>
@@ -11673,21 +11738,6 @@
                 <a:spcPct val="100000"/>
               </a:lnSpc>
             </a:pPr>
-            <a:r>
-              <a:rPr lang="en-US" sz="3200" b="0" strike="noStrike" spc="-1" dirty="0" smtClean="0">
-                <a:solidFill>
-                  <a:srgbClr val="C0504D"/>
-                </a:solidFill>
-                <a:uFill>
-                  <a:solidFill>
-                    <a:srgbClr val="FFFFFF"/>
-                  </a:solidFill>
-                </a:uFill>
-                <a:latin typeface="Calibri"/>
-                <a:ea typeface="DejaVu Sans"/>
-              </a:rPr>
-              <a:t>Highlight of </a:t>
-            </a:r>
             <a:r>
               <a:rPr lang="en-US" sz="3200" b="0" strike="noStrike" spc="-1" dirty="0" err="1" smtClean="0">
                 <a:solidFill>
@@ -11717,55 +11767,60 @@
           </a:p>
         </p:txBody>
       </p:sp>
-      <p:sp>
-        <p:nvSpPr>
-          <p:cNvPr id="5" name="文本框 4"/>
-          <p:cNvSpPr txBox="1"/>
+      <p:pic>
+        <p:nvPicPr>
+          <p:cNvPr id="2" name="图片 1"/>
+          <p:cNvPicPr>
+            <a:picLocks noChangeAspect="1"/>
+          </p:cNvPicPr>
           <p:nvPr/>
-        </p:nvSpPr>
-        <p:spPr>
-          <a:xfrm>
-            <a:off x="926841" y="2784763"/>
-            <a:ext cx="7426037" cy="1384995"/>
-          </a:xfrm>
-          <a:prstGeom prst="rect">
-            <a:avLst/>
-          </a:prstGeom>
-          <a:noFill/>
-        </p:spPr>
-        <p:txBody>
-          <a:bodyPr wrap="square" rtlCol="0">
+        </p:nvPicPr>
+        <p:blipFill>
+          <a:blip r:embed="rId3">
+            <a:extLst>
+              <a:ext uri="{28A0092B-C50C-407E-A947-70E740481C1C}">
+                <a14:useLocalDpi xmlns:a14="http://schemas.microsoft.com/office/drawing/2010/main" val="0"/>
+              </a:ext>
+            </a:extLst>
+          </a:blip>
+          <a:stretch>
+            <a:fillRect/>
+          </a:stretch>
+        </p:blipFill>
+        <p:spPr>
+          <a:xfrm>
+            <a:off x="0" y="2098158"/>
+            <a:ext cx="9144000" cy="3880884"/>
+          </a:xfrm>
+          <a:prstGeom prst="rect">
+            <a:avLst/>
+          </a:prstGeom>
+        </p:spPr>
+      </p:pic>
+      <p:sp>
+        <p:nvSpPr>
+          <p:cNvPr id="4" name="矩形 3"/>
+          <p:cNvSpPr/>
+          <p:nvPr/>
+        </p:nvSpPr>
+        <p:spPr>
+          <a:xfrm>
+            <a:off x="0" y="6211669"/>
+            <a:ext cx="9017391" cy="646331"/>
+          </a:xfrm>
+          <a:prstGeom prst="rect">
+            <a:avLst/>
+          </a:prstGeom>
+        </p:spPr>
+        <p:txBody>
+          <a:bodyPr wrap="square">
             <a:spAutoFit/>
           </a:bodyPr>
           <a:lstStyle/>
           <a:p>
-            <a:pPr marL="285750" indent="-285750">
-              <a:buFont typeface="Wingdings" panose="05000000000000000000" pitchFamily="2" charset="2"/>
-              <a:buChar char="Ø"/>
-            </a:pPr>
-            <a:r>
-              <a:rPr lang="en-US" altLang="zh-CN" sz="2800" dirty="0" smtClean="0"/>
-              <a:t>Residual learning</a:t>
-            </a:r>
-          </a:p>
-          <a:p>
-            <a:pPr marL="285750" indent="-285750">
-              <a:buFont typeface="Wingdings" panose="05000000000000000000" pitchFamily="2" charset="2"/>
-              <a:buChar char="Ø"/>
-            </a:pPr>
-            <a:r>
-              <a:rPr lang="en-US" altLang="zh-CN" sz="2800" dirty="0" smtClean="0"/>
-              <a:t>Global average pooling</a:t>
-            </a:r>
-          </a:p>
-          <a:p>
-            <a:pPr marL="285750" indent="-285750">
-              <a:buFont typeface="Wingdings" panose="05000000000000000000" pitchFamily="2" charset="2"/>
-              <a:buChar char="Ø"/>
-            </a:pPr>
-            <a:r>
-              <a:rPr lang="en-US" altLang="zh-CN" sz="2800" dirty="0" smtClean="0"/>
-              <a:t>Much deeper</a:t>
+            <a:r>
+              <a:rPr lang="zh-CN" altLang="en-US" dirty="0"/>
+              <a:t>He, Kaiming, et al. "Deep Residual Learning for Image Recognition." computer vision and pattern recognition (2016): 770-778.</a:t>
             </a:r>
           </a:p>
         </p:txBody>
@@ -11773,7 +11828,7 @@
     </p:spTree>
     <p:extLst>
       <p:ext uri="{BB962C8B-B14F-4D97-AF65-F5344CB8AC3E}">
-        <p14:creationId xmlns:p14="http://schemas.microsoft.com/office/powerpoint/2010/main" val="1957682114"/>
+        <p14:creationId xmlns:p14="http://schemas.microsoft.com/office/powerpoint/2010/main" val="2243012586"/>
       </p:ext>
     </p:extLst>
   </p:cSld>
@@ -11829,7 +11884,7 @@
       </p:grpSpPr>
       <p:sp>
         <p:nvSpPr>
-          <p:cNvPr id="73" name="CustomShape 1"/>
+          <p:cNvPr id="57" name="CustomShape 1"/>
           <p:cNvSpPr/>
           <p:nvPr/>
         </p:nvSpPr>
@@ -11880,10 +11935,10 @@
                 <a:latin typeface="Calibri"/>
                 <a:ea typeface="DejaVu Sans"/>
               </a:rPr>
-              <a:t>Performance </a:t>
-            </a:r>
-            <a:r>
-              <a:rPr lang="en-US" sz="3200" spc="-1" dirty="0" smtClean="0">
+              <a:t>Highlight of </a:t>
+            </a:r>
+            <a:r>
+              <a:rPr lang="en-US" sz="3200" b="0" strike="noStrike" spc="-1" dirty="0" err="1" smtClean="0">
                 <a:solidFill>
                   <a:srgbClr val="C0504D"/>
                 </a:solidFill>
@@ -11895,7 +11950,7 @@
                 <a:latin typeface="Calibri"/>
                 <a:ea typeface="DejaVu Sans"/>
               </a:rPr>
-              <a:t>of CNN in ImageNet</a:t>
+              <a:t>ResNet</a:t>
             </a:r>
             <a:endParaRPr lang="en-US" sz="1800" b="0" strike="noStrike" spc="-1" dirty="0">
               <a:solidFill>
@@ -11911,99 +11966,70 @@
           </a:p>
         </p:txBody>
       </p:sp>
-      <p:pic>
-        <p:nvPicPr>
-          <p:cNvPr id="75" name="图片 5"/>
-          <p:cNvPicPr/>
+      <p:sp>
+        <p:nvSpPr>
+          <p:cNvPr id="5" name="文本框 4"/>
+          <p:cNvSpPr txBox="1"/>
           <p:nvPr/>
-        </p:nvPicPr>
-        <p:blipFill>
-          <a:blip r:embed="rId3"/>
-          <a:stretch/>
-        </p:blipFill>
-        <p:spPr>
-          <a:xfrm>
-            <a:off x="433800" y="1744560"/>
-            <a:ext cx="8412120" cy="4579560"/>
-          </a:xfrm>
-          <a:prstGeom prst="rect">
-            <a:avLst/>
-          </a:prstGeom>
-          <a:ln>
-            <a:noFill/>
-          </a:ln>
-        </p:spPr>
-      </p:pic>
-      <p:sp>
-        <p:nvSpPr>
-          <p:cNvPr id="76" name="CustomShape 3"/>
-          <p:cNvSpPr/>
-          <p:nvPr/>
-        </p:nvSpPr>
-        <p:spPr>
-          <a:xfrm>
-            <a:off x="975600" y="6324840"/>
-            <a:ext cx="7823160" cy="601920"/>
+        </p:nvSpPr>
+        <p:spPr>
+          <a:xfrm>
+            <a:off x="926841" y="2784763"/>
+            <a:ext cx="7426037" cy="1815882"/>
           </a:xfrm>
           <a:prstGeom prst="rect">
             <a:avLst/>
           </a:prstGeom>
           <a:noFill/>
-          <a:ln>
-            <a:noFill/>
-          </a:ln>
-        </p:spPr>
-        <p:style>
-          <a:lnRef idx="0">
-            <a:scrgbClr r="0" g="0" b="0"/>
-          </a:lnRef>
-          <a:fillRef idx="0">
-            <a:scrgbClr r="0" g="0" b="0"/>
-          </a:fillRef>
-          <a:effectRef idx="0">
-            <a:scrgbClr r="0" g="0" b="0"/>
-          </a:effectRef>
-          <a:fontRef idx="minor"/>
-        </p:style>
-        <p:txBody>
-          <a:bodyPr lIns="90000" tIns="45000" rIns="90000" bIns="45000"/>
-          <a:lstStyle/>
-          <a:p>
-            <a:pPr>
-              <a:lnSpc>
-                <a:spcPct val="100000"/>
-              </a:lnSpc>
+        </p:spPr>
+        <p:txBody>
+          <a:bodyPr wrap="square" rtlCol="0">
+            <a:spAutoFit/>
+          </a:bodyPr>
+          <a:lstStyle/>
+          <a:p>
+            <a:pPr marL="285750" indent="-285750">
+              <a:buFont typeface="Wingdings" panose="05000000000000000000" pitchFamily="2" charset="2"/>
+              <a:buChar char="Ø"/>
             </a:pPr>
             <a:r>
-              <a:rPr lang="en-US" altLang="zh-CN" sz="1800" b="0" strike="noStrike" spc="-1" dirty="0" smtClean="0">
-                <a:solidFill>
-                  <a:srgbClr val="000000"/>
-                </a:solidFill>
-                <a:uFill>
-                  <a:solidFill>
-                    <a:srgbClr val="FFFFFF"/>
-                  </a:solidFill>
-                </a:uFill>
-                <a:latin typeface="Arial"/>
-                <a:ea typeface="DejaVu Sans"/>
-              </a:rPr>
-              <a:t>Image from blog</a:t>
-            </a:r>
-            <a:endParaRPr lang="en-US" sz="1800" b="0" strike="noStrike" spc="-1" dirty="0">
-              <a:solidFill>
-                <a:srgbClr val="000000"/>
-              </a:solidFill>
-              <a:uFill>
-                <a:solidFill>
-                  <a:srgbClr val="FFFFFF"/>
-                </a:solidFill>
-              </a:uFill>
-              <a:latin typeface="Arial"/>
-            </a:endParaRPr>
+              <a:rPr lang="en-US" altLang="zh-CN" sz="2800" dirty="0" smtClean="0"/>
+              <a:t>Residual learning</a:t>
+            </a:r>
+          </a:p>
+          <a:p>
+            <a:pPr marL="285750" indent="-285750">
+              <a:buFont typeface="Wingdings" panose="05000000000000000000" pitchFamily="2" charset="2"/>
+              <a:buChar char="Ø"/>
+            </a:pPr>
+            <a:r>
+              <a:rPr lang="en-US" altLang="zh-CN" sz="2800" dirty="0" smtClean="0"/>
+              <a:t>Global average pooling</a:t>
+            </a:r>
+          </a:p>
+          <a:p>
+            <a:pPr marL="285750" indent="-285750">
+              <a:buFont typeface="Wingdings" panose="05000000000000000000" pitchFamily="2" charset="2"/>
+              <a:buChar char="Ø"/>
+            </a:pPr>
+            <a:r>
+              <a:rPr lang="en-US" altLang="zh-CN" sz="2800" dirty="0" smtClean="0"/>
+              <a:t>Much </a:t>
+            </a:r>
+            <a:r>
+              <a:rPr lang="en-US" altLang="zh-CN" sz="2800" dirty="0" smtClean="0"/>
+              <a:t>deeper without too many parameter increment.</a:t>
+            </a:r>
+            <a:endParaRPr lang="en-US" altLang="zh-CN" sz="2800" dirty="0" smtClean="0"/>
           </a:p>
         </p:txBody>
       </p:sp>
     </p:spTree>
+    <p:extLst>
+      <p:ext uri="{BB962C8B-B14F-4D97-AF65-F5344CB8AC3E}">
+        <p14:creationId xmlns:p14="http://schemas.microsoft.com/office/powerpoint/2010/main" val="1957682114"/>
+      </p:ext>
+    </p:extLst>
   </p:cSld>
   <p:clrMapOvr>
     <a:masterClrMapping/>
@@ -12055,39 +12081,16 @@
           <a:chExt cx="0" cy="0"/>
         </a:xfrm>
       </p:grpSpPr>
-      <p:pic>
-        <p:nvPicPr>
-          <p:cNvPr id="143" name="图片 3"/>
-          <p:cNvPicPr/>
-          <p:nvPr/>
-        </p:nvPicPr>
-        <p:blipFill>
-          <a:blip r:embed="rId2"/>
-          <a:stretch/>
-        </p:blipFill>
-        <p:spPr>
-          <a:xfrm>
-            <a:off x="1537200" y="1667160"/>
-            <a:ext cx="5900400" cy="4543920"/>
-          </a:xfrm>
-          <a:prstGeom prst="rect">
-            <a:avLst/>
-          </a:prstGeom>
-          <a:ln>
-            <a:noFill/>
-          </a:ln>
-        </p:spPr>
-      </p:pic>
-      <p:sp>
-        <p:nvSpPr>
-          <p:cNvPr id="144" name="CustomShape 1"/>
+      <p:sp>
+        <p:nvSpPr>
+          <p:cNvPr id="73" name="CustomShape 1"/>
           <p:cNvSpPr/>
           <p:nvPr/>
         </p:nvSpPr>
         <p:spPr>
           <a:xfrm>
-            <a:off x="0" y="6211800"/>
-            <a:ext cx="9157680" cy="639000"/>
+            <a:off x="1392120" y="992880"/>
+            <a:ext cx="6495480" cy="577440"/>
           </a:xfrm>
           <a:prstGeom prst="rect">
             <a:avLst/>
@@ -12119,7 +12122,114 @@
               </a:lnSpc>
             </a:pPr>
             <a:r>
-              <a:rPr lang="en-US" sz="1800" b="0" strike="noStrike" spc="-1">
+              <a:rPr lang="en-US" sz="3200" b="0" strike="noStrike" spc="-1" dirty="0" smtClean="0">
+                <a:solidFill>
+                  <a:srgbClr val="C0504D"/>
+                </a:solidFill>
+                <a:uFill>
+                  <a:solidFill>
+                    <a:srgbClr val="FFFFFF"/>
+                  </a:solidFill>
+                </a:uFill>
+                <a:latin typeface="Calibri"/>
+                <a:ea typeface="DejaVu Sans"/>
+              </a:rPr>
+              <a:t>Performance </a:t>
+            </a:r>
+            <a:r>
+              <a:rPr lang="en-US" sz="3200" spc="-1" dirty="0" smtClean="0">
+                <a:solidFill>
+                  <a:srgbClr val="C0504D"/>
+                </a:solidFill>
+                <a:uFill>
+                  <a:solidFill>
+                    <a:srgbClr val="FFFFFF"/>
+                  </a:solidFill>
+                </a:uFill>
+                <a:latin typeface="Calibri"/>
+                <a:ea typeface="DejaVu Sans"/>
+              </a:rPr>
+              <a:t>of CNN in ImageNet</a:t>
+            </a:r>
+            <a:endParaRPr lang="en-US" sz="1800" b="0" strike="noStrike" spc="-1" dirty="0">
+              <a:solidFill>
+                <a:srgbClr val="000000"/>
+              </a:solidFill>
+              <a:uFill>
+                <a:solidFill>
+                  <a:srgbClr val="FFFFFF"/>
+                </a:solidFill>
+              </a:uFill>
+              <a:latin typeface="Arial"/>
+            </a:endParaRPr>
+          </a:p>
+        </p:txBody>
+      </p:sp>
+      <p:pic>
+        <p:nvPicPr>
+          <p:cNvPr id="75" name="图片 5"/>
+          <p:cNvPicPr/>
+          <p:nvPr/>
+        </p:nvPicPr>
+        <p:blipFill>
+          <a:blip r:embed="rId3"/>
+          <a:stretch/>
+        </p:blipFill>
+        <p:spPr>
+          <a:xfrm>
+            <a:off x="433800" y="1744560"/>
+            <a:ext cx="8412120" cy="4579560"/>
+          </a:xfrm>
+          <a:prstGeom prst="rect">
+            <a:avLst/>
+          </a:prstGeom>
+          <a:ln>
+            <a:noFill/>
+          </a:ln>
+        </p:spPr>
+      </p:pic>
+      <p:sp>
+        <p:nvSpPr>
+          <p:cNvPr id="76" name="CustomShape 3"/>
+          <p:cNvSpPr/>
+          <p:nvPr/>
+        </p:nvSpPr>
+        <p:spPr>
+          <a:xfrm>
+            <a:off x="975600" y="6324840"/>
+            <a:ext cx="7823160" cy="601920"/>
+          </a:xfrm>
+          <a:prstGeom prst="rect">
+            <a:avLst/>
+          </a:prstGeom>
+          <a:noFill/>
+          <a:ln>
+            <a:noFill/>
+          </a:ln>
+        </p:spPr>
+        <p:style>
+          <a:lnRef idx="0">
+            <a:scrgbClr r="0" g="0" b="0"/>
+          </a:lnRef>
+          <a:fillRef idx="0">
+            <a:scrgbClr r="0" g="0" b="0"/>
+          </a:fillRef>
+          <a:effectRef idx="0">
+            <a:scrgbClr r="0" g="0" b="0"/>
+          </a:effectRef>
+          <a:fontRef idx="minor"/>
+        </p:style>
+        <p:txBody>
+          <a:bodyPr lIns="90000" tIns="45000" rIns="90000" bIns="45000"/>
+          <a:lstStyle/>
+          <a:p>
+            <a:pPr>
+              <a:lnSpc>
+                <a:spcPct val="100000"/>
+              </a:lnSpc>
+            </a:pPr>
+            <a:r>
+              <a:rPr lang="en-US" altLang="zh-CN" sz="1800" b="0" strike="noStrike" spc="-1" dirty="0" smtClean="0">
                 <a:solidFill>
                   <a:srgbClr val="000000"/>
                 </a:solidFill>
@@ -12131,91 +12241,7 @@
                 <a:latin typeface="Arial"/>
                 <a:ea typeface="DejaVu Sans"/>
               </a:rPr>
-              <a:t>Canziani A, Paszke A, Culurciello E, et al. An Analysis of Deep Neural Network Models for Practical Applications[J]. arXiv: Computer Vision and Pattern Recognition, 2016.</a:t>
-            </a:r>
-            <a:endParaRPr lang="en-US" sz="1800" b="0" strike="noStrike" spc="-1">
-              <a:solidFill>
-                <a:srgbClr val="000000"/>
-              </a:solidFill>
-              <a:uFill>
-                <a:solidFill>
-                  <a:srgbClr val="FFFFFF"/>
-                </a:solidFill>
-              </a:uFill>
-              <a:latin typeface="Arial"/>
-            </a:endParaRPr>
-          </a:p>
-        </p:txBody>
-      </p:sp>
-      <p:sp>
-        <p:nvSpPr>
-          <p:cNvPr id="145" name="CustomShape 2"/>
-          <p:cNvSpPr/>
-          <p:nvPr/>
-        </p:nvSpPr>
-        <p:spPr>
-          <a:xfrm>
-            <a:off x="1271727" y="970539"/>
-            <a:ext cx="8013600" cy="864360"/>
-          </a:xfrm>
-          <a:prstGeom prst="rect">
-            <a:avLst/>
-          </a:prstGeom>
-          <a:noFill/>
-          <a:ln>
-            <a:noFill/>
-          </a:ln>
-        </p:spPr>
-        <p:style>
-          <a:lnRef idx="0">
-            <a:scrgbClr r="0" g="0" b="0"/>
-          </a:lnRef>
-          <a:fillRef idx="0">
-            <a:scrgbClr r="0" g="0" b="0"/>
-          </a:fillRef>
-          <a:effectRef idx="0">
-            <a:scrgbClr r="0" g="0" b="0"/>
-          </a:effectRef>
-          <a:fontRef idx="minor"/>
-        </p:style>
-        <p:txBody>
-          <a:bodyPr lIns="90000" tIns="45000" rIns="90000" bIns="45000"/>
-          <a:lstStyle/>
-          <a:p>
-            <a:pPr>
-              <a:lnSpc>
-                <a:spcPct val="100000"/>
-              </a:lnSpc>
-            </a:pPr>
-            <a:r>
-              <a:rPr lang="en-US" sz="3200" b="0" strike="noStrike" spc="-1" dirty="0">
-                <a:solidFill>
-                  <a:srgbClr val="C0504D"/>
-                </a:solidFill>
-                <a:uFill>
-                  <a:solidFill>
-                    <a:srgbClr val="FFFFFF"/>
-                  </a:solidFill>
-                </a:uFill>
-                <a:latin typeface="Calibri"/>
-                <a:ea typeface="DejaVu Sans"/>
-              </a:rPr>
-              <a:t>Validation accuracies for different </a:t>
-            </a:r>
-            <a:r>
-              <a:rPr lang="en-US" sz="3200" b="0" strike="noStrike" spc="-1" dirty="0" smtClean="0">
-                <a:solidFill>
-                  <a:srgbClr val="C0504D"/>
-                </a:solidFill>
-                <a:uFill>
-                  <a:solidFill>
-                    <a:srgbClr val="FFFFFF"/>
-                  </a:solidFill>
-                </a:uFill>
-                <a:latin typeface="Calibri"/>
-                <a:ea typeface="DejaVu Sans"/>
-              </a:rPr>
-              <a:t>architectures</a:t>
+              <a:t>Image from blog</a:t>
             </a:r>
             <a:endParaRPr lang="en-US" sz="1800" b="0" strike="noStrike" spc="-1" dirty="0">
               <a:solidFill>
@@ -12232,11 +12258,6 @@
         </p:txBody>
       </p:sp>
     </p:spTree>
-    <p:extLst>
-      <p:ext uri="{BB962C8B-B14F-4D97-AF65-F5344CB8AC3E}">
-        <p14:creationId xmlns:p14="http://schemas.microsoft.com/office/powerpoint/2010/main" val="971019996"/>
-      </p:ext>
-    </p:extLst>
   </p:cSld>
   <p:clrMapOvr>
     <a:masterClrMapping/>
@@ -12621,7 +12642,7 @@
       </p:grpSpPr>
       <p:pic>
         <p:nvPicPr>
-          <p:cNvPr id="146" name="图片 4"/>
+          <p:cNvPr id="143" name="图片 3"/>
           <p:cNvPicPr/>
           <p:nvPr/>
         </p:nvPicPr>
@@ -12631,8 +12652,8 @@
         </p:blipFill>
         <p:spPr>
           <a:xfrm>
-            <a:off x="1145880" y="1737360"/>
-            <a:ext cx="6169320" cy="4124160"/>
+            <a:off x="1537200" y="1667160"/>
+            <a:ext cx="5900400" cy="4543920"/>
           </a:xfrm>
           <a:prstGeom prst="rect">
             <a:avLst/>
@@ -12644,14 +12665,14 @@
       </p:pic>
       <p:sp>
         <p:nvSpPr>
-          <p:cNvPr id="147" name="CustomShape 1"/>
+          <p:cNvPr id="144" name="CustomShape 1"/>
           <p:cNvSpPr/>
           <p:nvPr/>
         </p:nvSpPr>
         <p:spPr>
           <a:xfrm>
-            <a:off x="548640" y="5934600"/>
-            <a:ext cx="8370000" cy="913320"/>
+            <a:off x="0" y="6211800"/>
+            <a:ext cx="9157680" cy="639000"/>
           </a:xfrm>
           <a:prstGeom prst="rect">
             <a:avLst/>
@@ -12695,37 +12716,7 @@
                 <a:latin typeface="Arial"/>
                 <a:ea typeface="DejaVu Sans"/>
               </a:rPr>
-              <a:t>Canziani, Alfredo, Adam Paszke, and Eugenio Culurciello. "An Analysis of Deep Neural Network Models for Practical Applications." </a:t>
-            </a:r>
-            <a:r>
-              <a:rPr lang="en-US" sz="1800" b="0" i="1" strike="noStrike" spc="-1">
-                <a:solidFill>
-                  <a:srgbClr val="000000"/>
-                </a:solidFill>
-                <a:uFill>
-                  <a:solidFill>
-                    <a:srgbClr val="FFFFFF"/>
-                  </a:solidFill>
-                </a:uFill>
-                <a:latin typeface="Arial"/>
-                <a:ea typeface="DejaVu Sans"/>
-              </a:rPr>
-              <a:t>arXiv: Computer Vision and Pattern Recognition</a:t>
-            </a:r>
-            <a:r>
-              <a:rPr lang="en-US" sz="1800" b="0" strike="noStrike" spc="-1">
-                <a:solidFill>
-                  <a:srgbClr val="000000"/>
-                </a:solidFill>
-                <a:uFill>
-                  <a:solidFill>
-                    <a:srgbClr val="FFFFFF"/>
-                  </a:solidFill>
-                </a:uFill>
-                <a:latin typeface="Arial"/>
-                <a:ea typeface="DejaVu Sans"/>
-              </a:rPr>
-              <a:t> (2016).</a:t>
+              <a:t>Canziani A, Paszke A, Culurciello E, et al. An Analysis of Deep Neural Network Models for Practical Applications[J]. arXiv: Computer Vision and Pattern Recognition, 2016.</a:t>
             </a:r>
             <a:endParaRPr lang="en-US" sz="1800" b="0" strike="noStrike" spc="-1">
               <a:solidFill>
@@ -12743,14 +12734,14 @@
       </p:sp>
       <p:sp>
         <p:nvSpPr>
-          <p:cNvPr id="148" name="CustomShape 2"/>
+          <p:cNvPr id="145" name="CustomShape 2"/>
           <p:cNvSpPr/>
           <p:nvPr/>
         </p:nvSpPr>
         <p:spPr>
           <a:xfrm>
-            <a:off x="1341000" y="915120"/>
-            <a:ext cx="7111440" cy="864360"/>
+            <a:off x="1271727" y="970539"/>
+            <a:ext cx="8013600" cy="864360"/>
           </a:xfrm>
           <a:prstGeom prst="rect">
             <a:avLst/>
@@ -12782,7 +12773,7 @@
               </a:lnSpc>
             </a:pPr>
             <a:r>
-              <a:rPr lang="en-US" sz="3200" b="0" strike="noStrike" spc="-1">
+              <a:rPr lang="en-US" sz="3200" b="0" strike="noStrike" spc="-1" dirty="0">
                 <a:solidFill>
                   <a:srgbClr val="C0504D"/>
                 </a:solidFill>
@@ -12794,9 +12785,24 @@
                 <a:latin typeface="Calibri"/>
                 <a:ea typeface="DejaVu Sans"/>
               </a:rPr>
-              <a:t>Accuracy and size of the model</a:t>
-            </a:r>
-            <a:endParaRPr lang="en-US" sz="1800" b="0" strike="noStrike" spc="-1">
+              <a:t>Validation accuracies for different </a:t>
+            </a:r>
+            <a:r>
+              <a:rPr lang="en-US" sz="3200" b="0" strike="noStrike" spc="-1" dirty="0" smtClean="0">
+                <a:solidFill>
+                  <a:srgbClr val="C0504D"/>
+                </a:solidFill>
+                <a:uFill>
+                  <a:solidFill>
+                    <a:srgbClr val="FFFFFF"/>
+                  </a:solidFill>
+                </a:uFill>
+                <a:latin typeface="Calibri"/>
+                <a:ea typeface="DejaVu Sans"/>
+              </a:rPr>
+              <a:t>architectures</a:t>
+            </a:r>
+            <a:endParaRPr lang="en-US" sz="1800" b="0" strike="noStrike" spc="-1" dirty="0">
               <a:solidFill>
                 <a:srgbClr val="000000"/>
               </a:solidFill>
@@ -12813,7 +12819,7 @@
     </p:spTree>
     <p:extLst>
       <p:ext uri="{BB962C8B-B14F-4D97-AF65-F5344CB8AC3E}">
-        <p14:creationId xmlns:p14="http://schemas.microsoft.com/office/powerpoint/2010/main" val="1600895105"/>
+        <p14:creationId xmlns:p14="http://schemas.microsoft.com/office/powerpoint/2010/main" val="971019996"/>
       </p:ext>
     </p:extLst>
   </p:cSld>
@@ -12869,7 +12875,7 @@
       </p:grpSpPr>
       <p:pic>
         <p:nvPicPr>
-          <p:cNvPr id="149" name="图片 3"/>
+          <p:cNvPr id="146" name="图片 4"/>
           <p:cNvPicPr/>
           <p:nvPr/>
         </p:nvPicPr>
@@ -12879,8 +12885,8 @@
         </p:blipFill>
         <p:spPr>
           <a:xfrm>
-            <a:off x="1188720" y="1532160"/>
-            <a:ext cx="6492240" cy="4443480"/>
+            <a:off x="1145880" y="1737360"/>
+            <a:ext cx="6169320" cy="4124160"/>
           </a:xfrm>
           <a:prstGeom prst="rect">
             <a:avLst/>
@@ -12892,14 +12898,14 @@
       </p:pic>
       <p:sp>
         <p:nvSpPr>
-          <p:cNvPr id="150" name="CustomShape 1"/>
+          <p:cNvPr id="147" name="CustomShape 1"/>
           <p:cNvSpPr/>
           <p:nvPr/>
         </p:nvSpPr>
         <p:spPr>
           <a:xfrm>
-            <a:off x="225000" y="5934600"/>
-            <a:ext cx="8918640" cy="913320"/>
+            <a:off x="548640" y="5934600"/>
+            <a:ext cx="8370000" cy="913320"/>
           </a:xfrm>
           <a:prstGeom prst="rect">
             <a:avLst/>
@@ -12991,13 +12997,13 @@
       </p:sp>
       <p:sp>
         <p:nvSpPr>
-          <p:cNvPr id="151" name="CustomShape 2"/>
+          <p:cNvPr id="148" name="CustomShape 2"/>
           <p:cNvSpPr/>
           <p:nvPr/>
         </p:nvSpPr>
         <p:spPr>
           <a:xfrm>
-            <a:off x="1300860" y="970538"/>
+            <a:off x="1341000" y="915120"/>
             <a:ext cx="7111440" cy="864360"/>
           </a:xfrm>
           <a:prstGeom prst="rect">
@@ -13030,7 +13036,7 @@
               </a:lnSpc>
             </a:pPr>
             <a:r>
-              <a:rPr lang="en-US" sz="3200" b="0" strike="noStrike" spc="-1" dirty="0">
+              <a:rPr lang="en-US" sz="3200" b="0" strike="noStrike" spc="-1">
                 <a:solidFill>
                   <a:srgbClr val="C0504D"/>
                 </a:solidFill>
@@ -13042,9 +13048,9 @@
                 <a:latin typeface="Calibri"/>
                 <a:ea typeface="DejaVu Sans"/>
               </a:rPr>
-              <a:t>Inference time</a:t>
-            </a:r>
-            <a:endParaRPr lang="en-US" sz="1800" b="0" strike="noStrike" spc="-1" dirty="0">
+              <a:t>Accuracy and size of the model</a:t>
+            </a:r>
+            <a:endParaRPr lang="en-US" sz="1800" b="0" strike="noStrike" spc="-1">
               <a:solidFill>
                 <a:srgbClr val="000000"/>
               </a:solidFill>
@@ -13061,7 +13067,7 @@
     </p:spTree>
     <p:extLst>
       <p:ext uri="{BB962C8B-B14F-4D97-AF65-F5344CB8AC3E}">
-        <p14:creationId xmlns:p14="http://schemas.microsoft.com/office/powerpoint/2010/main" val="1306525705"/>
+        <p14:creationId xmlns:p14="http://schemas.microsoft.com/office/powerpoint/2010/main" val="1600895105"/>
       </p:ext>
     </p:extLst>
   </p:cSld>
@@ -13115,78 +13121,9 @@
           <a:chExt cx="0" cy="0"/>
         </a:xfrm>
       </p:grpSpPr>
-      <p:sp>
-        <p:nvSpPr>
-          <p:cNvPr id="152" name="CustomShape 1"/>
-          <p:cNvSpPr/>
-          <p:nvPr/>
-        </p:nvSpPr>
-        <p:spPr>
-          <a:xfrm>
-            <a:off x="1346040" y="1002960"/>
-            <a:ext cx="7111440" cy="864360"/>
-          </a:xfrm>
-          <a:prstGeom prst="rect">
-            <a:avLst/>
-          </a:prstGeom>
-          <a:noFill/>
-          <a:ln>
-            <a:noFill/>
-          </a:ln>
-        </p:spPr>
-        <p:style>
-          <a:lnRef idx="0">
-            <a:scrgbClr r="0" g="0" b="0"/>
-          </a:lnRef>
-          <a:fillRef idx="0">
-            <a:scrgbClr r="0" g="0" b="0"/>
-          </a:fillRef>
-          <a:effectRef idx="0">
-            <a:scrgbClr r="0" g="0" b="0"/>
-          </a:effectRef>
-          <a:fontRef idx="minor"/>
-        </p:style>
-        <p:txBody>
-          <a:bodyPr lIns="90000" tIns="45000" rIns="90000" bIns="45000"/>
-          <a:lstStyle/>
-          <a:p>
-            <a:pPr>
-              <a:lnSpc>
-                <a:spcPct val="100000"/>
-              </a:lnSpc>
-            </a:pPr>
-            <a:r>
-              <a:rPr lang="en-US" sz="3200" b="0" strike="noStrike" spc="-1">
-                <a:solidFill>
-                  <a:srgbClr val="C0504D"/>
-                </a:solidFill>
-                <a:uFill>
-                  <a:solidFill>
-                    <a:srgbClr val="FFFFFF"/>
-                  </a:solidFill>
-                </a:uFill>
-                <a:latin typeface="Calibri"/>
-                <a:ea typeface="DejaVu Sans"/>
-              </a:rPr>
-              <a:t>Power</a:t>
-            </a:r>
-            <a:endParaRPr lang="en-US" sz="1800" b="0" strike="noStrike" spc="-1">
-              <a:solidFill>
-                <a:srgbClr val="000000"/>
-              </a:solidFill>
-              <a:uFill>
-                <a:solidFill>
-                  <a:srgbClr val="FFFFFF"/>
-                </a:solidFill>
-              </a:uFill>
-              <a:latin typeface="Arial"/>
-            </a:endParaRPr>
-          </a:p>
-        </p:txBody>
-      </p:sp>
       <p:pic>
         <p:nvPicPr>
-          <p:cNvPr id="153" name="图片 5"/>
+          <p:cNvPr id="149" name="图片 3"/>
           <p:cNvPicPr/>
           <p:nvPr/>
         </p:nvPicPr>
@@ -13196,8 +13133,8 @@
         </p:blipFill>
         <p:spPr>
           <a:xfrm>
-            <a:off x="1324800" y="1737360"/>
-            <a:ext cx="6356160" cy="4208760"/>
+            <a:off x="1188720" y="1532160"/>
+            <a:ext cx="6492240" cy="4443480"/>
           </a:xfrm>
           <a:prstGeom prst="rect">
             <a:avLst/>
@@ -13209,14 +13146,14 @@
       </p:pic>
       <p:sp>
         <p:nvSpPr>
-          <p:cNvPr id="154" name="CustomShape 2"/>
+          <p:cNvPr id="150" name="CustomShape 1"/>
           <p:cNvSpPr/>
           <p:nvPr/>
         </p:nvSpPr>
         <p:spPr>
           <a:xfrm>
-            <a:off x="98640" y="5934600"/>
-            <a:ext cx="9045000" cy="913320"/>
+            <a:off x="225000" y="5934600"/>
+            <a:ext cx="8918640" cy="913320"/>
           </a:xfrm>
           <a:prstGeom prst="rect">
             <a:avLst/>
@@ -13306,10 +13243,79 @@
           </a:p>
         </p:txBody>
       </p:sp>
+      <p:sp>
+        <p:nvSpPr>
+          <p:cNvPr id="151" name="CustomShape 2"/>
+          <p:cNvSpPr/>
+          <p:nvPr/>
+        </p:nvSpPr>
+        <p:spPr>
+          <a:xfrm>
+            <a:off x="1300860" y="970538"/>
+            <a:ext cx="7111440" cy="864360"/>
+          </a:xfrm>
+          <a:prstGeom prst="rect">
+            <a:avLst/>
+          </a:prstGeom>
+          <a:noFill/>
+          <a:ln>
+            <a:noFill/>
+          </a:ln>
+        </p:spPr>
+        <p:style>
+          <a:lnRef idx="0">
+            <a:scrgbClr r="0" g="0" b="0"/>
+          </a:lnRef>
+          <a:fillRef idx="0">
+            <a:scrgbClr r="0" g="0" b="0"/>
+          </a:fillRef>
+          <a:effectRef idx="0">
+            <a:scrgbClr r="0" g="0" b="0"/>
+          </a:effectRef>
+          <a:fontRef idx="minor"/>
+        </p:style>
+        <p:txBody>
+          <a:bodyPr lIns="90000" tIns="45000" rIns="90000" bIns="45000"/>
+          <a:lstStyle/>
+          <a:p>
+            <a:pPr>
+              <a:lnSpc>
+                <a:spcPct val="100000"/>
+              </a:lnSpc>
+            </a:pPr>
+            <a:r>
+              <a:rPr lang="en-US" sz="3200" b="0" strike="noStrike" spc="-1" dirty="0">
+                <a:solidFill>
+                  <a:srgbClr val="C0504D"/>
+                </a:solidFill>
+                <a:uFill>
+                  <a:solidFill>
+                    <a:srgbClr val="FFFFFF"/>
+                  </a:solidFill>
+                </a:uFill>
+                <a:latin typeface="Calibri"/>
+                <a:ea typeface="DejaVu Sans"/>
+              </a:rPr>
+              <a:t>Inference time</a:t>
+            </a:r>
+            <a:endParaRPr lang="en-US" sz="1800" b="0" strike="noStrike" spc="-1" dirty="0">
+              <a:solidFill>
+                <a:srgbClr val="000000"/>
+              </a:solidFill>
+              <a:uFill>
+                <a:solidFill>
+                  <a:srgbClr val="FFFFFF"/>
+                </a:solidFill>
+              </a:uFill>
+              <a:latin typeface="Arial"/>
+            </a:endParaRPr>
+          </a:p>
+        </p:txBody>
+      </p:sp>
     </p:spTree>
     <p:extLst>
       <p:ext uri="{BB962C8B-B14F-4D97-AF65-F5344CB8AC3E}">
-        <p14:creationId xmlns:p14="http://schemas.microsoft.com/office/powerpoint/2010/main" val="1752200844"/>
+        <p14:creationId xmlns:p14="http://schemas.microsoft.com/office/powerpoint/2010/main" val="1306525705"/>
       </p:ext>
     </p:extLst>
   </p:cSld>
@@ -13365,7 +13371,7 @@
       </p:grpSpPr>
       <p:sp>
         <p:nvSpPr>
-          <p:cNvPr id="155" name="CustomShape 1"/>
+          <p:cNvPr id="152" name="CustomShape 1"/>
           <p:cNvSpPr/>
           <p:nvPr/>
         </p:nvSpPr>
@@ -13416,7 +13422,7 @@
                 <a:latin typeface="Calibri"/>
                 <a:ea typeface="DejaVu Sans"/>
               </a:rPr>
-              <a:t>Memory</a:t>
+              <a:t>Power</a:t>
             </a:r>
             <a:endParaRPr lang="en-US" sz="1800" b="0" strike="noStrike" spc="-1">
               <a:solidFill>
@@ -13434,7 +13440,7 @@
       </p:sp>
       <p:pic>
         <p:nvPicPr>
-          <p:cNvPr id="156" name="图片 4"/>
+          <p:cNvPr id="153" name="图片 5"/>
           <p:cNvPicPr/>
           <p:nvPr/>
         </p:nvPicPr>
@@ -13444,8 +13450,8 @@
         </p:blipFill>
         <p:spPr>
           <a:xfrm>
-            <a:off x="1245960" y="1689120"/>
-            <a:ext cx="6286320" cy="4266720"/>
+            <a:off x="1324800" y="1737360"/>
+            <a:ext cx="6356160" cy="4208760"/>
           </a:xfrm>
           <a:prstGeom prst="rect">
             <a:avLst/>
@@ -13457,14 +13463,14 @@
       </p:pic>
       <p:sp>
         <p:nvSpPr>
-          <p:cNvPr id="157" name="CustomShape 2"/>
+          <p:cNvPr id="154" name="CustomShape 2"/>
           <p:cNvSpPr/>
           <p:nvPr/>
         </p:nvSpPr>
         <p:spPr>
           <a:xfrm>
-            <a:off x="92160" y="5956560"/>
-            <a:ext cx="9143640" cy="913320"/>
+            <a:off x="98640" y="5934600"/>
+            <a:ext cx="9045000" cy="913320"/>
           </a:xfrm>
           <a:prstGeom prst="rect">
             <a:avLst/>
@@ -13557,7 +13563,7 @@
     </p:spTree>
     <p:extLst>
       <p:ext uri="{BB962C8B-B14F-4D97-AF65-F5344CB8AC3E}">
-        <p14:creationId xmlns:p14="http://schemas.microsoft.com/office/powerpoint/2010/main" val="1469084761"/>
+        <p14:creationId xmlns:p14="http://schemas.microsoft.com/office/powerpoint/2010/main" val="1752200844"/>
       </p:ext>
     </p:extLst>
   </p:cSld>
@@ -13611,9 +13617,78 @@
           <a:chExt cx="0" cy="0"/>
         </a:xfrm>
       </p:grpSpPr>
+      <p:sp>
+        <p:nvSpPr>
+          <p:cNvPr id="155" name="CustomShape 1"/>
+          <p:cNvSpPr/>
+          <p:nvPr/>
+        </p:nvSpPr>
+        <p:spPr>
+          <a:xfrm>
+            <a:off x="1346040" y="1002960"/>
+            <a:ext cx="7111440" cy="864360"/>
+          </a:xfrm>
+          <a:prstGeom prst="rect">
+            <a:avLst/>
+          </a:prstGeom>
+          <a:noFill/>
+          <a:ln>
+            <a:noFill/>
+          </a:ln>
+        </p:spPr>
+        <p:style>
+          <a:lnRef idx="0">
+            <a:scrgbClr r="0" g="0" b="0"/>
+          </a:lnRef>
+          <a:fillRef idx="0">
+            <a:scrgbClr r="0" g="0" b="0"/>
+          </a:fillRef>
+          <a:effectRef idx="0">
+            <a:scrgbClr r="0" g="0" b="0"/>
+          </a:effectRef>
+          <a:fontRef idx="minor"/>
+        </p:style>
+        <p:txBody>
+          <a:bodyPr lIns="90000" tIns="45000" rIns="90000" bIns="45000"/>
+          <a:lstStyle/>
+          <a:p>
+            <a:pPr>
+              <a:lnSpc>
+                <a:spcPct val="100000"/>
+              </a:lnSpc>
+            </a:pPr>
+            <a:r>
+              <a:rPr lang="en-US" sz="3200" b="0" strike="noStrike" spc="-1">
+                <a:solidFill>
+                  <a:srgbClr val="C0504D"/>
+                </a:solidFill>
+                <a:uFill>
+                  <a:solidFill>
+                    <a:srgbClr val="FFFFFF"/>
+                  </a:solidFill>
+                </a:uFill>
+                <a:latin typeface="Calibri"/>
+                <a:ea typeface="DejaVu Sans"/>
+              </a:rPr>
+              <a:t>Memory</a:t>
+            </a:r>
+            <a:endParaRPr lang="en-US" sz="1800" b="0" strike="noStrike" spc="-1">
+              <a:solidFill>
+                <a:srgbClr val="000000"/>
+              </a:solidFill>
+              <a:uFill>
+                <a:solidFill>
+                  <a:srgbClr val="FFFFFF"/>
+                </a:solidFill>
+              </a:uFill>
+              <a:latin typeface="Arial"/>
+            </a:endParaRPr>
+          </a:p>
+        </p:txBody>
+      </p:sp>
       <p:pic>
         <p:nvPicPr>
-          <p:cNvPr id="158" name="图片 3"/>
+          <p:cNvPr id="156" name="图片 4"/>
           <p:cNvPicPr/>
           <p:nvPr/>
         </p:nvPicPr>
@@ -13623,8 +13698,8 @@
         </p:blipFill>
         <p:spPr>
           <a:xfrm>
-            <a:off x="136080" y="1828800"/>
-            <a:ext cx="8550720" cy="3404520"/>
+            <a:off x="1245960" y="1689120"/>
+            <a:ext cx="6286320" cy="4266720"/>
           </a:xfrm>
           <a:prstGeom prst="rect">
             <a:avLst/>
@@ -13636,14 +13711,14 @@
       </p:pic>
       <p:sp>
         <p:nvSpPr>
-          <p:cNvPr id="159" name="CustomShape 1"/>
+          <p:cNvPr id="157" name="CustomShape 2"/>
           <p:cNvSpPr/>
           <p:nvPr/>
         </p:nvSpPr>
         <p:spPr>
           <a:xfrm>
-            <a:off x="0" y="5662080"/>
-            <a:ext cx="9354600" cy="913320"/>
+            <a:off x="92160" y="5956560"/>
+            <a:ext cx="9143640" cy="913320"/>
           </a:xfrm>
           <a:prstGeom prst="rect">
             <a:avLst/>
@@ -13736,7 +13811,7 @@
     </p:spTree>
     <p:extLst>
       <p:ext uri="{BB962C8B-B14F-4D97-AF65-F5344CB8AC3E}">
-        <p14:creationId xmlns:p14="http://schemas.microsoft.com/office/powerpoint/2010/main" val="3730801796"/>
+        <p14:creationId xmlns:p14="http://schemas.microsoft.com/office/powerpoint/2010/main" val="1469084761"/>
       </p:ext>
     </p:extLst>
   </p:cSld>
@@ -13790,16 +13865,39 @@
           <a:chExt cx="0" cy="0"/>
         </a:xfrm>
       </p:grpSpPr>
-      <p:sp>
-        <p:nvSpPr>
-          <p:cNvPr id="110" name="CustomShape 1"/>
+      <p:pic>
+        <p:nvPicPr>
+          <p:cNvPr id="158" name="图片 3"/>
+          <p:cNvPicPr/>
+          <p:nvPr/>
+        </p:nvPicPr>
+        <p:blipFill>
+          <a:blip r:embed="rId2"/>
+          <a:stretch/>
+        </p:blipFill>
+        <p:spPr>
+          <a:xfrm>
+            <a:off x="136080" y="1828800"/>
+            <a:ext cx="8550720" cy="3404520"/>
+          </a:xfrm>
+          <a:prstGeom prst="rect">
+            <a:avLst/>
+          </a:prstGeom>
+          <a:ln>
+            <a:noFill/>
+          </a:ln>
+        </p:spPr>
+      </p:pic>
+      <p:sp>
+        <p:nvSpPr>
+          <p:cNvPr id="159" name="CustomShape 1"/>
           <p:cNvSpPr/>
           <p:nvPr/>
         </p:nvSpPr>
         <p:spPr>
           <a:xfrm>
-            <a:off x="1392120" y="1005840"/>
-            <a:ext cx="7111440" cy="1064880"/>
+            <a:off x="0" y="5662080"/>
+            <a:ext cx="9354600" cy="913320"/>
           </a:xfrm>
           <a:prstGeom prst="rect">
             <a:avLst/>
@@ -13831,145 +13929,37 @@
               </a:lnSpc>
             </a:pPr>
             <a:r>
-              <a:rPr lang="en-US" sz="3200" b="0" strike="noStrike" spc="-1" dirty="0" smtClean="0">
-                <a:solidFill>
-                  <a:srgbClr val="C0504D"/>
+              <a:rPr lang="en-US" sz="1800" b="0" strike="noStrike" spc="-1">
+                <a:solidFill>
+                  <a:srgbClr val="000000"/>
                 </a:solidFill>
                 <a:uFill>
                   <a:solidFill>
                     <a:srgbClr val="FFFFFF"/>
                   </a:solidFill>
                 </a:uFill>
-                <a:latin typeface="Calibri"/>
+                <a:latin typeface="Arial"/>
                 <a:ea typeface="DejaVu Sans"/>
               </a:rPr>
-              <a:t>CNN Based medical image classification </a:t>
-            </a:r>
-            <a:endParaRPr lang="en-US" sz="1800" b="0" strike="noStrike" spc="-1" dirty="0">
-              <a:solidFill>
-                <a:srgbClr val="000000"/>
-              </a:solidFill>
-              <a:uFill>
-                <a:solidFill>
-                  <a:srgbClr val="FFFFFF"/>
-                </a:solidFill>
-              </a:uFill>
-              <a:latin typeface="Arial"/>
-            </a:endParaRPr>
-          </a:p>
-        </p:txBody>
-      </p:sp>
-      <p:sp>
-        <p:nvSpPr>
-          <p:cNvPr id="111" name="CustomShape 2"/>
-          <p:cNvSpPr/>
-          <p:nvPr/>
-        </p:nvSpPr>
-        <p:spPr>
-          <a:xfrm>
-            <a:off x="695880" y="1023480"/>
-            <a:ext cx="558720" cy="516600"/>
-          </a:xfrm>
-          <a:prstGeom prst="rect">
-            <a:avLst/>
-          </a:prstGeom>
-          <a:noFill/>
-          <a:ln>
-            <a:noFill/>
-          </a:ln>
-        </p:spPr>
-        <p:style>
-          <a:lnRef idx="0">
-            <a:scrgbClr r="0" g="0" b="0"/>
-          </a:lnRef>
-          <a:fillRef idx="0">
-            <a:scrgbClr r="0" g="0" b="0"/>
-          </a:fillRef>
-          <a:effectRef idx="0">
-            <a:scrgbClr r="0" g="0" b="0"/>
-          </a:effectRef>
-          <a:fontRef idx="minor"/>
-        </p:style>
-        <p:txBody>
-          <a:bodyPr lIns="90000" tIns="45000" rIns="90000" bIns="45000"/>
-          <a:lstStyle/>
-          <a:p>
-            <a:pPr>
-              <a:lnSpc>
-                <a:spcPct val="100000"/>
-              </a:lnSpc>
-            </a:pPr>
-            <a:r>
-              <a:rPr lang="en-US" sz="2800" b="1" strike="noStrike" spc="-1">
-                <a:solidFill>
-                  <a:srgbClr val="FFFFFF"/>
+              <a:t>Canziani, Alfredo, Adam Paszke, and Eugenio Culurciello. "An Analysis of Deep Neural Network Models for Practical Applications." </a:t>
+            </a:r>
+            <a:r>
+              <a:rPr lang="en-US" sz="1800" b="0" i="1" strike="noStrike" spc="-1">
+                <a:solidFill>
+                  <a:srgbClr val="000000"/>
                 </a:solidFill>
                 <a:uFill>
                   <a:solidFill>
                     <a:srgbClr val="FFFFFF"/>
                   </a:solidFill>
                 </a:uFill>
-                <a:latin typeface="Calibri"/>
+                <a:latin typeface="Arial"/>
                 <a:ea typeface="DejaVu Sans"/>
               </a:rPr>
-              <a:t>04</a:t>
-            </a:r>
-            <a:endParaRPr lang="en-US" sz="1800" b="0" strike="noStrike" spc="-1">
-              <a:solidFill>
-                <a:srgbClr val="000000"/>
-              </a:solidFill>
-              <a:uFill>
-                <a:solidFill>
-                  <a:srgbClr val="FFFFFF"/>
-                </a:solidFill>
-              </a:uFill>
-              <a:latin typeface="Arial"/>
-            </a:endParaRPr>
-          </a:p>
-        </p:txBody>
-      </p:sp>
-      <p:sp>
-        <p:nvSpPr>
-          <p:cNvPr id="112" name="CustomShape 3"/>
-          <p:cNvSpPr/>
-          <p:nvPr/>
-        </p:nvSpPr>
-        <p:spPr>
-          <a:xfrm>
-            <a:off x="695880" y="2071080"/>
-            <a:ext cx="8960760" cy="3781080"/>
-          </a:xfrm>
-          <a:prstGeom prst="rect">
-            <a:avLst/>
-          </a:prstGeom>
-          <a:noFill/>
-          <a:ln>
-            <a:noFill/>
-          </a:ln>
-        </p:spPr>
-        <p:style>
-          <a:lnRef idx="0">
-            <a:scrgbClr r="0" g="0" b="0"/>
-          </a:lnRef>
-          <a:fillRef idx="0">
-            <a:scrgbClr r="0" g="0" b="0"/>
-          </a:fillRef>
-          <a:effectRef idx="0">
-            <a:scrgbClr r="0" g="0" b="0"/>
-          </a:effectRef>
-          <a:fontRef idx="minor"/>
-        </p:style>
-        <p:txBody>
-          <a:bodyPr lIns="90000" tIns="45000" rIns="90000" bIns="45000"/>
-          <a:lstStyle/>
-          <a:p>
-            <a:pPr marL="360">
-              <a:lnSpc>
-                <a:spcPct val="125000"/>
-              </a:lnSpc>
-            </a:pPr>
-            <a:r>
-              <a:rPr lang="en-US" sz="2400" b="0" strike="noStrike" spc="-1" dirty="0">
+              <a:t>arXiv: Computer Vision and Pattern Recognition</a:t>
+            </a:r>
+            <a:r>
+              <a:rPr lang="en-US" sz="1800" b="0" strike="noStrike" spc="-1">
                 <a:solidFill>
                   <a:srgbClr val="000000"/>
                 </a:solidFill>
@@ -13978,162 +13968,12 @@
                     <a:srgbClr val="FFFFFF"/>
                   </a:solidFill>
                 </a:uFill>
-                <a:latin typeface="Times New Roman"/>
+                <a:latin typeface="Arial"/>
                 <a:ea typeface="DejaVu Sans"/>
               </a:rPr>
-              <a:t> </a:t>
-            </a:r>
-            <a:endParaRPr lang="en-US" sz="1800" b="0" strike="noStrike" spc="-1" dirty="0">
-              <a:solidFill>
-                <a:srgbClr val="000000"/>
-              </a:solidFill>
-              <a:uFill>
-                <a:solidFill>
-                  <a:srgbClr val="FFFFFF"/>
-                </a:solidFill>
-              </a:uFill>
-              <a:latin typeface="Arial"/>
-            </a:endParaRPr>
-          </a:p>
-          <a:p>
-            <a:pPr marL="285840" indent="-285120">
-              <a:lnSpc>
-                <a:spcPct val="125000"/>
-              </a:lnSpc>
-              <a:buClr>
-                <a:srgbClr val="000000"/>
-              </a:buClr>
-              <a:buFont typeface="Wingdings" charset="2"/>
-              <a:buChar char=""/>
-            </a:pPr>
-            <a:r>
-              <a:rPr lang="en-US" sz="2400" b="0" strike="noStrike" spc="-1" dirty="0">
-                <a:solidFill>
-                  <a:srgbClr val="000000"/>
-                </a:solidFill>
-                <a:uFill>
-                  <a:solidFill>
-                    <a:srgbClr val="FFFFFF"/>
-                  </a:solidFill>
-                </a:uFill>
-                <a:latin typeface="Times New Roman"/>
-                <a:ea typeface="DejaVu Sans"/>
-              </a:rPr>
-              <a:t>Datasets usually small</a:t>
-            </a:r>
-            <a:endParaRPr lang="en-US" sz="1800" b="0" strike="noStrike" spc="-1" dirty="0">
-              <a:solidFill>
-                <a:srgbClr val="000000"/>
-              </a:solidFill>
-              <a:uFill>
-                <a:solidFill>
-                  <a:srgbClr val="FFFFFF"/>
-                </a:solidFill>
-              </a:uFill>
-              <a:latin typeface="Arial"/>
-            </a:endParaRPr>
-          </a:p>
-          <a:p>
-            <a:pPr marL="360">
-              <a:lnSpc>
-                <a:spcPct val="125000"/>
-              </a:lnSpc>
-            </a:pPr>
-            <a:endParaRPr lang="en-US" sz="1800" b="0" strike="noStrike" spc="-1" dirty="0">
-              <a:solidFill>
-                <a:srgbClr val="000000"/>
-              </a:solidFill>
-              <a:uFill>
-                <a:solidFill>
-                  <a:srgbClr val="FFFFFF"/>
-                </a:solidFill>
-              </a:uFill>
-              <a:latin typeface="Arial"/>
-            </a:endParaRPr>
-          </a:p>
-          <a:p>
-            <a:pPr marL="285840" indent="-285120">
-              <a:lnSpc>
-                <a:spcPct val="125000"/>
-              </a:lnSpc>
-              <a:buClr>
-                <a:srgbClr val="000000"/>
-              </a:buClr>
-              <a:buFont typeface="Wingdings" charset="2"/>
-              <a:buChar char=""/>
-            </a:pPr>
-            <a:r>
-              <a:rPr lang="en-US" sz="2400" b="0" strike="noStrike" spc="-1" dirty="0">
-                <a:solidFill>
-                  <a:srgbClr val="000000"/>
-                </a:solidFill>
-                <a:uFill>
-                  <a:solidFill>
-                    <a:srgbClr val="FFFFFF"/>
-                  </a:solidFill>
-                </a:uFill>
-                <a:latin typeface="Times New Roman"/>
-                <a:ea typeface="DejaVu Sans"/>
-              </a:rPr>
-              <a:t>Using a  pre-trained CNN to their tasks</a:t>
-            </a:r>
-            <a:endParaRPr lang="en-US" sz="1800" b="0" strike="noStrike" spc="-1" dirty="0">
-              <a:solidFill>
-                <a:srgbClr val="000000"/>
-              </a:solidFill>
-              <a:uFill>
-                <a:solidFill>
-                  <a:srgbClr val="FFFFFF"/>
-                </a:solidFill>
-              </a:uFill>
-              <a:latin typeface="Arial"/>
-            </a:endParaRPr>
-          </a:p>
-          <a:p>
-            <a:pPr marL="360">
-              <a:lnSpc>
-                <a:spcPct val="125000"/>
-              </a:lnSpc>
-            </a:pPr>
-            <a:endParaRPr lang="en-US" sz="1800" b="0" strike="noStrike" spc="-1" dirty="0">
-              <a:solidFill>
-                <a:srgbClr val="000000"/>
-              </a:solidFill>
-              <a:uFill>
-                <a:solidFill>
-                  <a:srgbClr val="FFFFFF"/>
-                </a:solidFill>
-              </a:uFill>
-              <a:latin typeface="Arial"/>
-            </a:endParaRPr>
-          </a:p>
-          <a:p>
-            <a:pPr marL="285840" indent="-285120">
-              <a:lnSpc>
-                <a:spcPct val="125000"/>
-              </a:lnSpc>
-              <a:buClr>
-                <a:srgbClr val="000000"/>
-              </a:buClr>
-              <a:buFont typeface="Wingdings" charset="2"/>
-              <a:buChar char=""/>
-            </a:pPr>
-            <a:r>
-              <a:rPr lang="en-US" sz="2400" b="0" strike="noStrike" spc="-1" dirty="0">
-                <a:solidFill>
-                  <a:srgbClr val="000000"/>
-                </a:solidFill>
-                <a:uFill>
-                  <a:solidFill>
-                    <a:srgbClr val="FFFFFF"/>
-                  </a:solidFill>
-                </a:uFill>
-                <a:latin typeface="Times New Roman"/>
-                <a:ea typeface="DejaVu Sans"/>
-              </a:rPr>
-              <a:t>A pre-trained CNN is adapted to the application at hand.</a:t>
-            </a:r>
-            <a:endParaRPr lang="en-US" sz="1800" b="0" strike="noStrike" spc="-1" dirty="0">
+              <a:t> (2016).</a:t>
+            </a:r>
+            <a:endParaRPr lang="en-US" sz="1800" b="0" strike="noStrike" spc="-1">
               <a:solidFill>
                 <a:srgbClr val="000000"/>
               </a:solidFill>
@@ -14150,7 +13990,7 @@
     </p:spTree>
     <p:extLst>
       <p:ext uri="{BB962C8B-B14F-4D97-AF65-F5344CB8AC3E}">
-        <p14:creationId xmlns:p14="http://schemas.microsoft.com/office/powerpoint/2010/main" val="1610876393"/>
+        <p14:creationId xmlns:p14="http://schemas.microsoft.com/office/powerpoint/2010/main" val="3730801796"/>
       </p:ext>
     </p:extLst>
   </p:cSld>
@@ -14206,13 +14046,13 @@
       </p:grpSpPr>
       <p:sp>
         <p:nvSpPr>
-          <p:cNvPr id="113" name="CustomShape 1"/>
+          <p:cNvPr id="110" name="CustomShape 1"/>
           <p:cNvSpPr/>
           <p:nvPr/>
         </p:nvSpPr>
         <p:spPr>
           <a:xfrm>
-            <a:off x="1392120" y="991800"/>
+            <a:off x="1392120" y="1005840"/>
             <a:ext cx="7111440" cy="1064880"/>
           </a:xfrm>
           <a:prstGeom prst="rect">
@@ -14245,7 +14085,7 @@
               </a:lnSpc>
             </a:pPr>
             <a:r>
-              <a:rPr lang="en-US" sz="3200" b="0" strike="noStrike" spc="-1" dirty="0">
+              <a:rPr lang="en-US" sz="3200" b="0" strike="noStrike" spc="-1" dirty="0" smtClean="0">
                 <a:solidFill>
                   <a:srgbClr val="C0504D"/>
                 </a:solidFill>
@@ -14275,7 +14115,7 @@
       </p:sp>
       <p:sp>
         <p:nvSpPr>
-          <p:cNvPr id="114" name="CustomShape 2"/>
+          <p:cNvPr id="111" name="CustomShape 2"/>
           <p:cNvSpPr/>
           <p:nvPr/>
         </p:nvSpPr>
@@ -14344,14 +14184,14 @@
       </p:sp>
       <p:sp>
         <p:nvSpPr>
-          <p:cNvPr id="115" name="CustomShape 3"/>
+          <p:cNvPr id="112" name="CustomShape 3"/>
           <p:cNvSpPr/>
           <p:nvPr/>
         </p:nvSpPr>
         <p:spPr>
           <a:xfrm>
-            <a:off x="1254600" y="2683080"/>
-            <a:ext cx="7289640" cy="2993820"/>
+            <a:off x="695880" y="2071080"/>
+            <a:ext cx="8960760" cy="3781080"/>
           </a:xfrm>
           <a:prstGeom prst="rect">
             <a:avLst/>
@@ -14377,15 +14217,10 @@
           <a:bodyPr lIns="90000" tIns="45000" rIns="90000" bIns="45000"/>
           <a:lstStyle/>
           <a:p>
-            <a:pPr marL="285840" indent="-285120">
+            <a:pPr marL="360">
               <a:lnSpc>
                 <a:spcPct val="125000"/>
               </a:lnSpc>
-              <a:buClr>
-                <a:srgbClr val="000000"/>
-              </a:buClr>
-              <a:buFont typeface="Wingdings" charset="2"/>
-              <a:buChar char=""/>
             </a:pPr>
             <a:r>
               <a:rPr lang="en-US" sz="2400" b="0" strike="noStrike" spc="-1" dirty="0">
@@ -14400,10 +14235,33 @@
                 <a:latin typeface="Times New Roman"/>
                 <a:ea typeface="DejaVu Sans"/>
               </a:rPr>
-              <a:t>Polyp detection(</a:t>
-            </a:r>
-            <a:r>
-              <a:rPr lang="en-US" sz="2400" b="0" strike="noStrike" spc="-1" dirty="0" err="1">
+              <a:t> </a:t>
+            </a:r>
+            <a:endParaRPr lang="en-US" sz="1800" b="0" strike="noStrike" spc="-1" dirty="0">
+              <a:solidFill>
+                <a:srgbClr val="000000"/>
+              </a:solidFill>
+              <a:uFill>
+                <a:solidFill>
+                  <a:srgbClr val="FFFFFF"/>
+                </a:solidFill>
+              </a:uFill>
+              <a:latin typeface="Arial"/>
+            </a:endParaRPr>
+          </a:p>
+          <a:p>
+            <a:pPr marL="285840" indent="-285120">
+              <a:lnSpc>
+                <a:spcPct val="125000"/>
+              </a:lnSpc>
+              <a:buClr>
+                <a:srgbClr val="000000"/>
+              </a:buClr>
+              <a:buFont typeface="Wingdings" charset="2"/>
+              <a:buChar char=""/>
+            </a:pPr>
+            <a:r>
+              <a:rPr lang="en-US" sz="2400" b="0" strike="noStrike" spc="-1" dirty="0">
                 <a:solidFill>
                   <a:srgbClr val="000000"/>
                 </a:solidFill>
@@ -14415,8 +14273,49 @@
                 <a:latin typeface="Times New Roman"/>
                 <a:ea typeface="DejaVu Sans"/>
               </a:rPr>
-              <a:t>肠息肉的检测</a:t>
-            </a:r>
+              <a:t>Datasets usually small</a:t>
+            </a:r>
+            <a:endParaRPr lang="en-US" sz="1800" b="0" strike="noStrike" spc="-1" dirty="0">
+              <a:solidFill>
+                <a:srgbClr val="000000"/>
+              </a:solidFill>
+              <a:uFill>
+                <a:solidFill>
+                  <a:srgbClr val="FFFFFF"/>
+                </a:solidFill>
+              </a:uFill>
+              <a:latin typeface="Arial"/>
+            </a:endParaRPr>
+          </a:p>
+          <a:p>
+            <a:pPr marL="360">
+              <a:lnSpc>
+                <a:spcPct val="125000"/>
+              </a:lnSpc>
+            </a:pPr>
+            <a:endParaRPr lang="en-US" sz="1800" b="0" strike="noStrike" spc="-1" dirty="0">
+              <a:solidFill>
+                <a:srgbClr val="000000"/>
+              </a:solidFill>
+              <a:uFill>
+                <a:solidFill>
+                  <a:srgbClr val="FFFFFF"/>
+                </a:solidFill>
+              </a:uFill>
+              <a:latin typeface="Arial"/>
+            </a:endParaRPr>
+          </a:p>
+          <a:p>
+            <a:pPr marL="285840" indent="-285120">
+              <a:lnSpc>
+                <a:spcPct val="125000"/>
+              </a:lnSpc>
+              <a:buClr>
+                <a:srgbClr val="000000"/>
+              </a:buClr>
+              <a:buFont typeface="Wingdings" charset="2"/>
+              <a:buChar char=""/>
+            </a:pPr>
             <a:r>
               <a:rPr lang="en-US" sz="2400" b="0" strike="noStrike" spc="-1" dirty="0">
                 <a:solidFill>
@@ -14430,26 +14329,8 @@
                 <a:latin typeface="Times New Roman"/>
                 <a:ea typeface="DejaVu Sans"/>
               </a:rPr>
-              <a:t>)</a:t>
-            </a:r>
-            <a:endParaRPr lang="en-US" sz="1800" b="0" strike="noStrike" spc="-1" dirty="0">
-              <a:solidFill>
-                <a:srgbClr val="000000"/>
-              </a:solidFill>
-              <a:uFill>
-                <a:solidFill>
-                  <a:srgbClr val="FFFFFF"/>
-                </a:solidFill>
-              </a:uFill>
-              <a:latin typeface="Arial"/>
-            </a:endParaRPr>
-          </a:p>
-          <a:p>
-            <a:pPr marL="360">
-              <a:lnSpc>
-                <a:spcPct val="125000"/>
-              </a:lnSpc>
-            </a:pPr>
+              <a:t>Using a  pre-trained CNN to their tasks</a:t>
+            </a:r>
             <a:endParaRPr lang="en-US" sz="1800" b="0" strike="noStrike" spc="-1" dirty="0">
               <a:solidFill>
                 <a:srgbClr val="000000"/>
@@ -14504,37 +14385,7 @@
                 <a:latin typeface="Times New Roman"/>
                 <a:ea typeface="DejaVu Sans"/>
               </a:rPr>
-              <a:t>Pulmonary Embolism Detection(</a:t>
-            </a:r>
-            <a:r>
-              <a:rPr lang="en-US" sz="2400" b="0" strike="noStrike" spc="-1" dirty="0" err="1">
-                <a:solidFill>
-                  <a:srgbClr val="000000"/>
-                </a:solidFill>
-                <a:uFill>
-                  <a:solidFill>
-                    <a:srgbClr val="FFFFFF"/>
-                  </a:solidFill>
-                </a:uFill>
-                <a:latin typeface="Times New Roman"/>
-                <a:ea typeface="DejaVu Sans"/>
-              </a:rPr>
-              <a:t>肺栓塞的检测</a:t>
-            </a:r>
-            <a:r>
-              <a:rPr lang="en-US" sz="2400" b="0" strike="noStrike" spc="-1" dirty="0" smtClean="0">
-                <a:solidFill>
-                  <a:srgbClr val="000000"/>
-                </a:solidFill>
-                <a:uFill>
-                  <a:solidFill>
-                    <a:srgbClr val="FFFFFF"/>
-                  </a:solidFill>
-                </a:uFill>
-                <a:latin typeface="Times New Roman"/>
-                <a:ea typeface="DejaVu Sans"/>
-              </a:rPr>
-              <a:t>)</a:t>
+              <a:t>A pre-trained CNN is adapted to the application at hand.</a:t>
             </a:r>
             <a:endParaRPr lang="en-US" sz="1800" b="0" strike="noStrike" spc="-1" dirty="0">
               <a:solidFill>
@@ -14553,7 +14404,7 @@
     </p:spTree>
     <p:extLst>
       <p:ext uri="{BB962C8B-B14F-4D97-AF65-F5344CB8AC3E}">
-        <p14:creationId xmlns:p14="http://schemas.microsoft.com/office/powerpoint/2010/main" val="3165661842"/>
+        <p14:creationId xmlns:p14="http://schemas.microsoft.com/office/powerpoint/2010/main" val="1610876393"/>
       </p:ext>
     </p:extLst>
   </p:cSld>
@@ -14609,13 +14460,13 @@
       </p:grpSpPr>
       <p:sp>
         <p:nvSpPr>
-          <p:cNvPr id="116" name="CustomShape 1"/>
+          <p:cNvPr id="113" name="CustomShape 1"/>
           <p:cNvSpPr/>
           <p:nvPr/>
         </p:nvSpPr>
         <p:spPr>
           <a:xfrm>
-            <a:off x="1344060" y="1023480"/>
+            <a:off x="1392120" y="991800"/>
             <a:ext cx="7111440" cy="1064880"/>
           </a:xfrm>
           <a:prstGeom prst="rect">
@@ -14648,7 +14499,7 @@
               </a:lnSpc>
             </a:pPr>
             <a:r>
-              <a:rPr lang="en-US" sz="3200" spc="-1" dirty="0">
+              <a:rPr lang="en-US" sz="3200" b="0" strike="noStrike" spc="-1" dirty="0">
                 <a:solidFill>
                   <a:srgbClr val="C0504D"/>
                 </a:solidFill>
@@ -14658,22 +14509,103 @@
                   </a:solidFill>
                 </a:uFill>
                 <a:latin typeface="Calibri"/>
+                <a:ea typeface="DejaVu Sans"/>
               </a:rPr>
-              <a:t>Polyp detection</a:t>
-            </a:r>
-          </a:p>
-        </p:txBody>
-      </p:sp>
-      <p:sp>
-        <p:nvSpPr>
-          <p:cNvPr id="118" name="CustomShape 3"/>
+              <a:t>CNN Based medical image classification </a:t>
+            </a:r>
+            <a:endParaRPr lang="en-US" sz="1800" b="0" strike="noStrike" spc="-1" dirty="0">
+              <a:solidFill>
+                <a:srgbClr val="000000"/>
+              </a:solidFill>
+              <a:uFill>
+                <a:solidFill>
+                  <a:srgbClr val="FFFFFF"/>
+                </a:solidFill>
+              </a:uFill>
+              <a:latin typeface="Arial"/>
+            </a:endParaRPr>
+          </a:p>
+        </p:txBody>
+      </p:sp>
+      <p:sp>
+        <p:nvSpPr>
+          <p:cNvPr id="114" name="CustomShape 2"/>
           <p:cNvSpPr/>
           <p:nvPr/>
         </p:nvSpPr>
         <p:spPr>
           <a:xfrm>
-            <a:off x="1254960" y="1997280"/>
-            <a:ext cx="7289640" cy="3781080"/>
+            <a:off x="695880" y="1023480"/>
+            <a:ext cx="558720" cy="516600"/>
+          </a:xfrm>
+          <a:prstGeom prst="rect">
+            <a:avLst/>
+          </a:prstGeom>
+          <a:noFill/>
+          <a:ln>
+            <a:noFill/>
+          </a:ln>
+        </p:spPr>
+        <p:style>
+          <a:lnRef idx="0">
+            <a:scrgbClr r="0" g="0" b="0"/>
+          </a:lnRef>
+          <a:fillRef idx="0">
+            <a:scrgbClr r="0" g="0" b="0"/>
+          </a:fillRef>
+          <a:effectRef idx="0">
+            <a:scrgbClr r="0" g="0" b="0"/>
+          </a:effectRef>
+          <a:fontRef idx="minor"/>
+        </p:style>
+        <p:txBody>
+          <a:bodyPr lIns="90000" tIns="45000" rIns="90000" bIns="45000"/>
+          <a:lstStyle/>
+          <a:p>
+            <a:pPr>
+              <a:lnSpc>
+                <a:spcPct val="100000"/>
+              </a:lnSpc>
+            </a:pPr>
+            <a:r>
+              <a:rPr lang="en-US" sz="2800" b="1" strike="noStrike" spc="-1">
+                <a:solidFill>
+                  <a:srgbClr val="FFFFFF"/>
+                </a:solidFill>
+                <a:uFill>
+                  <a:solidFill>
+                    <a:srgbClr val="FFFFFF"/>
+                  </a:solidFill>
+                </a:uFill>
+                <a:latin typeface="Calibri"/>
+                <a:ea typeface="DejaVu Sans"/>
+              </a:rPr>
+              <a:t>04</a:t>
+            </a:r>
+            <a:endParaRPr lang="en-US" sz="1800" b="0" strike="noStrike" spc="-1">
+              <a:solidFill>
+                <a:srgbClr val="000000"/>
+              </a:solidFill>
+              <a:uFill>
+                <a:solidFill>
+                  <a:srgbClr val="FFFFFF"/>
+                </a:solidFill>
+              </a:uFill>
+              <a:latin typeface="Arial"/>
+            </a:endParaRPr>
+          </a:p>
+        </p:txBody>
+      </p:sp>
+      <p:sp>
+        <p:nvSpPr>
+          <p:cNvPr id="115" name="CustomShape 3"/>
+          <p:cNvSpPr/>
+          <p:nvPr/>
+        </p:nvSpPr>
+        <p:spPr>
+          <a:xfrm>
+            <a:off x="1254600" y="2683080"/>
+            <a:ext cx="7289640" cy="2993820"/>
           </a:xfrm>
           <a:prstGeom prst="rect">
             <a:avLst/>
@@ -14710,7 +14642,7 @@
               <a:buChar char=""/>
             </a:pPr>
             <a:r>
-              <a:rPr lang="en-US" sz="2400" b="0" strike="noStrike" spc="-1" dirty="0" smtClean="0">
+              <a:rPr lang="en-US" sz="2400" b="0" strike="noStrike" spc="-1" dirty="0">
                 <a:solidFill>
                   <a:srgbClr val="000000"/>
                 </a:solidFill>
@@ -14722,10 +14654,10 @@
                 <a:latin typeface="Times New Roman"/>
                 <a:ea typeface="DejaVu Sans"/>
               </a:rPr>
-              <a:t>Extract </a:t>
-            </a:r>
-            <a:r>
-              <a:rPr lang="en-US" sz="2400" b="0" strike="noStrike" spc="-1" dirty="0">
+              <a:t>Polyp detection(</a:t>
+            </a:r>
+            <a:r>
+              <a:rPr lang="en-US" sz="2400" b="0" strike="noStrike" spc="-1" dirty="0" err="1">
                 <a:solidFill>
                   <a:srgbClr val="000000"/>
                 </a:solidFill>
@@ -14737,31 +14669,8 @@
                 <a:latin typeface="Times New Roman"/>
                 <a:ea typeface="DejaVu Sans"/>
               </a:rPr>
-              <a:t>images from 40 short colonoscopy videos.</a:t>
-            </a:r>
-            <a:endParaRPr lang="en-US" sz="1800" b="0" strike="noStrike" spc="-1" dirty="0">
-              <a:solidFill>
-                <a:srgbClr val="000000"/>
-              </a:solidFill>
-              <a:uFill>
-                <a:solidFill>
-                  <a:srgbClr val="FFFFFF"/>
-                </a:solidFill>
-              </a:uFill>
-              <a:latin typeface="Arial"/>
-            </a:endParaRPr>
-          </a:p>
-          <a:p>
-            <a:pPr marL="285840" indent="-285120">
-              <a:lnSpc>
-                <a:spcPct val="125000"/>
-              </a:lnSpc>
-              <a:buClr>
-                <a:srgbClr val="000000"/>
-              </a:buClr>
-              <a:buFont typeface="Wingdings" charset="2"/>
-              <a:buChar char=""/>
-            </a:pPr>
+              <a:t>肠息肉的检测</a:t>
+            </a:r>
             <a:r>
               <a:rPr lang="en-US" sz="2400" b="0" strike="noStrike" spc="-1" dirty="0">
                 <a:solidFill>
@@ -14775,8 +14684,44 @@
                 <a:latin typeface="Times New Roman"/>
                 <a:ea typeface="DejaVu Sans"/>
               </a:rPr>
-              <a:t>Training set contains 3,800 frames with polyps and 15,100 frames without polyps. </a:t>
-            </a:r>
+              <a:t>)</a:t>
+            </a:r>
+            <a:endParaRPr lang="en-US" sz="1800" b="0" strike="noStrike" spc="-1" dirty="0">
+              <a:solidFill>
+                <a:srgbClr val="000000"/>
+              </a:solidFill>
+              <a:uFill>
+                <a:solidFill>
+                  <a:srgbClr val="FFFFFF"/>
+                </a:solidFill>
+              </a:uFill>
+              <a:latin typeface="Arial"/>
+            </a:endParaRPr>
+          </a:p>
+          <a:p>
+            <a:pPr marL="360">
+              <a:lnSpc>
+                <a:spcPct val="125000"/>
+              </a:lnSpc>
+            </a:pPr>
+            <a:endParaRPr lang="en-US" sz="1800" b="0" strike="noStrike" spc="-1" dirty="0">
+              <a:solidFill>
+                <a:srgbClr val="000000"/>
+              </a:solidFill>
+              <a:uFill>
+                <a:solidFill>
+                  <a:srgbClr val="FFFFFF"/>
+                </a:solidFill>
+              </a:uFill>
+              <a:latin typeface="Arial"/>
+            </a:endParaRPr>
+          </a:p>
+          <a:p>
+            <a:pPr marL="360">
+              <a:lnSpc>
+                <a:spcPct val="125000"/>
+              </a:lnSpc>
+            </a:pPr>
             <a:endParaRPr lang="en-US" sz="1800" b="0" strike="noStrike" spc="-1" dirty="0">
               <a:solidFill>
                 <a:srgbClr val="000000"/>
@@ -14813,7 +14758,37 @@
                 <a:latin typeface="Times New Roman"/>
                 <a:ea typeface="DejaVu Sans"/>
               </a:rPr>
-              <a:t>Test set contains 5,700 frames with polyps and 13,200 frames without polyps. </a:t>
+              <a:t>Pulmonary Embolism Detection(</a:t>
+            </a:r>
+            <a:r>
+              <a:rPr lang="en-US" sz="2400" b="0" strike="noStrike" spc="-1" dirty="0" err="1">
+                <a:solidFill>
+                  <a:srgbClr val="000000"/>
+                </a:solidFill>
+                <a:uFill>
+                  <a:solidFill>
+                    <a:srgbClr val="FFFFFF"/>
+                  </a:solidFill>
+                </a:uFill>
+                <a:latin typeface="Times New Roman"/>
+                <a:ea typeface="DejaVu Sans"/>
+              </a:rPr>
+              <a:t>肺栓塞的检测</a:t>
+            </a:r>
+            <a:r>
+              <a:rPr lang="en-US" sz="2400" b="0" strike="noStrike" spc="-1" dirty="0" smtClean="0">
+                <a:solidFill>
+                  <a:srgbClr val="000000"/>
+                </a:solidFill>
+                <a:uFill>
+                  <a:solidFill>
+                    <a:srgbClr val="FFFFFF"/>
+                  </a:solidFill>
+                </a:uFill>
+                <a:latin typeface="Times New Roman"/>
+                <a:ea typeface="DejaVu Sans"/>
+              </a:rPr>
+              <a:t>)</a:t>
             </a:r>
             <a:endParaRPr lang="en-US" sz="1800" b="0" strike="noStrike" spc="-1" dirty="0">
               <a:solidFill>
@@ -14832,7 +14807,7 @@
     </p:spTree>
     <p:extLst>
       <p:ext uri="{BB962C8B-B14F-4D97-AF65-F5344CB8AC3E}">
-        <p14:creationId xmlns:p14="http://schemas.microsoft.com/office/powerpoint/2010/main" val="3422457853"/>
+        <p14:creationId xmlns:p14="http://schemas.microsoft.com/office/powerpoint/2010/main" val="3165661842"/>
       </p:ext>
     </p:extLst>
   </p:cSld>
@@ -14888,13 +14863,13 @@
       </p:grpSpPr>
       <p:sp>
         <p:nvSpPr>
-          <p:cNvPr id="119" name="CustomShape 1"/>
+          <p:cNvPr id="116" name="CustomShape 1"/>
           <p:cNvSpPr/>
           <p:nvPr/>
         </p:nvSpPr>
         <p:spPr>
           <a:xfrm>
-            <a:off x="1392120" y="991800"/>
+            <a:off x="1344060" y="1023480"/>
             <a:ext cx="7111440" cy="1064880"/>
           </a:xfrm>
           <a:prstGeom prst="rect">
@@ -14943,40 +14918,16 @@
           </a:p>
         </p:txBody>
       </p:sp>
-      <p:pic>
-        <p:nvPicPr>
-          <p:cNvPr id="121" name="图片 1"/>
-          <p:cNvPicPr/>
-          <p:nvPr/>
-        </p:nvPicPr>
-        <p:blipFill>
-          <a:blip r:embed="rId3"/>
-          <a:srcRect t="6299"/>
-          <a:stretch/>
-        </p:blipFill>
-        <p:spPr>
-          <a:xfrm>
-            <a:off x="450720" y="1928160"/>
-            <a:ext cx="8553240" cy="3078720"/>
-          </a:xfrm>
-          <a:prstGeom prst="rect">
-            <a:avLst/>
-          </a:prstGeom>
-          <a:ln>
-            <a:noFill/>
-          </a:ln>
-        </p:spPr>
-      </p:pic>
-      <p:sp>
-        <p:nvSpPr>
-          <p:cNvPr id="123" name="CustomShape 4"/>
+      <p:sp>
+        <p:nvSpPr>
+          <p:cNvPr id="118" name="CustomShape 3"/>
           <p:cNvSpPr/>
           <p:nvPr/>
         </p:nvSpPr>
         <p:spPr>
           <a:xfrm>
-            <a:off x="1254960" y="1355760"/>
-            <a:ext cx="2588760" cy="583920"/>
+            <a:off x="1254960" y="1997280"/>
+            <a:ext cx="7289640" cy="3781080"/>
           </a:xfrm>
           <a:prstGeom prst="rect">
             <a:avLst/>
@@ -15002,48 +14953,18 @@
           <a:bodyPr lIns="90000" tIns="45000" rIns="90000" bIns="45000"/>
           <a:lstStyle/>
           <a:p>
-            <a:pPr>
+            <a:pPr marL="285840" indent="-285120">
               <a:lnSpc>
                 <a:spcPct val="125000"/>
               </a:lnSpc>
+              <a:buClr>
+                <a:srgbClr val="000000"/>
+              </a:buClr>
+              <a:buFont typeface="Wingdings" charset="2"/>
+              <a:buChar char=""/>
             </a:pPr>
-            <a:endParaRPr lang="en-US" sz="1800" b="0" strike="noStrike" spc="-1" dirty="0">
-              <a:solidFill>
-                <a:srgbClr val="000000"/>
-              </a:solidFill>
-              <a:uFill>
-                <a:solidFill>
-                  <a:srgbClr val="FFFFFF"/>
-                </a:solidFill>
-              </a:uFill>
-              <a:latin typeface="Arial"/>
-            </a:endParaRPr>
-          </a:p>
-        </p:txBody>
-      </p:sp>
-      <p:sp>
-        <p:nvSpPr>
-          <p:cNvPr id="2" name="矩形 1"/>
-          <p:cNvSpPr/>
-          <p:nvPr/>
-        </p:nvSpPr>
-        <p:spPr>
-          <a:xfrm>
-            <a:off x="140040" y="6101109"/>
-            <a:ext cx="9003960" cy="584775"/>
-          </a:xfrm>
-          <a:prstGeom prst="rect">
-            <a:avLst/>
-          </a:prstGeom>
-        </p:spPr>
-        <p:txBody>
-          <a:bodyPr wrap="square">
-            <a:spAutoFit/>
-          </a:bodyPr>
-          <a:lstStyle/>
-          <a:p>
-            <a:r>
-              <a:rPr lang="en-US" altLang="zh-CN" sz="1600" spc="-1" dirty="0">
+            <a:r>
+              <a:rPr lang="en-US" sz="2400" b="0" strike="noStrike" spc="-1" dirty="0" smtClean="0">
                 <a:solidFill>
                   <a:srgbClr val="000000"/>
                 </a:solidFill>
@@ -15052,11 +14973,13 @@
                     <a:srgbClr val="FFFFFF"/>
                   </a:solidFill>
                 </a:uFill>
+                <a:latin typeface="Times New Roman"/>
+                <a:ea typeface="DejaVu Sans"/>
               </a:rPr>
-              <a:t>N. </a:t>
-            </a:r>
-            <a:r>
-              <a:rPr lang="en-US" altLang="zh-CN" sz="1600" spc="-1" dirty="0" err="1">
+              <a:t>Extract </a:t>
+            </a:r>
+            <a:r>
+              <a:rPr lang="en-US" sz="2400" b="0" strike="noStrike" spc="-1" dirty="0">
                 <a:solidFill>
                   <a:srgbClr val="000000"/>
                 </a:solidFill>
@@ -15065,11 +14988,36 @@
                     <a:srgbClr val="FFFFFF"/>
                   </a:solidFill>
                 </a:uFill>
+                <a:latin typeface="Times New Roman"/>
+                <a:ea typeface="DejaVu Sans"/>
               </a:rPr>
-              <a:t>Tajbakhsh</a:t>
-            </a:r>
-            <a:r>
-              <a:rPr lang="en-US" altLang="zh-CN" sz="1600" spc="-1" dirty="0">
+              <a:t>images from 40 short colonoscopy videos.</a:t>
+            </a:r>
+            <a:endParaRPr lang="en-US" sz="1800" b="0" strike="noStrike" spc="-1" dirty="0">
+              <a:solidFill>
+                <a:srgbClr val="000000"/>
+              </a:solidFill>
+              <a:uFill>
+                <a:solidFill>
+                  <a:srgbClr val="FFFFFF"/>
+                </a:solidFill>
+              </a:uFill>
+              <a:latin typeface="Arial"/>
+            </a:endParaRPr>
+          </a:p>
+          <a:p>
+            <a:pPr marL="285840" indent="-285120">
+              <a:lnSpc>
+                <a:spcPct val="125000"/>
+              </a:lnSpc>
+              <a:buClr>
+                <a:srgbClr val="000000"/>
+              </a:buClr>
+              <a:buFont typeface="Wingdings" charset="2"/>
+              <a:buChar char=""/>
+            </a:pPr>
+            <a:r>
+              <a:rPr lang="en-US" sz="2400" b="0" strike="noStrike" spc="-1" dirty="0">
                 <a:solidFill>
                   <a:srgbClr val="000000"/>
                 </a:solidFill>
@@ -15078,11 +15026,36 @@
                     <a:srgbClr val="FFFFFF"/>
                   </a:solidFill>
                 </a:uFill>
+                <a:latin typeface="Times New Roman"/>
+                <a:ea typeface="DejaVu Sans"/>
               </a:rPr>
-              <a:t>, S. </a:t>
-            </a:r>
-            <a:r>
-              <a:rPr lang="en-US" altLang="zh-CN" sz="1600" spc="-1" dirty="0" err="1">
+              <a:t>Training set contains 3,800 frames with polyps and 15,100 frames without polyps. </a:t>
+            </a:r>
+            <a:endParaRPr lang="en-US" sz="1800" b="0" strike="noStrike" spc="-1" dirty="0">
+              <a:solidFill>
+                <a:srgbClr val="000000"/>
+              </a:solidFill>
+              <a:uFill>
+                <a:solidFill>
+                  <a:srgbClr val="FFFFFF"/>
+                </a:solidFill>
+              </a:uFill>
+              <a:latin typeface="Arial"/>
+            </a:endParaRPr>
+          </a:p>
+          <a:p>
+            <a:pPr marL="285840" indent="-285120">
+              <a:lnSpc>
+                <a:spcPct val="125000"/>
+              </a:lnSpc>
+              <a:buClr>
+                <a:srgbClr val="000000"/>
+              </a:buClr>
+              <a:buFont typeface="Wingdings" charset="2"/>
+              <a:buChar char=""/>
+            </a:pPr>
+            <a:r>
+              <a:rPr lang="en-US" sz="2400" b="0" strike="noStrike" spc="-1" dirty="0">
                 <a:solidFill>
                   <a:srgbClr val="000000"/>
                 </a:solidFill>
@@ -15091,57 +15064,21 @@
                     <a:srgbClr val="FFFFFF"/>
                   </a:solidFill>
                 </a:uFill>
+                <a:latin typeface="Times New Roman"/>
+                <a:ea typeface="DejaVu Sans"/>
               </a:rPr>
-              <a:t>Gurudu</a:t>
-            </a:r>
-            <a:r>
-              <a:rPr lang="en-US" altLang="zh-CN" sz="1600" spc="-1" dirty="0">
-                <a:solidFill>
-                  <a:srgbClr val="000000"/>
-                </a:solidFill>
-                <a:uFill>
-                  <a:solidFill>
-                    <a:srgbClr val="FFFFFF"/>
-                  </a:solidFill>
-                </a:uFill>
-              </a:rPr>
-              <a:t>, and J. Liang, “Automated polyp detection in colonoscopy videos using shape and context information,” IEEE Trans. Med. </a:t>
-            </a:r>
-            <a:r>
-              <a:rPr lang="en-US" altLang="zh-CN" sz="1600" spc="-1" dirty="0" err="1">
-                <a:solidFill>
-                  <a:srgbClr val="000000"/>
-                </a:solidFill>
-                <a:uFill>
-                  <a:solidFill>
-                    <a:srgbClr val="FFFFFF"/>
-                  </a:solidFill>
-                </a:uFill>
-              </a:rPr>
-              <a:t>Imag</a:t>
-            </a:r>
-            <a:r>
-              <a:rPr lang="en-US" altLang="zh-CN" sz="1600" spc="-1" dirty="0">
-                <a:solidFill>
-                  <a:srgbClr val="000000"/>
-                </a:solidFill>
-                <a:uFill>
-                  <a:solidFill>
-                    <a:srgbClr val="FFFFFF"/>
-                  </a:solidFill>
-                </a:uFill>
-              </a:rPr>
-              <a:t>., vol. 35, no. 2, pp. 630–644, Feb. 2016..</a:t>
-            </a:r>
-            <a:endParaRPr lang="en-US" altLang="zh-CN" sz="1600" spc="-1" dirty="0">
-              <a:solidFill>
-                <a:srgbClr val="000000"/>
-              </a:solidFill>
-              <a:uFill>
-                <a:solidFill>
-                  <a:srgbClr val="FFFFFF"/>
-                </a:solidFill>
-              </a:uFill>
+              <a:t>Test set contains 5,700 frames with polyps and 13,200 frames without polyps. </a:t>
+            </a:r>
+            <a:endParaRPr lang="en-US" sz="1800" b="0" strike="noStrike" spc="-1" dirty="0">
+              <a:solidFill>
+                <a:srgbClr val="000000"/>
+              </a:solidFill>
+              <a:uFill>
+                <a:solidFill>
+                  <a:srgbClr val="FFFFFF"/>
+                </a:solidFill>
+              </a:uFill>
+              <a:latin typeface="Arial"/>
             </a:endParaRPr>
           </a:p>
         </p:txBody>
@@ -15149,7 +15086,7 @@
     </p:spTree>
     <p:extLst>
       <p:ext uri="{BB962C8B-B14F-4D97-AF65-F5344CB8AC3E}">
-        <p14:creationId xmlns:p14="http://schemas.microsoft.com/office/powerpoint/2010/main" val="1727953166"/>
+        <p14:creationId xmlns:p14="http://schemas.microsoft.com/office/powerpoint/2010/main" val="3422457853"/>
       </p:ext>
     </p:extLst>
   </p:cSld>
@@ -15205,13 +15142,13 @@
       </p:grpSpPr>
       <p:sp>
         <p:nvSpPr>
-          <p:cNvPr id="124" name="CustomShape 1"/>
+          <p:cNvPr id="119" name="CustomShape 1"/>
           <p:cNvSpPr/>
           <p:nvPr/>
         </p:nvSpPr>
         <p:spPr>
           <a:xfrm>
-            <a:off x="1392120" y="977760"/>
+            <a:off x="1392120" y="991800"/>
             <a:ext cx="7111440" cy="1064880"/>
           </a:xfrm>
           <a:prstGeom prst="rect">
@@ -15255,21 +15192,45 @@
                 </a:uFill>
                 <a:latin typeface="Calibri"/>
               </a:rPr>
-              <a:t>Pulmonary Embolism Detection</a:t>
-            </a:r>
-          </a:p>
-        </p:txBody>
-      </p:sp>
-      <p:sp>
-        <p:nvSpPr>
-          <p:cNvPr id="126" name="CustomShape 3"/>
+              <a:t>Polyp detection</a:t>
+            </a:r>
+          </a:p>
+        </p:txBody>
+      </p:sp>
+      <p:pic>
+        <p:nvPicPr>
+          <p:cNvPr id="121" name="图片 1"/>
+          <p:cNvPicPr/>
+          <p:nvPr/>
+        </p:nvPicPr>
+        <p:blipFill>
+          <a:blip r:embed="rId3"/>
+          <a:srcRect t="6299"/>
+          <a:stretch/>
+        </p:blipFill>
+        <p:spPr>
+          <a:xfrm>
+            <a:off x="450720" y="1928160"/>
+            <a:ext cx="8553240" cy="3078720"/>
+          </a:xfrm>
+          <a:prstGeom prst="rect">
+            <a:avLst/>
+          </a:prstGeom>
+          <a:ln>
+            <a:noFill/>
+          </a:ln>
+        </p:spPr>
+      </p:pic>
+      <p:sp>
+        <p:nvSpPr>
+          <p:cNvPr id="123" name="CustomShape 4"/>
           <p:cNvSpPr/>
           <p:nvPr/>
         </p:nvSpPr>
         <p:spPr>
           <a:xfrm>
-            <a:off x="1254960" y="1997280"/>
-            <a:ext cx="7289640" cy="3781080"/>
+            <a:off x="1254960" y="1355760"/>
+            <a:ext cx="2588760" cy="583920"/>
           </a:xfrm>
           <a:prstGeom prst="rect">
             <a:avLst/>
@@ -15294,135 +15255,6 @@
         <p:txBody>
           <a:bodyPr lIns="90000" tIns="45000" rIns="90000" bIns="45000"/>
           <a:lstStyle/>
-          <a:p>
-            <a:pPr marL="285840" indent="-285120">
-              <a:lnSpc>
-                <a:spcPct val="125000"/>
-              </a:lnSpc>
-              <a:buClr>
-                <a:srgbClr val="000000"/>
-              </a:buClr>
-              <a:buFont typeface="Wingdings" charset="2"/>
-              <a:buChar char=""/>
-            </a:pPr>
-            <a:r>
-              <a:rPr lang="en-US" sz="2400" b="0" strike="noStrike" spc="-1" dirty="0" smtClean="0">
-                <a:solidFill>
-                  <a:srgbClr val="000000"/>
-                </a:solidFill>
-                <a:uFill>
-                  <a:solidFill>
-                    <a:srgbClr val="FFFFFF"/>
-                  </a:solidFill>
-                </a:uFill>
-                <a:latin typeface="Times New Roman"/>
-                <a:ea typeface="DejaVu Sans"/>
-              </a:rPr>
-              <a:t>Extract </a:t>
-            </a:r>
-            <a:r>
-              <a:rPr lang="en-US" sz="2400" b="0" strike="noStrike" spc="-1" dirty="0">
-                <a:solidFill>
-                  <a:srgbClr val="000000"/>
-                </a:solidFill>
-                <a:uFill>
-                  <a:solidFill>
-                    <a:srgbClr val="FFFFFF"/>
-                  </a:solidFill>
-                </a:uFill>
-                <a:latin typeface="Times New Roman"/>
-                <a:ea typeface="DejaVu Sans"/>
-              </a:rPr>
-              <a:t>dataset from 121 CT pulmonary angiographies.</a:t>
-            </a:r>
-            <a:endParaRPr lang="en-US" sz="1800" b="0" strike="noStrike" spc="-1" dirty="0">
-              <a:solidFill>
-                <a:srgbClr val="000000"/>
-              </a:solidFill>
-              <a:uFill>
-                <a:solidFill>
-                  <a:srgbClr val="FFFFFF"/>
-                </a:solidFill>
-              </a:uFill>
-              <a:latin typeface="Arial"/>
-            </a:endParaRPr>
-          </a:p>
-          <a:p>
-            <a:pPr marL="285840" indent="-285120">
-              <a:lnSpc>
-                <a:spcPct val="125000"/>
-              </a:lnSpc>
-              <a:buClr>
-                <a:srgbClr val="000000"/>
-              </a:buClr>
-              <a:buFont typeface="Wingdings" charset="2"/>
-              <a:buChar char=""/>
-            </a:pPr>
-            <a:r>
-              <a:rPr lang="en-US" sz="2400" b="0" strike="noStrike" spc="-1" dirty="0">
-                <a:solidFill>
-                  <a:srgbClr val="000000"/>
-                </a:solidFill>
-                <a:uFill>
-                  <a:solidFill>
-                    <a:srgbClr val="FFFFFF"/>
-                  </a:solidFill>
-                </a:uFill>
-                <a:latin typeface="Times New Roman"/>
-                <a:ea typeface="DejaVu Sans"/>
-              </a:rPr>
-              <a:t>Training set contains 434 frames with pulmonary embolism and 3406 frames without pulmonary embolism. </a:t>
-            </a:r>
-            <a:endParaRPr lang="en-US" sz="1800" b="0" strike="noStrike" spc="-1" dirty="0">
-              <a:solidFill>
-                <a:srgbClr val="000000"/>
-              </a:solidFill>
-              <a:uFill>
-                <a:solidFill>
-                  <a:srgbClr val="FFFFFF"/>
-                </a:solidFill>
-              </a:uFill>
-              <a:latin typeface="Arial"/>
-            </a:endParaRPr>
-          </a:p>
-          <a:p>
-            <a:pPr marL="285840" indent="-285120">
-              <a:lnSpc>
-                <a:spcPct val="125000"/>
-              </a:lnSpc>
-              <a:buClr>
-                <a:srgbClr val="000000"/>
-              </a:buClr>
-              <a:buFont typeface="Wingdings" charset="2"/>
-              <a:buChar char=""/>
-            </a:pPr>
-            <a:r>
-              <a:rPr lang="en-US" sz="2400" b="0" strike="noStrike" spc="-1" dirty="0">
-                <a:solidFill>
-                  <a:srgbClr val="000000"/>
-                </a:solidFill>
-                <a:uFill>
-                  <a:solidFill>
-                    <a:srgbClr val="FFFFFF"/>
-                  </a:solidFill>
-                </a:uFill>
-                <a:latin typeface="Times New Roman"/>
-                <a:ea typeface="DejaVu Sans"/>
-              </a:rPr>
-              <a:t>Test set contains 253 frames with pulmonary embolism and 2162 frames without pulmonary embolism. </a:t>
-            </a:r>
-            <a:endParaRPr lang="en-US" sz="1800" b="0" strike="noStrike" spc="-1" dirty="0">
-              <a:solidFill>
-                <a:srgbClr val="000000"/>
-              </a:solidFill>
-              <a:uFill>
-                <a:solidFill>
-                  <a:srgbClr val="FFFFFF"/>
-                </a:solidFill>
-              </a:uFill>
-              <a:latin typeface="Arial"/>
-            </a:endParaRPr>
-          </a:p>
           <a:p>
             <a:pPr>
               <a:lnSpc>
@@ -15441,30 +15273,127 @@
               <a:latin typeface="Arial"/>
             </a:endParaRPr>
           </a:p>
-          <a:p>
-            <a:pPr>
-              <a:lnSpc>
-                <a:spcPct val="125000"/>
-              </a:lnSpc>
-            </a:pPr>
-            <a:endParaRPr lang="en-US" sz="1800" b="0" strike="noStrike" spc="-1" dirty="0">
-              <a:solidFill>
-                <a:srgbClr val="000000"/>
-              </a:solidFill>
-              <a:uFill>
-                <a:solidFill>
-                  <a:srgbClr val="FFFFFF"/>
-                </a:solidFill>
-              </a:uFill>
-              <a:latin typeface="Arial"/>
-            </a:endParaRPr>
+        </p:txBody>
+      </p:sp>
+      <p:sp>
+        <p:nvSpPr>
+          <p:cNvPr id="2" name="矩形 1"/>
+          <p:cNvSpPr/>
+          <p:nvPr/>
+        </p:nvSpPr>
+        <p:spPr>
+          <a:xfrm>
+            <a:off x="140040" y="6101109"/>
+            <a:ext cx="9003960" cy="584775"/>
+          </a:xfrm>
+          <a:prstGeom prst="rect">
+            <a:avLst/>
+          </a:prstGeom>
+        </p:spPr>
+        <p:txBody>
+          <a:bodyPr wrap="square">
+            <a:spAutoFit/>
+          </a:bodyPr>
+          <a:lstStyle/>
+          <a:p>
+            <a:r>
+              <a:rPr lang="en-US" altLang="zh-CN" sz="1600" spc="-1" dirty="0">
+                <a:solidFill>
+                  <a:srgbClr val="000000"/>
+                </a:solidFill>
+                <a:uFill>
+                  <a:solidFill>
+                    <a:srgbClr val="FFFFFF"/>
+                  </a:solidFill>
+                </a:uFill>
+              </a:rPr>
+              <a:t>N. </a:t>
+            </a:r>
+            <a:r>
+              <a:rPr lang="en-US" altLang="zh-CN" sz="1600" spc="-1" dirty="0" err="1">
+                <a:solidFill>
+                  <a:srgbClr val="000000"/>
+                </a:solidFill>
+                <a:uFill>
+                  <a:solidFill>
+                    <a:srgbClr val="FFFFFF"/>
+                  </a:solidFill>
+                </a:uFill>
+              </a:rPr>
+              <a:t>Tajbakhsh</a:t>
+            </a:r>
+            <a:r>
+              <a:rPr lang="en-US" altLang="zh-CN" sz="1600" spc="-1" dirty="0">
+                <a:solidFill>
+                  <a:srgbClr val="000000"/>
+                </a:solidFill>
+                <a:uFill>
+                  <a:solidFill>
+                    <a:srgbClr val="FFFFFF"/>
+                  </a:solidFill>
+                </a:uFill>
+              </a:rPr>
+              <a:t>, S. </a:t>
+            </a:r>
+            <a:r>
+              <a:rPr lang="en-US" altLang="zh-CN" sz="1600" spc="-1" dirty="0" err="1">
+                <a:solidFill>
+                  <a:srgbClr val="000000"/>
+                </a:solidFill>
+                <a:uFill>
+                  <a:solidFill>
+                    <a:srgbClr val="FFFFFF"/>
+                  </a:solidFill>
+                </a:uFill>
+              </a:rPr>
+              <a:t>Gurudu</a:t>
+            </a:r>
+            <a:r>
+              <a:rPr lang="en-US" altLang="zh-CN" sz="1600" spc="-1" dirty="0">
+                <a:solidFill>
+                  <a:srgbClr val="000000"/>
+                </a:solidFill>
+                <a:uFill>
+                  <a:solidFill>
+                    <a:srgbClr val="FFFFFF"/>
+                  </a:solidFill>
+                </a:uFill>
+              </a:rPr>
+              <a:t>, and J. Liang, “Automated polyp detection in colonoscopy videos using shape and context information,” IEEE Trans. Med. </a:t>
+            </a:r>
+            <a:r>
+              <a:rPr lang="en-US" altLang="zh-CN" sz="1600" spc="-1" dirty="0" err="1">
+                <a:solidFill>
+                  <a:srgbClr val="000000"/>
+                </a:solidFill>
+                <a:uFill>
+                  <a:solidFill>
+                    <a:srgbClr val="FFFFFF"/>
+                  </a:solidFill>
+                </a:uFill>
+              </a:rPr>
+              <a:t>Imag</a:t>
+            </a:r>
+            <a:r>
+              <a:rPr lang="en-US" altLang="zh-CN" sz="1600" spc="-1" dirty="0">
+                <a:solidFill>
+                  <a:srgbClr val="000000"/>
+                </a:solidFill>
+                <a:uFill>
+                  <a:solidFill>
+                    <a:srgbClr val="FFFFFF"/>
+                  </a:solidFill>
+                </a:uFill>
+              </a:rPr>
+              <a:t>., vol. 35, no. 2, pp. 630–644, Feb. 2016..</a:t>
+            </a:r>
           </a:p>
         </p:txBody>
       </p:sp>
     </p:spTree>
     <p:extLst>
       <p:ext uri="{BB962C8B-B14F-4D97-AF65-F5344CB8AC3E}">
-        <p14:creationId xmlns:p14="http://schemas.microsoft.com/office/powerpoint/2010/main" val="3042726946"/>
+        <p14:creationId xmlns:p14="http://schemas.microsoft.com/office/powerpoint/2010/main" val="1727953166"/>
       </p:ext>
     </p:extLst>
   </p:cSld>
@@ -16040,14 +15969,14 @@
       </p:grpSpPr>
       <p:sp>
         <p:nvSpPr>
-          <p:cNvPr id="127" name="CustomShape 1"/>
+          <p:cNvPr id="124" name="CustomShape 1"/>
           <p:cNvSpPr/>
           <p:nvPr/>
         </p:nvSpPr>
         <p:spPr>
           <a:xfrm>
-            <a:off x="1392120" y="1005840"/>
-            <a:ext cx="7111440" cy="695960"/>
+            <a:off x="1392120" y="977760"/>
+            <a:ext cx="7111440" cy="1064880"/>
           </a:xfrm>
           <a:prstGeom prst="rect">
             <a:avLst/>
@@ -16097,14 +16026,14 @@
       </p:sp>
       <p:sp>
         <p:nvSpPr>
-          <p:cNvPr id="129" name="CustomShape 3"/>
+          <p:cNvPr id="126" name="CustomShape 3"/>
           <p:cNvSpPr/>
           <p:nvPr/>
         </p:nvSpPr>
         <p:spPr>
           <a:xfrm>
-            <a:off x="1254960" y="1428120"/>
-            <a:ext cx="4517280" cy="514080"/>
+            <a:off x="1254960" y="1997280"/>
+            <a:ext cx="7289640" cy="3781080"/>
           </a:xfrm>
           <a:prstGeom prst="rect">
             <a:avLst/>
@@ -16129,6 +16058,135 @@
         <p:txBody>
           <a:bodyPr lIns="90000" tIns="45000" rIns="90000" bIns="45000"/>
           <a:lstStyle/>
+          <a:p>
+            <a:pPr marL="285840" indent="-285120">
+              <a:lnSpc>
+                <a:spcPct val="125000"/>
+              </a:lnSpc>
+              <a:buClr>
+                <a:srgbClr val="000000"/>
+              </a:buClr>
+              <a:buFont typeface="Wingdings" charset="2"/>
+              <a:buChar char=""/>
+            </a:pPr>
+            <a:r>
+              <a:rPr lang="en-US" sz="2400" b="0" strike="noStrike" spc="-1" dirty="0" smtClean="0">
+                <a:solidFill>
+                  <a:srgbClr val="000000"/>
+                </a:solidFill>
+                <a:uFill>
+                  <a:solidFill>
+                    <a:srgbClr val="FFFFFF"/>
+                  </a:solidFill>
+                </a:uFill>
+                <a:latin typeface="Times New Roman"/>
+                <a:ea typeface="DejaVu Sans"/>
+              </a:rPr>
+              <a:t>Extract </a:t>
+            </a:r>
+            <a:r>
+              <a:rPr lang="en-US" sz="2400" b="0" strike="noStrike" spc="-1" dirty="0">
+                <a:solidFill>
+                  <a:srgbClr val="000000"/>
+                </a:solidFill>
+                <a:uFill>
+                  <a:solidFill>
+                    <a:srgbClr val="FFFFFF"/>
+                  </a:solidFill>
+                </a:uFill>
+                <a:latin typeface="Times New Roman"/>
+                <a:ea typeface="DejaVu Sans"/>
+              </a:rPr>
+              <a:t>dataset from 121 CT pulmonary angiographies.</a:t>
+            </a:r>
+            <a:endParaRPr lang="en-US" sz="1800" b="0" strike="noStrike" spc="-1" dirty="0">
+              <a:solidFill>
+                <a:srgbClr val="000000"/>
+              </a:solidFill>
+              <a:uFill>
+                <a:solidFill>
+                  <a:srgbClr val="FFFFFF"/>
+                </a:solidFill>
+              </a:uFill>
+              <a:latin typeface="Arial"/>
+            </a:endParaRPr>
+          </a:p>
+          <a:p>
+            <a:pPr marL="285840" indent="-285120">
+              <a:lnSpc>
+                <a:spcPct val="125000"/>
+              </a:lnSpc>
+              <a:buClr>
+                <a:srgbClr val="000000"/>
+              </a:buClr>
+              <a:buFont typeface="Wingdings" charset="2"/>
+              <a:buChar char=""/>
+            </a:pPr>
+            <a:r>
+              <a:rPr lang="en-US" sz="2400" b="0" strike="noStrike" spc="-1" dirty="0">
+                <a:solidFill>
+                  <a:srgbClr val="000000"/>
+                </a:solidFill>
+                <a:uFill>
+                  <a:solidFill>
+                    <a:srgbClr val="FFFFFF"/>
+                  </a:solidFill>
+                </a:uFill>
+                <a:latin typeface="Times New Roman"/>
+                <a:ea typeface="DejaVu Sans"/>
+              </a:rPr>
+              <a:t>Training set contains 434 frames with pulmonary embolism and 3406 frames without pulmonary embolism. </a:t>
+            </a:r>
+            <a:endParaRPr lang="en-US" sz="1800" b="0" strike="noStrike" spc="-1" dirty="0">
+              <a:solidFill>
+                <a:srgbClr val="000000"/>
+              </a:solidFill>
+              <a:uFill>
+                <a:solidFill>
+                  <a:srgbClr val="FFFFFF"/>
+                </a:solidFill>
+              </a:uFill>
+              <a:latin typeface="Arial"/>
+            </a:endParaRPr>
+          </a:p>
+          <a:p>
+            <a:pPr marL="285840" indent="-285120">
+              <a:lnSpc>
+                <a:spcPct val="125000"/>
+              </a:lnSpc>
+              <a:buClr>
+                <a:srgbClr val="000000"/>
+              </a:buClr>
+              <a:buFont typeface="Wingdings" charset="2"/>
+              <a:buChar char=""/>
+            </a:pPr>
+            <a:r>
+              <a:rPr lang="en-US" sz="2400" b="0" strike="noStrike" spc="-1" dirty="0">
+                <a:solidFill>
+                  <a:srgbClr val="000000"/>
+                </a:solidFill>
+                <a:uFill>
+                  <a:solidFill>
+                    <a:srgbClr val="FFFFFF"/>
+                  </a:solidFill>
+                </a:uFill>
+                <a:latin typeface="Times New Roman"/>
+                <a:ea typeface="DejaVu Sans"/>
+              </a:rPr>
+              <a:t>Test set contains 253 frames with pulmonary embolism and 2162 frames without pulmonary embolism. </a:t>
+            </a:r>
+            <a:endParaRPr lang="en-US" sz="1800" b="0" strike="noStrike" spc="-1" dirty="0">
+              <a:solidFill>
+                <a:srgbClr val="000000"/>
+              </a:solidFill>
+              <a:uFill>
+                <a:solidFill>
+                  <a:srgbClr val="FFFFFF"/>
+                </a:solidFill>
+              </a:uFill>
+              <a:latin typeface="Arial"/>
+            </a:endParaRPr>
+          </a:p>
           <a:p>
             <a:pPr>
               <a:lnSpc>
@@ -16147,69 +16205,10 @@
               <a:latin typeface="Arial"/>
             </a:endParaRPr>
           </a:p>
-        </p:txBody>
-      </p:sp>
-      <p:pic>
-        <p:nvPicPr>
-          <p:cNvPr id="130" name="图片 1"/>
-          <p:cNvPicPr/>
-          <p:nvPr/>
-        </p:nvPicPr>
-        <p:blipFill>
-          <a:blip r:embed="rId3"/>
-          <a:stretch/>
-        </p:blipFill>
-        <p:spPr>
-          <a:xfrm>
-            <a:off x="619920" y="2004480"/>
-            <a:ext cx="8075880" cy="3067560"/>
-          </a:xfrm>
-          <a:prstGeom prst="rect">
-            <a:avLst/>
-          </a:prstGeom>
-          <a:ln>
-            <a:noFill/>
-          </a:ln>
-        </p:spPr>
-      </p:pic>
-      <p:sp>
-        <p:nvSpPr>
-          <p:cNvPr id="131" name="CustomShape 4"/>
-          <p:cNvSpPr/>
-          <p:nvPr/>
-        </p:nvSpPr>
-        <p:spPr>
-          <a:xfrm>
-            <a:off x="619920" y="5188320"/>
-            <a:ext cx="7988760" cy="1460880"/>
-          </a:xfrm>
-          <a:prstGeom prst="rect">
-            <a:avLst/>
-          </a:prstGeom>
-          <a:noFill/>
-          <a:ln>
-            <a:noFill/>
-          </a:ln>
-        </p:spPr>
-        <p:style>
-          <a:lnRef idx="0">
-            <a:scrgbClr r="0" g="0" b="0"/>
-          </a:lnRef>
-          <a:fillRef idx="0">
-            <a:scrgbClr r="0" g="0" b="0"/>
-          </a:fillRef>
-          <a:effectRef idx="0">
-            <a:scrgbClr r="0" g="0" b="0"/>
-          </a:effectRef>
-          <a:fontRef idx="minor"/>
-        </p:style>
-        <p:txBody>
-          <a:bodyPr lIns="90000" tIns="45000" rIns="90000" bIns="45000"/>
-          <a:lstStyle/>
           <a:p>
             <a:pPr>
               <a:lnSpc>
-                <a:spcPct val="100000"/>
+                <a:spcPct val="125000"/>
               </a:lnSpc>
             </a:pPr>
             <a:endParaRPr lang="en-US" sz="1800" b="0" strike="noStrike" spc="-1" dirty="0">
@@ -16226,57 +16225,10 @@
           </a:p>
         </p:txBody>
       </p:sp>
-      <p:sp>
-        <p:nvSpPr>
-          <p:cNvPr id="3" name="矩形 2"/>
-          <p:cNvSpPr/>
-          <p:nvPr/>
-        </p:nvSpPr>
-        <p:spPr>
-          <a:xfrm>
-            <a:off x="263972" y="6303815"/>
-            <a:ext cx="8700655" cy="461665"/>
-          </a:xfrm>
-          <a:prstGeom prst="rect">
-            <a:avLst/>
-          </a:prstGeom>
-        </p:spPr>
-        <p:txBody>
-          <a:bodyPr wrap="square">
-            <a:spAutoFit/>
-          </a:bodyPr>
-          <a:lstStyle/>
-          <a:p>
-            <a:r>
-              <a:rPr lang="en-US" altLang="zh-CN" sz="1200" spc="-1" dirty="0">
-                <a:solidFill>
-                  <a:srgbClr val="000000"/>
-                </a:solidFill>
-                <a:uFill>
-                  <a:solidFill>
-                    <a:srgbClr val="FFFFFF"/>
-                  </a:solidFill>
-                </a:uFill>
-              </a:rPr>
-              <a:t>J. Liang and J. Bi, “Computer aided detection of pulmonary embolism with tobogganing and multiple instance classification in CT pulmonary angiography,” in Information Processing in Medical Imaging. New York: Springer, 2007, pp. 630–641...</a:t>
-            </a:r>
-            <a:endParaRPr lang="en-US" altLang="zh-CN" sz="1200" spc="-1" dirty="0">
-              <a:solidFill>
-                <a:srgbClr val="000000"/>
-              </a:solidFill>
-              <a:uFill>
-                <a:solidFill>
-                  <a:srgbClr val="FFFFFF"/>
-                </a:solidFill>
-              </a:uFill>
-            </a:endParaRPr>
-          </a:p>
-        </p:txBody>
-      </p:sp>
     </p:spTree>
     <p:extLst>
       <p:ext uri="{BB962C8B-B14F-4D97-AF65-F5344CB8AC3E}">
-        <p14:creationId xmlns:p14="http://schemas.microsoft.com/office/powerpoint/2010/main" val="1347799592"/>
+        <p14:creationId xmlns:p14="http://schemas.microsoft.com/office/powerpoint/2010/main" val="3042726946"/>
       </p:ext>
     </p:extLst>
   </p:cSld>
@@ -16332,6 +16284,288 @@
       </p:grpSpPr>
       <p:sp>
         <p:nvSpPr>
+          <p:cNvPr id="127" name="CustomShape 1"/>
+          <p:cNvSpPr/>
+          <p:nvPr/>
+        </p:nvSpPr>
+        <p:spPr>
+          <a:xfrm>
+            <a:off x="1392120" y="1005840"/>
+            <a:ext cx="7111440" cy="695960"/>
+          </a:xfrm>
+          <a:prstGeom prst="rect">
+            <a:avLst/>
+          </a:prstGeom>
+          <a:noFill/>
+          <a:ln>
+            <a:noFill/>
+          </a:ln>
+        </p:spPr>
+        <p:style>
+          <a:lnRef idx="0">
+            <a:scrgbClr r="0" g="0" b="0"/>
+          </a:lnRef>
+          <a:fillRef idx="0">
+            <a:scrgbClr r="0" g="0" b="0"/>
+          </a:fillRef>
+          <a:effectRef idx="0">
+            <a:scrgbClr r="0" g="0" b="0"/>
+          </a:effectRef>
+          <a:fontRef idx="minor"/>
+        </p:style>
+        <p:txBody>
+          <a:bodyPr lIns="90000" tIns="45000" rIns="90000" bIns="45000"/>
+          <a:lstStyle/>
+          <a:p>
+            <a:pPr>
+              <a:lnSpc>
+                <a:spcPct val="100000"/>
+              </a:lnSpc>
+            </a:pPr>
+            <a:r>
+              <a:rPr lang="en-US" sz="3200" spc="-1" dirty="0">
+                <a:solidFill>
+                  <a:srgbClr val="C0504D"/>
+                </a:solidFill>
+                <a:uFill>
+                  <a:solidFill>
+                    <a:srgbClr val="FFFFFF"/>
+                  </a:solidFill>
+                </a:uFill>
+                <a:latin typeface="Calibri"/>
+              </a:rPr>
+              <a:t>Pulmonary Embolism Detection</a:t>
+            </a:r>
+          </a:p>
+        </p:txBody>
+      </p:sp>
+      <p:sp>
+        <p:nvSpPr>
+          <p:cNvPr id="129" name="CustomShape 3"/>
+          <p:cNvSpPr/>
+          <p:nvPr/>
+        </p:nvSpPr>
+        <p:spPr>
+          <a:xfrm>
+            <a:off x="1254960" y="1428120"/>
+            <a:ext cx="4517280" cy="514080"/>
+          </a:xfrm>
+          <a:prstGeom prst="rect">
+            <a:avLst/>
+          </a:prstGeom>
+          <a:noFill/>
+          <a:ln>
+            <a:noFill/>
+          </a:ln>
+        </p:spPr>
+        <p:style>
+          <a:lnRef idx="0">
+            <a:scrgbClr r="0" g="0" b="0"/>
+          </a:lnRef>
+          <a:fillRef idx="0">
+            <a:scrgbClr r="0" g="0" b="0"/>
+          </a:fillRef>
+          <a:effectRef idx="0">
+            <a:scrgbClr r="0" g="0" b="0"/>
+          </a:effectRef>
+          <a:fontRef idx="minor"/>
+        </p:style>
+        <p:txBody>
+          <a:bodyPr lIns="90000" tIns="45000" rIns="90000" bIns="45000"/>
+          <a:lstStyle/>
+          <a:p>
+            <a:pPr>
+              <a:lnSpc>
+                <a:spcPct val="125000"/>
+              </a:lnSpc>
+            </a:pPr>
+            <a:endParaRPr lang="en-US" sz="1800" b="0" strike="noStrike" spc="-1" dirty="0">
+              <a:solidFill>
+                <a:srgbClr val="000000"/>
+              </a:solidFill>
+              <a:uFill>
+                <a:solidFill>
+                  <a:srgbClr val="FFFFFF"/>
+                </a:solidFill>
+              </a:uFill>
+              <a:latin typeface="Arial"/>
+            </a:endParaRPr>
+          </a:p>
+        </p:txBody>
+      </p:sp>
+      <p:pic>
+        <p:nvPicPr>
+          <p:cNvPr id="130" name="图片 1"/>
+          <p:cNvPicPr/>
+          <p:nvPr/>
+        </p:nvPicPr>
+        <p:blipFill>
+          <a:blip r:embed="rId3"/>
+          <a:stretch/>
+        </p:blipFill>
+        <p:spPr>
+          <a:xfrm>
+            <a:off x="619920" y="2004480"/>
+            <a:ext cx="8075880" cy="3067560"/>
+          </a:xfrm>
+          <a:prstGeom prst="rect">
+            <a:avLst/>
+          </a:prstGeom>
+          <a:ln>
+            <a:noFill/>
+          </a:ln>
+        </p:spPr>
+      </p:pic>
+      <p:sp>
+        <p:nvSpPr>
+          <p:cNvPr id="131" name="CustomShape 4"/>
+          <p:cNvSpPr/>
+          <p:nvPr/>
+        </p:nvSpPr>
+        <p:spPr>
+          <a:xfrm>
+            <a:off x="619920" y="5188320"/>
+            <a:ext cx="7988760" cy="1460880"/>
+          </a:xfrm>
+          <a:prstGeom prst="rect">
+            <a:avLst/>
+          </a:prstGeom>
+          <a:noFill/>
+          <a:ln>
+            <a:noFill/>
+          </a:ln>
+        </p:spPr>
+        <p:style>
+          <a:lnRef idx="0">
+            <a:scrgbClr r="0" g="0" b="0"/>
+          </a:lnRef>
+          <a:fillRef idx="0">
+            <a:scrgbClr r="0" g="0" b="0"/>
+          </a:fillRef>
+          <a:effectRef idx="0">
+            <a:scrgbClr r="0" g="0" b="0"/>
+          </a:effectRef>
+          <a:fontRef idx="minor"/>
+        </p:style>
+        <p:txBody>
+          <a:bodyPr lIns="90000" tIns="45000" rIns="90000" bIns="45000"/>
+          <a:lstStyle/>
+          <a:p>
+            <a:pPr>
+              <a:lnSpc>
+                <a:spcPct val="100000"/>
+              </a:lnSpc>
+            </a:pPr>
+            <a:endParaRPr lang="en-US" sz="1800" b="0" strike="noStrike" spc="-1" dirty="0">
+              <a:solidFill>
+                <a:srgbClr val="000000"/>
+              </a:solidFill>
+              <a:uFill>
+                <a:solidFill>
+                  <a:srgbClr val="FFFFFF"/>
+                </a:solidFill>
+              </a:uFill>
+              <a:latin typeface="Arial"/>
+            </a:endParaRPr>
+          </a:p>
+        </p:txBody>
+      </p:sp>
+      <p:sp>
+        <p:nvSpPr>
+          <p:cNvPr id="3" name="矩形 2"/>
+          <p:cNvSpPr/>
+          <p:nvPr/>
+        </p:nvSpPr>
+        <p:spPr>
+          <a:xfrm>
+            <a:off x="263972" y="6303815"/>
+            <a:ext cx="8700655" cy="461665"/>
+          </a:xfrm>
+          <a:prstGeom prst="rect">
+            <a:avLst/>
+          </a:prstGeom>
+        </p:spPr>
+        <p:txBody>
+          <a:bodyPr wrap="square">
+            <a:spAutoFit/>
+          </a:bodyPr>
+          <a:lstStyle/>
+          <a:p>
+            <a:r>
+              <a:rPr lang="en-US" altLang="zh-CN" sz="1200" spc="-1" dirty="0">
+                <a:solidFill>
+                  <a:srgbClr val="000000"/>
+                </a:solidFill>
+                <a:uFill>
+                  <a:solidFill>
+                    <a:srgbClr val="FFFFFF"/>
+                  </a:solidFill>
+                </a:uFill>
+              </a:rPr>
+              <a:t>J. Liang and J. Bi, “Computer aided detection of pulmonary embolism with tobogganing and multiple instance classification in CT pulmonary angiography,” in Information Processing in Medical Imaging. New York: Springer, 2007, pp. 630–641...</a:t>
+            </a:r>
+          </a:p>
+        </p:txBody>
+      </p:sp>
+    </p:spTree>
+    <p:extLst>
+      <p:ext uri="{BB962C8B-B14F-4D97-AF65-F5344CB8AC3E}">
+        <p14:creationId xmlns:p14="http://schemas.microsoft.com/office/powerpoint/2010/main" val="1347799592"/>
+      </p:ext>
+    </p:extLst>
+  </p:cSld>
+  <p:clrMapOvr>
+    <a:masterClrMapping/>
+  </p:clrMapOvr>
+  <p:timing>
+    <p:tnLst>
+      <p:par>
+        <p:cTn id="1" dur="indefinite" restart="never" nodeType="tmRoot">
+          <p:childTnLst>
+            <p:seq>
+              <p:cTn id="2" nodeType="mainSeq"/>
+              <p:prevCondLst>
+                <p:cond evt="onPrev" delay="0">
+                  <p:tgtEl>
+                    <p:sldTgt/>
+                  </p:tgtEl>
+                </p:cond>
+              </p:prevCondLst>
+              <p:nextCondLst>
+                <p:cond evt="onNext" delay="0">
+                  <p:tgtEl>
+                    <p:sldTgt/>
+                  </p:tgtEl>
+                </p:cond>
+              </p:nextCondLst>
+            </p:seq>
+          </p:childTnLst>
+        </p:cTn>
+      </p:par>
+    </p:tnLst>
+  </p:timing>
+</p:sld>
+</file>
+
+<file path=ppt/slides/slide42.xml><?xml version="1.0" encoding="utf-8"?>
+<p:sld xmlns:a="http://schemas.openxmlformats.org/drawingml/2006/main" xmlns:r="http://schemas.openxmlformats.org/officeDocument/2006/relationships" xmlns:p="http://schemas.openxmlformats.org/presentationml/2006/main">
+  <p:cSld>
+    <p:spTree>
+      <p:nvGrpSpPr>
+        <p:cNvPr id="1" name=""/>
+        <p:cNvGrpSpPr/>
+        <p:nvPr/>
+      </p:nvGrpSpPr>
+      <p:grpSpPr>
+        <a:xfrm>
+          <a:off x="0" y="0"/>
+          <a:ext cx="0" cy="0"/>
+          <a:chOff x="0" y="0"/>
+          <a:chExt cx="0" cy="0"/>
+        </a:xfrm>
+      </p:grpSpPr>
+      <p:sp>
+        <p:nvSpPr>
           <p:cNvPr id="140" name="CustomShape 1"/>
           <p:cNvSpPr/>
           <p:nvPr/>
@@ -16386,75 +16620,6 @@
               <a:t>Open issues</a:t>
             </a:r>
             <a:endParaRPr lang="en-US" sz="1800" b="0" strike="noStrike" spc="-1" dirty="0">
-              <a:solidFill>
-                <a:srgbClr val="000000"/>
-              </a:solidFill>
-              <a:uFill>
-                <a:solidFill>
-                  <a:srgbClr val="FFFFFF"/>
-                </a:solidFill>
-              </a:uFill>
-              <a:latin typeface="Arial"/>
-            </a:endParaRPr>
-          </a:p>
-        </p:txBody>
-      </p:sp>
-      <p:sp>
-        <p:nvSpPr>
-          <p:cNvPr id="141" name="CustomShape 2"/>
-          <p:cNvSpPr/>
-          <p:nvPr/>
-        </p:nvSpPr>
-        <p:spPr>
-          <a:xfrm>
-            <a:off x="695880" y="1023480"/>
-            <a:ext cx="558720" cy="516600"/>
-          </a:xfrm>
-          <a:prstGeom prst="rect">
-            <a:avLst/>
-          </a:prstGeom>
-          <a:noFill/>
-          <a:ln>
-            <a:noFill/>
-          </a:ln>
-        </p:spPr>
-        <p:style>
-          <a:lnRef idx="0">
-            <a:scrgbClr r="0" g="0" b="0"/>
-          </a:lnRef>
-          <a:fillRef idx="0">
-            <a:scrgbClr r="0" g="0" b="0"/>
-          </a:fillRef>
-          <a:effectRef idx="0">
-            <a:scrgbClr r="0" g="0" b="0"/>
-          </a:effectRef>
-          <a:fontRef idx="minor"/>
-        </p:style>
-        <p:txBody>
-          <a:bodyPr lIns="90000" tIns="45000" rIns="90000" bIns="45000"/>
-          <a:lstStyle/>
-          <a:p>
-            <a:pPr>
-              <a:lnSpc>
-                <a:spcPct val="100000"/>
-              </a:lnSpc>
-            </a:pPr>
-            <a:r>
-              <a:rPr lang="en-US" sz="2800" b="1" strike="noStrike" spc="-1">
-                <a:solidFill>
-                  <a:srgbClr val="FFFFFF"/>
-                </a:solidFill>
-                <a:uFill>
-                  <a:solidFill>
-                    <a:srgbClr val="FFFFFF"/>
-                  </a:solidFill>
-                </a:uFill>
-                <a:latin typeface="Calibri"/>
-                <a:ea typeface="DejaVu Sans"/>
-              </a:rPr>
-              <a:t>04</a:t>
-            </a:r>
-            <a:endParaRPr lang="en-US" sz="1800" b="0" strike="noStrike" spc="-1">
               <a:solidFill>
                 <a:srgbClr val="000000"/>
               </a:solidFill>
@@ -17794,7 +17959,7 @@
           <a:graphicData uri="http://schemas.openxmlformats.org/presentationml/2006/ole">
             <mc:AlternateContent xmlns:mc="http://schemas.openxmlformats.org/markup-compatibility/2006">
               <mc:Choice xmlns:v="urn:schemas-microsoft-com:vml" Requires="v">
-                <p:oleObj spid="_x0000_s1056" name="公式" r:id="rId4" imgW="126720" imgH="215640" progId="Equation.3">
+                <p:oleObj spid="_x0000_s1059" name="公式" r:id="rId4" imgW="126720" imgH="215640" progId="Equation.3">
                   <p:embed/>
                 </p:oleObj>
               </mc:Choice>

--- a/presentation.pptx
+++ b/presentation.pptx
@@ -5,7 +5,7 @@
     <p:sldMasterId id="2147483648" r:id="rId1"/>
   </p:sldMasterIdLst>
   <p:notesMasterIdLst>
-    <p:notesMasterId r:id="rId44"/>
+    <p:notesMasterId r:id="rId43"/>
   </p:notesMasterIdLst>
   <p:sldIdLst>
     <p:sldId id="256" r:id="rId2"/>
@@ -40,16 +40,15 @@
     <p:sldId id="309" r:id="rId31"/>
     <p:sldId id="310" r:id="rId32"/>
     <p:sldId id="311" r:id="rId33"/>
-    <p:sldId id="312" r:id="rId34"/>
-    <p:sldId id="313" r:id="rId35"/>
-    <p:sldId id="314" r:id="rId36"/>
-    <p:sldId id="318" r:id="rId37"/>
-    <p:sldId id="319" r:id="rId38"/>
-    <p:sldId id="320" r:id="rId39"/>
-    <p:sldId id="321" r:id="rId40"/>
-    <p:sldId id="322" r:id="rId41"/>
-    <p:sldId id="323" r:id="rId42"/>
-    <p:sldId id="324" r:id="rId43"/>
+    <p:sldId id="313" r:id="rId34"/>
+    <p:sldId id="314" r:id="rId35"/>
+    <p:sldId id="318" r:id="rId36"/>
+    <p:sldId id="319" r:id="rId37"/>
+    <p:sldId id="320" r:id="rId38"/>
+    <p:sldId id="321" r:id="rId39"/>
+    <p:sldId id="322" r:id="rId40"/>
+    <p:sldId id="323" r:id="rId41"/>
+    <p:sldId id="324" r:id="rId42"/>
   </p:sldIdLst>
   <p:sldSz cx="9144000" cy="6858000" type="screen4x3"/>
   <p:notesSz cx="6858000" cy="9144000"/>
@@ -3124,7 +3123,7 @@
                 <a:latin typeface="+mn-lt"/>
                 <a:ea typeface="+mn-ea"/>
               </a:rPr>
-              <a:t>36</a:t>
+              <a:t>35</a:t>
             </a:fld>
             <a:endParaRPr lang="en-US" sz="1800" b="0" strike="noStrike" spc="-1">
               <a:solidFill>
@@ -3260,7 +3259,7 @@
                 <a:latin typeface="Arial"/>
                 <a:ea typeface="+mn-ea"/>
               </a:rPr>
-              <a:t>37</a:t>
+              <a:t>36</a:t>
             </a:fld>
             <a:endParaRPr lang="en-US" sz="1800" b="0" strike="noStrike" spc="-1">
               <a:solidFill>
@@ -3396,7 +3395,7 @@
                 <a:latin typeface="Arial"/>
                 <a:ea typeface="+mn-ea"/>
               </a:rPr>
-              <a:t>38</a:t>
+              <a:t>37</a:t>
             </a:fld>
             <a:endParaRPr lang="en-US" sz="1800" b="0" strike="noStrike" spc="-1">
               <a:solidFill>
@@ -3668,7 +3667,7 @@
                 <a:latin typeface="Arial"/>
                 <a:ea typeface="+mn-ea"/>
               </a:rPr>
-              <a:t>39</a:t>
+              <a:t>38</a:t>
             </a:fld>
             <a:endParaRPr lang="en-US" sz="1800" b="0" strike="noStrike" spc="-1">
               <a:solidFill>
@@ -3804,7 +3803,7 @@
                 <a:latin typeface="Arial"/>
                 <a:ea typeface="+mn-ea"/>
               </a:rPr>
-              <a:t>40</a:t>
+              <a:t>39</a:t>
             </a:fld>
             <a:endParaRPr lang="en-US" sz="1800" b="0" strike="noStrike" spc="-1">
               <a:solidFill>
@@ -3940,7 +3939,7 @@
                 <a:latin typeface="Arial"/>
                 <a:ea typeface="+mn-ea"/>
               </a:rPr>
-              <a:t>41</a:t>
+              <a:t>40</a:t>
             </a:fld>
             <a:endParaRPr lang="en-US" sz="1800" b="0" strike="noStrike" spc="-1">
               <a:solidFill>
@@ -4076,7 +4075,7 @@
                 <a:latin typeface="+mn-lt"/>
                 <a:ea typeface="+mn-ea"/>
               </a:rPr>
-              <a:t>42</a:t>
+              <a:t>41</a:t>
             </a:fld>
             <a:endParaRPr lang="en-US" sz="1800" b="0" strike="noStrike" spc="-1">
               <a:solidFill>
@@ -8015,13 +8014,8 @@
             </a:pPr>
             <a:r>
               <a:rPr lang="en-US" altLang="zh-CN" sz="3200" dirty="0" smtClean="0"/>
-              <a:t>Deconvolutio</a:t>
-            </a:r>
-            <a:r>
-              <a:rPr lang="en-US" altLang="zh-CN" sz="3200" dirty="0" smtClean="0"/>
-              <a:t>n for understanding and visualizing CNN</a:t>
-            </a:r>
-            <a:endParaRPr lang="en-US" altLang="zh-CN" sz="3200" dirty="0" smtClean="0"/>
+              <a:t>Deconvolution for understanding and visualizing CNN</a:t>
+            </a:r>
           </a:p>
         </p:txBody>
       </p:sp>
@@ -9611,7 +9605,49 @@
                 <a:latin typeface="Times New Roman"/>
                 <a:ea typeface="DejaVu Sans"/>
               </a:rPr>
-              <a:t>Dataset for Image Classification</a:t>
+              <a:t>Dataset for Image </a:t>
+            </a:r>
+            <a:r>
+              <a:rPr lang="en-US" sz="2400" spc="-1" dirty="0" smtClean="0">
+                <a:solidFill>
+                  <a:srgbClr val="000000"/>
+                </a:solidFill>
+                <a:uFill>
+                  <a:solidFill>
+                    <a:srgbClr val="FFFFFF"/>
+                  </a:solidFill>
+                </a:uFill>
+                <a:latin typeface="Times New Roman"/>
+                <a:ea typeface="DejaVu Sans"/>
+              </a:rPr>
+              <a:t>Classification</a:t>
+            </a:r>
+          </a:p>
+          <a:p>
+            <a:pPr marL="285840" indent="-285120">
+              <a:lnSpc>
+                <a:spcPct val="125000"/>
+              </a:lnSpc>
+              <a:buClr>
+                <a:srgbClr val="000000"/>
+              </a:buClr>
+              <a:buFont typeface="Wingdings" charset="2"/>
+              <a:buChar char=""/>
+            </a:pPr>
+            <a:r>
+              <a:rPr lang="en-US" sz="2400" b="0" strike="noStrike" spc="-1" dirty="0" smtClean="0">
+                <a:solidFill>
+                  <a:srgbClr val="000000"/>
+                </a:solidFill>
+                <a:uFill>
+                  <a:solidFill>
+                    <a:srgbClr val="FFFFFF"/>
+                  </a:solidFill>
+                </a:uFill>
+                <a:latin typeface="Times New Roman"/>
+                <a:ea typeface="DejaVu Sans"/>
+              </a:rPr>
+              <a:t>Evaluation</a:t>
             </a:r>
             <a:endParaRPr lang="en-US" sz="2400" b="0" strike="noStrike" spc="-1" dirty="0" smtClean="0">
               <a:solidFill>
@@ -12014,13 +12050,8 @@
             </a:pPr>
             <a:r>
               <a:rPr lang="en-US" altLang="zh-CN" sz="2800" dirty="0" smtClean="0"/>
-              <a:t>Much </a:t>
-            </a:r>
-            <a:r>
-              <a:rPr lang="en-US" altLang="zh-CN" sz="2800" dirty="0" smtClean="0"/>
-              <a:t>deeper without too many parameter increment.</a:t>
-            </a:r>
-            <a:endParaRPr lang="en-US" altLang="zh-CN" sz="2800" dirty="0" smtClean="0"/>
+              <a:t>Much deeper without too many parameter increment.</a:t>
+            </a:r>
           </a:p>
         </p:txBody>
       </p:sp>
@@ -13371,7 +13402,7 @@
       </p:grpSpPr>
       <p:sp>
         <p:nvSpPr>
-          <p:cNvPr id="152" name="CustomShape 1"/>
+          <p:cNvPr id="155" name="CustomShape 1"/>
           <p:cNvSpPr/>
           <p:nvPr/>
         </p:nvSpPr>
@@ -13410,7 +13441,7 @@
               </a:lnSpc>
             </a:pPr>
             <a:r>
-              <a:rPr lang="en-US" sz="3200" b="0" strike="noStrike" spc="-1">
+              <a:rPr lang="en-US" sz="3200" b="0" strike="noStrike" spc="-1" dirty="0">
                 <a:solidFill>
                   <a:srgbClr val="C0504D"/>
                 </a:solidFill>
@@ -13422,9 +13453,9 @@
                 <a:latin typeface="Calibri"/>
                 <a:ea typeface="DejaVu Sans"/>
               </a:rPr>
-              <a:t>Power</a:t>
-            </a:r>
-            <a:endParaRPr lang="en-US" sz="1800" b="0" strike="noStrike" spc="-1">
+              <a:t>Memory</a:t>
+            </a:r>
+            <a:endParaRPr lang="en-US" sz="1800" b="0" strike="noStrike" spc="-1" dirty="0">
               <a:solidFill>
                 <a:srgbClr val="000000"/>
               </a:solidFill>
@@ -13440,7 +13471,7 @@
       </p:sp>
       <p:pic>
         <p:nvPicPr>
-          <p:cNvPr id="153" name="图片 5"/>
+          <p:cNvPr id="156" name="图片 4"/>
           <p:cNvPicPr/>
           <p:nvPr/>
         </p:nvPicPr>
@@ -13450,8 +13481,8 @@
         </p:blipFill>
         <p:spPr>
           <a:xfrm>
-            <a:off x="1324800" y="1737360"/>
-            <a:ext cx="6356160" cy="4208760"/>
+            <a:off x="1245960" y="1689120"/>
+            <a:ext cx="6286320" cy="4266720"/>
           </a:xfrm>
           <a:prstGeom prst="rect">
             <a:avLst/>
@@ -13463,14 +13494,14 @@
       </p:pic>
       <p:sp>
         <p:nvSpPr>
-          <p:cNvPr id="154" name="CustomShape 2"/>
+          <p:cNvPr id="157" name="CustomShape 2"/>
           <p:cNvSpPr/>
           <p:nvPr/>
         </p:nvSpPr>
         <p:spPr>
           <a:xfrm>
-            <a:off x="98640" y="5934600"/>
-            <a:ext cx="9045000" cy="913320"/>
+            <a:off x="92160" y="5956560"/>
+            <a:ext cx="9143640" cy="913320"/>
           </a:xfrm>
           <a:prstGeom prst="rect">
             <a:avLst/>
@@ -13563,7 +13594,7 @@
     </p:spTree>
     <p:extLst>
       <p:ext uri="{BB962C8B-B14F-4D97-AF65-F5344CB8AC3E}">
-        <p14:creationId xmlns:p14="http://schemas.microsoft.com/office/powerpoint/2010/main" val="1752200844"/>
+        <p14:creationId xmlns:p14="http://schemas.microsoft.com/office/powerpoint/2010/main" val="1469084761"/>
       </p:ext>
     </p:extLst>
   </p:cSld>
@@ -13617,78 +13648,9 @@
           <a:chExt cx="0" cy="0"/>
         </a:xfrm>
       </p:grpSpPr>
-      <p:sp>
-        <p:nvSpPr>
-          <p:cNvPr id="155" name="CustomShape 1"/>
-          <p:cNvSpPr/>
-          <p:nvPr/>
-        </p:nvSpPr>
-        <p:spPr>
-          <a:xfrm>
-            <a:off x="1346040" y="1002960"/>
-            <a:ext cx="7111440" cy="864360"/>
-          </a:xfrm>
-          <a:prstGeom prst="rect">
-            <a:avLst/>
-          </a:prstGeom>
-          <a:noFill/>
-          <a:ln>
-            <a:noFill/>
-          </a:ln>
-        </p:spPr>
-        <p:style>
-          <a:lnRef idx="0">
-            <a:scrgbClr r="0" g="0" b="0"/>
-          </a:lnRef>
-          <a:fillRef idx="0">
-            <a:scrgbClr r="0" g="0" b="0"/>
-          </a:fillRef>
-          <a:effectRef idx="0">
-            <a:scrgbClr r="0" g="0" b="0"/>
-          </a:effectRef>
-          <a:fontRef idx="minor"/>
-        </p:style>
-        <p:txBody>
-          <a:bodyPr lIns="90000" tIns="45000" rIns="90000" bIns="45000"/>
-          <a:lstStyle/>
-          <a:p>
-            <a:pPr>
-              <a:lnSpc>
-                <a:spcPct val="100000"/>
-              </a:lnSpc>
-            </a:pPr>
-            <a:r>
-              <a:rPr lang="en-US" sz="3200" b="0" strike="noStrike" spc="-1">
-                <a:solidFill>
-                  <a:srgbClr val="C0504D"/>
-                </a:solidFill>
-                <a:uFill>
-                  <a:solidFill>
-                    <a:srgbClr val="FFFFFF"/>
-                  </a:solidFill>
-                </a:uFill>
-                <a:latin typeface="Calibri"/>
-                <a:ea typeface="DejaVu Sans"/>
-              </a:rPr>
-              <a:t>Memory</a:t>
-            </a:r>
-            <a:endParaRPr lang="en-US" sz="1800" b="0" strike="noStrike" spc="-1">
-              <a:solidFill>
-                <a:srgbClr val="000000"/>
-              </a:solidFill>
-              <a:uFill>
-                <a:solidFill>
-                  <a:srgbClr val="FFFFFF"/>
-                </a:solidFill>
-              </a:uFill>
-              <a:latin typeface="Arial"/>
-            </a:endParaRPr>
-          </a:p>
-        </p:txBody>
-      </p:sp>
       <p:pic>
         <p:nvPicPr>
-          <p:cNvPr id="156" name="图片 4"/>
+          <p:cNvPr id="158" name="图片 3"/>
           <p:cNvPicPr/>
           <p:nvPr/>
         </p:nvPicPr>
@@ -13698,8 +13660,8 @@
         </p:blipFill>
         <p:spPr>
           <a:xfrm>
-            <a:off x="1245960" y="1689120"/>
-            <a:ext cx="6286320" cy="4266720"/>
+            <a:off x="136080" y="1828800"/>
+            <a:ext cx="8550720" cy="3404520"/>
           </a:xfrm>
           <a:prstGeom prst="rect">
             <a:avLst/>
@@ -13711,14 +13673,14 @@
       </p:pic>
       <p:sp>
         <p:nvSpPr>
-          <p:cNvPr id="157" name="CustomShape 2"/>
+          <p:cNvPr id="159" name="CustomShape 1"/>
           <p:cNvSpPr/>
           <p:nvPr/>
         </p:nvSpPr>
         <p:spPr>
           <a:xfrm>
-            <a:off x="92160" y="5956560"/>
-            <a:ext cx="9143640" cy="913320"/>
+            <a:off x="0" y="5662080"/>
+            <a:ext cx="9354600" cy="913320"/>
           </a:xfrm>
           <a:prstGeom prst="rect">
             <a:avLst/>
@@ -13808,10 +13770,94 @@
           </a:p>
         </p:txBody>
       </p:sp>
+      <p:sp>
+        <p:nvSpPr>
+          <p:cNvPr id="4" name="CustomShape 1"/>
+          <p:cNvSpPr/>
+          <p:nvPr/>
+        </p:nvSpPr>
+        <p:spPr>
+          <a:xfrm>
+            <a:off x="1346040" y="1002960"/>
+            <a:ext cx="7111440" cy="864360"/>
+          </a:xfrm>
+          <a:prstGeom prst="rect">
+            <a:avLst/>
+          </a:prstGeom>
+          <a:noFill/>
+          <a:ln>
+            <a:noFill/>
+          </a:ln>
+        </p:spPr>
+        <p:style>
+          <a:lnRef idx="0">
+            <a:scrgbClr r="0" g="0" b="0"/>
+          </a:lnRef>
+          <a:fillRef idx="0">
+            <a:scrgbClr r="0" g="0" b="0"/>
+          </a:fillRef>
+          <a:effectRef idx="0">
+            <a:scrgbClr r="0" g="0" b="0"/>
+          </a:effectRef>
+          <a:fontRef idx="minor"/>
+        </p:style>
+        <p:txBody>
+          <a:bodyPr lIns="90000" tIns="45000" rIns="90000" bIns="45000"/>
+          <a:lstStyle/>
+          <a:p>
+            <a:pPr>
+              <a:lnSpc>
+                <a:spcPct val="100000"/>
+              </a:lnSpc>
+            </a:pPr>
+            <a:r>
+              <a:rPr lang="en-US" sz="3200" b="0" strike="noStrike" spc="-1" dirty="0" smtClean="0">
+                <a:solidFill>
+                  <a:srgbClr val="C0504D"/>
+                </a:solidFill>
+                <a:uFill>
+                  <a:solidFill>
+                    <a:srgbClr val="FFFFFF"/>
+                  </a:solidFill>
+                </a:uFill>
+                <a:latin typeface="Calibri"/>
+                <a:ea typeface="DejaVu Sans"/>
+              </a:rPr>
+              <a:t>O</a:t>
+            </a:r>
+            <a:r>
+              <a:rPr lang="en-US" altLang="zh-CN" sz="3200" b="0" strike="noStrike" spc="-1" dirty="0" smtClean="0">
+                <a:solidFill>
+                  <a:srgbClr val="C0504D"/>
+                </a:solidFill>
+                <a:uFill>
+                  <a:solidFill>
+                    <a:srgbClr val="FFFFFF"/>
+                  </a:solidFill>
+                </a:uFill>
+                <a:latin typeface="Calibri"/>
+                <a:ea typeface="DejaVu Sans"/>
+              </a:rPr>
+              <a:t>perations</a:t>
+            </a:r>
+            <a:endParaRPr lang="en-US" sz="1800" b="0" strike="noStrike" spc="-1" dirty="0">
+              <a:solidFill>
+                <a:srgbClr val="000000"/>
+              </a:solidFill>
+              <a:uFill>
+                <a:solidFill>
+                  <a:srgbClr val="FFFFFF"/>
+                </a:solidFill>
+              </a:uFill>
+              <a:latin typeface="Arial"/>
+            </a:endParaRPr>
+          </a:p>
+        </p:txBody>
+      </p:sp>
     </p:spTree>
     <p:extLst>
       <p:ext uri="{BB962C8B-B14F-4D97-AF65-F5344CB8AC3E}">
-        <p14:creationId xmlns:p14="http://schemas.microsoft.com/office/powerpoint/2010/main" val="1469084761"/>
+        <p14:creationId xmlns:p14="http://schemas.microsoft.com/office/powerpoint/2010/main" val="3730801796"/>
       </p:ext>
     </p:extLst>
   </p:cSld>
@@ -13865,39 +13911,16 @@
           <a:chExt cx="0" cy="0"/>
         </a:xfrm>
       </p:grpSpPr>
-      <p:pic>
-        <p:nvPicPr>
-          <p:cNvPr id="158" name="图片 3"/>
-          <p:cNvPicPr/>
-          <p:nvPr/>
-        </p:nvPicPr>
-        <p:blipFill>
-          <a:blip r:embed="rId2"/>
-          <a:stretch/>
-        </p:blipFill>
-        <p:spPr>
-          <a:xfrm>
-            <a:off x="136080" y="1828800"/>
-            <a:ext cx="8550720" cy="3404520"/>
-          </a:xfrm>
-          <a:prstGeom prst="rect">
-            <a:avLst/>
-          </a:prstGeom>
-          <a:ln>
-            <a:noFill/>
-          </a:ln>
-        </p:spPr>
-      </p:pic>
-      <p:sp>
-        <p:nvSpPr>
-          <p:cNvPr id="159" name="CustomShape 1"/>
+      <p:sp>
+        <p:nvSpPr>
+          <p:cNvPr id="110" name="CustomShape 1"/>
           <p:cNvSpPr/>
           <p:nvPr/>
         </p:nvSpPr>
         <p:spPr>
           <a:xfrm>
-            <a:off x="0" y="5662080"/>
-            <a:ext cx="9354600" cy="913320"/>
+            <a:off x="1392120" y="1005840"/>
+            <a:ext cx="7111440" cy="1064880"/>
           </a:xfrm>
           <a:prstGeom prst="rect">
             <a:avLst/>
@@ -13929,37 +13952,168 @@
               </a:lnSpc>
             </a:pPr>
             <a:r>
-              <a:rPr lang="en-US" sz="1800" b="0" strike="noStrike" spc="-1">
-                <a:solidFill>
-                  <a:srgbClr val="000000"/>
+              <a:rPr lang="en-US" sz="3200" b="0" strike="noStrike" spc="-1" dirty="0" smtClean="0">
+                <a:solidFill>
+                  <a:srgbClr val="C0504D"/>
                 </a:solidFill>
                 <a:uFill>
                   <a:solidFill>
                     <a:srgbClr val="FFFFFF"/>
                   </a:solidFill>
                 </a:uFill>
-                <a:latin typeface="Arial"/>
+                <a:latin typeface="Calibri"/>
                 <a:ea typeface="DejaVu Sans"/>
               </a:rPr>
-              <a:t>Canziani, Alfredo, Adam Paszke, and Eugenio Culurciello. "An Analysis of Deep Neural Network Models for Practical Applications." </a:t>
-            </a:r>
-            <a:r>
-              <a:rPr lang="en-US" sz="1800" b="0" i="1" strike="noStrike" spc="-1">
-                <a:solidFill>
-                  <a:srgbClr val="000000"/>
+              <a:t>CNN Based medical image classification </a:t>
+            </a:r>
+            <a:endParaRPr lang="en-US" sz="1800" b="0" strike="noStrike" spc="-1" dirty="0">
+              <a:solidFill>
+                <a:srgbClr val="000000"/>
+              </a:solidFill>
+              <a:uFill>
+                <a:solidFill>
+                  <a:srgbClr val="FFFFFF"/>
+                </a:solidFill>
+              </a:uFill>
+              <a:latin typeface="Arial"/>
+            </a:endParaRPr>
+          </a:p>
+        </p:txBody>
+      </p:sp>
+      <p:sp>
+        <p:nvSpPr>
+          <p:cNvPr id="111" name="CustomShape 2"/>
+          <p:cNvSpPr/>
+          <p:nvPr/>
+        </p:nvSpPr>
+        <p:spPr>
+          <a:xfrm>
+            <a:off x="695880" y="1023480"/>
+            <a:ext cx="558720" cy="516600"/>
+          </a:xfrm>
+          <a:prstGeom prst="rect">
+            <a:avLst/>
+          </a:prstGeom>
+          <a:noFill/>
+          <a:ln>
+            <a:noFill/>
+          </a:ln>
+        </p:spPr>
+        <p:style>
+          <a:lnRef idx="0">
+            <a:scrgbClr r="0" g="0" b="0"/>
+          </a:lnRef>
+          <a:fillRef idx="0">
+            <a:scrgbClr r="0" g="0" b="0"/>
+          </a:fillRef>
+          <a:effectRef idx="0">
+            <a:scrgbClr r="0" g="0" b="0"/>
+          </a:effectRef>
+          <a:fontRef idx="minor"/>
+        </p:style>
+        <p:txBody>
+          <a:bodyPr lIns="90000" tIns="45000" rIns="90000" bIns="45000"/>
+          <a:lstStyle/>
+          <a:p>
+            <a:pPr>
+              <a:lnSpc>
+                <a:spcPct val="100000"/>
+              </a:lnSpc>
+            </a:pPr>
+            <a:r>
+              <a:rPr lang="en-US" sz="2800" b="1" strike="noStrike" spc="-1" dirty="0" smtClean="0">
+                <a:solidFill>
+                  <a:srgbClr val="FFFFFF"/>
                 </a:solidFill>
                 <a:uFill>
                   <a:solidFill>
                     <a:srgbClr val="FFFFFF"/>
                   </a:solidFill>
                 </a:uFill>
-                <a:latin typeface="Arial"/>
+                <a:latin typeface="Calibri"/>
                 <a:ea typeface="DejaVu Sans"/>
               </a:rPr>
-              <a:t>arXiv: Computer Vision and Pattern Recognition</a:t>
-            </a:r>
-            <a:r>
-              <a:rPr lang="en-US" sz="1800" b="0" strike="noStrike" spc="-1">
+              <a:t>05</a:t>
+            </a:r>
+            <a:endParaRPr lang="en-US" sz="1800" b="0" strike="noStrike" spc="-1" dirty="0">
+              <a:solidFill>
+                <a:srgbClr val="000000"/>
+              </a:solidFill>
+              <a:uFill>
+                <a:solidFill>
+                  <a:srgbClr val="FFFFFF"/>
+                </a:solidFill>
+              </a:uFill>
+              <a:latin typeface="Arial"/>
+            </a:endParaRPr>
+          </a:p>
+        </p:txBody>
+      </p:sp>
+      <p:sp>
+        <p:nvSpPr>
+          <p:cNvPr id="112" name="CustomShape 3"/>
+          <p:cNvSpPr/>
+          <p:nvPr/>
+        </p:nvSpPr>
+        <p:spPr>
+          <a:xfrm>
+            <a:off x="1254600" y="1904826"/>
+            <a:ext cx="6092847" cy="3781080"/>
+          </a:xfrm>
+          <a:prstGeom prst="rect">
+            <a:avLst/>
+          </a:prstGeom>
+          <a:noFill/>
+          <a:ln>
+            <a:noFill/>
+          </a:ln>
+        </p:spPr>
+        <p:style>
+          <a:lnRef idx="0">
+            <a:scrgbClr r="0" g="0" b="0"/>
+          </a:lnRef>
+          <a:fillRef idx="0">
+            <a:scrgbClr r="0" g="0" b="0"/>
+          </a:fillRef>
+          <a:effectRef idx="0">
+            <a:scrgbClr r="0" g="0" b="0"/>
+          </a:effectRef>
+          <a:fontRef idx="minor"/>
+        </p:style>
+        <p:txBody>
+          <a:bodyPr lIns="90000" tIns="45000" rIns="90000" bIns="45000"/>
+          <a:lstStyle/>
+          <a:p>
+            <a:pPr marL="360">
+              <a:lnSpc>
+                <a:spcPct val="125000"/>
+              </a:lnSpc>
+            </a:pPr>
+            <a:endParaRPr lang="en-US" sz="1800" b="0" strike="noStrike" spc="-1" dirty="0" smtClean="0">
+              <a:solidFill>
+                <a:srgbClr val="000000"/>
+              </a:solidFill>
+              <a:uFill>
+                <a:solidFill>
+                  <a:srgbClr val="FFFFFF"/>
+                </a:solidFill>
+              </a:uFill>
+              <a:latin typeface="Arial"/>
+            </a:endParaRPr>
+          </a:p>
+          <a:p>
+            <a:pPr marL="285840" indent="-285120">
+              <a:lnSpc>
+                <a:spcPct val="125000"/>
+              </a:lnSpc>
+              <a:buClr>
+                <a:srgbClr val="000000"/>
+              </a:buClr>
+              <a:buFont typeface="Wingdings" charset="2"/>
+              <a:buChar char=""/>
+            </a:pPr>
+            <a:r>
+              <a:rPr lang="en-US" sz="2400" spc="-1" dirty="0" smtClean="0">
                 <a:solidFill>
                   <a:srgbClr val="000000"/>
                 </a:solidFill>
@@ -13968,12 +14122,218 @@
                     <a:srgbClr val="FFFFFF"/>
                   </a:solidFill>
                 </a:uFill>
-                <a:latin typeface="Arial"/>
+                <a:latin typeface="Times New Roman"/>
                 <a:ea typeface="DejaVu Sans"/>
               </a:rPr>
-              <a:t> (2016).</a:t>
-            </a:r>
-            <a:endParaRPr lang="en-US" sz="1800" b="0" strike="noStrike" spc="-1">
+              <a:t>Datasets </a:t>
+            </a:r>
+            <a:r>
+              <a:rPr lang="en-US" sz="2400" spc="-1" dirty="0">
+                <a:solidFill>
+                  <a:srgbClr val="000000"/>
+                </a:solidFill>
+                <a:uFill>
+                  <a:solidFill>
+                    <a:srgbClr val="FFFFFF"/>
+                  </a:solidFill>
+                </a:uFill>
+                <a:latin typeface="Times New Roman"/>
+                <a:ea typeface="DejaVu Sans"/>
+              </a:rPr>
+              <a:t>usually </a:t>
+            </a:r>
+            <a:r>
+              <a:rPr lang="en-US" sz="2400" spc="-1" dirty="0" smtClean="0">
+                <a:solidFill>
+                  <a:srgbClr val="000000"/>
+                </a:solidFill>
+                <a:uFill>
+                  <a:solidFill>
+                    <a:srgbClr val="FFFFFF"/>
+                  </a:solidFill>
+                </a:uFill>
+                <a:latin typeface="Times New Roman"/>
+                <a:ea typeface="DejaVu Sans"/>
+              </a:rPr>
+              <a:t>small</a:t>
+            </a:r>
+          </a:p>
+          <a:p>
+            <a:pPr marL="285840" indent="-285120">
+              <a:lnSpc>
+                <a:spcPct val="125000"/>
+              </a:lnSpc>
+              <a:buClr>
+                <a:srgbClr val="000000"/>
+              </a:buClr>
+              <a:buFont typeface="Wingdings" charset="2"/>
+              <a:buChar char=""/>
+            </a:pPr>
+            <a:endParaRPr lang="en-US" sz="2400" spc="-1" dirty="0">
+              <a:solidFill>
+                <a:srgbClr val="000000"/>
+              </a:solidFill>
+              <a:uFill>
+                <a:solidFill>
+                  <a:srgbClr val="FFFFFF"/>
+                </a:solidFill>
+              </a:uFill>
+              <a:latin typeface="Times New Roman"/>
+              <a:ea typeface="DejaVu Sans"/>
+            </a:endParaRPr>
+          </a:p>
+          <a:p>
+            <a:pPr marL="285840" indent="-285120">
+              <a:lnSpc>
+                <a:spcPct val="125000"/>
+              </a:lnSpc>
+              <a:buClr>
+                <a:srgbClr val="000000"/>
+              </a:buClr>
+              <a:buFont typeface="Wingdings" charset="2"/>
+              <a:buChar char=""/>
+            </a:pPr>
+            <a:r>
+              <a:rPr lang="en-US" sz="2400" spc="-1" dirty="0" smtClean="0">
+                <a:solidFill>
+                  <a:srgbClr val="000000"/>
+                </a:solidFill>
+                <a:uFill>
+                  <a:solidFill>
+                    <a:srgbClr val="FFFFFF"/>
+                  </a:solidFill>
+                </a:uFill>
+                <a:latin typeface="Times New Roman"/>
+                <a:ea typeface="DejaVu Sans"/>
+              </a:rPr>
+              <a:t>Medical images are always full of noise</a:t>
+            </a:r>
+          </a:p>
+          <a:p>
+            <a:pPr marL="285840" indent="-285120">
+              <a:lnSpc>
+                <a:spcPct val="125000"/>
+              </a:lnSpc>
+              <a:buClr>
+                <a:srgbClr val="000000"/>
+              </a:buClr>
+              <a:buFont typeface="Wingdings" charset="2"/>
+              <a:buChar char=""/>
+            </a:pPr>
+            <a:endParaRPr lang="en-US" sz="2400" spc="-1" dirty="0">
+              <a:solidFill>
+                <a:srgbClr val="000000"/>
+              </a:solidFill>
+              <a:uFill>
+                <a:solidFill>
+                  <a:srgbClr val="FFFFFF"/>
+                </a:solidFill>
+              </a:uFill>
+              <a:latin typeface="Times New Roman"/>
+              <a:ea typeface="DejaVu Sans"/>
+            </a:endParaRPr>
+          </a:p>
+          <a:p>
+            <a:pPr marL="285840" indent="-285120">
+              <a:lnSpc>
+                <a:spcPct val="125000"/>
+              </a:lnSpc>
+              <a:buClr>
+                <a:srgbClr val="000000"/>
+              </a:buClr>
+              <a:buFont typeface="Wingdings" charset="2"/>
+              <a:buChar char=""/>
+            </a:pPr>
+            <a:r>
+              <a:rPr lang="en-US" sz="2400" spc="-1" dirty="0" smtClean="0">
+                <a:solidFill>
+                  <a:srgbClr val="000000"/>
+                </a:solidFill>
+                <a:uFill>
+                  <a:solidFill>
+                    <a:srgbClr val="FFFFFF"/>
+                  </a:solidFill>
+                </a:uFill>
+                <a:latin typeface="Times New Roman"/>
+                <a:ea typeface="DejaVu Sans"/>
+              </a:rPr>
+              <a:t>Lack of color and texture details </a:t>
+            </a:r>
+          </a:p>
+          <a:p>
+            <a:pPr marL="285840" indent="-285120">
+              <a:lnSpc>
+                <a:spcPct val="125000"/>
+              </a:lnSpc>
+              <a:buClr>
+                <a:srgbClr val="000000"/>
+              </a:buClr>
+              <a:buFont typeface="Wingdings" charset="2"/>
+              <a:buChar char=""/>
+            </a:pPr>
+            <a:endParaRPr lang="en-US" sz="2400" spc="-1" dirty="0">
+              <a:solidFill>
+                <a:srgbClr val="000000"/>
+              </a:solidFill>
+              <a:uFill>
+                <a:solidFill>
+                  <a:srgbClr val="FFFFFF"/>
+                </a:solidFill>
+              </a:uFill>
+              <a:latin typeface="Times New Roman"/>
+              <a:ea typeface="DejaVu Sans"/>
+            </a:endParaRPr>
+          </a:p>
+          <a:p>
+            <a:pPr marL="285840" indent="-285120">
+              <a:lnSpc>
+                <a:spcPct val="125000"/>
+              </a:lnSpc>
+              <a:buClr>
+                <a:srgbClr val="000000"/>
+              </a:buClr>
+              <a:buFont typeface="Wingdings" charset="2"/>
+              <a:buChar char=""/>
+            </a:pPr>
+            <a:r>
+              <a:rPr lang="en-US" sz="2400" spc="-1" dirty="0" smtClean="0">
+                <a:solidFill>
+                  <a:srgbClr val="000000"/>
+                </a:solidFill>
+                <a:uFill>
+                  <a:solidFill>
+                    <a:srgbClr val="FFFFFF"/>
+                  </a:solidFill>
+                </a:uFill>
+                <a:latin typeface="Times New Roman"/>
+              </a:rPr>
+              <a:t>Indistinguishable features</a:t>
+            </a:r>
+            <a:endParaRPr lang="en-US" sz="2400" spc="-1" dirty="0">
+              <a:solidFill>
+                <a:srgbClr val="000000"/>
+              </a:solidFill>
+              <a:uFill>
+                <a:solidFill>
+                  <a:srgbClr val="FFFFFF"/>
+                </a:solidFill>
+              </a:uFill>
+              <a:latin typeface="Times New Roman"/>
+              <a:ea typeface="DejaVu Sans"/>
+            </a:endParaRPr>
+          </a:p>
+          <a:p>
+            <a:pPr marL="285840" indent="-285120">
+              <a:lnSpc>
+                <a:spcPct val="125000"/>
+              </a:lnSpc>
+              <a:buClr>
+                <a:srgbClr val="000000"/>
+              </a:buClr>
+              <a:buFont typeface="Wingdings" charset="2"/>
+              <a:buChar char=""/>
+            </a:pPr>
+            <a:endParaRPr lang="en-US" sz="1800" b="0" strike="noStrike" spc="-1" dirty="0">
               <a:solidFill>
                 <a:srgbClr val="000000"/>
               </a:solidFill>
@@ -13990,7 +14350,7 @@
     </p:spTree>
     <p:extLst>
       <p:ext uri="{BB962C8B-B14F-4D97-AF65-F5344CB8AC3E}">
-        <p14:creationId xmlns:p14="http://schemas.microsoft.com/office/powerpoint/2010/main" val="3730801796"/>
+        <p14:creationId xmlns:p14="http://schemas.microsoft.com/office/powerpoint/2010/main" val="1610876393"/>
       </p:ext>
     </p:extLst>
   </p:cSld>
@@ -14046,13 +14406,13 @@
       </p:grpSpPr>
       <p:sp>
         <p:nvSpPr>
-          <p:cNvPr id="110" name="CustomShape 1"/>
+          <p:cNvPr id="113" name="CustomShape 1"/>
           <p:cNvSpPr/>
           <p:nvPr/>
         </p:nvSpPr>
         <p:spPr>
           <a:xfrm>
-            <a:off x="1392120" y="1005840"/>
+            <a:off x="1392120" y="991800"/>
             <a:ext cx="7111440" cy="1064880"/>
           </a:xfrm>
           <a:prstGeom prst="rect">
@@ -14085,7 +14445,7 @@
               </a:lnSpc>
             </a:pPr>
             <a:r>
-              <a:rPr lang="en-US" sz="3200" b="0" strike="noStrike" spc="-1" dirty="0" smtClean="0">
+              <a:rPr lang="en-US" sz="3200" b="0" strike="noStrike" spc="-1" dirty="0">
                 <a:solidFill>
                   <a:srgbClr val="C0504D"/>
                 </a:solidFill>
@@ -14115,7 +14475,7 @@
       </p:sp>
       <p:sp>
         <p:nvSpPr>
-          <p:cNvPr id="111" name="CustomShape 2"/>
+          <p:cNvPr id="114" name="CustomShape 2"/>
           <p:cNvSpPr/>
           <p:nvPr/>
         </p:nvSpPr>
@@ -14184,14 +14544,14 @@
       </p:sp>
       <p:sp>
         <p:nvSpPr>
-          <p:cNvPr id="112" name="CustomShape 3"/>
+          <p:cNvPr id="115" name="CustomShape 3"/>
           <p:cNvSpPr/>
           <p:nvPr/>
         </p:nvSpPr>
         <p:spPr>
           <a:xfrm>
-            <a:off x="695880" y="2071080"/>
-            <a:ext cx="8960760" cy="3781080"/>
+            <a:off x="1254600" y="2683080"/>
+            <a:ext cx="7289640" cy="2993820"/>
           </a:xfrm>
           <a:prstGeom prst="rect">
             <a:avLst/>
@@ -14217,10 +14577,15 @@
           <a:bodyPr lIns="90000" tIns="45000" rIns="90000" bIns="45000"/>
           <a:lstStyle/>
           <a:p>
-            <a:pPr marL="360">
+            <a:pPr marL="285840" indent="-285120">
               <a:lnSpc>
                 <a:spcPct val="125000"/>
               </a:lnSpc>
+              <a:buClr>
+                <a:srgbClr val="000000"/>
+              </a:buClr>
+              <a:buFont typeface="Wingdings" charset="2"/>
+              <a:buChar char=""/>
             </a:pPr>
             <a:r>
               <a:rPr lang="en-US" sz="2400" b="0" strike="noStrike" spc="-1" dirty="0">
@@ -14235,33 +14600,10 @@
                 <a:latin typeface="Times New Roman"/>
                 <a:ea typeface="DejaVu Sans"/>
               </a:rPr>
-              <a:t> </a:t>
-            </a:r>
-            <a:endParaRPr lang="en-US" sz="1800" b="0" strike="noStrike" spc="-1" dirty="0">
-              <a:solidFill>
-                <a:srgbClr val="000000"/>
-              </a:solidFill>
-              <a:uFill>
-                <a:solidFill>
-                  <a:srgbClr val="FFFFFF"/>
-                </a:solidFill>
-              </a:uFill>
-              <a:latin typeface="Arial"/>
-            </a:endParaRPr>
-          </a:p>
-          <a:p>
-            <a:pPr marL="285840" indent="-285120">
-              <a:lnSpc>
-                <a:spcPct val="125000"/>
-              </a:lnSpc>
-              <a:buClr>
-                <a:srgbClr val="000000"/>
-              </a:buClr>
-              <a:buFont typeface="Wingdings" charset="2"/>
-              <a:buChar char=""/>
-            </a:pPr>
-            <a:r>
-              <a:rPr lang="en-US" sz="2400" b="0" strike="noStrike" spc="-1" dirty="0">
+              <a:t>Polyp detection(</a:t>
+            </a:r>
+            <a:r>
+              <a:rPr lang="en-US" sz="2400" b="0" strike="noStrike" spc="-1" dirty="0" err="1">
                 <a:solidFill>
                   <a:srgbClr val="000000"/>
                 </a:solidFill>
@@ -14273,49 +14615,8 @@
                 <a:latin typeface="Times New Roman"/>
                 <a:ea typeface="DejaVu Sans"/>
               </a:rPr>
-              <a:t>Datasets usually small</a:t>
-            </a:r>
-            <a:endParaRPr lang="en-US" sz="1800" b="0" strike="noStrike" spc="-1" dirty="0">
-              <a:solidFill>
-                <a:srgbClr val="000000"/>
-              </a:solidFill>
-              <a:uFill>
-                <a:solidFill>
-                  <a:srgbClr val="FFFFFF"/>
-                </a:solidFill>
-              </a:uFill>
-              <a:latin typeface="Arial"/>
-            </a:endParaRPr>
-          </a:p>
-          <a:p>
-            <a:pPr marL="360">
-              <a:lnSpc>
-                <a:spcPct val="125000"/>
-              </a:lnSpc>
-            </a:pPr>
-            <a:endParaRPr lang="en-US" sz="1800" b="0" strike="noStrike" spc="-1" dirty="0">
-              <a:solidFill>
-                <a:srgbClr val="000000"/>
-              </a:solidFill>
-              <a:uFill>
-                <a:solidFill>
-                  <a:srgbClr val="FFFFFF"/>
-                </a:solidFill>
-              </a:uFill>
-              <a:latin typeface="Arial"/>
-            </a:endParaRPr>
-          </a:p>
-          <a:p>
-            <a:pPr marL="285840" indent="-285120">
-              <a:lnSpc>
-                <a:spcPct val="125000"/>
-              </a:lnSpc>
-              <a:buClr>
-                <a:srgbClr val="000000"/>
-              </a:buClr>
-              <a:buFont typeface="Wingdings" charset="2"/>
-              <a:buChar char=""/>
-            </a:pPr>
+              <a:t>肠息肉的检测</a:t>
+            </a:r>
             <a:r>
               <a:rPr lang="en-US" sz="2400" b="0" strike="noStrike" spc="-1" dirty="0">
                 <a:solidFill>
@@ -14329,8 +14630,26 @@
                 <a:latin typeface="Times New Roman"/>
                 <a:ea typeface="DejaVu Sans"/>
               </a:rPr>
-              <a:t>Using a  pre-trained CNN to their tasks</a:t>
-            </a:r>
+              <a:t>)</a:t>
+            </a:r>
+            <a:endParaRPr lang="en-US" sz="1800" b="0" strike="noStrike" spc="-1" dirty="0">
+              <a:solidFill>
+                <a:srgbClr val="000000"/>
+              </a:solidFill>
+              <a:uFill>
+                <a:solidFill>
+                  <a:srgbClr val="FFFFFF"/>
+                </a:solidFill>
+              </a:uFill>
+              <a:latin typeface="Arial"/>
+            </a:endParaRPr>
+          </a:p>
+          <a:p>
+            <a:pPr marL="360">
+              <a:lnSpc>
+                <a:spcPct val="125000"/>
+              </a:lnSpc>
+            </a:pPr>
             <a:endParaRPr lang="en-US" sz="1800" b="0" strike="noStrike" spc="-1" dirty="0">
               <a:solidFill>
                 <a:srgbClr val="000000"/>
@@ -14385,7 +14704,37 @@
                 <a:latin typeface="Times New Roman"/>
                 <a:ea typeface="DejaVu Sans"/>
               </a:rPr>
-              <a:t>A pre-trained CNN is adapted to the application at hand.</a:t>
+              <a:t>Pulmonary Embolism Detection(</a:t>
+            </a:r>
+            <a:r>
+              <a:rPr lang="en-US" sz="2400" b="0" strike="noStrike" spc="-1" dirty="0" err="1">
+                <a:solidFill>
+                  <a:srgbClr val="000000"/>
+                </a:solidFill>
+                <a:uFill>
+                  <a:solidFill>
+                    <a:srgbClr val="FFFFFF"/>
+                  </a:solidFill>
+                </a:uFill>
+                <a:latin typeface="Times New Roman"/>
+                <a:ea typeface="DejaVu Sans"/>
+              </a:rPr>
+              <a:t>肺栓塞的检测</a:t>
+            </a:r>
+            <a:r>
+              <a:rPr lang="en-US" sz="2400" b="0" strike="noStrike" spc="-1" dirty="0" smtClean="0">
+                <a:solidFill>
+                  <a:srgbClr val="000000"/>
+                </a:solidFill>
+                <a:uFill>
+                  <a:solidFill>
+                    <a:srgbClr val="FFFFFF"/>
+                  </a:solidFill>
+                </a:uFill>
+                <a:latin typeface="Times New Roman"/>
+                <a:ea typeface="DejaVu Sans"/>
+              </a:rPr>
+              <a:t>)</a:t>
             </a:r>
             <a:endParaRPr lang="en-US" sz="1800" b="0" strike="noStrike" spc="-1" dirty="0">
               <a:solidFill>
@@ -14404,7 +14753,7 @@
     </p:spTree>
     <p:extLst>
       <p:ext uri="{BB962C8B-B14F-4D97-AF65-F5344CB8AC3E}">
-        <p14:creationId xmlns:p14="http://schemas.microsoft.com/office/powerpoint/2010/main" val="1610876393"/>
+        <p14:creationId xmlns:p14="http://schemas.microsoft.com/office/powerpoint/2010/main" val="3165661842"/>
       </p:ext>
     </p:extLst>
   </p:cSld>
@@ -14460,13 +14809,13 @@
       </p:grpSpPr>
       <p:sp>
         <p:nvSpPr>
-          <p:cNvPr id="113" name="CustomShape 1"/>
+          <p:cNvPr id="116" name="CustomShape 1"/>
           <p:cNvSpPr/>
           <p:nvPr/>
         </p:nvSpPr>
         <p:spPr>
           <a:xfrm>
-            <a:off x="1392120" y="991800"/>
+            <a:off x="1344060" y="1023480"/>
             <a:ext cx="7111440" cy="1064880"/>
           </a:xfrm>
           <a:prstGeom prst="rect">
@@ -14499,7 +14848,7 @@
               </a:lnSpc>
             </a:pPr>
             <a:r>
-              <a:rPr lang="en-US" sz="3200" b="0" strike="noStrike" spc="-1" dirty="0">
+              <a:rPr lang="en-US" sz="3200" spc="-1" dirty="0">
                 <a:solidFill>
                   <a:srgbClr val="C0504D"/>
                 </a:solidFill>
@@ -14509,103 +14858,22 @@
                   </a:solidFill>
                 </a:uFill>
                 <a:latin typeface="Calibri"/>
-                <a:ea typeface="DejaVu Sans"/>
               </a:rPr>
-              <a:t>CNN Based medical image classification </a:t>
-            </a:r>
-            <a:endParaRPr lang="en-US" sz="1800" b="0" strike="noStrike" spc="-1" dirty="0">
-              <a:solidFill>
-                <a:srgbClr val="000000"/>
-              </a:solidFill>
-              <a:uFill>
-                <a:solidFill>
-                  <a:srgbClr val="FFFFFF"/>
-                </a:solidFill>
-              </a:uFill>
-              <a:latin typeface="Arial"/>
-            </a:endParaRPr>
-          </a:p>
-        </p:txBody>
-      </p:sp>
-      <p:sp>
-        <p:nvSpPr>
-          <p:cNvPr id="114" name="CustomShape 2"/>
+              <a:t>Polyp detection</a:t>
+            </a:r>
+          </a:p>
+        </p:txBody>
+      </p:sp>
+      <p:sp>
+        <p:nvSpPr>
+          <p:cNvPr id="118" name="CustomShape 3"/>
           <p:cNvSpPr/>
           <p:nvPr/>
         </p:nvSpPr>
         <p:spPr>
           <a:xfrm>
-            <a:off x="695880" y="1023480"/>
-            <a:ext cx="558720" cy="516600"/>
-          </a:xfrm>
-          <a:prstGeom prst="rect">
-            <a:avLst/>
-          </a:prstGeom>
-          <a:noFill/>
-          <a:ln>
-            <a:noFill/>
-          </a:ln>
-        </p:spPr>
-        <p:style>
-          <a:lnRef idx="0">
-            <a:scrgbClr r="0" g="0" b="0"/>
-          </a:lnRef>
-          <a:fillRef idx="0">
-            <a:scrgbClr r="0" g="0" b="0"/>
-          </a:fillRef>
-          <a:effectRef idx="0">
-            <a:scrgbClr r="0" g="0" b="0"/>
-          </a:effectRef>
-          <a:fontRef idx="minor"/>
-        </p:style>
-        <p:txBody>
-          <a:bodyPr lIns="90000" tIns="45000" rIns="90000" bIns="45000"/>
-          <a:lstStyle/>
-          <a:p>
-            <a:pPr>
-              <a:lnSpc>
-                <a:spcPct val="100000"/>
-              </a:lnSpc>
-            </a:pPr>
-            <a:r>
-              <a:rPr lang="en-US" sz="2800" b="1" strike="noStrike" spc="-1">
-                <a:solidFill>
-                  <a:srgbClr val="FFFFFF"/>
-                </a:solidFill>
-                <a:uFill>
-                  <a:solidFill>
-                    <a:srgbClr val="FFFFFF"/>
-                  </a:solidFill>
-                </a:uFill>
-                <a:latin typeface="Calibri"/>
-                <a:ea typeface="DejaVu Sans"/>
-              </a:rPr>
-              <a:t>04</a:t>
-            </a:r>
-            <a:endParaRPr lang="en-US" sz="1800" b="0" strike="noStrike" spc="-1">
-              <a:solidFill>
-                <a:srgbClr val="000000"/>
-              </a:solidFill>
-              <a:uFill>
-                <a:solidFill>
-                  <a:srgbClr val="FFFFFF"/>
-                </a:solidFill>
-              </a:uFill>
-              <a:latin typeface="Arial"/>
-            </a:endParaRPr>
-          </a:p>
-        </p:txBody>
-      </p:sp>
-      <p:sp>
-        <p:nvSpPr>
-          <p:cNvPr id="115" name="CustomShape 3"/>
-          <p:cNvSpPr/>
-          <p:nvPr/>
-        </p:nvSpPr>
-        <p:spPr>
-          <a:xfrm>
-            <a:off x="1254600" y="2683080"/>
-            <a:ext cx="7289640" cy="2993820"/>
+            <a:off x="1254960" y="1997280"/>
+            <a:ext cx="7289640" cy="3781080"/>
           </a:xfrm>
           <a:prstGeom prst="rect">
             <a:avLst/>
@@ -14642,7 +14910,7 @@
               <a:buChar char=""/>
             </a:pPr>
             <a:r>
-              <a:rPr lang="en-US" sz="2400" b="0" strike="noStrike" spc="-1" dirty="0">
+              <a:rPr lang="en-US" sz="2400" b="0" strike="noStrike" spc="-1" dirty="0" smtClean="0">
                 <a:solidFill>
                   <a:srgbClr val="000000"/>
                 </a:solidFill>
@@ -14654,10 +14922,10 @@
                 <a:latin typeface="Times New Roman"/>
                 <a:ea typeface="DejaVu Sans"/>
               </a:rPr>
-              <a:t>Polyp detection(</a:t>
-            </a:r>
-            <a:r>
-              <a:rPr lang="en-US" sz="2400" b="0" strike="noStrike" spc="-1" dirty="0" err="1">
+              <a:t>Extract </a:t>
+            </a:r>
+            <a:r>
+              <a:rPr lang="en-US" sz="2400" b="0" strike="noStrike" spc="-1" dirty="0">
                 <a:solidFill>
                   <a:srgbClr val="000000"/>
                 </a:solidFill>
@@ -14669,8 +14937,31 @@
                 <a:latin typeface="Times New Roman"/>
                 <a:ea typeface="DejaVu Sans"/>
               </a:rPr>
-              <a:t>肠息肉的检测</a:t>
-            </a:r>
+              <a:t>images from 40 short colonoscopy videos.</a:t>
+            </a:r>
+            <a:endParaRPr lang="en-US" sz="1800" b="0" strike="noStrike" spc="-1" dirty="0">
+              <a:solidFill>
+                <a:srgbClr val="000000"/>
+              </a:solidFill>
+              <a:uFill>
+                <a:solidFill>
+                  <a:srgbClr val="FFFFFF"/>
+                </a:solidFill>
+              </a:uFill>
+              <a:latin typeface="Arial"/>
+            </a:endParaRPr>
+          </a:p>
+          <a:p>
+            <a:pPr marL="285840" indent="-285120">
+              <a:lnSpc>
+                <a:spcPct val="125000"/>
+              </a:lnSpc>
+              <a:buClr>
+                <a:srgbClr val="000000"/>
+              </a:buClr>
+              <a:buFont typeface="Wingdings" charset="2"/>
+              <a:buChar char=""/>
+            </a:pPr>
             <a:r>
               <a:rPr lang="en-US" sz="2400" b="0" strike="noStrike" spc="-1" dirty="0">
                 <a:solidFill>
@@ -14684,44 +14975,8 @@
                 <a:latin typeface="Times New Roman"/>
                 <a:ea typeface="DejaVu Sans"/>
               </a:rPr>
-              <a:t>)</a:t>
-            </a:r>
-            <a:endParaRPr lang="en-US" sz="1800" b="0" strike="noStrike" spc="-1" dirty="0">
-              <a:solidFill>
-                <a:srgbClr val="000000"/>
-              </a:solidFill>
-              <a:uFill>
-                <a:solidFill>
-                  <a:srgbClr val="FFFFFF"/>
-                </a:solidFill>
-              </a:uFill>
-              <a:latin typeface="Arial"/>
-            </a:endParaRPr>
-          </a:p>
-          <a:p>
-            <a:pPr marL="360">
-              <a:lnSpc>
-                <a:spcPct val="125000"/>
-              </a:lnSpc>
-            </a:pPr>
-            <a:endParaRPr lang="en-US" sz="1800" b="0" strike="noStrike" spc="-1" dirty="0">
-              <a:solidFill>
-                <a:srgbClr val="000000"/>
-              </a:solidFill>
-              <a:uFill>
-                <a:solidFill>
-                  <a:srgbClr val="FFFFFF"/>
-                </a:solidFill>
-              </a:uFill>
-              <a:latin typeface="Arial"/>
-            </a:endParaRPr>
-          </a:p>
-          <a:p>
-            <a:pPr marL="360">
-              <a:lnSpc>
-                <a:spcPct val="125000"/>
-              </a:lnSpc>
-            </a:pPr>
+              <a:t>Training set contains 3,800 frames with polyps and 15,100 frames without polyps. </a:t>
+            </a:r>
             <a:endParaRPr lang="en-US" sz="1800" b="0" strike="noStrike" spc="-1" dirty="0">
               <a:solidFill>
                 <a:srgbClr val="000000"/>
@@ -14758,37 +15013,7 @@
                 <a:latin typeface="Times New Roman"/>
                 <a:ea typeface="DejaVu Sans"/>
               </a:rPr>
-              <a:t>Pulmonary Embolism Detection(</a:t>
-            </a:r>
-            <a:r>
-              <a:rPr lang="en-US" sz="2400" b="0" strike="noStrike" spc="-1" dirty="0" err="1">
-                <a:solidFill>
-                  <a:srgbClr val="000000"/>
-                </a:solidFill>
-                <a:uFill>
-                  <a:solidFill>
-                    <a:srgbClr val="FFFFFF"/>
-                  </a:solidFill>
-                </a:uFill>
-                <a:latin typeface="Times New Roman"/>
-                <a:ea typeface="DejaVu Sans"/>
-              </a:rPr>
-              <a:t>肺栓塞的检测</a:t>
-            </a:r>
-            <a:r>
-              <a:rPr lang="en-US" sz="2400" b="0" strike="noStrike" spc="-1" dirty="0" smtClean="0">
-                <a:solidFill>
-                  <a:srgbClr val="000000"/>
-                </a:solidFill>
-                <a:uFill>
-                  <a:solidFill>
-                    <a:srgbClr val="FFFFFF"/>
-                  </a:solidFill>
-                </a:uFill>
-                <a:latin typeface="Times New Roman"/>
-                <a:ea typeface="DejaVu Sans"/>
-              </a:rPr>
-              <a:t>)</a:t>
+              <a:t>Test set contains 5,700 frames with polyps and 13,200 frames without polyps. </a:t>
             </a:r>
             <a:endParaRPr lang="en-US" sz="1800" b="0" strike="noStrike" spc="-1" dirty="0">
               <a:solidFill>
@@ -14807,7 +15032,7 @@
     </p:spTree>
     <p:extLst>
       <p:ext uri="{BB962C8B-B14F-4D97-AF65-F5344CB8AC3E}">
-        <p14:creationId xmlns:p14="http://schemas.microsoft.com/office/powerpoint/2010/main" val="3165661842"/>
+        <p14:creationId xmlns:p14="http://schemas.microsoft.com/office/powerpoint/2010/main" val="3422457853"/>
       </p:ext>
     </p:extLst>
   </p:cSld>
@@ -14863,13 +15088,13 @@
       </p:grpSpPr>
       <p:sp>
         <p:nvSpPr>
-          <p:cNvPr id="116" name="CustomShape 1"/>
+          <p:cNvPr id="119" name="CustomShape 1"/>
           <p:cNvSpPr/>
           <p:nvPr/>
         </p:nvSpPr>
         <p:spPr>
           <a:xfrm>
-            <a:off x="1344060" y="1023480"/>
+            <a:off x="1392120" y="991800"/>
             <a:ext cx="7111440" cy="1064880"/>
           </a:xfrm>
           <a:prstGeom prst="rect">
@@ -14918,16 +15143,40 @@
           </a:p>
         </p:txBody>
       </p:sp>
-      <p:sp>
-        <p:nvSpPr>
-          <p:cNvPr id="118" name="CustomShape 3"/>
+      <p:pic>
+        <p:nvPicPr>
+          <p:cNvPr id="121" name="图片 1"/>
+          <p:cNvPicPr/>
+          <p:nvPr/>
+        </p:nvPicPr>
+        <p:blipFill>
+          <a:blip r:embed="rId3"/>
+          <a:srcRect t="6299"/>
+          <a:stretch/>
+        </p:blipFill>
+        <p:spPr>
+          <a:xfrm>
+            <a:off x="450720" y="1928160"/>
+            <a:ext cx="8553240" cy="3078720"/>
+          </a:xfrm>
+          <a:prstGeom prst="rect">
+            <a:avLst/>
+          </a:prstGeom>
+          <a:ln>
+            <a:noFill/>
+          </a:ln>
+        </p:spPr>
+      </p:pic>
+      <p:sp>
+        <p:nvSpPr>
+          <p:cNvPr id="123" name="CustomShape 4"/>
           <p:cNvSpPr/>
           <p:nvPr/>
         </p:nvSpPr>
         <p:spPr>
           <a:xfrm>
-            <a:off x="1254960" y="1997280"/>
-            <a:ext cx="7289640" cy="3781080"/>
+            <a:off x="1254960" y="1355760"/>
+            <a:ext cx="2588760" cy="583920"/>
           </a:xfrm>
           <a:prstGeom prst="rect">
             <a:avLst/>
@@ -14953,18 +15202,48 @@
           <a:bodyPr lIns="90000" tIns="45000" rIns="90000" bIns="45000"/>
           <a:lstStyle/>
           <a:p>
-            <a:pPr marL="285840" indent="-285120">
+            <a:pPr>
               <a:lnSpc>
                 <a:spcPct val="125000"/>
               </a:lnSpc>
-              <a:buClr>
-                <a:srgbClr val="000000"/>
-              </a:buClr>
-              <a:buFont typeface="Wingdings" charset="2"/>
-              <a:buChar char=""/>
             </a:pPr>
-            <a:r>
-              <a:rPr lang="en-US" sz="2400" b="0" strike="noStrike" spc="-1" dirty="0" smtClean="0">
+            <a:endParaRPr lang="en-US" sz="1800" b="0" strike="noStrike" spc="-1" dirty="0">
+              <a:solidFill>
+                <a:srgbClr val="000000"/>
+              </a:solidFill>
+              <a:uFill>
+                <a:solidFill>
+                  <a:srgbClr val="FFFFFF"/>
+                </a:solidFill>
+              </a:uFill>
+              <a:latin typeface="Arial"/>
+            </a:endParaRPr>
+          </a:p>
+        </p:txBody>
+      </p:sp>
+      <p:sp>
+        <p:nvSpPr>
+          <p:cNvPr id="2" name="矩形 1"/>
+          <p:cNvSpPr/>
+          <p:nvPr/>
+        </p:nvSpPr>
+        <p:spPr>
+          <a:xfrm>
+            <a:off x="140040" y="6101109"/>
+            <a:ext cx="9003960" cy="584775"/>
+          </a:xfrm>
+          <a:prstGeom prst="rect">
+            <a:avLst/>
+          </a:prstGeom>
+        </p:spPr>
+        <p:txBody>
+          <a:bodyPr wrap="square">
+            <a:spAutoFit/>
+          </a:bodyPr>
+          <a:lstStyle/>
+          <a:p>
+            <a:r>
+              <a:rPr lang="en-US" altLang="zh-CN" sz="1600" spc="-1" dirty="0">
                 <a:solidFill>
                   <a:srgbClr val="000000"/>
                 </a:solidFill>
@@ -14973,13 +15252,11 @@
                     <a:srgbClr val="FFFFFF"/>
                   </a:solidFill>
                 </a:uFill>
-                <a:latin typeface="Times New Roman"/>
-                <a:ea typeface="DejaVu Sans"/>
               </a:rPr>
-              <a:t>Extract </a:t>
-            </a:r>
-            <a:r>
-              <a:rPr lang="en-US" sz="2400" b="0" strike="noStrike" spc="-1" dirty="0">
+              <a:t>N. </a:t>
+            </a:r>
+            <a:r>
+              <a:rPr lang="en-US" altLang="zh-CN" sz="1600" spc="-1" dirty="0" err="1">
                 <a:solidFill>
                   <a:srgbClr val="000000"/>
                 </a:solidFill>
@@ -14988,36 +15265,11 @@
                     <a:srgbClr val="FFFFFF"/>
                   </a:solidFill>
                 </a:uFill>
-                <a:latin typeface="Times New Roman"/>
-                <a:ea typeface="DejaVu Sans"/>
               </a:rPr>
-              <a:t>images from 40 short colonoscopy videos.</a:t>
-            </a:r>
-            <a:endParaRPr lang="en-US" sz="1800" b="0" strike="noStrike" spc="-1" dirty="0">
-              <a:solidFill>
-                <a:srgbClr val="000000"/>
-              </a:solidFill>
-              <a:uFill>
-                <a:solidFill>
-                  <a:srgbClr val="FFFFFF"/>
-                </a:solidFill>
-              </a:uFill>
-              <a:latin typeface="Arial"/>
-            </a:endParaRPr>
-          </a:p>
-          <a:p>
-            <a:pPr marL="285840" indent="-285120">
-              <a:lnSpc>
-                <a:spcPct val="125000"/>
-              </a:lnSpc>
-              <a:buClr>
-                <a:srgbClr val="000000"/>
-              </a:buClr>
-              <a:buFont typeface="Wingdings" charset="2"/>
-              <a:buChar char=""/>
-            </a:pPr>
-            <a:r>
-              <a:rPr lang="en-US" sz="2400" b="0" strike="noStrike" spc="-1" dirty="0">
+              <a:t>Tajbakhsh</a:t>
+            </a:r>
+            <a:r>
+              <a:rPr lang="en-US" altLang="zh-CN" sz="1600" spc="-1" dirty="0">
                 <a:solidFill>
                   <a:srgbClr val="000000"/>
                 </a:solidFill>
@@ -15026,36 +15278,11 @@
                     <a:srgbClr val="FFFFFF"/>
                   </a:solidFill>
                 </a:uFill>
-                <a:latin typeface="Times New Roman"/>
-                <a:ea typeface="DejaVu Sans"/>
               </a:rPr>
-              <a:t>Training set contains 3,800 frames with polyps and 15,100 frames without polyps. </a:t>
-            </a:r>
-            <a:endParaRPr lang="en-US" sz="1800" b="0" strike="noStrike" spc="-1" dirty="0">
-              <a:solidFill>
-                <a:srgbClr val="000000"/>
-              </a:solidFill>
-              <a:uFill>
-                <a:solidFill>
-                  <a:srgbClr val="FFFFFF"/>
-                </a:solidFill>
-              </a:uFill>
-              <a:latin typeface="Arial"/>
-            </a:endParaRPr>
-          </a:p>
-          <a:p>
-            <a:pPr marL="285840" indent="-285120">
-              <a:lnSpc>
-                <a:spcPct val="125000"/>
-              </a:lnSpc>
-              <a:buClr>
-                <a:srgbClr val="000000"/>
-              </a:buClr>
-              <a:buFont typeface="Wingdings" charset="2"/>
-              <a:buChar char=""/>
-            </a:pPr>
-            <a:r>
-              <a:rPr lang="en-US" sz="2400" b="0" strike="noStrike" spc="-1" dirty="0">
+              <a:t>, S. </a:t>
+            </a:r>
+            <a:r>
+              <a:rPr lang="en-US" altLang="zh-CN" sz="1600" spc="-1" dirty="0" err="1">
                 <a:solidFill>
                   <a:srgbClr val="000000"/>
                 </a:solidFill>
@@ -15064,29 +15291,55 @@
                     <a:srgbClr val="FFFFFF"/>
                   </a:solidFill>
                 </a:uFill>
-                <a:latin typeface="Times New Roman"/>
-                <a:ea typeface="DejaVu Sans"/>
               </a:rPr>
-              <a:t>Test set contains 5,700 frames with polyps and 13,200 frames without polyps. </a:t>
-            </a:r>
-            <a:endParaRPr lang="en-US" sz="1800" b="0" strike="noStrike" spc="-1" dirty="0">
-              <a:solidFill>
-                <a:srgbClr val="000000"/>
-              </a:solidFill>
-              <a:uFill>
-                <a:solidFill>
-                  <a:srgbClr val="FFFFFF"/>
-                </a:solidFill>
-              </a:uFill>
-              <a:latin typeface="Arial"/>
-            </a:endParaRPr>
+              <a:t>Gurudu</a:t>
+            </a:r>
+            <a:r>
+              <a:rPr lang="en-US" altLang="zh-CN" sz="1600" spc="-1" dirty="0">
+                <a:solidFill>
+                  <a:srgbClr val="000000"/>
+                </a:solidFill>
+                <a:uFill>
+                  <a:solidFill>
+                    <a:srgbClr val="FFFFFF"/>
+                  </a:solidFill>
+                </a:uFill>
+              </a:rPr>
+              <a:t>, and J. Liang, “Automated polyp detection in colonoscopy videos using shape and context information,” IEEE Trans. Med. </a:t>
+            </a:r>
+            <a:r>
+              <a:rPr lang="en-US" altLang="zh-CN" sz="1600" spc="-1" dirty="0" err="1">
+                <a:solidFill>
+                  <a:srgbClr val="000000"/>
+                </a:solidFill>
+                <a:uFill>
+                  <a:solidFill>
+                    <a:srgbClr val="FFFFFF"/>
+                  </a:solidFill>
+                </a:uFill>
+              </a:rPr>
+              <a:t>Imag</a:t>
+            </a:r>
+            <a:r>
+              <a:rPr lang="en-US" altLang="zh-CN" sz="1600" spc="-1" dirty="0">
+                <a:solidFill>
+                  <a:srgbClr val="000000"/>
+                </a:solidFill>
+                <a:uFill>
+                  <a:solidFill>
+                    <a:srgbClr val="FFFFFF"/>
+                  </a:solidFill>
+                </a:uFill>
+              </a:rPr>
+              <a:t>., vol. 35, no. 2, pp. 630–644, Feb. 2016..</a:t>
+            </a:r>
           </a:p>
         </p:txBody>
       </p:sp>
     </p:spTree>
     <p:extLst>
       <p:ext uri="{BB962C8B-B14F-4D97-AF65-F5344CB8AC3E}">
-        <p14:creationId xmlns:p14="http://schemas.microsoft.com/office/powerpoint/2010/main" val="3422457853"/>
+        <p14:creationId xmlns:p14="http://schemas.microsoft.com/office/powerpoint/2010/main" val="1727953166"/>
       </p:ext>
     </p:extLst>
   </p:cSld>
@@ -15142,13 +15395,13 @@
       </p:grpSpPr>
       <p:sp>
         <p:nvSpPr>
-          <p:cNvPr id="119" name="CustomShape 1"/>
+          <p:cNvPr id="124" name="CustomShape 1"/>
           <p:cNvSpPr/>
           <p:nvPr/>
         </p:nvSpPr>
         <p:spPr>
           <a:xfrm>
-            <a:off x="1392120" y="991800"/>
+            <a:off x="1392120" y="977760"/>
             <a:ext cx="7111440" cy="1064880"/>
           </a:xfrm>
           <a:prstGeom prst="rect">
@@ -15192,45 +15445,21 @@
                 </a:uFill>
                 <a:latin typeface="Calibri"/>
               </a:rPr>
-              <a:t>Polyp detection</a:t>
-            </a:r>
-          </a:p>
-        </p:txBody>
-      </p:sp>
-      <p:pic>
-        <p:nvPicPr>
-          <p:cNvPr id="121" name="图片 1"/>
-          <p:cNvPicPr/>
-          <p:nvPr/>
-        </p:nvPicPr>
-        <p:blipFill>
-          <a:blip r:embed="rId3"/>
-          <a:srcRect t="6299"/>
-          <a:stretch/>
-        </p:blipFill>
-        <p:spPr>
-          <a:xfrm>
-            <a:off x="450720" y="1928160"/>
-            <a:ext cx="8553240" cy="3078720"/>
-          </a:xfrm>
-          <a:prstGeom prst="rect">
-            <a:avLst/>
-          </a:prstGeom>
-          <a:ln>
-            <a:noFill/>
-          </a:ln>
-        </p:spPr>
-      </p:pic>
-      <p:sp>
-        <p:nvSpPr>
-          <p:cNvPr id="123" name="CustomShape 4"/>
+              <a:t>Pulmonary Embolism Detection</a:t>
+            </a:r>
+          </a:p>
+        </p:txBody>
+      </p:sp>
+      <p:sp>
+        <p:nvSpPr>
+          <p:cNvPr id="126" name="CustomShape 3"/>
           <p:cNvSpPr/>
           <p:nvPr/>
         </p:nvSpPr>
         <p:spPr>
           <a:xfrm>
-            <a:off x="1254960" y="1355760"/>
-            <a:ext cx="2588760" cy="583920"/>
+            <a:off x="1254960" y="1997280"/>
+            <a:ext cx="7289640" cy="3781080"/>
           </a:xfrm>
           <a:prstGeom prst="rect">
             <a:avLst/>
@@ -15255,6 +15484,135 @@
         <p:txBody>
           <a:bodyPr lIns="90000" tIns="45000" rIns="90000" bIns="45000"/>
           <a:lstStyle/>
+          <a:p>
+            <a:pPr marL="285840" indent="-285120">
+              <a:lnSpc>
+                <a:spcPct val="125000"/>
+              </a:lnSpc>
+              <a:buClr>
+                <a:srgbClr val="000000"/>
+              </a:buClr>
+              <a:buFont typeface="Wingdings" charset="2"/>
+              <a:buChar char=""/>
+            </a:pPr>
+            <a:r>
+              <a:rPr lang="en-US" sz="2400" b="0" strike="noStrike" spc="-1" dirty="0" smtClean="0">
+                <a:solidFill>
+                  <a:srgbClr val="000000"/>
+                </a:solidFill>
+                <a:uFill>
+                  <a:solidFill>
+                    <a:srgbClr val="FFFFFF"/>
+                  </a:solidFill>
+                </a:uFill>
+                <a:latin typeface="Times New Roman"/>
+                <a:ea typeface="DejaVu Sans"/>
+              </a:rPr>
+              <a:t>Extract </a:t>
+            </a:r>
+            <a:r>
+              <a:rPr lang="en-US" sz="2400" b="0" strike="noStrike" spc="-1" dirty="0">
+                <a:solidFill>
+                  <a:srgbClr val="000000"/>
+                </a:solidFill>
+                <a:uFill>
+                  <a:solidFill>
+                    <a:srgbClr val="FFFFFF"/>
+                  </a:solidFill>
+                </a:uFill>
+                <a:latin typeface="Times New Roman"/>
+                <a:ea typeface="DejaVu Sans"/>
+              </a:rPr>
+              <a:t>dataset from 121 CT pulmonary angiographies.</a:t>
+            </a:r>
+            <a:endParaRPr lang="en-US" sz="1800" b="0" strike="noStrike" spc="-1" dirty="0">
+              <a:solidFill>
+                <a:srgbClr val="000000"/>
+              </a:solidFill>
+              <a:uFill>
+                <a:solidFill>
+                  <a:srgbClr val="FFFFFF"/>
+                </a:solidFill>
+              </a:uFill>
+              <a:latin typeface="Arial"/>
+            </a:endParaRPr>
+          </a:p>
+          <a:p>
+            <a:pPr marL="285840" indent="-285120">
+              <a:lnSpc>
+                <a:spcPct val="125000"/>
+              </a:lnSpc>
+              <a:buClr>
+                <a:srgbClr val="000000"/>
+              </a:buClr>
+              <a:buFont typeface="Wingdings" charset="2"/>
+              <a:buChar char=""/>
+            </a:pPr>
+            <a:r>
+              <a:rPr lang="en-US" sz="2400" b="0" strike="noStrike" spc="-1" dirty="0">
+                <a:solidFill>
+                  <a:srgbClr val="000000"/>
+                </a:solidFill>
+                <a:uFill>
+                  <a:solidFill>
+                    <a:srgbClr val="FFFFFF"/>
+                  </a:solidFill>
+                </a:uFill>
+                <a:latin typeface="Times New Roman"/>
+                <a:ea typeface="DejaVu Sans"/>
+              </a:rPr>
+              <a:t>Training set contains 434 frames with pulmonary embolism and 3406 frames without pulmonary embolism. </a:t>
+            </a:r>
+            <a:endParaRPr lang="en-US" sz="1800" b="0" strike="noStrike" spc="-1" dirty="0">
+              <a:solidFill>
+                <a:srgbClr val="000000"/>
+              </a:solidFill>
+              <a:uFill>
+                <a:solidFill>
+                  <a:srgbClr val="FFFFFF"/>
+                </a:solidFill>
+              </a:uFill>
+              <a:latin typeface="Arial"/>
+            </a:endParaRPr>
+          </a:p>
+          <a:p>
+            <a:pPr marL="285840" indent="-285120">
+              <a:lnSpc>
+                <a:spcPct val="125000"/>
+              </a:lnSpc>
+              <a:buClr>
+                <a:srgbClr val="000000"/>
+              </a:buClr>
+              <a:buFont typeface="Wingdings" charset="2"/>
+              <a:buChar char=""/>
+            </a:pPr>
+            <a:r>
+              <a:rPr lang="en-US" sz="2400" b="0" strike="noStrike" spc="-1" dirty="0">
+                <a:solidFill>
+                  <a:srgbClr val="000000"/>
+                </a:solidFill>
+                <a:uFill>
+                  <a:solidFill>
+                    <a:srgbClr val="FFFFFF"/>
+                  </a:solidFill>
+                </a:uFill>
+                <a:latin typeface="Times New Roman"/>
+                <a:ea typeface="DejaVu Sans"/>
+              </a:rPr>
+              <a:t>Test set contains 253 frames with pulmonary embolism and 2162 frames without pulmonary embolism. </a:t>
+            </a:r>
+            <a:endParaRPr lang="en-US" sz="1800" b="0" strike="noStrike" spc="-1" dirty="0">
+              <a:solidFill>
+                <a:srgbClr val="000000"/>
+              </a:solidFill>
+              <a:uFill>
+                <a:solidFill>
+                  <a:srgbClr val="FFFFFF"/>
+                </a:solidFill>
+              </a:uFill>
+              <a:latin typeface="Arial"/>
+            </a:endParaRPr>
+          </a:p>
           <a:p>
             <a:pPr>
               <a:lnSpc>
@@ -15273,127 +15631,30 @@
               <a:latin typeface="Arial"/>
             </a:endParaRPr>
           </a:p>
-        </p:txBody>
-      </p:sp>
-      <p:sp>
-        <p:nvSpPr>
-          <p:cNvPr id="2" name="矩形 1"/>
-          <p:cNvSpPr/>
-          <p:nvPr/>
-        </p:nvSpPr>
-        <p:spPr>
-          <a:xfrm>
-            <a:off x="140040" y="6101109"/>
-            <a:ext cx="9003960" cy="584775"/>
-          </a:xfrm>
-          <a:prstGeom prst="rect">
-            <a:avLst/>
-          </a:prstGeom>
-        </p:spPr>
-        <p:txBody>
-          <a:bodyPr wrap="square">
-            <a:spAutoFit/>
-          </a:bodyPr>
-          <a:lstStyle/>
-          <a:p>
-            <a:r>
-              <a:rPr lang="en-US" altLang="zh-CN" sz="1600" spc="-1" dirty="0">
-                <a:solidFill>
-                  <a:srgbClr val="000000"/>
-                </a:solidFill>
-                <a:uFill>
-                  <a:solidFill>
-                    <a:srgbClr val="FFFFFF"/>
-                  </a:solidFill>
-                </a:uFill>
-              </a:rPr>
-              <a:t>N. </a:t>
-            </a:r>
-            <a:r>
-              <a:rPr lang="en-US" altLang="zh-CN" sz="1600" spc="-1" dirty="0" err="1">
-                <a:solidFill>
-                  <a:srgbClr val="000000"/>
-                </a:solidFill>
-                <a:uFill>
-                  <a:solidFill>
-                    <a:srgbClr val="FFFFFF"/>
-                  </a:solidFill>
-                </a:uFill>
-              </a:rPr>
-              <a:t>Tajbakhsh</a:t>
-            </a:r>
-            <a:r>
-              <a:rPr lang="en-US" altLang="zh-CN" sz="1600" spc="-1" dirty="0">
-                <a:solidFill>
-                  <a:srgbClr val="000000"/>
-                </a:solidFill>
-                <a:uFill>
-                  <a:solidFill>
-                    <a:srgbClr val="FFFFFF"/>
-                  </a:solidFill>
-                </a:uFill>
-              </a:rPr>
-              <a:t>, S. </a:t>
-            </a:r>
-            <a:r>
-              <a:rPr lang="en-US" altLang="zh-CN" sz="1600" spc="-1" dirty="0" err="1">
-                <a:solidFill>
-                  <a:srgbClr val="000000"/>
-                </a:solidFill>
-                <a:uFill>
-                  <a:solidFill>
-                    <a:srgbClr val="FFFFFF"/>
-                  </a:solidFill>
-                </a:uFill>
-              </a:rPr>
-              <a:t>Gurudu</a:t>
-            </a:r>
-            <a:r>
-              <a:rPr lang="en-US" altLang="zh-CN" sz="1600" spc="-1" dirty="0">
-                <a:solidFill>
-                  <a:srgbClr val="000000"/>
-                </a:solidFill>
-                <a:uFill>
-                  <a:solidFill>
-                    <a:srgbClr val="FFFFFF"/>
-                  </a:solidFill>
-                </a:uFill>
-              </a:rPr>
-              <a:t>, and J. Liang, “Automated polyp detection in colonoscopy videos using shape and context information,” IEEE Trans. Med. </a:t>
-            </a:r>
-            <a:r>
-              <a:rPr lang="en-US" altLang="zh-CN" sz="1600" spc="-1" dirty="0" err="1">
-                <a:solidFill>
-                  <a:srgbClr val="000000"/>
-                </a:solidFill>
-                <a:uFill>
-                  <a:solidFill>
-                    <a:srgbClr val="FFFFFF"/>
-                  </a:solidFill>
-                </a:uFill>
-              </a:rPr>
-              <a:t>Imag</a:t>
-            </a:r>
-            <a:r>
-              <a:rPr lang="en-US" altLang="zh-CN" sz="1600" spc="-1" dirty="0">
-                <a:solidFill>
-                  <a:srgbClr val="000000"/>
-                </a:solidFill>
-                <a:uFill>
-                  <a:solidFill>
-                    <a:srgbClr val="FFFFFF"/>
-                  </a:solidFill>
-                </a:uFill>
-              </a:rPr>
-              <a:t>., vol. 35, no. 2, pp. 630–644, Feb. 2016..</a:t>
-            </a:r>
+          <a:p>
+            <a:pPr>
+              <a:lnSpc>
+                <a:spcPct val="125000"/>
+              </a:lnSpc>
+            </a:pPr>
+            <a:endParaRPr lang="en-US" sz="1800" b="0" strike="noStrike" spc="-1" dirty="0">
+              <a:solidFill>
+                <a:srgbClr val="000000"/>
+              </a:solidFill>
+              <a:uFill>
+                <a:solidFill>
+                  <a:srgbClr val="FFFFFF"/>
+                </a:solidFill>
+              </a:uFill>
+              <a:latin typeface="Arial"/>
+            </a:endParaRPr>
           </a:p>
         </p:txBody>
       </p:sp>
     </p:spTree>
     <p:extLst>
       <p:ext uri="{BB962C8B-B14F-4D97-AF65-F5344CB8AC3E}">
-        <p14:creationId xmlns:p14="http://schemas.microsoft.com/office/powerpoint/2010/main" val="1727953166"/>
+        <p14:creationId xmlns:p14="http://schemas.microsoft.com/office/powerpoint/2010/main" val="3042726946"/>
       </p:ext>
     </p:extLst>
   </p:cSld>
@@ -15969,321 +16230,6 @@
       </p:grpSpPr>
       <p:sp>
         <p:nvSpPr>
-          <p:cNvPr id="124" name="CustomShape 1"/>
-          <p:cNvSpPr/>
-          <p:nvPr/>
-        </p:nvSpPr>
-        <p:spPr>
-          <a:xfrm>
-            <a:off x="1392120" y="977760"/>
-            <a:ext cx="7111440" cy="1064880"/>
-          </a:xfrm>
-          <a:prstGeom prst="rect">
-            <a:avLst/>
-          </a:prstGeom>
-          <a:noFill/>
-          <a:ln>
-            <a:noFill/>
-          </a:ln>
-        </p:spPr>
-        <p:style>
-          <a:lnRef idx="0">
-            <a:scrgbClr r="0" g="0" b="0"/>
-          </a:lnRef>
-          <a:fillRef idx="0">
-            <a:scrgbClr r="0" g="0" b="0"/>
-          </a:fillRef>
-          <a:effectRef idx="0">
-            <a:scrgbClr r="0" g="0" b="0"/>
-          </a:effectRef>
-          <a:fontRef idx="minor"/>
-        </p:style>
-        <p:txBody>
-          <a:bodyPr lIns="90000" tIns="45000" rIns="90000" bIns="45000"/>
-          <a:lstStyle/>
-          <a:p>
-            <a:pPr>
-              <a:lnSpc>
-                <a:spcPct val="100000"/>
-              </a:lnSpc>
-            </a:pPr>
-            <a:r>
-              <a:rPr lang="en-US" sz="3200" spc="-1" dirty="0">
-                <a:solidFill>
-                  <a:srgbClr val="C0504D"/>
-                </a:solidFill>
-                <a:uFill>
-                  <a:solidFill>
-                    <a:srgbClr val="FFFFFF"/>
-                  </a:solidFill>
-                </a:uFill>
-                <a:latin typeface="Calibri"/>
-              </a:rPr>
-              <a:t>Pulmonary Embolism Detection</a:t>
-            </a:r>
-          </a:p>
-        </p:txBody>
-      </p:sp>
-      <p:sp>
-        <p:nvSpPr>
-          <p:cNvPr id="126" name="CustomShape 3"/>
-          <p:cNvSpPr/>
-          <p:nvPr/>
-        </p:nvSpPr>
-        <p:spPr>
-          <a:xfrm>
-            <a:off x="1254960" y="1997280"/>
-            <a:ext cx="7289640" cy="3781080"/>
-          </a:xfrm>
-          <a:prstGeom prst="rect">
-            <a:avLst/>
-          </a:prstGeom>
-          <a:noFill/>
-          <a:ln>
-            <a:noFill/>
-          </a:ln>
-        </p:spPr>
-        <p:style>
-          <a:lnRef idx="0">
-            <a:scrgbClr r="0" g="0" b="0"/>
-          </a:lnRef>
-          <a:fillRef idx="0">
-            <a:scrgbClr r="0" g="0" b="0"/>
-          </a:fillRef>
-          <a:effectRef idx="0">
-            <a:scrgbClr r="0" g="0" b="0"/>
-          </a:effectRef>
-          <a:fontRef idx="minor"/>
-        </p:style>
-        <p:txBody>
-          <a:bodyPr lIns="90000" tIns="45000" rIns="90000" bIns="45000"/>
-          <a:lstStyle/>
-          <a:p>
-            <a:pPr marL="285840" indent="-285120">
-              <a:lnSpc>
-                <a:spcPct val="125000"/>
-              </a:lnSpc>
-              <a:buClr>
-                <a:srgbClr val="000000"/>
-              </a:buClr>
-              <a:buFont typeface="Wingdings" charset="2"/>
-              <a:buChar char=""/>
-            </a:pPr>
-            <a:r>
-              <a:rPr lang="en-US" sz="2400" b="0" strike="noStrike" spc="-1" dirty="0" smtClean="0">
-                <a:solidFill>
-                  <a:srgbClr val="000000"/>
-                </a:solidFill>
-                <a:uFill>
-                  <a:solidFill>
-                    <a:srgbClr val="FFFFFF"/>
-                  </a:solidFill>
-                </a:uFill>
-                <a:latin typeface="Times New Roman"/>
-                <a:ea typeface="DejaVu Sans"/>
-              </a:rPr>
-              <a:t>Extract </a:t>
-            </a:r>
-            <a:r>
-              <a:rPr lang="en-US" sz="2400" b="0" strike="noStrike" spc="-1" dirty="0">
-                <a:solidFill>
-                  <a:srgbClr val="000000"/>
-                </a:solidFill>
-                <a:uFill>
-                  <a:solidFill>
-                    <a:srgbClr val="FFFFFF"/>
-                  </a:solidFill>
-                </a:uFill>
-                <a:latin typeface="Times New Roman"/>
-                <a:ea typeface="DejaVu Sans"/>
-              </a:rPr>
-              <a:t>dataset from 121 CT pulmonary angiographies.</a:t>
-            </a:r>
-            <a:endParaRPr lang="en-US" sz="1800" b="0" strike="noStrike" spc="-1" dirty="0">
-              <a:solidFill>
-                <a:srgbClr val="000000"/>
-              </a:solidFill>
-              <a:uFill>
-                <a:solidFill>
-                  <a:srgbClr val="FFFFFF"/>
-                </a:solidFill>
-              </a:uFill>
-              <a:latin typeface="Arial"/>
-            </a:endParaRPr>
-          </a:p>
-          <a:p>
-            <a:pPr marL="285840" indent="-285120">
-              <a:lnSpc>
-                <a:spcPct val="125000"/>
-              </a:lnSpc>
-              <a:buClr>
-                <a:srgbClr val="000000"/>
-              </a:buClr>
-              <a:buFont typeface="Wingdings" charset="2"/>
-              <a:buChar char=""/>
-            </a:pPr>
-            <a:r>
-              <a:rPr lang="en-US" sz="2400" b="0" strike="noStrike" spc="-1" dirty="0">
-                <a:solidFill>
-                  <a:srgbClr val="000000"/>
-                </a:solidFill>
-                <a:uFill>
-                  <a:solidFill>
-                    <a:srgbClr val="FFFFFF"/>
-                  </a:solidFill>
-                </a:uFill>
-                <a:latin typeface="Times New Roman"/>
-                <a:ea typeface="DejaVu Sans"/>
-              </a:rPr>
-              <a:t>Training set contains 434 frames with pulmonary embolism and 3406 frames without pulmonary embolism. </a:t>
-            </a:r>
-            <a:endParaRPr lang="en-US" sz="1800" b="0" strike="noStrike" spc="-1" dirty="0">
-              <a:solidFill>
-                <a:srgbClr val="000000"/>
-              </a:solidFill>
-              <a:uFill>
-                <a:solidFill>
-                  <a:srgbClr val="FFFFFF"/>
-                </a:solidFill>
-              </a:uFill>
-              <a:latin typeface="Arial"/>
-            </a:endParaRPr>
-          </a:p>
-          <a:p>
-            <a:pPr marL="285840" indent="-285120">
-              <a:lnSpc>
-                <a:spcPct val="125000"/>
-              </a:lnSpc>
-              <a:buClr>
-                <a:srgbClr val="000000"/>
-              </a:buClr>
-              <a:buFont typeface="Wingdings" charset="2"/>
-              <a:buChar char=""/>
-            </a:pPr>
-            <a:r>
-              <a:rPr lang="en-US" sz="2400" b="0" strike="noStrike" spc="-1" dirty="0">
-                <a:solidFill>
-                  <a:srgbClr val="000000"/>
-                </a:solidFill>
-                <a:uFill>
-                  <a:solidFill>
-                    <a:srgbClr val="FFFFFF"/>
-                  </a:solidFill>
-                </a:uFill>
-                <a:latin typeface="Times New Roman"/>
-                <a:ea typeface="DejaVu Sans"/>
-              </a:rPr>
-              <a:t>Test set contains 253 frames with pulmonary embolism and 2162 frames without pulmonary embolism. </a:t>
-            </a:r>
-            <a:endParaRPr lang="en-US" sz="1800" b="0" strike="noStrike" spc="-1" dirty="0">
-              <a:solidFill>
-                <a:srgbClr val="000000"/>
-              </a:solidFill>
-              <a:uFill>
-                <a:solidFill>
-                  <a:srgbClr val="FFFFFF"/>
-                </a:solidFill>
-              </a:uFill>
-              <a:latin typeface="Arial"/>
-            </a:endParaRPr>
-          </a:p>
-          <a:p>
-            <a:pPr>
-              <a:lnSpc>
-                <a:spcPct val="125000"/>
-              </a:lnSpc>
-            </a:pPr>
-            <a:endParaRPr lang="en-US" sz="1800" b="0" strike="noStrike" spc="-1" dirty="0">
-              <a:solidFill>
-                <a:srgbClr val="000000"/>
-              </a:solidFill>
-              <a:uFill>
-                <a:solidFill>
-                  <a:srgbClr val="FFFFFF"/>
-                </a:solidFill>
-              </a:uFill>
-              <a:latin typeface="Arial"/>
-            </a:endParaRPr>
-          </a:p>
-          <a:p>
-            <a:pPr>
-              <a:lnSpc>
-                <a:spcPct val="125000"/>
-              </a:lnSpc>
-            </a:pPr>
-            <a:endParaRPr lang="en-US" sz="1800" b="0" strike="noStrike" spc="-1" dirty="0">
-              <a:solidFill>
-                <a:srgbClr val="000000"/>
-              </a:solidFill>
-              <a:uFill>
-                <a:solidFill>
-                  <a:srgbClr val="FFFFFF"/>
-                </a:solidFill>
-              </a:uFill>
-              <a:latin typeface="Arial"/>
-            </a:endParaRPr>
-          </a:p>
-        </p:txBody>
-      </p:sp>
-    </p:spTree>
-    <p:extLst>
-      <p:ext uri="{BB962C8B-B14F-4D97-AF65-F5344CB8AC3E}">
-        <p14:creationId xmlns:p14="http://schemas.microsoft.com/office/powerpoint/2010/main" val="3042726946"/>
-      </p:ext>
-    </p:extLst>
-  </p:cSld>
-  <p:clrMapOvr>
-    <a:masterClrMapping/>
-  </p:clrMapOvr>
-  <p:timing>
-    <p:tnLst>
-      <p:par>
-        <p:cTn id="1" dur="indefinite" restart="never" nodeType="tmRoot">
-          <p:childTnLst>
-            <p:seq>
-              <p:cTn id="2" nodeType="mainSeq"/>
-              <p:prevCondLst>
-                <p:cond evt="onPrev" delay="0">
-                  <p:tgtEl>
-                    <p:sldTgt/>
-                  </p:tgtEl>
-                </p:cond>
-              </p:prevCondLst>
-              <p:nextCondLst>
-                <p:cond evt="onNext" delay="0">
-                  <p:tgtEl>
-                    <p:sldTgt/>
-                  </p:tgtEl>
-                </p:cond>
-              </p:nextCondLst>
-            </p:seq>
-          </p:childTnLst>
-        </p:cTn>
-      </p:par>
-    </p:tnLst>
-  </p:timing>
-</p:sld>
-</file>
-
-<file path=ppt/slides/slide41.xml><?xml version="1.0" encoding="utf-8"?>
-<p:sld xmlns:a="http://schemas.openxmlformats.org/drawingml/2006/main" xmlns:r="http://schemas.openxmlformats.org/officeDocument/2006/relationships" xmlns:p="http://schemas.openxmlformats.org/presentationml/2006/main">
-  <p:cSld>
-    <p:spTree>
-      <p:nvGrpSpPr>
-        <p:cNvPr id="1" name=""/>
-        <p:cNvGrpSpPr/>
-        <p:nvPr/>
-      </p:nvGrpSpPr>
-      <p:grpSpPr>
-        <a:xfrm>
-          <a:off x="0" y="0"/>
-          <a:ext cx="0" cy="0"/>
-          <a:chOff x="0" y="0"/>
-          <a:chExt cx="0" cy="0"/>
-        </a:xfrm>
-      </p:grpSpPr>
-      <p:sp>
-        <p:nvSpPr>
           <p:cNvPr id="127" name="CustomShape 1"/>
           <p:cNvSpPr/>
           <p:nvPr/>
@@ -16478,8 +16424,8 @@
         </p:nvSpPr>
         <p:spPr>
           <a:xfrm>
-            <a:off x="263972" y="6303815"/>
-            <a:ext cx="8700655" cy="461665"/>
+            <a:off x="443345" y="6027003"/>
+            <a:ext cx="8700655" cy="830997"/>
           </a:xfrm>
           <a:prstGeom prst="rect">
             <a:avLst/>
@@ -16492,7 +16438,7 @@
           <a:lstStyle/>
           <a:p>
             <a:r>
-              <a:rPr lang="en-US" altLang="zh-CN" sz="1200" spc="-1" dirty="0">
+              <a:rPr lang="en-US" altLang="zh-CN" sz="1600" spc="-1" dirty="0" smtClean="0">
                 <a:solidFill>
                   <a:srgbClr val="000000"/>
                 </a:solidFill>
@@ -16504,6 +16450,16 @@
               </a:rPr>
               <a:t>J. Liang and J. Bi, “Computer aided detection of pulmonary embolism with tobogganing and multiple instance classification in CT pulmonary angiography,” in Information Processing in Medical Imaging. New York: Springer, 2007, pp. 630–641...</a:t>
             </a:r>
+            <a:endParaRPr lang="en-US" altLang="zh-CN" sz="1600" spc="-1" dirty="0">
+              <a:solidFill>
+                <a:srgbClr val="000000"/>
+              </a:solidFill>
+              <a:uFill>
+                <a:solidFill>
+                  <a:srgbClr val="FFFFFF"/>
+                </a:solidFill>
+              </a:uFill>
+            </a:endParaRPr>
           </a:p>
         </p:txBody>
       </p:sp>
@@ -16547,7 +16503,7 @@
 </p:sld>
 </file>
 
-<file path=ppt/slides/slide42.xml><?xml version="1.0" encoding="utf-8"?>
+<file path=ppt/slides/slide41.xml><?xml version="1.0" encoding="utf-8"?>
 <p:sld xmlns:a="http://schemas.openxmlformats.org/drawingml/2006/main" xmlns:r="http://schemas.openxmlformats.org/officeDocument/2006/relationships" xmlns:p="http://schemas.openxmlformats.org/presentationml/2006/main">
   <p:cSld>
     <p:spTree>
@@ -16937,7 +16893,7 @@
               </a:lnSpc>
             </a:pPr>
             <a:r>
-              <a:rPr lang="en-US" sz="3200" b="0" strike="noStrike" spc="-1" dirty="0">
+              <a:rPr lang="en-US" sz="3200" b="0" strike="noStrike" spc="-1" dirty="0" smtClean="0">
                 <a:solidFill>
                   <a:srgbClr val="C0504D"/>
                 </a:solidFill>
@@ -16949,22 +16905,7 @@
                 <a:latin typeface="Calibri"/>
                 <a:ea typeface="DejaVu Sans"/>
               </a:rPr>
-              <a:t>Accuracy </a:t>
-            </a:r>
-            <a:r>
-              <a:rPr lang="en-US" sz="3200" b="0" strike="noStrike" spc="-1" dirty="0" smtClean="0">
-                <a:solidFill>
-                  <a:srgbClr val="C0504D"/>
-                </a:solidFill>
-                <a:uFill>
-                  <a:solidFill>
-                    <a:srgbClr val="FFFFFF"/>
-                  </a:solidFill>
-                </a:uFill>
-                <a:latin typeface="Calibri"/>
-                <a:ea typeface="DejaVu Sans"/>
-              </a:rPr>
-              <a:t>Criteria</a:t>
+              <a:t>Evaluation</a:t>
             </a:r>
             <a:endParaRPr lang="en-US" sz="1800" b="0" strike="noStrike" spc="-1" dirty="0">
               <a:solidFill>
@@ -17067,6 +17008,75 @@
               <a:t> TOP 5 error: The correct answer is in the top-5 guess</a:t>
             </a:r>
             <a:endParaRPr lang="en-US" sz="3200" b="0" strike="noStrike" spc="-1" dirty="0">
+              <a:solidFill>
+                <a:srgbClr val="000000"/>
+              </a:solidFill>
+              <a:uFill>
+                <a:solidFill>
+                  <a:srgbClr val="FFFFFF"/>
+                </a:solidFill>
+              </a:uFill>
+              <a:latin typeface="Arial"/>
+            </a:endParaRPr>
+          </a:p>
+        </p:txBody>
+      </p:sp>
+      <p:sp>
+        <p:nvSpPr>
+          <p:cNvPr id="4" name="CustomShape 2"/>
+          <p:cNvSpPr/>
+          <p:nvPr/>
+        </p:nvSpPr>
+        <p:spPr>
+          <a:xfrm>
+            <a:off x="695880" y="1023480"/>
+            <a:ext cx="558720" cy="516600"/>
+          </a:xfrm>
+          <a:prstGeom prst="rect">
+            <a:avLst/>
+          </a:prstGeom>
+          <a:noFill/>
+          <a:ln>
+            <a:noFill/>
+          </a:ln>
+        </p:spPr>
+        <p:style>
+          <a:lnRef idx="0">
+            <a:scrgbClr r="0" g="0" b="0"/>
+          </a:lnRef>
+          <a:fillRef idx="0">
+            <a:scrgbClr r="0" g="0" b="0"/>
+          </a:fillRef>
+          <a:effectRef idx="0">
+            <a:scrgbClr r="0" g="0" b="0"/>
+          </a:effectRef>
+          <a:fontRef idx="minor"/>
+        </p:style>
+        <p:txBody>
+          <a:bodyPr lIns="90000" tIns="45000" rIns="90000" bIns="45000"/>
+          <a:lstStyle/>
+          <a:p>
+            <a:pPr>
+              <a:lnSpc>
+                <a:spcPct val="100000"/>
+              </a:lnSpc>
+            </a:pPr>
+            <a:r>
+              <a:rPr lang="en-US" sz="2800" b="1" strike="noStrike" spc="-1" dirty="0" smtClean="0">
+                <a:solidFill>
+                  <a:srgbClr val="FFFFFF"/>
+                </a:solidFill>
+                <a:uFill>
+                  <a:solidFill>
+                    <a:srgbClr val="FFFFFF"/>
+                  </a:solidFill>
+                </a:uFill>
+                <a:latin typeface="Calibri"/>
+                <a:ea typeface="DejaVu Sans"/>
+              </a:rPr>
+              <a:t>03</a:t>
+            </a:r>
+            <a:endParaRPr lang="en-US" sz="1800" b="0" strike="noStrike" spc="-1" dirty="0">
               <a:solidFill>
                 <a:srgbClr val="000000"/>
               </a:solidFill>
@@ -17258,7 +17268,7 @@
                 </a:uFill>
                 <a:latin typeface="Calibri"/>
               </a:rPr>
-              <a:t>03</a:t>
+              <a:t>04</a:t>
             </a:r>
             <a:endParaRPr lang="en-US" sz="1800" b="0" strike="noStrike" spc="-1" dirty="0">
               <a:solidFill>
@@ -17959,7 +17969,7 @@
           <a:graphicData uri="http://schemas.openxmlformats.org/presentationml/2006/ole">
             <mc:AlternateContent xmlns:mc="http://schemas.openxmlformats.org/markup-compatibility/2006">
               <mc:Choice xmlns:v="urn:schemas-microsoft-com:vml" Requires="v">
-                <p:oleObj spid="_x0000_s1059" name="公式" r:id="rId4" imgW="126720" imgH="215640" progId="Equation.3">
+                <p:oleObj spid="_x0000_s1065" name="公式" r:id="rId4" imgW="126720" imgH="215640" progId="Equation.3">
                   <p:embed/>
                 </p:oleObj>
               </mc:Choice>

--- a/presentation.pptx
+++ b/presentation.pptx
@@ -9605,22 +9605,7 @@
                 <a:latin typeface="Times New Roman"/>
                 <a:ea typeface="DejaVu Sans"/>
               </a:rPr>
-              <a:t>Dataset for Image </a:t>
-            </a:r>
-            <a:r>
-              <a:rPr lang="en-US" sz="2400" spc="-1" dirty="0" smtClean="0">
-                <a:solidFill>
-                  <a:srgbClr val="000000"/>
-                </a:solidFill>
-                <a:uFill>
-                  <a:solidFill>
-                    <a:srgbClr val="FFFFFF"/>
-                  </a:solidFill>
-                </a:uFill>
-                <a:latin typeface="Times New Roman"/>
-                <a:ea typeface="DejaVu Sans"/>
-              </a:rPr>
-              <a:t>Classification</a:t>
+              <a:t>Dataset for Image Classification</a:t>
             </a:r>
           </a:p>
           <a:p>
@@ -9649,18 +9634,6 @@
               </a:rPr>
               <a:t>Evaluation</a:t>
             </a:r>
-            <a:endParaRPr lang="en-US" sz="2400" b="0" strike="noStrike" spc="-1" dirty="0" smtClean="0">
-              <a:solidFill>
-                <a:srgbClr val="000000"/>
-              </a:solidFill>
-              <a:uFill>
-                <a:solidFill>
-                  <a:srgbClr val="FFFFFF"/>
-                </a:solidFill>
-              </a:uFill>
-              <a:latin typeface="Times New Roman"/>
-              <a:ea typeface="DejaVu Sans"/>
-            </a:endParaRPr>
           </a:p>
           <a:p>
             <a:pPr marL="285840" indent="-285120">
@@ -17293,7 +17266,7 @@
         <p:spPr>
           <a:xfrm>
             <a:off x="1254600" y="2244436"/>
-            <a:ext cx="6048922" cy="2554545"/>
+            <a:ext cx="6048922" cy="3046988"/>
           </a:xfrm>
           <a:prstGeom prst="rect">
             <a:avLst/>
@@ -17324,6 +17297,17 @@
             <a:r>
               <a:rPr lang="en-US" altLang="zh-CN" sz="3200" dirty="0" err="1" smtClean="0"/>
               <a:t>ZFNet</a:t>
+            </a:r>
+            <a:endParaRPr lang="en-US" altLang="zh-CN" sz="3200" dirty="0" smtClean="0"/>
+          </a:p>
+          <a:p>
+            <a:pPr marL="285750" indent="-285750">
+              <a:buFont typeface="Wingdings" panose="05000000000000000000" pitchFamily="2" charset="2"/>
+              <a:buChar char="Ø"/>
+            </a:pPr>
+            <a:r>
+              <a:rPr lang="en-US" altLang="zh-CN" sz="3200" dirty="0"/>
+              <a:t>NIN</a:t>
             </a:r>
             <a:endParaRPr lang="en-US" altLang="zh-CN" sz="3200" dirty="0" smtClean="0"/>
           </a:p>
@@ -17969,7 +17953,7 @@
           <a:graphicData uri="http://schemas.openxmlformats.org/presentationml/2006/ole">
             <mc:AlternateContent xmlns:mc="http://schemas.openxmlformats.org/markup-compatibility/2006">
               <mc:Choice xmlns:v="urn:schemas-microsoft-com:vml" Requires="v">
-                <p:oleObj spid="_x0000_s1065" name="公式" r:id="rId4" imgW="126720" imgH="215640" progId="Equation.3">
+                <p:oleObj spid="_x0000_s1068" name="公式" r:id="rId4" imgW="126720" imgH="215640" progId="Equation.3">
                   <p:embed/>
                 </p:oleObj>
               </mc:Choice>
